--- a/docs/source/figures/figures.pptx
+++ b/docs/source/figures/figures.pptx
@@ -5,13 +5,14 @@
     <p:sldMasterId id="2147483648" r:id="rId1"/>
   </p:sldMasterIdLst>
   <p:notesMasterIdLst>
-    <p:notesMasterId r:id="rId6"/>
+    <p:notesMasterId r:id="rId7"/>
   </p:notesMasterIdLst>
   <p:sldIdLst>
     <p:sldId id="260" r:id="rId2"/>
-    <p:sldId id="256" r:id="rId3"/>
-    <p:sldId id="258" r:id="rId4"/>
-    <p:sldId id="259" r:id="rId5"/>
+    <p:sldId id="261" r:id="rId3"/>
+    <p:sldId id="256" r:id="rId4"/>
+    <p:sldId id="258" r:id="rId5"/>
+    <p:sldId id="259" r:id="rId6"/>
   </p:sldIdLst>
   <p:sldSz cx="12192000" cy="6858000"/>
   <p:notesSz cx="6858000" cy="9144000"/>
@@ -636,7 +637,7 @@
     </p:spTree>
     <p:extLst>
       <p:ext uri="{BB962C8B-B14F-4D97-AF65-F5344CB8AC3E}">
-        <p14:creationId xmlns:p14="http://schemas.microsoft.com/office/powerpoint/2010/main" val="2841486527"/>
+        <p14:creationId xmlns:p14="http://schemas.microsoft.com/office/powerpoint/2010/main" val="2673187647"/>
       </p:ext>
     </p:extLst>
   </p:cSld>
@@ -720,7 +721,7 @@
     </p:spTree>
     <p:extLst>
       <p:ext uri="{BB962C8B-B14F-4D97-AF65-F5344CB8AC3E}">
-        <p14:creationId xmlns:p14="http://schemas.microsoft.com/office/powerpoint/2010/main" val="786792680"/>
+        <p14:creationId xmlns:p14="http://schemas.microsoft.com/office/powerpoint/2010/main" val="2841486527"/>
       </p:ext>
     </p:extLst>
   </p:cSld>
@@ -796,6 +797,90 @@
             <a:fld id="{69BA16CC-A804-B84A-872F-1EF0D5231479}" type="slidenum">
               <a:rPr lang="en-US" smtClean="0"/>
               <a:t>4</a:t>
+            </a:fld>
+            <a:endParaRPr lang="en-US"/>
+          </a:p>
+        </p:txBody>
+      </p:sp>
+    </p:spTree>
+    <p:extLst>
+      <p:ext uri="{BB962C8B-B14F-4D97-AF65-F5344CB8AC3E}">
+        <p14:creationId xmlns:p14="http://schemas.microsoft.com/office/powerpoint/2010/main" val="786792680"/>
+      </p:ext>
+    </p:extLst>
+  </p:cSld>
+  <p:clrMapOvr>
+    <a:masterClrMapping/>
+  </p:clrMapOvr>
+</p:notes>
+</file>
+
+<file path=ppt/notesSlides/notesSlide5.xml><?xml version="1.0" encoding="utf-8"?>
+<p:notes xmlns:a="http://schemas.openxmlformats.org/drawingml/2006/main" xmlns:r="http://schemas.openxmlformats.org/officeDocument/2006/relationships" xmlns:p="http://schemas.openxmlformats.org/presentationml/2006/main">
+  <p:cSld>
+    <p:spTree>
+      <p:nvGrpSpPr>
+        <p:cNvPr id="1" name=""/>
+        <p:cNvGrpSpPr/>
+        <p:nvPr/>
+      </p:nvGrpSpPr>
+      <p:grpSpPr>
+        <a:xfrm>
+          <a:off x="0" y="0"/>
+          <a:ext cx="0" cy="0"/>
+          <a:chOff x="0" y="0"/>
+          <a:chExt cx="0" cy="0"/>
+        </a:xfrm>
+      </p:grpSpPr>
+      <p:sp>
+        <p:nvSpPr>
+          <p:cNvPr id="2" name="Slide Image Placeholder 1"/>
+          <p:cNvSpPr>
+            <a:spLocks noGrp="1" noRot="1" noChangeAspect="1"/>
+          </p:cNvSpPr>
+          <p:nvPr>
+            <p:ph type="sldImg"/>
+          </p:nvPr>
+        </p:nvSpPr>
+        <p:spPr/>
+      </p:sp>
+      <p:sp>
+        <p:nvSpPr>
+          <p:cNvPr id="3" name="Notes Placeholder 2"/>
+          <p:cNvSpPr>
+            <a:spLocks noGrp="1"/>
+          </p:cNvSpPr>
+          <p:nvPr>
+            <p:ph type="body" idx="1"/>
+          </p:nvPr>
+        </p:nvSpPr>
+        <p:spPr/>
+        <p:txBody>
+          <a:bodyPr/>
+          <a:lstStyle/>
+          <a:p>
+            <a:endParaRPr lang="en-US" dirty="0"/>
+          </a:p>
+        </p:txBody>
+      </p:sp>
+      <p:sp>
+        <p:nvSpPr>
+          <p:cNvPr id="4" name="Slide Number Placeholder 3"/>
+          <p:cNvSpPr>
+            <a:spLocks noGrp="1"/>
+          </p:cNvSpPr>
+          <p:nvPr>
+            <p:ph type="sldNum" sz="quarter" idx="5"/>
+          </p:nvPr>
+        </p:nvSpPr>
+        <p:spPr/>
+        <p:txBody>
+          <a:bodyPr/>
+          <a:lstStyle/>
+          <a:p>
+            <a:fld id="{69BA16CC-A804-B84A-872F-1EF0D5231479}" type="slidenum">
+              <a:rPr lang="en-US" smtClean="0"/>
+              <a:t>5</a:t>
             </a:fld>
             <a:endParaRPr lang="en-US"/>
           </a:p>
@@ -4838,6 +4923,2543 @@
           <a:chExt cx="0" cy="0"/>
         </a:xfrm>
       </p:grpSpPr>
+      <p:pic>
+        <p:nvPicPr>
+          <p:cNvPr id="6" name="Picture 5">
+            <a:extLst>
+              <a:ext uri="{FF2B5EF4-FFF2-40B4-BE49-F238E27FC236}">
+                <a16:creationId xmlns:a16="http://schemas.microsoft.com/office/drawing/2014/main" id="{B1FCB8A1-66B6-584C-8B97-FDDF01A9CE9D}"/>
+              </a:ext>
+            </a:extLst>
+          </p:cNvPr>
+          <p:cNvPicPr>
+            <a:picLocks noChangeAspect="1"/>
+          </p:cNvPicPr>
+          <p:nvPr/>
+        </p:nvPicPr>
+        <p:blipFill>
+          <a:blip r:embed="rId3"/>
+          <a:stretch>
+            <a:fillRect/>
+          </a:stretch>
+        </p:blipFill>
+        <p:spPr>
+          <a:xfrm>
+            <a:off x="2063064" y="4091572"/>
+            <a:ext cx="792287" cy="865141"/>
+          </a:xfrm>
+          <a:prstGeom prst="rect">
+            <a:avLst/>
+          </a:prstGeom>
+        </p:spPr>
+      </p:pic>
+      <p:pic>
+        <p:nvPicPr>
+          <p:cNvPr id="7" name="Picture 6">
+            <a:extLst>
+              <a:ext uri="{FF2B5EF4-FFF2-40B4-BE49-F238E27FC236}">
+                <a16:creationId xmlns:a16="http://schemas.microsoft.com/office/drawing/2014/main" id="{95DECFAA-6FE9-6749-8911-5AB84CCCB277}"/>
+              </a:ext>
+            </a:extLst>
+          </p:cNvPr>
+          <p:cNvPicPr>
+            <a:picLocks noChangeAspect="1"/>
+          </p:cNvPicPr>
+          <p:nvPr/>
+        </p:nvPicPr>
+        <p:blipFill>
+          <a:blip r:embed="rId4"/>
+          <a:stretch>
+            <a:fillRect/>
+          </a:stretch>
+        </p:blipFill>
+        <p:spPr>
+          <a:xfrm>
+            <a:off x="1997537" y="1457251"/>
+            <a:ext cx="901568" cy="919782"/>
+          </a:xfrm>
+          <a:prstGeom prst="rect">
+            <a:avLst/>
+          </a:prstGeom>
+        </p:spPr>
+      </p:pic>
+      <p:sp>
+        <p:nvSpPr>
+          <p:cNvPr id="111" name="Rectangle 110">
+            <a:extLst>
+              <a:ext uri="{FF2B5EF4-FFF2-40B4-BE49-F238E27FC236}">
+                <a16:creationId xmlns:a16="http://schemas.microsoft.com/office/drawing/2014/main" id="{509D345F-7598-8844-BDCA-E915B5B2DD32}"/>
+              </a:ext>
+            </a:extLst>
+          </p:cNvPr>
+          <p:cNvSpPr/>
+          <p:nvPr/>
+        </p:nvSpPr>
+        <p:spPr>
+          <a:xfrm>
+            <a:off x="1636171" y="1162038"/>
+            <a:ext cx="1624300" cy="295213"/>
+          </a:xfrm>
+          <a:prstGeom prst="rect">
+            <a:avLst/>
+          </a:prstGeom>
+          <a:noFill/>
+          <a:ln>
+            <a:noFill/>
+          </a:ln>
+        </p:spPr>
+        <p:style>
+          <a:lnRef idx="2">
+            <a:schemeClr val="accent1">
+              <a:shade val="50000"/>
+            </a:schemeClr>
+          </a:lnRef>
+          <a:fillRef idx="1">
+            <a:schemeClr val="accent1"/>
+          </a:fillRef>
+          <a:effectRef idx="0">
+            <a:schemeClr val="accent1"/>
+          </a:effectRef>
+          <a:fontRef idx="minor">
+            <a:schemeClr val="lt1"/>
+          </a:fontRef>
+        </p:style>
+        <p:txBody>
+          <a:bodyPr lIns="0" tIns="0" rIns="0" bIns="0" rtlCol="0" anchor="ctr" anchorCtr="0"/>
+          <a:lstStyle/>
+          <a:p>
+            <a:pPr algn="ctr"/>
+            <a:r>
+              <a:rPr lang="en-US" sz="1200" dirty="0">
+                <a:solidFill>
+                  <a:schemeClr val="tx1"/>
+                </a:solidFill>
+                <a:latin typeface="Avenir Book" panose="02000503020000020003" pitchFamily="2" charset="0"/>
+              </a:rPr>
+              <a:t>Alice</a:t>
+            </a:r>
+          </a:p>
+        </p:txBody>
+      </p:sp>
+      <p:sp>
+        <p:nvSpPr>
+          <p:cNvPr id="113" name="Rectangle 112">
+            <a:extLst>
+              <a:ext uri="{FF2B5EF4-FFF2-40B4-BE49-F238E27FC236}">
+                <a16:creationId xmlns:a16="http://schemas.microsoft.com/office/drawing/2014/main" id="{5345665F-0158-B84F-9C9C-39F1C343D8FB}"/>
+              </a:ext>
+            </a:extLst>
+          </p:cNvPr>
+          <p:cNvSpPr/>
+          <p:nvPr/>
+        </p:nvSpPr>
+        <p:spPr>
+          <a:xfrm>
+            <a:off x="1647058" y="3796261"/>
+            <a:ext cx="1624300" cy="295213"/>
+          </a:xfrm>
+          <a:prstGeom prst="rect">
+            <a:avLst/>
+          </a:prstGeom>
+          <a:noFill/>
+          <a:ln>
+            <a:noFill/>
+          </a:ln>
+        </p:spPr>
+        <p:style>
+          <a:lnRef idx="2">
+            <a:schemeClr val="accent1">
+              <a:shade val="50000"/>
+            </a:schemeClr>
+          </a:lnRef>
+          <a:fillRef idx="1">
+            <a:schemeClr val="accent1"/>
+          </a:fillRef>
+          <a:effectRef idx="0">
+            <a:schemeClr val="accent1"/>
+          </a:effectRef>
+          <a:fontRef idx="minor">
+            <a:schemeClr val="lt1"/>
+          </a:fontRef>
+        </p:style>
+        <p:txBody>
+          <a:bodyPr lIns="0" tIns="0" rIns="0" bIns="0" rtlCol="0" anchor="ctr" anchorCtr="0"/>
+          <a:lstStyle/>
+          <a:p>
+            <a:pPr algn="ctr"/>
+            <a:r>
+              <a:rPr lang="en-US" sz="1200" dirty="0">
+                <a:solidFill>
+                  <a:schemeClr val="tx1"/>
+                </a:solidFill>
+                <a:latin typeface="Avenir Book" panose="02000503020000020003" pitchFamily="2" charset="0"/>
+              </a:rPr>
+              <a:t>Bob</a:t>
+            </a:r>
+          </a:p>
+        </p:txBody>
+      </p:sp>
+      <p:cxnSp>
+        <p:nvCxnSpPr>
+          <p:cNvPr id="115" name="Straight Arrow Connector 114">
+            <a:extLst>
+              <a:ext uri="{FF2B5EF4-FFF2-40B4-BE49-F238E27FC236}">
+                <a16:creationId xmlns:a16="http://schemas.microsoft.com/office/drawing/2014/main" id="{0F6587E7-8441-D24A-BF64-DFB5A6CE5696}"/>
+              </a:ext>
+            </a:extLst>
+          </p:cNvPr>
+          <p:cNvCxnSpPr>
+            <a:cxnSpLocks/>
+          </p:cNvCxnSpPr>
+          <p:nvPr/>
+        </p:nvCxnSpPr>
+        <p:spPr>
+          <a:xfrm flipV="1">
+            <a:off x="5159396" y="2388463"/>
+            <a:ext cx="0" cy="1534244"/>
+          </a:xfrm>
+          <a:prstGeom prst="straightConnector1">
+            <a:avLst/>
+          </a:prstGeom>
+          <a:ln>
+            <a:solidFill>
+              <a:schemeClr val="tx1"/>
+            </a:solidFill>
+            <a:headEnd type="triangle" w="med" len="med"/>
+            <a:tailEnd type="none" w="med" len="med"/>
+          </a:ln>
+        </p:spPr>
+        <p:style>
+          <a:lnRef idx="1">
+            <a:schemeClr val="accent1"/>
+          </a:lnRef>
+          <a:fillRef idx="0">
+            <a:schemeClr val="accent1"/>
+          </a:fillRef>
+          <a:effectRef idx="0">
+            <a:schemeClr val="accent1"/>
+          </a:effectRef>
+          <a:fontRef idx="minor">
+            <a:schemeClr val="tx1"/>
+          </a:fontRef>
+        </p:style>
+      </p:cxnSp>
+      <p:grpSp>
+        <p:nvGrpSpPr>
+          <p:cNvPr id="17" name="Group 16">
+            <a:extLst>
+              <a:ext uri="{FF2B5EF4-FFF2-40B4-BE49-F238E27FC236}">
+                <a16:creationId xmlns:a16="http://schemas.microsoft.com/office/drawing/2014/main" id="{1DE48B49-F800-7547-A262-FA8A29B43CE1}"/>
+              </a:ext>
+            </a:extLst>
+          </p:cNvPr>
+          <p:cNvGrpSpPr/>
+          <p:nvPr/>
+        </p:nvGrpSpPr>
+        <p:grpSpPr>
+          <a:xfrm>
+            <a:off x="3206379" y="1588398"/>
+            <a:ext cx="3962400" cy="696545"/>
+            <a:chOff x="6629400" y="2351455"/>
+            <a:chExt cx="3962400" cy="696545"/>
+          </a:xfrm>
+        </p:grpSpPr>
+        <p:sp>
+          <p:nvSpPr>
+            <p:cNvPr id="18" name="Rectangle 17">
+              <a:extLst>
+                <a:ext uri="{FF2B5EF4-FFF2-40B4-BE49-F238E27FC236}">
+                  <a16:creationId xmlns:a16="http://schemas.microsoft.com/office/drawing/2014/main" id="{3194E3E2-C45E-B945-8C8C-C7B4A11CE333}"/>
+                </a:ext>
+              </a:extLst>
+            </p:cNvPr>
+            <p:cNvSpPr/>
+            <p:nvPr/>
+          </p:nvSpPr>
+          <p:spPr>
+            <a:xfrm>
+              <a:off x="6629400" y="2351455"/>
+              <a:ext cx="495300" cy="457200"/>
+            </a:xfrm>
+            <a:prstGeom prst="rect">
+              <a:avLst/>
+            </a:prstGeom>
+            <a:noFill/>
+            <a:ln>
+              <a:solidFill>
+                <a:schemeClr val="tx1"/>
+              </a:solidFill>
+            </a:ln>
+          </p:spPr>
+          <p:style>
+            <a:lnRef idx="2">
+              <a:schemeClr val="accent1">
+                <a:shade val="50000"/>
+              </a:schemeClr>
+            </a:lnRef>
+            <a:fillRef idx="1">
+              <a:schemeClr val="accent1"/>
+            </a:fillRef>
+            <a:effectRef idx="0">
+              <a:schemeClr val="accent1"/>
+            </a:effectRef>
+            <a:fontRef idx="minor">
+              <a:schemeClr val="lt1"/>
+            </a:fontRef>
+          </p:style>
+          <p:txBody>
+            <a:bodyPr lIns="0" tIns="0" rIns="0" bIns="0" rtlCol="0" anchor="ctr"/>
+            <a:lstStyle/>
+            <a:p>
+              <a:pPr algn="ctr"/>
+              <a:r>
+                <a:rPr lang="en-US" dirty="0">
+                  <a:solidFill>
+                    <a:schemeClr val="tx1"/>
+                  </a:solidFill>
+                  <a:latin typeface="Avenir Book" panose="02000503020000020003" pitchFamily="2" charset="0"/>
+                </a:rPr>
+                <a:t>1</a:t>
+              </a:r>
+            </a:p>
+          </p:txBody>
+        </p:sp>
+        <p:sp>
+          <p:nvSpPr>
+            <p:cNvPr id="19" name="Rectangle 18">
+              <a:extLst>
+                <a:ext uri="{FF2B5EF4-FFF2-40B4-BE49-F238E27FC236}">
+                  <a16:creationId xmlns:a16="http://schemas.microsoft.com/office/drawing/2014/main" id="{DFED0445-1CA5-EE4E-87DF-9C43FFCF37FB}"/>
+                </a:ext>
+              </a:extLst>
+            </p:cNvPr>
+            <p:cNvSpPr/>
+            <p:nvPr/>
+          </p:nvSpPr>
+          <p:spPr>
+            <a:xfrm>
+              <a:off x="7124700" y="2351455"/>
+              <a:ext cx="495300" cy="457200"/>
+            </a:xfrm>
+            <a:prstGeom prst="rect">
+              <a:avLst/>
+            </a:prstGeom>
+            <a:noFill/>
+            <a:ln>
+              <a:solidFill>
+                <a:schemeClr val="tx1"/>
+              </a:solidFill>
+            </a:ln>
+          </p:spPr>
+          <p:style>
+            <a:lnRef idx="2">
+              <a:schemeClr val="accent1">
+                <a:shade val="50000"/>
+              </a:schemeClr>
+            </a:lnRef>
+            <a:fillRef idx="1">
+              <a:schemeClr val="accent1"/>
+            </a:fillRef>
+            <a:effectRef idx="0">
+              <a:schemeClr val="accent1"/>
+            </a:effectRef>
+            <a:fontRef idx="minor">
+              <a:schemeClr val="lt1"/>
+            </a:fontRef>
+          </p:style>
+          <p:txBody>
+            <a:bodyPr lIns="0" tIns="0" rIns="0" bIns="0" rtlCol="0" anchor="ctr"/>
+            <a:lstStyle/>
+            <a:p>
+              <a:pPr algn="ctr"/>
+              <a:r>
+                <a:rPr lang="en-US" dirty="0">
+                  <a:solidFill>
+                    <a:schemeClr val="tx1"/>
+                  </a:solidFill>
+                  <a:latin typeface="Avenir Book" panose="02000503020000020003" pitchFamily="2" charset="0"/>
+                </a:rPr>
+                <a:t>0</a:t>
+              </a:r>
+            </a:p>
+          </p:txBody>
+        </p:sp>
+        <p:sp>
+          <p:nvSpPr>
+            <p:cNvPr id="20" name="Rectangle 19">
+              <a:extLst>
+                <a:ext uri="{FF2B5EF4-FFF2-40B4-BE49-F238E27FC236}">
+                  <a16:creationId xmlns:a16="http://schemas.microsoft.com/office/drawing/2014/main" id="{D91B0BC5-C1A8-7540-AEEF-1219CC97090D}"/>
+                </a:ext>
+              </a:extLst>
+            </p:cNvPr>
+            <p:cNvSpPr/>
+            <p:nvPr/>
+          </p:nvSpPr>
+          <p:spPr>
+            <a:xfrm>
+              <a:off x="7620000" y="2351455"/>
+              <a:ext cx="495300" cy="457200"/>
+            </a:xfrm>
+            <a:prstGeom prst="rect">
+              <a:avLst/>
+            </a:prstGeom>
+            <a:noFill/>
+            <a:ln>
+              <a:solidFill>
+                <a:schemeClr val="tx1"/>
+              </a:solidFill>
+            </a:ln>
+          </p:spPr>
+          <p:style>
+            <a:lnRef idx="2">
+              <a:schemeClr val="accent1">
+                <a:shade val="50000"/>
+              </a:schemeClr>
+            </a:lnRef>
+            <a:fillRef idx="1">
+              <a:schemeClr val="accent1"/>
+            </a:fillRef>
+            <a:effectRef idx="0">
+              <a:schemeClr val="accent1"/>
+            </a:effectRef>
+            <a:fontRef idx="minor">
+              <a:schemeClr val="lt1"/>
+            </a:fontRef>
+          </p:style>
+          <p:txBody>
+            <a:bodyPr lIns="0" tIns="0" rIns="0" bIns="0" rtlCol="0" anchor="ctr"/>
+            <a:lstStyle/>
+            <a:p>
+              <a:pPr algn="ctr"/>
+              <a:r>
+                <a:rPr lang="en-US" dirty="0">
+                  <a:solidFill>
+                    <a:schemeClr val="tx1"/>
+                  </a:solidFill>
+                  <a:latin typeface="Avenir Book" panose="02000503020000020003" pitchFamily="2" charset="0"/>
+                </a:rPr>
+                <a:t>0</a:t>
+              </a:r>
+            </a:p>
+          </p:txBody>
+        </p:sp>
+        <p:sp>
+          <p:nvSpPr>
+            <p:cNvPr id="21" name="Rectangle 20">
+              <a:extLst>
+                <a:ext uri="{FF2B5EF4-FFF2-40B4-BE49-F238E27FC236}">
+                  <a16:creationId xmlns:a16="http://schemas.microsoft.com/office/drawing/2014/main" id="{180D0B1D-0CEA-614C-B702-AA55052AC012}"/>
+                </a:ext>
+              </a:extLst>
+            </p:cNvPr>
+            <p:cNvSpPr/>
+            <p:nvPr/>
+          </p:nvSpPr>
+          <p:spPr>
+            <a:xfrm>
+              <a:off x="8115300" y="2351455"/>
+              <a:ext cx="495300" cy="457200"/>
+            </a:xfrm>
+            <a:prstGeom prst="rect">
+              <a:avLst/>
+            </a:prstGeom>
+            <a:noFill/>
+            <a:ln>
+              <a:solidFill>
+                <a:schemeClr val="tx1"/>
+              </a:solidFill>
+            </a:ln>
+          </p:spPr>
+          <p:style>
+            <a:lnRef idx="2">
+              <a:schemeClr val="accent1">
+                <a:shade val="50000"/>
+              </a:schemeClr>
+            </a:lnRef>
+            <a:fillRef idx="1">
+              <a:schemeClr val="accent1"/>
+            </a:fillRef>
+            <a:effectRef idx="0">
+              <a:schemeClr val="accent1"/>
+            </a:effectRef>
+            <a:fontRef idx="minor">
+              <a:schemeClr val="lt1"/>
+            </a:fontRef>
+          </p:style>
+          <p:txBody>
+            <a:bodyPr lIns="0" tIns="0" rIns="0" bIns="0" rtlCol="0" anchor="ctr"/>
+            <a:lstStyle/>
+            <a:p>
+              <a:pPr algn="ctr"/>
+              <a:r>
+                <a:rPr lang="en-US" dirty="0">
+                  <a:solidFill>
+                    <a:schemeClr val="tx1"/>
+                  </a:solidFill>
+                  <a:latin typeface="Avenir Book" panose="02000503020000020003" pitchFamily="2" charset="0"/>
+                </a:rPr>
+                <a:t>1</a:t>
+              </a:r>
+            </a:p>
+          </p:txBody>
+        </p:sp>
+        <p:sp>
+          <p:nvSpPr>
+            <p:cNvPr id="22" name="Rectangle 21">
+              <a:extLst>
+                <a:ext uri="{FF2B5EF4-FFF2-40B4-BE49-F238E27FC236}">
+                  <a16:creationId xmlns:a16="http://schemas.microsoft.com/office/drawing/2014/main" id="{FFB29487-304E-014A-BAF4-C5C6EB0C2D5E}"/>
+                </a:ext>
+              </a:extLst>
+            </p:cNvPr>
+            <p:cNvSpPr/>
+            <p:nvPr/>
+          </p:nvSpPr>
+          <p:spPr>
+            <a:xfrm>
+              <a:off x="8610600" y="2351455"/>
+              <a:ext cx="495300" cy="457200"/>
+            </a:xfrm>
+            <a:prstGeom prst="rect">
+              <a:avLst/>
+            </a:prstGeom>
+            <a:noFill/>
+            <a:ln>
+              <a:solidFill>
+                <a:schemeClr val="tx1"/>
+              </a:solidFill>
+            </a:ln>
+          </p:spPr>
+          <p:style>
+            <a:lnRef idx="2">
+              <a:schemeClr val="accent1">
+                <a:shade val="50000"/>
+              </a:schemeClr>
+            </a:lnRef>
+            <a:fillRef idx="1">
+              <a:schemeClr val="accent1"/>
+            </a:fillRef>
+            <a:effectRef idx="0">
+              <a:schemeClr val="accent1"/>
+            </a:effectRef>
+            <a:fontRef idx="minor">
+              <a:schemeClr val="lt1"/>
+            </a:fontRef>
+          </p:style>
+          <p:txBody>
+            <a:bodyPr lIns="0" tIns="0" rIns="0" bIns="0" rtlCol="0" anchor="ctr"/>
+            <a:lstStyle/>
+            <a:p>
+              <a:pPr algn="ctr"/>
+              <a:r>
+                <a:rPr lang="en-US" dirty="0">
+                  <a:solidFill>
+                    <a:schemeClr val="tx1"/>
+                  </a:solidFill>
+                  <a:latin typeface="Avenir Book" panose="02000503020000020003" pitchFamily="2" charset="0"/>
+                </a:rPr>
+                <a:t>1</a:t>
+              </a:r>
+            </a:p>
+          </p:txBody>
+        </p:sp>
+        <p:sp>
+          <p:nvSpPr>
+            <p:cNvPr id="23" name="Rectangle 22">
+              <a:extLst>
+                <a:ext uri="{FF2B5EF4-FFF2-40B4-BE49-F238E27FC236}">
+                  <a16:creationId xmlns:a16="http://schemas.microsoft.com/office/drawing/2014/main" id="{ED040568-EC6C-8C46-A0F3-E8BF450B4EB0}"/>
+                </a:ext>
+              </a:extLst>
+            </p:cNvPr>
+            <p:cNvSpPr/>
+            <p:nvPr/>
+          </p:nvSpPr>
+          <p:spPr>
+            <a:xfrm>
+              <a:off x="9105900" y="2351455"/>
+              <a:ext cx="495300" cy="457200"/>
+            </a:xfrm>
+            <a:prstGeom prst="rect">
+              <a:avLst/>
+            </a:prstGeom>
+            <a:noFill/>
+            <a:ln>
+              <a:solidFill>
+                <a:schemeClr val="tx1"/>
+              </a:solidFill>
+            </a:ln>
+          </p:spPr>
+          <p:style>
+            <a:lnRef idx="2">
+              <a:schemeClr val="accent1">
+                <a:shade val="50000"/>
+              </a:schemeClr>
+            </a:lnRef>
+            <a:fillRef idx="1">
+              <a:schemeClr val="accent1"/>
+            </a:fillRef>
+            <a:effectRef idx="0">
+              <a:schemeClr val="accent1"/>
+            </a:effectRef>
+            <a:fontRef idx="minor">
+              <a:schemeClr val="lt1"/>
+            </a:fontRef>
+          </p:style>
+          <p:txBody>
+            <a:bodyPr lIns="0" tIns="0" rIns="0" bIns="0" rtlCol="0" anchor="ctr"/>
+            <a:lstStyle/>
+            <a:p>
+              <a:pPr algn="ctr"/>
+              <a:r>
+                <a:rPr lang="en-US" dirty="0">
+                  <a:solidFill>
+                    <a:schemeClr val="tx1"/>
+                  </a:solidFill>
+                  <a:latin typeface="Avenir Book" panose="02000503020000020003" pitchFamily="2" charset="0"/>
+                </a:rPr>
+                <a:t>0</a:t>
+              </a:r>
+            </a:p>
+          </p:txBody>
+        </p:sp>
+        <p:sp>
+          <p:nvSpPr>
+            <p:cNvPr id="24" name="Rectangle 23">
+              <a:extLst>
+                <a:ext uri="{FF2B5EF4-FFF2-40B4-BE49-F238E27FC236}">
+                  <a16:creationId xmlns:a16="http://schemas.microsoft.com/office/drawing/2014/main" id="{C3C673D9-CD33-8A40-950D-78CE2AE08230}"/>
+                </a:ext>
+              </a:extLst>
+            </p:cNvPr>
+            <p:cNvSpPr/>
+            <p:nvPr/>
+          </p:nvSpPr>
+          <p:spPr>
+            <a:xfrm>
+              <a:off x="6629400" y="2808514"/>
+              <a:ext cx="495300" cy="239486"/>
+            </a:xfrm>
+            <a:prstGeom prst="rect">
+              <a:avLst/>
+            </a:prstGeom>
+            <a:noFill/>
+            <a:ln>
+              <a:noFill/>
+            </a:ln>
+          </p:spPr>
+          <p:style>
+            <a:lnRef idx="2">
+              <a:schemeClr val="accent1">
+                <a:shade val="50000"/>
+              </a:schemeClr>
+            </a:lnRef>
+            <a:fillRef idx="1">
+              <a:schemeClr val="accent1"/>
+            </a:fillRef>
+            <a:effectRef idx="0">
+              <a:schemeClr val="accent1"/>
+            </a:effectRef>
+            <a:fontRef idx="minor">
+              <a:schemeClr val="lt1"/>
+            </a:fontRef>
+          </p:style>
+          <p:txBody>
+            <a:bodyPr lIns="0" tIns="0" rIns="0" bIns="0" rtlCol="0" anchor="b" anchorCtr="0"/>
+            <a:lstStyle/>
+            <a:p>
+              <a:pPr algn="ctr"/>
+              <a:r>
+                <a:rPr lang="en-US" sz="1200" dirty="0">
+                  <a:solidFill>
+                    <a:schemeClr val="tx1"/>
+                  </a:solidFill>
+                  <a:latin typeface="Avenir Book" panose="02000503020000020003" pitchFamily="2" charset="0"/>
+                </a:rPr>
+                <a:t>0</a:t>
+              </a:r>
+            </a:p>
+          </p:txBody>
+        </p:sp>
+        <p:sp>
+          <p:nvSpPr>
+            <p:cNvPr id="25" name="Rectangle 24">
+              <a:extLst>
+                <a:ext uri="{FF2B5EF4-FFF2-40B4-BE49-F238E27FC236}">
+                  <a16:creationId xmlns:a16="http://schemas.microsoft.com/office/drawing/2014/main" id="{FEABDC75-9C0B-5649-B9C6-EB6FA7E0D521}"/>
+                </a:ext>
+              </a:extLst>
+            </p:cNvPr>
+            <p:cNvSpPr/>
+            <p:nvPr/>
+          </p:nvSpPr>
+          <p:spPr>
+            <a:xfrm>
+              <a:off x="7124700" y="2808514"/>
+              <a:ext cx="495300" cy="239486"/>
+            </a:xfrm>
+            <a:prstGeom prst="rect">
+              <a:avLst/>
+            </a:prstGeom>
+            <a:noFill/>
+            <a:ln>
+              <a:noFill/>
+            </a:ln>
+          </p:spPr>
+          <p:style>
+            <a:lnRef idx="2">
+              <a:schemeClr val="accent1">
+                <a:shade val="50000"/>
+              </a:schemeClr>
+            </a:lnRef>
+            <a:fillRef idx="1">
+              <a:schemeClr val="accent1"/>
+            </a:fillRef>
+            <a:effectRef idx="0">
+              <a:schemeClr val="accent1"/>
+            </a:effectRef>
+            <a:fontRef idx="minor">
+              <a:schemeClr val="lt1"/>
+            </a:fontRef>
+          </p:style>
+          <p:txBody>
+            <a:bodyPr lIns="0" tIns="0" rIns="0" bIns="0" rtlCol="0" anchor="b" anchorCtr="0"/>
+            <a:lstStyle/>
+            <a:p>
+              <a:pPr algn="ctr"/>
+              <a:r>
+                <a:rPr lang="en-US" sz="1200" dirty="0">
+                  <a:solidFill>
+                    <a:schemeClr val="tx1"/>
+                  </a:solidFill>
+                  <a:latin typeface="Avenir Book" panose="02000503020000020003" pitchFamily="2" charset="0"/>
+                </a:rPr>
+                <a:t>1</a:t>
+              </a:r>
+            </a:p>
+          </p:txBody>
+        </p:sp>
+        <p:sp>
+          <p:nvSpPr>
+            <p:cNvPr id="26" name="Rectangle 25">
+              <a:extLst>
+                <a:ext uri="{FF2B5EF4-FFF2-40B4-BE49-F238E27FC236}">
+                  <a16:creationId xmlns:a16="http://schemas.microsoft.com/office/drawing/2014/main" id="{2135CF8E-5344-1842-9CB1-26AC18A833F0}"/>
+                </a:ext>
+              </a:extLst>
+            </p:cNvPr>
+            <p:cNvSpPr/>
+            <p:nvPr/>
+          </p:nvSpPr>
+          <p:spPr>
+            <a:xfrm>
+              <a:off x="7620000" y="2808514"/>
+              <a:ext cx="495300" cy="239486"/>
+            </a:xfrm>
+            <a:prstGeom prst="rect">
+              <a:avLst/>
+            </a:prstGeom>
+            <a:noFill/>
+            <a:ln>
+              <a:noFill/>
+            </a:ln>
+          </p:spPr>
+          <p:style>
+            <a:lnRef idx="2">
+              <a:schemeClr val="accent1">
+                <a:shade val="50000"/>
+              </a:schemeClr>
+            </a:lnRef>
+            <a:fillRef idx="1">
+              <a:schemeClr val="accent1"/>
+            </a:fillRef>
+            <a:effectRef idx="0">
+              <a:schemeClr val="accent1"/>
+            </a:effectRef>
+            <a:fontRef idx="minor">
+              <a:schemeClr val="lt1"/>
+            </a:fontRef>
+          </p:style>
+          <p:txBody>
+            <a:bodyPr lIns="0" tIns="0" rIns="0" bIns="0" rtlCol="0" anchor="b" anchorCtr="0"/>
+            <a:lstStyle/>
+            <a:p>
+              <a:pPr algn="ctr"/>
+              <a:r>
+                <a:rPr lang="en-US" sz="1200" dirty="0">
+                  <a:solidFill>
+                    <a:schemeClr val="tx1"/>
+                  </a:solidFill>
+                  <a:latin typeface="Avenir Book" panose="02000503020000020003" pitchFamily="2" charset="0"/>
+                </a:rPr>
+                <a:t>2</a:t>
+              </a:r>
+            </a:p>
+          </p:txBody>
+        </p:sp>
+        <p:sp>
+          <p:nvSpPr>
+            <p:cNvPr id="27" name="Rectangle 26">
+              <a:extLst>
+                <a:ext uri="{FF2B5EF4-FFF2-40B4-BE49-F238E27FC236}">
+                  <a16:creationId xmlns:a16="http://schemas.microsoft.com/office/drawing/2014/main" id="{14B370A9-F502-E84A-AED0-D6D0B2B8A8A2}"/>
+                </a:ext>
+              </a:extLst>
+            </p:cNvPr>
+            <p:cNvSpPr/>
+            <p:nvPr/>
+          </p:nvSpPr>
+          <p:spPr>
+            <a:xfrm>
+              <a:off x="8115300" y="2808514"/>
+              <a:ext cx="495300" cy="239486"/>
+            </a:xfrm>
+            <a:prstGeom prst="rect">
+              <a:avLst/>
+            </a:prstGeom>
+            <a:noFill/>
+            <a:ln>
+              <a:noFill/>
+            </a:ln>
+          </p:spPr>
+          <p:style>
+            <a:lnRef idx="2">
+              <a:schemeClr val="accent1">
+                <a:shade val="50000"/>
+              </a:schemeClr>
+            </a:lnRef>
+            <a:fillRef idx="1">
+              <a:schemeClr val="accent1"/>
+            </a:fillRef>
+            <a:effectRef idx="0">
+              <a:schemeClr val="accent1"/>
+            </a:effectRef>
+            <a:fontRef idx="minor">
+              <a:schemeClr val="lt1"/>
+            </a:fontRef>
+          </p:style>
+          <p:txBody>
+            <a:bodyPr lIns="0" tIns="0" rIns="0" bIns="0" rtlCol="0" anchor="b" anchorCtr="0"/>
+            <a:lstStyle/>
+            <a:p>
+              <a:pPr algn="ctr"/>
+              <a:r>
+                <a:rPr lang="en-US" sz="1200" dirty="0">
+                  <a:solidFill>
+                    <a:schemeClr val="tx1"/>
+                  </a:solidFill>
+                  <a:latin typeface="Avenir Book" panose="02000503020000020003" pitchFamily="2" charset="0"/>
+                </a:rPr>
+                <a:t>3</a:t>
+              </a:r>
+            </a:p>
+          </p:txBody>
+        </p:sp>
+        <p:sp>
+          <p:nvSpPr>
+            <p:cNvPr id="28" name="Rectangle 27">
+              <a:extLst>
+                <a:ext uri="{FF2B5EF4-FFF2-40B4-BE49-F238E27FC236}">
+                  <a16:creationId xmlns:a16="http://schemas.microsoft.com/office/drawing/2014/main" id="{7A3AEDDA-32E5-8C4C-A67C-72B4330565CC}"/>
+                </a:ext>
+              </a:extLst>
+            </p:cNvPr>
+            <p:cNvSpPr/>
+            <p:nvPr/>
+          </p:nvSpPr>
+          <p:spPr>
+            <a:xfrm>
+              <a:off x="8614229" y="2808514"/>
+              <a:ext cx="495300" cy="239486"/>
+            </a:xfrm>
+            <a:prstGeom prst="rect">
+              <a:avLst/>
+            </a:prstGeom>
+            <a:noFill/>
+            <a:ln>
+              <a:noFill/>
+            </a:ln>
+          </p:spPr>
+          <p:style>
+            <a:lnRef idx="2">
+              <a:schemeClr val="accent1">
+                <a:shade val="50000"/>
+              </a:schemeClr>
+            </a:lnRef>
+            <a:fillRef idx="1">
+              <a:schemeClr val="accent1"/>
+            </a:fillRef>
+            <a:effectRef idx="0">
+              <a:schemeClr val="accent1"/>
+            </a:effectRef>
+            <a:fontRef idx="minor">
+              <a:schemeClr val="lt1"/>
+            </a:fontRef>
+          </p:style>
+          <p:txBody>
+            <a:bodyPr lIns="0" tIns="0" rIns="0" bIns="0" rtlCol="0" anchor="b" anchorCtr="0"/>
+            <a:lstStyle/>
+            <a:p>
+              <a:pPr algn="ctr"/>
+              <a:r>
+                <a:rPr lang="en-US" sz="1200" dirty="0">
+                  <a:solidFill>
+                    <a:schemeClr val="tx1"/>
+                  </a:solidFill>
+                  <a:latin typeface="Avenir Book" panose="02000503020000020003" pitchFamily="2" charset="0"/>
+                </a:rPr>
+                <a:t>4</a:t>
+              </a:r>
+            </a:p>
+          </p:txBody>
+        </p:sp>
+        <p:sp>
+          <p:nvSpPr>
+            <p:cNvPr id="29" name="Rectangle 28">
+              <a:extLst>
+                <a:ext uri="{FF2B5EF4-FFF2-40B4-BE49-F238E27FC236}">
+                  <a16:creationId xmlns:a16="http://schemas.microsoft.com/office/drawing/2014/main" id="{7012698C-DDB7-8546-8869-12C68DC2AE1F}"/>
+                </a:ext>
+              </a:extLst>
+            </p:cNvPr>
+            <p:cNvSpPr/>
+            <p:nvPr/>
+          </p:nvSpPr>
+          <p:spPr>
+            <a:xfrm>
+              <a:off x="9109529" y="2808514"/>
+              <a:ext cx="495300" cy="239486"/>
+            </a:xfrm>
+            <a:prstGeom prst="rect">
+              <a:avLst/>
+            </a:prstGeom>
+            <a:noFill/>
+            <a:ln>
+              <a:noFill/>
+            </a:ln>
+          </p:spPr>
+          <p:style>
+            <a:lnRef idx="2">
+              <a:schemeClr val="accent1">
+                <a:shade val="50000"/>
+              </a:schemeClr>
+            </a:lnRef>
+            <a:fillRef idx="1">
+              <a:schemeClr val="accent1"/>
+            </a:fillRef>
+            <a:effectRef idx="0">
+              <a:schemeClr val="accent1"/>
+            </a:effectRef>
+            <a:fontRef idx="minor">
+              <a:schemeClr val="lt1"/>
+            </a:fontRef>
+          </p:style>
+          <p:txBody>
+            <a:bodyPr lIns="0" tIns="0" rIns="0" bIns="0" rtlCol="0" anchor="b" anchorCtr="0"/>
+            <a:lstStyle/>
+            <a:p>
+              <a:pPr algn="ctr"/>
+              <a:r>
+                <a:rPr lang="en-US" sz="1200" dirty="0">
+                  <a:solidFill>
+                    <a:schemeClr val="tx1"/>
+                  </a:solidFill>
+                  <a:latin typeface="Avenir Book" panose="02000503020000020003" pitchFamily="2" charset="0"/>
+                </a:rPr>
+                <a:t>5</a:t>
+              </a:r>
+            </a:p>
+          </p:txBody>
+        </p:sp>
+        <p:sp>
+          <p:nvSpPr>
+            <p:cNvPr id="30" name="Rectangle 29">
+              <a:extLst>
+                <a:ext uri="{FF2B5EF4-FFF2-40B4-BE49-F238E27FC236}">
+                  <a16:creationId xmlns:a16="http://schemas.microsoft.com/office/drawing/2014/main" id="{52344AF3-AF37-6848-95C8-4976A38ECC2E}"/>
+                </a:ext>
+              </a:extLst>
+            </p:cNvPr>
+            <p:cNvSpPr/>
+            <p:nvPr/>
+          </p:nvSpPr>
+          <p:spPr>
+            <a:xfrm>
+              <a:off x="9601200" y="2351455"/>
+              <a:ext cx="495300" cy="457200"/>
+            </a:xfrm>
+            <a:prstGeom prst="rect">
+              <a:avLst/>
+            </a:prstGeom>
+            <a:noFill/>
+            <a:ln>
+              <a:solidFill>
+                <a:schemeClr val="tx1"/>
+              </a:solidFill>
+            </a:ln>
+          </p:spPr>
+          <p:style>
+            <a:lnRef idx="2">
+              <a:schemeClr val="accent1">
+                <a:shade val="50000"/>
+              </a:schemeClr>
+            </a:lnRef>
+            <a:fillRef idx="1">
+              <a:schemeClr val="accent1"/>
+            </a:fillRef>
+            <a:effectRef idx="0">
+              <a:schemeClr val="accent1"/>
+            </a:effectRef>
+            <a:fontRef idx="minor">
+              <a:schemeClr val="lt1"/>
+            </a:fontRef>
+          </p:style>
+          <p:txBody>
+            <a:bodyPr lIns="0" tIns="0" rIns="0" bIns="0" rtlCol="0" anchor="ctr"/>
+            <a:lstStyle/>
+            <a:p>
+              <a:pPr algn="ctr"/>
+              <a:r>
+                <a:rPr lang="en-US" dirty="0">
+                  <a:solidFill>
+                    <a:schemeClr val="tx1"/>
+                  </a:solidFill>
+                  <a:latin typeface="Avenir Book" panose="02000503020000020003" pitchFamily="2" charset="0"/>
+                </a:rPr>
+                <a:t>1</a:t>
+              </a:r>
+            </a:p>
+          </p:txBody>
+        </p:sp>
+        <p:sp>
+          <p:nvSpPr>
+            <p:cNvPr id="31" name="Rectangle 30">
+              <a:extLst>
+                <a:ext uri="{FF2B5EF4-FFF2-40B4-BE49-F238E27FC236}">
+                  <a16:creationId xmlns:a16="http://schemas.microsoft.com/office/drawing/2014/main" id="{95623A37-1C8D-3C47-95B4-49DAAFBE9778}"/>
+                </a:ext>
+              </a:extLst>
+            </p:cNvPr>
+            <p:cNvSpPr/>
+            <p:nvPr/>
+          </p:nvSpPr>
+          <p:spPr>
+            <a:xfrm>
+              <a:off x="10096500" y="2351455"/>
+              <a:ext cx="495300" cy="457200"/>
+            </a:xfrm>
+            <a:prstGeom prst="rect">
+              <a:avLst/>
+            </a:prstGeom>
+            <a:noFill/>
+            <a:ln>
+              <a:solidFill>
+                <a:schemeClr val="tx1"/>
+              </a:solidFill>
+            </a:ln>
+          </p:spPr>
+          <p:style>
+            <a:lnRef idx="2">
+              <a:schemeClr val="accent1">
+                <a:shade val="50000"/>
+              </a:schemeClr>
+            </a:lnRef>
+            <a:fillRef idx="1">
+              <a:schemeClr val="accent1"/>
+            </a:fillRef>
+            <a:effectRef idx="0">
+              <a:schemeClr val="accent1"/>
+            </a:effectRef>
+            <a:fontRef idx="minor">
+              <a:schemeClr val="lt1"/>
+            </a:fontRef>
+          </p:style>
+          <p:txBody>
+            <a:bodyPr lIns="0" tIns="0" rIns="0" bIns="0" rtlCol="0" anchor="ctr"/>
+            <a:lstStyle/>
+            <a:p>
+              <a:pPr algn="ctr"/>
+              <a:r>
+                <a:rPr lang="en-US" dirty="0">
+                  <a:solidFill>
+                    <a:schemeClr val="tx1"/>
+                  </a:solidFill>
+                  <a:latin typeface="Avenir Book" panose="02000503020000020003" pitchFamily="2" charset="0"/>
+                </a:rPr>
+                <a:t>1</a:t>
+              </a:r>
+            </a:p>
+          </p:txBody>
+        </p:sp>
+        <p:sp>
+          <p:nvSpPr>
+            <p:cNvPr id="32" name="Rectangle 31">
+              <a:extLst>
+                <a:ext uri="{FF2B5EF4-FFF2-40B4-BE49-F238E27FC236}">
+                  <a16:creationId xmlns:a16="http://schemas.microsoft.com/office/drawing/2014/main" id="{44FAB570-40E5-0A41-8A03-B36FA892208C}"/>
+                </a:ext>
+              </a:extLst>
+            </p:cNvPr>
+            <p:cNvSpPr/>
+            <p:nvPr/>
+          </p:nvSpPr>
+          <p:spPr>
+            <a:xfrm>
+              <a:off x="9597571" y="2808514"/>
+              <a:ext cx="495300" cy="239486"/>
+            </a:xfrm>
+            <a:prstGeom prst="rect">
+              <a:avLst/>
+            </a:prstGeom>
+            <a:noFill/>
+            <a:ln>
+              <a:noFill/>
+            </a:ln>
+          </p:spPr>
+          <p:style>
+            <a:lnRef idx="2">
+              <a:schemeClr val="accent1">
+                <a:shade val="50000"/>
+              </a:schemeClr>
+            </a:lnRef>
+            <a:fillRef idx="1">
+              <a:schemeClr val="accent1"/>
+            </a:fillRef>
+            <a:effectRef idx="0">
+              <a:schemeClr val="accent1"/>
+            </a:effectRef>
+            <a:fontRef idx="minor">
+              <a:schemeClr val="lt1"/>
+            </a:fontRef>
+          </p:style>
+          <p:txBody>
+            <a:bodyPr lIns="0" tIns="0" rIns="0" bIns="0" rtlCol="0" anchor="b" anchorCtr="0"/>
+            <a:lstStyle/>
+            <a:p>
+              <a:pPr algn="ctr"/>
+              <a:r>
+                <a:rPr lang="en-US" sz="1200" dirty="0">
+                  <a:solidFill>
+                    <a:schemeClr val="tx1"/>
+                  </a:solidFill>
+                  <a:latin typeface="Avenir Book" panose="02000503020000020003" pitchFamily="2" charset="0"/>
+                </a:rPr>
+                <a:t>6</a:t>
+              </a:r>
+            </a:p>
+          </p:txBody>
+        </p:sp>
+        <p:sp>
+          <p:nvSpPr>
+            <p:cNvPr id="33" name="Rectangle 32">
+              <a:extLst>
+                <a:ext uri="{FF2B5EF4-FFF2-40B4-BE49-F238E27FC236}">
+                  <a16:creationId xmlns:a16="http://schemas.microsoft.com/office/drawing/2014/main" id="{7E421FED-537F-8A41-A3A5-F24015F5A004}"/>
+                </a:ext>
+              </a:extLst>
+            </p:cNvPr>
+            <p:cNvSpPr/>
+            <p:nvPr/>
+          </p:nvSpPr>
+          <p:spPr>
+            <a:xfrm>
+              <a:off x="10085613" y="2808514"/>
+              <a:ext cx="495300" cy="239486"/>
+            </a:xfrm>
+            <a:prstGeom prst="rect">
+              <a:avLst/>
+            </a:prstGeom>
+            <a:noFill/>
+            <a:ln>
+              <a:noFill/>
+            </a:ln>
+          </p:spPr>
+          <p:style>
+            <a:lnRef idx="2">
+              <a:schemeClr val="accent1">
+                <a:shade val="50000"/>
+              </a:schemeClr>
+            </a:lnRef>
+            <a:fillRef idx="1">
+              <a:schemeClr val="accent1"/>
+            </a:fillRef>
+            <a:effectRef idx="0">
+              <a:schemeClr val="accent1"/>
+            </a:effectRef>
+            <a:fontRef idx="minor">
+              <a:schemeClr val="lt1"/>
+            </a:fontRef>
+          </p:style>
+          <p:txBody>
+            <a:bodyPr lIns="0" tIns="0" rIns="0" bIns="0" rtlCol="0" anchor="b" anchorCtr="0"/>
+            <a:lstStyle/>
+            <a:p>
+              <a:pPr algn="ctr"/>
+              <a:r>
+                <a:rPr lang="en-US" sz="1200" dirty="0">
+                  <a:solidFill>
+                    <a:schemeClr val="tx1"/>
+                  </a:solidFill>
+                  <a:latin typeface="Avenir Book" panose="02000503020000020003" pitchFamily="2" charset="0"/>
+                </a:rPr>
+                <a:t>7</a:t>
+              </a:r>
+            </a:p>
+          </p:txBody>
+        </p:sp>
+      </p:grpSp>
+      <p:grpSp>
+        <p:nvGrpSpPr>
+          <p:cNvPr id="34" name="Group 33">
+            <a:extLst>
+              <a:ext uri="{FF2B5EF4-FFF2-40B4-BE49-F238E27FC236}">
+                <a16:creationId xmlns:a16="http://schemas.microsoft.com/office/drawing/2014/main" id="{6C3EA421-F18E-F74E-87F7-AF3109B32C70}"/>
+              </a:ext>
+            </a:extLst>
+          </p:cNvPr>
+          <p:cNvGrpSpPr/>
+          <p:nvPr/>
+        </p:nvGrpSpPr>
+        <p:grpSpPr>
+          <a:xfrm>
+            <a:off x="3206379" y="4277387"/>
+            <a:ext cx="3962400" cy="696545"/>
+            <a:chOff x="6629400" y="2351455"/>
+            <a:chExt cx="3962400" cy="696545"/>
+          </a:xfrm>
+        </p:grpSpPr>
+        <p:sp>
+          <p:nvSpPr>
+            <p:cNvPr id="35" name="Rectangle 34">
+              <a:extLst>
+                <a:ext uri="{FF2B5EF4-FFF2-40B4-BE49-F238E27FC236}">
+                  <a16:creationId xmlns:a16="http://schemas.microsoft.com/office/drawing/2014/main" id="{71DFF46E-6009-9940-BDCA-10A56F1FF841}"/>
+                </a:ext>
+              </a:extLst>
+            </p:cNvPr>
+            <p:cNvSpPr/>
+            <p:nvPr/>
+          </p:nvSpPr>
+          <p:spPr>
+            <a:xfrm>
+              <a:off x="6629400" y="2351455"/>
+              <a:ext cx="495300" cy="457200"/>
+            </a:xfrm>
+            <a:prstGeom prst="rect">
+              <a:avLst/>
+            </a:prstGeom>
+            <a:noFill/>
+            <a:ln>
+              <a:solidFill>
+                <a:schemeClr val="tx1"/>
+              </a:solidFill>
+            </a:ln>
+          </p:spPr>
+          <p:style>
+            <a:lnRef idx="2">
+              <a:schemeClr val="accent1">
+                <a:shade val="50000"/>
+              </a:schemeClr>
+            </a:lnRef>
+            <a:fillRef idx="1">
+              <a:schemeClr val="accent1"/>
+            </a:fillRef>
+            <a:effectRef idx="0">
+              <a:schemeClr val="accent1"/>
+            </a:effectRef>
+            <a:fontRef idx="minor">
+              <a:schemeClr val="lt1"/>
+            </a:fontRef>
+          </p:style>
+          <p:txBody>
+            <a:bodyPr lIns="0" tIns="0" rIns="0" bIns="0" rtlCol="0" anchor="ctr"/>
+            <a:lstStyle/>
+            <a:p>
+              <a:pPr algn="ctr"/>
+              <a:r>
+                <a:rPr lang="en-US" dirty="0">
+                  <a:solidFill>
+                    <a:schemeClr val="tx1"/>
+                  </a:solidFill>
+                  <a:latin typeface="Avenir Book" panose="02000503020000020003" pitchFamily="2" charset="0"/>
+                </a:rPr>
+                <a:t>1</a:t>
+              </a:r>
+            </a:p>
+          </p:txBody>
+        </p:sp>
+        <p:sp>
+          <p:nvSpPr>
+            <p:cNvPr id="36" name="Rectangle 35">
+              <a:extLst>
+                <a:ext uri="{FF2B5EF4-FFF2-40B4-BE49-F238E27FC236}">
+                  <a16:creationId xmlns:a16="http://schemas.microsoft.com/office/drawing/2014/main" id="{D7A3E31E-CF56-B54C-A254-0F5B6EB772CF}"/>
+                </a:ext>
+              </a:extLst>
+            </p:cNvPr>
+            <p:cNvSpPr/>
+            <p:nvPr/>
+          </p:nvSpPr>
+          <p:spPr>
+            <a:xfrm>
+              <a:off x="7124700" y="2351455"/>
+              <a:ext cx="495300" cy="457200"/>
+            </a:xfrm>
+            <a:prstGeom prst="rect">
+              <a:avLst/>
+            </a:prstGeom>
+            <a:noFill/>
+            <a:ln>
+              <a:solidFill>
+                <a:schemeClr val="tx1"/>
+              </a:solidFill>
+            </a:ln>
+          </p:spPr>
+          <p:style>
+            <a:lnRef idx="2">
+              <a:schemeClr val="accent1">
+                <a:shade val="50000"/>
+              </a:schemeClr>
+            </a:lnRef>
+            <a:fillRef idx="1">
+              <a:schemeClr val="accent1"/>
+            </a:fillRef>
+            <a:effectRef idx="0">
+              <a:schemeClr val="accent1"/>
+            </a:effectRef>
+            <a:fontRef idx="minor">
+              <a:schemeClr val="lt1"/>
+            </a:fontRef>
+          </p:style>
+          <p:txBody>
+            <a:bodyPr lIns="0" tIns="0" rIns="0" bIns="0" rtlCol="0" anchor="ctr"/>
+            <a:lstStyle/>
+            <a:p>
+              <a:pPr algn="ctr"/>
+              <a:r>
+                <a:rPr lang="en-US" dirty="0">
+                  <a:solidFill>
+                    <a:schemeClr val="tx1"/>
+                  </a:solidFill>
+                  <a:latin typeface="Avenir Book" panose="02000503020000020003" pitchFamily="2" charset="0"/>
+                </a:rPr>
+                <a:t>0</a:t>
+              </a:r>
+            </a:p>
+          </p:txBody>
+        </p:sp>
+        <p:sp>
+          <p:nvSpPr>
+            <p:cNvPr id="37" name="Rectangle 36">
+              <a:extLst>
+                <a:ext uri="{FF2B5EF4-FFF2-40B4-BE49-F238E27FC236}">
+                  <a16:creationId xmlns:a16="http://schemas.microsoft.com/office/drawing/2014/main" id="{E39E2644-C49C-8745-BDE6-AB9A623205EF}"/>
+                </a:ext>
+              </a:extLst>
+            </p:cNvPr>
+            <p:cNvSpPr/>
+            <p:nvPr/>
+          </p:nvSpPr>
+          <p:spPr>
+            <a:xfrm>
+              <a:off x="7620000" y="2351455"/>
+              <a:ext cx="495300" cy="457200"/>
+            </a:xfrm>
+            <a:prstGeom prst="rect">
+              <a:avLst/>
+            </a:prstGeom>
+            <a:solidFill>
+              <a:srgbClr val="FFC000"/>
+            </a:solidFill>
+            <a:ln>
+              <a:solidFill>
+                <a:schemeClr val="tx1"/>
+              </a:solidFill>
+            </a:ln>
+          </p:spPr>
+          <p:style>
+            <a:lnRef idx="2">
+              <a:schemeClr val="accent1">
+                <a:shade val="50000"/>
+              </a:schemeClr>
+            </a:lnRef>
+            <a:fillRef idx="1">
+              <a:schemeClr val="accent1"/>
+            </a:fillRef>
+            <a:effectRef idx="0">
+              <a:schemeClr val="accent1"/>
+            </a:effectRef>
+            <a:fontRef idx="minor">
+              <a:schemeClr val="lt1"/>
+            </a:fontRef>
+          </p:style>
+          <p:txBody>
+            <a:bodyPr lIns="0" tIns="0" rIns="0" bIns="0" rtlCol="0" anchor="ctr"/>
+            <a:lstStyle/>
+            <a:p>
+              <a:pPr algn="ctr"/>
+              <a:r>
+                <a:rPr lang="en-US" dirty="0">
+                  <a:solidFill>
+                    <a:schemeClr val="tx1"/>
+                  </a:solidFill>
+                  <a:latin typeface="Avenir Book" panose="02000503020000020003" pitchFamily="2" charset="0"/>
+                </a:rPr>
+                <a:t>1</a:t>
+              </a:r>
+            </a:p>
+          </p:txBody>
+        </p:sp>
+        <p:sp>
+          <p:nvSpPr>
+            <p:cNvPr id="38" name="Rectangle 37">
+              <a:extLst>
+                <a:ext uri="{FF2B5EF4-FFF2-40B4-BE49-F238E27FC236}">
+                  <a16:creationId xmlns:a16="http://schemas.microsoft.com/office/drawing/2014/main" id="{8B8FCF23-A29F-8543-BEC4-4D326549EF71}"/>
+                </a:ext>
+              </a:extLst>
+            </p:cNvPr>
+            <p:cNvSpPr/>
+            <p:nvPr/>
+          </p:nvSpPr>
+          <p:spPr>
+            <a:xfrm>
+              <a:off x="8115300" y="2351455"/>
+              <a:ext cx="495300" cy="457200"/>
+            </a:xfrm>
+            <a:prstGeom prst="rect">
+              <a:avLst/>
+            </a:prstGeom>
+            <a:solidFill>
+              <a:srgbClr val="FFC000"/>
+            </a:solidFill>
+            <a:ln>
+              <a:solidFill>
+                <a:schemeClr val="tx1"/>
+              </a:solidFill>
+            </a:ln>
+          </p:spPr>
+          <p:style>
+            <a:lnRef idx="2">
+              <a:schemeClr val="accent1">
+                <a:shade val="50000"/>
+              </a:schemeClr>
+            </a:lnRef>
+            <a:fillRef idx="1">
+              <a:schemeClr val="accent1"/>
+            </a:fillRef>
+            <a:effectRef idx="0">
+              <a:schemeClr val="accent1"/>
+            </a:effectRef>
+            <a:fontRef idx="minor">
+              <a:schemeClr val="lt1"/>
+            </a:fontRef>
+          </p:style>
+          <p:txBody>
+            <a:bodyPr lIns="0" tIns="0" rIns="0" bIns="0" rtlCol="0" anchor="ctr"/>
+            <a:lstStyle/>
+            <a:p>
+              <a:pPr algn="ctr"/>
+              <a:r>
+                <a:rPr lang="en-US" dirty="0">
+                  <a:solidFill>
+                    <a:schemeClr val="tx1"/>
+                  </a:solidFill>
+                  <a:latin typeface="Avenir Book" panose="02000503020000020003" pitchFamily="2" charset="0"/>
+                </a:rPr>
+                <a:t>0</a:t>
+              </a:r>
+            </a:p>
+          </p:txBody>
+        </p:sp>
+        <p:sp>
+          <p:nvSpPr>
+            <p:cNvPr id="39" name="Rectangle 38">
+              <a:extLst>
+                <a:ext uri="{FF2B5EF4-FFF2-40B4-BE49-F238E27FC236}">
+                  <a16:creationId xmlns:a16="http://schemas.microsoft.com/office/drawing/2014/main" id="{91D4BB49-4614-8541-BAD9-40656A19E628}"/>
+                </a:ext>
+              </a:extLst>
+            </p:cNvPr>
+            <p:cNvSpPr/>
+            <p:nvPr/>
+          </p:nvSpPr>
+          <p:spPr>
+            <a:xfrm>
+              <a:off x="8610600" y="2351455"/>
+              <a:ext cx="495300" cy="457200"/>
+            </a:xfrm>
+            <a:prstGeom prst="rect">
+              <a:avLst/>
+            </a:prstGeom>
+            <a:noFill/>
+            <a:ln>
+              <a:solidFill>
+                <a:schemeClr val="tx1"/>
+              </a:solidFill>
+            </a:ln>
+          </p:spPr>
+          <p:style>
+            <a:lnRef idx="2">
+              <a:schemeClr val="accent1">
+                <a:shade val="50000"/>
+              </a:schemeClr>
+            </a:lnRef>
+            <a:fillRef idx="1">
+              <a:schemeClr val="accent1"/>
+            </a:fillRef>
+            <a:effectRef idx="0">
+              <a:schemeClr val="accent1"/>
+            </a:effectRef>
+            <a:fontRef idx="minor">
+              <a:schemeClr val="lt1"/>
+            </a:fontRef>
+          </p:style>
+          <p:txBody>
+            <a:bodyPr lIns="0" tIns="0" rIns="0" bIns="0" rtlCol="0" anchor="ctr"/>
+            <a:lstStyle/>
+            <a:p>
+              <a:pPr algn="ctr"/>
+              <a:r>
+                <a:rPr lang="en-US" dirty="0">
+                  <a:solidFill>
+                    <a:schemeClr val="tx1"/>
+                  </a:solidFill>
+                  <a:latin typeface="Avenir Book" panose="02000503020000020003" pitchFamily="2" charset="0"/>
+                </a:rPr>
+                <a:t>1</a:t>
+              </a:r>
+            </a:p>
+          </p:txBody>
+        </p:sp>
+        <p:sp>
+          <p:nvSpPr>
+            <p:cNvPr id="40" name="Rectangle 39">
+              <a:extLst>
+                <a:ext uri="{FF2B5EF4-FFF2-40B4-BE49-F238E27FC236}">
+                  <a16:creationId xmlns:a16="http://schemas.microsoft.com/office/drawing/2014/main" id="{2262DE29-2850-8F44-8E34-0AF524D34160}"/>
+                </a:ext>
+              </a:extLst>
+            </p:cNvPr>
+            <p:cNvSpPr/>
+            <p:nvPr/>
+          </p:nvSpPr>
+          <p:spPr>
+            <a:xfrm>
+              <a:off x="9105900" y="2351455"/>
+              <a:ext cx="495300" cy="457200"/>
+            </a:xfrm>
+            <a:prstGeom prst="rect">
+              <a:avLst/>
+            </a:prstGeom>
+            <a:solidFill>
+              <a:srgbClr val="FFC000"/>
+            </a:solidFill>
+            <a:ln>
+              <a:solidFill>
+                <a:schemeClr val="tx1"/>
+              </a:solidFill>
+            </a:ln>
+          </p:spPr>
+          <p:style>
+            <a:lnRef idx="2">
+              <a:schemeClr val="accent1">
+                <a:shade val="50000"/>
+              </a:schemeClr>
+            </a:lnRef>
+            <a:fillRef idx="1">
+              <a:schemeClr val="accent1"/>
+            </a:fillRef>
+            <a:effectRef idx="0">
+              <a:schemeClr val="accent1"/>
+            </a:effectRef>
+            <a:fontRef idx="minor">
+              <a:schemeClr val="lt1"/>
+            </a:fontRef>
+          </p:style>
+          <p:txBody>
+            <a:bodyPr lIns="0" tIns="0" rIns="0" bIns="0" rtlCol="0" anchor="ctr"/>
+            <a:lstStyle/>
+            <a:p>
+              <a:pPr algn="ctr"/>
+              <a:r>
+                <a:rPr lang="en-US" dirty="0">
+                  <a:solidFill>
+                    <a:schemeClr val="tx1"/>
+                  </a:solidFill>
+                  <a:latin typeface="Avenir Book" panose="02000503020000020003" pitchFamily="2" charset="0"/>
+                </a:rPr>
+                <a:t>1</a:t>
+              </a:r>
+            </a:p>
+          </p:txBody>
+        </p:sp>
+        <p:sp>
+          <p:nvSpPr>
+            <p:cNvPr id="41" name="Rectangle 40">
+              <a:extLst>
+                <a:ext uri="{FF2B5EF4-FFF2-40B4-BE49-F238E27FC236}">
+                  <a16:creationId xmlns:a16="http://schemas.microsoft.com/office/drawing/2014/main" id="{9F5CB5E6-F79E-8E4F-B6D5-A87F79C4004D}"/>
+                </a:ext>
+              </a:extLst>
+            </p:cNvPr>
+            <p:cNvSpPr/>
+            <p:nvPr/>
+          </p:nvSpPr>
+          <p:spPr>
+            <a:xfrm>
+              <a:off x="6629400" y="2808514"/>
+              <a:ext cx="495300" cy="239486"/>
+            </a:xfrm>
+            <a:prstGeom prst="rect">
+              <a:avLst/>
+            </a:prstGeom>
+            <a:noFill/>
+            <a:ln>
+              <a:noFill/>
+            </a:ln>
+          </p:spPr>
+          <p:style>
+            <a:lnRef idx="2">
+              <a:schemeClr val="accent1">
+                <a:shade val="50000"/>
+              </a:schemeClr>
+            </a:lnRef>
+            <a:fillRef idx="1">
+              <a:schemeClr val="accent1"/>
+            </a:fillRef>
+            <a:effectRef idx="0">
+              <a:schemeClr val="accent1"/>
+            </a:effectRef>
+            <a:fontRef idx="minor">
+              <a:schemeClr val="lt1"/>
+            </a:fontRef>
+          </p:style>
+          <p:txBody>
+            <a:bodyPr lIns="0" tIns="0" rIns="0" bIns="0" rtlCol="0" anchor="b" anchorCtr="0"/>
+            <a:lstStyle/>
+            <a:p>
+              <a:pPr algn="ctr"/>
+              <a:r>
+                <a:rPr lang="en-US" sz="1200" dirty="0">
+                  <a:solidFill>
+                    <a:schemeClr val="tx1"/>
+                  </a:solidFill>
+                  <a:latin typeface="Avenir Book" panose="02000503020000020003" pitchFamily="2" charset="0"/>
+                </a:rPr>
+                <a:t>0</a:t>
+              </a:r>
+            </a:p>
+          </p:txBody>
+        </p:sp>
+        <p:sp>
+          <p:nvSpPr>
+            <p:cNvPr id="42" name="Rectangle 41">
+              <a:extLst>
+                <a:ext uri="{FF2B5EF4-FFF2-40B4-BE49-F238E27FC236}">
+                  <a16:creationId xmlns:a16="http://schemas.microsoft.com/office/drawing/2014/main" id="{EEBC19DD-FD3A-7B4F-AF39-215430B721A1}"/>
+                </a:ext>
+              </a:extLst>
+            </p:cNvPr>
+            <p:cNvSpPr/>
+            <p:nvPr/>
+          </p:nvSpPr>
+          <p:spPr>
+            <a:xfrm>
+              <a:off x="7124700" y="2808514"/>
+              <a:ext cx="495300" cy="239486"/>
+            </a:xfrm>
+            <a:prstGeom prst="rect">
+              <a:avLst/>
+            </a:prstGeom>
+            <a:noFill/>
+            <a:ln>
+              <a:noFill/>
+            </a:ln>
+          </p:spPr>
+          <p:style>
+            <a:lnRef idx="2">
+              <a:schemeClr val="accent1">
+                <a:shade val="50000"/>
+              </a:schemeClr>
+            </a:lnRef>
+            <a:fillRef idx="1">
+              <a:schemeClr val="accent1"/>
+            </a:fillRef>
+            <a:effectRef idx="0">
+              <a:schemeClr val="accent1"/>
+            </a:effectRef>
+            <a:fontRef idx="minor">
+              <a:schemeClr val="lt1"/>
+            </a:fontRef>
+          </p:style>
+          <p:txBody>
+            <a:bodyPr lIns="0" tIns="0" rIns="0" bIns="0" rtlCol="0" anchor="b" anchorCtr="0"/>
+            <a:lstStyle/>
+            <a:p>
+              <a:pPr algn="ctr"/>
+              <a:r>
+                <a:rPr lang="en-US" sz="1200" dirty="0">
+                  <a:solidFill>
+                    <a:schemeClr val="tx1"/>
+                  </a:solidFill>
+                  <a:latin typeface="Avenir Book" panose="02000503020000020003" pitchFamily="2" charset="0"/>
+                </a:rPr>
+                <a:t>1</a:t>
+              </a:r>
+            </a:p>
+          </p:txBody>
+        </p:sp>
+        <p:sp>
+          <p:nvSpPr>
+            <p:cNvPr id="43" name="Rectangle 42">
+              <a:extLst>
+                <a:ext uri="{FF2B5EF4-FFF2-40B4-BE49-F238E27FC236}">
+                  <a16:creationId xmlns:a16="http://schemas.microsoft.com/office/drawing/2014/main" id="{E5BDDE57-1748-E24E-959F-4128C7875D01}"/>
+                </a:ext>
+              </a:extLst>
+            </p:cNvPr>
+            <p:cNvSpPr/>
+            <p:nvPr/>
+          </p:nvSpPr>
+          <p:spPr>
+            <a:xfrm>
+              <a:off x="7620000" y="2808514"/>
+              <a:ext cx="495300" cy="239486"/>
+            </a:xfrm>
+            <a:prstGeom prst="rect">
+              <a:avLst/>
+            </a:prstGeom>
+            <a:noFill/>
+            <a:ln>
+              <a:noFill/>
+            </a:ln>
+          </p:spPr>
+          <p:style>
+            <a:lnRef idx="2">
+              <a:schemeClr val="accent1">
+                <a:shade val="50000"/>
+              </a:schemeClr>
+            </a:lnRef>
+            <a:fillRef idx="1">
+              <a:schemeClr val="accent1"/>
+            </a:fillRef>
+            <a:effectRef idx="0">
+              <a:schemeClr val="accent1"/>
+            </a:effectRef>
+            <a:fontRef idx="minor">
+              <a:schemeClr val="lt1"/>
+            </a:fontRef>
+          </p:style>
+          <p:txBody>
+            <a:bodyPr lIns="0" tIns="0" rIns="0" bIns="0" rtlCol="0" anchor="b" anchorCtr="0"/>
+            <a:lstStyle/>
+            <a:p>
+              <a:pPr algn="ctr"/>
+              <a:r>
+                <a:rPr lang="en-US" sz="1200" dirty="0">
+                  <a:solidFill>
+                    <a:schemeClr val="tx1"/>
+                  </a:solidFill>
+                  <a:latin typeface="Avenir Book" panose="02000503020000020003" pitchFamily="2" charset="0"/>
+                </a:rPr>
+                <a:t>2</a:t>
+              </a:r>
+            </a:p>
+          </p:txBody>
+        </p:sp>
+        <p:sp>
+          <p:nvSpPr>
+            <p:cNvPr id="44" name="Rectangle 43">
+              <a:extLst>
+                <a:ext uri="{FF2B5EF4-FFF2-40B4-BE49-F238E27FC236}">
+                  <a16:creationId xmlns:a16="http://schemas.microsoft.com/office/drawing/2014/main" id="{159B3CAF-08C6-1D49-A850-B19834AD3701}"/>
+                </a:ext>
+              </a:extLst>
+            </p:cNvPr>
+            <p:cNvSpPr/>
+            <p:nvPr/>
+          </p:nvSpPr>
+          <p:spPr>
+            <a:xfrm>
+              <a:off x="8115300" y="2808514"/>
+              <a:ext cx="495300" cy="239486"/>
+            </a:xfrm>
+            <a:prstGeom prst="rect">
+              <a:avLst/>
+            </a:prstGeom>
+            <a:noFill/>
+            <a:ln>
+              <a:noFill/>
+            </a:ln>
+          </p:spPr>
+          <p:style>
+            <a:lnRef idx="2">
+              <a:schemeClr val="accent1">
+                <a:shade val="50000"/>
+              </a:schemeClr>
+            </a:lnRef>
+            <a:fillRef idx="1">
+              <a:schemeClr val="accent1"/>
+            </a:fillRef>
+            <a:effectRef idx="0">
+              <a:schemeClr val="accent1"/>
+            </a:effectRef>
+            <a:fontRef idx="minor">
+              <a:schemeClr val="lt1"/>
+            </a:fontRef>
+          </p:style>
+          <p:txBody>
+            <a:bodyPr lIns="0" tIns="0" rIns="0" bIns="0" rtlCol="0" anchor="b" anchorCtr="0"/>
+            <a:lstStyle/>
+            <a:p>
+              <a:pPr algn="ctr"/>
+              <a:r>
+                <a:rPr lang="en-US" sz="1200" dirty="0">
+                  <a:solidFill>
+                    <a:schemeClr val="tx1"/>
+                  </a:solidFill>
+                  <a:latin typeface="Avenir Book" panose="02000503020000020003" pitchFamily="2" charset="0"/>
+                </a:rPr>
+                <a:t>3</a:t>
+              </a:r>
+            </a:p>
+          </p:txBody>
+        </p:sp>
+        <p:sp>
+          <p:nvSpPr>
+            <p:cNvPr id="45" name="Rectangle 44">
+              <a:extLst>
+                <a:ext uri="{FF2B5EF4-FFF2-40B4-BE49-F238E27FC236}">
+                  <a16:creationId xmlns:a16="http://schemas.microsoft.com/office/drawing/2014/main" id="{BAEDE9FF-3EA0-374F-AE3C-BCCB4A511F2E}"/>
+                </a:ext>
+              </a:extLst>
+            </p:cNvPr>
+            <p:cNvSpPr/>
+            <p:nvPr/>
+          </p:nvSpPr>
+          <p:spPr>
+            <a:xfrm>
+              <a:off x="8614229" y="2808514"/>
+              <a:ext cx="495300" cy="239486"/>
+            </a:xfrm>
+            <a:prstGeom prst="rect">
+              <a:avLst/>
+            </a:prstGeom>
+            <a:noFill/>
+            <a:ln>
+              <a:noFill/>
+            </a:ln>
+          </p:spPr>
+          <p:style>
+            <a:lnRef idx="2">
+              <a:schemeClr val="accent1">
+                <a:shade val="50000"/>
+              </a:schemeClr>
+            </a:lnRef>
+            <a:fillRef idx="1">
+              <a:schemeClr val="accent1"/>
+            </a:fillRef>
+            <a:effectRef idx="0">
+              <a:schemeClr val="accent1"/>
+            </a:effectRef>
+            <a:fontRef idx="minor">
+              <a:schemeClr val="lt1"/>
+            </a:fontRef>
+          </p:style>
+          <p:txBody>
+            <a:bodyPr lIns="0" tIns="0" rIns="0" bIns="0" rtlCol="0" anchor="b" anchorCtr="0"/>
+            <a:lstStyle/>
+            <a:p>
+              <a:pPr algn="ctr"/>
+              <a:r>
+                <a:rPr lang="en-US" sz="1200" dirty="0">
+                  <a:solidFill>
+                    <a:schemeClr val="tx1"/>
+                  </a:solidFill>
+                  <a:latin typeface="Avenir Book" panose="02000503020000020003" pitchFamily="2" charset="0"/>
+                </a:rPr>
+                <a:t>4</a:t>
+              </a:r>
+            </a:p>
+          </p:txBody>
+        </p:sp>
+        <p:sp>
+          <p:nvSpPr>
+            <p:cNvPr id="46" name="Rectangle 45">
+              <a:extLst>
+                <a:ext uri="{FF2B5EF4-FFF2-40B4-BE49-F238E27FC236}">
+                  <a16:creationId xmlns:a16="http://schemas.microsoft.com/office/drawing/2014/main" id="{A7EE68FA-6708-5346-9DBE-8D0E11311AF1}"/>
+                </a:ext>
+              </a:extLst>
+            </p:cNvPr>
+            <p:cNvSpPr/>
+            <p:nvPr/>
+          </p:nvSpPr>
+          <p:spPr>
+            <a:xfrm>
+              <a:off x="9109529" y="2808514"/>
+              <a:ext cx="495300" cy="239486"/>
+            </a:xfrm>
+            <a:prstGeom prst="rect">
+              <a:avLst/>
+            </a:prstGeom>
+            <a:noFill/>
+            <a:ln>
+              <a:noFill/>
+            </a:ln>
+          </p:spPr>
+          <p:style>
+            <a:lnRef idx="2">
+              <a:schemeClr val="accent1">
+                <a:shade val="50000"/>
+              </a:schemeClr>
+            </a:lnRef>
+            <a:fillRef idx="1">
+              <a:schemeClr val="accent1"/>
+            </a:fillRef>
+            <a:effectRef idx="0">
+              <a:schemeClr val="accent1"/>
+            </a:effectRef>
+            <a:fontRef idx="minor">
+              <a:schemeClr val="lt1"/>
+            </a:fontRef>
+          </p:style>
+          <p:txBody>
+            <a:bodyPr lIns="0" tIns="0" rIns="0" bIns="0" rtlCol="0" anchor="b" anchorCtr="0"/>
+            <a:lstStyle/>
+            <a:p>
+              <a:pPr algn="ctr"/>
+              <a:r>
+                <a:rPr lang="en-US" sz="1200" dirty="0">
+                  <a:solidFill>
+                    <a:schemeClr val="tx1"/>
+                  </a:solidFill>
+                  <a:latin typeface="Avenir Book" panose="02000503020000020003" pitchFamily="2" charset="0"/>
+                </a:rPr>
+                <a:t>5</a:t>
+              </a:r>
+            </a:p>
+          </p:txBody>
+        </p:sp>
+        <p:sp>
+          <p:nvSpPr>
+            <p:cNvPr id="47" name="Rectangle 46">
+              <a:extLst>
+                <a:ext uri="{FF2B5EF4-FFF2-40B4-BE49-F238E27FC236}">
+                  <a16:creationId xmlns:a16="http://schemas.microsoft.com/office/drawing/2014/main" id="{DF528196-1FAC-9D4A-A688-76CF9BA18B1D}"/>
+                </a:ext>
+              </a:extLst>
+            </p:cNvPr>
+            <p:cNvSpPr/>
+            <p:nvPr/>
+          </p:nvSpPr>
+          <p:spPr>
+            <a:xfrm>
+              <a:off x="9601200" y="2351455"/>
+              <a:ext cx="495300" cy="457200"/>
+            </a:xfrm>
+            <a:prstGeom prst="rect">
+              <a:avLst/>
+            </a:prstGeom>
+            <a:noFill/>
+            <a:ln>
+              <a:solidFill>
+                <a:schemeClr val="tx1"/>
+              </a:solidFill>
+            </a:ln>
+          </p:spPr>
+          <p:style>
+            <a:lnRef idx="2">
+              <a:schemeClr val="accent1">
+                <a:shade val="50000"/>
+              </a:schemeClr>
+            </a:lnRef>
+            <a:fillRef idx="1">
+              <a:schemeClr val="accent1"/>
+            </a:fillRef>
+            <a:effectRef idx="0">
+              <a:schemeClr val="accent1"/>
+            </a:effectRef>
+            <a:fontRef idx="minor">
+              <a:schemeClr val="lt1"/>
+            </a:fontRef>
+          </p:style>
+          <p:txBody>
+            <a:bodyPr lIns="0" tIns="0" rIns="0" bIns="0" rtlCol="0" anchor="ctr"/>
+            <a:lstStyle/>
+            <a:p>
+              <a:pPr algn="ctr"/>
+              <a:r>
+                <a:rPr lang="en-US" dirty="0">
+                  <a:solidFill>
+                    <a:schemeClr val="tx1"/>
+                  </a:solidFill>
+                  <a:latin typeface="Avenir Book" panose="02000503020000020003" pitchFamily="2" charset="0"/>
+                </a:rPr>
+                <a:t>1</a:t>
+              </a:r>
+            </a:p>
+          </p:txBody>
+        </p:sp>
+        <p:sp>
+          <p:nvSpPr>
+            <p:cNvPr id="48" name="Rectangle 47">
+              <a:extLst>
+                <a:ext uri="{FF2B5EF4-FFF2-40B4-BE49-F238E27FC236}">
+                  <a16:creationId xmlns:a16="http://schemas.microsoft.com/office/drawing/2014/main" id="{1179F59F-C6D6-1A40-9D0D-B8B76C152D9E}"/>
+                </a:ext>
+              </a:extLst>
+            </p:cNvPr>
+            <p:cNvSpPr/>
+            <p:nvPr/>
+          </p:nvSpPr>
+          <p:spPr>
+            <a:xfrm>
+              <a:off x="10096500" y="2351455"/>
+              <a:ext cx="495300" cy="457200"/>
+            </a:xfrm>
+            <a:prstGeom prst="rect">
+              <a:avLst/>
+            </a:prstGeom>
+            <a:noFill/>
+            <a:ln>
+              <a:solidFill>
+                <a:schemeClr val="tx1"/>
+              </a:solidFill>
+            </a:ln>
+          </p:spPr>
+          <p:style>
+            <a:lnRef idx="2">
+              <a:schemeClr val="accent1">
+                <a:shade val="50000"/>
+              </a:schemeClr>
+            </a:lnRef>
+            <a:fillRef idx="1">
+              <a:schemeClr val="accent1"/>
+            </a:fillRef>
+            <a:effectRef idx="0">
+              <a:schemeClr val="accent1"/>
+            </a:effectRef>
+            <a:fontRef idx="minor">
+              <a:schemeClr val="lt1"/>
+            </a:fontRef>
+          </p:style>
+          <p:txBody>
+            <a:bodyPr lIns="0" tIns="0" rIns="0" bIns="0" rtlCol="0" anchor="ctr"/>
+            <a:lstStyle/>
+            <a:p>
+              <a:pPr algn="ctr"/>
+              <a:r>
+                <a:rPr lang="en-US" dirty="0">
+                  <a:solidFill>
+                    <a:schemeClr val="tx1"/>
+                  </a:solidFill>
+                  <a:latin typeface="Avenir Book" panose="02000503020000020003" pitchFamily="2" charset="0"/>
+                </a:rPr>
+                <a:t>1</a:t>
+              </a:r>
+            </a:p>
+          </p:txBody>
+        </p:sp>
+        <p:sp>
+          <p:nvSpPr>
+            <p:cNvPr id="49" name="Rectangle 48">
+              <a:extLst>
+                <a:ext uri="{FF2B5EF4-FFF2-40B4-BE49-F238E27FC236}">
+                  <a16:creationId xmlns:a16="http://schemas.microsoft.com/office/drawing/2014/main" id="{E52DDC75-25FC-B74D-854E-9F916881FD29}"/>
+                </a:ext>
+              </a:extLst>
+            </p:cNvPr>
+            <p:cNvSpPr/>
+            <p:nvPr/>
+          </p:nvSpPr>
+          <p:spPr>
+            <a:xfrm>
+              <a:off x="9597571" y="2808514"/>
+              <a:ext cx="495300" cy="239486"/>
+            </a:xfrm>
+            <a:prstGeom prst="rect">
+              <a:avLst/>
+            </a:prstGeom>
+            <a:noFill/>
+            <a:ln>
+              <a:noFill/>
+            </a:ln>
+          </p:spPr>
+          <p:style>
+            <a:lnRef idx="2">
+              <a:schemeClr val="accent1">
+                <a:shade val="50000"/>
+              </a:schemeClr>
+            </a:lnRef>
+            <a:fillRef idx="1">
+              <a:schemeClr val="accent1"/>
+            </a:fillRef>
+            <a:effectRef idx="0">
+              <a:schemeClr val="accent1"/>
+            </a:effectRef>
+            <a:fontRef idx="minor">
+              <a:schemeClr val="lt1"/>
+            </a:fontRef>
+          </p:style>
+          <p:txBody>
+            <a:bodyPr lIns="0" tIns="0" rIns="0" bIns="0" rtlCol="0" anchor="b" anchorCtr="0"/>
+            <a:lstStyle/>
+            <a:p>
+              <a:pPr algn="ctr"/>
+              <a:r>
+                <a:rPr lang="en-US" sz="1200" dirty="0">
+                  <a:solidFill>
+                    <a:schemeClr val="tx1"/>
+                  </a:solidFill>
+                  <a:latin typeface="Avenir Book" panose="02000503020000020003" pitchFamily="2" charset="0"/>
+                </a:rPr>
+                <a:t>6</a:t>
+              </a:r>
+            </a:p>
+          </p:txBody>
+        </p:sp>
+        <p:sp>
+          <p:nvSpPr>
+            <p:cNvPr id="50" name="Rectangle 49">
+              <a:extLst>
+                <a:ext uri="{FF2B5EF4-FFF2-40B4-BE49-F238E27FC236}">
+                  <a16:creationId xmlns:a16="http://schemas.microsoft.com/office/drawing/2014/main" id="{B02DB887-1FF2-A640-BF60-3BE5E32CC71D}"/>
+                </a:ext>
+              </a:extLst>
+            </p:cNvPr>
+            <p:cNvSpPr/>
+            <p:nvPr/>
+          </p:nvSpPr>
+          <p:spPr>
+            <a:xfrm>
+              <a:off x="10085613" y="2808514"/>
+              <a:ext cx="495300" cy="239486"/>
+            </a:xfrm>
+            <a:prstGeom prst="rect">
+              <a:avLst/>
+            </a:prstGeom>
+            <a:noFill/>
+            <a:ln>
+              <a:noFill/>
+            </a:ln>
+          </p:spPr>
+          <p:style>
+            <a:lnRef idx="2">
+              <a:schemeClr val="accent1">
+                <a:shade val="50000"/>
+              </a:schemeClr>
+            </a:lnRef>
+            <a:fillRef idx="1">
+              <a:schemeClr val="accent1"/>
+            </a:fillRef>
+            <a:effectRef idx="0">
+              <a:schemeClr val="accent1"/>
+            </a:effectRef>
+            <a:fontRef idx="minor">
+              <a:schemeClr val="lt1"/>
+            </a:fontRef>
+          </p:style>
+          <p:txBody>
+            <a:bodyPr lIns="0" tIns="0" rIns="0" bIns="0" rtlCol="0" anchor="b" anchorCtr="0"/>
+            <a:lstStyle/>
+            <a:p>
+              <a:pPr algn="ctr"/>
+              <a:r>
+                <a:rPr lang="en-US" sz="1200" dirty="0">
+                  <a:solidFill>
+                    <a:schemeClr val="tx1"/>
+                  </a:solidFill>
+                  <a:latin typeface="Avenir Book" panose="02000503020000020003" pitchFamily="2" charset="0"/>
+                </a:rPr>
+                <a:t>7</a:t>
+              </a:r>
+            </a:p>
+          </p:txBody>
+        </p:sp>
+      </p:grpSp>
+      <p:sp>
+        <p:nvSpPr>
+          <p:cNvPr id="51" name="Rectangle 50">
+            <a:extLst>
+              <a:ext uri="{FF2B5EF4-FFF2-40B4-BE49-F238E27FC236}">
+                <a16:creationId xmlns:a16="http://schemas.microsoft.com/office/drawing/2014/main" id="{D1D74024-7B7F-0C45-84FC-CFF4B5F94CF0}"/>
+              </a:ext>
+            </a:extLst>
+          </p:cNvPr>
+          <p:cNvSpPr/>
+          <p:nvPr/>
+        </p:nvSpPr>
+        <p:spPr>
+          <a:xfrm>
+            <a:off x="7341134" y="1551865"/>
+            <a:ext cx="3274739" cy="553212"/>
+          </a:xfrm>
+          <a:prstGeom prst="rect">
+            <a:avLst/>
+          </a:prstGeom>
+          <a:noFill/>
+          <a:ln>
+            <a:noFill/>
+          </a:ln>
+        </p:spPr>
+        <p:style>
+          <a:lnRef idx="2">
+            <a:schemeClr val="accent1">
+              <a:shade val="50000"/>
+            </a:schemeClr>
+          </a:lnRef>
+          <a:fillRef idx="1">
+            <a:schemeClr val="accent1"/>
+          </a:fillRef>
+          <a:effectRef idx="0">
+            <a:schemeClr val="accent1"/>
+          </a:effectRef>
+          <a:fontRef idx="minor">
+            <a:schemeClr val="lt1"/>
+          </a:fontRef>
+        </p:style>
+        <p:txBody>
+          <a:bodyPr lIns="0" tIns="0" rIns="0" bIns="0" rtlCol="0" anchor="ctr"/>
+          <a:lstStyle/>
+          <a:p>
+            <a:r>
+              <a:rPr lang="en-US" dirty="0">
+                <a:solidFill>
+                  <a:schemeClr val="tx1"/>
+                </a:solidFill>
+                <a:latin typeface="Avenir Book" panose="02000503020000020003" pitchFamily="2" charset="0"/>
+              </a:rPr>
+              <a:t>Correct key sent by Alice</a:t>
+            </a:r>
+          </a:p>
+        </p:txBody>
+      </p:sp>
+      <p:sp>
+        <p:nvSpPr>
+          <p:cNvPr id="52" name="Rectangle 51">
+            <a:extLst>
+              <a:ext uri="{FF2B5EF4-FFF2-40B4-BE49-F238E27FC236}">
+                <a16:creationId xmlns:a16="http://schemas.microsoft.com/office/drawing/2014/main" id="{37733339-E031-D448-B226-F63B18A3D6A6}"/>
+              </a:ext>
+            </a:extLst>
+          </p:cNvPr>
+          <p:cNvSpPr/>
+          <p:nvPr/>
+        </p:nvSpPr>
+        <p:spPr>
+          <a:xfrm>
+            <a:off x="7312854" y="4231275"/>
+            <a:ext cx="2992468" cy="553212"/>
+          </a:xfrm>
+          <a:prstGeom prst="rect">
+            <a:avLst/>
+          </a:prstGeom>
+          <a:noFill/>
+          <a:ln>
+            <a:noFill/>
+          </a:ln>
+        </p:spPr>
+        <p:style>
+          <a:lnRef idx="2">
+            <a:schemeClr val="accent1">
+              <a:shade val="50000"/>
+            </a:schemeClr>
+          </a:lnRef>
+          <a:fillRef idx="1">
+            <a:schemeClr val="accent1"/>
+          </a:fillRef>
+          <a:effectRef idx="0">
+            <a:schemeClr val="accent1"/>
+          </a:effectRef>
+          <a:fontRef idx="minor">
+            <a:schemeClr val="lt1"/>
+          </a:fontRef>
+        </p:style>
+        <p:txBody>
+          <a:bodyPr lIns="0" tIns="0" rIns="0" bIns="0" rtlCol="0" anchor="ctr"/>
+          <a:lstStyle/>
+          <a:p>
+            <a:r>
+              <a:rPr lang="en-US" dirty="0">
+                <a:solidFill>
+                  <a:schemeClr val="tx1"/>
+                </a:solidFill>
+                <a:latin typeface="Avenir Book" panose="02000503020000020003" pitchFamily="2" charset="0"/>
+              </a:rPr>
+              <a:t>Noisy key received by Bob</a:t>
+            </a:r>
+          </a:p>
+        </p:txBody>
+      </p:sp>
+      <p:sp>
+        <p:nvSpPr>
+          <p:cNvPr id="54" name="Rectangle 53">
+            <a:extLst>
+              <a:ext uri="{FF2B5EF4-FFF2-40B4-BE49-F238E27FC236}">
+                <a16:creationId xmlns:a16="http://schemas.microsoft.com/office/drawing/2014/main" id="{6C9B8DDF-1B94-CF41-9B5F-0C67035ABBD4}"/>
+              </a:ext>
+            </a:extLst>
+          </p:cNvPr>
+          <p:cNvSpPr/>
+          <p:nvPr/>
+        </p:nvSpPr>
+        <p:spPr>
+          <a:xfrm>
+            <a:off x="3206379" y="5584217"/>
+            <a:ext cx="259443" cy="239486"/>
+          </a:xfrm>
+          <a:prstGeom prst="rect">
+            <a:avLst/>
+          </a:prstGeom>
+          <a:solidFill>
+            <a:srgbClr val="FFC000"/>
+          </a:solidFill>
+          <a:ln>
+            <a:solidFill>
+              <a:schemeClr val="tx1"/>
+            </a:solidFill>
+          </a:ln>
+        </p:spPr>
+        <p:style>
+          <a:lnRef idx="2">
+            <a:schemeClr val="accent1">
+              <a:shade val="50000"/>
+            </a:schemeClr>
+          </a:lnRef>
+          <a:fillRef idx="1">
+            <a:schemeClr val="accent1"/>
+          </a:fillRef>
+          <a:effectRef idx="0">
+            <a:schemeClr val="accent1"/>
+          </a:effectRef>
+          <a:fontRef idx="minor">
+            <a:schemeClr val="lt1"/>
+          </a:fontRef>
+        </p:style>
+        <p:txBody>
+          <a:bodyPr lIns="0" tIns="0" rIns="0" bIns="0" rtlCol="0" anchor="ctr"/>
+          <a:lstStyle/>
+          <a:p>
+            <a:pPr algn="ctr"/>
+            <a:endParaRPr lang="en-US" dirty="0">
+              <a:solidFill>
+                <a:schemeClr val="tx1"/>
+              </a:solidFill>
+              <a:latin typeface="Avenir Book" panose="02000503020000020003" pitchFamily="2" charset="0"/>
+            </a:endParaRPr>
+          </a:p>
+        </p:txBody>
+      </p:sp>
+      <p:sp>
+        <p:nvSpPr>
+          <p:cNvPr id="55" name="Rectangle 54">
+            <a:extLst>
+              <a:ext uri="{FF2B5EF4-FFF2-40B4-BE49-F238E27FC236}">
+                <a16:creationId xmlns:a16="http://schemas.microsoft.com/office/drawing/2014/main" id="{12535B6D-7026-DA48-B3D7-13C32662A61B}"/>
+              </a:ext>
+            </a:extLst>
+          </p:cNvPr>
+          <p:cNvSpPr/>
+          <p:nvPr/>
+        </p:nvSpPr>
+        <p:spPr>
+          <a:xfrm>
+            <a:off x="3574331" y="5449438"/>
+            <a:ext cx="2992468" cy="553212"/>
+          </a:xfrm>
+          <a:prstGeom prst="rect">
+            <a:avLst/>
+          </a:prstGeom>
+          <a:noFill/>
+          <a:ln>
+            <a:noFill/>
+          </a:ln>
+        </p:spPr>
+        <p:style>
+          <a:lnRef idx="2">
+            <a:schemeClr val="accent1">
+              <a:shade val="50000"/>
+            </a:schemeClr>
+          </a:lnRef>
+          <a:fillRef idx="1">
+            <a:schemeClr val="accent1"/>
+          </a:fillRef>
+          <a:effectRef idx="0">
+            <a:schemeClr val="accent1"/>
+          </a:effectRef>
+          <a:fontRef idx="minor">
+            <a:schemeClr val="lt1"/>
+          </a:fontRef>
+        </p:style>
+        <p:txBody>
+          <a:bodyPr lIns="0" tIns="0" rIns="0" bIns="0" rtlCol="0" anchor="ctr"/>
+          <a:lstStyle/>
+          <a:p>
+            <a:r>
+              <a:rPr lang="en-US" sz="1200" dirty="0">
+                <a:solidFill>
+                  <a:schemeClr val="tx1"/>
+                </a:solidFill>
+                <a:latin typeface="Avenir Book" panose="02000503020000020003" pitchFamily="2" charset="0"/>
+              </a:rPr>
+              <a:t>Bit error</a:t>
+            </a:r>
+          </a:p>
+        </p:txBody>
+      </p:sp>
+      <p:pic>
+        <p:nvPicPr>
+          <p:cNvPr id="3" name="Picture 2">
+            <a:extLst>
+              <a:ext uri="{FF2B5EF4-FFF2-40B4-BE49-F238E27FC236}">
+                <a16:creationId xmlns:a16="http://schemas.microsoft.com/office/drawing/2014/main" id="{A4E1BE07-86F7-E047-9BB5-FFE8D7B539AD}"/>
+              </a:ext>
+            </a:extLst>
+          </p:cNvPr>
+          <p:cNvPicPr>
+            <a:picLocks noChangeAspect="1"/>
+          </p:cNvPicPr>
+          <p:nvPr/>
+        </p:nvPicPr>
+        <p:blipFill>
+          <a:blip r:embed="rId5"/>
+          <a:stretch>
+            <a:fillRect/>
+          </a:stretch>
+        </p:blipFill>
+        <p:spPr>
+          <a:xfrm>
+            <a:off x="5331532" y="2759947"/>
+            <a:ext cx="919480" cy="803090"/>
+          </a:xfrm>
+          <a:prstGeom prst="rect">
+            <a:avLst/>
+          </a:prstGeom>
+        </p:spPr>
+      </p:pic>
+      <p:sp>
+        <p:nvSpPr>
+          <p:cNvPr id="57" name="Rectangle 56">
+            <a:extLst>
+              <a:ext uri="{FF2B5EF4-FFF2-40B4-BE49-F238E27FC236}">
+                <a16:creationId xmlns:a16="http://schemas.microsoft.com/office/drawing/2014/main" id="{3F37552A-5343-C244-ADDE-783B12181701}"/>
+              </a:ext>
+            </a:extLst>
+          </p:cNvPr>
+          <p:cNvSpPr/>
+          <p:nvPr/>
+        </p:nvSpPr>
+        <p:spPr>
+          <a:xfrm>
+            <a:off x="6251011" y="2742002"/>
+            <a:ext cx="3274721" cy="919782"/>
+          </a:xfrm>
+          <a:prstGeom prst="rect">
+            <a:avLst/>
+          </a:prstGeom>
+          <a:noFill/>
+          <a:ln>
+            <a:noFill/>
+          </a:ln>
+        </p:spPr>
+        <p:style>
+          <a:lnRef idx="2">
+            <a:schemeClr val="accent1">
+              <a:shade val="50000"/>
+            </a:schemeClr>
+          </a:lnRef>
+          <a:fillRef idx="1">
+            <a:schemeClr val="accent1"/>
+          </a:fillRef>
+          <a:effectRef idx="0">
+            <a:schemeClr val="accent1"/>
+          </a:effectRef>
+          <a:fontRef idx="minor">
+            <a:schemeClr val="lt1"/>
+          </a:fontRef>
+        </p:style>
+        <p:txBody>
+          <a:bodyPr lIns="0" tIns="0" rIns="0" bIns="0" rtlCol="0" anchor="ctr"/>
+          <a:lstStyle/>
+          <a:p>
+            <a:r>
+              <a:rPr lang="en-US" dirty="0">
+                <a:solidFill>
+                  <a:schemeClr val="tx1"/>
+                </a:solidFill>
+                <a:latin typeface="Avenir Book" panose="02000503020000020003" pitchFamily="2" charset="0"/>
+              </a:rPr>
+              <a:t>Noise:</a:t>
+            </a:r>
+          </a:p>
+          <a:p>
+            <a:r>
+              <a:rPr lang="en-US" sz="1200" dirty="0">
+                <a:solidFill>
+                  <a:schemeClr val="tx1"/>
+                </a:solidFill>
+                <a:latin typeface="Avenir Book" panose="02000503020000020003" pitchFamily="2" charset="0"/>
+              </a:rPr>
+              <a:t>Imperfect hardware</a:t>
+            </a:r>
+          </a:p>
+          <a:p>
+            <a:r>
+              <a:rPr lang="en-US" sz="1200" dirty="0">
+                <a:solidFill>
+                  <a:schemeClr val="tx1"/>
+                </a:solidFill>
+                <a:latin typeface="Avenir Book" panose="02000503020000020003" pitchFamily="2" charset="0"/>
+              </a:rPr>
+              <a:t>Interferences from the environment</a:t>
+            </a:r>
+          </a:p>
+          <a:p>
+            <a:r>
+              <a:rPr lang="en-US" sz="1200" dirty="0">
+                <a:solidFill>
+                  <a:schemeClr val="tx1"/>
+                </a:solidFill>
+                <a:latin typeface="Avenir Book" panose="02000503020000020003" pitchFamily="2" charset="0"/>
+              </a:rPr>
+              <a:t>Caused by Eve’s observations (if she is present)</a:t>
+            </a:r>
+          </a:p>
+        </p:txBody>
+      </p:sp>
+    </p:spTree>
+    <p:extLst>
+      <p:ext uri="{BB962C8B-B14F-4D97-AF65-F5344CB8AC3E}">
+        <p14:creationId xmlns:p14="http://schemas.microsoft.com/office/powerpoint/2010/main" val="3983391870"/>
+      </p:ext>
+    </p:extLst>
+  </p:cSld>
+  <p:clrMapOvr>
+    <a:masterClrMapping/>
+  </p:clrMapOvr>
+</p:sld>
+</file>
+
+<file path=ppt/slides/slide3.xml><?xml version="1.0" encoding="utf-8"?>
+<p:sld xmlns:a="http://schemas.openxmlformats.org/drawingml/2006/main" xmlns:r="http://schemas.openxmlformats.org/officeDocument/2006/relationships" xmlns:p="http://schemas.openxmlformats.org/presentationml/2006/main">
+  <p:cSld>
+    <p:spTree>
+      <p:nvGrpSpPr>
+        <p:cNvPr id="1" name=""/>
+        <p:cNvGrpSpPr/>
+        <p:nvPr/>
+      </p:nvGrpSpPr>
+      <p:grpSpPr>
+        <a:xfrm>
+          <a:off x="0" y="0"/>
+          <a:ext cx="0" cy="0"/>
+          <a:chOff x="0" y="0"/>
+          <a:chExt cx="0" cy="0"/>
+        </a:xfrm>
+      </p:grpSpPr>
       <p:grpSp>
         <p:nvGrpSpPr>
           <p:cNvPr id="38" name="Group 37">
@@ -8227,7 +10849,7 @@
 </p:sld>
 </file>
 
-<file path=ppt/slides/slide3.xml><?xml version="1.0" encoding="utf-8"?>
+<file path=ppt/slides/slide4.xml><?xml version="1.0" encoding="utf-8"?>
 <p:sld xmlns:a="http://schemas.openxmlformats.org/drawingml/2006/main" xmlns:r="http://schemas.openxmlformats.org/officeDocument/2006/relationships" xmlns:p="http://schemas.openxmlformats.org/presentationml/2006/main">
   <p:cSld>
     <p:spTree>
@@ -14280,7 +16902,7 @@
 </p:sld>
 </file>
 
-<file path=ppt/slides/slide4.xml><?xml version="1.0" encoding="utf-8"?>
+<file path=ppt/slides/slide5.xml><?xml version="1.0" encoding="utf-8"?>
 <p:sld xmlns:a="http://schemas.openxmlformats.org/drawingml/2006/main" xmlns:r="http://schemas.openxmlformats.org/officeDocument/2006/relationships" xmlns:p="http://schemas.openxmlformats.org/presentationml/2006/main">
   <p:cSld>
     <p:spTree>

--- a/docs/source/figures/figures.pptx
+++ b/docs/source/figures/figures.pptx
@@ -5,14 +5,15 @@
     <p:sldMasterId id="2147483648" r:id="rId1"/>
   </p:sldMasterIdLst>
   <p:notesMasterIdLst>
-    <p:notesMasterId r:id="rId7"/>
+    <p:notesMasterId r:id="rId8"/>
   </p:notesMasterIdLst>
   <p:sldIdLst>
     <p:sldId id="260" r:id="rId2"/>
     <p:sldId id="261" r:id="rId3"/>
-    <p:sldId id="256" r:id="rId4"/>
-    <p:sldId id="258" r:id="rId5"/>
-    <p:sldId id="259" r:id="rId6"/>
+    <p:sldId id="262" r:id="rId4"/>
+    <p:sldId id="256" r:id="rId5"/>
+    <p:sldId id="258" r:id="rId6"/>
+    <p:sldId id="259" r:id="rId7"/>
   </p:sldIdLst>
   <p:sldSz cx="12192000" cy="6858000"/>
   <p:notesSz cx="6858000" cy="9144000"/>
@@ -712,7 +713,7 @@
           <a:p>
             <a:fld id="{69BA16CC-A804-B84A-872F-1EF0D5231479}" type="slidenum">
               <a:rPr lang="en-US" smtClean="0"/>
-              <a:t>3</a:t>
+              <a:t>4</a:t>
             </a:fld>
             <a:endParaRPr lang="en-US"/>
           </a:p>
@@ -796,7 +797,7 @@
           <a:p>
             <a:fld id="{69BA16CC-A804-B84A-872F-1EF0D5231479}" type="slidenum">
               <a:rPr lang="en-US" smtClean="0"/>
-              <a:t>4</a:t>
+              <a:t>5</a:t>
             </a:fld>
             <a:endParaRPr lang="en-US"/>
           </a:p>
@@ -880,7 +881,7 @@
           <a:p>
             <a:fld id="{69BA16CC-A804-B84A-872F-1EF0D5231479}" type="slidenum">
               <a:rPr lang="en-US" smtClean="0"/>
-              <a:t>5</a:t>
+              <a:t>6</a:t>
             </a:fld>
             <a:endParaRPr lang="en-US"/>
           </a:p>
@@ -7460,6 +7461,538 @@
           <a:chExt cx="0" cy="0"/>
         </a:xfrm>
       </p:grpSpPr>
+      <p:sp>
+        <p:nvSpPr>
+          <p:cNvPr id="2" name="Rectangle 1">
+            <a:extLst>
+              <a:ext uri="{FF2B5EF4-FFF2-40B4-BE49-F238E27FC236}">
+                <a16:creationId xmlns:a16="http://schemas.microsoft.com/office/drawing/2014/main" id="{706C2CB5-E73C-634F-8428-7F59F7915C97}"/>
+              </a:ext>
+            </a:extLst>
+          </p:cNvPr>
+          <p:cNvSpPr/>
+          <p:nvPr/>
+        </p:nvSpPr>
+        <p:spPr>
+          <a:xfrm>
+            <a:off x="3126368" y="1245870"/>
+            <a:ext cx="3948802" cy="830810"/>
+          </a:xfrm>
+          <a:prstGeom prst="rect">
+            <a:avLst/>
+          </a:prstGeom>
+          <a:solidFill>
+            <a:schemeClr val="bg1">
+              <a:lumMod val="95000"/>
+            </a:schemeClr>
+          </a:solidFill>
+          <a:ln>
+            <a:solidFill>
+              <a:schemeClr val="tx1"/>
+            </a:solidFill>
+          </a:ln>
+        </p:spPr>
+        <p:style>
+          <a:lnRef idx="2">
+            <a:schemeClr val="accent1">
+              <a:shade val="50000"/>
+            </a:schemeClr>
+          </a:lnRef>
+          <a:fillRef idx="1">
+            <a:schemeClr val="accent1"/>
+          </a:fillRef>
+          <a:effectRef idx="0">
+            <a:schemeClr val="accent1"/>
+          </a:effectRef>
+          <a:fontRef idx="minor">
+            <a:schemeClr val="lt1"/>
+          </a:fontRef>
+        </p:style>
+        <p:txBody>
+          <a:bodyPr lIns="0" tIns="0" rIns="0" bIns="0" rtlCol="0" anchor="ctr"/>
+          <a:lstStyle/>
+          <a:p>
+            <a:pPr algn="ctr"/>
+            <a:r>
+              <a:rPr lang="en-US" dirty="0">
+                <a:solidFill>
+                  <a:schemeClr val="tx1"/>
+                </a:solidFill>
+                <a:latin typeface="Avenir Book" panose="02000503020000020003" pitchFamily="2" charset="0"/>
+              </a:rPr>
+              <a:t>Quantum Phase: exchange key</a:t>
+            </a:r>
+            <a:endParaRPr lang="en-US" sz="1200" dirty="0">
+              <a:solidFill>
+                <a:schemeClr val="tx1"/>
+              </a:solidFill>
+              <a:latin typeface="Avenir Book" panose="02000503020000020003" pitchFamily="2" charset="0"/>
+            </a:endParaRPr>
+          </a:p>
+          <a:p>
+            <a:pPr algn="ctr"/>
+            <a:r>
+              <a:rPr lang="en-US" sz="1200" dirty="0">
+                <a:solidFill>
+                  <a:schemeClr val="tx1"/>
+                </a:solidFill>
+                <a:latin typeface="Avenir Book" panose="02000503020000020003" pitchFamily="2" charset="0"/>
+              </a:rPr>
+              <a:t>Uses both the quantum and the classical channel</a:t>
+            </a:r>
+          </a:p>
+        </p:txBody>
+      </p:sp>
+      <p:sp>
+        <p:nvSpPr>
+          <p:cNvPr id="3" name="Rectangle 2">
+            <a:extLst>
+              <a:ext uri="{FF2B5EF4-FFF2-40B4-BE49-F238E27FC236}">
+                <a16:creationId xmlns:a16="http://schemas.microsoft.com/office/drawing/2014/main" id="{192A3902-A524-6D4A-9163-612270C86D91}"/>
+              </a:ext>
+            </a:extLst>
+          </p:cNvPr>
+          <p:cNvSpPr/>
+          <p:nvPr/>
+        </p:nvSpPr>
+        <p:spPr>
+          <a:xfrm>
+            <a:off x="3126368" y="2504673"/>
+            <a:ext cx="3948802" cy="2810277"/>
+          </a:xfrm>
+          <a:prstGeom prst="rect">
+            <a:avLst/>
+          </a:prstGeom>
+          <a:solidFill>
+            <a:schemeClr val="bg1">
+              <a:lumMod val="95000"/>
+            </a:schemeClr>
+          </a:solidFill>
+          <a:ln>
+            <a:solidFill>
+              <a:schemeClr val="tx1"/>
+            </a:solidFill>
+          </a:ln>
+        </p:spPr>
+        <p:style>
+          <a:lnRef idx="2">
+            <a:schemeClr val="accent1">
+              <a:shade val="50000"/>
+            </a:schemeClr>
+          </a:lnRef>
+          <a:fillRef idx="1">
+            <a:schemeClr val="accent1"/>
+          </a:fillRef>
+          <a:effectRef idx="0">
+            <a:schemeClr val="accent1"/>
+          </a:effectRef>
+          <a:fontRef idx="minor">
+            <a:schemeClr val="lt1"/>
+          </a:fontRef>
+        </p:style>
+        <p:txBody>
+          <a:bodyPr lIns="0" tIns="0" rIns="0" bIns="0" rtlCol="0" anchor="t" anchorCtr="0"/>
+          <a:lstStyle/>
+          <a:p>
+            <a:pPr algn="ctr"/>
+            <a:endParaRPr lang="en-US" dirty="0">
+              <a:solidFill>
+                <a:schemeClr val="tx1"/>
+              </a:solidFill>
+              <a:latin typeface="Avenir Book" panose="02000503020000020003" pitchFamily="2" charset="0"/>
+            </a:endParaRPr>
+          </a:p>
+          <a:p>
+            <a:pPr algn="ctr"/>
+            <a:r>
+              <a:rPr lang="en-US" dirty="0">
+                <a:solidFill>
+                  <a:schemeClr val="tx1"/>
+                </a:solidFill>
+                <a:latin typeface="Avenir Book" panose="02000503020000020003" pitchFamily="2" charset="0"/>
+              </a:rPr>
+              <a:t>Classical post-processing phase</a:t>
+            </a:r>
+            <a:endParaRPr lang="en-US" sz="1200" dirty="0">
+              <a:solidFill>
+                <a:schemeClr val="tx1"/>
+              </a:solidFill>
+              <a:latin typeface="Avenir Book" panose="02000503020000020003" pitchFamily="2" charset="0"/>
+            </a:endParaRPr>
+          </a:p>
+          <a:p>
+            <a:pPr algn="ctr"/>
+            <a:r>
+              <a:rPr lang="en-US" sz="1200" dirty="0">
+                <a:solidFill>
+                  <a:schemeClr val="tx1"/>
+                </a:solidFill>
+                <a:latin typeface="Avenir Book" panose="02000503020000020003" pitchFamily="2" charset="0"/>
+              </a:rPr>
+              <a:t>Uses only the classical channel</a:t>
+            </a:r>
+          </a:p>
+        </p:txBody>
+      </p:sp>
+      <p:sp>
+        <p:nvSpPr>
+          <p:cNvPr id="4" name="Rectangle 3">
+            <a:extLst>
+              <a:ext uri="{FF2B5EF4-FFF2-40B4-BE49-F238E27FC236}">
+                <a16:creationId xmlns:a16="http://schemas.microsoft.com/office/drawing/2014/main" id="{61C7AAF0-5453-8240-9E5E-D3D84D0E9C15}"/>
+              </a:ext>
+            </a:extLst>
+          </p:cNvPr>
+          <p:cNvSpPr/>
+          <p:nvPr/>
+        </p:nvSpPr>
+        <p:spPr>
+          <a:xfrm>
+            <a:off x="3405046" y="3374909"/>
+            <a:ext cx="3384889" cy="739547"/>
+          </a:xfrm>
+          <a:prstGeom prst="rect">
+            <a:avLst/>
+          </a:prstGeom>
+          <a:solidFill>
+            <a:schemeClr val="bg1"/>
+          </a:solidFill>
+          <a:ln>
+            <a:solidFill>
+              <a:schemeClr val="tx1"/>
+            </a:solidFill>
+          </a:ln>
+        </p:spPr>
+        <p:style>
+          <a:lnRef idx="2">
+            <a:schemeClr val="accent1">
+              <a:shade val="50000"/>
+            </a:schemeClr>
+          </a:lnRef>
+          <a:fillRef idx="1">
+            <a:schemeClr val="accent1"/>
+          </a:fillRef>
+          <a:effectRef idx="0">
+            <a:schemeClr val="accent1"/>
+          </a:effectRef>
+          <a:fontRef idx="minor">
+            <a:schemeClr val="lt1"/>
+          </a:fontRef>
+        </p:style>
+        <p:txBody>
+          <a:bodyPr lIns="0" tIns="0" rIns="0" bIns="0" rtlCol="0" anchor="ctr"/>
+          <a:lstStyle/>
+          <a:p>
+            <a:pPr algn="ctr"/>
+            <a:r>
+              <a:rPr lang="en-US" dirty="0">
+                <a:solidFill>
+                  <a:schemeClr val="tx1"/>
+                </a:solidFill>
+                <a:latin typeface="Avenir Book" panose="02000503020000020003" pitchFamily="2" charset="0"/>
+              </a:rPr>
+              <a:t>Information reconciliation step</a:t>
+            </a:r>
+          </a:p>
+          <a:p>
+            <a:pPr algn="ctr"/>
+            <a:r>
+              <a:rPr lang="en-US" sz="1200" dirty="0">
+                <a:solidFill>
+                  <a:schemeClr val="tx1"/>
+                </a:solidFill>
+                <a:latin typeface="Avenir Book" panose="02000503020000020003" pitchFamily="2" charset="0"/>
+              </a:rPr>
+              <a:t>Detect and correct errors in the key</a:t>
+            </a:r>
+          </a:p>
+        </p:txBody>
+      </p:sp>
+      <p:sp>
+        <p:nvSpPr>
+          <p:cNvPr id="5" name="Rectangle 4">
+            <a:extLst>
+              <a:ext uri="{FF2B5EF4-FFF2-40B4-BE49-F238E27FC236}">
+                <a16:creationId xmlns:a16="http://schemas.microsoft.com/office/drawing/2014/main" id="{4F8A460D-B09A-0347-B538-6F969F9A295E}"/>
+              </a:ext>
+            </a:extLst>
+          </p:cNvPr>
+          <p:cNvSpPr/>
+          <p:nvPr/>
+        </p:nvSpPr>
+        <p:spPr>
+          <a:xfrm>
+            <a:off x="3405046" y="4312717"/>
+            <a:ext cx="3384889" cy="739547"/>
+          </a:xfrm>
+          <a:prstGeom prst="rect">
+            <a:avLst/>
+          </a:prstGeom>
+          <a:solidFill>
+            <a:schemeClr val="bg1"/>
+          </a:solidFill>
+          <a:ln>
+            <a:solidFill>
+              <a:schemeClr val="tx1"/>
+            </a:solidFill>
+          </a:ln>
+        </p:spPr>
+        <p:style>
+          <a:lnRef idx="2">
+            <a:schemeClr val="accent1">
+              <a:shade val="50000"/>
+            </a:schemeClr>
+          </a:lnRef>
+          <a:fillRef idx="1">
+            <a:schemeClr val="accent1"/>
+          </a:fillRef>
+          <a:effectRef idx="0">
+            <a:schemeClr val="accent1"/>
+          </a:effectRef>
+          <a:fontRef idx="minor">
+            <a:schemeClr val="lt1"/>
+          </a:fontRef>
+        </p:style>
+        <p:txBody>
+          <a:bodyPr lIns="0" tIns="0" rIns="0" bIns="0" rtlCol="0" anchor="ctr"/>
+          <a:lstStyle/>
+          <a:p>
+            <a:pPr algn="ctr"/>
+            <a:r>
+              <a:rPr lang="en-US" dirty="0">
+                <a:solidFill>
+                  <a:schemeClr val="tx1"/>
+                </a:solidFill>
+                <a:latin typeface="Avenir Book" panose="02000503020000020003" pitchFamily="2" charset="0"/>
+              </a:rPr>
+              <a:t>Privacy amplification step</a:t>
+            </a:r>
+          </a:p>
+          <a:p>
+            <a:pPr algn="ctr"/>
+            <a:r>
+              <a:rPr lang="en-US" sz="1200" dirty="0">
+                <a:solidFill>
+                  <a:schemeClr val="tx1"/>
+                </a:solidFill>
+                <a:latin typeface="Avenir Book" panose="02000503020000020003" pitchFamily="2" charset="0"/>
+              </a:rPr>
+              <a:t>Mitigate information leakage</a:t>
+            </a:r>
+          </a:p>
+        </p:txBody>
+      </p:sp>
+      <p:cxnSp>
+        <p:nvCxnSpPr>
+          <p:cNvPr id="7" name="Straight Arrow Connector 6">
+            <a:extLst>
+              <a:ext uri="{FF2B5EF4-FFF2-40B4-BE49-F238E27FC236}">
+                <a16:creationId xmlns:a16="http://schemas.microsoft.com/office/drawing/2014/main" id="{BF5B90CE-BAB4-0143-B045-231679ADCA08}"/>
+              </a:ext>
+            </a:extLst>
+          </p:cNvPr>
+          <p:cNvCxnSpPr>
+            <a:cxnSpLocks/>
+          </p:cNvCxnSpPr>
+          <p:nvPr/>
+        </p:nvCxnSpPr>
+        <p:spPr>
+          <a:xfrm flipV="1">
+            <a:off x="5090816" y="909348"/>
+            <a:ext cx="0" cy="336524"/>
+          </a:xfrm>
+          <a:prstGeom prst="straightConnector1">
+            <a:avLst/>
+          </a:prstGeom>
+          <a:ln>
+            <a:solidFill>
+              <a:schemeClr val="tx1"/>
+            </a:solidFill>
+            <a:headEnd type="triangle" w="med" len="med"/>
+            <a:tailEnd type="none" w="med" len="med"/>
+          </a:ln>
+        </p:spPr>
+        <p:style>
+          <a:lnRef idx="1">
+            <a:schemeClr val="accent1"/>
+          </a:lnRef>
+          <a:fillRef idx="0">
+            <a:schemeClr val="accent1"/>
+          </a:fillRef>
+          <a:effectRef idx="0">
+            <a:schemeClr val="accent1"/>
+          </a:effectRef>
+          <a:fontRef idx="minor">
+            <a:schemeClr val="tx1"/>
+          </a:fontRef>
+        </p:style>
+      </p:cxnSp>
+      <p:cxnSp>
+        <p:nvCxnSpPr>
+          <p:cNvPr id="10" name="Straight Arrow Connector 9">
+            <a:extLst>
+              <a:ext uri="{FF2B5EF4-FFF2-40B4-BE49-F238E27FC236}">
+                <a16:creationId xmlns:a16="http://schemas.microsoft.com/office/drawing/2014/main" id="{DC7B63DB-9911-544A-A5F5-D537C85EF49F}"/>
+              </a:ext>
+            </a:extLst>
+          </p:cNvPr>
+          <p:cNvCxnSpPr>
+            <a:cxnSpLocks/>
+            <a:stCxn id="4" idx="0"/>
+          </p:cNvCxnSpPr>
+          <p:nvPr/>
+        </p:nvCxnSpPr>
+        <p:spPr>
+          <a:xfrm flipH="1" flipV="1">
+            <a:off x="5090817" y="2076683"/>
+            <a:ext cx="0" cy="1298226"/>
+          </a:xfrm>
+          <a:prstGeom prst="straightConnector1">
+            <a:avLst/>
+          </a:prstGeom>
+          <a:ln>
+            <a:solidFill>
+              <a:schemeClr val="tx1"/>
+            </a:solidFill>
+            <a:headEnd type="triangle" w="med" len="med"/>
+            <a:tailEnd type="none" w="med" len="med"/>
+          </a:ln>
+        </p:spPr>
+        <p:style>
+          <a:lnRef idx="1">
+            <a:schemeClr val="accent1"/>
+          </a:lnRef>
+          <a:fillRef idx="0">
+            <a:schemeClr val="accent1"/>
+          </a:fillRef>
+          <a:effectRef idx="0">
+            <a:schemeClr val="accent1"/>
+          </a:effectRef>
+          <a:fontRef idx="minor">
+            <a:schemeClr val="tx1"/>
+          </a:fontRef>
+        </p:style>
+      </p:cxnSp>
+      <p:cxnSp>
+        <p:nvCxnSpPr>
+          <p:cNvPr id="14" name="Straight Arrow Connector 13">
+            <a:extLst>
+              <a:ext uri="{FF2B5EF4-FFF2-40B4-BE49-F238E27FC236}">
+                <a16:creationId xmlns:a16="http://schemas.microsoft.com/office/drawing/2014/main" id="{7F2817F9-DEB9-C845-8495-62642D27B802}"/>
+              </a:ext>
+            </a:extLst>
+          </p:cNvPr>
+          <p:cNvCxnSpPr>
+            <a:cxnSpLocks/>
+          </p:cNvCxnSpPr>
+          <p:nvPr/>
+        </p:nvCxnSpPr>
+        <p:spPr>
+          <a:xfrm flipV="1">
+            <a:off x="5082907" y="4114458"/>
+            <a:ext cx="0" cy="204945"/>
+          </a:xfrm>
+          <a:prstGeom prst="straightConnector1">
+            <a:avLst/>
+          </a:prstGeom>
+          <a:ln>
+            <a:solidFill>
+              <a:schemeClr val="tx1"/>
+            </a:solidFill>
+            <a:headEnd type="triangle" w="med" len="med"/>
+            <a:tailEnd type="none" w="med" len="med"/>
+          </a:ln>
+        </p:spPr>
+        <p:style>
+          <a:lnRef idx="1">
+            <a:schemeClr val="accent1"/>
+          </a:lnRef>
+          <a:fillRef idx="0">
+            <a:schemeClr val="accent1"/>
+          </a:fillRef>
+          <a:effectRef idx="0">
+            <a:schemeClr val="accent1"/>
+          </a:effectRef>
+          <a:fontRef idx="minor">
+            <a:schemeClr val="tx1"/>
+          </a:fontRef>
+        </p:style>
+      </p:cxnSp>
+      <p:cxnSp>
+        <p:nvCxnSpPr>
+          <p:cNvPr id="17" name="Straight Arrow Connector 16">
+            <a:extLst>
+              <a:ext uri="{FF2B5EF4-FFF2-40B4-BE49-F238E27FC236}">
+                <a16:creationId xmlns:a16="http://schemas.microsoft.com/office/drawing/2014/main" id="{5AD7B19F-E5FD-6A45-817E-1B453CB27F34}"/>
+              </a:ext>
+            </a:extLst>
+          </p:cNvPr>
+          <p:cNvCxnSpPr>
+            <a:cxnSpLocks/>
+          </p:cNvCxnSpPr>
+          <p:nvPr/>
+        </p:nvCxnSpPr>
+        <p:spPr>
+          <a:xfrm flipV="1">
+            <a:off x="5079359" y="5052265"/>
+            <a:ext cx="0" cy="621057"/>
+          </a:xfrm>
+          <a:prstGeom prst="straightConnector1">
+            <a:avLst/>
+          </a:prstGeom>
+          <a:ln>
+            <a:solidFill>
+              <a:schemeClr val="tx1"/>
+            </a:solidFill>
+            <a:headEnd type="triangle" w="med" len="med"/>
+            <a:tailEnd type="none" w="med" len="med"/>
+          </a:ln>
+        </p:spPr>
+        <p:style>
+          <a:lnRef idx="1">
+            <a:schemeClr val="accent1"/>
+          </a:lnRef>
+          <a:fillRef idx="0">
+            <a:schemeClr val="accent1"/>
+          </a:fillRef>
+          <a:effectRef idx="0">
+            <a:schemeClr val="accent1"/>
+          </a:effectRef>
+          <a:fontRef idx="minor">
+            <a:schemeClr val="tx1"/>
+          </a:fontRef>
+        </p:style>
+      </p:cxnSp>
+    </p:spTree>
+    <p:extLst>
+      <p:ext uri="{BB962C8B-B14F-4D97-AF65-F5344CB8AC3E}">
+        <p14:creationId xmlns:p14="http://schemas.microsoft.com/office/powerpoint/2010/main" val="3981380469"/>
+      </p:ext>
+    </p:extLst>
+  </p:cSld>
+  <p:clrMapOvr>
+    <a:masterClrMapping/>
+  </p:clrMapOvr>
+</p:sld>
+</file>
+
+<file path=ppt/slides/slide4.xml><?xml version="1.0" encoding="utf-8"?>
+<p:sld xmlns:a="http://schemas.openxmlformats.org/drawingml/2006/main" xmlns:r="http://schemas.openxmlformats.org/officeDocument/2006/relationships" xmlns:p="http://schemas.openxmlformats.org/presentationml/2006/main">
+  <p:cSld>
+    <p:spTree>
+      <p:nvGrpSpPr>
+        <p:cNvPr id="1" name=""/>
+        <p:cNvGrpSpPr/>
+        <p:nvPr/>
+      </p:nvGrpSpPr>
+      <p:grpSpPr>
+        <a:xfrm>
+          <a:off x="0" y="0"/>
+          <a:ext cx="0" cy="0"/>
+          <a:chOff x="0" y="0"/>
+          <a:chExt cx="0" cy="0"/>
+        </a:xfrm>
+      </p:grpSpPr>
       <p:grpSp>
         <p:nvGrpSpPr>
           <p:cNvPr id="38" name="Group 37">
@@ -10849,7 +11382,7 @@
 </p:sld>
 </file>
 
-<file path=ppt/slides/slide4.xml><?xml version="1.0" encoding="utf-8"?>
+<file path=ppt/slides/slide5.xml><?xml version="1.0" encoding="utf-8"?>
 <p:sld xmlns:a="http://schemas.openxmlformats.org/drawingml/2006/main" xmlns:r="http://schemas.openxmlformats.org/officeDocument/2006/relationships" xmlns:p="http://schemas.openxmlformats.org/presentationml/2006/main">
   <p:cSld>
     <p:spTree>
@@ -16902,7 +17435,7 @@
 </p:sld>
 </file>
 
-<file path=ppt/slides/slide5.xml><?xml version="1.0" encoding="utf-8"?>
+<file path=ppt/slides/slide6.xml><?xml version="1.0" encoding="utf-8"?>
 <p:sld xmlns:a="http://schemas.openxmlformats.org/drawingml/2006/main" xmlns:r="http://schemas.openxmlformats.org/officeDocument/2006/relationships" xmlns:p="http://schemas.openxmlformats.org/presentationml/2006/main">
   <p:cSld>
     <p:spTree>

--- a/docs/source/figures/figures.pptx
+++ b/docs/source/figures/figures.pptx
@@ -5,15 +5,16 @@
     <p:sldMasterId id="2147483648" r:id="rId1"/>
   </p:sldMasterIdLst>
   <p:notesMasterIdLst>
-    <p:notesMasterId r:id="rId8"/>
+    <p:notesMasterId r:id="rId9"/>
   </p:notesMasterIdLst>
   <p:sldIdLst>
     <p:sldId id="260" r:id="rId2"/>
     <p:sldId id="261" r:id="rId3"/>
     <p:sldId id="262" r:id="rId4"/>
-    <p:sldId id="256" r:id="rId5"/>
-    <p:sldId id="258" r:id="rId6"/>
-    <p:sldId id="259" r:id="rId7"/>
+    <p:sldId id="263" r:id="rId5"/>
+    <p:sldId id="256" r:id="rId6"/>
+    <p:sldId id="258" r:id="rId7"/>
+    <p:sldId id="259" r:id="rId8"/>
   </p:sldIdLst>
   <p:sldSz cx="12192000" cy="6858000"/>
   <p:notesSz cx="6858000" cy="9144000"/>
@@ -722,7 +723,7 @@
     </p:spTree>
     <p:extLst>
       <p:ext uri="{BB962C8B-B14F-4D97-AF65-F5344CB8AC3E}">
-        <p14:creationId xmlns:p14="http://schemas.microsoft.com/office/powerpoint/2010/main" val="2841486527"/>
+        <p14:creationId xmlns:p14="http://schemas.microsoft.com/office/powerpoint/2010/main" val="2935692852"/>
       </p:ext>
     </p:extLst>
   </p:cSld>
@@ -806,7 +807,7 @@
     </p:spTree>
     <p:extLst>
       <p:ext uri="{BB962C8B-B14F-4D97-AF65-F5344CB8AC3E}">
-        <p14:creationId xmlns:p14="http://schemas.microsoft.com/office/powerpoint/2010/main" val="786792680"/>
+        <p14:creationId xmlns:p14="http://schemas.microsoft.com/office/powerpoint/2010/main" val="2841486527"/>
       </p:ext>
     </p:extLst>
   </p:cSld>
@@ -882,6 +883,90 @@
             <a:fld id="{69BA16CC-A804-B84A-872F-1EF0D5231479}" type="slidenum">
               <a:rPr lang="en-US" smtClean="0"/>
               <a:t>6</a:t>
+            </a:fld>
+            <a:endParaRPr lang="en-US"/>
+          </a:p>
+        </p:txBody>
+      </p:sp>
+    </p:spTree>
+    <p:extLst>
+      <p:ext uri="{BB962C8B-B14F-4D97-AF65-F5344CB8AC3E}">
+        <p14:creationId xmlns:p14="http://schemas.microsoft.com/office/powerpoint/2010/main" val="786792680"/>
+      </p:ext>
+    </p:extLst>
+  </p:cSld>
+  <p:clrMapOvr>
+    <a:masterClrMapping/>
+  </p:clrMapOvr>
+</p:notes>
+</file>
+
+<file path=ppt/notesSlides/notesSlide6.xml><?xml version="1.0" encoding="utf-8"?>
+<p:notes xmlns:a="http://schemas.openxmlformats.org/drawingml/2006/main" xmlns:r="http://schemas.openxmlformats.org/officeDocument/2006/relationships" xmlns:p="http://schemas.openxmlformats.org/presentationml/2006/main">
+  <p:cSld>
+    <p:spTree>
+      <p:nvGrpSpPr>
+        <p:cNvPr id="1" name=""/>
+        <p:cNvGrpSpPr/>
+        <p:nvPr/>
+      </p:nvGrpSpPr>
+      <p:grpSpPr>
+        <a:xfrm>
+          <a:off x="0" y="0"/>
+          <a:ext cx="0" cy="0"/>
+          <a:chOff x="0" y="0"/>
+          <a:chExt cx="0" cy="0"/>
+        </a:xfrm>
+      </p:grpSpPr>
+      <p:sp>
+        <p:nvSpPr>
+          <p:cNvPr id="2" name="Slide Image Placeholder 1"/>
+          <p:cNvSpPr>
+            <a:spLocks noGrp="1" noRot="1" noChangeAspect="1"/>
+          </p:cNvSpPr>
+          <p:nvPr>
+            <p:ph type="sldImg"/>
+          </p:nvPr>
+        </p:nvSpPr>
+        <p:spPr/>
+      </p:sp>
+      <p:sp>
+        <p:nvSpPr>
+          <p:cNvPr id="3" name="Notes Placeholder 2"/>
+          <p:cNvSpPr>
+            <a:spLocks noGrp="1"/>
+          </p:cNvSpPr>
+          <p:nvPr>
+            <p:ph type="body" idx="1"/>
+          </p:nvPr>
+        </p:nvSpPr>
+        <p:spPr/>
+        <p:txBody>
+          <a:bodyPr/>
+          <a:lstStyle/>
+          <a:p>
+            <a:endParaRPr lang="en-US" dirty="0"/>
+          </a:p>
+        </p:txBody>
+      </p:sp>
+      <p:sp>
+        <p:nvSpPr>
+          <p:cNvPr id="4" name="Slide Number Placeholder 3"/>
+          <p:cNvSpPr>
+            <a:spLocks noGrp="1"/>
+          </p:cNvSpPr>
+          <p:nvPr>
+            <p:ph type="sldNum" sz="quarter" idx="5"/>
+          </p:nvPr>
+        </p:nvSpPr>
+        <p:spPr/>
+        <p:txBody>
+          <a:bodyPr/>
+          <a:lstStyle/>
+          <a:p>
+            <a:fld id="{69BA16CC-A804-B84A-872F-1EF0D5231479}" type="slidenum">
+              <a:rPr lang="en-US" smtClean="0"/>
+              <a:t>7</a:t>
             </a:fld>
             <a:endParaRPr lang="en-US"/>
           </a:p>
@@ -7993,6 +8078,2411 @@
           <a:chExt cx="0" cy="0"/>
         </a:xfrm>
       </p:grpSpPr>
+      <p:sp>
+        <p:nvSpPr>
+          <p:cNvPr id="2" name="Rectangle 1">
+            <a:extLst>
+              <a:ext uri="{FF2B5EF4-FFF2-40B4-BE49-F238E27FC236}">
+                <a16:creationId xmlns:a16="http://schemas.microsoft.com/office/drawing/2014/main" id="{92553990-470E-2842-B285-C4FB5FB2F7E1}"/>
+              </a:ext>
+            </a:extLst>
+          </p:cNvPr>
+          <p:cNvSpPr/>
+          <p:nvPr/>
+        </p:nvSpPr>
+        <p:spPr>
+          <a:xfrm>
+            <a:off x="1222160" y="2961211"/>
+            <a:ext cx="1077325" cy="994454"/>
+          </a:xfrm>
+          <a:prstGeom prst="rect">
+            <a:avLst/>
+          </a:prstGeom>
+          <a:noFill/>
+          <a:ln>
+            <a:solidFill>
+              <a:schemeClr val="tx1"/>
+            </a:solidFill>
+          </a:ln>
+        </p:spPr>
+        <p:style>
+          <a:lnRef idx="2">
+            <a:schemeClr val="accent1">
+              <a:shade val="50000"/>
+            </a:schemeClr>
+          </a:lnRef>
+          <a:fillRef idx="1">
+            <a:schemeClr val="accent1"/>
+          </a:fillRef>
+          <a:effectRef idx="0">
+            <a:schemeClr val="accent1"/>
+          </a:effectRef>
+          <a:fontRef idx="minor">
+            <a:schemeClr val="lt1"/>
+          </a:fontRef>
+        </p:style>
+        <p:txBody>
+          <a:bodyPr lIns="0" tIns="0" rIns="0" bIns="0" rtlCol="0" anchor="ctr"/>
+          <a:lstStyle/>
+          <a:p>
+            <a:pPr algn="ctr"/>
+            <a:r>
+              <a:rPr lang="en-US" sz="1200" dirty="0">
+                <a:solidFill>
+                  <a:schemeClr val="tx1"/>
+                </a:solidFill>
+                <a:latin typeface="Avenir Book" panose="02000503020000020003" pitchFamily="2" charset="0"/>
+              </a:rPr>
+              <a:t>Quantum</a:t>
+            </a:r>
+          </a:p>
+          <a:p>
+            <a:pPr algn="ctr"/>
+            <a:r>
+              <a:rPr lang="en-US" sz="1200" dirty="0">
+                <a:solidFill>
+                  <a:schemeClr val="tx1"/>
+                </a:solidFill>
+                <a:latin typeface="Avenir Book" panose="02000503020000020003" pitchFamily="2" charset="0"/>
+              </a:rPr>
+              <a:t>Key</a:t>
+            </a:r>
+          </a:p>
+          <a:p>
+            <a:pPr algn="ctr"/>
+            <a:r>
+              <a:rPr lang="en-US" sz="1200" dirty="0">
+                <a:solidFill>
+                  <a:schemeClr val="tx1"/>
+                </a:solidFill>
+                <a:latin typeface="Avenir Book" panose="02000503020000020003" pitchFamily="2" charset="0"/>
+              </a:rPr>
+              <a:t>Distribution</a:t>
+            </a:r>
+          </a:p>
+          <a:p>
+            <a:pPr algn="ctr"/>
+            <a:r>
+              <a:rPr lang="en-US" sz="1200" dirty="0">
+                <a:solidFill>
+                  <a:schemeClr val="tx1"/>
+                </a:solidFill>
+                <a:latin typeface="Avenir Book" panose="02000503020000020003" pitchFamily="2" charset="0"/>
+              </a:rPr>
+              <a:t>Device</a:t>
+            </a:r>
+          </a:p>
+        </p:txBody>
+      </p:sp>
+      <p:sp>
+        <p:nvSpPr>
+          <p:cNvPr id="3" name="Rectangle 2">
+            <a:extLst>
+              <a:ext uri="{FF2B5EF4-FFF2-40B4-BE49-F238E27FC236}">
+                <a16:creationId xmlns:a16="http://schemas.microsoft.com/office/drawing/2014/main" id="{0955C8AF-3565-5646-A46F-BFC23E1DA0C7}"/>
+              </a:ext>
+            </a:extLst>
+          </p:cNvPr>
+          <p:cNvSpPr/>
+          <p:nvPr/>
+        </p:nvSpPr>
+        <p:spPr>
+          <a:xfrm>
+            <a:off x="3413946" y="2975286"/>
+            <a:ext cx="1077325" cy="994454"/>
+          </a:xfrm>
+          <a:prstGeom prst="rect">
+            <a:avLst/>
+          </a:prstGeom>
+          <a:noFill/>
+          <a:ln>
+            <a:solidFill>
+              <a:schemeClr val="tx1"/>
+            </a:solidFill>
+          </a:ln>
+        </p:spPr>
+        <p:style>
+          <a:lnRef idx="2">
+            <a:schemeClr val="accent1">
+              <a:shade val="50000"/>
+            </a:schemeClr>
+          </a:lnRef>
+          <a:fillRef idx="1">
+            <a:schemeClr val="accent1"/>
+          </a:fillRef>
+          <a:effectRef idx="0">
+            <a:schemeClr val="accent1"/>
+          </a:effectRef>
+          <a:fontRef idx="minor">
+            <a:schemeClr val="lt1"/>
+          </a:fontRef>
+        </p:style>
+        <p:txBody>
+          <a:bodyPr lIns="0" tIns="0" rIns="0" bIns="0" rtlCol="0" anchor="ctr"/>
+          <a:lstStyle/>
+          <a:p>
+            <a:pPr algn="ctr"/>
+            <a:r>
+              <a:rPr lang="en-US" sz="1200" dirty="0">
+                <a:solidFill>
+                  <a:schemeClr val="tx1"/>
+                </a:solidFill>
+                <a:latin typeface="Avenir Book" panose="02000503020000020003" pitchFamily="2" charset="0"/>
+              </a:rPr>
+              <a:t>Quantum</a:t>
+            </a:r>
+          </a:p>
+          <a:p>
+            <a:pPr algn="ctr"/>
+            <a:r>
+              <a:rPr lang="en-US" sz="1200" dirty="0">
+                <a:solidFill>
+                  <a:schemeClr val="tx1"/>
+                </a:solidFill>
+                <a:latin typeface="Avenir Book" panose="02000503020000020003" pitchFamily="2" charset="0"/>
+              </a:rPr>
+              <a:t>Key</a:t>
+            </a:r>
+          </a:p>
+          <a:p>
+            <a:pPr algn="ctr"/>
+            <a:r>
+              <a:rPr lang="en-US" sz="1200" dirty="0">
+                <a:solidFill>
+                  <a:schemeClr val="tx1"/>
+                </a:solidFill>
+                <a:latin typeface="Avenir Book" panose="02000503020000020003" pitchFamily="2" charset="0"/>
+              </a:rPr>
+              <a:t>Distribution</a:t>
+            </a:r>
+          </a:p>
+          <a:p>
+            <a:pPr algn="ctr"/>
+            <a:r>
+              <a:rPr lang="en-US" sz="1200" dirty="0">
+                <a:solidFill>
+                  <a:schemeClr val="tx1"/>
+                </a:solidFill>
+                <a:latin typeface="Avenir Book" panose="02000503020000020003" pitchFamily="2" charset="0"/>
+              </a:rPr>
+              <a:t>Device</a:t>
+            </a:r>
+          </a:p>
+        </p:txBody>
+      </p:sp>
+      <p:pic>
+        <p:nvPicPr>
+          <p:cNvPr id="4" name="Picture 3">
+            <a:extLst>
+              <a:ext uri="{FF2B5EF4-FFF2-40B4-BE49-F238E27FC236}">
+                <a16:creationId xmlns:a16="http://schemas.microsoft.com/office/drawing/2014/main" id="{102DA8CA-EECA-1749-A7BA-7376FF8155CF}"/>
+              </a:ext>
+            </a:extLst>
+          </p:cNvPr>
+          <p:cNvPicPr>
+            <a:picLocks noChangeAspect="1"/>
+          </p:cNvPicPr>
+          <p:nvPr/>
+        </p:nvPicPr>
+        <p:blipFill>
+          <a:blip r:embed="rId3"/>
+          <a:stretch>
+            <a:fillRect/>
+          </a:stretch>
+        </p:blipFill>
+        <p:spPr>
+          <a:xfrm>
+            <a:off x="3688828" y="2232284"/>
+            <a:ext cx="527560" cy="576072"/>
+          </a:xfrm>
+          <a:prstGeom prst="rect">
+            <a:avLst/>
+          </a:prstGeom>
+        </p:spPr>
+      </p:pic>
+      <p:pic>
+        <p:nvPicPr>
+          <p:cNvPr id="5" name="Picture 4">
+            <a:extLst>
+              <a:ext uri="{FF2B5EF4-FFF2-40B4-BE49-F238E27FC236}">
+                <a16:creationId xmlns:a16="http://schemas.microsoft.com/office/drawing/2014/main" id="{26B17C90-FC49-4D47-A5CE-4F19FB0AB773}"/>
+              </a:ext>
+            </a:extLst>
+          </p:cNvPr>
+          <p:cNvPicPr>
+            <a:picLocks noChangeAspect="1"/>
+          </p:cNvPicPr>
+          <p:nvPr/>
+        </p:nvPicPr>
+        <p:blipFill>
+          <a:blip r:embed="rId4"/>
+          <a:stretch>
+            <a:fillRect/>
+          </a:stretch>
+        </p:blipFill>
+        <p:spPr>
+          <a:xfrm>
+            <a:off x="1461837" y="2215295"/>
+            <a:ext cx="597969" cy="610050"/>
+          </a:xfrm>
+          <a:prstGeom prst="rect">
+            <a:avLst/>
+          </a:prstGeom>
+        </p:spPr>
+      </p:pic>
+      <p:sp>
+        <p:nvSpPr>
+          <p:cNvPr id="6" name="Rectangle 5">
+            <a:extLst>
+              <a:ext uri="{FF2B5EF4-FFF2-40B4-BE49-F238E27FC236}">
+                <a16:creationId xmlns:a16="http://schemas.microsoft.com/office/drawing/2014/main" id="{AAFEA58A-4EA6-5349-A616-031D44EFE730}"/>
+              </a:ext>
+            </a:extLst>
+          </p:cNvPr>
+          <p:cNvSpPr/>
+          <p:nvPr/>
+        </p:nvSpPr>
+        <p:spPr>
+          <a:xfrm>
+            <a:off x="1222160" y="3983955"/>
+            <a:ext cx="1077325" cy="328836"/>
+          </a:xfrm>
+          <a:prstGeom prst="rect">
+            <a:avLst/>
+          </a:prstGeom>
+          <a:noFill/>
+          <a:ln>
+            <a:noFill/>
+          </a:ln>
+        </p:spPr>
+        <p:style>
+          <a:lnRef idx="2">
+            <a:schemeClr val="accent1">
+              <a:shade val="50000"/>
+            </a:schemeClr>
+          </a:lnRef>
+          <a:fillRef idx="1">
+            <a:schemeClr val="accent1"/>
+          </a:fillRef>
+          <a:effectRef idx="0">
+            <a:schemeClr val="accent1"/>
+          </a:effectRef>
+          <a:fontRef idx="minor">
+            <a:schemeClr val="lt1"/>
+          </a:fontRef>
+        </p:style>
+        <p:txBody>
+          <a:bodyPr lIns="0" tIns="0" rIns="0" bIns="0" rtlCol="0" anchor="ctr"/>
+          <a:lstStyle/>
+          <a:p>
+            <a:pPr algn="ctr"/>
+            <a:r>
+              <a:rPr lang="en-US" sz="1200" dirty="0">
+                <a:solidFill>
+                  <a:schemeClr val="tx1"/>
+                </a:solidFill>
+                <a:latin typeface="Avenir Book" panose="02000503020000020003" pitchFamily="2" charset="0"/>
+              </a:rPr>
+              <a:t>Peer</a:t>
+            </a:r>
+          </a:p>
+        </p:txBody>
+      </p:sp>
+      <p:sp>
+        <p:nvSpPr>
+          <p:cNvPr id="7" name="Rectangle 6">
+            <a:extLst>
+              <a:ext uri="{FF2B5EF4-FFF2-40B4-BE49-F238E27FC236}">
+                <a16:creationId xmlns:a16="http://schemas.microsoft.com/office/drawing/2014/main" id="{9B1109CC-0CD2-914A-B723-F9EFE36DDB5C}"/>
+              </a:ext>
+            </a:extLst>
+          </p:cNvPr>
+          <p:cNvSpPr/>
+          <p:nvPr/>
+        </p:nvSpPr>
+        <p:spPr>
+          <a:xfrm>
+            <a:off x="3400583" y="3975529"/>
+            <a:ext cx="1077325" cy="328836"/>
+          </a:xfrm>
+          <a:prstGeom prst="rect">
+            <a:avLst/>
+          </a:prstGeom>
+          <a:noFill/>
+          <a:ln>
+            <a:noFill/>
+          </a:ln>
+        </p:spPr>
+        <p:style>
+          <a:lnRef idx="2">
+            <a:schemeClr val="accent1">
+              <a:shade val="50000"/>
+            </a:schemeClr>
+          </a:lnRef>
+          <a:fillRef idx="1">
+            <a:schemeClr val="accent1"/>
+          </a:fillRef>
+          <a:effectRef idx="0">
+            <a:schemeClr val="accent1"/>
+          </a:effectRef>
+          <a:fontRef idx="minor">
+            <a:schemeClr val="lt1"/>
+          </a:fontRef>
+        </p:style>
+        <p:txBody>
+          <a:bodyPr lIns="0" tIns="0" rIns="0" bIns="0" rtlCol="0" anchor="ctr"/>
+          <a:lstStyle/>
+          <a:p>
+            <a:pPr algn="ctr"/>
+            <a:r>
+              <a:rPr lang="en-US" sz="1200" dirty="0">
+                <a:solidFill>
+                  <a:schemeClr val="tx1"/>
+                </a:solidFill>
+                <a:latin typeface="Avenir Book" panose="02000503020000020003" pitchFamily="2" charset="0"/>
+              </a:rPr>
+              <a:t>Peer</a:t>
+            </a:r>
+          </a:p>
+        </p:txBody>
+      </p:sp>
+      <p:grpSp>
+        <p:nvGrpSpPr>
+          <p:cNvPr id="12" name="Group 11">
+            <a:extLst>
+              <a:ext uri="{FF2B5EF4-FFF2-40B4-BE49-F238E27FC236}">
+                <a16:creationId xmlns:a16="http://schemas.microsoft.com/office/drawing/2014/main" id="{8C8C1CCE-62E0-FC42-88CC-EF7FB758E911}"/>
+              </a:ext>
+            </a:extLst>
+          </p:cNvPr>
+          <p:cNvGrpSpPr/>
+          <p:nvPr/>
+        </p:nvGrpSpPr>
+        <p:grpSpPr>
+          <a:xfrm>
+            <a:off x="2299485" y="3395275"/>
+            <a:ext cx="1114461" cy="154475"/>
+            <a:chOff x="2768693" y="3429000"/>
+            <a:chExt cx="3445156" cy="308949"/>
+          </a:xfrm>
+        </p:grpSpPr>
+        <p:cxnSp>
+          <p:nvCxnSpPr>
+            <p:cNvPr id="8" name="Straight Arrow Connector 7">
+              <a:extLst>
+                <a:ext uri="{FF2B5EF4-FFF2-40B4-BE49-F238E27FC236}">
+                  <a16:creationId xmlns:a16="http://schemas.microsoft.com/office/drawing/2014/main" id="{074E7DC0-D549-3948-8E6C-AE12391B3426}"/>
+                </a:ext>
+              </a:extLst>
+            </p:cNvPr>
+            <p:cNvCxnSpPr>
+              <a:cxnSpLocks/>
+            </p:cNvCxnSpPr>
+            <p:nvPr/>
+          </p:nvCxnSpPr>
+          <p:spPr>
+            <a:xfrm flipH="1">
+              <a:off x="2768693" y="3429000"/>
+              <a:ext cx="3445156" cy="0"/>
+            </a:xfrm>
+            <a:prstGeom prst="straightConnector1">
+              <a:avLst/>
+            </a:prstGeom>
+            <a:ln w="12700" cap="rnd">
+              <a:solidFill>
+                <a:schemeClr val="tx1"/>
+              </a:solidFill>
+              <a:headEnd type="none" w="med" len="med"/>
+              <a:tailEnd type="none" w="med" len="med"/>
+            </a:ln>
+          </p:spPr>
+          <p:style>
+            <a:lnRef idx="1">
+              <a:schemeClr val="accent1"/>
+            </a:lnRef>
+            <a:fillRef idx="0">
+              <a:schemeClr val="accent1"/>
+            </a:fillRef>
+            <a:effectRef idx="0">
+              <a:schemeClr val="accent1"/>
+            </a:effectRef>
+            <a:fontRef idx="minor">
+              <a:schemeClr val="tx1"/>
+            </a:fontRef>
+          </p:style>
+        </p:cxnSp>
+        <p:cxnSp>
+          <p:nvCxnSpPr>
+            <p:cNvPr id="9" name="Straight Arrow Connector 8">
+              <a:extLst>
+                <a:ext uri="{FF2B5EF4-FFF2-40B4-BE49-F238E27FC236}">
+                  <a16:creationId xmlns:a16="http://schemas.microsoft.com/office/drawing/2014/main" id="{EFA517BE-3101-1F42-BFB1-75BE52A51064}"/>
+                </a:ext>
+              </a:extLst>
+            </p:cNvPr>
+            <p:cNvCxnSpPr>
+              <a:cxnSpLocks/>
+            </p:cNvCxnSpPr>
+            <p:nvPr/>
+          </p:nvCxnSpPr>
+          <p:spPr>
+            <a:xfrm flipH="1">
+              <a:off x="2768693" y="3737949"/>
+              <a:ext cx="3445156" cy="0"/>
+            </a:xfrm>
+            <a:prstGeom prst="straightConnector1">
+              <a:avLst/>
+            </a:prstGeom>
+            <a:ln w="12700" cap="rnd">
+              <a:solidFill>
+                <a:schemeClr val="tx1"/>
+              </a:solidFill>
+              <a:headEnd type="none" w="med" len="med"/>
+              <a:tailEnd type="none" w="med" len="med"/>
+            </a:ln>
+          </p:spPr>
+          <p:style>
+            <a:lnRef idx="1">
+              <a:schemeClr val="accent1"/>
+            </a:lnRef>
+            <a:fillRef idx="0">
+              <a:schemeClr val="accent1"/>
+            </a:fillRef>
+            <a:effectRef idx="0">
+              <a:schemeClr val="accent1"/>
+            </a:effectRef>
+            <a:fontRef idx="minor">
+              <a:schemeClr val="tx1"/>
+            </a:fontRef>
+          </p:style>
+        </p:cxnSp>
+      </p:grpSp>
+      <p:sp>
+        <p:nvSpPr>
+          <p:cNvPr id="10" name="Rectangle 9">
+            <a:extLst>
+              <a:ext uri="{FF2B5EF4-FFF2-40B4-BE49-F238E27FC236}">
+                <a16:creationId xmlns:a16="http://schemas.microsoft.com/office/drawing/2014/main" id="{FDE180B8-B698-294D-AB03-49EB36BD76E2}"/>
+              </a:ext>
+            </a:extLst>
+          </p:cNvPr>
+          <p:cNvSpPr/>
+          <p:nvPr/>
+        </p:nvSpPr>
+        <p:spPr>
+          <a:xfrm>
+            <a:off x="2389262" y="3501152"/>
+            <a:ext cx="955856" cy="295213"/>
+          </a:xfrm>
+          <a:prstGeom prst="rect">
+            <a:avLst/>
+          </a:prstGeom>
+          <a:noFill/>
+          <a:ln>
+            <a:noFill/>
+          </a:ln>
+        </p:spPr>
+        <p:style>
+          <a:lnRef idx="2">
+            <a:schemeClr val="accent1">
+              <a:shade val="50000"/>
+            </a:schemeClr>
+          </a:lnRef>
+          <a:fillRef idx="1">
+            <a:schemeClr val="accent1"/>
+          </a:fillRef>
+          <a:effectRef idx="0">
+            <a:schemeClr val="accent1"/>
+          </a:effectRef>
+          <a:fontRef idx="minor">
+            <a:schemeClr val="lt1"/>
+          </a:fontRef>
+        </p:style>
+        <p:txBody>
+          <a:bodyPr lIns="0" tIns="0" rIns="0" bIns="0" rtlCol="0" anchor="ctr" anchorCtr="0"/>
+          <a:lstStyle/>
+          <a:p>
+            <a:r>
+              <a:rPr lang="en-US" sz="800" dirty="0">
+                <a:solidFill>
+                  <a:schemeClr val="tx1"/>
+                </a:solidFill>
+                <a:latin typeface="Avenir Book" panose="02000503020000020003" pitchFamily="2" charset="0"/>
+              </a:rPr>
+              <a:t>Classical channel</a:t>
+            </a:r>
+          </a:p>
+        </p:txBody>
+      </p:sp>
+      <p:sp>
+        <p:nvSpPr>
+          <p:cNvPr id="11" name="Rectangle 10">
+            <a:extLst>
+              <a:ext uri="{FF2B5EF4-FFF2-40B4-BE49-F238E27FC236}">
+                <a16:creationId xmlns:a16="http://schemas.microsoft.com/office/drawing/2014/main" id="{23ECB021-6695-5A44-88C4-AD22F3CF3C5D}"/>
+              </a:ext>
+            </a:extLst>
+          </p:cNvPr>
+          <p:cNvSpPr/>
+          <p:nvPr/>
+        </p:nvSpPr>
+        <p:spPr>
+          <a:xfrm>
+            <a:off x="2389262" y="3160643"/>
+            <a:ext cx="955856" cy="295213"/>
+          </a:xfrm>
+          <a:prstGeom prst="rect">
+            <a:avLst/>
+          </a:prstGeom>
+          <a:noFill/>
+          <a:ln>
+            <a:noFill/>
+          </a:ln>
+        </p:spPr>
+        <p:style>
+          <a:lnRef idx="2">
+            <a:schemeClr val="accent1">
+              <a:shade val="50000"/>
+            </a:schemeClr>
+          </a:lnRef>
+          <a:fillRef idx="1">
+            <a:schemeClr val="accent1"/>
+          </a:fillRef>
+          <a:effectRef idx="0">
+            <a:schemeClr val="accent1"/>
+          </a:effectRef>
+          <a:fontRef idx="minor">
+            <a:schemeClr val="lt1"/>
+          </a:fontRef>
+        </p:style>
+        <p:txBody>
+          <a:bodyPr lIns="0" tIns="0" rIns="0" bIns="0" rtlCol="0" anchor="ctr" anchorCtr="0"/>
+          <a:lstStyle/>
+          <a:p>
+            <a:r>
+              <a:rPr lang="en-US" sz="800" dirty="0">
+                <a:solidFill>
+                  <a:schemeClr val="tx1"/>
+                </a:solidFill>
+                <a:latin typeface="Avenir Book" panose="02000503020000020003" pitchFamily="2" charset="0"/>
+              </a:rPr>
+              <a:t>Quantum channel</a:t>
+            </a:r>
+          </a:p>
+        </p:txBody>
+      </p:sp>
+      <p:sp>
+        <p:nvSpPr>
+          <p:cNvPr id="14" name="Rectangle 13">
+            <a:extLst>
+              <a:ext uri="{FF2B5EF4-FFF2-40B4-BE49-F238E27FC236}">
+                <a16:creationId xmlns:a16="http://schemas.microsoft.com/office/drawing/2014/main" id="{D4BBE9E1-065B-9A47-9E1E-621818BC19E8}"/>
+              </a:ext>
+            </a:extLst>
+          </p:cNvPr>
+          <p:cNvSpPr/>
+          <p:nvPr/>
+        </p:nvSpPr>
+        <p:spPr>
+          <a:xfrm>
+            <a:off x="1224759" y="2754086"/>
+            <a:ext cx="1074726" cy="201268"/>
+          </a:xfrm>
+          <a:prstGeom prst="rect">
+            <a:avLst/>
+          </a:prstGeom>
+          <a:noFill/>
+          <a:ln>
+            <a:noFill/>
+          </a:ln>
+        </p:spPr>
+        <p:style>
+          <a:lnRef idx="2">
+            <a:schemeClr val="accent1">
+              <a:shade val="50000"/>
+            </a:schemeClr>
+          </a:lnRef>
+          <a:fillRef idx="1">
+            <a:schemeClr val="accent1"/>
+          </a:fillRef>
+          <a:effectRef idx="0">
+            <a:schemeClr val="accent1"/>
+          </a:effectRef>
+          <a:fontRef idx="minor">
+            <a:schemeClr val="lt1"/>
+          </a:fontRef>
+        </p:style>
+        <p:txBody>
+          <a:bodyPr lIns="0" tIns="0" rIns="0" bIns="0" rtlCol="0" anchor="ctr"/>
+          <a:lstStyle/>
+          <a:p>
+            <a:pPr algn="ctr"/>
+            <a:r>
+              <a:rPr lang="en-US" sz="800" dirty="0">
+                <a:solidFill>
+                  <a:schemeClr val="tx1"/>
+                </a:solidFill>
+                <a:latin typeface="Avenir Book" panose="02000503020000020003" pitchFamily="2" charset="0"/>
+              </a:rPr>
+              <a:t>Alice</a:t>
+            </a:r>
+          </a:p>
+        </p:txBody>
+      </p:sp>
+      <p:sp>
+        <p:nvSpPr>
+          <p:cNvPr id="15" name="Rectangle 14">
+            <a:extLst>
+              <a:ext uri="{FF2B5EF4-FFF2-40B4-BE49-F238E27FC236}">
+                <a16:creationId xmlns:a16="http://schemas.microsoft.com/office/drawing/2014/main" id="{B23DFE06-DC00-714A-AA46-913BAFEB9772}"/>
+              </a:ext>
+            </a:extLst>
+          </p:cNvPr>
+          <p:cNvSpPr/>
+          <p:nvPr/>
+        </p:nvSpPr>
+        <p:spPr>
+          <a:xfrm>
+            <a:off x="3416545" y="2774020"/>
+            <a:ext cx="1074726" cy="201268"/>
+          </a:xfrm>
+          <a:prstGeom prst="rect">
+            <a:avLst/>
+          </a:prstGeom>
+          <a:noFill/>
+          <a:ln>
+            <a:noFill/>
+          </a:ln>
+        </p:spPr>
+        <p:style>
+          <a:lnRef idx="2">
+            <a:schemeClr val="accent1">
+              <a:shade val="50000"/>
+            </a:schemeClr>
+          </a:lnRef>
+          <a:fillRef idx="1">
+            <a:schemeClr val="accent1"/>
+          </a:fillRef>
+          <a:effectRef idx="0">
+            <a:schemeClr val="accent1"/>
+          </a:effectRef>
+          <a:fontRef idx="minor">
+            <a:schemeClr val="lt1"/>
+          </a:fontRef>
+        </p:style>
+        <p:txBody>
+          <a:bodyPr lIns="0" tIns="0" rIns="0" bIns="0" rtlCol="0" anchor="ctr"/>
+          <a:lstStyle/>
+          <a:p>
+            <a:pPr algn="ctr"/>
+            <a:r>
+              <a:rPr lang="en-US" sz="800" dirty="0">
+                <a:solidFill>
+                  <a:schemeClr val="tx1"/>
+                </a:solidFill>
+                <a:latin typeface="Avenir Book" panose="02000503020000020003" pitchFamily="2" charset="0"/>
+              </a:rPr>
+              <a:t>Bob</a:t>
+            </a:r>
+          </a:p>
+        </p:txBody>
+      </p:sp>
+      <p:sp>
+        <p:nvSpPr>
+          <p:cNvPr id="16" name="Rectangle 15">
+            <a:extLst>
+              <a:ext uri="{FF2B5EF4-FFF2-40B4-BE49-F238E27FC236}">
+                <a16:creationId xmlns:a16="http://schemas.microsoft.com/office/drawing/2014/main" id="{061045DD-377F-4047-8F6F-41EDF6C470AB}"/>
+              </a:ext>
+            </a:extLst>
+          </p:cNvPr>
+          <p:cNvSpPr/>
+          <p:nvPr/>
+        </p:nvSpPr>
+        <p:spPr>
+          <a:xfrm>
+            <a:off x="5618517" y="2969028"/>
+            <a:ext cx="1077325" cy="994454"/>
+          </a:xfrm>
+          <a:prstGeom prst="rect">
+            <a:avLst/>
+          </a:prstGeom>
+          <a:noFill/>
+          <a:ln>
+            <a:solidFill>
+              <a:schemeClr val="tx1"/>
+            </a:solidFill>
+          </a:ln>
+        </p:spPr>
+        <p:style>
+          <a:lnRef idx="2">
+            <a:schemeClr val="accent1">
+              <a:shade val="50000"/>
+            </a:schemeClr>
+          </a:lnRef>
+          <a:fillRef idx="1">
+            <a:schemeClr val="accent1"/>
+          </a:fillRef>
+          <a:effectRef idx="0">
+            <a:schemeClr val="accent1"/>
+          </a:effectRef>
+          <a:fontRef idx="minor">
+            <a:schemeClr val="lt1"/>
+          </a:fontRef>
+        </p:style>
+        <p:txBody>
+          <a:bodyPr lIns="0" tIns="0" rIns="0" bIns="0" rtlCol="0" anchor="ctr"/>
+          <a:lstStyle/>
+          <a:p>
+            <a:pPr algn="ctr"/>
+            <a:r>
+              <a:rPr lang="en-US" sz="1200" dirty="0">
+                <a:solidFill>
+                  <a:schemeClr val="tx1"/>
+                </a:solidFill>
+                <a:latin typeface="Avenir Book" panose="02000503020000020003" pitchFamily="2" charset="0"/>
+              </a:rPr>
+              <a:t>Quantum</a:t>
+            </a:r>
+          </a:p>
+          <a:p>
+            <a:pPr algn="ctr"/>
+            <a:r>
+              <a:rPr lang="en-US" sz="1200" dirty="0">
+                <a:solidFill>
+                  <a:schemeClr val="tx1"/>
+                </a:solidFill>
+                <a:latin typeface="Avenir Book" panose="02000503020000020003" pitchFamily="2" charset="0"/>
+              </a:rPr>
+              <a:t>Key</a:t>
+            </a:r>
+          </a:p>
+          <a:p>
+            <a:pPr algn="ctr"/>
+            <a:r>
+              <a:rPr lang="en-US" sz="1200" dirty="0">
+                <a:solidFill>
+                  <a:schemeClr val="tx1"/>
+                </a:solidFill>
+                <a:latin typeface="Avenir Book" panose="02000503020000020003" pitchFamily="2" charset="0"/>
+              </a:rPr>
+              <a:t>Distribution</a:t>
+            </a:r>
+          </a:p>
+          <a:p>
+            <a:pPr algn="ctr"/>
+            <a:r>
+              <a:rPr lang="en-US" sz="1200" dirty="0">
+                <a:solidFill>
+                  <a:schemeClr val="tx1"/>
+                </a:solidFill>
+                <a:latin typeface="Avenir Book" panose="02000503020000020003" pitchFamily="2" charset="0"/>
+              </a:rPr>
+              <a:t>Device</a:t>
+            </a:r>
+          </a:p>
+        </p:txBody>
+      </p:sp>
+      <p:pic>
+        <p:nvPicPr>
+          <p:cNvPr id="18" name="Picture 17">
+            <a:extLst>
+              <a:ext uri="{FF2B5EF4-FFF2-40B4-BE49-F238E27FC236}">
+                <a16:creationId xmlns:a16="http://schemas.microsoft.com/office/drawing/2014/main" id="{5100E407-D25F-DE4C-8EE4-7463D78BDBD0}"/>
+              </a:ext>
+            </a:extLst>
+          </p:cNvPr>
+          <p:cNvPicPr>
+            <a:picLocks noChangeAspect="1"/>
+          </p:cNvPicPr>
+          <p:nvPr/>
+        </p:nvPicPr>
+        <p:blipFill>
+          <a:blip r:embed="rId3"/>
+          <a:stretch>
+            <a:fillRect/>
+          </a:stretch>
+        </p:blipFill>
+        <p:spPr>
+          <a:xfrm>
+            <a:off x="8997485" y="1675139"/>
+            <a:ext cx="527560" cy="576072"/>
+          </a:xfrm>
+          <a:prstGeom prst="rect">
+            <a:avLst/>
+          </a:prstGeom>
+        </p:spPr>
+      </p:pic>
+      <p:pic>
+        <p:nvPicPr>
+          <p:cNvPr id="19" name="Picture 18">
+            <a:extLst>
+              <a:ext uri="{FF2B5EF4-FFF2-40B4-BE49-F238E27FC236}">
+                <a16:creationId xmlns:a16="http://schemas.microsoft.com/office/drawing/2014/main" id="{219B2746-4913-5B4A-B4BE-096E597517CC}"/>
+              </a:ext>
+            </a:extLst>
+          </p:cNvPr>
+          <p:cNvPicPr>
+            <a:picLocks noChangeAspect="1"/>
+          </p:cNvPicPr>
+          <p:nvPr/>
+        </p:nvPicPr>
+        <p:blipFill>
+          <a:blip r:embed="rId4"/>
+          <a:stretch>
+            <a:fillRect/>
+          </a:stretch>
+        </p:blipFill>
+        <p:spPr>
+          <a:xfrm>
+            <a:off x="5858194" y="2223112"/>
+            <a:ext cx="597969" cy="610050"/>
+          </a:xfrm>
+          <a:prstGeom prst="rect">
+            <a:avLst/>
+          </a:prstGeom>
+        </p:spPr>
+      </p:pic>
+      <p:sp>
+        <p:nvSpPr>
+          <p:cNvPr id="20" name="Rectangle 19">
+            <a:extLst>
+              <a:ext uri="{FF2B5EF4-FFF2-40B4-BE49-F238E27FC236}">
+                <a16:creationId xmlns:a16="http://schemas.microsoft.com/office/drawing/2014/main" id="{65725B06-C1EF-3E43-A5D5-3AB680EEC743}"/>
+              </a:ext>
+            </a:extLst>
+          </p:cNvPr>
+          <p:cNvSpPr/>
+          <p:nvPr/>
+        </p:nvSpPr>
+        <p:spPr>
+          <a:xfrm>
+            <a:off x="5618517" y="3991772"/>
+            <a:ext cx="1077325" cy="328836"/>
+          </a:xfrm>
+          <a:prstGeom prst="rect">
+            <a:avLst/>
+          </a:prstGeom>
+          <a:noFill/>
+          <a:ln>
+            <a:noFill/>
+          </a:ln>
+        </p:spPr>
+        <p:style>
+          <a:lnRef idx="2">
+            <a:schemeClr val="accent1">
+              <a:shade val="50000"/>
+            </a:schemeClr>
+          </a:lnRef>
+          <a:fillRef idx="1">
+            <a:schemeClr val="accent1"/>
+          </a:fillRef>
+          <a:effectRef idx="0">
+            <a:schemeClr val="accent1"/>
+          </a:effectRef>
+          <a:fontRef idx="minor">
+            <a:schemeClr val="lt1"/>
+          </a:fontRef>
+        </p:style>
+        <p:txBody>
+          <a:bodyPr lIns="0" tIns="0" rIns="0" bIns="0" rtlCol="0" anchor="ctr"/>
+          <a:lstStyle/>
+          <a:p>
+            <a:pPr algn="ctr"/>
+            <a:r>
+              <a:rPr lang="en-US" sz="1200" dirty="0">
+                <a:solidFill>
+                  <a:schemeClr val="tx1"/>
+                </a:solidFill>
+                <a:latin typeface="Avenir Book" panose="02000503020000020003" pitchFamily="2" charset="0"/>
+              </a:rPr>
+              <a:t>Server</a:t>
+            </a:r>
+          </a:p>
+        </p:txBody>
+      </p:sp>
+      <p:grpSp>
+        <p:nvGrpSpPr>
+          <p:cNvPr id="31" name="Group 30">
+            <a:extLst>
+              <a:ext uri="{FF2B5EF4-FFF2-40B4-BE49-F238E27FC236}">
+                <a16:creationId xmlns:a16="http://schemas.microsoft.com/office/drawing/2014/main" id="{8E32A444-556A-EB45-86A1-5BEB895FE714}"/>
+              </a:ext>
+            </a:extLst>
+          </p:cNvPr>
+          <p:cNvGrpSpPr/>
+          <p:nvPr/>
+        </p:nvGrpSpPr>
+        <p:grpSpPr>
+          <a:xfrm>
+            <a:off x="7796940" y="2983103"/>
+            <a:ext cx="1090688" cy="1329079"/>
+            <a:chOff x="7796940" y="2983103"/>
+            <a:chExt cx="1090688" cy="1329079"/>
+          </a:xfrm>
+        </p:grpSpPr>
+        <p:sp>
+          <p:nvSpPr>
+            <p:cNvPr id="17" name="Rectangle 16">
+              <a:extLst>
+                <a:ext uri="{FF2B5EF4-FFF2-40B4-BE49-F238E27FC236}">
+                  <a16:creationId xmlns:a16="http://schemas.microsoft.com/office/drawing/2014/main" id="{1E014936-16EB-1940-B6EA-8AF110D76410}"/>
+                </a:ext>
+              </a:extLst>
+            </p:cNvPr>
+            <p:cNvSpPr/>
+            <p:nvPr/>
+          </p:nvSpPr>
+          <p:spPr>
+            <a:xfrm>
+              <a:off x="7810303" y="2983103"/>
+              <a:ext cx="1077325" cy="994454"/>
+            </a:xfrm>
+            <a:prstGeom prst="rect">
+              <a:avLst/>
+            </a:prstGeom>
+            <a:noFill/>
+            <a:ln>
+              <a:solidFill>
+                <a:schemeClr val="tx1"/>
+              </a:solidFill>
+            </a:ln>
+          </p:spPr>
+          <p:style>
+            <a:lnRef idx="2">
+              <a:schemeClr val="accent1">
+                <a:shade val="50000"/>
+              </a:schemeClr>
+            </a:lnRef>
+            <a:fillRef idx="1">
+              <a:schemeClr val="accent1"/>
+            </a:fillRef>
+            <a:effectRef idx="0">
+              <a:schemeClr val="accent1"/>
+            </a:effectRef>
+            <a:fontRef idx="minor">
+              <a:schemeClr val="lt1"/>
+            </a:fontRef>
+          </p:style>
+          <p:txBody>
+            <a:bodyPr lIns="0" tIns="0" rIns="0" bIns="0" rtlCol="0" anchor="ctr"/>
+            <a:lstStyle/>
+            <a:p>
+              <a:pPr algn="ctr"/>
+              <a:r>
+                <a:rPr lang="en-US" sz="1200" dirty="0">
+                  <a:solidFill>
+                    <a:schemeClr val="tx1"/>
+                  </a:solidFill>
+                  <a:latin typeface="Avenir Book" panose="02000503020000020003" pitchFamily="2" charset="0"/>
+                </a:rPr>
+                <a:t>Quantum</a:t>
+              </a:r>
+            </a:p>
+            <a:p>
+              <a:pPr algn="ctr"/>
+              <a:r>
+                <a:rPr lang="en-US" sz="1200" dirty="0">
+                  <a:solidFill>
+                    <a:schemeClr val="tx1"/>
+                  </a:solidFill>
+                  <a:latin typeface="Avenir Book" panose="02000503020000020003" pitchFamily="2" charset="0"/>
+                </a:rPr>
+                <a:t>Key</a:t>
+              </a:r>
+            </a:p>
+            <a:p>
+              <a:pPr algn="ctr"/>
+              <a:r>
+                <a:rPr lang="en-US" sz="1200" dirty="0">
+                  <a:solidFill>
+                    <a:schemeClr val="tx1"/>
+                  </a:solidFill>
+                  <a:latin typeface="Avenir Book" panose="02000503020000020003" pitchFamily="2" charset="0"/>
+                </a:rPr>
+                <a:t>Distribution</a:t>
+              </a:r>
+            </a:p>
+            <a:p>
+              <a:pPr algn="ctr"/>
+              <a:r>
+                <a:rPr lang="en-US" sz="1200" dirty="0">
+                  <a:solidFill>
+                    <a:schemeClr val="tx1"/>
+                  </a:solidFill>
+                  <a:latin typeface="Avenir Book" panose="02000503020000020003" pitchFamily="2" charset="0"/>
+                </a:rPr>
+                <a:t>Device</a:t>
+              </a:r>
+            </a:p>
+          </p:txBody>
+        </p:sp>
+        <p:sp>
+          <p:nvSpPr>
+            <p:cNvPr id="21" name="Rectangle 20">
+              <a:extLst>
+                <a:ext uri="{FF2B5EF4-FFF2-40B4-BE49-F238E27FC236}">
+                  <a16:creationId xmlns:a16="http://schemas.microsoft.com/office/drawing/2014/main" id="{F316FC0E-0221-E74A-9A70-1A8E6E369BD4}"/>
+                </a:ext>
+              </a:extLst>
+            </p:cNvPr>
+            <p:cNvSpPr/>
+            <p:nvPr/>
+          </p:nvSpPr>
+          <p:spPr>
+            <a:xfrm>
+              <a:off x="7796940" y="3983346"/>
+              <a:ext cx="1077325" cy="328836"/>
+            </a:xfrm>
+            <a:prstGeom prst="rect">
+              <a:avLst/>
+            </a:prstGeom>
+            <a:noFill/>
+            <a:ln>
+              <a:noFill/>
+            </a:ln>
+          </p:spPr>
+          <p:style>
+            <a:lnRef idx="2">
+              <a:schemeClr val="accent1">
+                <a:shade val="50000"/>
+              </a:schemeClr>
+            </a:lnRef>
+            <a:fillRef idx="1">
+              <a:schemeClr val="accent1"/>
+            </a:fillRef>
+            <a:effectRef idx="0">
+              <a:schemeClr val="accent1"/>
+            </a:effectRef>
+            <a:fontRef idx="minor">
+              <a:schemeClr val="lt1"/>
+            </a:fontRef>
+          </p:style>
+          <p:txBody>
+            <a:bodyPr lIns="0" tIns="0" rIns="0" bIns="0" rtlCol="0" anchor="ctr"/>
+            <a:lstStyle/>
+            <a:p>
+              <a:pPr algn="ctr"/>
+              <a:r>
+                <a:rPr lang="en-US" sz="1200" dirty="0">
+                  <a:solidFill>
+                    <a:schemeClr val="tx1"/>
+                  </a:solidFill>
+                  <a:latin typeface="Avenir Book" panose="02000503020000020003" pitchFamily="2" charset="0"/>
+                </a:rPr>
+                <a:t>Client</a:t>
+              </a:r>
+            </a:p>
+          </p:txBody>
+        </p:sp>
+      </p:grpSp>
+      <p:grpSp>
+        <p:nvGrpSpPr>
+          <p:cNvPr id="42" name="Group 41">
+            <a:extLst>
+              <a:ext uri="{FF2B5EF4-FFF2-40B4-BE49-F238E27FC236}">
+                <a16:creationId xmlns:a16="http://schemas.microsoft.com/office/drawing/2014/main" id="{666B9226-AB89-4B49-A3E7-658D878B55B0}"/>
+              </a:ext>
+            </a:extLst>
+          </p:cNvPr>
+          <p:cNvGrpSpPr/>
+          <p:nvPr/>
+        </p:nvGrpSpPr>
+        <p:grpSpPr>
+          <a:xfrm>
+            <a:off x="6695842" y="3403092"/>
+            <a:ext cx="1114461" cy="154475"/>
+            <a:chOff x="6695842" y="3403092"/>
+            <a:chExt cx="1114461" cy="154475"/>
+          </a:xfrm>
+        </p:grpSpPr>
+        <p:cxnSp>
+          <p:nvCxnSpPr>
+            <p:cNvPr id="23" name="Straight Arrow Connector 22">
+              <a:extLst>
+                <a:ext uri="{FF2B5EF4-FFF2-40B4-BE49-F238E27FC236}">
+                  <a16:creationId xmlns:a16="http://schemas.microsoft.com/office/drawing/2014/main" id="{32F2AEA6-646E-DB43-A120-13162538A880}"/>
+                </a:ext>
+              </a:extLst>
+            </p:cNvPr>
+            <p:cNvCxnSpPr>
+              <a:cxnSpLocks/>
+            </p:cNvCxnSpPr>
+            <p:nvPr/>
+          </p:nvCxnSpPr>
+          <p:spPr>
+            <a:xfrm flipH="1">
+              <a:off x="6695842" y="3403092"/>
+              <a:ext cx="1114461" cy="0"/>
+            </a:xfrm>
+            <a:prstGeom prst="straightConnector1">
+              <a:avLst/>
+            </a:prstGeom>
+            <a:ln w="12700" cap="rnd">
+              <a:solidFill>
+                <a:schemeClr val="tx1"/>
+              </a:solidFill>
+              <a:headEnd type="none" w="med" len="med"/>
+              <a:tailEnd type="none" w="med" len="med"/>
+            </a:ln>
+          </p:spPr>
+          <p:style>
+            <a:lnRef idx="1">
+              <a:schemeClr val="accent1"/>
+            </a:lnRef>
+            <a:fillRef idx="0">
+              <a:schemeClr val="accent1"/>
+            </a:fillRef>
+            <a:effectRef idx="0">
+              <a:schemeClr val="accent1"/>
+            </a:effectRef>
+            <a:fontRef idx="minor">
+              <a:schemeClr val="tx1"/>
+            </a:fontRef>
+          </p:style>
+        </p:cxnSp>
+        <p:cxnSp>
+          <p:nvCxnSpPr>
+            <p:cNvPr id="24" name="Straight Arrow Connector 23">
+              <a:extLst>
+                <a:ext uri="{FF2B5EF4-FFF2-40B4-BE49-F238E27FC236}">
+                  <a16:creationId xmlns:a16="http://schemas.microsoft.com/office/drawing/2014/main" id="{001F2D34-4FD8-4C43-A712-FF2F7EB349B2}"/>
+                </a:ext>
+              </a:extLst>
+            </p:cNvPr>
+            <p:cNvCxnSpPr>
+              <a:cxnSpLocks/>
+            </p:cNvCxnSpPr>
+            <p:nvPr/>
+          </p:nvCxnSpPr>
+          <p:spPr>
+            <a:xfrm flipH="1">
+              <a:off x="6695842" y="3557567"/>
+              <a:ext cx="1114461" cy="0"/>
+            </a:xfrm>
+            <a:prstGeom prst="straightConnector1">
+              <a:avLst/>
+            </a:prstGeom>
+            <a:ln w="12700" cap="rnd">
+              <a:solidFill>
+                <a:schemeClr val="tx1"/>
+              </a:solidFill>
+              <a:headEnd type="none" w="med" len="med"/>
+              <a:tailEnd type="none" w="med" len="med"/>
+            </a:ln>
+          </p:spPr>
+          <p:style>
+            <a:lnRef idx="1">
+              <a:schemeClr val="accent1"/>
+            </a:lnRef>
+            <a:fillRef idx="0">
+              <a:schemeClr val="accent1"/>
+            </a:fillRef>
+            <a:effectRef idx="0">
+              <a:schemeClr val="accent1"/>
+            </a:effectRef>
+            <a:fontRef idx="minor">
+              <a:schemeClr val="tx1"/>
+            </a:fontRef>
+          </p:style>
+        </p:cxnSp>
+      </p:grpSp>
+      <p:sp>
+        <p:nvSpPr>
+          <p:cNvPr id="27" name="Rectangle 26">
+            <a:extLst>
+              <a:ext uri="{FF2B5EF4-FFF2-40B4-BE49-F238E27FC236}">
+                <a16:creationId xmlns:a16="http://schemas.microsoft.com/office/drawing/2014/main" id="{1AB84F40-D493-5946-8F71-7261CA3B9939}"/>
+              </a:ext>
+            </a:extLst>
+          </p:cNvPr>
+          <p:cNvSpPr/>
+          <p:nvPr/>
+        </p:nvSpPr>
+        <p:spPr>
+          <a:xfrm>
+            <a:off x="5621116" y="2761903"/>
+            <a:ext cx="1074726" cy="201268"/>
+          </a:xfrm>
+          <a:prstGeom prst="rect">
+            <a:avLst/>
+          </a:prstGeom>
+          <a:noFill/>
+          <a:ln>
+            <a:noFill/>
+          </a:ln>
+        </p:spPr>
+        <p:style>
+          <a:lnRef idx="2">
+            <a:schemeClr val="accent1">
+              <a:shade val="50000"/>
+            </a:schemeClr>
+          </a:lnRef>
+          <a:fillRef idx="1">
+            <a:schemeClr val="accent1"/>
+          </a:fillRef>
+          <a:effectRef idx="0">
+            <a:schemeClr val="accent1"/>
+          </a:effectRef>
+          <a:fontRef idx="minor">
+            <a:schemeClr val="lt1"/>
+          </a:fontRef>
+        </p:style>
+        <p:txBody>
+          <a:bodyPr lIns="0" tIns="0" rIns="0" bIns="0" rtlCol="0" anchor="ctr"/>
+          <a:lstStyle/>
+          <a:p>
+            <a:pPr algn="ctr"/>
+            <a:r>
+              <a:rPr lang="en-US" sz="800" dirty="0">
+                <a:solidFill>
+                  <a:schemeClr val="tx1"/>
+                </a:solidFill>
+                <a:latin typeface="Avenir Book" panose="02000503020000020003" pitchFamily="2" charset="0"/>
+              </a:rPr>
+              <a:t>Alice</a:t>
+            </a:r>
+          </a:p>
+        </p:txBody>
+      </p:sp>
+      <p:sp>
+        <p:nvSpPr>
+          <p:cNvPr id="28" name="Rectangle 27">
+            <a:extLst>
+              <a:ext uri="{FF2B5EF4-FFF2-40B4-BE49-F238E27FC236}">
+                <a16:creationId xmlns:a16="http://schemas.microsoft.com/office/drawing/2014/main" id="{BF2B4DB8-CF41-4043-8159-98BE84E27138}"/>
+              </a:ext>
+            </a:extLst>
+          </p:cNvPr>
+          <p:cNvSpPr/>
+          <p:nvPr/>
+        </p:nvSpPr>
+        <p:spPr>
+          <a:xfrm>
+            <a:off x="8961694" y="2193444"/>
+            <a:ext cx="599142" cy="201268"/>
+          </a:xfrm>
+          <a:prstGeom prst="rect">
+            <a:avLst/>
+          </a:prstGeom>
+          <a:noFill/>
+          <a:ln>
+            <a:noFill/>
+          </a:ln>
+        </p:spPr>
+        <p:style>
+          <a:lnRef idx="2">
+            <a:schemeClr val="accent1">
+              <a:shade val="50000"/>
+            </a:schemeClr>
+          </a:lnRef>
+          <a:fillRef idx="1">
+            <a:schemeClr val="accent1"/>
+          </a:fillRef>
+          <a:effectRef idx="0">
+            <a:schemeClr val="accent1"/>
+          </a:effectRef>
+          <a:fontRef idx="minor">
+            <a:schemeClr val="lt1"/>
+          </a:fontRef>
+        </p:style>
+        <p:txBody>
+          <a:bodyPr lIns="0" tIns="0" rIns="0" bIns="0" rtlCol="0" anchor="ctr"/>
+          <a:lstStyle/>
+          <a:p>
+            <a:pPr algn="ctr"/>
+            <a:r>
+              <a:rPr lang="en-US" sz="800" dirty="0">
+                <a:solidFill>
+                  <a:schemeClr val="tx1"/>
+                </a:solidFill>
+                <a:latin typeface="Avenir Book" panose="02000503020000020003" pitchFamily="2" charset="0"/>
+              </a:rPr>
+              <a:t>Bob</a:t>
+            </a:r>
+          </a:p>
+        </p:txBody>
+      </p:sp>
+      <p:grpSp>
+        <p:nvGrpSpPr>
+          <p:cNvPr id="32" name="Group 31">
+            <a:extLst>
+              <a:ext uri="{FF2B5EF4-FFF2-40B4-BE49-F238E27FC236}">
+                <a16:creationId xmlns:a16="http://schemas.microsoft.com/office/drawing/2014/main" id="{6A649C55-337B-C54F-A993-C684BA768194}"/>
+              </a:ext>
+            </a:extLst>
+          </p:cNvPr>
+          <p:cNvGrpSpPr/>
+          <p:nvPr/>
+        </p:nvGrpSpPr>
+        <p:grpSpPr>
+          <a:xfrm>
+            <a:off x="7795345" y="1486712"/>
+            <a:ext cx="1090688" cy="1329079"/>
+            <a:chOff x="7796940" y="2983103"/>
+            <a:chExt cx="1090688" cy="1329079"/>
+          </a:xfrm>
+        </p:grpSpPr>
+        <p:sp>
+          <p:nvSpPr>
+            <p:cNvPr id="33" name="Rectangle 32">
+              <a:extLst>
+                <a:ext uri="{FF2B5EF4-FFF2-40B4-BE49-F238E27FC236}">
+                  <a16:creationId xmlns:a16="http://schemas.microsoft.com/office/drawing/2014/main" id="{23A29293-6B46-4645-B799-A5F81B5815F1}"/>
+                </a:ext>
+              </a:extLst>
+            </p:cNvPr>
+            <p:cNvSpPr/>
+            <p:nvPr/>
+          </p:nvSpPr>
+          <p:spPr>
+            <a:xfrm>
+              <a:off x="7810303" y="2983103"/>
+              <a:ext cx="1077325" cy="994454"/>
+            </a:xfrm>
+            <a:prstGeom prst="rect">
+              <a:avLst/>
+            </a:prstGeom>
+            <a:noFill/>
+            <a:ln>
+              <a:solidFill>
+                <a:schemeClr val="tx1"/>
+              </a:solidFill>
+            </a:ln>
+          </p:spPr>
+          <p:style>
+            <a:lnRef idx="2">
+              <a:schemeClr val="accent1">
+                <a:shade val="50000"/>
+              </a:schemeClr>
+            </a:lnRef>
+            <a:fillRef idx="1">
+              <a:schemeClr val="accent1"/>
+            </a:fillRef>
+            <a:effectRef idx="0">
+              <a:schemeClr val="accent1"/>
+            </a:effectRef>
+            <a:fontRef idx="minor">
+              <a:schemeClr val="lt1"/>
+            </a:fontRef>
+          </p:style>
+          <p:txBody>
+            <a:bodyPr lIns="0" tIns="0" rIns="0" bIns="0" rtlCol="0" anchor="ctr"/>
+            <a:lstStyle/>
+            <a:p>
+              <a:pPr algn="ctr"/>
+              <a:r>
+                <a:rPr lang="en-US" sz="1200" dirty="0">
+                  <a:solidFill>
+                    <a:schemeClr val="tx1"/>
+                  </a:solidFill>
+                  <a:latin typeface="Avenir Book" panose="02000503020000020003" pitchFamily="2" charset="0"/>
+                </a:rPr>
+                <a:t>Quantum</a:t>
+              </a:r>
+            </a:p>
+            <a:p>
+              <a:pPr algn="ctr"/>
+              <a:r>
+                <a:rPr lang="en-US" sz="1200" dirty="0">
+                  <a:solidFill>
+                    <a:schemeClr val="tx1"/>
+                  </a:solidFill>
+                  <a:latin typeface="Avenir Book" panose="02000503020000020003" pitchFamily="2" charset="0"/>
+                </a:rPr>
+                <a:t>Key</a:t>
+              </a:r>
+            </a:p>
+            <a:p>
+              <a:pPr algn="ctr"/>
+              <a:r>
+                <a:rPr lang="en-US" sz="1200" dirty="0">
+                  <a:solidFill>
+                    <a:schemeClr val="tx1"/>
+                  </a:solidFill>
+                  <a:latin typeface="Avenir Book" panose="02000503020000020003" pitchFamily="2" charset="0"/>
+                </a:rPr>
+                <a:t>Distribution</a:t>
+              </a:r>
+            </a:p>
+            <a:p>
+              <a:pPr algn="ctr"/>
+              <a:r>
+                <a:rPr lang="en-US" sz="1200" dirty="0">
+                  <a:solidFill>
+                    <a:schemeClr val="tx1"/>
+                  </a:solidFill>
+                  <a:latin typeface="Avenir Book" panose="02000503020000020003" pitchFamily="2" charset="0"/>
+                </a:rPr>
+                <a:t>Device</a:t>
+              </a:r>
+            </a:p>
+          </p:txBody>
+        </p:sp>
+        <p:sp>
+          <p:nvSpPr>
+            <p:cNvPr id="34" name="Rectangle 33">
+              <a:extLst>
+                <a:ext uri="{FF2B5EF4-FFF2-40B4-BE49-F238E27FC236}">
+                  <a16:creationId xmlns:a16="http://schemas.microsoft.com/office/drawing/2014/main" id="{71B2B5B3-A4C5-6043-92C5-E4B32362627C}"/>
+                </a:ext>
+              </a:extLst>
+            </p:cNvPr>
+            <p:cNvSpPr/>
+            <p:nvPr/>
+          </p:nvSpPr>
+          <p:spPr>
+            <a:xfrm>
+              <a:off x="7796940" y="3983346"/>
+              <a:ext cx="1077325" cy="328836"/>
+            </a:xfrm>
+            <a:prstGeom prst="rect">
+              <a:avLst/>
+            </a:prstGeom>
+            <a:noFill/>
+            <a:ln>
+              <a:noFill/>
+            </a:ln>
+          </p:spPr>
+          <p:style>
+            <a:lnRef idx="2">
+              <a:schemeClr val="accent1">
+                <a:shade val="50000"/>
+              </a:schemeClr>
+            </a:lnRef>
+            <a:fillRef idx="1">
+              <a:schemeClr val="accent1"/>
+            </a:fillRef>
+            <a:effectRef idx="0">
+              <a:schemeClr val="accent1"/>
+            </a:effectRef>
+            <a:fontRef idx="minor">
+              <a:schemeClr val="lt1"/>
+            </a:fontRef>
+          </p:style>
+          <p:txBody>
+            <a:bodyPr lIns="0" tIns="0" rIns="0" bIns="0" rtlCol="0" anchor="ctr"/>
+            <a:lstStyle/>
+            <a:p>
+              <a:pPr algn="ctr"/>
+              <a:r>
+                <a:rPr lang="en-US" sz="1200" dirty="0">
+                  <a:solidFill>
+                    <a:schemeClr val="tx1"/>
+                  </a:solidFill>
+                  <a:latin typeface="Avenir Book" panose="02000503020000020003" pitchFamily="2" charset="0"/>
+                </a:rPr>
+                <a:t>Client</a:t>
+              </a:r>
+            </a:p>
+          </p:txBody>
+        </p:sp>
+      </p:grpSp>
+      <p:grpSp>
+        <p:nvGrpSpPr>
+          <p:cNvPr id="35" name="Group 34">
+            <a:extLst>
+              <a:ext uri="{FF2B5EF4-FFF2-40B4-BE49-F238E27FC236}">
+                <a16:creationId xmlns:a16="http://schemas.microsoft.com/office/drawing/2014/main" id="{54AB90CA-107D-ED45-817D-B438CEC1050E}"/>
+              </a:ext>
+            </a:extLst>
+          </p:cNvPr>
+          <p:cNvGrpSpPr/>
+          <p:nvPr/>
+        </p:nvGrpSpPr>
+        <p:grpSpPr>
+          <a:xfrm>
+            <a:off x="7808708" y="4479494"/>
+            <a:ext cx="1090688" cy="1329079"/>
+            <a:chOff x="7796940" y="2983103"/>
+            <a:chExt cx="1090688" cy="1329079"/>
+          </a:xfrm>
+        </p:grpSpPr>
+        <p:sp>
+          <p:nvSpPr>
+            <p:cNvPr id="36" name="Rectangle 35">
+              <a:extLst>
+                <a:ext uri="{FF2B5EF4-FFF2-40B4-BE49-F238E27FC236}">
+                  <a16:creationId xmlns:a16="http://schemas.microsoft.com/office/drawing/2014/main" id="{04F7E5DE-475A-B74E-91A8-08FDECE31DEF}"/>
+                </a:ext>
+              </a:extLst>
+            </p:cNvPr>
+            <p:cNvSpPr/>
+            <p:nvPr/>
+          </p:nvSpPr>
+          <p:spPr>
+            <a:xfrm>
+              <a:off x="7810303" y="2983103"/>
+              <a:ext cx="1077325" cy="994454"/>
+            </a:xfrm>
+            <a:prstGeom prst="rect">
+              <a:avLst/>
+            </a:prstGeom>
+            <a:noFill/>
+            <a:ln>
+              <a:solidFill>
+                <a:schemeClr val="tx1"/>
+              </a:solidFill>
+            </a:ln>
+          </p:spPr>
+          <p:style>
+            <a:lnRef idx="2">
+              <a:schemeClr val="accent1">
+                <a:shade val="50000"/>
+              </a:schemeClr>
+            </a:lnRef>
+            <a:fillRef idx="1">
+              <a:schemeClr val="accent1"/>
+            </a:fillRef>
+            <a:effectRef idx="0">
+              <a:schemeClr val="accent1"/>
+            </a:effectRef>
+            <a:fontRef idx="minor">
+              <a:schemeClr val="lt1"/>
+            </a:fontRef>
+          </p:style>
+          <p:txBody>
+            <a:bodyPr lIns="0" tIns="0" rIns="0" bIns="0" rtlCol="0" anchor="ctr"/>
+            <a:lstStyle/>
+            <a:p>
+              <a:pPr algn="ctr"/>
+              <a:r>
+                <a:rPr lang="en-US" sz="1200" dirty="0">
+                  <a:solidFill>
+                    <a:schemeClr val="tx1"/>
+                  </a:solidFill>
+                  <a:latin typeface="Avenir Book" panose="02000503020000020003" pitchFamily="2" charset="0"/>
+                </a:rPr>
+                <a:t>Quantum</a:t>
+              </a:r>
+            </a:p>
+            <a:p>
+              <a:pPr algn="ctr"/>
+              <a:r>
+                <a:rPr lang="en-US" sz="1200" dirty="0">
+                  <a:solidFill>
+                    <a:schemeClr val="tx1"/>
+                  </a:solidFill>
+                  <a:latin typeface="Avenir Book" panose="02000503020000020003" pitchFamily="2" charset="0"/>
+                </a:rPr>
+                <a:t>Key</a:t>
+              </a:r>
+            </a:p>
+            <a:p>
+              <a:pPr algn="ctr"/>
+              <a:r>
+                <a:rPr lang="en-US" sz="1200" dirty="0">
+                  <a:solidFill>
+                    <a:schemeClr val="tx1"/>
+                  </a:solidFill>
+                  <a:latin typeface="Avenir Book" panose="02000503020000020003" pitchFamily="2" charset="0"/>
+                </a:rPr>
+                <a:t>Distribution</a:t>
+              </a:r>
+            </a:p>
+            <a:p>
+              <a:pPr algn="ctr"/>
+              <a:r>
+                <a:rPr lang="en-US" sz="1200" dirty="0">
+                  <a:solidFill>
+                    <a:schemeClr val="tx1"/>
+                  </a:solidFill>
+                  <a:latin typeface="Avenir Book" panose="02000503020000020003" pitchFamily="2" charset="0"/>
+                </a:rPr>
+                <a:t>Device</a:t>
+              </a:r>
+            </a:p>
+          </p:txBody>
+        </p:sp>
+        <p:sp>
+          <p:nvSpPr>
+            <p:cNvPr id="37" name="Rectangle 36">
+              <a:extLst>
+                <a:ext uri="{FF2B5EF4-FFF2-40B4-BE49-F238E27FC236}">
+                  <a16:creationId xmlns:a16="http://schemas.microsoft.com/office/drawing/2014/main" id="{E8A0D9CE-5D04-C348-9C17-F53F69292C51}"/>
+                </a:ext>
+              </a:extLst>
+            </p:cNvPr>
+            <p:cNvSpPr/>
+            <p:nvPr/>
+          </p:nvSpPr>
+          <p:spPr>
+            <a:xfrm>
+              <a:off x="7796940" y="3983346"/>
+              <a:ext cx="1077325" cy="328836"/>
+            </a:xfrm>
+            <a:prstGeom prst="rect">
+              <a:avLst/>
+            </a:prstGeom>
+            <a:noFill/>
+            <a:ln>
+              <a:noFill/>
+            </a:ln>
+          </p:spPr>
+          <p:style>
+            <a:lnRef idx="2">
+              <a:schemeClr val="accent1">
+                <a:shade val="50000"/>
+              </a:schemeClr>
+            </a:lnRef>
+            <a:fillRef idx="1">
+              <a:schemeClr val="accent1"/>
+            </a:fillRef>
+            <a:effectRef idx="0">
+              <a:schemeClr val="accent1"/>
+            </a:effectRef>
+            <a:fontRef idx="minor">
+              <a:schemeClr val="lt1"/>
+            </a:fontRef>
+          </p:style>
+          <p:txBody>
+            <a:bodyPr lIns="0" tIns="0" rIns="0" bIns="0" rtlCol="0" anchor="ctr"/>
+            <a:lstStyle/>
+            <a:p>
+              <a:pPr algn="ctr"/>
+              <a:r>
+                <a:rPr lang="en-US" sz="1200" dirty="0">
+                  <a:solidFill>
+                    <a:schemeClr val="tx1"/>
+                  </a:solidFill>
+                  <a:latin typeface="Avenir Book" panose="02000503020000020003" pitchFamily="2" charset="0"/>
+                </a:rPr>
+                <a:t>Client</a:t>
+              </a:r>
+            </a:p>
+          </p:txBody>
+        </p:sp>
+      </p:grpSp>
+      <p:cxnSp>
+        <p:nvCxnSpPr>
+          <p:cNvPr id="38" name="Straight Arrow Connector 37">
+            <a:extLst>
+              <a:ext uri="{FF2B5EF4-FFF2-40B4-BE49-F238E27FC236}">
+                <a16:creationId xmlns:a16="http://schemas.microsoft.com/office/drawing/2014/main" id="{6A1474D8-325C-D24D-A9E2-1C5AEE17219A}"/>
+              </a:ext>
+            </a:extLst>
+          </p:cNvPr>
+          <p:cNvCxnSpPr>
+            <a:cxnSpLocks/>
+          </p:cNvCxnSpPr>
+          <p:nvPr/>
+        </p:nvCxnSpPr>
+        <p:spPr>
+          <a:xfrm flipH="1">
+            <a:off x="6707611" y="1912750"/>
+            <a:ext cx="650246" cy="1497269"/>
+          </a:xfrm>
+          <a:prstGeom prst="straightConnector1">
+            <a:avLst/>
+          </a:prstGeom>
+          <a:ln w="12700" cap="rnd">
+            <a:solidFill>
+              <a:schemeClr val="tx1"/>
+            </a:solidFill>
+            <a:headEnd type="none" w="med" len="med"/>
+            <a:tailEnd type="none" w="med" len="med"/>
+          </a:ln>
+        </p:spPr>
+        <p:style>
+          <a:lnRef idx="1">
+            <a:schemeClr val="accent1"/>
+          </a:lnRef>
+          <a:fillRef idx="0">
+            <a:schemeClr val="accent1"/>
+          </a:fillRef>
+          <a:effectRef idx="0">
+            <a:schemeClr val="accent1"/>
+          </a:effectRef>
+          <a:fontRef idx="minor">
+            <a:schemeClr val="tx1"/>
+          </a:fontRef>
+        </p:style>
+      </p:cxnSp>
+      <p:cxnSp>
+        <p:nvCxnSpPr>
+          <p:cNvPr id="40" name="Straight Arrow Connector 39">
+            <a:extLst>
+              <a:ext uri="{FF2B5EF4-FFF2-40B4-BE49-F238E27FC236}">
+                <a16:creationId xmlns:a16="http://schemas.microsoft.com/office/drawing/2014/main" id="{35D99784-B497-B04F-8097-A3C6F7779C5A}"/>
+              </a:ext>
+            </a:extLst>
+          </p:cNvPr>
+          <p:cNvCxnSpPr>
+            <a:cxnSpLocks/>
+          </p:cNvCxnSpPr>
+          <p:nvPr/>
+        </p:nvCxnSpPr>
+        <p:spPr>
+          <a:xfrm flipH="1">
+            <a:off x="6694250" y="2061971"/>
+            <a:ext cx="663607" cy="1500462"/>
+          </a:xfrm>
+          <a:prstGeom prst="straightConnector1">
+            <a:avLst/>
+          </a:prstGeom>
+          <a:ln w="12700" cap="rnd">
+            <a:solidFill>
+              <a:schemeClr val="tx1"/>
+            </a:solidFill>
+            <a:headEnd type="none" w="med" len="med"/>
+            <a:tailEnd type="none" w="med" len="med"/>
+          </a:ln>
+        </p:spPr>
+        <p:style>
+          <a:lnRef idx="1">
+            <a:schemeClr val="accent1"/>
+          </a:lnRef>
+          <a:fillRef idx="0">
+            <a:schemeClr val="accent1"/>
+          </a:fillRef>
+          <a:effectRef idx="0">
+            <a:schemeClr val="accent1"/>
+          </a:effectRef>
+          <a:fontRef idx="minor">
+            <a:schemeClr val="tx1"/>
+          </a:fontRef>
+        </p:style>
+      </p:cxnSp>
+      <p:grpSp>
+        <p:nvGrpSpPr>
+          <p:cNvPr id="43" name="Group 42">
+            <a:extLst>
+              <a:ext uri="{FF2B5EF4-FFF2-40B4-BE49-F238E27FC236}">
+                <a16:creationId xmlns:a16="http://schemas.microsoft.com/office/drawing/2014/main" id="{3A76B662-D0DB-304C-BB74-69A0D10CB184}"/>
+              </a:ext>
+            </a:extLst>
+          </p:cNvPr>
+          <p:cNvGrpSpPr/>
+          <p:nvPr/>
+        </p:nvGrpSpPr>
+        <p:grpSpPr>
+          <a:xfrm>
+            <a:off x="7364454" y="4899483"/>
+            <a:ext cx="444170" cy="154475"/>
+            <a:chOff x="6695842" y="3403092"/>
+            <a:chExt cx="1114461" cy="154475"/>
+          </a:xfrm>
+        </p:grpSpPr>
+        <p:cxnSp>
+          <p:nvCxnSpPr>
+            <p:cNvPr id="44" name="Straight Arrow Connector 43">
+              <a:extLst>
+                <a:ext uri="{FF2B5EF4-FFF2-40B4-BE49-F238E27FC236}">
+                  <a16:creationId xmlns:a16="http://schemas.microsoft.com/office/drawing/2014/main" id="{1959206A-23FE-BD4B-9677-9B225784ED73}"/>
+                </a:ext>
+              </a:extLst>
+            </p:cNvPr>
+            <p:cNvCxnSpPr>
+              <a:cxnSpLocks/>
+            </p:cNvCxnSpPr>
+            <p:nvPr/>
+          </p:nvCxnSpPr>
+          <p:spPr>
+            <a:xfrm flipH="1">
+              <a:off x="6695842" y="3403092"/>
+              <a:ext cx="1114461" cy="0"/>
+            </a:xfrm>
+            <a:prstGeom prst="straightConnector1">
+              <a:avLst/>
+            </a:prstGeom>
+            <a:ln w="12700" cap="rnd">
+              <a:solidFill>
+                <a:schemeClr val="tx1"/>
+              </a:solidFill>
+              <a:headEnd type="none" w="med" len="med"/>
+              <a:tailEnd type="none" w="med" len="med"/>
+            </a:ln>
+          </p:spPr>
+          <p:style>
+            <a:lnRef idx="1">
+              <a:schemeClr val="accent1"/>
+            </a:lnRef>
+            <a:fillRef idx="0">
+              <a:schemeClr val="accent1"/>
+            </a:fillRef>
+            <a:effectRef idx="0">
+              <a:schemeClr val="accent1"/>
+            </a:effectRef>
+            <a:fontRef idx="minor">
+              <a:schemeClr val="tx1"/>
+            </a:fontRef>
+          </p:style>
+        </p:cxnSp>
+        <p:cxnSp>
+          <p:nvCxnSpPr>
+            <p:cNvPr id="45" name="Straight Arrow Connector 44">
+              <a:extLst>
+                <a:ext uri="{FF2B5EF4-FFF2-40B4-BE49-F238E27FC236}">
+                  <a16:creationId xmlns:a16="http://schemas.microsoft.com/office/drawing/2014/main" id="{F7ABCA21-EF02-8940-AFBA-B44045884A39}"/>
+                </a:ext>
+              </a:extLst>
+            </p:cNvPr>
+            <p:cNvCxnSpPr>
+              <a:cxnSpLocks/>
+            </p:cNvCxnSpPr>
+            <p:nvPr/>
+          </p:nvCxnSpPr>
+          <p:spPr>
+            <a:xfrm flipH="1">
+              <a:off x="6695842" y="3557567"/>
+              <a:ext cx="1114461" cy="0"/>
+            </a:xfrm>
+            <a:prstGeom prst="straightConnector1">
+              <a:avLst/>
+            </a:prstGeom>
+            <a:ln w="12700" cap="rnd">
+              <a:solidFill>
+                <a:schemeClr val="tx1"/>
+              </a:solidFill>
+              <a:headEnd type="none" w="med" len="med"/>
+              <a:tailEnd type="none" w="med" len="med"/>
+            </a:ln>
+          </p:spPr>
+          <p:style>
+            <a:lnRef idx="1">
+              <a:schemeClr val="accent1"/>
+            </a:lnRef>
+            <a:fillRef idx="0">
+              <a:schemeClr val="accent1"/>
+            </a:fillRef>
+            <a:effectRef idx="0">
+              <a:schemeClr val="accent1"/>
+            </a:effectRef>
+            <a:fontRef idx="minor">
+              <a:schemeClr val="tx1"/>
+            </a:fontRef>
+          </p:style>
+        </p:cxnSp>
+      </p:grpSp>
+      <p:grpSp>
+        <p:nvGrpSpPr>
+          <p:cNvPr id="46" name="Group 45">
+            <a:extLst>
+              <a:ext uri="{FF2B5EF4-FFF2-40B4-BE49-F238E27FC236}">
+                <a16:creationId xmlns:a16="http://schemas.microsoft.com/office/drawing/2014/main" id="{33A58F45-AD5A-0F47-9662-BD4A91CD31B1}"/>
+              </a:ext>
+            </a:extLst>
+          </p:cNvPr>
+          <p:cNvGrpSpPr/>
+          <p:nvPr/>
+        </p:nvGrpSpPr>
+        <p:grpSpPr>
+          <a:xfrm>
+            <a:off x="7357857" y="1912750"/>
+            <a:ext cx="444170" cy="151113"/>
+            <a:chOff x="6695842" y="3403092"/>
+            <a:chExt cx="1114461" cy="151113"/>
+          </a:xfrm>
+        </p:grpSpPr>
+        <p:cxnSp>
+          <p:nvCxnSpPr>
+            <p:cNvPr id="47" name="Straight Arrow Connector 46">
+              <a:extLst>
+                <a:ext uri="{FF2B5EF4-FFF2-40B4-BE49-F238E27FC236}">
+                  <a16:creationId xmlns:a16="http://schemas.microsoft.com/office/drawing/2014/main" id="{1E209F0F-AB46-9340-B78B-A1FA8DD569B6}"/>
+                </a:ext>
+              </a:extLst>
+            </p:cNvPr>
+            <p:cNvCxnSpPr>
+              <a:cxnSpLocks/>
+            </p:cNvCxnSpPr>
+            <p:nvPr/>
+          </p:nvCxnSpPr>
+          <p:spPr>
+            <a:xfrm flipH="1">
+              <a:off x="6695842" y="3403092"/>
+              <a:ext cx="1114461" cy="0"/>
+            </a:xfrm>
+            <a:prstGeom prst="straightConnector1">
+              <a:avLst/>
+            </a:prstGeom>
+            <a:ln w="12700" cap="rnd">
+              <a:solidFill>
+                <a:schemeClr val="tx1"/>
+              </a:solidFill>
+              <a:headEnd type="none" w="med" len="med"/>
+              <a:tailEnd type="none" w="med" len="med"/>
+            </a:ln>
+          </p:spPr>
+          <p:style>
+            <a:lnRef idx="1">
+              <a:schemeClr val="accent1"/>
+            </a:lnRef>
+            <a:fillRef idx="0">
+              <a:schemeClr val="accent1"/>
+            </a:fillRef>
+            <a:effectRef idx="0">
+              <a:schemeClr val="accent1"/>
+            </a:effectRef>
+            <a:fontRef idx="minor">
+              <a:schemeClr val="tx1"/>
+            </a:fontRef>
+          </p:style>
+        </p:cxnSp>
+        <p:cxnSp>
+          <p:nvCxnSpPr>
+            <p:cNvPr id="48" name="Straight Arrow Connector 47">
+              <a:extLst>
+                <a:ext uri="{FF2B5EF4-FFF2-40B4-BE49-F238E27FC236}">
+                  <a16:creationId xmlns:a16="http://schemas.microsoft.com/office/drawing/2014/main" id="{696B3F75-2A10-3141-8FEA-AC04B5E0186F}"/>
+                </a:ext>
+              </a:extLst>
+            </p:cNvPr>
+            <p:cNvCxnSpPr>
+              <a:cxnSpLocks/>
+            </p:cNvCxnSpPr>
+            <p:nvPr/>
+          </p:nvCxnSpPr>
+          <p:spPr>
+            <a:xfrm flipH="1">
+              <a:off x="6695842" y="3554205"/>
+              <a:ext cx="1114461" cy="0"/>
+            </a:xfrm>
+            <a:prstGeom prst="straightConnector1">
+              <a:avLst/>
+            </a:prstGeom>
+            <a:ln w="12700" cap="rnd">
+              <a:solidFill>
+                <a:schemeClr val="tx1"/>
+              </a:solidFill>
+              <a:headEnd type="none" w="med" len="med"/>
+              <a:tailEnd type="none" w="med" len="med"/>
+            </a:ln>
+          </p:spPr>
+          <p:style>
+            <a:lnRef idx="1">
+              <a:schemeClr val="accent1"/>
+            </a:lnRef>
+            <a:fillRef idx="0">
+              <a:schemeClr val="accent1"/>
+            </a:fillRef>
+            <a:effectRef idx="0">
+              <a:schemeClr val="accent1"/>
+            </a:effectRef>
+            <a:fontRef idx="minor">
+              <a:schemeClr val="tx1"/>
+            </a:fontRef>
+          </p:style>
+        </p:cxnSp>
+      </p:grpSp>
+      <p:cxnSp>
+        <p:nvCxnSpPr>
+          <p:cNvPr id="54" name="Straight Arrow Connector 53">
+            <a:extLst>
+              <a:ext uri="{FF2B5EF4-FFF2-40B4-BE49-F238E27FC236}">
+                <a16:creationId xmlns:a16="http://schemas.microsoft.com/office/drawing/2014/main" id="{0F35A3D4-44C5-D54A-9DA2-EAA985B12EB1}"/>
+              </a:ext>
+            </a:extLst>
+          </p:cNvPr>
+          <p:cNvCxnSpPr>
+            <a:cxnSpLocks/>
+          </p:cNvCxnSpPr>
+          <p:nvPr/>
+        </p:nvCxnSpPr>
+        <p:spPr>
+          <a:xfrm flipH="1" flipV="1">
+            <a:off x="6704249" y="3402214"/>
+            <a:ext cx="650246" cy="1497269"/>
+          </a:xfrm>
+          <a:prstGeom prst="straightConnector1">
+            <a:avLst/>
+          </a:prstGeom>
+          <a:ln w="12700" cap="rnd">
+            <a:solidFill>
+              <a:schemeClr val="tx1"/>
+            </a:solidFill>
+            <a:headEnd type="none" w="med" len="med"/>
+            <a:tailEnd type="none" w="med" len="med"/>
+          </a:ln>
+        </p:spPr>
+        <p:style>
+          <a:lnRef idx="1">
+            <a:schemeClr val="accent1"/>
+          </a:lnRef>
+          <a:fillRef idx="0">
+            <a:schemeClr val="accent1"/>
+          </a:fillRef>
+          <a:effectRef idx="0">
+            <a:schemeClr val="accent1"/>
+          </a:effectRef>
+          <a:fontRef idx="minor">
+            <a:schemeClr val="tx1"/>
+          </a:fontRef>
+        </p:style>
+      </p:cxnSp>
+      <p:cxnSp>
+        <p:nvCxnSpPr>
+          <p:cNvPr id="55" name="Straight Arrow Connector 54">
+            <a:extLst>
+              <a:ext uri="{FF2B5EF4-FFF2-40B4-BE49-F238E27FC236}">
+                <a16:creationId xmlns:a16="http://schemas.microsoft.com/office/drawing/2014/main" id="{1BDFA8E0-26B2-BB41-BA74-15C897876751}"/>
+              </a:ext>
+            </a:extLst>
+          </p:cNvPr>
+          <p:cNvCxnSpPr>
+            <a:cxnSpLocks/>
+          </p:cNvCxnSpPr>
+          <p:nvPr/>
+        </p:nvCxnSpPr>
+        <p:spPr>
+          <a:xfrm flipH="1" flipV="1">
+            <a:off x="6690888" y="3551435"/>
+            <a:ext cx="663607" cy="1500462"/>
+          </a:xfrm>
+          <a:prstGeom prst="straightConnector1">
+            <a:avLst/>
+          </a:prstGeom>
+          <a:ln w="12700" cap="rnd">
+            <a:solidFill>
+              <a:schemeClr val="tx1"/>
+            </a:solidFill>
+            <a:headEnd type="none" w="med" len="med"/>
+            <a:tailEnd type="none" w="med" len="med"/>
+          </a:ln>
+        </p:spPr>
+        <p:style>
+          <a:lnRef idx="1">
+            <a:schemeClr val="accent1"/>
+          </a:lnRef>
+          <a:fillRef idx="0">
+            <a:schemeClr val="accent1"/>
+          </a:fillRef>
+          <a:effectRef idx="0">
+            <a:schemeClr val="accent1"/>
+          </a:effectRef>
+          <a:fontRef idx="minor">
+            <a:schemeClr val="tx1"/>
+          </a:fontRef>
+        </p:style>
+      </p:cxnSp>
+      <p:pic>
+        <p:nvPicPr>
+          <p:cNvPr id="56" name="Picture 55">
+            <a:extLst>
+              <a:ext uri="{FF2B5EF4-FFF2-40B4-BE49-F238E27FC236}">
+                <a16:creationId xmlns:a16="http://schemas.microsoft.com/office/drawing/2014/main" id="{75373A4D-ED07-0B47-9DF4-357B57C5D45C}"/>
+              </a:ext>
+            </a:extLst>
+          </p:cNvPr>
+          <p:cNvPicPr>
+            <a:picLocks noChangeAspect="1"/>
+          </p:cNvPicPr>
+          <p:nvPr/>
+        </p:nvPicPr>
+        <p:blipFill>
+          <a:blip r:embed="rId4"/>
+          <a:stretch>
+            <a:fillRect/>
+          </a:stretch>
+        </p:blipFill>
+        <p:spPr>
+          <a:xfrm>
+            <a:off x="8927076" y="3160643"/>
+            <a:ext cx="597969" cy="610050"/>
+          </a:xfrm>
+          <a:prstGeom prst="rect">
+            <a:avLst/>
+          </a:prstGeom>
+        </p:spPr>
+      </p:pic>
+      <p:sp>
+        <p:nvSpPr>
+          <p:cNvPr id="57" name="Rectangle 56">
+            <a:extLst>
+              <a:ext uri="{FF2B5EF4-FFF2-40B4-BE49-F238E27FC236}">
+                <a16:creationId xmlns:a16="http://schemas.microsoft.com/office/drawing/2014/main" id="{01F5DA6E-CDA2-A44E-912E-6FC5ADB4C9FE}"/>
+              </a:ext>
+            </a:extLst>
+          </p:cNvPr>
+          <p:cNvSpPr/>
+          <p:nvPr/>
+        </p:nvSpPr>
+        <p:spPr>
+          <a:xfrm>
+            <a:off x="8689998" y="3699434"/>
+            <a:ext cx="1074726" cy="201268"/>
+          </a:xfrm>
+          <a:prstGeom prst="rect">
+            <a:avLst/>
+          </a:prstGeom>
+          <a:noFill/>
+          <a:ln>
+            <a:noFill/>
+          </a:ln>
+        </p:spPr>
+        <p:style>
+          <a:lnRef idx="2">
+            <a:schemeClr val="accent1">
+              <a:shade val="50000"/>
+            </a:schemeClr>
+          </a:lnRef>
+          <a:fillRef idx="1">
+            <a:schemeClr val="accent1"/>
+          </a:fillRef>
+          <a:effectRef idx="0">
+            <a:schemeClr val="accent1"/>
+          </a:effectRef>
+          <a:fontRef idx="minor">
+            <a:schemeClr val="lt1"/>
+          </a:fontRef>
+        </p:style>
+        <p:txBody>
+          <a:bodyPr lIns="0" tIns="0" rIns="0" bIns="0" rtlCol="0" anchor="ctr"/>
+          <a:lstStyle/>
+          <a:p>
+            <a:pPr algn="ctr"/>
+            <a:r>
+              <a:rPr lang="en-US" sz="800" dirty="0">
+                <a:solidFill>
+                  <a:schemeClr val="tx1"/>
+                </a:solidFill>
+                <a:latin typeface="Avenir Book" panose="02000503020000020003" pitchFamily="2" charset="0"/>
+              </a:rPr>
+              <a:t>Betty</a:t>
+            </a:r>
+          </a:p>
+        </p:txBody>
+      </p:sp>
+      <p:pic>
+        <p:nvPicPr>
+          <p:cNvPr id="58" name="Picture 57">
+            <a:extLst>
+              <a:ext uri="{FF2B5EF4-FFF2-40B4-BE49-F238E27FC236}">
+                <a16:creationId xmlns:a16="http://schemas.microsoft.com/office/drawing/2014/main" id="{697180E5-8AA6-4D4C-841F-421A6EF53FFD}"/>
+              </a:ext>
+            </a:extLst>
+          </p:cNvPr>
+          <p:cNvPicPr>
+            <a:picLocks noChangeAspect="1"/>
+          </p:cNvPicPr>
+          <p:nvPr/>
+        </p:nvPicPr>
+        <p:blipFill>
+          <a:blip r:embed="rId3"/>
+          <a:stretch>
+            <a:fillRect/>
+          </a:stretch>
+        </p:blipFill>
+        <p:spPr>
+          <a:xfrm>
+            <a:off x="8962867" y="4657214"/>
+            <a:ext cx="527560" cy="576072"/>
+          </a:xfrm>
+          <a:prstGeom prst="rect">
+            <a:avLst/>
+          </a:prstGeom>
+        </p:spPr>
+      </p:pic>
+      <p:sp>
+        <p:nvSpPr>
+          <p:cNvPr id="59" name="Rectangle 58">
+            <a:extLst>
+              <a:ext uri="{FF2B5EF4-FFF2-40B4-BE49-F238E27FC236}">
+                <a16:creationId xmlns:a16="http://schemas.microsoft.com/office/drawing/2014/main" id="{2E87EF25-EBAA-9648-8799-E03DAEBF2C0B}"/>
+              </a:ext>
+            </a:extLst>
+          </p:cNvPr>
+          <p:cNvSpPr/>
+          <p:nvPr/>
+        </p:nvSpPr>
+        <p:spPr>
+          <a:xfrm>
+            <a:off x="8927076" y="5175519"/>
+            <a:ext cx="599142" cy="201268"/>
+          </a:xfrm>
+          <a:prstGeom prst="rect">
+            <a:avLst/>
+          </a:prstGeom>
+          <a:noFill/>
+          <a:ln>
+            <a:noFill/>
+          </a:ln>
+        </p:spPr>
+        <p:style>
+          <a:lnRef idx="2">
+            <a:schemeClr val="accent1">
+              <a:shade val="50000"/>
+            </a:schemeClr>
+          </a:lnRef>
+          <a:fillRef idx="1">
+            <a:schemeClr val="accent1"/>
+          </a:fillRef>
+          <a:effectRef idx="0">
+            <a:schemeClr val="accent1"/>
+          </a:effectRef>
+          <a:fontRef idx="minor">
+            <a:schemeClr val="lt1"/>
+          </a:fontRef>
+        </p:style>
+        <p:txBody>
+          <a:bodyPr lIns="0" tIns="0" rIns="0" bIns="0" rtlCol="0" anchor="ctr"/>
+          <a:lstStyle/>
+          <a:p>
+            <a:pPr algn="ctr"/>
+            <a:r>
+              <a:rPr lang="en-US" sz="800" dirty="0">
+                <a:solidFill>
+                  <a:schemeClr val="tx1"/>
+                </a:solidFill>
+                <a:latin typeface="Avenir Book" panose="02000503020000020003" pitchFamily="2" charset="0"/>
+              </a:rPr>
+              <a:t>Bart</a:t>
+            </a:r>
+          </a:p>
+        </p:txBody>
+      </p:sp>
+      <p:sp>
+        <p:nvSpPr>
+          <p:cNvPr id="60" name="Rectangle 59">
+            <a:extLst>
+              <a:ext uri="{FF2B5EF4-FFF2-40B4-BE49-F238E27FC236}">
+                <a16:creationId xmlns:a16="http://schemas.microsoft.com/office/drawing/2014/main" id="{01BC0DFF-ECF7-6743-9ADB-B3813986021B}"/>
+              </a:ext>
+            </a:extLst>
+          </p:cNvPr>
+          <p:cNvSpPr/>
+          <p:nvPr/>
+        </p:nvSpPr>
+        <p:spPr>
+          <a:xfrm>
+            <a:off x="1899588" y="5773907"/>
+            <a:ext cx="1935203" cy="457200"/>
+          </a:xfrm>
+          <a:prstGeom prst="rect">
+            <a:avLst/>
+          </a:prstGeom>
+          <a:noFill/>
+          <a:ln>
+            <a:noFill/>
+          </a:ln>
+        </p:spPr>
+        <p:style>
+          <a:lnRef idx="2">
+            <a:schemeClr val="accent1">
+              <a:shade val="50000"/>
+            </a:schemeClr>
+          </a:lnRef>
+          <a:fillRef idx="1">
+            <a:schemeClr val="accent1"/>
+          </a:fillRef>
+          <a:effectRef idx="0">
+            <a:schemeClr val="accent1"/>
+          </a:effectRef>
+          <a:fontRef idx="minor">
+            <a:schemeClr val="lt1"/>
+          </a:fontRef>
+        </p:style>
+        <p:txBody>
+          <a:bodyPr lIns="0" tIns="0" rIns="0" bIns="0" rtlCol="0" anchor="ctr"/>
+          <a:lstStyle/>
+          <a:p>
+            <a:pPr algn="ctr"/>
+            <a:r>
+              <a:rPr lang="en-US">
+                <a:solidFill>
+                  <a:schemeClr val="tx1"/>
+                </a:solidFill>
+                <a:latin typeface="Avenir Book" panose="02000503020000020003" pitchFamily="2" charset="0"/>
+              </a:rPr>
+              <a:t>Peer-to-peer</a:t>
+            </a:r>
+            <a:endParaRPr lang="en-US" dirty="0">
+              <a:solidFill>
+                <a:schemeClr val="tx1"/>
+              </a:solidFill>
+              <a:latin typeface="Avenir Book" panose="02000503020000020003" pitchFamily="2" charset="0"/>
+            </a:endParaRPr>
+          </a:p>
+        </p:txBody>
+      </p:sp>
+      <p:sp>
+        <p:nvSpPr>
+          <p:cNvPr id="61" name="Rectangle 60">
+            <a:extLst>
+              <a:ext uri="{FF2B5EF4-FFF2-40B4-BE49-F238E27FC236}">
+                <a16:creationId xmlns:a16="http://schemas.microsoft.com/office/drawing/2014/main" id="{8FE558AE-26ED-DF46-A438-644438AC974A}"/>
+              </a:ext>
+            </a:extLst>
+          </p:cNvPr>
+          <p:cNvSpPr/>
+          <p:nvPr/>
+        </p:nvSpPr>
+        <p:spPr>
+          <a:xfrm>
+            <a:off x="6386893" y="5770908"/>
+            <a:ext cx="1935203" cy="457200"/>
+          </a:xfrm>
+          <a:prstGeom prst="rect">
+            <a:avLst/>
+          </a:prstGeom>
+          <a:noFill/>
+          <a:ln>
+            <a:noFill/>
+          </a:ln>
+        </p:spPr>
+        <p:style>
+          <a:lnRef idx="2">
+            <a:schemeClr val="accent1">
+              <a:shade val="50000"/>
+            </a:schemeClr>
+          </a:lnRef>
+          <a:fillRef idx="1">
+            <a:schemeClr val="accent1"/>
+          </a:fillRef>
+          <a:effectRef idx="0">
+            <a:schemeClr val="accent1"/>
+          </a:effectRef>
+          <a:fontRef idx="minor">
+            <a:schemeClr val="lt1"/>
+          </a:fontRef>
+        </p:style>
+        <p:txBody>
+          <a:bodyPr lIns="0" tIns="0" rIns="0" bIns="0" rtlCol="0" anchor="ctr"/>
+          <a:lstStyle/>
+          <a:p>
+            <a:pPr algn="ctr"/>
+            <a:r>
+              <a:rPr lang="en-US" dirty="0">
+                <a:solidFill>
+                  <a:schemeClr val="tx1"/>
+                </a:solidFill>
+                <a:latin typeface="Avenir Book" panose="02000503020000020003" pitchFamily="2" charset="0"/>
+              </a:rPr>
+              <a:t>Client-Server</a:t>
+            </a:r>
+          </a:p>
+        </p:txBody>
+      </p:sp>
+    </p:spTree>
+    <p:extLst>
+      <p:ext uri="{BB962C8B-B14F-4D97-AF65-F5344CB8AC3E}">
+        <p14:creationId xmlns:p14="http://schemas.microsoft.com/office/powerpoint/2010/main" val="660754298"/>
+      </p:ext>
+    </p:extLst>
+  </p:cSld>
+  <p:clrMapOvr>
+    <a:masterClrMapping/>
+  </p:clrMapOvr>
+</p:sld>
+</file>
+
+<file path=ppt/slides/slide5.xml><?xml version="1.0" encoding="utf-8"?>
+<p:sld xmlns:a="http://schemas.openxmlformats.org/drawingml/2006/main" xmlns:r="http://schemas.openxmlformats.org/officeDocument/2006/relationships" xmlns:p="http://schemas.openxmlformats.org/presentationml/2006/main">
+  <p:cSld>
+    <p:spTree>
+      <p:nvGrpSpPr>
+        <p:cNvPr id="1" name=""/>
+        <p:cNvGrpSpPr/>
+        <p:nvPr/>
+      </p:nvGrpSpPr>
+      <p:grpSpPr>
+        <a:xfrm>
+          <a:off x="0" y="0"/>
+          <a:ext cx="0" cy="0"/>
+          <a:chOff x="0" y="0"/>
+          <a:chExt cx="0" cy="0"/>
+        </a:xfrm>
+      </p:grpSpPr>
       <p:grpSp>
         <p:nvGrpSpPr>
           <p:cNvPr id="38" name="Group 37">
@@ -11382,7 +13872,7 @@
 </p:sld>
 </file>
 
-<file path=ppt/slides/slide5.xml><?xml version="1.0" encoding="utf-8"?>
+<file path=ppt/slides/slide6.xml><?xml version="1.0" encoding="utf-8"?>
 <p:sld xmlns:a="http://schemas.openxmlformats.org/drawingml/2006/main" xmlns:r="http://schemas.openxmlformats.org/officeDocument/2006/relationships" xmlns:p="http://schemas.openxmlformats.org/presentationml/2006/main">
   <p:cSld>
     <p:spTree>
@@ -17435,7 +19925,7 @@
 </p:sld>
 </file>
 
-<file path=ppt/slides/slide6.xml><?xml version="1.0" encoding="utf-8"?>
+<file path=ppt/slides/slide7.xml><?xml version="1.0" encoding="utf-8"?>
 <p:sld xmlns:a="http://schemas.openxmlformats.org/drawingml/2006/main" xmlns:r="http://schemas.openxmlformats.org/officeDocument/2006/relationships" xmlns:p="http://schemas.openxmlformats.org/presentationml/2006/main">
   <p:cSld>
     <p:spTree>

--- a/docs/source/figures/figures.pptx
+++ b/docs/source/figures/figures.pptx
@@ -5,16 +5,17 @@
     <p:sldMasterId id="2147483648" r:id="rId1"/>
   </p:sldMasterIdLst>
   <p:notesMasterIdLst>
-    <p:notesMasterId r:id="rId9"/>
+    <p:notesMasterId r:id="rId10"/>
   </p:notesMasterIdLst>
   <p:sldIdLst>
     <p:sldId id="260" r:id="rId2"/>
     <p:sldId id="261" r:id="rId3"/>
     <p:sldId id="262" r:id="rId4"/>
     <p:sldId id="263" r:id="rId5"/>
-    <p:sldId id="256" r:id="rId6"/>
-    <p:sldId id="258" r:id="rId7"/>
-    <p:sldId id="259" r:id="rId8"/>
+    <p:sldId id="264" r:id="rId6"/>
+    <p:sldId id="256" r:id="rId7"/>
+    <p:sldId id="258" r:id="rId8"/>
+    <p:sldId id="259" r:id="rId9"/>
   </p:sldIdLst>
   <p:sldSz cx="12192000" cy="6858000"/>
   <p:notesSz cx="6858000" cy="9144000"/>
@@ -798,7 +799,7 @@
           <a:p>
             <a:fld id="{69BA16CC-A804-B84A-872F-1EF0D5231479}" type="slidenum">
               <a:rPr lang="en-US" smtClean="0"/>
-              <a:t>5</a:t>
+              <a:t>6</a:t>
             </a:fld>
             <a:endParaRPr lang="en-US"/>
           </a:p>
@@ -882,7 +883,7 @@
           <a:p>
             <a:fld id="{69BA16CC-A804-B84A-872F-1EF0D5231479}" type="slidenum">
               <a:rPr lang="en-US" smtClean="0"/>
-              <a:t>6</a:t>
+              <a:t>7</a:t>
             </a:fld>
             <a:endParaRPr lang="en-US"/>
           </a:p>
@@ -966,7 +967,7 @@
           <a:p>
             <a:fld id="{69BA16CC-A804-B84A-872F-1EF0D5231479}" type="slidenum">
               <a:rPr lang="en-US" smtClean="0"/>
-              <a:t>7</a:t>
+              <a:t>8</a:t>
             </a:fld>
             <a:endParaRPr lang="en-US"/>
           </a:p>
@@ -10378,7 +10379,7 @@
           <a:p>
             <a:pPr algn="ctr"/>
             <a:r>
-              <a:rPr lang="en-US">
+              <a:rPr lang="en-US" dirty="0">
                 <a:solidFill>
                   <a:schemeClr val="tx1"/>
                 </a:solidFill>
@@ -10386,12 +10387,6 @@
               </a:rPr>
               <a:t>Peer-to-peer</a:t>
             </a:r>
-            <a:endParaRPr lang="en-US" dirty="0">
-              <a:solidFill>
-                <a:schemeClr val="tx1"/>
-              </a:solidFill>
-              <a:latin typeface="Avenir Book" panose="02000503020000020003" pitchFamily="2" charset="0"/>
-            </a:endParaRPr>
           </a:p>
         </p:txBody>
       </p:sp>
@@ -10467,6 +10462,566 @@
 </file>
 
 <file path=ppt/slides/slide5.xml><?xml version="1.0" encoding="utf-8"?>
+<p:sld xmlns:a="http://schemas.openxmlformats.org/drawingml/2006/main" xmlns:r="http://schemas.openxmlformats.org/officeDocument/2006/relationships" xmlns:p="http://schemas.openxmlformats.org/presentationml/2006/main">
+  <p:cSld>
+    <p:spTree>
+      <p:nvGrpSpPr>
+        <p:cNvPr id="1" name=""/>
+        <p:cNvGrpSpPr/>
+        <p:nvPr/>
+      </p:nvGrpSpPr>
+      <p:grpSpPr>
+        <a:xfrm>
+          <a:off x="0" y="0"/>
+          <a:ext cx="0" cy="0"/>
+          <a:chOff x="0" y="0"/>
+          <a:chExt cx="0" cy="0"/>
+        </a:xfrm>
+      </p:grpSpPr>
+      <p:sp>
+        <p:nvSpPr>
+          <p:cNvPr id="2" name="Rectangle 1">
+            <a:extLst>
+              <a:ext uri="{FF2B5EF4-FFF2-40B4-BE49-F238E27FC236}">
+                <a16:creationId xmlns:a16="http://schemas.microsoft.com/office/drawing/2014/main" id="{D2449B88-481C-2E40-9816-688982FF0D86}"/>
+              </a:ext>
+            </a:extLst>
+          </p:cNvPr>
+          <p:cNvSpPr/>
+          <p:nvPr/>
+        </p:nvSpPr>
+        <p:spPr>
+          <a:xfrm>
+            <a:off x="3413946" y="2550791"/>
+            <a:ext cx="1537195" cy="1418949"/>
+          </a:xfrm>
+          <a:prstGeom prst="rect">
+            <a:avLst/>
+          </a:prstGeom>
+          <a:solidFill>
+            <a:schemeClr val="tx1"/>
+          </a:solidFill>
+          <a:ln>
+            <a:solidFill>
+              <a:schemeClr val="tx1"/>
+            </a:solidFill>
+          </a:ln>
+        </p:spPr>
+        <p:style>
+          <a:lnRef idx="2">
+            <a:schemeClr val="accent1">
+              <a:shade val="50000"/>
+            </a:schemeClr>
+          </a:lnRef>
+          <a:fillRef idx="1">
+            <a:schemeClr val="accent1"/>
+          </a:fillRef>
+          <a:effectRef idx="0">
+            <a:schemeClr val="accent1"/>
+          </a:effectRef>
+          <a:fontRef idx="minor">
+            <a:schemeClr val="lt1"/>
+          </a:fontRef>
+        </p:style>
+        <p:txBody>
+          <a:bodyPr lIns="0" tIns="0" rIns="0" bIns="0" rtlCol="0" anchor="ctr"/>
+          <a:lstStyle/>
+          <a:p>
+            <a:pPr algn="ctr"/>
+            <a:r>
+              <a:rPr lang="en-US" dirty="0">
+                <a:solidFill>
+                  <a:schemeClr val="bg1"/>
+                </a:solidFill>
+                <a:latin typeface="Avenir Book" panose="02000503020000020003" pitchFamily="2" charset="0"/>
+              </a:rPr>
+              <a:t>Cascade</a:t>
+            </a:r>
+          </a:p>
+        </p:txBody>
+      </p:sp>
+      <p:grpSp>
+        <p:nvGrpSpPr>
+          <p:cNvPr id="12" name="Group 11">
+            <a:extLst>
+              <a:ext uri="{FF2B5EF4-FFF2-40B4-BE49-F238E27FC236}">
+                <a16:creationId xmlns:a16="http://schemas.microsoft.com/office/drawing/2014/main" id="{CB0B9243-1D58-1F43-B8F9-34D66CBE28DC}"/>
+              </a:ext>
+            </a:extLst>
+          </p:cNvPr>
+          <p:cNvGrpSpPr/>
+          <p:nvPr/>
+        </p:nvGrpSpPr>
+        <p:grpSpPr>
+          <a:xfrm>
+            <a:off x="959006" y="2907020"/>
+            <a:ext cx="2454940" cy="687659"/>
+            <a:chOff x="1774064" y="2907020"/>
+            <a:chExt cx="1639882" cy="687659"/>
+          </a:xfrm>
+        </p:grpSpPr>
+        <p:cxnSp>
+          <p:nvCxnSpPr>
+            <p:cNvPr id="3" name="Straight Arrow Connector 2">
+              <a:extLst>
+                <a:ext uri="{FF2B5EF4-FFF2-40B4-BE49-F238E27FC236}">
+                  <a16:creationId xmlns:a16="http://schemas.microsoft.com/office/drawing/2014/main" id="{C1CD45C9-22F5-9246-9FAB-0AC71CB8F6DE}"/>
+                </a:ext>
+              </a:extLst>
+            </p:cNvPr>
+            <p:cNvCxnSpPr>
+              <a:cxnSpLocks/>
+            </p:cNvCxnSpPr>
+            <p:nvPr/>
+          </p:nvCxnSpPr>
+          <p:spPr>
+            <a:xfrm flipH="1">
+              <a:off x="1774064" y="2907020"/>
+              <a:ext cx="1639882" cy="0"/>
+            </a:xfrm>
+            <a:prstGeom prst="straightConnector1">
+              <a:avLst/>
+            </a:prstGeom>
+            <a:ln>
+              <a:solidFill>
+                <a:schemeClr val="tx1"/>
+              </a:solidFill>
+              <a:headEnd type="triangle" w="med" len="med"/>
+              <a:tailEnd type="none" w="med" len="med"/>
+            </a:ln>
+          </p:spPr>
+          <p:style>
+            <a:lnRef idx="1">
+              <a:schemeClr val="accent1"/>
+            </a:lnRef>
+            <a:fillRef idx="0">
+              <a:schemeClr val="accent1"/>
+            </a:fillRef>
+            <a:effectRef idx="0">
+              <a:schemeClr val="accent1"/>
+            </a:effectRef>
+            <a:fontRef idx="minor">
+              <a:schemeClr val="tx1"/>
+            </a:fontRef>
+          </p:style>
+        </p:cxnSp>
+        <p:cxnSp>
+          <p:nvCxnSpPr>
+            <p:cNvPr id="6" name="Straight Arrow Connector 5">
+              <a:extLst>
+                <a:ext uri="{FF2B5EF4-FFF2-40B4-BE49-F238E27FC236}">
+                  <a16:creationId xmlns:a16="http://schemas.microsoft.com/office/drawing/2014/main" id="{07FD413E-D6C3-FC4F-8FD9-E66F22ED1C9B}"/>
+                </a:ext>
+              </a:extLst>
+            </p:cNvPr>
+            <p:cNvCxnSpPr>
+              <a:cxnSpLocks/>
+            </p:cNvCxnSpPr>
+            <p:nvPr/>
+          </p:nvCxnSpPr>
+          <p:spPr>
+            <a:xfrm flipH="1">
+              <a:off x="1774064" y="3594679"/>
+              <a:ext cx="1639882" cy="0"/>
+            </a:xfrm>
+            <a:prstGeom prst="straightConnector1">
+              <a:avLst/>
+            </a:prstGeom>
+            <a:ln>
+              <a:solidFill>
+                <a:schemeClr val="tx1"/>
+              </a:solidFill>
+              <a:headEnd type="triangle" w="med" len="med"/>
+              <a:tailEnd type="none" w="med" len="med"/>
+            </a:ln>
+          </p:spPr>
+          <p:style>
+            <a:lnRef idx="1">
+              <a:schemeClr val="accent1"/>
+            </a:lnRef>
+            <a:fillRef idx="0">
+              <a:schemeClr val="accent1"/>
+            </a:fillRef>
+            <a:effectRef idx="0">
+              <a:schemeClr val="accent1"/>
+            </a:effectRef>
+            <a:fontRef idx="minor">
+              <a:schemeClr val="tx1"/>
+            </a:fontRef>
+          </p:style>
+        </p:cxnSp>
+      </p:grpSp>
+      <p:sp>
+        <p:nvSpPr>
+          <p:cNvPr id="8" name="Rectangle 7">
+            <a:extLst>
+              <a:ext uri="{FF2B5EF4-FFF2-40B4-BE49-F238E27FC236}">
+                <a16:creationId xmlns:a16="http://schemas.microsoft.com/office/drawing/2014/main" id="{150607EA-5184-5B46-AC9C-793109BE024C}"/>
+              </a:ext>
+            </a:extLst>
+          </p:cNvPr>
+          <p:cNvSpPr/>
+          <p:nvPr/>
+        </p:nvSpPr>
+        <p:spPr>
+          <a:xfrm>
+            <a:off x="959006" y="2586790"/>
+            <a:ext cx="2396858" cy="328836"/>
+          </a:xfrm>
+          <a:prstGeom prst="rect">
+            <a:avLst/>
+          </a:prstGeom>
+          <a:noFill/>
+          <a:ln>
+            <a:noFill/>
+          </a:ln>
+        </p:spPr>
+        <p:style>
+          <a:lnRef idx="2">
+            <a:schemeClr val="accent1">
+              <a:shade val="50000"/>
+            </a:schemeClr>
+          </a:lnRef>
+          <a:fillRef idx="1">
+            <a:schemeClr val="accent1"/>
+          </a:fillRef>
+          <a:effectRef idx="0">
+            <a:schemeClr val="accent1"/>
+          </a:effectRef>
+          <a:fontRef idx="minor">
+            <a:schemeClr val="lt1"/>
+          </a:fontRef>
+        </p:style>
+        <p:txBody>
+          <a:bodyPr lIns="0" tIns="0" rIns="0" bIns="0" rtlCol="0" anchor="ctr"/>
+          <a:lstStyle/>
+          <a:p>
+            <a:r>
+              <a:rPr lang="en-US" sz="1200" dirty="0">
+                <a:solidFill>
+                  <a:schemeClr val="tx1"/>
+                </a:solidFill>
+                <a:latin typeface="Avenir Book" panose="02000503020000020003" pitchFamily="2" charset="0"/>
+              </a:rPr>
+              <a:t>Noisy key</a:t>
+            </a:r>
+          </a:p>
+        </p:txBody>
+      </p:sp>
+      <p:sp>
+        <p:nvSpPr>
+          <p:cNvPr id="9" name="Rectangle 8">
+            <a:extLst>
+              <a:ext uri="{FF2B5EF4-FFF2-40B4-BE49-F238E27FC236}">
+                <a16:creationId xmlns:a16="http://schemas.microsoft.com/office/drawing/2014/main" id="{870FFB5D-6661-B543-8762-1D498F07CD70}"/>
+              </a:ext>
+            </a:extLst>
+          </p:cNvPr>
+          <p:cNvSpPr/>
+          <p:nvPr/>
+        </p:nvSpPr>
+        <p:spPr>
+          <a:xfrm>
+            <a:off x="5135233" y="2599144"/>
+            <a:ext cx="2270848" cy="328836"/>
+          </a:xfrm>
+          <a:prstGeom prst="rect">
+            <a:avLst/>
+          </a:prstGeom>
+          <a:noFill/>
+          <a:ln>
+            <a:noFill/>
+          </a:ln>
+        </p:spPr>
+        <p:style>
+          <a:lnRef idx="2">
+            <a:schemeClr val="accent1">
+              <a:shade val="50000"/>
+            </a:schemeClr>
+          </a:lnRef>
+          <a:fillRef idx="1">
+            <a:schemeClr val="accent1"/>
+          </a:fillRef>
+          <a:effectRef idx="0">
+            <a:schemeClr val="accent1"/>
+          </a:effectRef>
+          <a:fontRef idx="minor">
+            <a:schemeClr val="lt1"/>
+          </a:fontRef>
+        </p:style>
+        <p:txBody>
+          <a:bodyPr lIns="0" tIns="0" rIns="0" bIns="0" rtlCol="0" anchor="ctr"/>
+          <a:lstStyle/>
+          <a:p>
+            <a:r>
+              <a:rPr lang="en-US" sz="1200" dirty="0">
+                <a:solidFill>
+                  <a:schemeClr val="tx1"/>
+                </a:solidFill>
+                <a:latin typeface="Avenir Book" panose="02000503020000020003" pitchFamily="2" charset="0"/>
+              </a:rPr>
+              <a:t>Reconciliated key</a:t>
+            </a:r>
+          </a:p>
+        </p:txBody>
+      </p:sp>
+      <p:sp>
+        <p:nvSpPr>
+          <p:cNvPr id="10" name="Rectangle 9">
+            <a:extLst>
+              <a:ext uri="{FF2B5EF4-FFF2-40B4-BE49-F238E27FC236}">
+                <a16:creationId xmlns:a16="http://schemas.microsoft.com/office/drawing/2014/main" id="{6523D504-A76D-EB40-B77F-B59174BF35B4}"/>
+              </a:ext>
+            </a:extLst>
+          </p:cNvPr>
+          <p:cNvSpPr/>
+          <p:nvPr/>
+        </p:nvSpPr>
+        <p:spPr>
+          <a:xfrm>
+            <a:off x="959006" y="3302165"/>
+            <a:ext cx="2396858" cy="328836"/>
+          </a:xfrm>
+          <a:prstGeom prst="rect">
+            <a:avLst/>
+          </a:prstGeom>
+          <a:noFill/>
+          <a:ln>
+            <a:noFill/>
+          </a:ln>
+        </p:spPr>
+        <p:style>
+          <a:lnRef idx="2">
+            <a:schemeClr val="accent1">
+              <a:shade val="50000"/>
+            </a:schemeClr>
+          </a:lnRef>
+          <a:fillRef idx="1">
+            <a:schemeClr val="accent1"/>
+          </a:fillRef>
+          <a:effectRef idx="0">
+            <a:schemeClr val="accent1"/>
+          </a:effectRef>
+          <a:fontRef idx="minor">
+            <a:schemeClr val="lt1"/>
+          </a:fontRef>
+        </p:style>
+        <p:txBody>
+          <a:bodyPr lIns="0" tIns="0" rIns="0" bIns="0" rtlCol="0" anchor="ctr"/>
+          <a:lstStyle/>
+          <a:p>
+            <a:r>
+              <a:rPr lang="en-US" sz="1200" dirty="0">
+                <a:solidFill>
+                  <a:schemeClr val="tx1"/>
+                </a:solidFill>
+                <a:latin typeface="Avenir Book" panose="02000503020000020003" pitchFamily="2" charset="0"/>
+              </a:rPr>
+              <a:t>Estimated quantum bit error rate</a:t>
+            </a:r>
+          </a:p>
+        </p:txBody>
+      </p:sp>
+      <p:sp>
+        <p:nvSpPr>
+          <p:cNvPr id="11" name="Rectangle 10">
+            <a:extLst>
+              <a:ext uri="{FF2B5EF4-FFF2-40B4-BE49-F238E27FC236}">
+                <a16:creationId xmlns:a16="http://schemas.microsoft.com/office/drawing/2014/main" id="{7989694A-58B7-864E-8325-4FA05DF61661}"/>
+              </a:ext>
+            </a:extLst>
+          </p:cNvPr>
+          <p:cNvSpPr/>
+          <p:nvPr/>
+        </p:nvSpPr>
+        <p:spPr>
+          <a:xfrm>
+            <a:off x="5135233" y="3314519"/>
+            <a:ext cx="2270848" cy="328836"/>
+          </a:xfrm>
+          <a:prstGeom prst="rect">
+            <a:avLst/>
+          </a:prstGeom>
+          <a:noFill/>
+          <a:ln>
+            <a:noFill/>
+          </a:ln>
+        </p:spPr>
+        <p:style>
+          <a:lnRef idx="2">
+            <a:schemeClr val="accent1">
+              <a:shade val="50000"/>
+            </a:schemeClr>
+          </a:lnRef>
+          <a:fillRef idx="1">
+            <a:schemeClr val="accent1"/>
+          </a:fillRef>
+          <a:effectRef idx="0">
+            <a:schemeClr val="accent1"/>
+          </a:effectRef>
+          <a:fontRef idx="minor">
+            <a:schemeClr val="lt1"/>
+          </a:fontRef>
+        </p:style>
+        <p:txBody>
+          <a:bodyPr lIns="0" tIns="0" rIns="0" bIns="0" rtlCol="0" anchor="ctr"/>
+          <a:lstStyle/>
+          <a:p>
+            <a:r>
+              <a:rPr lang="en-US" sz="1200" dirty="0">
+                <a:solidFill>
+                  <a:schemeClr val="tx1"/>
+                </a:solidFill>
+                <a:latin typeface="Avenir Book" panose="02000503020000020003" pitchFamily="2" charset="0"/>
+              </a:rPr>
+              <a:t>A</a:t>
+            </a:r>
+            <a:r>
+              <a:rPr lang="en-US" sz="1200">
+                <a:solidFill>
+                  <a:schemeClr val="tx1"/>
+                </a:solidFill>
+                <a:latin typeface="Avenir Book" panose="02000503020000020003" pitchFamily="2" charset="0"/>
+              </a:rPr>
+              <a:t>mount </a:t>
+            </a:r>
+            <a:r>
+              <a:rPr lang="en-US" sz="1200" dirty="0">
+                <a:solidFill>
+                  <a:schemeClr val="tx1"/>
+                </a:solidFill>
+                <a:latin typeface="Avenir Book" panose="02000503020000020003" pitchFamily="2" charset="0"/>
+              </a:rPr>
+              <a:t>of leaked information</a:t>
+            </a:r>
+          </a:p>
+        </p:txBody>
+      </p:sp>
+      <p:grpSp>
+        <p:nvGrpSpPr>
+          <p:cNvPr id="13" name="Group 12">
+            <a:extLst>
+              <a:ext uri="{FF2B5EF4-FFF2-40B4-BE49-F238E27FC236}">
+                <a16:creationId xmlns:a16="http://schemas.microsoft.com/office/drawing/2014/main" id="{746B6DC7-E0C7-D248-9F35-7B2087DE1E3D}"/>
+              </a:ext>
+            </a:extLst>
+          </p:cNvPr>
+          <p:cNvGrpSpPr/>
+          <p:nvPr/>
+        </p:nvGrpSpPr>
+        <p:grpSpPr>
+          <a:xfrm>
+            <a:off x="4951141" y="2915626"/>
+            <a:ext cx="2454940" cy="687659"/>
+            <a:chOff x="1774064" y="2907020"/>
+            <a:chExt cx="1639882" cy="687659"/>
+          </a:xfrm>
+        </p:grpSpPr>
+        <p:cxnSp>
+          <p:nvCxnSpPr>
+            <p:cNvPr id="14" name="Straight Arrow Connector 13">
+              <a:extLst>
+                <a:ext uri="{FF2B5EF4-FFF2-40B4-BE49-F238E27FC236}">
+                  <a16:creationId xmlns:a16="http://schemas.microsoft.com/office/drawing/2014/main" id="{84A6010B-EAB3-904A-9616-9793CF807C23}"/>
+                </a:ext>
+              </a:extLst>
+            </p:cNvPr>
+            <p:cNvCxnSpPr>
+              <a:cxnSpLocks/>
+            </p:cNvCxnSpPr>
+            <p:nvPr/>
+          </p:nvCxnSpPr>
+          <p:spPr>
+            <a:xfrm flipH="1">
+              <a:off x="1774064" y="2907020"/>
+              <a:ext cx="1639882" cy="0"/>
+            </a:xfrm>
+            <a:prstGeom prst="straightConnector1">
+              <a:avLst/>
+            </a:prstGeom>
+            <a:ln>
+              <a:solidFill>
+                <a:schemeClr val="tx1"/>
+              </a:solidFill>
+              <a:headEnd type="triangle" w="med" len="med"/>
+              <a:tailEnd type="none" w="med" len="med"/>
+            </a:ln>
+          </p:spPr>
+          <p:style>
+            <a:lnRef idx="1">
+              <a:schemeClr val="accent1"/>
+            </a:lnRef>
+            <a:fillRef idx="0">
+              <a:schemeClr val="accent1"/>
+            </a:fillRef>
+            <a:effectRef idx="0">
+              <a:schemeClr val="accent1"/>
+            </a:effectRef>
+            <a:fontRef idx="minor">
+              <a:schemeClr val="tx1"/>
+            </a:fontRef>
+          </p:style>
+        </p:cxnSp>
+        <p:cxnSp>
+          <p:nvCxnSpPr>
+            <p:cNvPr id="15" name="Straight Arrow Connector 14">
+              <a:extLst>
+                <a:ext uri="{FF2B5EF4-FFF2-40B4-BE49-F238E27FC236}">
+                  <a16:creationId xmlns:a16="http://schemas.microsoft.com/office/drawing/2014/main" id="{55D228A1-2796-574B-8867-77C573DEA0F2}"/>
+                </a:ext>
+              </a:extLst>
+            </p:cNvPr>
+            <p:cNvCxnSpPr>
+              <a:cxnSpLocks/>
+            </p:cNvCxnSpPr>
+            <p:nvPr/>
+          </p:nvCxnSpPr>
+          <p:spPr>
+            <a:xfrm flipH="1">
+              <a:off x="1774064" y="3594679"/>
+              <a:ext cx="1639882" cy="0"/>
+            </a:xfrm>
+            <a:prstGeom prst="straightConnector1">
+              <a:avLst/>
+            </a:prstGeom>
+            <a:ln>
+              <a:solidFill>
+                <a:schemeClr val="tx1"/>
+              </a:solidFill>
+              <a:headEnd type="triangle" w="med" len="med"/>
+              <a:tailEnd type="none" w="med" len="med"/>
+            </a:ln>
+          </p:spPr>
+          <p:style>
+            <a:lnRef idx="1">
+              <a:schemeClr val="accent1"/>
+            </a:lnRef>
+            <a:fillRef idx="0">
+              <a:schemeClr val="accent1"/>
+            </a:fillRef>
+            <a:effectRef idx="0">
+              <a:schemeClr val="accent1"/>
+            </a:effectRef>
+            <a:fontRef idx="minor">
+              <a:schemeClr val="tx1"/>
+            </a:fontRef>
+          </p:style>
+        </p:cxnSp>
+      </p:grpSp>
+    </p:spTree>
+    <p:extLst>
+      <p:ext uri="{BB962C8B-B14F-4D97-AF65-F5344CB8AC3E}">
+        <p14:creationId xmlns:p14="http://schemas.microsoft.com/office/powerpoint/2010/main" val="56043003"/>
+      </p:ext>
+    </p:extLst>
+  </p:cSld>
+  <p:clrMapOvr>
+    <a:masterClrMapping/>
+  </p:clrMapOvr>
+</p:sld>
+</file>
+
+<file path=ppt/slides/slide6.xml><?xml version="1.0" encoding="utf-8"?>
 <p:sld xmlns:a="http://schemas.openxmlformats.org/drawingml/2006/main" xmlns:r="http://schemas.openxmlformats.org/officeDocument/2006/relationships" xmlns:p="http://schemas.openxmlformats.org/presentationml/2006/main">
   <p:cSld>
     <p:spTree>
@@ -13872,7 +14427,7 @@
 </p:sld>
 </file>
 
-<file path=ppt/slides/slide6.xml><?xml version="1.0" encoding="utf-8"?>
+<file path=ppt/slides/slide7.xml><?xml version="1.0" encoding="utf-8"?>
 <p:sld xmlns:a="http://schemas.openxmlformats.org/drawingml/2006/main" xmlns:r="http://schemas.openxmlformats.org/officeDocument/2006/relationships" xmlns:p="http://schemas.openxmlformats.org/presentationml/2006/main">
   <p:cSld>
     <p:spTree>
@@ -19925,7 +20480,7 @@
 </p:sld>
 </file>
 
-<file path=ppt/slides/slide7.xml><?xml version="1.0" encoding="utf-8"?>
+<file path=ppt/slides/slide8.xml><?xml version="1.0" encoding="utf-8"?>
 <p:sld xmlns:a="http://schemas.openxmlformats.org/drawingml/2006/main" xmlns:r="http://schemas.openxmlformats.org/officeDocument/2006/relationships" xmlns:p="http://schemas.openxmlformats.org/presentationml/2006/main">
   <p:cSld>
     <p:spTree>

--- a/docs/source/figures/figures.pptx
+++ b/docs/source/figures/figures.pptx
@@ -5,7 +5,7 @@
     <p:sldMasterId id="2147483648" r:id="rId1"/>
   </p:sldMasterIdLst>
   <p:notesMasterIdLst>
-    <p:notesMasterId r:id="rId10"/>
+    <p:notesMasterId r:id="rId11"/>
   </p:notesMasterIdLst>
   <p:sldIdLst>
     <p:sldId id="260" r:id="rId2"/>
@@ -13,9 +13,10 @@
     <p:sldId id="262" r:id="rId4"/>
     <p:sldId id="263" r:id="rId5"/>
     <p:sldId id="264" r:id="rId6"/>
-    <p:sldId id="256" r:id="rId7"/>
-    <p:sldId id="258" r:id="rId8"/>
-    <p:sldId id="259" r:id="rId9"/>
+    <p:sldId id="265" r:id="rId7"/>
+    <p:sldId id="256" r:id="rId8"/>
+    <p:sldId id="258" r:id="rId9"/>
+    <p:sldId id="259" r:id="rId10"/>
   </p:sldIdLst>
   <p:sldSz cx="12192000" cy="6858000"/>
   <p:notesSz cx="6858000" cy="9144000"/>
@@ -799,7 +800,7 @@
           <a:p>
             <a:fld id="{69BA16CC-A804-B84A-872F-1EF0D5231479}" type="slidenum">
               <a:rPr lang="en-US" smtClean="0"/>
-              <a:t>6</a:t>
+              <a:t>7</a:t>
             </a:fld>
             <a:endParaRPr lang="en-US"/>
           </a:p>
@@ -883,7 +884,7 @@
           <a:p>
             <a:fld id="{69BA16CC-A804-B84A-872F-1EF0D5231479}" type="slidenum">
               <a:rPr lang="en-US" smtClean="0"/>
-              <a:t>7</a:t>
+              <a:t>8</a:t>
             </a:fld>
             <a:endParaRPr lang="en-US"/>
           </a:p>
@@ -967,7 +968,7 @@
           <a:p>
             <a:fld id="{69BA16CC-A804-B84A-872F-1EF0D5231479}" type="slidenum">
               <a:rPr lang="en-US" smtClean="0"/>
-              <a:t>8</a:t>
+              <a:t>9</a:t>
             </a:fld>
             <a:endParaRPr lang="en-US"/>
           </a:p>
@@ -10874,25 +10875,7 @@
                 </a:solidFill>
                 <a:latin typeface="Avenir Book" panose="02000503020000020003" pitchFamily="2" charset="0"/>
               </a:rPr>
-              <a:t>A</a:t>
-            </a:r>
-            <a:r>
-              <a:rPr lang="en-US" sz="1200">
-                <a:solidFill>
-                  <a:schemeClr val="tx1"/>
-                </a:solidFill>
-                <a:latin typeface="Avenir Book" panose="02000503020000020003" pitchFamily="2" charset="0"/>
-              </a:rPr>
-              <a:t>mount </a:t>
-            </a:r>
-            <a:r>
-              <a:rPr lang="en-US" sz="1200" dirty="0">
-                <a:solidFill>
-                  <a:schemeClr val="tx1"/>
-                </a:solidFill>
-                <a:latin typeface="Avenir Book" panose="02000503020000020003" pitchFamily="2" charset="0"/>
-              </a:rPr>
-              <a:t>of leaked information</a:t>
+              <a:t>Amount of leaked information</a:t>
             </a:r>
           </a:p>
         </p:txBody>
@@ -11022,6 +11005,5564 @@
 </file>
 
 <file path=ppt/slides/slide6.xml><?xml version="1.0" encoding="utf-8"?>
+<p:sld xmlns:a="http://schemas.openxmlformats.org/drawingml/2006/main" xmlns:r="http://schemas.openxmlformats.org/officeDocument/2006/relationships" xmlns:p="http://schemas.openxmlformats.org/presentationml/2006/main">
+  <p:cSld>
+    <p:spTree>
+      <p:nvGrpSpPr>
+        <p:cNvPr id="1" name=""/>
+        <p:cNvGrpSpPr/>
+        <p:nvPr/>
+      </p:nvGrpSpPr>
+      <p:grpSpPr>
+        <a:xfrm>
+          <a:off x="0" y="0"/>
+          <a:ext cx="0" cy="0"/>
+          <a:chOff x="0" y="0"/>
+          <a:chExt cx="0" cy="0"/>
+        </a:xfrm>
+      </p:grpSpPr>
+      <p:sp>
+        <p:nvSpPr>
+          <p:cNvPr id="2" name="Rectangle 1">
+            <a:extLst>
+              <a:ext uri="{FF2B5EF4-FFF2-40B4-BE49-F238E27FC236}">
+                <a16:creationId xmlns:a16="http://schemas.microsoft.com/office/drawing/2014/main" id="{45D2D261-044E-4D40-B4F5-92D4895E2263}"/>
+              </a:ext>
+            </a:extLst>
+          </p:cNvPr>
+          <p:cNvSpPr/>
+          <p:nvPr/>
+        </p:nvSpPr>
+        <p:spPr>
+          <a:xfrm>
+            <a:off x="1765818" y="1884556"/>
+            <a:ext cx="2884242" cy="434554"/>
+          </a:xfrm>
+          <a:prstGeom prst="rect">
+            <a:avLst/>
+          </a:prstGeom>
+          <a:solidFill>
+            <a:schemeClr val="bg1"/>
+          </a:solidFill>
+          <a:ln>
+            <a:solidFill>
+              <a:schemeClr val="tx1"/>
+            </a:solidFill>
+          </a:ln>
+        </p:spPr>
+        <p:style>
+          <a:lnRef idx="2">
+            <a:schemeClr val="accent1">
+              <a:shade val="50000"/>
+            </a:schemeClr>
+          </a:lnRef>
+          <a:fillRef idx="1">
+            <a:schemeClr val="accent1"/>
+          </a:fillRef>
+          <a:effectRef idx="0">
+            <a:schemeClr val="accent1"/>
+          </a:effectRef>
+          <a:fontRef idx="minor">
+            <a:schemeClr val="lt1"/>
+          </a:fontRef>
+        </p:style>
+        <p:txBody>
+          <a:bodyPr lIns="0" tIns="0" rIns="0" bIns="0" rtlCol="0" anchor="ctr"/>
+          <a:lstStyle/>
+          <a:p>
+            <a:pPr algn="ctr"/>
+            <a:r>
+              <a:rPr lang="en-US" sz="1200" dirty="0">
+                <a:solidFill>
+                  <a:schemeClr val="tx1"/>
+                </a:solidFill>
+                <a:latin typeface="Avenir Book" panose="02000503020000020003" pitchFamily="2" charset="0"/>
+              </a:rPr>
+              <a:t>Cascade iteration 1</a:t>
+            </a:r>
+          </a:p>
+        </p:txBody>
+      </p:sp>
+      <p:cxnSp>
+        <p:nvCxnSpPr>
+          <p:cNvPr id="3" name="Straight Arrow Connector 2">
+            <a:extLst>
+              <a:ext uri="{FF2B5EF4-FFF2-40B4-BE49-F238E27FC236}">
+                <a16:creationId xmlns:a16="http://schemas.microsoft.com/office/drawing/2014/main" id="{52831AD0-EF5E-2042-8E81-1A19456E9E6B}"/>
+              </a:ext>
+            </a:extLst>
+          </p:cNvPr>
+          <p:cNvCxnSpPr>
+            <a:cxnSpLocks/>
+            <a:stCxn id="2" idx="0"/>
+          </p:cNvCxnSpPr>
+          <p:nvPr/>
+        </p:nvCxnSpPr>
+        <p:spPr>
+          <a:xfrm flipV="1">
+            <a:off x="3207939" y="1304693"/>
+            <a:ext cx="0" cy="579863"/>
+          </a:xfrm>
+          <a:prstGeom prst="straightConnector1">
+            <a:avLst/>
+          </a:prstGeom>
+          <a:ln>
+            <a:solidFill>
+              <a:schemeClr val="tx1"/>
+            </a:solidFill>
+            <a:headEnd type="triangle" w="med" len="med"/>
+            <a:tailEnd type="none" w="med" len="med"/>
+          </a:ln>
+        </p:spPr>
+        <p:style>
+          <a:lnRef idx="1">
+            <a:schemeClr val="accent1"/>
+          </a:lnRef>
+          <a:fillRef idx="0">
+            <a:schemeClr val="accent1"/>
+          </a:fillRef>
+          <a:effectRef idx="0">
+            <a:schemeClr val="accent1"/>
+          </a:effectRef>
+          <a:fontRef idx="minor">
+            <a:schemeClr val="tx1"/>
+          </a:fontRef>
+        </p:style>
+      </p:cxnSp>
+      <p:sp>
+        <p:nvSpPr>
+          <p:cNvPr id="6" name="Rectangle 5">
+            <a:extLst>
+              <a:ext uri="{FF2B5EF4-FFF2-40B4-BE49-F238E27FC236}">
+                <a16:creationId xmlns:a16="http://schemas.microsoft.com/office/drawing/2014/main" id="{580C9A19-FBB4-EE48-A5E1-2FC94B968DA3}"/>
+              </a:ext>
+            </a:extLst>
+          </p:cNvPr>
+          <p:cNvSpPr/>
+          <p:nvPr/>
+        </p:nvSpPr>
+        <p:spPr>
+          <a:xfrm>
+            <a:off x="1765818" y="2898973"/>
+            <a:ext cx="2884242" cy="434554"/>
+          </a:xfrm>
+          <a:prstGeom prst="rect">
+            <a:avLst/>
+          </a:prstGeom>
+          <a:solidFill>
+            <a:schemeClr val="bg1"/>
+          </a:solidFill>
+          <a:ln>
+            <a:solidFill>
+              <a:schemeClr val="tx1"/>
+            </a:solidFill>
+          </a:ln>
+        </p:spPr>
+        <p:style>
+          <a:lnRef idx="2">
+            <a:schemeClr val="accent1">
+              <a:shade val="50000"/>
+            </a:schemeClr>
+          </a:lnRef>
+          <a:fillRef idx="1">
+            <a:schemeClr val="accent1"/>
+          </a:fillRef>
+          <a:effectRef idx="0">
+            <a:schemeClr val="accent1"/>
+          </a:effectRef>
+          <a:fontRef idx="minor">
+            <a:schemeClr val="lt1"/>
+          </a:fontRef>
+        </p:style>
+        <p:txBody>
+          <a:bodyPr lIns="0" tIns="0" rIns="0" bIns="0" rtlCol="0" anchor="ctr"/>
+          <a:lstStyle/>
+          <a:p>
+            <a:pPr algn="ctr"/>
+            <a:r>
+              <a:rPr lang="en-US" sz="1200" dirty="0">
+                <a:solidFill>
+                  <a:schemeClr val="tx1"/>
+                </a:solidFill>
+                <a:latin typeface="Avenir Book" panose="02000503020000020003" pitchFamily="2" charset="0"/>
+              </a:rPr>
+              <a:t>Cascade iteration 2</a:t>
+            </a:r>
+          </a:p>
+        </p:txBody>
+      </p:sp>
+      <p:cxnSp>
+        <p:nvCxnSpPr>
+          <p:cNvPr id="7" name="Straight Arrow Connector 6">
+            <a:extLst>
+              <a:ext uri="{FF2B5EF4-FFF2-40B4-BE49-F238E27FC236}">
+                <a16:creationId xmlns:a16="http://schemas.microsoft.com/office/drawing/2014/main" id="{12C55548-1C79-A345-A6E5-3B9FEB6D3B1D}"/>
+              </a:ext>
+            </a:extLst>
+          </p:cNvPr>
+          <p:cNvCxnSpPr>
+            <a:cxnSpLocks/>
+            <a:stCxn id="6" idx="0"/>
+          </p:cNvCxnSpPr>
+          <p:nvPr/>
+        </p:nvCxnSpPr>
+        <p:spPr>
+          <a:xfrm flipV="1">
+            <a:off x="3207939" y="2319110"/>
+            <a:ext cx="0" cy="579863"/>
+          </a:xfrm>
+          <a:prstGeom prst="straightConnector1">
+            <a:avLst/>
+          </a:prstGeom>
+          <a:ln>
+            <a:solidFill>
+              <a:schemeClr val="tx1"/>
+            </a:solidFill>
+            <a:headEnd type="triangle" w="med" len="med"/>
+            <a:tailEnd type="none" w="med" len="med"/>
+          </a:ln>
+        </p:spPr>
+        <p:style>
+          <a:lnRef idx="1">
+            <a:schemeClr val="accent1"/>
+          </a:lnRef>
+          <a:fillRef idx="0">
+            <a:schemeClr val="accent1"/>
+          </a:fillRef>
+          <a:effectRef idx="0">
+            <a:schemeClr val="accent1"/>
+          </a:effectRef>
+          <a:fontRef idx="minor">
+            <a:schemeClr val="tx1"/>
+          </a:fontRef>
+        </p:style>
+      </p:cxnSp>
+      <p:sp>
+        <p:nvSpPr>
+          <p:cNvPr id="8" name="Rectangle 7">
+            <a:extLst>
+              <a:ext uri="{FF2B5EF4-FFF2-40B4-BE49-F238E27FC236}">
+                <a16:creationId xmlns:a16="http://schemas.microsoft.com/office/drawing/2014/main" id="{4A277C9C-5409-214C-952E-61A1C331A35C}"/>
+              </a:ext>
+            </a:extLst>
+          </p:cNvPr>
+          <p:cNvSpPr/>
+          <p:nvPr/>
+        </p:nvSpPr>
+        <p:spPr>
+          <a:xfrm>
+            <a:off x="1765818" y="3913390"/>
+            <a:ext cx="2884242" cy="434554"/>
+          </a:xfrm>
+          <a:prstGeom prst="rect">
+            <a:avLst/>
+          </a:prstGeom>
+          <a:solidFill>
+            <a:schemeClr val="bg1"/>
+          </a:solidFill>
+          <a:ln>
+            <a:solidFill>
+              <a:schemeClr val="tx1"/>
+            </a:solidFill>
+          </a:ln>
+        </p:spPr>
+        <p:style>
+          <a:lnRef idx="2">
+            <a:schemeClr val="accent1">
+              <a:shade val="50000"/>
+            </a:schemeClr>
+          </a:lnRef>
+          <a:fillRef idx="1">
+            <a:schemeClr val="accent1"/>
+          </a:fillRef>
+          <a:effectRef idx="0">
+            <a:schemeClr val="accent1"/>
+          </a:effectRef>
+          <a:fontRef idx="minor">
+            <a:schemeClr val="lt1"/>
+          </a:fontRef>
+        </p:style>
+        <p:txBody>
+          <a:bodyPr lIns="0" tIns="0" rIns="0" bIns="0" rtlCol="0" anchor="ctr"/>
+          <a:lstStyle/>
+          <a:p>
+            <a:pPr algn="ctr"/>
+            <a:r>
+              <a:rPr lang="en-US" sz="1200" dirty="0">
+                <a:solidFill>
+                  <a:schemeClr val="tx1"/>
+                </a:solidFill>
+                <a:latin typeface="Avenir Book" panose="02000503020000020003" pitchFamily="2" charset="0"/>
+              </a:rPr>
+              <a:t>Cascade iteration 3</a:t>
+            </a:r>
+          </a:p>
+        </p:txBody>
+      </p:sp>
+      <p:cxnSp>
+        <p:nvCxnSpPr>
+          <p:cNvPr id="9" name="Straight Arrow Connector 8">
+            <a:extLst>
+              <a:ext uri="{FF2B5EF4-FFF2-40B4-BE49-F238E27FC236}">
+                <a16:creationId xmlns:a16="http://schemas.microsoft.com/office/drawing/2014/main" id="{70298F69-C5D3-3F44-BBC1-D8D03DF33132}"/>
+              </a:ext>
+            </a:extLst>
+          </p:cNvPr>
+          <p:cNvCxnSpPr>
+            <a:cxnSpLocks/>
+            <a:stCxn id="8" idx="0"/>
+          </p:cNvCxnSpPr>
+          <p:nvPr/>
+        </p:nvCxnSpPr>
+        <p:spPr>
+          <a:xfrm flipV="1">
+            <a:off x="3207939" y="3333527"/>
+            <a:ext cx="0" cy="579863"/>
+          </a:xfrm>
+          <a:prstGeom prst="straightConnector1">
+            <a:avLst/>
+          </a:prstGeom>
+          <a:ln>
+            <a:solidFill>
+              <a:schemeClr val="tx1"/>
+            </a:solidFill>
+            <a:headEnd type="triangle" w="med" len="med"/>
+            <a:tailEnd type="none" w="med" len="med"/>
+          </a:ln>
+        </p:spPr>
+        <p:style>
+          <a:lnRef idx="1">
+            <a:schemeClr val="accent1"/>
+          </a:lnRef>
+          <a:fillRef idx="0">
+            <a:schemeClr val="accent1"/>
+          </a:fillRef>
+          <a:effectRef idx="0">
+            <a:schemeClr val="accent1"/>
+          </a:effectRef>
+          <a:fontRef idx="minor">
+            <a:schemeClr val="tx1"/>
+          </a:fontRef>
+        </p:style>
+      </p:cxnSp>
+      <p:sp>
+        <p:nvSpPr>
+          <p:cNvPr id="10" name="Rectangle 9">
+            <a:extLst>
+              <a:ext uri="{FF2B5EF4-FFF2-40B4-BE49-F238E27FC236}">
+                <a16:creationId xmlns:a16="http://schemas.microsoft.com/office/drawing/2014/main" id="{B9B504A9-2138-1B42-A639-6FD8AC085A49}"/>
+              </a:ext>
+            </a:extLst>
+          </p:cNvPr>
+          <p:cNvSpPr/>
+          <p:nvPr/>
+        </p:nvSpPr>
+        <p:spPr>
+          <a:xfrm>
+            <a:off x="1765818" y="4927807"/>
+            <a:ext cx="2884242" cy="434554"/>
+          </a:xfrm>
+          <a:prstGeom prst="rect">
+            <a:avLst/>
+          </a:prstGeom>
+          <a:solidFill>
+            <a:schemeClr val="bg1"/>
+          </a:solidFill>
+          <a:ln>
+            <a:solidFill>
+              <a:schemeClr val="tx1"/>
+            </a:solidFill>
+          </a:ln>
+        </p:spPr>
+        <p:style>
+          <a:lnRef idx="2">
+            <a:schemeClr val="accent1">
+              <a:shade val="50000"/>
+            </a:schemeClr>
+          </a:lnRef>
+          <a:fillRef idx="1">
+            <a:schemeClr val="accent1"/>
+          </a:fillRef>
+          <a:effectRef idx="0">
+            <a:schemeClr val="accent1"/>
+          </a:effectRef>
+          <a:fontRef idx="minor">
+            <a:schemeClr val="lt1"/>
+          </a:fontRef>
+        </p:style>
+        <p:txBody>
+          <a:bodyPr lIns="0" tIns="0" rIns="0" bIns="0" rtlCol="0" anchor="ctr"/>
+          <a:lstStyle/>
+          <a:p>
+            <a:pPr algn="ctr"/>
+            <a:r>
+              <a:rPr lang="en-US" sz="1200" dirty="0">
+                <a:solidFill>
+                  <a:schemeClr val="tx1"/>
+                </a:solidFill>
+                <a:latin typeface="Avenir Book" panose="02000503020000020003" pitchFamily="2" charset="0"/>
+              </a:rPr>
+              <a:t>Cascade iteration 4</a:t>
+            </a:r>
+          </a:p>
+        </p:txBody>
+      </p:sp>
+      <p:cxnSp>
+        <p:nvCxnSpPr>
+          <p:cNvPr id="11" name="Straight Arrow Connector 10">
+            <a:extLst>
+              <a:ext uri="{FF2B5EF4-FFF2-40B4-BE49-F238E27FC236}">
+                <a16:creationId xmlns:a16="http://schemas.microsoft.com/office/drawing/2014/main" id="{0908AF82-9EFE-1840-814D-F5006D8BDCA9}"/>
+              </a:ext>
+            </a:extLst>
+          </p:cNvPr>
+          <p:cNvCxnSpPr>
+            <a:cxnSpLocks/>
+            <a:stCxn id="10" idx="0"/>
+          </p:cNvCxnSpPr>
+          <p:nvPr/>
+        </p:nvCxnSpPr>
+        <p:spPr>
+          <a:xfrm flipV="1">
+            <a:off x="3207939" y="4347944"/>
+            <a:ext cx="0" cy="579863"/>
+          </a:xfrm>
+          <a:prstGeom prst="straightConnector1">
+            <a:avLst/>
+          </a:prstGeom>
+          <a:ln>
+            <a:solidFill>
+              <a:schemeClr val="tx1"/>
+            </a:solidFill>
+            <a:headEnd type="triangle" w="med" len="med"/>
+            <a:tailEnd type="none" w="med" len="med"/>
+          </a:ln>
+        </p:spPr>
+        <p:style>
+          <a:lnRef idx="1">
+            <a:schemeClr val="accent1"/>
+          </a:lnRef>
+          <a:fillRef idx="0">
+            <a:schemeClr val="accent1"/>
+          </a:fillRef>
+          <a:effectRef idx="0">
+            <a:schemeClr val="accent1"/>
+          </a:effectRef>
+          <a:fontRef idx="minor">
+            <a:schemeClr val="tx1"/>
+          </a:fontRef>
+        </p:style>
+      </p:cxnSp>
+      <p:cxnSp>
+        <p:nvCxnSpPr>
+          <p:cNvPr id="12" name="Straight Arrow Connector 11">
+            <a:extLst>
+              <a:ext uri="{FF2B5EF4-FFF2-40B4-BE49-F238E27FC236}">
+                <a16:creationId xmlns:a16="http://schemas.microsoft.com/office/drawing/2014/main" id="{470AEBB1-F3E6-C64E-A566-3F4B82406CC1}"/>
+              </a:ext>
+            </a:extLst>
+          </p:cNvPr>
+          <p:cNvCxnSpPr>
+            <a:cxnSpLocks/>
+          </p:cNvCxnSpPr>
+          <p:nvPr/>
+        </p:nvCxnSpPr>
+        <p:spPr>
+          <a:xfrm flipV="1">
+            <a:off x="3207939" y="5362361"/>
+            <a:ext cx="0" cy="579863"/>
+          </a:xfrm>
+          <a:prstGeom prst="straightConnector1">
+            <a:avLst/>
+          </a:prstGeom>
+          <a:ln>
+            <a:solidFill>
+              <a:schemeClr val="tx1"/>
+            </a:solidFill>
+            <a:headEnd type="triangle" w="med" len="med"/>
+            <a:tailEnd type="none" w="med" len="med"/>
+          </a:ln>
+        </p:spPr>
+        <p:style>
+          <a:lnRef idx="1">
+            <a:schemeClr val="accent1"/>
+          </a:lnRef>
+          <a:fillRef idx="0">
+            <a:schemeClr val="accent1"/>
+          </a:fillRef>
+          <a:effectRef idx="0">
+            <a:schemeClr val="accent1"/>
+          </a:effectRef>
+          <a:fontRef idx="minor">
+            <a:schemeClr val="tx1"/>
+          </a:fontRef>
+        </p:style>
+      </p:cxnSp>
+      <p:grpSp>
+        <p:nvGrpSpPr>
+          <p:cNvPr id="57" name="Group 56">
+            <a:extLst>
+              <a:ext uri="{FF2B5EF4-FFF2-40B4-BE49-F238E27FC236}">
+                <a16:creationId xmlns:a16="http://schemas.microsoft.com/office/drawing/2014/main" id="{523C8BC2-2362-5E4E-90F7-DC079991DF82}"/>
+              </a:ext>
+            </a:extLst>
+          </p:cNvPr>
+          <p:cNvGrpSpPr/>
+          <p:nvPr/>
+        </p:nvGrpSpPr>
+        <p:grpSpPr>
+          <a:xfrm>
+            <a:off x="3413551" y="1446780"/>
+            <a:ext cx="5125236" cy="295687"/>
+            <a:chOff x="5663265" y="1839951"/>
+            <a:chExt cx="5125236" cy="295687"/>
+          </a:xfrm>
+        </p:grpSpPr>
+        <p:sp>
+          <p:nvSpPr>
+            <p:cNvPr id="14" name="Rectangle 13">
+              <a:extLst>
+                <a:ext uri="{FF2B5EF4-FFF2-40B4-BE49-F238E27FC236}">
+                  <a16:creationId xmlns:a16="http://schemas.microsoft.com/office/drawing/2014/main" id="{D5E7D8E6-A1D1-324A-BE75-4EBD358A1088}"/>
+                </a:ext>
+              </a:extLst>
+            </p:cNvPr>
+            <p:cNvSpPr/>
+            <p:nvPr/>
+          </p:nvSpPr>
+          <p:spPr>
+            <a:xfrm>
+              <a:off x="5663265" y="1839951"/>
+              <a:ext cx="320327" cy="295687"/>
+            </a:xfrm>
+            <a:prstGeom prst="rect">
+              <a:avLst/>
+            </a:prstGeom>
+            <a:noFill/>
+            <a:ln>
+              <a:solidFill>
+                <a:schemeClr val="tx1"/>
+              </a:solidFill>
+            </a:ln>
+          </p:spPr>
+          <p:style>
+            <a:lnRef idx="2">
+              <a:schemeClr val="accent1">
+                <a:shade val="50000"/>
+              </a:schemeClr>
+            </a:lnRef>
+            <a:fillRef idx="1">
+              <a:schemeClr val="accent1"/>
+            </a:fillRef>
+            <a:effectRef idx="0">
+              <a:schemeClr val="accent1"/>
+            </a:effectRef>
+            <a:fontRef idx="minor">
+              <a:schemeClr val="lt1"/>
+            </a:fontRef>
+          </p:style>
+          <p:txBody>
+            <a:bodyPr lIns="0" tIns="0" rIns="0" bIns="0" rtlCol="0" anchor="ctr"/>
+            <a:lstStyle/>
+            <a:p>
+              <a:pPr algn="ctr"/>
+              <a:r>
+                <a:rPr lang="en-US" sz="1100" dirty="0">
+                  <a:solidFill>
+                    <a:schemeClr val="tx1"/>
+                  </a:solidFill>
+                  <a:latin typeface="Avenir Book" panose="02000503020000020003" pitchFamily="2" charset="0"/>
+                </a:rPr>
+                <a:t>1</a:t>
+              </a:r>
+            </a:p>
+          </p:txBody>
+        </p:sp>
+        <p:sp>
+          <p:nvSpPr>
+            <p:cNvPr id="15" name="Rectangle 14">
+              <a:extLst>
+                <a:ext uri="{FF2B5EF4-FFF2-40B4-BE49-F238E27FC236}">
+                  <a16:creationId xmlns:a16="http://schemas.microsoft.com/office/drawing/2014/main" id="{3FCDDF14-FA39-F942-8A63-E78220CE0E17}"/>
+                </a:ext>
+              </a:extLst>
+            </p:cNvPr>
+            <p:cNvSpPr/>
+            <p:nvPr/>
+          </p:nvSpPr>
+          <p:spPr>
+            <a:xfrm>
+              <a:off x="5983592" y="1839951"/>
+              <a:ext cx="320327" cy="295687"/>
+            </a:xfrm>
+            <a:prstGeom prst="rect">
+              <a:avLst/>
+            </a:prstGeom>
+            <a:noFill/>
+            <a:ln>
+              <a:solidFill>
+                <a:schemeClr val="tx1"/>
+              </a:solidFill>
+            </a:ln>
+          </p:spPr>
+          <p:style>
+            <a:lnRef idx="2">
+              <a:schemeClr val="accent1">
+                <a:shade val="50000"/>
+              </a:schemeClr>
+            </a:lnRef>
+            <a:fillRef idx="1">
+              <a:schemeClr val="accent1"/>
+            </a:fillRef>
+            <a:effectRef idx="0">
+              <a:schemeClr val="accent1"/>
+            </a:effectRef>
+            <a:fontRef idx="minor">
+              <a:schemeClr val="lt1"/>
+            </a:fontRef>
+          </p:style>
+          <p:txBody>
+            <a:bodyPr lIns="0" tIns="0" rIns="0" bIns="0" rtlCol="0" anchor="ctr"/>
+            <a:lstStyle/>
+            <a:p>
+              <a:pPr algn="ctr"/>
+              <a:r>
+                <a:rPr lang="en-US" sz="1100" dirty="0">
+                  <a:solidFill>
+                    <a:schemeClr val="tx1"/>
+                  </a:solidFill>
+                  <a:latin typeface="Avenir Book" panose="02000503020000020003" pitchFamily="2" charset="0"/>
+                </a:rPr>
+                <a:t>0</a:t>
+              </a:r>
+            </a:p>
+          </p:txBody>
+        </p:sp>
+        <p:sp>
+          <p:nvSpPr>
+            <p:cNvPr id="16" name="Rectangle 15">
+              <a:extLst>
+                <a:ext uri="{FF2B5EF4-FFF2-40B4-BE49-F238E27FC236}">
+                  <a16:creationId xmlns:a16="http://schemas.microsoft.com/office/drawing/2014/main" id="{FA7810E7-2231-5249-AAC4-06EACBA085FD}"/>
+                </a:ext>
+              </a:extLst>
+            </p:cNvPr>
+            <p:cNvSpPr/>
+            <p:nvPr/>
+          </p:nvSpPr>
+          <p:spPr>
+            <a:xfrm>
+              <a:off x="6303920" y="1839951"/>
+              <a:ext cx="320327" cy="295687"/>
+            </a:xfrm>
+            <a:prstGeom prst="rect">
+              <a:avLst/>
+            </a:prstGeom>
+            <a:solidFill>
+              <a:srgbClr val="FFC000"/>
+            </a:solidFill>
+            <a:ln>
+              <a:solidFill>
+                <a:schemeClr val="tx1"/>
+              </a:solidFill>
+            </a:ln>
+          </p:spPr>
+          <p:style>
+            <a:lnRef idx="2">
+              <a:schemeClr val="accent1">
+                <a:shade val="50000"/>
+              </a:schemeClr>
+            </a:lnRef>
+            <a:fillRef idx="1">
+              <a:schemeClr val="accent1"/>
+            </a:fillRef>
+            <a:effectRef idx="0">
+              <a:schemeClr val="accent1"/>
+            </a:effectRef>
+            <a:fontRef idx="minor">
+              <a:schemeClr val="lt1"/>
+            </a:fontRef>
+          </p:style>
+          <p:txBody>
+            <a:bodyPr lIns="0" tIns="0" rIns="0" bIns="0" rtlCol="0" anchor="ctr"/>
+            <a:lstStyle/>
+            <a:p>
+              <a:pPr algn="ctr"/>
+              <a:r>
+                <a:rPr lang="en-US" sz="1100" dirty="0">
+                  <a:solidFill>
+                    <a:schemeClr val="tx1"/>
+                  </a:solidFill>
+                  <a:latin typeface="Avenir Book" panose="02000503020000020003" pitchFamily="2" charset="0"/>
+                </a:rPr>
+                <a:t>1</a:t>
+              </a:r>
+            </a:p>
+          </p:txBody>
+        </p:sp>
+        <p:sp>
+          <p:nvSpPr>
+            <p:cNvPr id="17" name="Rectangle 16">
+              <a:extLst>
+                <a:ext uri="{FF2B5EF4-FFF2-40B4-BE49-F238E27FC236}">
+                  <a16:creationId xmlns:a16="http://schemas.microsoft.com/office/drawing/2014/main" id="{558AFD39-12B7-124F-8737-C4FBD6F82E16}"/>
+                </a:ext>
+              </a:extLst>
+            </p:cNvPr>
+            <p:cNvSpPr/>
+            <p:nvPr/>
+          </p:nvSpPr>
+          <p:spPr>
+            <a:xfrm>
+              <a:off x="6624247" y="1839951"/>
+              <a:ext cx="320327" cy="295687"/>
+            </a:xfrm>
+            <a:prstGeom prst="rect">
+              <a:avLst/>
+            </a:prstGeom>
+            <a:solidFill>
+              <a:srgbClr val="FFC000"/>
+            </a:solidFill>
+            <a:ln>
+              <a:solidFill>
+                <a:schemeClr val="tx1"/>
+              </a:solidFill>
+            </a:ln>
+          </p:spPr>
+          <p:style>
+            <a:lnRef idx="2">
+              <a:schemeClr val="accent1">
+                <a:shade val="50000"/>
+              </a:schemeClr>
+            </a:lnRef>
+            <a:fillRef idx="1">
+              <a:schemeClr val="accent1"/>
+            </a:fillRef>
+            <a:effectRef idx="0">
+              <a:schemeClr val="accent1"/>
+            </a:effectRef>
+            <a:fontRef idx="minor">
+              <a:schemeClr val="lt1"/>
+            </a:fontRef>
+          </p:style>
+          <p:txBody>
+            <a:bodyPr lIns="0" tIns="0" rIns="0" bIns="0" rtlCol="0" anchor="ctr"/>
+            <a:lstStyle/>
+            <a:p>
+              <a:pPr algn="ctr"/>
+              <a:r>
+                <a:rPr lang="en-US" sz="1100" dirty="0">
+                  <a:solidFill>
+                    <a:schemeClr val="tx1"/>
+                  </a:solidFill>
+                  <a:latin typeface="Avenir Book" panose="02000503020000020003" pitchFamily="2" charset="0"/>
+                </a:rPr>
+                <a:t>0</a:t>
+              </a:r>
+            </a:p>
+          </p:txBody>
+        </p:sp>
+        <p:sp>
+          <p:nvSpPr>
+            <p:cNvPr id="18" name="Rectangle 17">
+              <a:extLst>
+                <a:ext uri="{FF2B5EF4-FFF2-40B4-BE49-F238E27FC236}">
+                  <a16:creationId xmlns:a16="http://schemas.microsoft.com/office/drawing/2014/main" id="{585F3D7B-2996-B04A-A7A0-2AAF928424FD}"/>
+                </a:ext>
+              </a:extLst>
+            </p:cNvPr>
+            <p:cNvSpPr/>
+            <p:nvPr/>
+          </p:nvSpPr>
+          <p:spPr>
+            <a:xfrm>
+              <a:off x="6944574" y="1839951"/>
+              <a:ext cx="320327" cy="295687"/>
+            </a:xfrm>
+            <a:prstGeom prst="rect">
+              <a:avLst/>
+            </a:prstGeom>
+            <a:noFill/>
+            <a:ln>
+              <a:solidFill>
+                <a:schemeClr val="tx1"/>
+              </a:solidFill>
+            </a:ln>
+          </p:spPr>
+          <p:style>
+            <a:lnRef idx="2">
+              <a:schemeClr val="accent1">
+                <a:shade val="50000"/>
+              </a:schemeClr>
+            </a:lnRef>
+            <a:fillRef idx="1">
+              <a:schemeClr val="accent1"/>
+            </a:fillRef>
+            <a:effectRef idx="0">
+              <a:schemeClr val="accent1"/>
+            </a:effectRef>
+            <a:fontRef idx="minor">
+              <a:schemeClr val="lt1"/>
+            </a:fontRef>
+          </p:style>
+          <p:txBody>
+            <a:bodyPr lIns="0" tIns="0" rIns="0" bIns="0" rtlCol="0" anchor="ctr"/>
+            <a:lstStyle/>
+            <a:p>
+              <a:pPr algn="ctr"/>
+              <a:r>
+                <a:rPr lang="en-US" sz="1100" dirty="0">
+                  <a:solidFill>
+                    <a:schemeClr val="tx1"/>
+                  </a:solidFill>
+                  <a:latin typeface="Avenir Book" panose="02000503020000020003" pitchFamily="2" charset="0"/>
+                </a:rPr>
+                <a:t>1</a:t>
+              </a:r>
+            </a:p>
+          </p:txBody>
+        </p:sp>
+        <p:sp>
+          <p:nvSpPr>
+            <p:cNvPr id="19" name="Rectangle 18">
+              <a:extLst>
+                <a:ext uri="{FF2B5EF4-FFF2-40B4-BE49-F238E27FC236}">
+                  <a16:creationId xmlns:a16="http://schemas.microsoft.com/office/drawing/2014/main" id="{4CD8A224-7BB8-6B4A-A82D-980DBBDD0645}"/>
+                </a:ext>
+              </a:extLst>
+            </p:cNvPr>
+            <p:cNvSpPr/>
+            <p:nvPr/>
+          </p:nvSpPr>
+          <p:spPr>
+            <a:xfrm>
+              <a:off x="7264901" y="1839951"/>
+              <a:ext cx="320327" cy="295687"/>
+            </a:xfrm>
+            <a:prstGeom prst="rect">
+              <a:avLst/>
+            </a:prstGeom>
+            <a:solidFill>
+              <a:srgbClr val="FFC000"/>
+            </a:solidFill>
+            <a:ln>
+              <a:solidFill>
+                <a:schemeClr val="tx1"/>
+              </a:solidFill>
+            </a:ln>
+          </p:spPr>
+          <p:style>
+            <a:lnRef idx="2">
+              <a:schemeClr val="accent1">
+                <a:shade val="50000"/>
+              </a:schemeClr>
+            </a:lnRef>
+            <a:fillRef idx="1">
+              <a:schemeClr val="accent1"/>
+            </a:fillRef>
+            <a:effectRef idx="0">
+              <a:schemeClr val="accent1"/>
+            </a:effectRef>
+            <a:fontRef idx="minor">
+              <a:schemeClr val="lt1"/>
+            </a:fontRef>
+          </p:style>
+          <p:txBody>
+            <a:bodyPr lIns="0" tIns="0" rIns="0" bIns="0" rtlCol="0" anchor="ctr"/>
+            <a:lstStyle/>
+            <a:p>
+              <a:pPr algn="ctr"/>
+              <a:r>
+                <a:rPr lang="en-US" sz="1100" dirty="0">
+                  <a:solidFill>
+                    <a:schemeClr val="tx1"/>
+                  </a:solidFill>
+                  <a:latin typeface="Avenir Book" panose="02000503020000020003" pitchFamily="2" charset="0"/>
+                </a:rPr>
+                <a:t>1</a:t>
+              </a:r>
+            </a:p>
+          </p:txBody>
+        </p:sp>
+        <p:sp>
+          <p:nvSpPr>
+            <p:cNvPr id="26" name="Rectangle 25">
+              <a:extLst>
+                <a:ext uri="{FF2B5EF4-FFF2-40B4-BE49-F238E27FC236}">
+                  <a16:creationId xmlns:a16="http://schemas.microsoft.com/office/drawing/2014/main" id="{3BF46E8A-513B-6B48-B44C-3175CD893B42}"/>
+                </a:ext>
+              </a:extLst>
+            </p:cNvPr>
+            <p:cNvSpPr/>
+            <p:nvPr/>
+          </p:nvSpPr>
+          <p:spPr>
+            <a:xfrm>
+              <a:off x="7585229" y="1839951"/>
+              <a:ext cx="320327" cy="295687"/>
+            </a:xfrm>
+            <a:prstGeom prst="rect">
+              <a:avLst/>
+            </a:prstGeom>
+            <a:noFill/>
+            <a:ln>
+              <a:solidFill>
+                <a:schemeClr val="tx1"/>
+              </a:solidFill>
+            </a:ln>
+          </p:spPr>
+          <p:style>
+            <a:lnRef idx="2">
+              <a:schemeClr val="accent1">
+                <a:shade val="50000"/>
+              </a:schemeClr>
+            </a:lnRef>
+            <a:fillRef idx="1">
+              <a:schemeClr val="accent1"/>
+            </a:fillRef>
+            <a:effectRef idx="0">
+              <a:schemeClr val="accent1"/>
+            </a:effectRef>
+            <a:fontRef idx="minor">
+              <a:schemeClr val="lt1"/>
+            </a:fontRef>
+          </p:style>
+          <p:txBody>
+            <a:bodyPr lIns="0" tIns="0" rIns="0" bIns="0" rtlCol="0" anchor="ctr"/>
+            <a:lstStyle/>
+            <a:p>
+              <a:pPr algn="ctr"/>
+              <a:r>
+                <a:rPr lang="en-US" sz="1100" dirty="0">
+                  <a:solidFill>
+                    <a:schemeClr val="tx1"/>
+                  </a:solidFill>
+                  <a:latin typeface="Avenir Book" panose="02000503020000020003" pitchFamily="2" charset="0"/>
+                </a:rPr>
+                <a:t>1</a:t>
+              </a:r>
+            </a:p>
+          </p:txBody>
+        </p:sp>
+        <p:sp>
+          <p:nvSpPr>
+            <p:cNvPr id="27" name="Rectangle 26">
+              <a:extLst>
+                <a:ext uri="{FF2B5EF4-FFF2-40B4-BE49-F238E27FC236}">
+                  <a16:creationId xmlns:a16="http://schemas.microsoft.com/office/drawing/2014/main" id="{4E8250CA-6576-304C-9F19-0949454DC37B}"/>
+                </a:ext>
+              </a:extLst>
+            </p:cNvPr>
+            <p:cNvSpPr/>
+            <p:nvPr/>
+          </p:nvSpPr>
+          <p:spPr>
+            <a:xfrm>
+              <a:off x="7905556" y="1839951"/>
+              <a:ext cx="320327" cy="295687"/>
+            </a:xfrm>
+            <a:prstGeom prst="rect">
+              <a:avLst/>
+            </a:prstGeom>
+            <a:noFill/>
+            <a:ln>
+              <a:solidFill>
+                <a:schemeClr val="tx1"/>
+              </a:solidFill>
+            </a:ln>
+          </p:spPr>
+          <p:style>
+            <a:lnRef idx="2">
+              <a:schemeClr val="accent1">
+                <a:shade val="50000"/>
+              </a:schemeClr>
+            </a:lnRef>
+            <a:fillRef idx="1">
+              <a:schemeClr val="accent1"/>
+            </a:fillRef>
+            <a:effectRef idx="0">
+              <a:schemeClr val="accent1"/>
+            </a:effectRef>
+            <a:fontRef idx="minor">
+              <a:schemeClr val="lt1"/>
+            </a:fontRef>
+          </p:style>
+          <p:txBody>
+            <a:bodyPr lIns="0" tIns="0" rIns="0" bIns="0" rtlCol="0" anchor="ctr"/>
+            <a:lstStyle/>
+            <a:p>
+              <a:pPr algn="ctr"/>
+              <a:r>
+                <a:rPr lang="en-US" sz="1100" dirty="0">
+                  <a:solidFill>
+                    <a:schemeClr val="tx1"/>
+                  </a:solidFill>
+                  <a:latin typeface="Avenir Book" panose="02000503020000020003" pitchFamily="2" charset="0"/>
+                </a:rPr>
+                <a:t>0</a:t>
+              </a:r>
+            </a:p>
+          </p:txBody>
+        </p:sp>
+        <p:sp>
+          <p:nvSpPr>
+            <p:cNvPr id="49" name="Rectangle 48">
+              <a:extLst>
+                <a:ext uri="{FF2B5EF4-FFF2-40B4-BE49-F238E27FC236}">
+                  <a16:creationId xmlns:a16="http://schemas.microsoft.com/office/drawing/2014/main" id="{B4DED3E0-B00B-194E-B77B-11E9598173D3}"/>
+                </a:ext>
+              </a:extLst>
+            </p:cNvPr>
+            <p:cNvSpPr/>
+            <p:nvPr/>
+          </p:nvSpPr>
+          <p:spPr>
+            <a:xfrm>
+              <a:off x="8225883" y="1839951"/>
+              <a:ext cx="320327" cy="295687"/>
+            </a:xfrm>
+            <a:prstGeom prst="rect">
+              <a:avLst/>
+            </a:prstGeom>
+            <a:noFill/>
+            <a:ln>
+              <a:solidFill>
+                <a:schemeClr val="tx1"/>
+              </a:solidFill>
+            </a:ln>
+          </p:spPr>
+          <p:style>
+            <a:lnRef idx="2">
+              <a:schemeClr val="accent1">
+                <a:shade val="50000"/>
+              </a:schemeClr>
+            </a:lnRef>
+            <a:fillRef idx="1">
+              <a:schemeClr val="accent1"/>
+            </a:fillRef>
+            <a:effectRef idx="0">
+              <a:schemeClr val="accent1"/>
+            </a:effectRef>
+            <a:fontRef idx="minor">
+              <a:schemeClr val="lt1"/>
+            </a:fontRef>
+          </p:style>
+          <p:txBody>
+            <a:bodyPr lIns="0" tIns="0" rIns="0" bIns="0" rtlCol="0" anchor="ctr"/>
+            <a:lstStyle/>
+            <a:p>
+              <a:pPr algn="ctr"/>
+              <a:r>
+                <a:rPr lang="en-US" sz="1100" dirty="0">
+                  <a:solidFill>
+                    <a:schemeClr val="tx1"/>
+                  </a:solidFill>
+                  <a:latin typeface="Avenir Book" panose="02000503020000020003" pitchFamily="2" charset="0"/>
+                </a:rPr>
+                <a:t>0</a:t>
+              </a:r>
+            </a:p>
+          </p:txBody>
+        </p:sp>
+        <p:sp>
+          <p:nvSpPr>
+            <p:cNvPr id="50" name="Rectangle 49">
+              <a:extLst>
+                <a:ext uri="{FF2B5EF4-FFF2-40B4-BE49-F238E27FC236}">
+                  <a16:creationId xmlns:a16="http://schemas.microsoft.com/office/drawing/2014/main" id="{CA7B9F6E-883C-6B44-9C42-D8B19125F530}"/>
+                </a:ext>
+              </a:extLst>
+            </p:cNvPr>
+            <p:cNvSpPr/>
+            <p:nvPr/>
+          </p:nvSpPr>
+          <p:spPr>
+            <a:xfrm>
+              <a:off x="8546210" y="1839951"/>
+              <a:ext cx="320327" cy="295687"/>
+            </a:xfrm>
+            <a:prstGeom prst="rect">
+              <a:avLst/>
+            </a:prstGeom>
+            <a:noFill/>
+            <a:ln>
+              <a:solidFill>
+                <a:schemeClr val="tx1"/>
+              </a:solidFill>
+            </a:ln>
+          </p:spPr>
+          <p:style>
+            <a:lnRef idx="2">
+              <a:schemeClr val="accent1">
+                <a:shade val="50000"/>
+              </a:schemeClr>
+            </a:lnRef>
+            <a:fillRef idx="1">
+              <a:schemeClr val="accent1"/>
+            </a:fillRef>
+            <a:effectRef idx="0">
+              <a:schemeClr val="accent1"/>
+            </a:effectRef>
+            <a:fontRef idx="minor">
+              <a:schemeClr val="lt1"/>
+            </a:fontRef>
+          </p:style>
+          <p:txBody>
+            <a:bodyPr lIns="0" tIns="0" rIns="0" bIns="0" rtlCol="0" anchor="ctr"/>
+            <a:lstStyle/>
+            <a:p>
+              <a:pPr algn="ctr"/>
+              <a:r>
+                <a:rPr lang="en-US" sz="1100" dirty="0">
+                  <a:solidFill>
+                    <a:schemeClr val="tx1"/>
+                  </a:solidFill>
+                  <a:latin typeface="Avenir Book" panose="02000503020000020003" pitchFamily="2" charset="0"/>
+                </a:rPr>
+                <a:t>0</a:t>
+              </a:r>
+            </a:p>
+          </p:txBody>
+        </p:sp>
+        <p:sp>
+          <p:nvSpPr>
+            <p:cNvPr id="51" name="Rectangle 50">
+              <a:extLst>
+                <a:ext uri="{FF2B5EF4-FFF2-40B4-BE49-F238E27FC236}">
+                  <a16:creationId xmlns:a16="http://schemas.microsoft.com/office/drawing/2014/main" id="{8F9FD361-20E6-DD47-9CF3-5BD5EEA7DE11}"/>
+                </a:ext>
+              </a:extLst>
+            </p:cNvPr>
+            <p:cNvSpPr/>
+            <p:nvPr/>
+          </p:nvSpPr>
+          <p:spPr>
+            <a:xfrm>
+              <a:off x="8866538" y="1839951"/>
+              <a:ext cx="320327" cy="295687"/>
+            </a:xfrm>
+            <a:prstGeom prst="rect">
+              <a:avLst/>
+            </a:prstGeom>
+            <a:solidFill>
+              <a:srgbClr val="FFC000"/>
+            </a:solidFill>
+            <a:ln>
+              <a:solidFill>
+                <a:schemeClr val="tx1"/>
+              </a:solidFill>
+            </a:ln>
+          </p:spPr>
+          <p:style>
+            <a:lnRef idx="2">
+              <a:schemeClr val="accent1">
+                <a:shade val="50000"/>
+              </a:schemeClr>
+            </a:lnRef>
+            <a:fillRef idx="1">
+              <a:schemeClr val="accent1"/>
+            </a:fillRef>
+            <a:effectRef idx="0">
+              <a:schemeClr val="accent1"/>
+            </a:effectRef>
+            <a:fontRef idx="minor">
+              <a:schemeClr val="lt1"/>
+            </a:fontRef>
+          </p:style>
+          <p:txBody>
+            <a:bodyPr lIns="0" tIns="0" rIns="0" bIns="0" rtlCol="0" anchor="ctr"/>
+            <a:lstStyle/>
+            <a:p>
+              <a:pPr algn="ctr"/>
+              <a:r>
+                <a:rPr lang="en-US" sz="1100" dirty="0">
+                  <a:solidFill>
+                    <a:schemeClr val="tx1"/>
+                  </a:solidFill>
+                  <a:latin typeface="Avenir Book" panose="02000503020000020003" pitchFamily="2" charset="0"/>
+                </a:rPr>
+                <a:t>1</a:t>
+              </a:r>
+            </a:p>
+          </p:txBody>
+        </p:sp>
+        <p:sp>
+          <p:nvSpPr>
+            <p:cNvPr id="52" name="Rectangle 51">
+              <a:extLst>
+                <a:ext uri="{FF2B5EF4-FFF2-40B4-BE49-F238E27FC236}">
+                  <a16:creationId xmlns:a16="http://schemas.microsoft.com/office/drawing/2014/main" id="{E1E64CDB-0D46-5046-B31C-987A12A71EB9}"/>
+                </a:ext>
+              </a:extLst>
+            </p:cNvPr>
+            <p:cNvSpPr/>
+            <p:nvPr/>
+          </p:nvSpPr>
+          <p:spPr>
+            <a:xfrm>
+              <a:off x="9186865" y="1839951"/>
+              <a:ext cx="320327" cy="295687"/>
+            </a:xfrm>
+            <a:prstGeom prst="rect">
+              <a:avLst/>
+            </a:prstGeom>
+            <a:solidFill>
+              <a:srgbClr val="FFC000"/>
+            </a:solidFill>
+            <a:ln>
+              <a:solidFill>
+                <a:schemeClr val="tx1"/>
+              </a:solidFill>
+            </a:ln>
+          </p:spPr>
+          <p:style>
+            <a:lnRef idx="2">
+              <a:schemeClr val="accent1">
+                <a:shade val="50000"/>
+              </a:schemeClr>
+            </a:lnRef>
+            <a:fillRef idx="1">
+              <a:schemeClr val="accent1"/>
+            </a:fillRef>
+            <a:effectRef idx="0">
+              <a:schemeClr val="accent1"/>
+            </a:effectRef>
+            <a:fontRef idx="minor">
+              <a:schemeClr val="lt1"/>
+            </a:fontRef>
+          </p:style>
+          <p:txBody>
+            <a:bodyPr lIns="0" tIns="0" rIns="0" bIns="0" rtlCol="0" anchor="ctr"/>
+            <a:lstStyle/>
+            <a:p>
+              <a:pPr algn="ctr"/>
+              <a:r>
+                <a:rPr lang="en-US" sz="1100" dirty="0">
+                  <a:solidFill>
+                    <a:schemeClr val="tx1"/>
+                  </a:solidFill>
+                  <a:latin typeface="Avenir Book" panose="02000503020000020003" pitchFamily="2" charset="0"/>
+                </a:rPr>
+                <a:t>1</a:t>
+              </a:r>
+            </a:p>
+          </p:txBody>
+        </p:sp>
+        <p:sp>
+          <p:nvSpPr>
+            <p:cNvPr id="53" name="Rectangle 52">
+              <a:extLst>
+                <a:ext uri="{FF2B5EF4-FFF2-40B4-BE49-F238E27FC236}">
+                  <a16:creationId xmlns:a16="http://schemas.microsoft.com/office/drawing/2014/main" id="{3A41CC65-EFBB-AE44-AE4B-90250AEBC226}"/>
+                </a:ext>
+              </a:extLst>
+            </p:cNvPr>
+            <p:cNvSpPr/>
+            <p:nvPr/>
+          </p:nvSpPr>
+          <p:spPr>
+            <a:xfrm>
+              <a:off x="9507192" y="1839951"/>
+              <a:ext cx="320327" cy="295687"/>
+            </a:xfrm>
+            <a:prstGeom prst="rect">
+              <a:avLst/>
+            </a:prstGeom>
+            <a:noFill/>
+            <a:ln>
+              <a:solidFill>
+                <a:schemeClr val="tx1"/>
+              </a:solidFill>
+            </a:ln>
+          </p:spPr>
+          <p:style>
+            <a:lnRef idx="2">
+              <a:schemeClr val="accent1">
+                <a:shade val="50000"/>
+              </a:schemeClr>
+            </a:lnRef>
+            <a:fillRef idx="1">
+              <a:schemeClr val="accent1"/>
+            </a:fillRef>
+            <a:effectRef idx="0">
+              <a:schemeClr val="accent1"/>
+            </a:effectRef>
+            <a:fontRef idx="minor">
+              <a:schemeClr val="lt1"/>
+            </a:fontRef>
+          </p:style>
+          <p:txBody>
+            <a:bodyPr lIns="0" tIns="0" rIns="0" bIns="0" rtlCol="0" anchor="ctr"/>
+            <a:lstStyle/>
+            <a:p>
+              <a:pPr algn="ctr"/>
+              <a:r>
+                <a:rPr lang="en-US" sz="1100" dirty="0">
+                  <a:solidFill>
+                    <a:schemeClr val="tx1"/>
+                  </a:solidFill>
+                  <a:latin typeface="Avenir Book" panose="02000503020000020003" pitchFamily="2" charset="0"/>
+                </a:rPr>
+                <a:t>1</a:t>
+              </a:r>
+            </a:p>
+          </p:txBody>
+        </p:sp>
+        <p:sp>
+          <p:nvSpPr>
+            <p:cNvPr id="54" name="Rectangle 53">
+              <a:extLst>
+                <a:ext uri="{FF2B5EF4-FFF2-40B4-BE49-F238E27FC236}">
+                  <a16:creationId xmlns:a16="http://schemas.microsoft.com/office/drawing/2014/main" id="{84B10D8A-DC94-C04B-8A87-15387B83C215}"/>
+                </a:ext>
+              </a:extLst>
+            </p:cNvPr>
+            <p:cNvSpPr/>
+            <p:nvPr/>
+          </p:nvSpPr>
+          <p:spPr>
+            <a:xfrm>
+              <a:off x="9827519" y="1839951"/>
+              <a:ext cx="320327" cy="295687"/>
+            </a:xfrm>
+            <a:prstGeom prst="rect">
+              <a:avLst/>
+            </a:prstGeom>
+            <a:solidFill>
+              <a:srgbClr val="FFC000"/>
+            </a:solidFill>
+            <a:ln>
+              <a:solidFill>
+                <a:schemeClr val="tx1"/>
+              </a:solidFill>
+            </a:ln>
+          </p:spPr>
+          <p:style>
+            <a:lnRef idx="2">
+              <a:schemeClr val="accent1">
+                <a:shade val="50000"/>
+              </a:schemeClr>
+            </a:lnRef>
+            <a:fillRef idx="1">
+              <a:schemeClr val="accent1"/>
+            </a:fillRef>
+            <a:effectRef idx="0">
+              <a:schemeClr val="accent1"/>
+            </a:effectRef>
+            <a:fontRef idx="minor">
+              <a:schemeClr val="lt1"/>
+            </a:fontRef>
+          </p:style>
+          <p:txBody>
+            <a:bodyPr lIns="0" tIns="0" rIns="0" bIns="0" rtlCol="0" anchor="ctr"/>
+            <a:lstStyle/>
+            <a:p>
+              <a:pPr algn="ctr"/>
+              <a:r>
+                <a:rPr lang="en-US" sz="1100" dirty="0">
+                  <a:solidFill>
+                    <a:schemeClr val="tx1"/>
+                  </a:solidFill>
+                  <a:latin typeface="Avenir Book" panose="02000503020000020003" pitchFamily="2" charset="0"/>
+                </a:rPr>
+                <a:t>0</a:t>
+              </a:r>
+            </a:p>
+          </p:txBody>
+        </p:sp>
+        <p:sp>
+          <p:nvSpPr>
+            <p:cNvPr id="55" name="Rectangle 54">
+              <a:extLst>
+                <a:ext uri="{FF2B5EF4-FFF2-40B4-BE49-F238E27FC236}">
+                  <a16:creationId xmlns:a16="http://schemas.microsoft.com/office/drawing/2014/main" id="{C2F193BA-89B1-9E44-BCE1-E6618E3780B1}"/>
+                </a:ext>
+              </a:extLst>
+            </p:cNvPr>
+            <p:cNvSpPr/>
+            <p:nvPr/>
+          </p:nvSpPr>
+          <p:spPr>
+            <a:xfrm>
+              <a:off x="10147847" y="1839951"/>
+              <a:ext cx="320327" cy="295687"/>
+            </a:xfrm>
+            <a:prstGeom prst="rect">
+              <a:avLst/>
+            </a:prstGeom>
+            <a:noFill/>
+            <a:ln>
+              <a:solidFill>
+                <a:schemeClr val="tx1"/>
+              </a:solidFill>
+            </a:ln>
+          </p:spPr>
+          <p:style>
+            <a:lnRef idx="2">
+              <a:schemeClr val="accent1">
+                <a:shade val="50000"/>
+              </a:schemeClr>
+            </a:lnRef>
+            <a:fillRef idx="1">
+              <a:schemeClr val="accent1"/>
+            </a:fillRef>
+            <a:effectRef idx="0">
+              <a:schemeClr val="accent1"/>
+            </a:effectRef>
+            <a:fontRef idx="minor">
+              <a:schemeClr val="lt1"/>
+            </a:fontRef>
+          </p:style>
+          <p:txBody>
+            <a:bodyPr lIns="0" tIns="0" rIns="0" bIns="0" rtlCol="0" anchor="ctr"/>
+            <a:lstStyle/>
+            <a:p>
+              <a:pPr algn="ctr"/>
+              <a:r>
+                <a:rPr lang="en-US" sz="1100" dirty="0">
+                  <a:solidFill>
+                    <a:schemeClr val="tx1"/>
+                  </a:solidFill>
+                  <a:latin typeface="Avenir Book" panose="02000503020000020003" pitchFamily="2" charset="0"/>
+                </a:rPr>
+                <a:t>1</a:t>
+              </a:r>
+            </a:p>
+          </p:txBody>
+        </p:sp>
+        <p:sp>
+          <p:nvSpPr>
+            <p:cNvPr id="56" name="Rectangle 55">
+              <a:extLst>
+                <a:ext uri="{FF2B5EF4-FFF2-40B4-BE49-F238E27FC236}">
+                  <a16:creationId xmlns:a16="http://schemas.microsoft.com/office/drawing/2014/main" id="{B96A75CF-7FF9-614A-A909-A1CDEBF33DF0}"/>
+                </a:ext>
+              </a:extLst>
+            </p:cNvPr>
+            <p:cNvSpPr/>
+            <p:nvPr/>
+          </p:nvSpPr>
+          <p:spPr>
+            <a:xfrm>
+              <a:off x="10468174" y="1839951"/>
+              <a:ext cx="320327" cy="295687"/>
+            </a:xfrm>
+            <a:prstGeom prst="rect">
+              <a:avLst/>
+            </a:prstGeom>
+            <a:noFill/>
+            <a:ln>
+              <a:solidFill>
+                <a:schemeClr val="tx1"/>
+              </a:solidFill>
+            </a:ln>
+          </p:spPr>
+          <p:style>
+            <a:lnRef idx="2">
+              <a:schemeClr val="accent1">
+                <a:shade val="50000"/>
+              </a:schemeClr>
+            </a:lnRef>
+            <a:fillRef idx="1">
+              <a:schemeClr val="accent1"/>
+            </a:fillRef>
+            <a:effectRef idx="0">
+              <a:schemeClr val="accent1"/>
+            </a:effectRef>
+            <a:fontRef idx="minor">
+              <a:schemeClr val="lt1"/>
+            </a:fontRef>
+          </p:style>
+          <p:txBody>
+            <a:bodyPr lIns="0" tIns="0" rIns="0" bIns="0" rtlCol="0" anchor="ctr"/>
+            <a:lstStyle/>
+            <a:p>
+              <a:pPr algn="ctr"/>
+              <a:r>
+                <a:rPr lang="en-US" sz="1100" dirty="0">
+                  <a:solidFill>
+                    <a:schemeClr val="tx1"/>
+                  </a:solidFill>
+                  <a:latin typeface="Avenir Book" panose="02000503020000020003" pitchFamily="2" charset="0"/>
+                </a:rPr>
+                <a:t>0</a:t>
+              </a:r>
+            </a:p>
+          </p:txBody>
+        </p:sp>
+      </p:grpSp>
+      <p:grpSp>
+        <p:nvGrpSpPr>
+          <p:cNvPr id="58" name="Group 57">
+            <a:extLst>
+              <a:ext uri="{FF2B5EF4-FFF2-40B4-BE49-F238E27FC236}">
+                <a16:creationId xmlns:a16="http://schemas.microsoft.com/office/drawing/2014/main" id="{0B5C4FF3-C75C-EB49-8514-EFF43275DB7A}"/>
+              </a:ext>
+            </a:extLst>
+          </p:cNvPr>
+          <p:cNvGrpSpPr/>
+          <p:nvPr/>
+        </p:nvGrpSpPr>
+        <p:grpSpPr>
+          <a:xfrm>
+            <a:off x="3413551" y="2461197"/>
+            <a:ext cx="5125236" cy="295687"/>
+            <a:chOff x="5663265" y="1839951"/>
+            <a:chExt cx="5125236" cy="295687"/>
+          </a:xfrm>
+        </p:grpSpPr>
+        <p:sp>
+          <p:nvSpPr>
+            <p:cNvPr id="59" name="Rectangle 58">
+              <a:extLst>
+                <a:ext uri="{FF2B5EF4-FFF2-40B4-BE49-F238E27FC236}">
+                  <a16:creationId xmlns:a16="http://schemas.microsoft.com/office/drawing/2014/main" id="{3D030287-5055-234E-A4BB-DEF5359D6AC4}"/>
+                </a:ext>
+              </a:extLst>
+            </p:cNvPr>
+            <p:cNvSpPr/>
+            <p:nvPr/>
+          </p:nvSpPr>
+          <p:spPr>
+            <a:xfrm>
+              <a:off x="5663265" y="1839951"/>
+              <a:ext cx="320327" cy="295687"/>
+            </a:xfrm>
+            <a:prstGeom prst="rect">
+              <a:avLst/>
+            </a:prstGeom>
+            <a:noFill/>
+            <a:ln>
+              <a:solidFill>
+                <a:schemeClr val="tx1"/>
+              </a:solidFill>
+            </a:ln>
+          </p:spPr>
+          <p:style>
+            <a:lnRef idx="2">
+              <a:schemeClr val="accent1">
+                <a:shade val="50000"/>
+              </a:schemeClr>
+            </a:lnRef>
+            <a:fillRef idx="1">
+              <a:schemeClr val="accent1"/>
+            </a:fillRef>
+            <a:effectRef idx="0">
+              <a:schemeClr val="accent1"/>
+            </a:effectRef>
+            <a:fontRef idx="minor">
+              <a:schemeClr val="lt1"/>
+            </a:fontRef>
+          </p:style>
+          <p:txBody>
+            <a:bodyPr lIns="0" tIns="0" rIns="0" bIns="0" rtlCol="0" anchor="ctr"/>
+            <a:lstStyle/>
+            <a:p>
+              <a:pPr algn="ctr"/>
+              <a:r>
+                <a:rPr lang="en-US" sz="1100" dirty="0">
+                  <a:solidFill>
+                    <a:schemeClr val="tx1"/>
+                  </a:solidFill>
+                  <a:latin typeface="Avenir Book" panose="02000503020000020003" pitchFamily="2" charset="0"/>
+                </a:rPr>
+                <a:t>1</a:t>
+              </a:r>
+            </a:p>
+          </p:txBody>
+        </p:sp>
+        <p:sp>
+          <p:nvSpPr>
+            <p:cNvPr id="60" name="Rectangle 59">
+              <a:extLst>
+                <a:ext uri="{FF2B5EF4-FFF2-40B4-BE49-F238E27FC236}">
+                  <a16:creationId xmlns:a16="http://schemas.microsoft.com/office/drawing/2014/main" id="{38427783-6342-8243-AC30-74EF0BD45513}"/>
+                </a:ext>
+              </a:extLst>
+            </p:cNvPr>
+            <p:cNvSpPr/>
+            <p:nvPr/>
+          </p:nvSpPr>
+          <p:spPr>
+            <a:xfrm>
+              <a:off x="5983592" y="1839951"/>
+              <a:ext cx="320327" cy="295687"/>
+            </a:xfrm>
+            <a:prstGeom prst="rect">
+              <a:avLst/>
+            </a:prstGeom>
+            <a:noFill/>
+            <a:ln>
+              <a:solidFill>
+                <a:schemeClr val="tx1"/>
+              </a:solidFill>
+            </a:ln>
+          </p:spPr>
+          <p:style>
+            <a:lnRef idx="2">
+              <a:schemeClr val="accent1">
+                <a:shade val="50000"/>
+              </a:schemeClr>
+            </a:lnRef>
+            <a:fillRef idx="1">
+              <a:schemeClr val="accent1"/>
+            </a:fillRef>
+            <a:effectRef idx="0">
+              <a:schemeClr val="accent1"/>
+            </a:effectRef>
+            <a:fontRef idx="minor">
+              <a:schemeClr val="lt1"/>
+            </a:fontRef>
+          </p:style>
+          <p:txBody>
+            <a:bodyPr lIns="0" tIns="0" rIns="0" bIns="0" rtlCol="0" anchor="ctr"/>
+            <a:lstStyle/>
+            <a:p>
+              <a:pPr algn="ctr"/>
+              <a:r>
+                <a:rPr lang="en-US" sz="1100" dirty="0">
+                  <a:solidFill>
+                    <a:schemeClr val="tx1"/>
+                  </a:solidFill>
+                  <a:latin typeface="Avenir Book" panose="02000503020000020003" pitchFamily="2" charset="0"/>
+                </a:rPr>
+                <a:t>0</a:t>
+              </a:r>
+            </a:p>
+          </p:txBody>
+        </p:sp>
+        <p:sp>
+          <p:nvSpPr>
+            <p:cNvPr id="61" name="Rectangle 60">
+              <a:extLst>
+                <a:ext uri="{FF2B5EF4-FFF2-40B4-BE49-F238E27FC236}">
+                  <a16:creationId xmlns:a16="http://schemas.microsoft.com/office/drawing/2014/main" id="{C80D475F-97F8-7549-AB0A-21B3F56D3BFD}"/>
+                </a:ext>
+              </a:extLst>
+            </p:cNvPr>
+            <p:cNvSpPr/>
+            <p:nvPr/>
+          </p:nvSpPr>
+          <p:spPr>
+            <a:xfrm>
+              <a:off x="6303920" y="1839951"/>
+              <a:ext cx="320327" cy="295687"/>
+            </a:xfrm>
+            <a:prstGeom prst="rect">
+              <a:avLst/>
+            </a:prstGeom>
+            <a:solidFill>
+              <a:srgbClr val="FFC000"/>
+            </a:solidFill>
+            <a:ln>
+              <a:solidFill>
+                <a:schemeClr val="tx1"/>
+              </a:solidFill>
+            </a:ln>
+          </p:spPr>
+          <p:style>
+            <a:lnRef idx="2">
+              <a:schemeClr val="accent1">
+                <a:shade val="50000"/>
+              </a:schemeClr>
+            </a:lnRef>
+            <a:fillRef idx="1">
+              <a:schemeClr val="accent1"/>
+            </a:fillRef>
+            <a:effectRef idx="0">
+              <a:schemeClr val="accent1"/>
+            </a:effectRef>
+            <a:fontRef idx="minor">
+              <a:schemeClr val="lt1"/>
+            </a:fontRef>
+          </p:style>
+          <p:txBody>
+            <a:bodyPr lIns="0" tIns="0" rIns="0" bIns="0" rtlCol="0" anchor="ctr"/>
+            <a:lstStyle/>
+            <a:p>
+              <a:pPr algn="ctr"/>
+              <a:r>
+                <a:rPr lang="en-US" sz="1100" dirty="0">
+                  <a:solidFill>
+                    <a:schemeClr val="tx1"/>
+                  </a:solidFill>
+                  <a:latin typeface="Avenir Book" panose="02000503020000020003" pitchFamily="2" charset="0"/>
+                </a:rPr>
+                <a:t>1</a:t>
+              </a:r>
+            </a:p>
+          </p:txBody>
+        </p:sp>
+        <p:sp>
+          <p:nvSpPr>
+            <p:cNvPr id="62" name="Rectangle 61">
+              <a:extLst>
+                <a:ext uri="{FF2B5EF4-FFF2-40B4-BE49-F238E27FC236}">
+                  <a16:creationId xmlns:a16="http://schemas.microsoft.com/office/drawing/2014/main" id="{BAD7DF40-7136-714D-8F7B-3E1D9C6DD8D2}"/>
+                </a:ext>
+              </a:extLst>
+            </p:cNvPr>
+            <p:cNvSpPr/>
+            <p:nvPr/>
+          </p:nvSpPr>
+          <p:spPr>
+            <a:xfrm>
+              <a:off x="6624247" y="1839951"/>
+              <a:ext cx="320327" cy="295687"/>
+            </a:xfrm>
+            <a:prstGeom prst="rect">
+              <a:avLst/>
+            </a:prstGeom>
+            <a:noFill/>
+            <a:ln>
+              <a:solidFill>
+                <a:schemeClr val="tx1"/>
+              </a:solidFill>
+            </a:ln>
+          </p:spPr>
+          <p:style>
+            <a:lnRef idx="2">
+              <a:schemeClr val="accent1">
+                <a:shade val="50000"/>
+              </a:schemeClr>
+            </a:lnRef>
+            <a:fillRef idx="1">
+              <a:schemeClr val="accent1"/>
+            </a:fillRef>
+            <a:effectRef idx="0">
+              <a:schemeClr val="accent1"/>
+            </a:effectRef>
+            <a:fontRef idx="minor">
+              <a:schemeClr val="lt1"/>
+            </a:fontRef>
+          </p:style>
+          <p:txBody>
+            <a:bodyPr lIns="0" tIns="0" rIns="0" bIns="0" rtlCol="0" anchor="ctr"/>
+            <a:lstStyle/>
+            <a:p>
+              <a:pPr algn="ctr"/>
+              <a:r>
+                <a:rPr lang="en-US" sz="1100" dirty="0">
+                  <a:solidFill>
+                    <a:schemeClr val="tx1"/>
+                  </a:solidFill>
+                  <a:latin typeface="Avenir Book" panose="02000503020000020003" pitchFamily="2" charset="0"/>
+                </a:rPr>
+                <a:t>1</a:t>
+              </a:r>
+            </a:p>
+          </p:txBody>
+        </p:sp>
+        <p:sp>
+          <p:nvSpPr>
+            <p:cNvPr id="63" name="Rectangle 62">
+              <a:extLst>
+                <a:ext uri="{FF2B5EF4-FFF2-40B4-BE49-F238E27FC236}">
+                  <a16:creationId xmlns:a16="http://schemas.microsoft.com/office/drawing/2014/main" id="{2F57073B-09EC-3B42-9C81-CF520748A09C}"/>
+                </a:ext>
+              </a:extLst>
+            </p:cNvPr>
+            <p:cNvSpPr/>
+            <p:nvPr/>
+          </p:nvSpPr>
+          <p:spPr>
+            <a:xfrm>
+              <a:off x="6944574" y="1839951"/>
+              <a:ext cx="320327" cy="295687"/>
+            </a:xfrm>
+            <a:prstGeom prst="rect">
+              <a:avLst/>
+            </a:prstGeom>
+            <a:noFill/>
+            <a:ln>
+              <a:solidFill>
+                <a:schemeClr val="tx1"/>
+              </a:solidFill>
+            </a:ln>
+          </p:spPr>
+          <p:style>
+            <a:lnRef idx="2">
+              <a:schemeClr val="accent1">
+                <a:shade val="50000"/>
+              </a:schemeClr>
+            </a:lnRef>
+            <a:fillRef idx="1">
+              <a:schemeClr val="accent1"/>
+            </a:fillRef>
+            <a:effectRef idx="0">
+              <a:schemeClr val="accent1"/>
+            </a:effectRef>
+            <a:fontRef idx="minor">
+              <a:schemeClr val="lt1"/>
+            </a:fontRef>
+          </p:style>
+          <p:txBody>
+            <a:bodyPr lIns="0" tIns="0" rIns="0" bIns="0" rtlCol="0" anchor="ctr"/>
+            <a:lstStyle/>
+            <a:p>
+              <a:pPr algn="ctr"/>
+              <a:r>
+                <a:rPr lang="en-US" sz="1100" dirty="0">
+                  <a:solidFill>
+                    <a:schemeClr val="tx1"/>
+                  </a:solidFill>
+                  <a:latin typeface="Avenir Book" panose="02000503020000020003" pitchFamily="2" charset="0"/>
+                </a:rPr>
+                <a:t>1</a:t>
+              </a:r>
+            </a:p>
+          </p:txBody>
+        </p:sp>
+        <p:sp>
+          <p:nvSpPr>
+            <p:cNvPr id="64" name="Rectangle 63">
+              <a:extLst>
+                <a:ext uri="{FF2B5EF4-FFF2-40B4-BE49-F238E27FC236}">
+                  <a16:creationId xmlns:a16="http://schemas.microsoft.com/office/drawing/2014/main" id="{BDA23CD1-4590-A24F-A13D-4BEE4C114871}"/>
+                </a:ext>
+              </a:extLst>
+            </p:cNvPr>
+            <p:cNvSpPr/>
+            <p:nvPr/>
+          </p:nvSpPr>
+          <p:spPr>
+            <a:xfrm>
+              <a:off x="7264901" y="1839951"/>
+              <a:ext cx="320327" cy="295687"/>
+            </a:xfrm>
+            <a:prstGeom prst="rect">
+              <a:avLst/>
+            </a:prstGeom>
+            <a:solidFill>
+              <a:srgbClr val="FFC000"/>
+            </a:solidFill>
+            <a:ln>
+              <a:solidFill>
+                <a:schemeClr val="tx1"/>
+              </a:solidFill>
+            </a:ln>
+          </p:spPr>
+          <p:style>
+            <a:lnRef idx="2">
+              <a:schemeClr val="accent1">
+                <a:shade val="50000"/>
+              </a:schemeClr>
+            </a:lnRef>
+            <a:fillRef idx="1">
+              <a:schemeClr val="accent1"/>
+            </a:fillRef>
+            <a:effectRef idx="0">
+              <a:schemeClr val="accent1"/>
+            </a:effectRef>
+            <a:fontRef idx="minor">
+              <a:schemeClr val="lt1"/>
+            </a:fontRef>
+          </p:style>
+          <p:txBody>
+            <a:bodyPr lIns="0" tIns="0" rIns="0" bIns="0" rtlCol="0" anchor="ctr"/>
+            <a:lstStyle/>
+            <a:p>
+              <a:pPr algn="ctr"/>
+              <a:r>
+                <a:rPr lang="en-US" sz="1100" dirty="0">
+                  <a:solidFill>
+                    <a:schemeClr val="tx1"/>
+                  </a:solidFill>
+                  <a:latin typeface="Avenir Book" panose="02000503020000020003" pitchFamily="2" charset="0"/>
+                </a:rPr>
+                <a:t>1</a:t>
+              </a:r>
+            </a:p>
+          </p:txBody>
+        </p:sp>
+        <p:sp>
+          <p:nvSpPr>
+            <p:cNvPr id="65" name="Rectangle 64">
+              <a:extLst>
+                <a:ext uri="{FF2B5EF4-FFF2-40B4-BE49-F238E27FC236}">
+                  <a16:creationId xmlns:a16="http://schemas.microsoft.com/office/drawing/2014/main" id="{133B59FF-FEAA-8C48-AA59-78A566CCDD04}"/>
+                </a:ext>
+              </a:extLst>
+            </p:cNvPr>
+            <p:cNvSpPr/>
+            <p:nvPr/>
+          </p:nvSpPr>
+          <p:spPr>
+            <a:xfrm>
+              <a:off x="7585229" y="1839951"/>
+              <a:ext cx="320327" cy="295687"/>
+            </a:xfrm>
+            <a:prstGeom prst="rect">
+              <a:avLst/>
+            </a:prstGeom>
+            <a:noFill/>
+            <a:ln>
+              <a:solidFill>
+                <a:schemeClr val="tx1"/>
+              </a:solidFill>
+            </a:ln>
+          </p:spPr>
+          <p:style>
+            <a:lnRef idx="2">
+              <a:schemeClr val="accent1">
+                <a:shade val="50000"/>
+              </a:schemeClr>
+            </a:lnRef>
+            <a:fillRef idx="1">
+              <a:schemeClr val="accent1"/>
+            </a:fillRef>
+            <a:effectRef idx="0">
+              <a:schemeClr val="accent1"/>
+            </a:effectRef>
+            <a:fontRef idx="minor">
+              <a:schemeClr val="lt1"/>
+            </a:fontRef>
+          </p:style>
+          <p:txBody>
+            <a:bodyPr lIns="0" tIns="0" rIns="0" bIns="0" rtlCol="0" anchor="ctr"/>
+            <a:lstStyle/>
+            <a:p>
+              <a:pPr algn="ctr"/>
+              <a:r>
+                <a:rPr lang="en-US" sz="1100" dirty="0">
+                  <a:solidFill>
+                    <a:schemeClr val="tx1"/>
+                  </a:solidFill>
+                  <a:latin typeface="Avenir Book" panose="02000503020000020003" pitchFamily="2" charset="0"/>
+                </a:rPr>
+                <a:t>1</a:t>
+              </a:r>
+            </a:p>
+          </p:txBody>
+        </p:sp>
+        <p:sp>
+          <p:nvSpPr>
+            <p:cNvPr id="66" name="Rectangle 65">
+              <a:extLst>
+                <a:ext uri="{FF2B5EF4-FFF2-40B4-BE49-F238E27FC236}">
+                  <a16:creationId xmlns:a16="http://schemas.microsoft.com/office/drawing/2014/main" id="{335F9D60-0743-1A43-BAA6-E2B46EA94E2E}"/>
+                </a:ext>
+              </a:extLst>
+            </p:cNvPr>
+            <p:cNvSpPr/>
+            <p:nvPr/>
+          </p:nvSpPr>
+          <p:spPr>
+            <a:xfrm>
+              <a:off x="7905556" y="1839951"/>
+              <a:ext cx="320327" cy="295687"/>
+            </a:xfrm>
+            <a:prstGeom prst="rect">
+              <a:avLst/>
+            </a:prstGeom>
+            <a:noFill/>
+            <a:ln>
+              <a:solidFill>
+                <a:schemeClr val="tx1"/>
+              </a:solidFill>
+            </a:ln>
+          </p:spPr>
+          <p:style>
+            <a:lnRef idx="2">
+              <a:schemeClr val="accent1">
+                <a:shade val="50000"/>
+              </a:schemeClr>
+            </a:lnRef>
+            <a:fillRef idx="1">
+              <a:schemeClr val="accent1"/>
+            </a:fillRef>
+            <a:effectRef idx="0">
+              <a:schemeClr val="accent1"/>
+            </a:effectRef>
+            <a:fontRef idx="minor">
+              <a:schemeClr val="lt1"/>
+            </a:fontRef>
+          </p:style>
+          <p:txBody>
+            <a:bodyPr lIns="0" tIns="0" rIns="0" bIns="0" rtlCol="0" anchor="ctr"/>
+            <a:lstStyle/>
+            <a:p>
+              <a:pPr algn="ctr"/>
+              <a:r>
+                <a:rPr lang="en-US" sz="1100" dirty="0">
+                  <a:solidFill>
+                    <a:schemeClr val="tx1"/>
+                  </a:solidFill>
+                  <a:latin typeface="Avenir Book" panose="02000503020000020003" pitchFamily="2" charset="0"/>
+                </a:rPr>
+                <a:t>0</a:t>
+              </a:r>
+            </a:p>
+          </p:txBody>
+        </p:sp>
+        <p:sp>
+          <p:nvSpPr>
+            <p:cNvPr id="67" name="Rectangle 66">
+              <a:extLst>
+                <a:ext uri="{FF2B5EF4-FFF2-40B4-BE49-F238E27FC236}">
+                  <a16:creationId xmlns:a16="http://schemas.microsoft.com/office/drawing/2014/main" id="{ED1A138C-F154-9A4A-B524-2688467FA3BC}"/>
+                </a:ext>
+              </a:extLst>
+            </p:cNvPr>
+            <p:cNvSpPr/>
+            <p:nvPr/>
+          </p:nvSpPr>
+          <p:spPr>
+            <a:xfrm>
+              <a:off x="8225883" y="1839951"/>
+              <a:ext cx="320327" cy="295687"/>
+            </a:xfrm>
+            <a:prstGeom prst="rect">
+              <a:avLst/>
+            </a:prstGeom>
+            <a:noFill/>
+            <a:ln>
+              <a:solidFill>
+                <a:schemeClr val="tx1"/>
+              </a:solidFill>
+            </a:ln>
+          </p:spPr>
+          <p:style>
+            <a:lnRef idx="2">
+              <a:schemeClr val="accent1">
+                <a:shade val="50000"/>
+              </a:schemeClr>
+            </a:lnRef>
+            <a:fillRef idx="1">
+              <a:schemeClr val="accent1"/>
+            </a:fillRef>
+            <a:effectRef idx="0">
+              <a:schemeClr val="accent1"/>
+            </a:effectRef>
+            <a:fontRef idx="minor">
+              <a:schemeClr val="lt1"/>
+            </a:fontRef>
+          </p:style>
+          <p:txBody>
+            <a:bodyPr lIns="0" tIns="0" rIns="0" bIns="0" rtlCol="0" anchor="ctr"/>
+            <a:lstStyle/>
+            <a:p>
+              <a:pPr algn="ctr"/>
+              <a:r>
+                <a:rPr lang="en-US" sz="1100" dirty="0">
+                  <a:solidFill>
+                    <a:schemeClr val="tx1"/>
+                  </a:solidFill>
+                  <a:latin typeface="Avenir Book" panose="02000503020000020003" pitchFamily="2" charset="0"/>
+                </a:rPr>
+                <a:t>0</a:t>
+              </a:r>
+            </a:p>
+          </p:txBody>
+        </p:sp>
+        <p:sp>
+          <p:nvSpPr>
+            <p:cNvPr id="68" name="Rectangle 67">
+              <a:extLst>
+                <a:ext uri="{FF2B5EF4-FFF2-40B4-BE49-F238E27FC236}">
+                  <a16:creationId xmlns:a16="http://schemas.microsoft.com/office/drawing/2014/main" id="{4AECAB2D-DD7F-1745-BFF9-A737D4E7008E}"/>
+                </a:ext>
+              </a:extLst>
+            </p:cNvPr>
+            <p:cNvSpPr/>
+            <p:nvPr/>
+          </p:nvSpPr>
+          <p:spPr>
+            <a:xfrm>
+              <a:off x="8546210" y="1839951"/>
+              <a:ext cx="320327" cy="295687"/>
+            </a:xfrm>
+            <a:prstGeom prst="rect">
+              <a:avLst/>
+            </a:prstGeom>
+            <a:noFill/>
+            <a:ln>
+              <a:solidFill>
+                <a:schemeClr val="tx1"/>
+              </a:solidFill>
+            </a:ln>
+          </p:spPr>
+          <p:style>
+            <a:lnRef idx="2">
+              <a:schemeClr val="accent1">
+                <a:shade val="50000"/>
+              </a:schemeClr>
+            </a:lnRef>
+            <a:fillRef idx="1">
+              <a:schemeClr val="accent1"/>
+            </a:fillRef>
+            <a:effectRef idx="0">
+              <a:schemeClr val="accent1"/>
+            </a:effectRef>
+            <a:fontRef idx="minor">
+              <a:schemeClr val="lt1"/>
+            </a:fontRef>
+          </p:style>
+          <p:txBody>
+            <a:bodyPr lIns="0" tIns="0" rIns="0" bIns="0" rtlCol="0" anchor="ctr"/>
+            <a:lstStyle/>
+            <a:p>
+              <a:pPr algn="ctr"/>
+              <a:r>
+                <a:rPr lang="en-US" sz="1100" dirty="0">
+                  <a:solidFill>
+                    <a:schemeClr val="tx1"/>
+                  </a:solidFill>
+                  <a:latin typeface="Avenir Book" panose="02000503020000020003" pitchFamily="2" charset="0"/>
+                </a:rPr>
+                <a:t>0</a:t>
+              </a:r>
+            </a:p>
+          </p:txBody>
+        </p:sp>
+        <p:sp>
+          <p:nvSpPr>
+            <p:cNvPr id="69" name="Rectangle 68">
+              <a:extLst>
+                <a:ext uri="{FF2B5EF4-FFF2-40B4-BE49-F238E27FC236}">
+                  <a16:creationId xmlns:a16="http://schemas.microsoft.com/office/drawing/2014/main" id="{61582C6B-00BB-704B-8823-FB790D8F9A2C}"/>
+                </a:ext>
+              </a:extLst>
+            </p:cNvPr>
+            <p:cNvSpPr/>
+            <p:nvPr/>
+          </p:nvSpPr>
+          <p:spPr>
+            <a:xfrm>
+              <a:off x="8866538" y="1839951"/>
+              <a:ext cx="320327" cy="295687"/>
+            </a:xfrm>
+            <a:prstGeom prst="rect">
+              <a:avLst/>
+            </a:prstGeom>
+            <a:noFill/>
+            <a:ln>
+              <a:solidFill>
+                <a:schemeClr val="tx1"/>
+              </a:solidFill>
+            </a:ln>
+          </p:spPr>
+          <p:style>
+            <a:lnRef idx="2">
+              <a:schemeClr val="accent1">
+                <a:shade val="50000"/>
+              </a:schemeClr>
+            </a:lnRef>
+            <a:fillRef idx="1">
+              <a:schemeClr val="accent1"/>
+            </a:fillRef>
+            <a:effectRef idx="0">
+              <a:schemeClr val="accent1"/>
+            </a:effectRef>
+            <a:fontRef idx="minor">
+              <a:schemeClr val="lt1"/>
+            </a:fontRef>
+          </p:style>
+          <p:txBody>
+            <a:bodyPr lIns="0" tIns="0" rIns="0" bIns="0" rtlCol="0" anchor="ctr"/>
+            <a:lstStyle/>
+            <a:p>
+              <a:pPr algn="ctr"/>
+              <a:r>
+                <a:rPr lang="en-US" sz="1100" dirty="0">
+                  <a:solidFill>
+                    <a:schemeClr val="tx1"/>
+                  </a:solidFill>
+                  <a:latin typeface="Avenir Book" panose="02000503020000020003" pitchFamily="2" charset="0"/>
+                </a:rPr>
+                <a:t>0</a:t>
+              </a:r>
+            </a:p>
+          </p:txBody>
+        </p:sp>
+        <p:sp>
+          <p:nvSpPr>
+            <p:cNvPr id="70" name="Rectangle 69">
+              <a:extLst>
+                <a:ext uri="{FF2B5EF4-FFF2-40B4-BE49-F238E27FC236}">
+                  <a16:creationId xmlns:a16="http://schemas.microsoft.com/office/drawing/2014/main" id="{85384CCD-C067-2647-B6F8-AC5D6AF5815C}"/>
+                </a:ext>
+              </a:extLst>
+            </p:cNvPr>
+            <p:cNvSpPr/>
+            <p:nvPr/>
+          </p:nvSpPr>
+          <p:spPr>
+            <a:xfrm>
+              <a:off x="9186865" y="1839951"/>
+              <a:ext cx="320327" cy="295687"/>
+            </a:xfrm>
+            <a:prstGeom prst="rect">
+              <a:avLst/>
+            </a:prstGeom>
+            <a:solidFill>
+              <a:srgbClr val="FFC000"/>
+            </a:solidFill>
+            <a:ln>
+              <a:solidFill>
+                <a:schemeClr val="tx1"/>
+              </a:solidFill>
+            </a:ln>
+          </p:spPr>
+          <p:style>
+            <a:lnRef idx="2">
+              <a:schemeClr val="accent1">
+                <a:shade val="50000"/>
+              </a:schemeClr>
+            </a:lnRef>
+            <a:fillRef idx="1">
+              <a:schemeClr val="accent1"/>
+            </a:fillRef>
+            <a:effectRef idx="0">
+              <a:schemeClr val="accent1"/>
+            </a:effectRef>
+            <a:fontRef idx="minor">
+              <a:schemeClr val="lt1"/>
+            </a:fontRef>
+          </p:style>
+          <p:txBody>
+            <a:bodyPr lIns="0" tIns="0" rIns="0" bIns="0" rtlCol="0" anchor="ctr"/>
+            <a:lstStyle/>
+            <a:p>
+              <a:pPr algn="ctr"/>
+              <a:r>
+                <a:rPr lang="en-US" sz="1100" dirty="0">
+                  <a:solidFill>
+                    <a:schemeClr val="tx1"/>
+                  </a:solidFill>
+                  <a:latin typeface="Avenir Book" panose="02000503020000020003" pitchFamily="2" charset="0"/>
+                </a:rPr>
+                <a:t>1</a:t>
+              </a:r>
+            </a:p>
+          </p:txBody>
+        </p:sp>
+        <p:sp>
+          <p:nvSpPr>
+            <p:cNvPr id="71" name="Rectangle 70">
+              <a:extLst>
+                <a:ext uri="{FF2B5EF4-FFF2-40B4-BE49-F238E27FC236}">
+                  <a16:creationId xmlns:a16="http://schemas.microsoft.com/office/drawing/2014/main" id="{5130AF7B-D1CD-DB47-A50A-77088B7F7DBA}"/>
+                </a:ext>
+              </a:extLst>
+            </p:cNvPr>
+            <p:cNvSpPr/>
+            <p:nvPr/>
+          </p:nvSpPr>
+          <p:spPr>
+            <a:xfrm>
+              <a:off x="9507192" y="1839951"/>
+              <a:ext cx="320327" cy="295687"/>
+            </a:xfrm>
+            <a:prstGeom prst="rect">
+              <a:avLst/>
+            </a:prstGeom>
+            <a:noFill/>
+            <a:ln>
+              <a:solidFill>
+                <a:schemeClr val="tx1"/>
+              </a:solidFill>
+            </a:ln>
+          </p:spPr>
+          <p:style>
+            <a:lnRef idx="2">
+              <a:schemeClr val="accent1">
+                <a:shade val="50000"/>
+              </a:schemeClr>
+            </a:lnRef>
+            <a:fillRef idx="1">
+              <a:schemeClr val="accent1"/>
+            </a:fillRef>
+            <a:effectRef idx="0">
+              <a:schemeClr val="accent1"/>
+            </a:effectRef>
+            <a:fontRef idx="minor">
+              <a:schemeClr val="lt1"/>
+            </a:fontRef>
+          </p:style>
+          <p:txBody>
+            <a:bodyPr lIns="0" tIns="0" rIns="0" bIns="0" rtlCol="0" anchor="ctr"/>
+            <a:lstStyle/>
+            <a:p>
+              <a:pPr algn="ctr"/>
+              <a:r>
+                <a:rPr lang="en-US" sz="1100" dirty="0">
+                  <a:solidFill>
+                    <a:schemeClr val="tx1"/>
+                  </a:solidFill>
+                  <a:latin typeface="Avenir Book" panose="02000503020000020003" pitchFamily="2" charset="0"/>
+                </a:rPr>
+                <a:t>1</a:t>
+              </a:r>
+            </a:p>
+          </p:txBody>
+        </p:sp>
+        <p:sp>
+          <p:nvSpPr>
+            <p:cNvPr id="72" name="Rectangle 71">
+              <a:extLst>
+                <a:ext uri="{FF2B5EF4-FFF2-40B4-BE49-F238E27FC236}">
+                  <a16:creationId xmlns:a16="http://schemas.microsoft.com/office/drawing/2014/main" id="{F5711C31-F2D4-4948-88F7-C5FF37C63CF0}"/>
+                </a:ext>
+              </a:extLst>
+            </p:cNvPr>
+            <p:cNvSpPr/>
+            <p:nvPr/>
+          </p:nvSpPr>
+          <p:spPr>
+            <a:xfrm>
+              <a:off x="9827519" y="1839951"/>
+              <a:ext cx="320327" cy="295687"/>
+            </a:xfrm>
+            <a:prstGeom prst="rect">
+              <a:avLst/>
+            </a:prstGeom>
+            <a:solidFill>
+              <a:srgbClr val="FFC000"/>
+            </a:solidFill>
+            <a:ln>
+              <a:solidFill>
+                <a:schemeClr val="tx1"/>
+              </a:solidFill>
+            </a:ln>
+          </p:spPr>
+          <p:style>
+            <a:lnRef idx="2">
+              <a:schemeClr val="accent1">
+                <a:shade val="50000"/>
+              </a:schemeClr>
+            </a:lnRef>
+            <a:fillRef idx="1">
+              <a:schemeClr val="accent1"/>
+            </a:fillRef>
+            <a:effectRef idx="0">
+              <a:schemeClr val="accent1"/>
+            </a:effectRef>
+            <a:fontRef idx="minor">
+              <a:schemeClr val="lt1"/>
+            </a:fontRef>
+          </p:style>
+          <p:txBody>
+            <a:bodyPr lIns="0" tIns="0" rIns="0" bIns="0" rtlCol="0" anchor="ctr"/>
+            <a:lstStyle/>
+            <a:p>
+              <a:pPr algn="ctr"/>
+              <a:r>
+                <a:rPr lang="en-US" sz="1100" dirty="0">
+                  <a:solidFill>
+                    <a:schemeClr val="tx1"/>
+                  </a:solidFill>
+                  <a:latin typeface="Avenir Book" panose="02000503020000020003" pitchFamily="2" charset="0"/>
+                </a:rPr>
+                <a:t>0</a:t>
+              </a:r>
+            </a:p>
+          </p:txBody>
+        </p:sp>
+        <p:sp>
+          <p:nvSpPr>
+            <p:cNvPr id="73" name="Rectangle 72">
+              <a:extLst>
+                <a:ext uri="{FF2B5EF4-FFF2-40B4-BE49-F238E27FC236}">
+                  <a16:creationId xmlns:a16="http://schemas.microsoft.com/office/drawing/2014/main" id="{2F48DC2C-4D0D-6544-8962-F8AF22BCB2F8}"/>
+                </a:ext>
+              </a:extLst>
+            </p:cNvPr>
+            <p:cNvSpPr/>
+            <p:nvPr/>
+          </p:nvSpPr>
+          <p:spPr>
+            <a:xfrm>
+              <a:off x="10147847" y="1839951"/>
+              <a:ext cx="320327" cy="295687"/>
+            </a:xfrm>
+            <a:prstGeom prst="rect">
+              <a:avLst/>
+            </a:prstGeom>
+            <a:noFill/>
+            <a:ln>
+              <a:solidFill>
+                <a:schemeClr val="tx1"/>
+              </a:solidFill>
+            </a:ln>
+          </p:spPr>
+          <p:style>
+            <a:lnRef idx="2">
+              <a:schemeClr val="accent1">
+                <a:shade val="50000"/>
+              </a:schemeClr>
+            </a:lnRef>
+            <a:fillRef idx="1">
+              <a:schemeClr val="accent1"/>
+            </a:fillRef>
+            <a:effectRef idx="0">
+              <a:schemeClr val="accent1"/>
+            </a:effectRef>
+            <a:fontRef idx="minor">
+              <a:schemeClr val="lt1"/>
+            </a:fontRef>
+          </p:style>
+          <p:txBody>
+            <a:bodyPr lIns="0" tIns="0" rIns="0" bIns="0" rtlCol="0" anchor="ctr"/>
+            <a:lstStyle/>
+            <a:p>
+              <a:pPr algn="ctr"/>
+              <a:r>
+                <a:rPr lang="en-US" sz="1100" dirty="0">
+                  <a:solidFill>
+                    <a:schemeClr val="tx1"/>
+                  </a:solidFill>
+                  <a:latin typeface="Avenir Book" panose="02000503020000020003" pitchFamily="2" charset="0"/>
+                </a:rPr>
+                <a:t>1</a:t>
+              </a:r>
+            </a:p>
+          </p:txBody>
+        </p:sp>
+        <p:sp>
+          <p:nvSpPr>
+            <p:cNvPr id="74" name="Rectangle 73">
+              <a:extLst>
+                <a:ext uri="{FF2B5EF4-FFF2-40B4-BE49-F238E27FC236}">
+                  <a16:creationId xmlns:a16="http://schemas.microsoft.com/office/drawing/2014/main" id="{78F299B6-9FF3-FC45-8E3B-A0A813D03811}"/>
+                </a:ext>
+              </a:extLst>
+            </p:cNvPr>
+            <p:cNvSpPr/>
+            <p:nvPr/>
+          </p:nvSpPr>
+          <p:spPr>
+            <a:xfrm>
+              <a:off x="10468174" y="1839951"/>
+              <a:ext cx="320327" cy="295687"/>
+            </a:xfrm>
+            <a:prstGeom prst="rect">
+              <a:avLst/>
+            </a:prstGeom>
+            <a:noFill/>
+            <a:ln>
+              <a:solidFill>
+                <a:schemeClr val="tx1"/>
+              </a:solidFill>
+            </a:ln>
+          </p:spPr>
+          <p:style>
+            <a:lnRef idx="2">
+              <a:schemeClr val="accent1">
+                <a:shade val="50000"/>
+              </a:schemeClr>
+            </a:lnRef>
+            <a:fillRef idx="1">
+              <a:schemeClr val="accent1"/>
+            </a:fillRef>
+            <a:effectRef idx="0">
+              <a:schemeClr val="accent1"/>
+            </a:effectRef>
+            <a:fontRef idx="minor">
+              <a:schemeClr val="lt1"/>
+            </a:fontRef>
+          </p:style>
+          <p:txBody>
+            <a:bodyPr lIns="0" tIns="0" rIns="0" bIns="0" rtlCol="0" anchor="ctr"/>
+            <a:lstStyle/>
+            <a:p>
+              <a:pPr algn="ctr"/>
+              <a:r>
+                <a:rPr lang="en-US" sz="1100" dirty="0">
+                  <a:solidFill>
+                    <a:schemeClr val="tx1"/>
+                  </a:solidFill>
+                  <a:latin typeface="Avenir Book" panose="02000503020000020003" pitchFamily="2" charset="0"/>
+                </a:rPr>
+                <a:t>0</a:t>
+              </a:r>
+            </a:p>
+          </p:txBody>
+        </p:sp>
+      </p:grpSp>
+      <p:grpSp>
+        <p:nvGrpSpPr>
+          <p:cNvPr id="75" name="Group 74">
+            <a:extLst>
+              <a:ext uri="{FF2B5EF4-FFF2-40B4-BE49-F238E27FC236}">
+                <a16:creationId xmlns:a16="http://schemas.microsoft.com/office/drawing/2014/main" id="{1C53F115-8E06-A74C-BC25-FE92A1D88D55}"/>
+              </a:ext>
+            </a:extLst>
+          </p:cNvPr>
+          <p:cNvGrpSpPr/>
+          <p:nvPr/>
+        </p:nvGrpSpPr>
+        <p:grpSpPr>
+          <a:xfrm>
+            <a:off x="3413551" y="3475614"/>
+            <a:ext cx="5125236" cy="295687"/>
+            <a:chOff x="5663265" y="1839951"/>
+            <a:chExt cx="5125236" cy="295687"/>
+          </a:xfrm>
+        </p:grpSpPr>
+        <p:sp>
+          <p:nvSpPr>
+            <p:cNvPr id="76" name="Rectangle 75">
+              <a:extLst>
+                <a:ext uri="{FF2B5EF4-FFF2-40B4-BE49-F238E27FC236}">
+                  <a16:creationId xmlns:a16="http://schemas.microsoft.com/office/drawing/2014/main" id="{A10A3E20-61B6-CE45-B8C0-809B5F60CC50}"/>
+                </a:ext>
+              </a:extLst>
+            </p:cNvPr>
+            <p:cNvSpPr/>
+            <p:nvPr/>
+          </p:nvSpPr>
+          <p:spPr>
+            <a:xfrm>
+              <a:off x="5663265" y="1839951"/>
+              <a:ext cx="320327" cy="295687"/>
+            </a:xfrm>
+            <a:prstGeom prst="rect">
+              <a:avLst/>
+            </a:prstGeom>
+            <a:noFill/>
+            <a:ln>
+              <a:solidFill>
+                <a:schemeClr val="tx1"/>
+              </a:solidFill>
+            </a:ln>
+          </p:spPr>
+          <p:style>
+            <a:lnRef idx="2">
+              <a:schemeClr val="accent1">
+                <a:shade val="50000"/>
+              </a:schemeClr>
+            </a:lnRef>
+            <a:fillRef idx="1">
+              <a:schemeClr val="accent1"/>
+            </a:fillRef>
+            <a:effectRef idx="0">
+              <a:schemeClr val="accent1"/>
+            </a:effectRef>
+            <a:fontRef idx="minor">
+              <a:schemeClr val="lt1"/>
+            </a:fontRef>
+          </p:style>
+          <p:txBody>
+            <a:bodyPr lIns="0" tIns="0" rIns="0" bIns="0" rtlCol="0" anchor="ctr"/>
+            <a:lstStyle/>
+            <a:p>
+              <a:pPr algn="ctr"/>
+              <a:r>
+                <a:rPr lang="en-US" sz="1100" dirty="0">
+                  <a:solidFill>
+                    <a:schemeClr val="tx1"/>
+                  </a:solidFill>
+                  <a:latin typeface="Avenir Book" panose="02000503020000020003" pitchFamily="2" charset="0"/>
+                </a:rPr>
+                <a:t>1</a:t>
+              </a:r>
+            </a:p>
+          </p:txBody>
+        </p:sp>
+        <p:sp>
+          <p:nvSpPr>
+            <p:cNvPr id="77" name="Rectangle 76">
+              <a:extLst>
+                <a:ext uri="{FF2B5EF4-FFF2-40B4-BE49-F238E27FC236}">
+                  <a16:creationId xmlns:a16="http://schemas.microsoft.com/office/drawing/2014/main" id="{23815DC9-AD9C-5448-A8F0-9EF8CE3E46AB}"/>
+                </a:ext>
+              </a:extLst>
+            </p:cNvPr>
+            <p:cNvSpPr/>
+            <p:nvPr/>
+          </p:nvSpPr>
+          <p:spPr>
+            <a:xfrm>
+              <a:off x="5983592" y="1839951"/>
+              <a:ext cx="320327" cy="295687"/>
+            </a:xfrm>
+            <a:prstGeom prst="rect">
+              <a:avLst/>
+            </a:prstGeom>
+            <a:noFill/>
+            <a:ln>
+              <a:solidFill>
+                <a:schemeClr val="tx1"/>
+              </a:solidFill>
+            </a:ln>
+          </p:spPr>
+          <p:style>
+            <a:lnRef idx="2">
+              <a:schemeClr val="accent1">
+                <a:shade val="50000"/>
+              </a:schemeClr>
+            </a:lnRef>
+            <a:fillRef idx="1">
+              <a:schemeClr val="accent1"/>
+            </a:fillRef>
+            <a:effectRef idx="0">
+              <a:schemeClr val="accent1"/>
+            </a:effectRef>
+            <a:fontRef idx="minor">
+              <a:schemeClr val="lt1"/>
+            </a:fontRef>
+          </p:style>
+          <p:txBody>
+            <a:bodyPr lIns="0" tIns="0" rIns="0" bIns="0" rtlCol="0" anchor="ctr"/>
+            <a:lstStyle/>
+            <a:p>
+              <a:pPr algn="ctr"/>
+              <a:r>
+                <a:rPr lang="en-US" sz="1100" dirty="0">
+                  <a:solidFill>
+                    <a:schemeClr val="tx1"/>
+                  </a:solidFill>
+                  <a:latin typeface="Avenir Book" panose="02000503020000020003" pitchFamily="2" charset="0"/>
+                </a:rPr>
+                <a:t>0</a:t>
+              </a:r>
+            </a:p>
+          </p:txBody>
+        </p:sp>
+        <p:sp>
+          <p:nvSpPr>
+            <p:cNvPr id="78" name="Rectangle 77">
+              <a:extLst>
+                <a:ext uri="{FF2B5EF4-FFF2-40B4-BE49-F238E27FC236}">
+                  <a16:creationId xmlns:a16="http://schemas.microsoft.com/office/drawing/2014/main" id="{DAB603E9-5666-C448-A387-24F17826EC4B}"/>
+                </a:ext>
+              </a:extLst>
+            </p:cNvPr>
+            <p:cNvSpPr/>
+            <p:nvPr/>
+          </p:nvSpPr>
+          <p:spPr>
+            <a:xfrm>
+              <a:off x="6303920" y="1839951"/>
+              <a:ext cx="320327" cy="295687"/>
+            </a:xfrm>
+            <a:prstGeom prst="rect">
+              <a:avLst/>
+            </a:prstGeom>
+            <a:solidFill>
+              <a:srgbClr val="FFC000"/>
+            </a:solidFill>
+            <a:ln>
+              <a:solidFill>
+                <a:schemeClr val="tx1"/>
+              </a:solidFill>
+            </a:ln>
+          </p:spPr>
+          <p:style>
+            <a:lnRef idx="2">
+              <a:schemeClr val="accent1">
+                <a:shade val="50000"/>
+              </a:schemeClr>
+            </a:lnRef>
+            <a:fillRef idx="1">
+              <a:schemeClr val="accent1"/>
+            </a:fillRef>
+            <a:effectRef idx="0">
+              <a:schemeClr val="accent1"/>
+            </a:effectRef>
+            <a:fontRef idx="minor">
+              <a:schemeClr val="lt1"/>
+            </a:fontRef>
+          </p:style>
+          <p:txBody>
+            <a:bodyPr lIns="0" tIns="0" rIns="0" bIns="0" rtlCol="0" anchor="ctr"/>
+            <a:lstStyle/>
+            <a:p>
+              <a:pPr algn="ctr"/>
+              <a:r>
+                <a:rPr lang="en-US" sz="1100" dirty="0">
+                  <a:solidFill>
+                    <a:schemeClr val="tx1"/>
+                  </a:solidFill>
+                  <a:latin typeface="Avenir Book" panose="02000503020000020003" pitchFamily="2" charset="0"/>
+                </a:rPr>
+                <a:t>1</a:t>
+              </a:r>
+            </a:p>
+          </p:txBody>
+        </p:sp>
+        <p:sp>
+          <p:nvSpPr>
+            <p:cNvPr id="79" name="Rectangle 78">
+              <a:extLst>
+                <a:ext uri="{FF2B5EF4-FFF2-40B4-BE49-F238E27FC236}">
+                  <a16:creationId xmlns:a16="http://schemas.microsoft.com/office/drawing/2014/main" id="{831D8FD4-50CE-8341-9900-847EB48AAC48}"/>
+                </a:ext>
+              </a:extLst>
+            </p:cNvPr>
+            <p:cNvSpPr/>
+            <p:nvPr/>
+          </p:nvSpPr>
+          <p:spPr>
+            <a:xfrm>
+              <a:off x="6624247" y="1839951"/>
+              <a:ext cx="320327" cy="295687"/>
+            </a:xfrm>
+            <a:prstGeom prst="rect">
+              <a:avLst/>
+            </a:prstGeom>
+            <a:noFill/>
+            <a:ln>
+              <a:solidFill>
+                <a:schemeClr val="tx1"/>
+              </a:solidFill>
+            </a:ln>
+          </p:spPr>
+          <p:style>
+            <a:lnRef idx="2">
+              <a:schemeClr val="accent1">
+                <a:shade val="50000"/>
+              </a:schemeClr>
+            </a:lnRef>
+            <a:fillRef idx="1">
+              <a:schemeClr val="accent1"/>
+            </a:fillRef>
+            <a:effectRef idx="0">
+              <a:schemeClr val="accent1"/>
+            </a:effectRef>
+            <a:fontRef idx="minor">
+              <a:schemeClr val="lt1"/>
+            </a:fontRef>
+          </p:style>
+          <p:txBody>
+            <a:bodyPr lIns="0" tIns="0" rIns="0" bIns="0" rtlCol="0" anchor="ctr"/>
+            <a:lstStyle/>
+            <a:p>
+              <a:pPr algn="ctr"/>
+              <a:r>
+                <a:rPr lang="en-US" sz="1100" dirty="0">
+                  <a:solidFill>
+                    <a:schemeClr val="tx1"/>
+                  </a:solidFill>
+                  <a:latin typeface="Avenir Book" panose="02000503020000020003" pitchFamily="2" charset="0"/>
+                </a:rPr>
+                <a:t>1</a:t>
+              </a:r>
+            </a:p>
+          </p:txBody>
+        </p:sp>
+        <p:sp>
+          <p:nvSpPr>
+            <p:cNvPr id="80" name="Rectangle 79">
+              <a:extLst>
+                <a:ext uri="{FF2B5EF4-FFF2-40B4-BE49-F238E27FC236}">
+                  <a16:creationId xmlns:a16="http://schemas.microsoft.com/office/drawing/2014/main" id="{1933CE8C-CC16-7040-8B2B-60C4D406D4BD}"/>
+                </a:ext>
+              </a:extLst>
+            </p:cNvPr>
+            <p:cNvSpPr/>
+            <p:nvPr/>
+          </p:nvSpPr>
+          <p:spPr>
+            <a:xfrm>
+              <a:off x="6944574" y="1839951"/>
+              <a:ext cx="320327" cy="295687"/>
+            </a:xfrm>
+            <a:prstGeom prst="rect">
+              <a:avLst/>
+            </a:prstGeom>
+            <a:noFill/>
+            <a:ln>
+              <a:solidFill>
+                <a:schemeClr val="tx1"/>
+              </a:solidFill>
+            </a:ln>
+          </p:spPr>
+          <p:style>
+            <a:lnRef idx="2">
+              <a:schemeClr val="accent1">
+                <a:shade val="50000"/>
+              </a:schemeClr>
+            </a:lnRef>
+            <a:fillRef idx="1">
+              <a:schemeClr val="accent1"/>
+            </a:fillRef>
+            <a:effectRef idx="0">
+              <a:schemeClr val="accent1"/>
+            </a:effectRef>
+            <a:fontRef idx="minor">
+              <a:schemeClr val="lt1"/>
+            </a:fontRef>
+          </p:style>
+          <p:txBody>
+            <a:bodyPr lIns="0" tIns="0" rIns="0" bIns="0" rtlCol="0" anchor="ctr"/>
+            <a:lstStyle/>
+            <a:p>
+              <a:pPr algn="ctr"/>
+              <a:r>
+                <a:rPr lang="en-US" sz="1100" dirty="0">
+                  <a:solidFill>
+                    <a:schemeClr val="tx1"/>
+                  </a:solidFill>
+                  <a:latin typeface="Avenir Book" panose="02000503020000020003" pitchFamily="2" charset="0"/>
+                </a:rPr>
+                <a:t>1</a:t>
+              </a:r>
+            </a:p>
+          </p:txBody>
+        </p:sp>
+        <p:sp>
+          <p:nvSpPr>
+            <p:cNvPr id="81" name="Rectangle 80">
+              <a:extLst>
+                <a:ext uri="{FF2B5EF4-FFF2-40B4-BE49-F238E27FC236}">
+                  <a16:creationId xmlns:a16="http://schemas.microsoft.com/office/drawing/2014/main" id="{E61653C8-8AAE-504A-BB89-BC97BE7FF0EB}"/>
+                </a:ext>
+              </a:extLst>
+            </p:cNvPr>
+            <p:cNvSpPr/>
+            <p:nvPr/>
+          </p:nvSpPr>
+          <p:spPr>
+            <a:xfrm>
+              <a:off x="7264901" y="1839951"/>
+              <a:ext cx="320327" cy="295687"/>
+            </a:xfrm>
+            <a:prstGeom prst="rect">
+              <a:avLst/>
+            </a:prstGeom>
+            <a:solidFill>
+              <a:srgbClr val="FFC000"/>
+            </a:solidFill>
+            <a:ln>
+              <a:solidFill>
+                <a:schemeClr val="tx1"/>
+              </a:solidFill>
+            </a:ln>
+          </p:spPr>
+          <p:style>
+            <a:lnRef idx="2">
+              <a:schemeClr val="accent1">
+                <a:shade val="50000"/>
+              </a:schemeClr>
+            </a:lnRef>
+            <a:fillRef idx="1">
+              <a:schemeClr val="accent1"/>
+            </a:fillRef>
+            <a:effectRef idx="0">
+              <a:schemeClr val="accent1"/>
+            </a:effectRef>
+            <a:fontRef idx="minor">
+              <a:schemeClr val="lt1"/>
+            </a:fontRef>
+          </p:style>
+          <p:txBody>
+            <a:bodyPr lIns="0" tIns="0" rIns="0" bIns="0" rtlCol="0" anchor="ctr"/>
+            <a:lstStyle/>
+            <a:p>
+              <a:pPr algn="ctr"/>
+              <a:r>
+                <a:rPr lang="en-US" sz="1100" dirty="0">
+                  <a:solidFill>
+                    <a:schemeClr val="tx1"/>
+                  </a:solidFill>
+                  <a:latin typeface="Avenir Book" panose="02000503020000020003" pitchFamily="2" charset="0"/>
+                </a:rPr>
+                <a:t>1</a:t>
+              </a:r>
+            </a:p>
+          </p:txBody>
+        </p:sp>
+        <p:sp>
+          <p:nvSpPr>
+            <p:cNvPr id="82" name="Rectangle 81">
+              <a:extLst>
+                <a:ext uri="{FF2B5EF4-FFF2-40B4-BE49-F238E27FC236}">
+                  <a16:creationId xmlns:a16="http://schemas.microsoft.com/office/drawing/2014/main" id="{855D8387-43CE-714A-85C8-9D49A78B3B60}"/>
+                </a:ext>
+              </a:extLst>
+            </p:cNvPr>
+            <p:cNvSpPr/>
+            <p:nvPr/>
+          </p:nvSpPr>
+          <p:spPr>
+            <a:xfrm>
+              <a:off x="7585229" y="1839951"/>
+              <a:ext cx="320327" cy="295687"/>
+            </a:xfrm>
+            <a:prstGeom prst="rect">
+              <a:avLst/>
+            </a:prstGeom>
+            <a:noFill/>
+            <a:ln>
+              <a:solidFill>
+                <a:schemeClr val="tx1"/>
+              </a:solidFill>
+            </a:ln>
+          </p:spPr>
+          <p:style>
+            <a:lnRef idx="2">
+              <a:schemeClr val="accent1">
+                <a:shade val="50000"/>
+              </a:schemeClr>
+            </a:lnRef>
+            <a:fillRef idx="1">
+              <a:schemeClr val="accent1"/>
+            </a:fillRef>
+            <a:effectRef idx="0">
+              <a:schemeClr val="accent1"/>
+            </a:effectRef>
+            <a:fontRef idx="minor">
+              <a:schemeClr val="lt1"/>
+            </a:fontRef>
+          </p:style>
+          <p:txBody>
+            <a:bodyPr lIns="0" tIns="0" rIns="0" bIns="0" rtlCol="0" anchor="ctr"/>
+            <a:lstStyle/>
+            <a:p>
+              <a:pPr algn="ctr"/>
+              <a:r>
+                <a:rPr lang="en-US" sz="1100" dirty="0">
+                  <a:solidFill>
+                    <a:schemeClr val="tx1"/>
+                  </a:solidFill>
+                  <a:latin typeface="Avenir Book" panose="02000503020000020003" pitchFamily="2" charset="0"/>
+                </a:rPr>
+                <a:t>1</a:t>
+              </a:r>
+            </a:p>
+          </p:txBody>
+        </p:sp>
+        <p:sp>
+          <p:nvSpPr>
+            <p:cNvPr id="83" name="Rectangle 82">
+              <a:extLst>
+                <a:ext uri="{FF2B5EF4-FFF2-40B4-BE49-F238E27FC236}">
+                  <a16:creationId xmlns:a16="http://schemas.microsoft.com/office/drawing/2014/main" id="{AA2F84D7-8590-7D4F-B01E-1FBC6F6F7664}"/>
+                </a:ext>
+              </a:extLst>
+            </p:cNvPr>
+            <p:cNvSpPr/>
+            <p:nvPr/>
+          </p:nvSpPr>
+          <p:spPr>
+            <a:xfrm>
+              <a:off x="7905556" y="1839951"/>
+              <a:ext cx="320327" cy="295687"/>
+            </a:xfrm>
+            <a:prstGeom prst="rect">
+              <a:avLst/>
+            </a:prstGeom>
+            <a:noFill/>
+            <a:ln>
+              <a:solidFill>
+                <a:schemeClr val="tx1"/>
+              </a:solidFill>
+            </a:ln>
+          </p:spPr>
+          <p:style>
+            <a:lnRef idx="2">
+              <a:schemeClr val="accent1">
+                <a:shade val="50000"/>
+              </a:schemeClr>
+            </a:lnRef>
+            <a:fillRef idx="1">
+              <a:schemeClr val="accent1"/>
+            </a:fillRef>
+            <a:effectRef idx="0">
+              <a:schemeClr val="accent1"/>
+            </a:effectRef>
+            <a:fontRef idx="minor">
+              <a:schemeClr val="lt1"/>
+            </a:fontRef>
+          </p:style>
+          <p:txBody>
+            <a:bodyPr lIns="0" tIns="0" rIns="0" bIns="0" rtlCol="0" anchor="ctr"/>
+            <a:lstStyle/>
+            <a:p>
+              <a:pPr algn="ctr"/>
+              <a:r>
+                <a:rPr lang="en-US" sz="1100" dirty="0">
+                  <a:solidFill>
+                    <a:schemeClr val="tx1"/>
+                  </a:solidFill>
+                  <a:latin typeface="Avenir Book" panose="02000503020000020003" pitchFamily="2" charset="0"/>
+                </a:rPr>
+                <a:t>0</a:t>
+              </a:r>
+            </a:p>
+          </p:txBody>
+        </p:sp>
+        <p:sp>
+          <p:nvSpPr>
+            <p:cNvPr id="84" name="Rectangle 83">
+              <a:extLst>
+                <a:ext uri="{FF2B5EF4-FFF2-40B4-BE49-F238E27FC236}">
+                  <a16:creationId xmlns:a16="http://schemas.microsoft.com/office/drawing/2014/main" id="{06E29A04-DD0B-244E-82EC-62DFE553AFF6}"/>
+                </a:ext>
+              </a:extLst>
+            </p:cNvPr>
+            <p:cNvSpPr/>
+            <p:nvPr/>
+          </p:nvSpPr>
+          <p:spPr>
+            <a:xfrm>
+              <a:off x="8225883" y="1839951"/>
+              <a:ext cx="320327" cy="295687"/>
+            </a:xfrm>
+            <a:prstGeom prst="rect">
+              <a:avLst/>
+            </a:prstGeom>
+            <a:noFill/>
+            <a:ln>
+              <a:solidFill>
+                <a:schemeClr val="tx1"/>
+              </a:solidFill>
+            </a:ln>
+          </p:spPr>
+          <p:style>
+            <a:lnRef idx="2">
+              <a:schemeClr val="accent1">
+                <a:shade val="50000"/>
+              </a:schemeClr>
+            </a:lnRef>
+            <a:fillRef idx="1">
+              <a:schemeClr val="accent1"/>
+            </a:fillRef>
+            <a:effectRef idx="0">
+              <a:schemeClr val="accent1"/>
+            </a:effectRef>
+            <a:fontRef idx="minor">
+              <a:schemeClr val="lt1"/>
+            </a:fontRef>
+          </p:style>
+          <p:txBody>
+            <a:bodyPr lIns="0" tIns="0" rIns="0" bIns="0" rtlCol="0" anchor="ctr"/>
+            <a:lstStyle/>
+            <a:p>
+              <a:pPr algn="ctr"/>
+              <a:r>
+                <a:rPr lang="en-US" sz="1100" dirty="0">
+                  <a:solidFill>
+                    <a:schemeClr val="tx1"/>
+                  </a:solidFill>
+                  <a:latin typeface="Avenir Book" panose="02000503020000020003" pitchFamily="2" charset="0"/>
+                </a:rPr>
+                <a:t>0</a:t>
+              </a:r>
+            </a:p>
+          </p:txBody>
+        </p:sp>
+        <p:sp>
+          <p:nvSpPr>
+            <p:cNvPr id="85" name="Rectangle 84">
+              <a:extLst>
+                <a:ext uri="{FF2B5EF4-FFF2-40B4-BE49-F238E27FC236}">
+                  <a16:creationId xmlns:a16="http://schemas.microsoft.com/office/drawing/2014/main" id="{B7086792-3065-084E-9980-858802BCEC4E}"/>
+                </a:ext>
+              </a:extLst>
+            </p:cNvPr>
+            <p:cNvSpPr/>
+            <p:nvPr/>
+          </p:nvSpPr>
+          <p:spPr>
+            <a:xfrm>
+              <a:off x="8546210" y="1839951"/>
+              <a:ext cx="320327" cy="295687"/>
+            </a:xfrm>
+            <a:prstGeom prst="rect">
+              <a:avLst/>
+            </a:prstGeom>
+            <a:noFill/>
+            <a:ln>
+              <a:solidFill>
+                <a:schemeClr val="tx1"/>
+              </a:solidFill>
+            </a:ln>
+          </p:spPr>
+          <p:style>
+            <a:lnRef idx="2">
+              <a:schemeClr val="accent1">
+                <a:shade val="50000"/>
+              </a:schemeClr>
+            </a:lnRef>
+            <a:fillRef idx="1">
+              <a:schemeClr val="accent1"/>
+            </a:fillRef>
+            <a:effectRef idx="0">
+              <a:schemeClr val="accent1"/>
+            </a:effectRef>
+            <a:fontRef idx="minor">
+              <a:schemeClr val="lt1"/>
+            </a:fontRef>
+          </p:style>
+          <p:txBody>
+            <a:bodyPr lIns="0" tIns="0" rIns="0" bIns="0" rtlCol="0" anchor="ctr"/>
+            <a:lstStyle/>
+            <a:p>
+              <a:pPr algn="ctr"/>
+              <a:r>
+                <a:rPr lang="en-US" sz="1100" dirty="0">
+                  <a:solidFill>
+                    <a:schemeClr val="tx1"/>
+                  </a:solidFill>
+                  <a:latin typeface="Avenir Book" panose="02000503020000020003" pitchFamily="2" charset="0"/>
+                </a:rPr>
+                <a:t>0</a:t>
+              </a:r>
+            </a:p>
+          </p:txBody>
+        </p:sp>
+        <p:sp>
+          <p:nvSpPr>
+            <p:cNvPr id="86" name="Rectangle 85">
+              <a:extLst>
+                <a:ext uri="{FF2B5EF4-FFF2-40B4-BE49-F238E27FC236}">
+                  <a16:creationId xmlns:a16="http://schemas.microsoft.com/office/drawing/2014/main" id="{B9BC9C3B-27AF-2D42-BB84-EAB16A96CB5F}"/>
+                </a:ext>
+              </a:extLst>
+            </p:cNvPr>
+            <p:cNvSpPr/>
+            <p:nvPr/>
+          </p:nvSpPr>
+          <p:spPr>
+            <a:xfrm>
+              <a:off x="8866538" y="1839951"/>
+              <a:ext cx="320327" cy="295687"/>
+            </a:xfrm>
+            <a:prstGeom prst="rect">
+              <a:avLst/>
+            </a:prstGeom>
+            <a:noFill/>
+            <a:ln>
+              <a:solidFill>
+                <a:schemeClr val="tx1"/>
+              </a:solidFill>
+            </a:ln>
+          </p:spPr>
+          <p:style>
+            <a:lnRef idx="2">
+              <a:schemeClr val="accent1">
+                <a:shade val="50000"/>
+              </a:schemeClr>
+            </a:lnRef>
+            <a:fillRef idx="1">
+              <a:schemeClr val="accent1"/>
+            </a:fillRef>
+            <a:effectRef idx="0">
+              <a:schemeClr val="accent1"/>
+            </a:effectRef>
+            <a:fontRef idx="minor">
+              <a:schemeClr val="lt1"/>
+            </a:fontRef>
+          </p:style>
+          <p:txBody>
+            <a:bodyPr lIns="0" tIns="0" rIns="0" bIns="0" rtlCol="0" anchor="ctr"/>
+            <a:lstStyle/>
+            <a:p>
+              <a:pPr algn="ctr"/>
+              <a:r>
+                <a:rPr lang="en-US" sz="1100" dirty="0">
+                  <a:solidFill>
+                    <a:schemeClr val="tx1"/>
+                  </a:solidFill>
+                  <a:latin typeface="Avenir Book" panose="02000503020000020003" pitchFamily="2" charset="0"/>
+                </a:rPr>
+                <a:t>0</a:t>
+              </a:r>
+            </a:p>
+          </p:txBody>
+        </p:sp>
+        <p:sp>
+          <p:nvSpPr>
+            <p:cNvPr id="87" name="Rectangle 86">
+              <a:extLst>
+                <a:ext uri="{FF2B5EF4-FFF2-40B4-BE49-F238E27FC236}">
+                  <a16:creationId xmlns:a16="http://schemas.microsoft.com/office/drawing/2014/main" id="{65593465-A99B-F743-B53F-134EEE43C4FF}"/>
+                </a:ext>
+              </a:extLst>
+            </p:cNvPr>
+            <p:cNvSpPr/>
+            <p:nvPr/>
+          </p:nvSpPr>
+          <p:spPr>
+            <a:xfrm>
+              <a:off x="9186865" y="1839951"/>
+              <a:ext cx="320327" cy="295687"/>
+            </a:xfrm>
+            <a:prstGeom prst="rect">
+              <a:avLst/>
+            </a:prstGeom>
+            <a:noFill/>
+            <a:ln>
+              <a:solidFill>
+                <a:schemeClr val="tx1"/>
+              </a:solidFill>
+            </a:ln>
+          </p:spPr>
+          <p:style>
+            <a:lnRef idx="2">
+              <a:schemeClr val="accent1">
+                <a:shade val="50000"/>
+              </a:schemeClr>
+            </a:lnRef>
+            <a:fillRef idx="1">
+              <a:schemeClr val="accent1"/>
+            </a:fillRef>
+            <a:effectRef idx="0">
+              <a:schemeClr val="accent1"/>
+            </a:effectRef>
+            <a:fontRef idx="minor">
+              <a:schemeClr val="lt1"/>
+            </a:fontRef>
+          </p:style>
+          <p:txBody>
+            <a:bodyPr lIns="0" tIns="0" rIns="0" bIns="0" rtlCol="0" anchor="ctr"/>
+            <a:lstStyle/>
+            <a:p>
+              <a:pPr algn="ctr"/>
+              <a:r>
+                <a:rPr lang="en-US" sz="1100" dirty="0">
+                  <a:solidFill>
+                    <a:schemeClr val="tx1"/>
+                  </a:solidFill>
+                  <a:latin typeface="Avenir Book" panose="02000503020000020003" pitchFamily="2" charset="0"/>
+                </a:rPr>
+                <a:t>0</a:t>
+              </a:r>
+            </a:p>
+          </p:txBody>
+        </p:sp>
+        <p:sp>
+          <p:nvSpPr>
+            <p:cNvPr id="88" name="Rectangle 87">
+              <a:extLst>
+                <a:ext uri="{FF2B5EF4-FFF2-40B4-BE49-F238E27FC236}">
+                  <a16:creationId xmlns:a16="http://schemas.microsoft.com/office/drawing/2014/main" id="{196675FF-4660-CE43-B059-4B382AA91F4F}"/>
+                </a:ext>
+              </a:extLst>
+            </p:cNvPr>
+            <p:cNvSpPr/>
+            <p:nvPr/>
+          </p:nvSpPr>
+          <p:spPr>
+            <a:xfrm>
+              <a:off x="9507192" y="1839951"/>
+              <a:ext cx="320327" cy="295687"/>
+            </a:xfrm>
+            <a:prstGeom prst="rect">
+              <a:avLst/>
+            </a:prstGeom>
+            <a:noFill/>
+            <a:ln>
+              <a:solidFill>
+                <a:schemeClr val="tx1"/>
+              </a:solidFill>
+            </a:ln>
+          </p:spPr>
+          <p:style>
+            <a:lnRef idx="2">
+              <a:schemeClr val="accent1">
+                <a:shade val="50000"/>
+              </a:schemeClr>
+            </a:lnRef>
+            <a:fillRef idx="1">
+              <a:schemeClr val="accent1"/>
+            </a:fillRef>
+            <a:effectRef idx="0">
+              <a:schemeClr val="accent1"/>
+            </a:effectRef>
+            <a:fontRef idx="minor">
+              <a:schemeClr val="lt1"/>
+            </a:fontRef>
+          </p:style>
+          <p:txBody>
+            <a:bodyPr lIns="0" tIns="0" rIns="0" bIns="0" rtlCol="0" anchor="ctr"/>
+            <a:lstStyle/>
+            <a:p>
+              <a:pPr algn="ctr"/>
+              <a:r>
+                <a:rPr lang="en-US" sz="1100" dirty="0">
+                  <a:solidFill>
+                    <a:schemeClr val="tx1"/>
+                  </a:solidFill>
+                  <a:latin typeface="Avenir Book" panose="02000503020000020003" pitchFamily="2" charset="0"/>
+                </a:rPr>
+                <a:t>1</a:t>
+              </a:r>
+            </a:p>
+          </p:txBody>
+        </p:sp>
+        <p:sp>
+          <p:nvSpPr>
+            <p:cNvPr id="89" name="Rectangle 88">
+              <a:extLst>
+                <a:ext uri="{FF2B5EF4-FFF2-40B4-BE49-F238E27FC236}">
+                  <a16:creationId xmlns:a16="http://schemas.microsoft.com/office/drawing/2014/main" id="{6A45FBCE-F4A8-8A4B-AC7E-9E1491642774}"/>
+                </a:ext>
+              </a:extLst>
+            </p:cNvPr>
+            <p:cNvSpPr/>
+            <p:nvPr/>
+          </p:nvSpPr>
+          <p:spPr>
+            <a:xfrm>
+              <a:off x="9827519" y="1839951"/>
+              <a:ext cx="320327" cy="295687"/>
+            </a:xfrm>
+            <a:prstGeom prst="rect">
+              <a:avLst/>
+            </a:prstGeom>
+            <a:noFill/>
+            <a:ln>
+              <a:solidFill>
+                <a:schemeClr val="tx1"/>
+              </a:solidFill>
+            </a:ln>
+          </p:spPr>
+          <p:style>
+            <a:lnRef idx="2">
+              <a:schemeClr val="accent1">
+                <a:shade val="50000"/>
+              </a:schemeClr>
+            </a:lnRef>
+            <a:fillRef idx="1">
+              <a:schemeClr val="accent1"/>
+            </a:fillRef>
+            <a:effectRef idx="0">
+              <a:schemeClr val="accent1"/>
+            </a:effectRef>
+            <a:fontRef idx="minor">
+              <a:schemeClr val="lt1"/>
+            </a:fontRef>
+          </p:style>
+          <p:txBody>
+            <a:bodyPr lIns="0" tIns="0" rIns="0" bIns="0" rtlCol="0" anchor="ctr"/>
+            <a:lstStyle/>
+            <a:p>
+              <a:pPr algn="ctr"/>
+              <a:r>
+                <a:rPr lang="en-US" sz="1100" dirty="0">
+                  <a:solidFill>
+                    <a:schemeClr val="tx1"/>
+                  </a:solidFill>
+                  <a:latin typeface="Avenir Book" panose="02000503020000020003" pitchFamily="2" charset="0"/>
+                </a:rPr>
+                <a:t>1</a:t>
+              </a:r>
+            </a:p>
+          </p:txBody>
+        </p:sp>
+        <p:sp>
+          <p:nvSpPr>
+            <p:cNvPr id="90" name="Rectangle 89">
+              <a:extLst>
+                <a:ext uri="{FF2B5EF4-FFF2-40B4-BE49-F238E27FC236}">
+                  <a16:creationId xmlns:a16="http://schemas.microsoft.com/office/drawing/2014/main" id="{4A39722E-AB28-DC41-BA7B-55E6120A115F}"/>
+                </a:ext>
+              </a:extLst>
+            </p:cNvPr>
+            <p:cNvSpPr/>
+            <p:nvPr/>
+          </p:nvSpPr>
+          <p:spPr>
+            <a:xfrm>
+              <a:off x="10147847" y="1839951"/>
+              <a:ext cx="320327" cy="295687"/>
+            </a:xfrm>
+            <a:prstGeom prst="rect">
+              <a:avLst/>
+            </a:prstGeom>
+            <a:noFill/>
+            <a:ln>
+              <a:solidFill>
+                <a:schemeClr val="tx1"/>
+              </a:solidFill>
+            </a:ln>
+          </p:spPr>
+          <p:style>
+            <a:lnRef idx="2">
+              <a:schemeClr val="accent1">
+                <a:shade val="50000"/>
+              </a:schemeClr>
+            </a:lnRef>
+            <a:fillRef idx="1">
+              <a:schemeClr val="accent1"/>
+            </a:fillRef>
+            <a:effectRef idx="0">
+              <a:schemeClr val="accent1"/>
+            </a:effectRef>
+            <a:fontRef idx="minor">
+              <a:schemeClr val="lt1"/>
+            </a:fontRef>
+          </p:style>
+          <p:txBody>
+            <a:bodyPr lIns="0" tIns="0" rIns="0" bIns="0" rtlCol="0" anchor="ctr"/>
+            <a:lstStyle/>
+            <a:p>
+              <a:pPr algn="ctr"/>
+              <a:r>
+                <a:rPr lang="en-US" sz="1100" dirty="0">
+                  <a:solidFill>
+                    <a:schemeClr val="tx1"/>
+                  </a:solidFill>
+                  <a:latin typeface="Avenir Book" panose="02000503020000020003" pitchFamily="2" charset="0"/>
+                </a:rPr>
+                <a:t>1</a:t>
+              </a:r>
+            </a:p>
+          </p:txBody>
+        </p:sp>
+        <p:sp>
+          <p:nvSpPr>
+            <p:cNvPr id="91" name="Rectangle 90">
+              <a:extLst>
+                <a:ext uri="{FF2B5EF4-FFF2-40B4-BE49-F238E27FC236}">
+                  <a16:creationId xmlns:a16="http://schemas.microsoft.com/office/drawing/2014/main" id="{54D411D3-ED9D-C040-8377-BBEFBD571C71}"/>
+                </a:ext>
+              </a:extLst>
+            </p:cNvPr>
+            <p:cNvSpPr/>
+            <p:nvPr/>
+          </p:nvSpPr>
+          <p:spPr>
+            <a:xfrm>
+              <a:off x="10468174" y="1839951"/>
+              <a:ext cx="320327" cy="295687"/>
+            </a:xfrm>
+            <a:prstGeom prst="rect">
+              <a:avLst/>
+            </a:prstGeom>
+            <a:noFill/>
+            <a:ln>
+              <a:solidFill>
+                <a:schemeClr val="tx1"/>
+              </a:solidFill>
+            </a:ln>
+          </p:spPr>
+          <p:style>
+            <a:lnRef idx="2">
+              <a:schemeClr val="accent1">
+                <a:shade val="50000"/>
+              </a:schemeClr>
+            </a:lnRef>
+            <a:fillRef idx="1">
+              <a:schemeClr val="accent1"/>
+            </a:fillRef>
+            <a:effectRef idx="0">
+              <a:schemeClr val="accent1"/>
+            </a:effectRef>
+            <a:fontRef idx="minor">
+              <a:schemeClr val="lt1"/>
+            </a:fontRef>
+          </p:style>
+          <p:txBody>
+            <a:bodyPr lIns="0" tIns="0" rIns="0" bIns="0" rtlCol="0" anchor="ctr"/>
+            <a:lstStyle/>
+            <a:p>
+              <a:pPr algn="ctr"/>
+              <a:r>
+                <a:rPr lang="en-US" sz="1100" dirty="0">
+                  <a:solidFill>
+                    <a:schemeClr val="tx1"/>
+                  </a:solidFill>
+                  <a:latin typeface="Avenir Book" panose="02000503020000020003" pitchFamily="2" charset="0"/>
+                </a:rPr>
+                <a:t>0</a:t>
+              </a:r>
+            </a:p>
+          </p:txBody>
+        </p:sp>
+      </p:grpSp>
+      <p:grpSp>
+        <p:nvGrpSpPr>
+          <p:cNvPr id="92" name="Group 91">
+            <a:extLst>
+              <a:ext uri="{FF2B5EF4-FFF2-40B4-BE49-F238E27FC236}">
+                <a16:creationId xmlns:a16="http://schemas.microsoft.com/office/drawing/2014/main" id="{9F54BC28-01A5-AA4A-97D1-6C2CF0498FB6}"/>
+              </a:ext>
+            </a:extLst>
+          </p:cNvPr>
+          <p:cNvGrpSpPr/>
+          <p:nvPr/>
+        </p:nvGrpSpPr>
+        <p:grpSpPr>
+          <a:xfrm>
+            <a:off x="3431099" y="4490031"/>
+            <a:ext cx="5125236" cy="295687"/>
+            <a:chOff x="5663265" y="1839951"/>
+            <a:chExt cx="5125236" cy="295687"/>
+          </a:xfrm>
+        </p:grpSpPr>
+        <p:sp>
+          <p:nvSpPr>
+            <p:cNvPr id="93" name="Rectangle 92">
+              <a:extLst>
+                <a:ext uri="{FF2B5EF4-FFF2-40B4-BE49-F238E27FC236}">
+                  <a16:creationId xmlns:a16="http://schemas.microsoft.com/office/drawing/2014/main" id="{BC30BDE6-9195-9A46-B899-1A49993A83DC}"/>
+                </a:ext>
+              </a:extLst>
+            </p:cNvPr>
+            <p:cNvSpPr/>
+            <p:nvPr/>
+          </p:nvSpPr>
+          <p:spPr>
+            <a:xfrm>
+              <a:off x="5663265" y="1839951"/>
+              <a:ext cx="320327" cy="295687"/>
+            </a:xfrm>
+            <a:prstGeom prst="rect">
+              <a:avLst/>
+            </a:prstGeom>
+            <a:noFill/>
+            <a:ln>
+              <a:solidFill>
+                <a:schemeClr val="tx1"/>
+              </a:solidFill>
+            </a:ln>
+          </p:spPr>
+          <p:style>
+            <a:lnRef idx="2">
+              <a:schemeClr val="accent1">
+                <a:shade val="50000"/>
+              </a:schemeClr>
+            </a:lnRef>
+            <a:fillRef idx="1">
+              <a:schemeClr val="accent1"/>
+            </a:fillRef>
+            <a:effectRef idx="0">
+              <a:schemeClr val="accent1"/>
+            </a:effectRef>
+            <a:fontRef idx="minor">
+              <a:schemeClr val="lt1"/>
+            </a:fontRef>
+          </p:style>
+          <p:txBody>
+            <a:bodyPr lIns="0" tIns="0" rIns="0" bIns="0" rtlCol="0" anchor="ctr"/>
+            <a:lstStyle/>
+            <a:p>
+              <a:pPr algn="ctr"/>
+              <a:r>
+                <a:rPr lang="en-US" sz="1100" dirty="0">
+                  <a:solidFill>
+                    <a:schemeClr val="tx1"/>
+                  </a:solidFill>
+                  <a:latin typeface="Avenir Book" panose="02000503020000020003" pitchFamily="2" charset="0"/>
+                </a:rPr>
+                <a:t>1</a:t>
+              </a:r>
+            </a:p>
+          </p:txBody>
+        </p:sp>
+        <p:sp>
+          <p:nvSpPr>
+            <p:cNvPr id="94" name="Rectangle 93">
+              <a:extLst>
+                <a:ext uri="{FF2B5EF4-FFF2-40B4-BE49-F238E27FC236}">
+                  <a16:creationId xmlns:a16="http://schemas.microsoft.com/office/drawing/2014/main" id="{63C9537A-3331-4748-B7DF-3F21F6A17E08}"/>
+                </a:ext>
+              </a:extLst>
+            </p:cNvPr>
+            <p:cNvSpPr/>
+            <p:nvPr/>
+          </p:nvSpPr>
+          <p:spPr>
+            <a:xfrm>
+              <a:off x="5983592" y="1839951"/>
+              <a:ext cx="320327" cy="295687"/>
+            </a:xfrm>
+            <a:prstGeom prst="rect">
+              <a:avLst/>
+            </a:prstGeom>
+            <a:noFill/>
+            <a:ln>
+              <a:solidFill>
+                <a:schemeClr val="tx1"/>
+              </a:solidFill>
+            </a:ln>
+          </p:spPr>
+          <p:style>
+            <a:lnRef idx="2">
+              <a:schemeClr val="accent1">
+                <a:shade val="50000"/>
+              </a:schemeClr>
+            </a:lnRef>
+            <a:fillRef idx="1">
+              <a:schemeClr val="accent1"/>
+            </a:fillRef>
+            <a:effectRef idx="0">
+              <a:schemeClr val="accent1"/>
+            </a:effectRef>
+            <a:fontRef idx="minor">
+              <a:schemeClr val="lt1"/>
+            </a:fontRef>
+          </p:style>
+          <p:txBody>
+            <a:bodyPr lIns="0" tIns="0" rIns="0" bIns="0" rtlCol="0" anchor="ctr"/>
+            <a:lstStyle/>
+            <a:p>
+              <a:pPr algn="ctr"/>
+              <a:r>
+                <a:rPr lang="en-US" sz="1100" dirty="0">
+                  <a:solidFill>
+                    <a:schemeClr val="tx1"/>
+                  </a:solidFill>
+                  <a:latin typeface="Avenir Book" panose="02000503020000020003" pitchFamily="2" charset="0"/>
+                </a:rPr>
+                <a:t>0</a:t>
+              </a:r>
+            </a:p>
+          </p:txBody>
+        </p:sp>
+        <p:sp>
+          <p:nvSpPr>
+            <p:cNvPr id="95" name="Rectangle 94">
+              <a:extLst>
+                <a:ext uri="{FF2B5EF4-FFF2-40B4-BE49-F238E27FC236}">
+                  <a16:creationId xmlns:a16="http://schemas.microsoft.com/office/drawing/2014/main" id="{3D46B540-D48D-D249-B014-BB36FEC70F43}"/>
+                </a:ext>
+              </a:extLst>
+            </p:cNvPr>
+            <p:cNvSpPr/>
+            <p:nvPr/>
+          </p:nvSpPr>
+          <p:spPr>
+            <a:xfrm>
+              <a:off x="6303920" y="1839951"/>
+              <a:ext cx="320327" cy="295687"/>
+            </a:xfrm>
+            <a:prstGeom prst="rect">
+              <a:avLst/>
+            </a:prstGeom>
+            <a:noFill/>
+            <a:ln>
+              <a:solidFill>
+                <a:schemeClr val="tx1"/>
+              </a:solidFill>
+            </a:ln>
+          </p:spPr>
+          <p:style>
+            <a:lnRef idx="2">
+              <a:schemeClr val="accent1">
+                <a:shade val="50000"/>
+              </a:schemeClr>
+            </a:lnRef>
+            <a:fillRef idx="1">
+              <a:schemeClr val="accent1"/>
+            </a:fillRef>
+            <a:effectRef idx="0">
+              <a:schemeClr val="accent1"/>
+            </a:effectRef>
+            <a:fontRef idx="minor">
+              <a:schemeClr val="lt1"/>
+            </a:fontRef>
+          </p:style>
+          <p:txBody>
+            <a:bodyPr lIns="0" tIns="0" rIns="0" bIns="0" rtlCol="0" anchor="ctr"/>
+            <a:lstStyle/>
+            <a:p>
+              <a:pPr algn="ctr"/>
+              <a:r>
+                <a:rPr lang="en-US" sz="1100" dirty="0">
+                  <a:solidFill>
+                    <a:schemeClr val="tx1"/>
+                  </a:solidFill>
+                  <a:latin typeface="Avenir Book" panose="02000503020000020003" pitchFamily="2" charset="0"/>
+                </a:rPr>
+                <a:t>0</a:t>
+              </a:r>
+            </a:p>
+          </p:txBody>
+        </p:sp>
+        <p:sp>
+          <p:nvSpPr>
+            <p:cNvPr id="96" name="Rectangle 95">
+              <a:extLst>
+                <a:ext uri="{FF2B5EF4-FFF2-40B4-BE49-F238E27FC236}">
+                  <a16:creationId xmlns:a16="http://schemas.microsoft.com/office/drawing/2014/main" id="{3CED349E-056D-2C4D-8886-C7409211A0A7}"/>
+                </a:ext>
+              </a:extLst>
+            </p:cNvPr>
+            <p:cNvSpPr/>
+            <p:nvPr/>
+          </p:nvSpPr>
+          <p:spPr>
+            <a:xfrm>
+              <a:off x="6624247" y="1839951"/>
+              <a:ext cx="320327" cy="295687"/>
+            </a:xfrm>
+            <a:prstGeom prst="rect">
+              <a:avLst/>
+            </a:prstGeom>
+            <a:noFill/>
+            <a:ln>
+              <a:solidFill>
+                <a:schemeClr val="tx1"/>
+              </a:solidFill>
+            </a:ln>
+          </p:spPr>
+          <p:style>
+            <a:lnRef idx="2">
+              <a:schemeClr val="accent1">
+                <a:shade val="50000"/>
+              </a:schemeClr>
+            </a:lnRef>
+            <a:fillRef idx="1">
+              <a:schemeClr val="accent1"/>
+            </a:fillRef>
+            <a:effectRef idx="0">
+              <a:schemeClr val="accent1"/>
+            </a:effectRef>
+            <a:fontRef idx="minor">
+              <a:schemeClr val="lt1"/>
+            </a:fontRef>
+          </p:style>
+          <p:txBody>
+            <a:bodyPr lIns="0" tIns="0" rIns="0" bIns="0" rtlCol="0" anchor="ctr"/>
+            <a:lstStyle/>
+            <a:p>
+              <a:pPr algn="ctr"/>
+              <a:r>
+                <a:rPr lang="en-US" sz="1100" dirty="0">
+                  <a:solidFill>
+                    <a:schemeClr val="tx1"/>
+                  </a:solidFill>
+                  <a:latin typeface="Avenir Book" panose="02000503020000020003" pitchFamily="2" charset="0"/>
+                </a:rPr>
+                <a:t>1</a:t>
+              </a:r>
+            </a:p>
+          </p:txBody>
+        </p:sp>
+        <p:sp>
+          <p:nvSpPr>
+            <p:cNvPr id="97" name="Rectangle 96">
+              <a:extLst>
+                <a:ext uri="{FF2B5EF4-FFF2-40B4-BE49-F238E27FC236}">
+                  <a16:creationId xmlns:a16="http://schemas.microsoft.com/office/drawing/2014/main" id="{F11E0CB7-9ADE-E845-A41D-865FC3349060}"/>
+                </a:ext>
+              </a:extLst>
+            </p:cNvPr>
+            <p:cNvSpPr/>
+            <p:nvPr/>
+          </p:nvSpPr>
+          <p:spPr>
+            <a:xfrm>
+              <a:off x="6944574" y="1839951"/>
+              <a:ext cx="320327" cy="295687"/>
+            </a:xfrm>
+            <a:prstGeom prst="rect">
+              <a:avLst/>
+            </a:prstGeom>
+            <a:noFill/>
+            <a:ln>
+              <a:solidFill>
+                <a:schemeClr val="tx1"/>
+              </a:solidFill>
+            </a:ln>
+          </p:spPr>
+          <p:style>
+            <a:lnRef idx="2">
+              <a:schemeClr val="accent1">
+                <a:shade val="50000"/>
+              </a:schemeClr>
+            </a:lnRef>
+            <a:fillRef idx="1">
+              <a:schemeClr val="accent1"/>
+            </a:fillRef>
+            <a:effectRef idx="0">
+              <a:schemeClr val="accent1"/>
+            </a:effectRef>
+            <a:fontRef idx="minor">
+              <a:schemeClr val="lt1"/>
+            </a:fontRef>
+          </p:style>
+          <p:txBody>
+            <a:bodyPr lIns="0" tIns="0" rIns="0" bIns="0" rtlCol="0" anchor="ctr"/>
+            <a:lstStyle/>
+            <a:p>
+              <a:pPr algn="ctr"/>
+              <a:r>
+                <a:rPr lang="en-US" sz="1100" dirty="0">
+                  <a:solidFill>
+                    <a:schemeClr val="tx1"/>
+                  </a:solidFill>
+                  <a:latin typeface="Avenir Book" panose="02000503020000020003" pitchFamily="2" charset="0"/>
+                </a:rPr>
+                <a:t>1</a:t>
+              </a:r>
+            </a:p>
+          </p:txBody>
+        </p:sp>
+        <p:sp>
+          <p:nvSpPr>
+            <p:cNvPr id="98" name="Rectangle 97">
+              <a:extLst>
+                <a:ext uri="{FF2B5EF4-FFF2-40B4-BE49-F238E27FC236}">
+                  <a16:creationId xmlns:a16="http://schemas.microsoft.com/office/drawing/2014/main" id="{C54291B3-A7C8-314E-9B82-EBF5121C0E5A}"/>
+                </a:ext>
+              </a:extLst>
+            </p:cNvPr>
+            <p:cNvSpPr/>
+            <p:nvPr/>
+          </p:nvSpPr>
+          <p:spPr>
+            <a:xfrm>
+              <a:off x="7264901" y="1839951"/>
+              <a:ext cx="320327" cy="295687"/>
+            </a:xfrm>
+            <a:prstGeom prst="rect">
+              <a:avLst/>
+            </a:prstGeom>
+            <a:solidFill>
+              <a:srgbClr val="FFC000"/>
+            </a:solidFill>
+            <a:ln>
+              <a:solidFill>
+                <a:schemeClr val="tx1"/>
+              </a:solidFill>
+            </a:ln>
+          </p:spPr>
+          <p:style>
+            <a:lnRef idx="2">
+              <a:schemeClr val="accent1">
+                <a:shade val="50000"/>
+              </a:schemeClr>
+            </a:lnRef>
+            <a:fillRef idx="1">
+              <a:schemeClr val="accent1"/>
+            </a:fillRef>
+            <a:effectRef idx="0">
+              <a:schemeClr val="accent1"/>
+            </a:effectRef>
+            <a:fontRef idx="minor">
+              <a:schemeClr val="lt1"/>
+            </a:fontRef>
+          </p:style>
+          <p:txBody>
+            <a:bodyPr lIns="0" tIns="0" rIns="0" bIns="0" rtlCol="0" anchor="ctr"/>
+            <a:lstStyle/>
+            <a:p>
+              <a:pPr algn="ctr"/>
+              <a:r>
+                <a:rPr lang="en-US" sz="1100" dirty="0">
+                  <a:solidFill>
+                    <a:schemeClr val="tx1"/>
+                  </a:solidFill>
+                  <a:latin typeface="Avenir Book" panose="02000503020000020003" pitchFamily="2" charset="0"/>
+                </a:rPr>
+                <a:t>1</a:t>
+              </a:r>
+            </a:p>
+          </p:txBody>
+        </p:sp>
+        <p:sp>
+          <p:nvSpPr>
+            <p:cNvPr id="99" name="Rectangle 98">
+              <a:extLst>
+                <a:ext uri="{FF2B5EF4-FFF2-40B4-BE49-F238E27FC236}">
+                  <a16:creationId xmlns:a16="http://schemas.microsoft.com/office/drawing/2014/main" id="{5DE9A945-D0FF-F44F-BF1B-37AE5EE72CD2}"/>
+                </a:ext>
+              </a:extLst>
+            </p:cNvPr>
+            <p:cNvSpPr/>
+            <p:nvPr/>
+          </p:nvSpPr>
+          <p:spPr>
+            <a:xfrm>
+              <a:off x="7585229" y="1839951"/>
+              <a:ext cx="320327" cy="295687"/>
+            </a:xfrm>
+            <a:prstGeom prst="rect">
+              <a:avLst/>
+            </a:prstGeom>
+            <a:noFill/>
+            <a:ln>
+              <a:solidFill>
+                <a:schemeClr val="tx1"/>
+              </a:solidFill>
+            </a:ln>
+          </p:spPr>
+          <p:style>
+            <a:lnRef idx="2">
+              <a:schemeClr val="accent1">
+                <a:shade val="50000"/>
+              </a:schemeClr>
+            </a:lnRef>
+            <a:fillRef idx="1">
+              <a:schemeClr val="accent1"/>
+            </a:fillRef>
+            <a:effectRef idx="0">
+              <a:schemeClr val="accent1"/>
+            </a:effectRef>
+            <a:fontRef idx="minor">
+              <a:schemeClr val="lt1"/>
+            </a:fontRef>
+          </p:style>
+          <p:txBody>
+            <a:bodyPr lIns="0" tIns="0" rIns="0" bIns="0" rtlCol="0" anchor="ctr"/>
+            <a:lstStyle/>
+            <a:p>
+              <a:pPr algn="ctr"/>
+              <a:r>
+                <a:rPr lang="en-US" sz="1100" dirty="0">
+                  <a:solidFill>
+                    <a:schemeClr val="tx1"/>
+                  </a:solidFill>
+                  <a:latin typeface="Avenir Book" panose="02000503020000020003" pitchFamily="2" charset="0"/>
+                </a:rPr>
+                <a:t>1</a:t>
+              </a:r>
+            </a:p>
+          </p:txBody>
+        </p:sp>
+        <p:sp>
+          <p:nvSpPr>
+            <p:cNvPr id="100" name="Rectangle 99">
+              <a:extLst>
+                <a:ext uri="{FF2B5EF4-FFF2-40B4-BE49-F238E27FC236}">
+                  <a16:creationId xmlns:a16="http://schemas.microsoft.com/office/drawing/2014/main" id="{60342C90-3FE6-2848-94F5-C50A28D94B71}"/>
+                </a:ext>
+              </a:extLst>
+            </p:cNvPr>
+            <p:cNvSpPr/>
+            <p:nvPr/>
+          </p:nvSpPr>
+          <p:spPr>
+            <a:xfrm>
+              <a:off x="7905556" y="1839951"/>
+              <a:ext cx="320327" cy="295687"/>
+            </a:xfrm>
+            <a:prstGeom prst="rect">
+              <a:avLst/>
+            </a:prstGeom>
+            <a:noFill/>
+            <a:ln>
+              <a:solidFill>
+                <a:schemeClr val="tx1"/>
+              </a:solidFill>
+            </a:ln>
+          </p:spPr>
+          <p:style>
+            <a:lnRef idx="2">
+              <a:schemeClr val="accent1">
+                <a:shade val="50000"/>
+              </a:schemeClr>
+            </a:lnRef>
+            <a:fillRef idx="1">
+              <a:schemeClr val="accent1"/>
+            </a:fillRef>
+            <a:effectRef idx="0">
+              <a:schemeClr val="accent1"/>
+            </a:effectRef>
+            <a:fontRef idx="minor">
+              <a:schemeClr val="lt1"/>
+            </a:fontRef>
+          </p:style>
+          <p:txBody>
+            <a:bodyPr lIns="0" tIns="0" rIns="0" bIns="0" rtlCol="0" anchor="ctr"/>
+            <a:lstStyle/>
+            <a:p>
+              <a:pPr algn="ctr"/>
+              <a:r>
+                <a:rPr lang="en-US" sz="1100" dirty="0">
+                  <a:solidFill>
+                    <a:schemeClr val="tx1"/>
+                  </a:solidFill>
+                  <a:latin typeface="Avenir Book" panose="02000503020000020003" pitchFamily="2" charset="0"/>
+                </a:rPr>
+                <a:t>0</a:t>
+              </a:r>
+            </a:p>
+          </p:txBody>
+        </p:sp>
+        <p:sp>
+          <p:nvSpPr>
+            <p:cNvPr id="101" name="Rectangle 100">
+              <a:extLst>
+                <a:ext uri="{FF2B5EF4-FFF2-40B4-BE49-F238E27FC236}">
+                  <a16:creationId xmlns:a16="http://schemas.microsoft.com/office/drawing/2014/main" id="{05E784BA-584F-2F49-9124-C9CCA3B8695C}"/>
+                </a:ext>
+              </a:extLst>
+            </p:cNvPr>
+            <p:cNvSpPr/>
+            <p:nvPr/>
+          </p:nvSpPr>
+          <p:spPr>
+            <a:xfrm>
+              <a:off x="8225883" y="1839951"/>
+              <a:ext cx="320327" cy="295687"/>
+            </a:xfrm>
+            <a:prstGeom prst="rect">
+              <a:avLst/>
+            </a:prstGeom>
+            <a:noFill/>
+            <a:ln>
+              <a:solidFill>
+                <a:schemeClr val="tx1"/>
+              </a:solidFill>
+            </a:ln>
+          </p:spPr>
+          <p:style>
+            <a:lnRef idx="2">
+              <a:schemeClr val="accent1">
+                <a:shade val="50000"/>
+              </a:schemeClr>
+            </a:lnRef>
+            <a:fillRef idx="1">
+              <a:schemeClr val="accent1"/>
+            </a:fillRef>
+            <a:effectRef idx="0">
+              <a:schemeClr val="accent1"/>
+            </a:effectRef>
+            <a:fontRef idx="minor">
+              <a:schemeClr val="lt1"/>
+            </a:fontRef>
+          </p:style>
+          <p:txBody>
+            <a:bodyPr lIns="0" tIns="0" rIns="0" bIns="0" rtlCol="0" anchor="ctr"/>
+            <a:lstStyle/>
+            <a:p>
+              <a:pPr algn="ctr"/>
+              <a:r>
+                <a:rPr lang="en-US" sz="1100" dirty="0">
+                  <a:solidFill>
+                    <a:schemeClr val="tx1"/>
+                  </a:solidFill>
+                  <a:latin typeface="Avenir Book" panose="02000503020000020003" pitchFamily="2" charset="0"/>
+                </a:rPr>
+                <a:t>0</a:t>
+              </a:r>
+            </a:p>
+          </p:txBody>
+        </p:sp>
+        <p:sp>
+          <p:nvSpPr>
+            <p:cNvPr id="102" name="Rectangle 101">
+              <a:extLst>
+                <a:ext uri="{FF2B5EF4-FFF2-40B4-BE49-F238E27FC236}">
+                  <a16:creationId xmlns:a16="http://schemas.microsoft.com/office/drawing/2014/main" id="{53A8E1C2-E201-D24D-8C79-95DECF7D3976}"/>
+                </a:ext>
+              </a:extLst>
+            </p:cNvPr>
+            <p:cNvSpPr/>
+            <p:nvPr/>
+          </p:nvSpPr>
+          <p:spPr>
+            <a:xfrm>
+              <a:off x="8546210" y="1839951"/>
+              <a:ext cx="320327" cy="295687"/>
+            </a:xfrm>
+            <a:prstGeom prst="rect">
+              <a:avLst/>
+            </a:prstGeom>
+            <a:noFill/>
+            <a:ln>
+              <a:solidFill>
+                <a:schemeClr val="tx1"/>
+              </a:solidFill>
+            </a:ln>
+          </p:spPr>
+          <p:style>
+            <a:lnRef idx="2">
+              <a:schemeClr val="accent1">
+                <a:shade val="50000"/>
+              </a:schemeClr>
+            </a:lnRef>
+            <a:fillRef idx="1">
+              <a:schemeClr val="accent1"/>
+            </a:fillRef>
+            <a:effectRef idx="0">
+              <a:schemeClr val="accent1"/>
+            </a:effectRef>
+            <a:fontRef idx="minor">
+              <a:schemeClr val="lt1"/>
+            </a:fontRef>
+          </p:style>
+          <p:txBody>
+            <a:bodyPr lIns="0" tIns="0" rIns="0" bIns="0" rtlCol="0" anchor="ctr"/>
+            <a:lstStyle/>
+            <a:p>
+              <a:pPr algn="ctr"/>
+              <a:r>
+                <a:rPr lang="en-US" sz="1100" dirty="0">
+                  <a:solidFill>
+                    <a:schemeClr val="tx1"/>
+                  </a:solidFill>
+                  <a:latin typeface="Avenir Book" panose="02000503020000020003" pitchFamily="2" charset="0"/>
+                </a:rPr>
+                <a:t>0</a:t>
+              </a:r>
+            </a:p>
+          </p:txBody>
+        </p:sp>
+        <p:sp>
+          <p:nvSpPr>
+            <p:cNvPr id="103" name="Rectangle 102">
+              <a:extLst>
+                <a:ext uri="{FF2B5EF4-FFF2-40B4-BE49-F238E27FC236}">
+                  <a16:creationId xmlns:a16="http://schemas.microsoft.com/office/drawing/2014/main" id="{11972D81-622C-1441-86AF-0EE0C31A279E}"/>
+                </a:ext>
+              </a:extLst>
+            </p:cNvPr>
+            <p:cNvSpPr/>
+            <p:nvPr/>
+          </p:nvSpPr>
+          <p:spPr>
+            <a:xfrm>
+              <a:off x="8866538" y="1839951"/>
+              <a:ext cx="320327" cy="295687"/>
+            </a:xfrm>
+            <a:prstGeom prst="rect">
+              <a:avLst/>
+            </a:prstGeom>
+            <a:noFill/>
+            <a:ln>
+              <a:solidFill>
+                <a:schemeClr val="tx1"/>
+              </a:solidFill>
+            </a:ln>
+          </p:spPr>
+          <p:style>
+            <a:lnRef idx="2">
+              <a:schemeClr val="accent1">
+                <a:shade val="50000"/>
+              </a:schemeClr>
+            </a:lnRef>
+            <a:fillRef idx="1">
+              <a:schemeClr val="accent1"/>
+            </a:fillRef>
+            <a:effectRef idx="0">
+              <a:schemeClr val="accent1"/>
+            </a:effectRef>
+            <a:fontRef idx="minor">
+              <a:schemeClr val="lt1"/>
+            </a:fontRef>
+          </p:style>
+          <p:txBody>
+            <a:bodyPr lIns="0" tIns="0" rIns="0" bIns="0" rtlCol="0" anchor="ctr"/>
+            <a:lstStyle/>
+            <a:p>
+              <a:pPr algn="ctr"/>
+              <a:r>
+                <a:rPr lang="en-US" sz="1100" dirty="0">
+                  <a:solidFill>
+                    <a:schemeClr val="tx1"/>
+                  </a:solidFill>
+                  <a:latin typeface="Avenir Book" panose="02000503020000020003" pitchFamily="2" charset="0"/>
+                </a:rPr>
+                <a:t>0</a:t>
+              </a:r>
+            </a:p>
+          </p:txBody>
+        </p:sp>
+        <p:sp>
+          <p:nvSpPr>
+            <p:cNvPr id="104" name="Rectangle 103">
+              <a:extLst>
+                <a:ext uri="{FF2B5EF4-FFF2-40B4-BE49-F238E27FC236}">
+                  <a16:creationId xmlns:a16="http://schemas.microsoft.com/office/drawing/2014/main" id="{AFEE9D18-F14F-F241-9085-8F4E1AD386CA}"/>
+                </a:ext>
+              </a:extLst>
+            </p:cNvPr>
+            <p:cNvSpPr/>
+            <p:nvPr/>
+          </p:nvSpPr>
+          <p:spPr>
+            <a:xfrm>
+              <a:off x="9186865" y="1839951"/>
+              <a:ext cx="320327" cy="295687"/>
+            </a:xfrm>
+            <a:prstGeom prst="rect">
+              <a:avLst/>
+            </a:prstGeom>
+            <a:noFill/>
+            <a:ln>
+              <a:solidFill>
+                <a:schemeClr val="tx1"/>
+              </a:solidFill>
+            </a:ln>
+          </p:spPr>
+          <p:style>
+            <a:lnRef idx="2">
+              <a:schemeClr val="accent1">
+                <a:shade val="50000"/>
+              </a:schemeClr>
+            </a:lnRef>
+            <a:fillRef idx="1">
+              <a:schemeClr val="accent1"/>
+            </a:fillRef>
+            <a:effectRef idx="0">
+              <a:schemeClr val="accent1"/>
+            </a:effectRef>
+            <a:fontRef idx="minor">
+              <a:schemeClr val="lt1"/>
+            </a:fontRef>
+          </p:style>
+          <p:txBody>
+            <a:bodyPr lIns="0" tIns="0" rIns="0" bIns="0" rtlCol="0" anchor="ctr"/>
+            <a:lstStyle/>
+            <a:p>
+              <a:pPr algn="ctr"/>
+              <a:r>
+                <a:rPr lang="en-US" sz="1100" dirty="0">
+                  <a:solidFill>
+                    <a:schemeClr val="tx1"/>
+                  </a:solidFill>
+                  <a:latin typeface="Avenir Book" panose="02000503020000020003" pitchFamily="2" charset="0"/>
+                </a:rPr>
+                <a:t>0</a:t>
+              </a:r>
+            </a:p>
+          </p:txBody>
+        </p:sp>
+        <p:sp>
+          <p:nvSpPr>
+            <p:cNvPr id="105" name="Rectangle 104">
+              <a:extLst>
+                <a:ext uri="{FF2B5EF4-FFF2-40B4-BE49-F238E27FC236}">
+                  <a16:creationId xmlns:a16="http://schemas.microsoft.com/office/drawing/2014/main" id="{5BDE8636-79C0-514E-9C55-E6F681C2A833}"/>
+                </a:ext>
+              </a:extLst>
+            </p:cNvPr>
+            <p:cNvSpPr/>
+            <p:nvPr/>
+          </p:nvSpPr>
+          <p:spPr>
+            <a:xfrm>
+              <a:off x="9507192" y="1839951"/>
+              <a:ext cx="320327" cy="295687"/>
+            </a:xfrm>
+            <a:prstGeom prst="rect">
+              <a:avLst/>
+            </a:prstGeom>
+            <a:noFill/>
+            <a:ln>
+              <a:solidFill>
+                <a:schemeClr val="tx1"/>
+              </a:solidFill>
+            </a:ln>
+          </p:spPr>
+          <p:style>
+            <a:lnRef idx="2">
+              <a:schemeClr val="accent1">
+                <a:shade val="50000"/>
+              </a:schemeClr>
+            </a:lnRef>
+            <a:fillRef idx="1">
+              <a:schemeClr val="accent1"/>
+            </a:fillRef>
+            <a:effectRef idx="0">
+              <a:schemeClr val="accent1"/>
+            </a:effectRef>
+            <a:fontRef idx="minor">
+              <a:schemeClr val="lt1"/>
+            </a:fontRef>
+          </p:style>
+          <p:txBody>
+            <a:bodyPr lIns="0" tIns="0" rIns="0" bIns="0" rtlCol="0" anchor="ctr"/>
+            <a:lstStyle/>
+            <a:p>
+              <a:pPr algn="ctr"/>
+              <a:r>
+                <a:rPr lang="en-US" sz="1100" dirty="0">
+                  <a:solidFill>
+                    <a:schemeClr val="tx1"/>
+                  </a:solidFill>
+                  <a:latin typeface="Avenir Book" panose="02000503020000020003" pitchFamily="2" charset="0"/>
+                </a:rPr>
+                <a:t>1</a:t>
+              </a:r>
+            </a:p>
+          </p:txBody>
+        </p:sp>
+        <p:sp>
+          <p:nvSpPr>
+            <p:cNvPr id="106" name="Rectangle 105">
+              <a:extLst>
+                <a:ext uri="{FF2B5EF4-FFF2-40B4-BE49-F238E27FC236}">
+                  <a16:creationId xmlns:a16="http://schemas.microsoft.com/office/drawing/2014/main" id="{76344F8F-D287-0849-BC07-790438A32902}"/>
+                </a:ext>
+              </a:extLst>
+            </p:cNvPr>
+            <p:cNvSpPr/>
+            <p:nvPr/>
+          </p:nvSpPr>
+          <p:spPr>
+            <a:xfrm>
+              <a:off x="9827519" y="1839951"/>
+              <a:ext cx="320327" cy="295687"/>
+            </a:xfrm>
+            <a:prstGeom prst="rect">
+              <a:avLst/>
+            </a:prstGeom>
+            <a:noFill/>
+            <a:ln>
+              <a:solidFill>
+                <a:schemeClr val="tx1"/>
+              </a:solidFill>
+            </a:ln>
+          </p:spPr>
+          <p:style>
+            <a:lnRef idx="2">
+              <a:schemeClr val="accent1">
+                <a:shade val="50000"/>
+              </a:schemeClr>
+            </a:lnRef>
+            <a:fillRef idx="1">
+              <a:schemeClr val="accent1"/>
+            </a:fillRef>
+            <a:effectRef idx="0">
+              <a:schemeClr val="accent1"/>
+            </a:effectRef>
+            <a:fontRef idx="minor">
+              <a:schemeClr val="lt1"/>
+            </a:fontRef>
+          </p:style>
+          <p:txBody>
+            <a:bodyPr lIns="0" tIns="0" rIns="0" bIns="0" rtlCol="0" anchor="ctr"/>
+            <a:lstStyle/>
+            <a:p>
+              <a:pPr algn="ctr"/>
+              <a:r>
+                <a:rPr lang="en-US" sz="1100" dirty="0">
+                  <a:solidFill>
+                    <a:schemeClr val="tx1"/>
+                  </a:solidFill>
+                  <a:latin typeface="Avenir Book" panose="02000503020000020003" pitchFamily="2" charset="0"/>
+                </a:rPr>
+                <a:t>1</a:t>
+              </a:r>
+            </a:p>
+          </p:txBody>
+        </p:sp>
+        <p:sp>
+          <p:nvSpPr>
+            <p:cNvPr id="107" name="Rectangle 106">
+              <a:extLst>
+                <a:ext uri="{FF2B5EF4-FFF2-40B4-BE49-F238E27FC236}">
+                  <a16:creationId xmlns:a16="http://schemas.microsoft.com/office/drawing/2014/main" id="{E7B619C3-D8A7-EB42-8739-BA4D397EE93B}"/>
+                </a:ext>
+              </a:extLst>
+            </p:cNvPr>
+            <p:cNvSpPr/>
+            <p:nvPr/>
+          </p:nvSpPr>
+          <p:spPr>
+            <a:xfrm>
+              <a:off x="10147847" y="1839951"/>
+              <a:ext cx="320327" cy="295687"/>
+            </a:xfrm>
+            <a:prstGeom prst="rect">
+              <a:avLst/>
+            </a:prstGeom>
+            <a:noFill/>
+            <a:ln>
+              <a:solidFill>
+                <a:schemeClr val="tx1"/>
+              </a:solidFill>
+            </a:ln>
+          </p:spPr>
+          <p:style>
+            <a:lnRef idx="2">
+              <a:schemeClr val="accent1">
+                <a:shade val="50000"/>
+              </a:schemeClr>
+            </a:lnRef>
+            <a:fillRef idx="1">
+              <a:schemeClr val="accent1"/>
+            </a:fillRef>
+            <a:effectRef idx="0">
+              <a:schemeClr val="accent1"/>
+            </a:effectRef>
+            <a:fontRef idx="minor">
+              <a:schemeClr val="lt1"/>
+            </a:fontRef>
+          </p:style>
+          <p:txBody>
+            <a:bodyPr lIns="0" tIns="0" rIns="0" bIns="0" rtlCol="0" anchor="ctr"/>
+            <a:lstStyle/>
+            <a:p>
+              <a:pPr algn="ctr"/>
+              <a:r>
+                <a:rPr lang="en-US" sz="1100" dirty="0">
+                  <a:solidFill>
+                    <a:schemeClr val="tx1"/>
+                  </a:solidFill>
+                  <a:latin typeface="Avenir Book" panose="02000503020000020003" pitchFamily="2" charset="0"/>
+                </a:rPr>
+                <a:t>1</a:t>
+              </a:r>
+            </a:p>
+          </p:txBody>
+        </p:sp>
+        <p:sp>
+          <p:nvSpPr>
+            <p:cNvPr id="108" name="Rectangle 107">
+              <a:extLst>
+                <a:ext uri="{FF2B5EF4-FFF2-40B4-BE49-F238E27FC236}">
+                  <a16:creationId xmlns:a16="http://schemas.microsoft.com/office/drawing/2014/main" id="{49311F58-B746-0E44-98C9-9E1FDEFBB325}"/>
+                </a:ext>
+              </a:extLst>
+            </p:cNvPr>
+            <p:cNvSpPr/>
+            <p:nvPr/>
+          </p:nvSpPr>
+          <p:spPr>
+            <a:xfrm>
+              <a:off x="10468174" y="1839951"/>
+              <a:ext cx="320327" cy="295687"/>
+            </a:xfrm>
+            <a:prstGeom prst="rect">
+              <a:avLst/>
+            </a:prstGeom>
+            <a:noFill/>
+            <a:ln>
+              <a:solidFill>
+                <a:schemeClr val="tx1"/>
+              </a:solidFill>
+            </a:ln>
+          </p:spPr>
+          <p:style>
+            <a:lnRef idx="2">
+              <a:schemeClr val="accent1">
+                <a:shade val="50000"/>
+              </a:schemeClr>
+            </a:lnRef>
+            <a:fillRef idx="1">
+              <a:schemeClr val="accent1"/>
+            </a:fillRef>
+            <a:effectRef idx="0">
+              <a:schemeClr val="accent1"/>
+            </a:effectRef>
+            <a:fontRef idx="minor">
+              <a:schemeClr val="lt1"/>
+            </a:fontRef>
+          </p:style>
+          <p:txBody>
+            <a:bodyPr lIns="0" tIns="0" rIns="0" bIns="0" rtlCol="0" anchor="ctr"/>
+            <a:lstStyle/>
+            <a:p>
+              <a:pPr algn="ctr"/>
+              <a:r>
+                <a:rPr lang="en-US" sz="1100" dirty="0">
+                  <a:solidFill>
+                    <a:schemeClr val="tx1"/>
+                  </a:solidFill>
+                  <a:latin typeface="Avenir Book" panose="02000503020000020003" pitchFamily="2" charset="0"/>
+                </a:rPr>
+                <a:t>0</a:t>
+              </a:r>
+            </a:p>
+          </p:txBody>
+        </p:sp>
+      </p:grpSp>
+      <p:grpSp>
+        <p:nvGrpSpPr>
+          <p:cNvPr id="109" name="Group 108">
+            <a:extLst>
+              <a:ext uri="{FF2B5EF4-FFF2-40B4-BE49-F238E27FC236}">
+                <a16:creationId xmlns:a16="http://schemas.microsoft.com/office/drawing/2014/main" id="{FEC215C9-8E18-FC48-B9E8-A84C4A7DD561}"/>
+              </a:ext>
+            </a:extLst>
+          </p:cNvPr>
+          <p:cNvGrpSpPr/>
+          <p:nvPr/>
+        </p:nvGrpSpPr>
+        <p:grpSpPr>
+          <a:xfrm>
+            <a:off x="3411181" y="5502308"/>
+            <a:ext cx="5125236" cy="295687"/>
+            <a:chOff x="5663265" y="1839951"/>
+            <a:chExt cx="5125236" cy="295687"/>
+          </a:xfrm>
+        </p:grpSpPr>
+        <p:sp>
+          <p:nvSpPr>
+            <p:cNvPr id="110" name="Rectangle 109">
+              <a:extLst>
+                <a:ext uri="{FF2B5EF4-FFF2-40B4-BE49-F238E27FC236}">
+                  <a16:creationId xmlns:a16="http://schemas.microsoft.com/office/drawing/2014/main" id="{E26D5930-4AEB-4B4C-B704-6C2FE5BB3FBB}"/>
+                </a:ext>
+              </a:extLst>
+            </p:cNvPr>
+            <p:cNvSpPr/>
+            <p:nvPr/>
+          </p:nvSpPr>
+          <p:spPr>
+            <a:xfrm>
+              <a:off x="5663265" y="1839951"/>
+              <a:ext cx="320327" cy="295687"/>
+            </a:xfrm>
+            <a:prstGeom prst="rect">
+              <a:avLst/>
+            </a:prstGeom>
+            <a:noFill/>
+            <a:ln>
+              <a:solidFill>
+                <a:schemeClr val="tx1"/>
+              </a:solidFill>
+            </a:ln>
+          </p:spPr>
+          <p:style>
+            <a:lnRef idx="2">
+              <a:schemeClr val="accent1">
+                <a:shade val="50000"/>
+              </a:schemeClr>
+            </a:lnRef>
+            <a:fillRef idx="1">
+              <a:schemeClr val="accent1"/>
+            </a:fillRef>
+            <a:effectRef idx="0">
+              <a:schemeClr val="accent1"/>
+            </a:effectRef>
+            <a:fontRef idx="minor">
+              <a:schemeClr val="lt1"/>
+            </a:fontRef>
+          </p:style>
+          <p:txBody>
+            <a:bodyPr lIns="0" tIns="0" rIns="0" bIns="0" rtlCol="0" anchor="ctr"/>
+            <a:lstStyle/>
+            <a:p>
+              <a:pPr algn="ctr"/>
+              <a:r>
+                <a:rPr lang="en-US" sz="1100" dirty="0">
+                  <a:solidFill>
+                    <a:schemeClr val="tx1"/>
+                  </a:solidFill>
+                  <a:latin typeface="Avenir Book" panose="02000503020000020003" pitchFamily="2" charset="0"/>
+                </a:rPr>
+                <a:t>1</a:t>
+              </a:r>
+            </a:p>
+          </p:txBody>
+        </p:sp>
+        <p:sp>
+          <p:nvSpPr>
+            <p:cNvPr id="111" name="Rectangle 110">
+              <a:extLst>
+                <a:ext uri="{FF2B5EF4-FFF2-40B4-BE49-F238E27FC236}">
+                  <a16:creationId xmlns:a16="http://schemas.microsoft.com/office/drawing/2014/main" id="{E38098B7-7819-E24F-8827-9832B215C7D6}"/>
+                </a:ext>
+              </a:extLst>
+            </p:cNvPr>
+            <p:cNvSpPr/>
+            <p:nvPr/>
+          </p:nvSpPr>
+          <p:spPr>
+            <a:xfrm>
+              <a:off x="5983592" y="1839951"/>
+              <a:ext cx="320327" cy="295687"/>
+            </a:xfrm>
+            <a:prstGeom prst="rect">
+              <a:avLst/>
+            </a:prstGeom>
+            <a:noFill/>
+            <a:ln>
+              <a:solidFill>
+                <a:schemeClr val="tx1"/>
+              </a:solidFill>
+            </a:ln>
+          </p:spPr>
+          <p:style>
+            <a:lnRef idx="2">
+              <a:schemeClr val="accent1">
+                <a:shade val="50000"/>
+              </a:schemeClr>
+            </a:lnRef>
+            <a:fillRef idx="1">
+              <a:schemeClr val="accent1"/>
+            </a:fillRef>
+            <a:effectRef idx="0">
+              <a:schemeClr val="accent1"/>
+            </a:effectRef>
+            <a:fontRef idx="minor">
+              <a:schemeClr val="lt1"/>
+            </a:fontRef>
+          </p:style>
+          <p:txBody>
+            <a:bodyPr lIns="0" tIns="0" rIns="0" bIns="0" rtlCol="0" anchor="ctr"/>
+            <a:lstStyle/>
+            <a:p>
+              <a:pPr algn="ctr"/>
+              <a:r>
+                <a:rPr lang="en-US" sz="1100" dirty="0">
+                  <a:solidFill>
+                    <a:schemeClr val="tx1"/>
+                  </a:solidFill>
+                  <a:latin typeface="Avenir Book" panose="02000503020000020003" pitchFamily="2" charset="0"/>
+                </a:rPr>
+                <a:t>0</a:t>
+              </a:r>
+            </a:p>
+          </p:txBody>
+        </p:sp>
+        <p:sp>
+          <p:nvSpPr>
+            <p:cNvPr id="112" name="Rectangle 111">
+              <a:extLst>
+                <a:ext uri="{FF2B5EF4-FFF2-40B4-BE49-F238E27FC236}">
+                  <a16:creationId xmlns:a16="http://schemas.microsoft.com/office/drawing/2014/main" id="{56B23C26-D168-264E-B1EB-10166194E300}"/>
+                </a:ext>
+              </a:extLst>
+            </p:cNvPr>
+            <p:cNvSpPr/>
+            <p:nvPr/>
+          </p:nvSpPr>
+          <p:spPr>
+            <a:xfrm>
+              <a:off x="6303920" y="1839951"/>
+              <a:ext cx="320327" cy="295687"/>
+            </a:xfrm>
+            <a:prstGeom prst="rect">
+              <a:avLst/>
+            </a:prstGeom>
+            <a:noFill/>
+            <a:ln>
+              <a:solidFill>
+                <a:schemeClr val="tx1"/>
+              </a:solidFill>
+            </a:ln>
+          </p:spPr>
+          <p:style>
+            <a:lnRef idx="2">
+              <a:schemeClr val="accent1">
+                <a:shade val="50000"/>
+              </a:schemeClr>
+            </a:lnRef>
+            <a:fillRef idx="1">
+              <a:schemeClr val="accent1"/>
+            </a:fillRef>
+            <a:effectRef idx="0">
+              <a:schemeClr val="accent1"/>
+            </a:effectRef>
+            <a:fontRef idx="minor">
+              <a:schemeClr val="lt1"/>
+            </a:fontRef>
+          </p:style>
+          <p:txBody>
+            <a:bodyPr lIns="0" tIns="0" rIns="0" bIns="0" rtlCol="0" anchor="ctr"/>
+            <a:lstStyle/>
+            <a:p>
+              <a:pPr algn="ctr"/>
+              <a:r>
+                <a:rPr lang="en-US" sz="1100" dirty="0">
+                  <a:solidFill>
+                    <a:schemeClr val="tx1"/>
+                  </a:solidFill>
+                  <a:latin typeface="Avenir Book" panose="02000503020000020003" pitchFamily="2" charset="0"/>
+                </a:rPr>
+                <a:t>0</a:t>
+              </a:r>
+            </a:p>
+          </p:txBody>
+        </p:sp>
+        <p:sp>
+          <p:nvSpPr>
+            <p:cNvPr id="113" name="Rectangle 112">
+              <a:extLst>
+                <a:ext uri="{FF2B5EF4-FFF2-40B4-BE49-F238E27FC236}">
+                  <a16:creationId xmlns:a16="http://schemas.microsoft.com/office/drawing/2014/main" id="{2EF0586F-11E7-4546-A47D-C1EAA76398FA}"/>
+                </a:ext>
+              </a:extLst>
+            </p:cNvPr>
+            <p:cNvSpPr/>
+            <p:nvPr/>
+          </p:nvSpPr>
+          <p:spPr>
+            <a:xfrm>
+              <a:off x="6624247" y="1839951"/>
+              <a:ext cx="320327" cy="295687"/>
+            </a:xfrm>
+            <a:prstGeom prst="rect">
+              <a:avLst/>
+            </a:prstGeom>
+            <a:noFill/>
+            <a:ln>
+              <a:solidFill>
+                <a:schemeClr val="tx1"/>
+              </a:solidFill>
+            </a:ln>
+          </p:spPr>
+          <p:style>
+            <a:lnRef idx="2">
+              <a:schemeClr val="accent1">
+                <a:shade val="50000"/>
+              </a:schemeClr>
+            </a:lnRef>
+            <a:fillRef idx="1">
+              <a:schemeClr val="accent1"/>
+            </a:fillRef>
+            <a:effectRef idx="0">
+              <a:schemeClr val="accent1"/>
+            </a:effectRef>
+            <a:fontRef idx="minor">
+              <a:schemeClr val="lt1"/>
+            </a:fontRef>
+          </p:style>
+          <p:txBody>
+            <a:bodyPr lIns="0" tIns="0" rIns="0" bIns="0" rtlCol="0" anchor="ctr"/>
+            <a:lstStyle/>
+            <a:p>
+              <a:pPr algn="ctr"/>
+              <a:r>
+                <a:rPr lang="en-US" sz="1100" dirty="0">
+                  <a:solidFill>
+                    <a:schemeClr val="tx1"/>
+                  </a:solidFill>
+                  <a:latin typeface="Avenir Book" panose="02000503020000020003" pitchFamily="2" charset="0"/>
+                </a:rPr>
+                <a:t>1</a:t>
+              </a:r>
+            </a:p>
+          </p:txBody>
+        </p:sp>
+        <p:sp>
+          <p:nvSpPr>
+            <p:cNvPr id="114" name="Rectangle 113">
+              <a:extLst>
+                <a:ext uri="{FF2B5EF4-FFF2-40B4-BE49-F238E27FC236}">
+                  <a16:creationId xmlns:a16="http://schemas.microsoft.com/office/drawing/2014/main" id="{39EC7707-C23F-A34D-A1C9-3F527EF51209}"/>
+                </a:ext>
+              </a:extLst>
+            </p:cNvPr>
+            <p:cNvSpPr/>
+            <p:nvPr/>
+          </p:nvSpPr>
+          <p:spPr>
+            <a:xfrm>
+              <a:off x="6944574" y="1839951"/>
+              <a:ext cx="320327" cy="295687"/>
+            </a:xfrm>
+            <a:prstGeom prst="rect">
+              <a:avLst/>
+            </a:prstGeom>
+            <a:noFill/>
+            <a:ln>
+              <a:solidFill>
+                <a:schemeClr val="tx1"/>
+              </a:solidFill>
+            </a:ln>
+          </p:spPr>
+          <p:style>
+            <a:lnRef idx="2">
+              <a:schemeClr val="accent1">
+                <a:shade val="50000"/>
+              </a:schemeClr>
+            </a:lnRef>
+            <a:fillRef idx="1">
+              <a:schemeClr val="accent1"/>
+            </a:fillRef>
+            <a:effectRef idx="0">
+              <a:schemeClr val="accent1"/>
+            </a:effectRef>
+            <a:fontRef idx="minor">
+              <a:schemeClr val="lt1"/>
+            </a:fontRef>
+          </p:style>
+          <p:txBody>
+            <a:bodyPr lIns="0" tIns="0" rIns="0" bIns="0" rtlCol="0" anchor="ctr"/>
+            <a:lstStyle/>
+            <a:p>
+              <a:pPr algn="ctr"/>
+              <a:r>
+                <a:rPr lang="en-US" sz="1100" dirty="0">
+                  <a:solidFill>
+                    <a:schemeClr val="tx1"/>
+                  </a:solidFill>
+                  <a:latin typeface="Avenir Book" panose="02000503020000020003" pitchFamily="2" charset="0"/>
+                </a:rPr>
+                <a:t>1</a:t>
+              </a:r>
+            </a:p>
+          </p:txBody>
+        </p:sp>
+        <p:sp>
+          <p:nvSpPr>
+            <p:cNvPr id="115" name="Rectangle 114">
+              <a:extLst>
+                <a:ext uri="{FF2B5EF4-FFF2-40B4-BE49-F238E27FC236}">
+                  <a16:creationId xmlns:a16="http://schemas.microsoft.com/office/drawing/2014/main" id="{5D2A4E00-06D3-D04E-AF8F-7F7D6136D8AF}"/>
+                </a:ext>
+              </a:extLst>
+            </p:cNvPr>
+            <p:cNvSpPr/>
+            <p:nvPr/>
+          </p:nvSpPr>
+          <p:spPr>
+            <a:xfrm>
+              <a:off x="7264901" y="1839951"/>
+              <a:ext cx="320327" cy="295687"/>
+            </a:xfrm>
+            <a:prstGeom prst="rect">
+              <a:avLst/>
+            </a:prstGeom>
+            <a:noFill/>
+            <a:ln>
+              <a:solidFill>
+                <a:schemeClr val="tx1"/>
+              </a:solidFill>
+            </a:ln>
+          </p:spPr>
+          <p:style>
+            <a:lnRef idx="2">
+              <a:schemeClr val="accent1">
+                <a:shade val="50000"/>
+              </a:schemeClr>
+            </a:lnRef>
+            <a:fillRef idx="1">
+              <a:schemeClr val="accent1"/>
+            </a:fillRef>
+            <a:effectRef idx="0">
+              <a:schemeClr val="accent1"/>
+            </a:effectRef>
+            <a:fontRef idx="minor">
+              <a:schemeClr val="lt1"/>
+            </a:fontRef>
+          </p:style>
+          <p:txBody>
+            <a:bodyPr lIns="0" tIns="0" rIns="0" bIns="0" rtlCol="0" anchor="ctr"/>
+            <a:lstStyle/>
+            <a:p>
+              <a:pPr algn="ctr"/>
+              <a:r>
+                <a:rPr lang="en-US" sz="1100" dirty="0">
+                  <a:solidFill>
+                    <a:schemeClr val="tx1"/>
+                  </a:solidFill>
+                  <a:latin typeface="Avenir Book" panose="02000503020000020003" pitchFamily="2" charset="0"/>
+                </a:rPr>
+                <a:t>0</a:t>
+              </a:r>
+            </a:p>
+          </p:txBody>
+        </p:sp>
+        <p:sp>
+          <p:nvSpPr>
+            <p:cNvPr id="116" name="Rectangle 115">
+              <a:extLst>
+                <a:ext uri="{FF2B5EF4-FFF2-40B4-BE49-F238E27FC236}">
+                  <a16:creationId xmlns:a16="http://schemas.microsoft.com/office/drawing/2014/main" id="{5C35B336-CF0C-0B49-9EF8-9BF615183389}"/>
+                </a:ext>
+              </a:extLst>
+            </p:cNvPr>
+            <p:cNvSpPr/>
+            <p:nvPr/>
+          </p:nvSpPr>
+          <p:spPr>
+            <a:xfrm>
+              <a:off x="7585229" y="1839951"/>
+              <a:ext cx="320327" cy="295687"/>
+            </a:xfrm>
+            <a:prstGeom prst="rect">
+              <a:avLst/>
+            </a:prstGeom>
+            <a:noFill/>
+            <a:ln>
+              <a:solidFill>
+                <a:schemeClr val="tx1"/>
+              </a:solidFill>
+            </a:ln>
+          </p:spPr>
+          <p:style>
+            <a:lnRef idx="2">
+              <a:schemeClr val="accent1">
+                <a:shade val="50000"/>
+              </a:schemeClr>
+            </a:lnRef>
+            <a:fillRef idx="1">
+              <a:schemeClr val="accent1"/>
+            </a:fillRef>
+            <a:effectRef idx="0">
+              <a:schemeClr val="accent1"/>
+            </a:effectRef>
+            <a:fontRef idx="minor">
+              <a:schemeClr val="lt1"/>
+            </a:fontRef>
+          </p:style>
+          <p:txBody>
+            <a:bodyPr lIns="0" tIns="0" rIns="0" bIns="0" rtlCol="0" anchor="ctr"/>
+            <a:lstStyle/>
+            <a:p>
+              <a:pPr algn="ctr"/>
+              <a:r>
+                <a:rPr lang="en-US" sz="1100" dirty="0">
+                  <a:solidFill>
+                    <a:schemeClr val="tx1"/>
+                  </a:solidFill>
+                  <a:latin typeface="Avenir Book" panose="02000503020000020003" pitchFamily="2" charset="0"/>
+                </a:rPr>
+                <a:t>1</a:t>
+              </a:r>
+            </a:p>
+          </p:txBody>
+        </p:sp>
+        <p:sp>
+          <p:nvSpPr>
+            <p:cNvPr id="117" name="Rectangle 116">
+              <a:extLst>
+                <a:ext uri="{FF2B5EF4-FFF2-40B4-BE49-F238E27FC236}">
+                  <a16:creationId xmlns:a16="http://schemas.microsoft.com/office/drawing/2014/main" id="{E3F7B170-8B03-1840-8D87-A4D972EAABC0}"/>
+                </a:ext>
+              </a:extLst>
+            </p:cNvPr>
+            <p:cNvSpPr/>
+            <p:nvPr/>
+          </p:nvSpPr>
+          <p:spPr>
+            <a:xfrm>
+              <a:off x="7905556" y="1839951"/>
+              <a:ext cx="320327" cy="295687"/>
+            </a:xfrm>
+            <a:prstGeom prst="rect">
+              <a:avLst/>
+            </a:prstGeom>
+            <a:noFill/>
+            <a:ln>
+              <a:solidFill>
+                <a:schemeClr val="tx1"/>
+              </a:solidFill>
+            </a:ln>
+          </p:spPr>
+          <p:style>
+            <a:lnRef idx="2">
+              <a:schemeClr val="accent1">
+                <a:shade val="50000"/>
+              </a:schemeClr>
+            </a:lnRef>
+            <a:fillRef idx="1">
+              <a:schemeClr val="accent1"/>
+            </a:fillRef>
+            <a:effectRef idx="0">
+              <a:schemeClr val="accent1"/>
+            </a:effectRef>
+            <a:fontRef idx="minor">
+              <a:schemeClr val="lt1"/>
+            </a:fontRef>
+          </p:style>
+          <p:txBody>
+            <a:bodyPr lIns="0" tIns="0" rIns="0" bIns="0" rtlCol="0" anchor="ctr"/>
+            <a:lstStyle/>
+            <a:p>
+              <a:pPr algn="ctr"/>
+              <a:r>
+                <a:rPr lang="en-US" sz="1100" dirty="0">
+                  <a:solidFill>
+                    <a:schemeClr val="tx1"/>
+                  </a:solidFill>
+                  <a:latin typeface="Avenir Book" panose="02000503020000020003" pitchFamily="2" charset="0"/>
+                </a:rPr>
+                <a:t>0</a:t>
+              </a:r>
+            </a:p>
+          </p:txBody>
+        </p:sp>
+        <p:sp>
+          <p:nvSpPr>
+            <p:cNvPr id="118" name="Rectangle 117">
+              <a:extLst>
+                <a:ext uri="{FF2B5EF4-FFF2-40B4-BE49-F238E27FC236}">
+                  <a16:creationId xmlns:a16="http://schemas.microsoft.com/office/drawing/2014/main" id="{A40A9D34-4902-3340-8439-E0BC3B041624}"/>
+                </a:ext>
+              </a:extLst>
+            </p:cNvPr>
+            <p:cNvSpPr/>
+            <p:nvPr/>
+          </p:nvSpPr>
+          <p:spPr>
+            <a:xfrm>
+              <a:off x="8225883" y="1839951"/>
+              <a:ext cx="320327" cy="295687"/>
+            </a:xfrm>
+            <a:prstGeom prst="rect">
+              <a:avLst/>
+            </a:prstGeom>
+            <a:noFill/>
+            <a:ln>
+              <a:solidFill>
+                <a:schemeClr val="tx1"/>
+              </a:solidFill>
+            </a:ln>
+          </p:spPr>
+          <p:style>
+            <a:lnRef idx="2">
+              <a:schemeClr val="accent1">
+                <a:shade val="50000"/>
+              </a:schemeClr>
+            </a:lnRef>
+            <a:fillRef idx="1">
+              <a:schemeClr val="accent1"/>
+            </a:fillRef>
+            <a:effectRef idx="0">
+              <a:schemeClr val="accent1"/>
+            </a:effectRef>
+            <a:fontRef idx="minor">
+              <a:schemeClr val="lt1"/>
+            </a:fontRef>
+          </p:style>
+          <p:txBody>
+            <a:bodyPr lIns="0" tIns="0" rIns="0" bIns="0" rtlCol="0" anchor="ctr"/>
+            <a:lstStyle/>
+            <a:p>
+              <a:pPr algn="ctr"/>
+              <a:r>
+                <a:rPr lang="en-US" sz="1100" dirty="0">
+                  <a:solidFill>
+                    <a:schemeClr val="tx1"/>
+                  </a:solidFill>
+                  <a:latin typeface="Avenir Book" panose="02000503020000020003" pitchFamily="2" charset="0"/>
+                </a:rPr>
+                <a:t>0</a:t>
+              </a:r>
+            </a:p>
+          </p:txBody>
+        </p:sp>
+        <p:sp>
+          <p:nvSpPr>
+            <p:cNvPr id="119" name="Rectangle 118">
+              <a:extLst>
+                <a:ext uri="{FF2B5EF4-FFF2-40B4-BE49-F238E27FC236}">
+                  <a16:creationId xmlns:a16="http://schemas.microsoft.com/office/drawing/2014/main" id="{5DCF5381-1835-D640-B0EF-1B25685DEAC6}"/>
+                </a:ext>
+              </a:extLst>
+            </p:cNvPr>
+            <p:cNvSpPr/>
+            <p:nvPr/>
+          </p:nvSpPr>
+          <p:spPr>
+            <a:xfrm>
+              <a:off x="8546210" y="1839951"/>
+              <a:ext cx="320327" cy="295687"/>
+            </a:xfrm>
+            <a:prstGeom prst="rect">
+              <a:avLst/>
+            </a:prstGeom>
+            <a:noFill/>
+            <a:ln>
+              <a:solidFill>
+                <a:schemeClr val="tx1"/>
+              </a:solidFill>
+            </a:ln>
+          </p:spPr>
+          <p:style>
+            <a:lnRef idx="2">
+              <a:schemeClr val="accent1">
+                <a:shade val="50000"/>
+              </a:schemeClr>
+            </a:lnRef>
+            <a:fillRef idx="1">
+              <a:schemeClr val="accent1"/>
+            </a:fillRef>
+            <a:effectRef idx="0">
+              <a:schemeClr val="accent1"/>
+            </a:effectRef>
+            <a:fontRef idx="minor">
+              <a:schemeClr val="lt1"/>
+            </a:fontRef>
+          </p:style>
+          <p:txBody>
+            <a:bodyPr lIns="0" tIns="0" rIns="0" bIns="0" rtlCol="0" anchor="ctr"/>
+            <a:lstStyle/>
+            <a:p>
+              <a:pPr algn="ctr"/>
+              <a:r>
+                <a:rPr lang="en-US" sz="1100" dirty="0">
+                  <a:solidFill>
+                    <a:schemeClr val="tx1"/>
+                  </a:solidFill>
+                  <a:latin typeface="Avenir Book" panose="02000503020000020003" pitchFamily="2" charset="0"/>
+                </a:rPr>
+                <a:t>0</a:t>
+              </a:r>
+            </a:p>
+          </p:txBody>
+        </p:sp>
+        <p:sp>
+          <p:nvSpPr>
+            <p:cNvPr id="120" name="Rectangle 119">
+              <a:extLst>
+                <a:ext uri="{FF2B5EF4-FFF2-40B4-BE49-F238E27FC236}">
+                  <a16:creationId xmlns:a16="http://schemas.microsoft.com/office/drawing/2014/main" id="{7036BD06-8C42-0745-AB49-FE21759608F3}"/>
+                </a:ext>
+              </a:extLst>
+            </p:cNvPr>
+            <p:cNvSpPr/>
+            <p:nvPr/>
+          </p:nvSpPr>
+          <p:spPr>
+            <a:xfrm>
+              <a:off x="8866538" y="1839951"/>
+              <a:ext cx="320327" cy="295687"/>
+            </a:xfrm>
+            <a:prstGeom prst="rect">
+              <a:avLst/>
+            </a:prstGeom>
+            <a:noFill/>
+            <a:ln>
+              <a:solidFill>
+                <a:schemeClr val="tx1"/>
+              </a:solidFill>
+            </a:ln>
+          </p:spPr>
+          <p:style>
+            <a:lnRef idx="2">
+              <a:schemeClr val="accent1">
+                <a:shade val="50000"/>
+              </a:schemeClr>
+            </a:lnRef>
+            <a:fillRef idx="1">
+              <a:schemeClr val="accent1"/>
+            </a:fillRef>
+            <a:effectRef idx="0">
+              <a:schemeClr val="accent1"/>
+            </a:effectRef>
+            <a:fontRef idx="minor">
+              <a:schemeClr val="lt1"/>
+            </a:fontRef>
+          </p:style>
+          <p:txBody>
+            <a:bodyPr lIns="0" tIns="0" rIns="0" bIns="0" rtlCol="0" anchor="ctr"/>
+            <a:lstStyle/>
+            <a:p>
+              <a:pPr algn="ctr"/>
+              <a:r>
+                <a:rPr lang="en-US" sz="1100" dirty="0">
+                  <a:solidFill>
+                    <a:schemeClr val="tx1"/>
+                  </a:solidFill>
+                  <a:latin typeface="Avenir Book" panose="02000503020000020003" pitchFamily="2" charset="0"/>
+                </a:rPr>
+                <a:t>0</a:t>
+              </a:r>
+            </a:p>
+          </p:txBody>
+        </p:sp>
+        <p:sp>
+          <p:nvSpPr>
+            <p:cNvPr id="121" name="Rectangle 120">
+              <a:extLst>
+                <a:ext uri="{FF2B5EF4-FFF2-40B4-BE49-F238E27FC236}">
+                  <a16:creationId xmlns:a16="http://schemas.microsoft.com/office/drawing/2014/main" id="{B2DA540B-F459-1040-A0EE-DA902A3B454F}"/>
+                </a:ext>
+              </a:extLst>
+            </p:cNvPr>
+            <p:cNvSpPr/>
+            <p:nvPr/>
+          </p:nvSpPr>
+          <p:spPr>
+            <a:xfrm>
+              <a:off x="9186865" y="1839951"/>
+              <a:ext cx="320327" cy="295687"/>
+            </a:xfrm>
+            <a:prstGeom prst="rect">
+              <a:avLst/>
+            </a:prstGeom>
+            <a:noFill/>
+            <a:ln>
+              <a:solidFill>
+                <a:schemeClr val="tx1"/>
+              </a:solidFill>
+            </a:ln>
+          </p:spPr>
+          <p:style>
+            <a:lnRef idx="2">
+              <a:schemeClr val="accent1">
+                <a:shade val="50000"/>
+              </a:schemeClr>
+            </a:lnRef>
+            <a:fillRef idx="1">
+              <a:schemeClr val="accent1"/>
+            </a:fillRef>
+            <a:effectRef idx="0">
+              <a:schemeClr val="accent1"/>
+            </a:effectRef>
+            <a:fontRef idx="minor">
+              <a:schemeClr val="lt1"/>
+            </a:fontRef>
+          </p:style>
+          <p:txBody>
+            <a:bodyPr lIns="0" tIns="0" rIns="0" bIns="0" rtlCol="0" anchor="ctr"/>
+            <a:lstStyle/>
+            <a:p>
+              <a:pPr algn="ctr"/>
+              <a:r>
+                <a:rPr lang="en-US" sz="1100" dirty="0">
+                  <a:solidFill>
+                    <a:schemeClr val="tx1"/>
+                  </a:solidFill>
+                  <a:latin typeface="Avenir Book" panose="02000503020000020003" pitchFamily="2" charset="0"/>
+                </a:rPr>
+                <a:t>0</a:t>
+              </a:r>
+            </a:p>
+          </p:txBody>
+        </p:sp>
+        <p:sp>
+          <p:nvSpPr>
+            <p:cNvPr id="122" name="Rectangle 121">
+              <a:extLst>
+                <a:ext uri="{FF2B5EF4-FFF2-40B4-BE49-F238E27FC236}">
+                  <a16:creationId xmlns:a16="http://schemas.microsoft.com/office/drawing/2014/main" id="{86ED0624-8B60-874A-B2D9-70F492F1A342}"/>
+                </a:ext>
+              </a:extLst>
+            </p:cNvPr>
+            <p:cNvSpPr/>
+            <p:nvPr/>
+          </p:nvSpPr>
+          <p:spPr>
+            <a:xfrm>
+              <a:off x="9507192" y="1839951"/>
+              <a:ext cx="320327" cy="295687"/>
+            </a:xfrm>
+            <a:prstGeom prst="rect">
+              <a:avLst/>
+            </a:prstGeom>
+            <a:noFill/>
+            <a:ln>
+              <a:solidFill>
+                <a:schemeClr val="tx1"/>
+              </a:solidFill>
+            </a:ln>
+          </p:spPr>
+          <p:style>
+            <a:lnRef idx="2">
+              <a:schemeClr val="accent1">
+                <a:shade val="50000"/>
+              </a:schemeClr>
+            </a:lnRef>
+            <a:fillRef idx="1">
+              <a:schemeClr val="accent1"/>
+            </a:fillRef>
+            <a:effectRef idx="0">
+              <a:schemeClr val="accent1"/>
+            </a:effectRef>
+            <a:fontRef idx="minor">
+              <a:schemeClr val="lt1"/>
+            </a:fontRef>
+          </p:style>
+          <p:txBody>
+            <a:bodyPr lIns="0" tIns="0" rIns="0" bIns="0" rtlCol="0" anchor="ctr"/>
+            <a:lstStyle/>
+            <a:p>
+              <a:pPr algn="ctr"/>
+              <a:r>
+                <a:rPr lang="en-US" sz="1100" dirty="0">
+                  <a:solidFill>
+                    <a:schemeClr val="tx1"/>
+                  </a:solidFill>
+                  <a:latin typeface="Avenir Book" panose="02000503020000020003" pitchFamily="2" charset="0"/>
+                </a:rPr>
+                <a:t>1</a:t>
+              </a:r>
+            </a:p>
+          </p:txBody>
+        </p:sp>
+        <p:sp>
+          <p:nvSpPr>
+            <p:cNvPr id="123" name="Rectangle 122">
+              <a:extLst>
+                <a:ext uri="{FF2B5EF4-FFF2-40B4-BE49-F238E27FC236}">
+                  <a16:creationId xmlns:a16="http://schemas.microsoft.com/office/drawing/2014/main" id="{661FB3F9-BC6C-4648-896C-C48020EB3754}"/>
+                </a:ext>
+              </a:extLst>
+            </p:cNvPr>
+            <p:cNvSpPr/>
+            <p:nvPr/>
+          </p:nvSpPr>
+          <p:spPr>
+            <a:xfrm>
+              <a:off x="9827519" y="1839951"/>
+              <a:ext cx="320327" cy="295687"/>
+            </a:xfrm>
+            <a:prstGeom prst="rect">
+              <a:avLst/>
+            </a:prstGeom>
+            <a:noFill/>
+            <a:ln>
+              <a:solidFill>
+                <a:schemeClr val="tx1"/>
+              </a:solidFill>
+            </a:ln>
+          </p:spPr>
+          <p:style>
+            <a:lnRef idx="2">
+              <a:schemeClr val="accent1">
+                <a:shade val="50000"/>
+              </a:schemeClr>
+            </a:lnRef>
+            <a:fillRef idx="1">
+              <a:schemeClr val="accent1"/>
+            </a:fillRef>
+            <a:effectRef idx="0">
+              <a:schemeClr val="accent1"/>
+            </a:effectRef>
+            <a:fontRef idx="minor">
+              <a:schemeClr val="lt1"/>
+            </a:fontRef>
+          </p:style>
+          <p:txBody>
+            <a:bodyPr lIns="0" tIns="0" rIns="0" bIns="0" rtlCol="0" anchor="ctr"/>
+            <a:lstStyle/>
+            <a:p>
+              <a:pPr algn="ctr"/>
+              <a:r>
+                <a:rPr lang="en-US" sz="1100" dirty="0">
+                  <a:solidFill>
+                    <a:schemeClr val="tx1"/>
+                  </a:solidFill>
+                  <a:latin typeface="Avenir Book" panose="02000503020000020003" pitchFamily="2" charset="0"/>
+                </a:rPr>
+                <a:t>1</a:t>
+              </a:r>
+            </a:p>
+          </p:txBody>
+        </p:sp>
+        <p:sp>
+          <p:nvSpPr>
+            <p:cNvPr id="124" name="Rectangle 123">
+              <a:extLst>
+                <a:ext uri="{FF2B5EF4-FFF2-40B4-BE49-F238E27FC236}">
+                  <a16:creationId xmlns:a16="http://schemas.microsoft.com/office/drawing/2014/main" id="{1E1522BF-3237-2845-98CE-724BA4DF8204}"/>
+                </a:ext>
+              </a:extLst>
+            </p:cNvPr>
+            <p:cNvSpPr/>
+            <p:nvPr/>
+          </p:nvSpPr>
+          <p:spPr>
+            <a:xfrm>
+              <a:off x="10147847" y="1839951"/>
+              <a:ext cx="320327" cy="295687"/>
+            </a:xfrm>
+            <a:prstGeom prst="rect">
+              <a:avLst/>
+            </a:prstGeom>
+            <a:noFill/>
+            <a:ln>
+              <a:solidFill>
+                <a:schemeClr val="tx1"/>
+              </a:solidFill>
+            </a:ln>
+          </p:spPr>
+          <p:style>
+            <a:lnRef idx="2">
+              <a:schemeClr val="accent1">
+                <a:shade val="50000"/>
+              </a:schemeClr>
+            </a:lnRef>
+            <a:fillRef idx="1">
+              <a:schemeClr val="accent1"/>
+            </a:fillRef>
+            <a:effectRef idx="0">
+              <a:schemeClr val="accent1"/>
+            </a:effectRef>
+            <a:fontRef idx="minor">
+              <a:schemeClr val="lt1"/>
+            </a:fontRef>
+          </p:style>
+          <p:txBody>
+            <a:bodyPr lIns="0" tIns="0" rIns="0" bIns="0" rtlCol="0" anchor="ctr"/>
+            <a:lstStyle/>
+            <a:p>
+              <a:pPr algn="ctr"/>
+              <a:r>
+                <a:rPr lang="en-US" sz="1100" dirty="0">
+                  <a:solidFill>
+                    <a:schemeClr val="tx1"/>
+                  </a:solidFill>
+                  <a:latin typeface="Avenir Book" panose="02000503020000020003" pitchFamily="2" charset="0"/>
+                </a:rPr>
+                <a:t>1</a:t>
+              </a:r>
+            </a:p>
+          </p:txBody>
+        </p:sp>
+        <p:sp>
+          <p:nvSpPr>
+            <p:cNvPr id="125" name="Rectangle 124">
+              <a:extLst>
+                <a:ext uri="{FF2B5EF4-FFF2-40B4-BE49-F238E27FC236}">
+                  <a16:creationId xmlns:a16="http://schemas.microsoft.com/office/drawing/2014/main" id="{9AAC9CBF-744F-584B-A7F2-058623199F9A}"/>
+                </a:ext>
+              </a:extLst>
+            </p:cNvPr>
+            <p:cNvSpPr/>
+            <p:nvPr/>
+          </p:nvSpPr>
+          <p:spPr>
+            <a:xfrm>
+              <a:off x="10468174" y="1839951"/>
+              <a:ext cx="320327" cy="295687"/>
+            </a:xfrm>
+            <a:prstGeom prst="rect">
+              <a:avLst/>
+            </a:prstGeom>
+            <a:noFill/>
+            <a:ln>
+              <a:solidFill>
+                <a:schemeClr val="tx1"/>
+              </a:solidFill>
+            </a:ln>
+          </p:spPr>
+          <p:style>
+            <a:lnRef idx="2">
+              <a:schemeClr val="accent1">
+                <a:shade val="50000"/>
+              </a:schemeClr>
+            </a:lnRef>
+            <a:fillRef idx="1">
+              <a:schemeClr val="accent1"/>
+            </a:fillRef>
+            <a:effectRef idx="0">
+              <a:schemeClr val="accent1"/>
+            </a:effectRef>
+            <a:fontRef idx="minor">
+              <a:schemeClr val="lt1"/>
+            </a:fontRef>
+          </p:style>
+          <p:txBody>
+            <a:bodyPr lIns="0" tIns="0" rIns="0" bIns="0" rtlCol="0" anchor="ctr"/>
+            <a:lstStyle/>
+            <a:p>
+              <a:pPr algn="ctr"/>
+              <a:r>
+                <a:rPr lang="en-US" sz="1100" dirty="0">
+                  <a:solidFill>
+                    <a:schemeClr val="tx1"/>
+                  </a:solidFill>
+                  <a:latin typeface="Avenir Book" panose="02000503020000020003" pitchFamily="2" charset="0"/>
+                </a:rPr>
+                <a:t>0</a:t>
+              </a:r>
+            </a:p>
+          </p:txBody>
+        </p:sp>
+      </p:grpSp>
+      <p:sp>
+        <p:nvSpPr>
+          <p:cNvPr id="126" name="Rectangle 125">
+            <a:extLst>
+              <a:ext uri="{FF2B5EF4-FFF2-40B4-BE49-F238E27FC236}">
+                <a16:creationId xmlns:a16="http://schemas.microsoft.com/office/drawing/2014/main" id="{4A608D0F-956E-2F4F-A4C0-DA6B4F9F1FC9}"/>
+              </a:ext>
+            </a:extLst>
+          </p:cNvPr>
+          <p:cNvSpPr/>
+          <p:nvPr/>
+        </p:nvSpPr>
+        <p:spPr>
+          <a:xfrm>
+            <a:off x="8607475" y="1377346"/>
+            <a:ext cx="2884242" cy="434554"/>
+          </a:xfrm>
+          <a:prstGeom prst="rect">
+            <a:avLst/>
+          </a:prstGeom>
+          <a:noFill/>
+          <a:ln>
+            <a:noFill/>
+          </a:ln>
+        </p:spPr>
+        <p:style>
+          <a:lnRef idx="2">
+            <a:schemeClr val="accent1">
+              <a:shade val="50000"/>
+            </a:schemeClr>
+          </a:lnRef>
+          <a:fillRef idx="1">
+            <a:schemeClr val="accent1"/>
+          </a:fillRef>
+          <a:effectRef idx="0">
+            <a:schemeClr val="accent1"/>
+          </a:effectRef>
+          <a:fontRef idx="minor">
+            <a:schemeClr val="lt1"/>
+          </a:fontRef>
+        </p:style>
+        <p:txBody>
+          <a:bodyPr lIns="0" tIns="0" rIns="0" bIns="0" rtlCol="0" anchor="ctr"/>
+          <a:lstStyle/>
+          <a:p>
+            <a:r>
+              <a:rPr lang="en-US" sz="1200" dirty="0">
+                <a:solidFill>
+                  <a:schemeClr val="tx1"/>
+                </a:solidFill>
+                <a:latin typeface="Avenir Book" panose="02000503020000020003" pitchFamily="2" charset="0"/>
+              </a:rPr>
+              <a:t>Original noisy key</a:t>
+            </a:r>
+          </a:p>
+        </p:txBody>
+      </p:sp>
+      <p:sp>
+        <p:nvSpPr>
+          <p:cNvPr id="127" name="Rectangle 126">
+            <a:extLst>
+              <a:ext uri="{FF2B5EF4-FFF2-40B4-BE49-F238E27FC236}">
+                <a16:creationId xmlns:a16="http://schemas.microsoft.com/office/drawing/2014/main" id="{BBFAC06D-8939-A74F-A32E-9ADEDD65711C}"/>
+              </a:ext>
+            </a:extLst>
+          </p:cNvPr>
+          <p:cNvSpPr/>
+          <p:nvPr/>
+        </p:nvSpPr>
+        <p:spPr>
+          <a:xfrm>
+            <a:off x="8607475" y="5432874"/>
+            <a:ext cx="2884242" cy="434554"/>
+          </a:xfrm>
+          <a:prstGeom prst="rect">
+            <a:avLst/>
+          </a:prstGeom>
+          <a:noFill/>
+          <a:ln>
+            <a:noFill/>
+          </a:ln>
+        </p:spPr>
+        <p:style>
+          <a:lnRef idx="2">
+            <a:schemeClr val="accent1">
+              <a:shade val="50000"/>
+            </a:schemeClr>
+          </a:lnRef>
+          <a:fillRef idx="1">
+            <a:schemeClr val="accent1"/>
+          </a:fillRef>
+          <a:effectRef idx="0">
+            <a:schemeClr val="accent1"/>
+          </a:effectRef>
+          <a:fontRef idx="minor">
+            <a:schemeClr val="lt1"/>
+          </a:fontRef>
+        </p:style>
+        <p:txBody>
+          <a:bodyPr lIns="0" tIns="0" rIns="0" bIns="0" rtlCol="0" anchor="ctr"/>
+          <a:lstStyle/>
+          <a:p>
+            <a:r>
+              <a:rPr lang="en-US" sz="1200">
+                <a:solidFill>
+                  <a:schemeClr val="tx1"/>
+                </a:solidFill>
+                <a:latin typeface="Avenir Book" panose="02000503020000020003" pitchFamily="2" charset="0"/>
+              </a:rPr>
+              <a:t>Final reconciliated key</a:t>
+            </a:r>
+            <a:endParaRPr lang="en-US" sz="1200" dirty="0">
+              <a:solidFill>
+                <a:schemeClr val="tx1"/>
+              </a:solidFill>
+              <a:latin typeface="Avenir Book" panose="02000503020000020003" pitchFamily="2" charset="0"/>
+            </a:endParaRPr>
+          </a:p>
+        </p:txBody>
+      </p:sp>
+    </p:spTree>
+    <p:extLst>
+      <p:ext uri="{BB962C8B-B14F-4D97-AF65-F5344CB8AC3E}">
+        <p14:creationId xmlns:p14="http://schemas.microsoft.com/office/powerpoint/2010/main" val="850708967"/>
+      </p:ext>
+    </p:extLst>
+  </p:cSld>
+  <p:clrMapOvr>
+    <a:masterClrMapping/>
+  </p:clrMapOvr>
+</p:sld>
+</file>
+
+<file path=ppt/slides/slide7.xml><?xml version="1.0" encoding="utf-8"?>
 <p:sld xmlns:a="http://schemas.openxmlformats.org/drawingml/2006/main" xmlns:r="http://schemas.openxmlformats.org/officeDocument/2006/relationships" xmlns:p="http://schemas.openxmlformats.org/presentationml/2006/main">
   <p:cSld>
     <p:spTree>
@@ -14427,7 +19968,7 @@
 </p:sld>
 </file>
 
-<file path=ppt/slides/slide7.xml><?xml version="1.0" encoding="utf-8"?>
+<file path=ppt/slides/slide8.xml><?xml version="1.0" encoding="utf-8"?>
 <p:sld xmlns:a="http://schemas.openxmlformats.org/drawingml/2006/main" xmlns:r="http://schemas.openxmlformats.org/officeDocument/2006/relationships" xmlns:p="http://schemas.openxmlformats.org/presentationml/2006/main">
   <p:cSld>
     <p:spTree>
@@ -20480,7 +26021,7 @@
 </p:sld>
 </file>
 
-<file path=ppt/slides/slide8.xml><?xml version="1.0" encoding="utf-8"?>
+<file path=ppt/slides/slide9.xml><?xml version="1.0" encoding="utf-8"?>
 <p:sld xmlns:a="http://schemas.openxmlformats.org/drawingml/2006/main" xmlns:r="http://schemas.openxmlformats.org/officeDocument/2006/relationships" xmlns:p="http://schemas.openxmlformats.org/presentationml/2006/main">
   <p:cSld>
     <p:spTree>

--- a/docs/source/figures/figures.pptx
+++ b/docs/source/figures/figures.pptx
@@ -5,7 +5,7 @@
     <p:sldMasterId id="2147483648" r:id="rId1"/>
   </p:sldMasterIdLst>
   <p:notesMasterIdLst>
-    <p:notesMasterId r:id="rId14"/>
+    <p:notesMasterId r:id="rId16"/>
   </p:notesMasterIdLst>
   <p:sldIdLst>
     <p:sldId id="260" r:id="rId2"/>
@@ -17,9 +17,11 @@
     <p:sldId id="266" r:id="rId8"/>
     <p:sldId id="267" r:id="rId9"/>
     <p:sldId id="258" r:id="rId10"/>
-    <p:sldId id="259" r:id="rId11"/>
-    <p:sldId id="268" r:id="rId12"/>
-    <p:sldId id="256" r:id="rId13"/>
+    <p:sldId id="269" r:id="rId11"/>
+    <p:sldId id="270" r:id="rId12"/>
+    <p:sldId id="259" r:id="rId13"/>
+    <p:sldId id="268" r:id="rId14"/>
+    <p:sldId id="256" r:id="rId15"/>
   </p:sldIdLst>
   <p:sldSz cx="12192000" cy="6858000"/>
   <p:notesSz cx="6858000" cy="9144000"/>
@@ -1055,7 +1057,7 @@
           <a:p>
             <a:fld id="{69BA16CC-A804-B84A-872F-1EF0D5231479}" type="slidenum">
               <a:rPr lang="en-US" smtClean="0"/>
-              <a:t>10</a:t>
+              <a:t>12</a:t>
             </a:fld>
             <a:endParaRPr lang="en-US"/>
           </a:p>
@@ -1139,7 +1141,7 @@
           <a:p>
             <a:fld id="{69BA16CC-A804-B84A-872F-1EF0D5231479}" type="slidenum">
               <a:rPr lang="en-US" smtClean="0"/>
-              <a:t>12</a:t>
+              <a:t>14</a:t>
             </a:fld>
             <a:endParaRPr lang="en-US"/>
           </a:p>
@@ -5187,6 +5189,8827 @@
           <p:cNvPr id="2" name="Group 1">
             <a:extLst>
               <a:ext uri="{FF2B5EF4-FFF2-40B4-BE49-F238E27FC236}">
+                <a16:creationId xmlns:a16="http://schemas.microsoft.com/office/drawing/2014/main" id="{A2E0A66B-8AE8-7442-A980-F469314D1868}"/>
+              </a:ext>
+            </a:extLst>
+          </p:cNvPr>
+          <p:cNvGrpSpPr/>
+          <p:nvPr/>
+        </p:nvGrpSpPr>
+        <p:grpSpPr>
+          <a:xfrm>
+            <a:off x="8007597" y="1069988"/>
+            <a:ext cx="1981200" cy="696686"/>
+            <a:chOff x="4454071" y="1295400"/>
+            <a:chExt cx="1981200" cy="696686"/>
+          </a:xfrm>
+        </p:grpSpPr>
+        <p:sp>
+          <p:nvSpPr>
+            <p:cNvPr id="3" name="Rectangle 2">
+              <a:extLst>
+                <a:ext uri="{FF2B5EF4-FFF2-40B4-BE49-F238E27FC236}">
+                  <a16:creationId xmlns:a16="http://schemas.microsoft.com/office/drawing/2014/main" id="{B3CD04DC-8FF8-D44E-8157-1F35A8F2DE82}"/>
+                </a:ext>
+              </a:extLst>
+            </p:cNvPr>
+            <p:cNvSpPr/>
+            <p:nvPr/>
+          </p:nvSpPr>
+          <p:spPr>
+            <a:xfrm>
+              <a:off x="4454071" y="1295400"/>
+              <a:ext cx="495300" cy="457200"/>
+            </a:xfrm>
+            <a:prstGeom prst="rect">
+              <a:avLst/>
+            </a:prstGeom>
+            <a:noFill/>
+            <a:ln>
+              <a:solidFill>
+                <a:schemeClr val="tx1"/>
+              </a:solidFill>
+            </a:ln>
+          </p:spPr>
+          <p:style>
+            <a:lnRef idx="2">
+              <a:schemeClr val="accent1">
+                <a:shade val="50000"/>
+              </a:schemeClr>
+            </a:lnRef>
+            <a:fillRef idx="1">
+              <a:schemeClr val="accent1"/>
+            </a:fillRef>
+            <a:effectRef idx="0">
+              <a:schemeClr val="accent1"/>
+            </a:effectRef>
+            <a:fontRef idx="minor">
+              <a:schemeClr val="lt1"/>
+            </a:fontRef>
+          </p:style>
+          <p:txBody>
+            <a:bodyPr lIns="0" tIns="0" rIns="0" bIns="0" rtlCol="0" anchor="ctr"/>
+            <a:lstStyle/>
+            <a:p>
+              <a:pPr algn="ctr"/>
+              <a:r>
+                <a:rPr lang="en-US" dirty="0">
+                  <a:solidFill>
+                    <a:schemeClr val="tx1"/>
+                  </a:solidFill>
+                  <a:latin typeface="Avenir Book" panose="02000503020000020003" pitchFamily="2" charset="0"/>
+                </a:rPr>
+                <a:t>0</a:t>
+              </a:r>
+            </a:p>
+          </p:txBody>
+        </p:sp>
+        <p:sp>
+          <p:nvSpPr>
+            <p:cNvPr id="4" name="Rectangle 3">
+              <a:extLst>
+                <a:ext uri="{FF2B5EF4-FFF2-40B4-BE49-F238E27FC236}">
+                  <a16:creationId xmlns:a16="http://schemas.microsoft.com/office/drawing/2014/main" id="{812169F8-4B12-F244-8FCC-A54AA6472B46}"/>
+                </a:ext>
+              </a:extLst>
+            </p:cNvPr>
+            <p:cNvSpPr/>
+            <p:nvPr/>
+          </p:nvSpPr>
+          <p:spPr>
+            <a:xfrm>
+              <a:off x="4949371" y="1295400"/>
+              <a:ext cx="495300" cy="457200"/>
+            </a:xfrm>
+            <a:prstGeom prst="rect">
+              <a:avLst/>
+            </a:prstGeom>
+            <a:noFill/>
+            <a:ln>
+              <a:solidFill>
+                <a:schemeClr val="tx1"/>
+              </a:solidFill>
+            </a:ln>
+          </p:spPr>
+          <p:style>
+            <a:lnRef idx="2">
+              <a:schemeClr val="accent1">
+                <a:shade val="50000"/>
+              </a:schemeClr>
+            </a:lnRef>
+            <a:fillRef idx="1">
+              <a:schemeClr val="accent1"/>
+            </a:fillRef>
+            <a:effectRef idx="0">
+              <a:schemeClr val="accent1"/>
+            </a:effectRef>
+            <a:fontRef idx="minor">
+              <a:schemeClr val="lt1"/>
+            </a:fontRef>
+          </p:style>
+          <p:txBody>
+            <a:bodyPr lIns="0" tIns="0" rIns="0" bIns="0" rtlCol="0" anchor="ctr"/>
+            <a:lstStyle/>
+            <a:p>
+              <a:pPr algn="ctr"/>
+              <a:r>
+                <a:rPr lang="en-US" dirty="0">
+                  <a:solidFill>
+                    <a:schemeClr val="tx1"/>
+                  </a:solidFill>
+                  <a:latin typeface="Avenir Book" panose="02000503020000020003" pitchFamily="2" charset="0"/>
+                </a:rPr>
+                <a:t>1</a:t>
+              </a:r>
+            </a:p>
+          </p:txBody>
+        </p:sp>
+        <p:sp>
+          <p:nvSpPr>
+            <p:cNvPr id="5" name="Rectangle 4">
+              <a:extLst>
+                <a:ext uri="{FF2B5EF4-FFF2-40B4-BE49-F238E27FC236}">
+                  <a16:creationId xmlns:a16="http://schemas.microsoft.com/office/drawing/2014/main" id="{4E10C021-713C-AB4C-8354-35E50D3C6692}"/>
+                </a:ext>
+              </a:extLst>
+            </p:cNvPr>
+            <p:cNvSpPr/>
+            <p:nvPr/>
+          </p:nvSpPr>
+          <p:spPr>
+            <a:xfrm>
+              <a:off x="5444671" y="1295400"/>
+              <a:ext cx="495300" cy="457200"/>
+            </a:xfrm>
+            <a:prstGeom prst="rect">
+              <a:avLst/>
+            </a:prstGeom>
+            <a:solidFill>
+              <a:srgbClr val="FFC000"/>
+            </a:solidFill>
+            <a:ln>
+              <a:solidFill>
+                <a:schemeClr val="tx1"/>
+              </a:solidFill>
+            </a:ln>
+          </p:spPr>
+          <p:style>
+            <a:lnRef idx="2">
+              <a:schemeClr val="accent1">
+                <a:shade val="50000"/>
+              </a:schemeClr>
+            </a:lnRef>
+            <a:fillRef idx="1">
+              <a:schemeClr val="accent1"/>
+            </a:fillRef>
+            <a:effectRef idx="0">
+              <a:schemeClr val="accent1"/>
+            </a:effectRef>
+            <a:fontRef idx="minor">
+              <a:schemeClr val="lt1"/>
+            </a:fontRef>
+          </p:style>
+          <p:txBody>
+            <a:bodyPr lIns="0" tIns="0" rIns="0" bIns="0" rtlCol="0" anchor="ctr"/>
+            <a:lstStyle/>
+            <a:p>
+              <a:pPr algn="ctr"/>
+              <a:r>
+                <a:rPr lang="en-US" dirty="0">
+                  <a:solidFill>
+                    <a:schemeClr val="tx1"/>
+                  </a:solidFill>
+                  <a:latin typeface="Avenir Book" panose="02000503020000020003" pitchFamily="2" charset="0"/>
+                </a:rPr>
+                <a:t>1</a:t>
+              </a:r>
+            </a:p>
+          </p:txBody>
+        </p:sp>
+        <p:sp>
+          <p:nvSpPr>
+            <p:cNvPr id="6" name="Rectangle 5">
+              <a:extLst>
+                <a:ext uri="{FF2B5EF4-FFF2-40B4-BE49-F238E27FC236}">
+                  <a16:creationId xmlns:a16="http://schemas.microsoft.com/office/drawing/2014/main" id="{0714A9D4-7A02-204D-BC01-B687CDF8239F}"/>
+                </a:ext>
+              </a:extLst>
+            </p:cNvPr>
+            <p:cNvSpPr/>
+            <p:nvPr/>
+          </p:nvSpPr>
+          <p:spPr>
+            <a:xfrm>
+              <a:off x="5939971" y="1295400"/>
+              <a:ext cx="495300" cy="457200"/>
+            </a:xfrm>
+            <a:prstGeom prst="rect">
+              <a:avLst/>
+            </a:prstGeom>
+            <a:noFill/>
+            <a:ln>
+              <a:solidFill>
+                <a:schemeClr val="tx1"/>
+              </a:solidFill>
+            </a:ln>
+          </p:spPr>
+          <p:style>
+            <a:lnRef idx="2">
+              <a:schemeClr val="accent1">
+                <a:shade val="50000"/>
+              </a:schemeClr>
+            </a:lnRef>
+            <a:fillRef idx="1">
+              <a:schemeClr val="accent1"/>
+            </a:fillRef>
+            <a:effectRef idx="0">
+              <a:schemeClr val="accent1"/>
+            </a:effectRef>
+            <a:fontRef idx="minor">
+              <a:schemeClr val="lt1"/>
+            </a:fontRef>
+          </p:style>
+          <p:txBody>
+            <a:bodyPr lIns="0" tIns="0" rIns="0" bIns="0" rtlCol="0" anchor="ctr"/>
+            <a:lstStyle/>
+            <a:p>
+              <a:pPr algn="ctr"/>
+              <a:r>
+                <a:rPr lang="en-US" dirty="0">
+                  <a:solidFill>
+                    <a:schemeClr val="tx1"/>
+                  </a:solidFill>
+                  <a:latin typeface="Avenir Book" panose="02000503020000020003" pitchFamily="2" charset="0"/>
+                </a:rPr>
+                <a:t>0</a:t>
+              </a:r>
+            </a:p>
+          </p:txBody>
+        </p:sp>
+        <p:sp>
+          <p:nvSpPr>
+            <p:cNvPr id="7" name="Rectangle 6">
+              <a:extLst>
+                <a:ext uri="{FF2B5EF4-FFF2-40B4-BE49-F238E27FC236}">
+                  <a16:creationId xmlns:a16="http://schemas.microsoft.com/office/drawing/2014/main" id="{CB5CD662-6D12-BE4A-B7FE-0CA002F7057A}"/>
+                </a:ext>
+              </a:extLst>
+            </p:cNvPr>
+            <p:cNvSpPr/>
+            <p:nvPr/>
+          </p:nvSpPr>
+          <p:spPr>
+            <a:xfrm>
+              <a:off x="4454071" y="1752600"/>
+              <a:ext cx="495300" cy="239486"/>
+            </a:xfrm>
+            <a:prstGeom prst="rect">
+              <a:avLst/>
+            </a:prstGeom>
+            <a:noFill/>
+            <a:ln>
+              <a:noFill/>
+            </a:ln>
+          </p:spPr>
+          <p:style>
+            <a:lnRef idx="2">
+              <a:schemeClr val="accent1">
+                <a:shade val="50000"/>
+              </a:schemeClr>
+            </a:lnRef>
+            <a:fillRef idx="1">
+              <a:schemeClr val="accent1"/>
+            </a:fillRef>
+            <a:effectRef idx="0">
+              <a:schemeClr val="accent1"/>
+            </a:effectRef>
+            <a:fontRef idx="minor">
+              <a:schemeClr val="lt1"/>
+            </a:fontRef>
+          </p:style>
+          <p:txBody>
+            <a:bodyPr lIns="0" tIns="0" rIns="0" bIns="0" rtlCol="0" anchor="b" anchorCtr="0"/>
+            <a:lstStyle/>
+            <a:p>
+              <a:pPr algn="ctr"/>
+              <a:r>
+                <a:rPr lang="en-US" sz="1200" dirty="0">
+                  <a:solidFill>
+                    <a:schemeClr val="tx1"/>
+                  </a:solidFill>
+                  <a:latin typeface="Avenir Book" panose="02000503020000020003" pitchFamily="2" charset="0"/>
+                </a:rPr>
+                <a:t>0</a:t>
+              </a:r>
+            </a:p>
+          </p:txBody>
+        </p:sp>
+        <p:sp>
+          <p:nvSpPr>
+            <p:cNvPr id="8" name="Rectangle 7">
+              <a:extLst>
+                <a:ext uri="{FF2B5EF4-FFF2-40B4-BE49-F238E27FC236}">
+                  <a16:creationId xmlns:a16="http://schemas.microsoft.com/office/drawing/2014/main" id="{B2E9109A-9AD5-8341-A24E-9E3A331DC888}"/>
+                </a:ext>
+              </a:extLst>
+            </p:cNvPr>
+            <p:cNvSpPr/>
+            <p:nvPr/>
+          </p:nvSpPr>
+          <p:spPr>
+            <a:xfrm>
+              <a:off x="4949371" y="1752600"/>
+              <a:ext cx="495300" cy="239486"/>
+            </a:xfrm>
+            <a:prstGeom prst="rect">
+              <a:avLst/>
+            </a:prstGeom>
+            <a:noFill/>
+            <a:ln>
+              <a:noFill/>
+            </a:ln>
+          </p:spPr>
+          <p:style>
+            <a:lnRef idx="2">
+              <a:schemeClr val="accent1">
+                <a:shade val="50000"/>
+              </a:schemeClr>
+            </a:lnRef>
+            <a:fillRef idx="1">
+              <a:schemeClr val="accent1"/>
+            </a:fillRef>
+            <a:effectRef idx="0">
+              <a:schemeClr val="accent1"/>
+            </a:effectRef>
+            <a:fontRef idx="minor">
+              <a:schemeClr val="lt1"/>
+            </a:fontRef>
+          </p:style>
+          <p:txBody>
+            <a:bodyPr lIns="0" tIns="0" rIns="0" bIns="0" rtlCol="0" anchor="b" anchorCtr="0"/>
+            <a:lstStyle/>
+            <a:p>
+              <a:pPr algn="ctr"/>
+              <a:r>
+                <a:rPr lang="en-US" sz="1200" dirty="0">
+                  <a:solidFill>
+                    <a:schemeClr val="tx1"/>
+                  </a:solidFill>
+                  <a:latin typeface="Avenir Book" panose="02000503020000020003" pitchFamily="2" charset="0"/>
+                </a:rPr>
+                <a:t>1</a:t>
+              </a:r>
+            </a:p>
+          </p:txBody>
+        </p:sp>
+        <p:sp>
+          <p:nvSpPr>
+            <p:cNvPr id="9" name="Rectangle 8">
+              <a:extLst>
+                <a:ext uri="{FF2B5EF4-FFF2-40B4-BE49-F238E27FC236}">
+                  <a16:creationId xmlns:a16="http://schemas.microsoft.com/office/drawing/2014/main" id="{98CEB25F-3805-3247-855C-AAF6BE853C16}"/>
+                </a:ext>
+              </a:extLst>
+            </p:cNvPr>
+            <p:cNvSpPr/>
+            <p:nvPr/>
+          </p:nvSpPr>
+          <p:spPr>
+            <a:xfrm>
+              <a:off x="5444671" y="1752600"/>
+              <a:ext cx="495300" cy="239486"/>
+            </a:xfrm>
+            <a:prstGeom prst="rect">
+              <a:avLst/>
+            </a:prstGeom>
+            <a:noFill/>
+            <a:ln>
+              <a:noFill/>
+            </a:ln>
+          </p:spPr>
+          <p:style>
+            <a:lnRef idx="2">
+              <a:schemeClr val="accent1">
+                <a:shade val="50000"/>
+              </a:schemeClr>
+            </a:lnRef>
+            <a:fillRef idx="1">
+              <a:schemeClr val="accent1"/>
+            </a:fillRef>
+            <a:effectRef idx="0">
+              <a:schemeClr val="accent1"/>
+            </a:effectRef>
+            <a:fontRef idx="minor">
+              <a:schemeClr val="lt1"/>
+            </a:fontRef>
+          </p:style>
+          <p:txBody>
+            <a:bodyPr lIns="0" tIns="0" rIns="0" bIns="0" rtlCol="0" anchor="b" anchorCtr="0"/>
+            <a:lstStyle/>
+            <a:p>
+              <a:pPr algn="ctr"/>
+              <a:r>
+                <a:rPr lang="en-US" sz="1200" dirty="0">
+                  <a:solidFill>
+                    <a:schemeClr val="tx1"/>
+                  </a:solidFill>
+                  <a:latin typeface="Avenir Book" panose="02000503020000020003" pitchFamily="2" charset="0"/>
+                </a:rPr>
+                <a:t>2</a:t>
+              </a:r>
+            </a:p>
+          </p:txBody>
+        </p:sp>
+        <p:sp>
+          <p:nvSpPr>
+            <p:cNvPr id="10" name="Rectangle 9">
+              <a:extLst>
+                <a:ext uri="{FF2B5EF4-FFF2-40B4-BE49-F238E27FC236}">
+                  <a16:creationId xmlns:a16="http://schemas.microsoft.com/office/drawing/2014/main" id="{D702AC00-45AD-2740-AAB1-649303F1722C}"/>
+                </a:ext>
+              </a:extLst>
+            </p:cNvPr>
+            <p:cNvSpPr/>
+            <p:nvPr/>
+          </p:nvSpPr>
+          <p:spPr>
+            <a:xfrm>
+              <a:off x="5939971" y="1752600"/>
+              <a:ext cx="495300" cy="239486"/>
+            </a:xfrm>
+            <a:prstGeom prst="rect">
+              <a:avLst/>
+            </a:prstGeom>
+            <a:noFill/>
+            <a:ln>
+              <a:noFill/>
+            </a:ln>
+          </p:spPr>
+          <p:style>
+            <a:lnRef idx="2">
+              <a:schemeClr val="accent1">
+                <a:shade val="50000"/>
+              </a:schemeClr>
+            </a:lnRef>
+            <a:fillRef idx="1">
+              <a:schemeClr val="accent1"/>
+            </a:fillRef>
+            <a:effectRef idx="0">
+              <a:schemeClr val="accent1"/>
+            </a:effectRef>
+            <a:fontRef idx="minor">
+              <a:schemeClr val="lt1"/>
+            </a:fontRef>
+          </p:style>
+          <p:txBody>
+            <a:bodyPr lIns="0" tIns="0" rIns="0" bIns="0" rtlCol="0" anchor="b" anchorCtr="0"/>
+            <a:lstStyle/>
+            <a:p>
+              <a:pPr algn="ctr"/>
+              <a:r>
+                <a:rPr lang="en-US" sz="1200" dirty="0">
+                  <a:solidFill>
+                    <a:schemeClr val="tx1"/>
+                  </a:solidFill>
+                  <a:latin typeface="Avenir Book" panose="02000503020000020003" pitchFamily="2" charset="0"/>
+                </a:rPr>
+                <a:t>3</a:t>
+              </a:r>
+            </a:p>
+          </p:txBody>
+        </p:sp>
+      </p:grpSp>
+      <p:sp>
+        <p:nvSpPr>
+          <p:cNvPr id="11" name="Rectangle 10">
+            <a:extLst>
+              <a:ext uri="{FF2B5EF4-FFF2-40B4-BE49-F238E27FC236}">
+                <a16:creationId xmlns:a16="http://schemas.microsoft.com/office/drawing/2014/main" id="{89573B06-5F4D-7547-8F65-284BE7413996}"/>
+              </a:ext>
+            </a:extLst>
+          </p:cNvPr>
+          <p:cNvSpPr/>
+          <p:nvPr/>
+        </p:nvSpPr>
+        <p:spPr>
+          <a:xfrm>
+            <a:off x="6693247" y="1069988"/>
+            <a:ext cx="1177290" cy="457200"/>
+          </a:xfrm>
+          <a:prstGeom prst="rect">
+            <a:avLst/>
+          </a:prstGeom>
+          <a:noFill/>
+          <a:ln>
+            <a:noFill/>
+          </a:ln>
+        </p:spPr>
+        <p:style>
+          <a:lnRef idx="2">
+            <a:schemeClr val="accent1">
+              <a:shade val="50000"/>
+            </a:schemeClr>
+          </a:lnRef>
+          <a:fillRef idx="1">
+            <a:schemeClr val="accent1"/>
+          </a:fillRef>
+          <a:effectRef idx="0">
+            <a:schemeClr val="accent1"/>
+          </a:effectRef>
+          <a:fontRef idx="minor">
+            <a:schemeClr val="lt1"/>
+          </a:fontRef>
+        </p:style>
+        <p:txBody>
+          <a:bodyPr lIns="0" tIns="0" rIns="0" bIns="0" rtlCol="0" anchor="ctr"/>
+          <a:lstStyle/>
+          <a:p>
+            <a:pPr algn="r"/>
+            <a:r>
+              <a:rPr lang="en-US" dirty="0">
+                <a:solidFill>
+                  <a:schemeClr val="tx1"/>
+                </a:solidFill>
+                <a:latin typeface="Avenir Book" panose="02000503020000020003" pitchFamily="2" charset="0"/>
+              </a:rPr>
+              <a:t>Noisy key</a:t>
+            </a:r>
+          </a:p>
+        </p:txBody>
+      </p:sp>
+      <p:grpSp>
+        <p:nvGrpSpPr>
+          <p:cNvPr id="12" name="Group 11">
+            <a:extLst>
+              <a:ext uri="{FF2B5EF4-FFF2-40B4-BE49-F238E27FC236}">
+                <a16:creationId xmlns:a16="http://schemas.microsoft.com/office/drawing/2014/main" id="{E54249EB-8FCB-184F-B588-03FC92E330DF}"/>
+              </a:ext>
+            </a:extLst>
+          </p:cNvPr>
+          <p:cNvGrpSpPr/>
+          <p:nvPr/>
+        </p:nvGrpSpPr>
+        <p:grpSpPr>
+          <a:xfrm>
+            <a:off x="8007597" y="2923206"/>
+            <a:ext cx="1981200" cy="696686"/>
+            <a:chOff x="4454071" y="2362200"/>
+            <a:chExt cx="1981200" cy="696686"/>
+          </a:xfrm>
+        </p:grpSpPr>
+        <p:sp>
+          <p:nvSpPr>
+            <p:cNvPr id="13" name="Rectangle 12">
+              <a:extLst>
+                <a:ext uri="{FF2B5EF4-FFF2-40B4-BE49-F238E27FC236}">
+                  <a16:creationId xmlns:a16="http://schemas.microsoft.com/office/drawing/2014/main" id="{71DF2C01-D507-D848-A8F4-A75E66903A9B}"/>
+                </a:ext>
+              </a:extLst>
+            </p:cNvPr>
+            <p:cNvSpPr/>
+            <p:nvPr/>
+          </p:nvSpPr>
+          <p:spPr>
+            <a:xfrm>
+              <a:off x="4454071" y="2362200"/>
+              <a:ext cx="495300" cy="457200"/>
+            </a:xfrm>
+            <a:prstGeom prst="rect">
+              <a:avLst/>
+            </a:prstGeom>
+            <a:noFill/>
+            <a:ln>
+              <a:solidFill>
+                <a:schemeClr val="tx1"/>
+              </a:solidFill>
+            </a:ln>
+          </p:spPr>
+          <p:style>
+            <a:lnRef idx="2">
+              <a:schemeClr val="accent1">
+                <a:shade val="50000"/>
+              </a:schemeClr>
+            </a:lnRef>
+            <a:fillRef idx="1">
+              <a:schemeClr val="accent1"/>
+            </a:fillRef>
+            <a:effectRef idx="0">
+              <a:schemeClr val="accent1"/>
+            </a:effectRef>
+            <a:fontRef idx="minor">
+              <a:schemeClr val="lt1"/>
+            </a:fontRef>
+          </p:style>
+          <p:txBody>
+            <a:bodyPr lIns="0" tIns="0" rIns="0" bIns="0" rtlCol="0" anchor="ctr"/>
+            <a:lstStyle/>
+            <a:p>
+              <a:pPr algn="ctr"/>
+              <a:r>
+                <a:rPr lang="en-US" dirty="0">
+                  <a:solidFill>
+                    <a:schemeClr val="tx1"/>
+                  </a:solidFill>
+                  <a:latin typeface="Avenir Book" panose="02000503020000020003" pitchFamily="2" charset="0"/>
+                </a:rPr>
+                <a:t>1</a:t>
+              </a:r>
+            </a:p>
+          </p:txBody>
+        </p:sp>
+        <p:sp>
+          <p:nvSpPr>
+            <p:cNvPr id="14" name="Rectangle 13">
+              <a:extLst>
+                <a:ext uri="{FF2B5EF4-FFF2-40B4-BE49-F238E27FC236}">
+                  <a16:creationId xmlns:a16="http://schemas.microsoft.com/office/drawing/2014/main" id="{FDD8832C-48FA-A34A-A499-66AF19F7462A}"/>
+                </a:ext>
+              </a:extLst>
+            </p:cNvPr>
+            <p:cNvSpPr/>
+            <p:nvPr/>
+          </p:nvSpPr>
+          <p:spPr>
+            <a:xfrm>
+              <a:off x="4949371" y="2362200"/>
+              <a:ext cx="495300" cy="457200"/>
+            </a:xfrm>
+            <a:prstGeom prst="rect">
+              <a:avLst/>
+            </a:prstGeom>
+            <a:noFill/>
+            <a:ln>
+              <a:solidFill>
+                <a:schemeClr val="tx1"/>
+              </a:solidFill>
+            </a:ln>
+          </p:spPr>
+          <p:style>
+            <a:lnRef idx="2">
+              <a:schemeClr val="accent1">
+                <a:shade val="50000"/>
+              </a:schemeClr>
+            </a:lnRef>
+            <a:fillRef idx="1">
+              <a:schemeClr val="accent1"/>
+            </a:fillRef>
+            <a:effectRef idx="0">
+              <a:schemeClr val="accent1"/>
+            </a:effectRef>
+            <a:fontRef idx="minor">
+              <a:schemeClr val="lt1"/>
+            </a:fontRef>
+          </p:style>
+          <p:txBody>
+            <a:bodyPr lIns="0" tIns="0" rIns="0" bIns="0" rtlCol="0" anchor="ctr"/>
+            <a:lstStyle/>
+            <a:p>
+              <a:pPr algn="ctr"/>
+              <a:r>
+                <a:rPr lang="en-US" dirty="0">
+                  <a:solidFill>
+                    <a:schemeClr val="tx1"/>
+                  </a:solidFill>
+                  <a:latin typeface="Avenir Book" panose="02000503020000020003" pitchFamily="2" charset="0"/>
+                </a:rPr>
+                <a:t>0</a:t>
+              </a:r>
+            </a:p>
+          </p:txBody>
+        </p:sp>
+        <p:sp>
+          <p:nvSpPr>
+            <p:cNvPr id="15" name="Rectangle 14">
+              <a:extLst>
+                <a:ext uri="{FF2B5EF4-FFF2-40B4-BE49-F238E27FC236}">
+                  <a16:creationId xmlns:a16="http://schemas.microsoft.com/office/drawing/2014/main" id="{7E22ADCC-5DB6-2348-A83A-2D83C34E486F}"/>
+                </a:ext>
+              </a:extLst>
+            </p:cNvPr>
+            <p:cNvSpPr/>
+            <p:nvPr/>
+          </p:nvSpPr>
+          <p:spPr>
+            <a:xfrm>
+              <a:off x="5444671" y="2362200"/>
+              <a:ext cx="495300" cy="457200"/>
+            </a:xfrm>
+            <a:prstGeom prst="rect">
+              <a:avLst/>
+            </a:prstGeom>
+            <a:noFill/>
+            <a:ln>
+              <a:solidFill>
+                <a:schemeClr val="tx1"/>
+              </a:solidFill>
+            </a:ln>
+          </p:spPr>
+          <p:style>
+            <a:lnRef idx="2">
+              <a:schemeClr val="accent1">
+                <a:shade val="50000"/>
+              </a:schemeClr>
+            </a:lnRef>
+            <a:fillRef idx="1">
+              <a:schemeClr val="accent1"/>
+            </a:fillRef>
+            <a:effectRef idx="0">
+              <a:schemeClr val="accent1"/>
+            </a:effectRef>
+            <a:fontRef idx="minor">
+              <a:schemeClr val="lt1"/>
+            </a:fontRef>
+          </p:style>
+          <p:txBody>
+            <a:bodyPr lIns="0" tIns="0" rIns="0" bIns="0" rtlCol="0" anchor="ctr"/>
+            <a:lstStyle/>
+            <a:p>
+              <a:pPr algn="ctr"/>
+              <a:r>
+                <a:rPr lang="en-US" dirty="0">
+                  <a:solidFill>
+                    <a:schemeClr val="tx1"/>
+                  </a:solidFill>
+                  <a:latin typeface="Avenir Book" panose="02000503020000020003" pitchFamily="2" charset="0"/>
+                </a:rPr>
+                <a:t>0</a:t>
+              </a:r>
+            </a:p>
+          </p:txBody>
+        </p:sp>
+        <p:sp>
+          <p:nvSpPr>
+            <p:cNvPr id="16" name="Rectangle 15">
+              <a:extLst>
+                <a:ext uri="{FF2B5EF4-FFF2-40B4-BE49-F238E27FC236}">
+                  <a16:creationId xmlns:a16="http://schemas.microsoft.com/office/drawing/2014/main" id="{F392BC09-82DA-A443-A898-314D58E39803}"/>
+                </a:ext>
+              </a:extLst>
+            </p:cNvPr>
+            <p:cNvSpPr/>
+            <p:nvPr/>
+          </p:nvSpPr>
+          <p:spPr>
+            <a:xfrm>
+              <a:off x="5939971" y="2362200"/>
+              <a:ext cx="495300" cy="457200"/>
+            </a:xfrm>
+            <a:prstGeom prst="rect">
+              <a:avLst/>
+            </a:prstGeom>
+            <a:solidFill>
+              <a:srgbClr val="FFC000"/>
+            </a:solidFill>
+            <a:ln>
+              <a:solidFill>
+                <a:schemeClr val="tx1"/>
+              </a:solidFill>
+            </a:ln>
+          </p:spPr>
+          <p:style>
+            <a:lnRef idx="2">
+              <a:schemeClr val="accent1">
+                <a:shade val="50000"/>
+              </a:schemeClr>
+            </a:lnRef>
+            <a:fillRef idx="1">
+              <a:schemeClr val="accent1"/>
+            </a:fillRef>
+            <a:effectRef idx="0">
+              <a:schemeClr val="accent1"/>
+            </a:effectRef>
+            <a:fontRef idx="minor">
+              <a:schemeClr val="lt1"/>
+            </a:fontRef>
+          </p:style>
+          <p:txBody>
+            <a:bodyPr lIns="0" tIns="0" rIns="0" bIns="0" rtlCol="0" anchor="ctr"/>
+            <a:lstStyle/>
+            <a:p>
+              <a:pPr algn="ctr"/>
+              <a:r>
+                <a:rPr lang="en-US" dirty="0">
+                  <a:solidFill>
+                    <a:schemeClr val="tx1"/>
+                  </a:solidFill>
+                  <a:latin typeface="Avenir Book" panose="02000503020000020003" pitchFamily="2" charset="0"/>
+                </a:rPr>
+                <a:t>1</a:t>
+              </a:r>
+            </a:p>
+          </p:txBody>
+        </p:sp>
+        <p:sp>
+          <p:nvSpPr>
+            <p:cNvPr id="17" name="Rectangle 16">
+              <a:extLst>
+                <a:ext uri="{FF2B5EF4-FFF2-40B4-BE49-F238E27FC236}">
+                  <a16:creationId xmlns:a16="http://schemas.microsoft.com/office/drawing/2014/main" id="{2CC2C8C1-634D-2142-81CD-37EEA1339993}"/>
+                </a:ext>
+              </a:extLst>
+            </p:cNvPr>
+            <p:cNvSpPr/>
+            <p:nvPr/>
+          </p:nvSpPr>
+          <p:spPr>
+            <a:xfrm>
+              <a:off x="4454071" y="2819400"/>
+              <a:ext cx="495300" cy="239486"/>
+            </a:xfrm>
+            <a:prstGeom prst="rect">
+              <a:avLst/>
+            </a:prstGeom>
+            <a:noFill/>
+            <a:ln>
+              <a:noFill/>
+            </a:ln>
+          </p:spPr>
+          <p:style>
+            <a:lnRef idx="2">
+              <a:schemeClr val="accent1">
+                <a:shade val="50000"/>
+              </a:schemeClr>
+            </a:lnRef>
+            <a:fillRef idx="1">
+              <a:schemeClr val="accent1"/>
+            </a:fillRef>
+            <a:effectRef idx="0">
+              <a:schemeClr val="accent1"/>
+            </a:effectRef>
+            <a:fontRef idx="minor">
+              <a:schemeClr val="lt1"/>
+            </a:fontRef>
+          </p:style>
+          <p:txBody>
+            <a:bodyPr lIns="0" tIns="0" rIns="0" bIns="0" rtlCol="0" anchor="b" anchorCtr="0"/>
+            <a:lstStyle/>
+            <a:p>
+              <a:pPr algn="ctr"/>
+              <a:r>
+                <a:rPr lang="en-US" sz="1200" dirty="0">
+                  <a:solidFill>
+                    <a:schemeClr val="tx1"/>
+                  </a:solidFill>
+                  <a:latin typeface="Avenir Book" panose="02000503020000020003" pitchFamily="2" charset="0"/>
+                </a:rPr>
+                <a:t>0</a:t>
+              </a:r>
+            </a:p>
+          </p:txBody>
+        </p:sp>
+        <p:sp>
+          <p:nvSpPr>
+            <p:cNvPr id="18" name="Rectangle 17">
+              <a:extLst>
+                <a:ext uri="{FF2B5EF4-FFF2-40B4-BE49-F238E27FC236}">
+                  <a16:creationId xmlns:a16="http://schemas.microsoft.com/office/drawing/2014/main" id="{4CC7EBB3-E4D4-6242-9B25-D0AE4DDE85AC}"/>
+                </a:ext>
+              </a:extLst>
+            </p:cNvPr>
+            <p:cNvSpPr/>
+            <p:nvPr/>
+          </p:nvSpPr>
+          <p:spPr>
+            <a:xfrm>
+              <a:off x="4949371" y="2819400"/>
+              <a:ext cx="495300" cy="239486"/>
+            </a:xfrm>
+            <a:prstGeom prst="rect">
+              <a:avLst/>
+            </a:prstGeom>
+            <a:noFill/>
+            <a:ln>
+              <a:noFill/>
+            </a:ln>
+          </p:spPr>
+          <p:style>
+            <a:lnRef idx="2">
+              <a:schemeClr val="accent1">
+                <a:shade val="50000"/>
+              </a:schemeClr>
+            </a:lnRef>
+            <a:fillRef idx="1">
+              <a:schemeClr val="accent1"/>
+            </a:fillRef>
+            <a:effectRef idx="0">
+              <a:schemeClr val="accent1"/>
+            </a:effectRef>
+            <a:fontRef idx="minor">
+              <a:schemeClr val="lt1"/>
+            </a:fontRef>
+          </p:style>
+          <p:txBody>
+            <a:bodyPr lIns="0" tIns="0" rIns="0" bIns="0" rtlCol="0" anchor="b" anchorCtr="0"/>
+            <a:lstStyle/>
+            <a:p>
+              <a:pPr algn="ctr"/>
+              <a:r>
+                <a:rPr lang="en-US" sz="1200" dirty="0">
+                  <a:solidFill>
+                    <a:schemeClr val="tx1"/>
+                  </a:solidFill>
+                  <a:latin typeface="Avenir Book" panose="02000503020000020003" pitchFamily="2" charset="0"/>
+                </a:rPr>
+                <a:t>1</a:t>
+              </a:r>
+            </a:p>
+          </p:txBody>
+        </p:sp>
+        <p:sp>
+          <p:nvSpPr>
+            <p:cNvPr id="19" name="Rectangle 18">
+              <a:extLst>
+                <a:ext uri="{FF2B5EF4-FFF2-40B4-BE49-F238E27FC236}">
+                  <a16:creationId xmlns:a16="http://schemas.microsoft.com/office/drawing/2014/main" id="{B497F3A3-C415-5C4B-B0B6-4A92FFD31089}"/>
+                </a:ext>
+              </a:extLst>
+            </p:cNvPr>
+            <p:cNvSpPr/>
+            <p:nvPr/>
+          </p:nvSpPr>
+          <p:spPr>
+            <a:xfrm>
+              <a:off x="5444671" y="2819400"/>
+              <a:ext cx="495300" cy="239486"/>
+            </a:xfrm>
+            <a:prstGeom prst="rect">
+              <a:avLst/>
+            </a:prstGeom>
+            <a:noFill/>
+            <a:ln>
+              <a:noFill/>
+            </a:ln>
+          </p:spPr>
+          <p:style>
+            <a:lnRef idx="2">
+              <a:schemeClr val="accent1">
+                <a:shade val="50000"/>
+              </a:schemeClr>
+            </a:lnRef>
+            <a:fillRef idx="1">
+              <a:schemeClr val="accent1"/>
+            </a:fillRef>
+            <a:effectRef idx="0">
+              <a:schemeClr val="accent1"/>
+            </a:effectRef>
+            <a:fontRef idx="minor">
+              <a:schemeClr val="lt1"/>
+            </a:fontRef>
+          </p:style>
+          <p:txBody>
+            <a:bodyPr lIns="0" tIns="0" rIns="0" bIns="0" rtlCol="0" anchor="b" anchorCtr="0"/>
+            <a:lstStyle/>
+            <a:p>
+              <a:pPr algn="ctr"/>
+              <a:r>
+                <a:rPr lang="en-US" sz="1200" dirty="0">
+                  <a:solidFill>
+                    <a:schemeClr val="tx1"/>
+                  </a:solidFill>
+                  <a:latin typeface="Avenir Book" panose="02000503020000020003" pitchFamily="2" charset="0"/>
+                </a:rPr>
+                <a:t>2</a:t>
+              </a:r>
+            </a:p>
+          </p:txBody>
+        </p:sp>
+        <p:sp>
+          <p:nvSpPr>
+            <p:cNvPr id="20" name="Rectangle 19">
+              <a:extLst>
+                <a:ext uri="{FF2B5EF4-FFF2-40B4-BE49-F238E27FC236}">
+                  <a16:creationId xmlns:a16="http://schemas.microsoft.com/office/drawing/2014/main" id="{0FB9A741-0686-B941-B3E0-E708A55DEABF}"/>
+                </a:ext>
+              </a:extLst>
+            </p:cNvPr>
+            <p:cNvSpPr/>
+            <p:nvPr/>
+          </p:nvSpPr>
+          <p:spPr>
+            <a:xfrm>
+              <a:off x="5939971" y="2819400"/>
+              <a:ext cx="495300" cy="239486"/>
+            </a:xfrm>
+            <a:prstGeom prst="rect">
+              <a:avLst/>
+            </a:prstGeom>
+            <a:noFill/>
+            <a:ln>
+              <a:noFill/>
+            </a:ln>
+          </p:spPr>
+          <p:style>
+            <a:lnRef idx="2">
+              <a:schemeClr val="accent1">
+                <a:shade val="50000"/>
+              </a:schemeClr>
+            </a:lnRef>
+            <a:fillRef idx="1">
+              <a:schemeClr val="accent1"/>
+            </a:fillRef>
+            <a:effectRef idx="0">
+              <a:schemeClr val="accent1"/>
+            </a:effectRef>
+            <a:fontRef idx="minor">
+              <a:schemeClr val="lt1"/>
+            </a:fontRef>
+          </p:style>
+          <p:txBody>
+            <a:bodyPr lIns="0" tIns="0" rIns="0" bIns="0" rtlCol="0" anchor="b" anchorCtr="0"/>
+            <a:lstStyle/>
+            <a:p>
+              <a:pPr algn="ctr"/>
+              <a:r>
+                <a:rPr lang="en-US" sz="1200" dirty="0">
+                  <a:solidFill>
+                    <a:schemeClr val="tx1"/>
+                  </a:solidFill>
+                  <a:latin typeface="Avenir Book" panose="02000503020000020003" pitchFamily="2" charset="0"/>
+                </a:rPr>
+                <a:t>3</a:t>
+              </a:r>
+            </a:p>
+          </p:txBody>
+        </p:sp>
+      </p:grpSp>
+      <p:cxnSp>
+        <p:nvCxnSpPr>
+          <p:cNvPr id="21" name="Straight Arrow Connector 20">
+            <a:extLst>
+              <a:ext uri="{FF2B5EF4-FFF2-40B4-BE49-F238E27FC236}">
+                <a16:creationId xmlns:a16="http://schemas.microsoft.com/office/drawing/2014/main" id="{34B1B73D-AE1C-4443-90C9-6B84823E85EC}"/>
+              </a:ext>
+            </a:extLst>
+          </p:cNvPr>
+          <p:cNvCxnSpPr>
+            <a:cxnSpLocks/>
+          </p:cNvCxnSpPr>
+          <p:nvPr/>
+        </p:nvCxnSpPr>
+        <p:spPr>
+          <a:xfrm>
+            <a:off x="8292878" y="2289188"/>
+            <a:ext cx="488107" cy="457200"/>
+          </a:xfrm>
+          <a:prstGeom prst="straightConnector1">
+            <a:avLst/>
+          </a:prstGeom>
+          <a:ln>
+            <a:solidFill>
+              <a:schemeClr val="tx1"/>
+            </a:solidFill>
+            <a:headEnd type="triangle" w="med" len="med"/>
+            <a:tailEnd type="none" w="med" len="med"/>
+          </a:ln>
+        </p:spPr>
+        <p:style>
+          <a:lnRef idx="1">
+            <a:schemeClr val="accent1"/>
+          </a:lnRef>
+          <a:fillRef idx="0">
+            <a:schemeClr val="accent1"/>
+          </a:fillRef>
+          <a:effectRef idx="0">
+            <a:schemeClr val="accent1"/>
+          </a:effectRef>
+          <a:fontRef idx="minor">
+            <a:schemeClr val="tx1"/>
+          </a:fontRef>
+        </p:style>
+      </p:cxnSp>
+      <p:cxnSp>
+        <p:nvCxnSpPr>
+          <p:cNvPr id="22" name="Straight Arrow Connector 21">
+            <a:extLst>
+              <a:ext uri="{FF2B5EF4-FFF2-40B4-BE49-F238E27FC236}">
+                <a16:creationId xmlns:a16="http://schemas.microsoft.com/office/drawing/2014/main" id="{8E73103E-8653-0844-BA70-F328BBAB0738}"/>
+              </a:ext>
+            </a:extLst>
+          </p:cNvPr>
+          <p:cNvCxnSpPr>
+            <a:cxnSpLocks/>
+          </p:cNvCxnSpPr>
+          <p:nvPr/>
+        </p:nvCxnSpPr>
+        <p:spPr>
+          <a:xfrm flipH="1">
+            <a:off x="8292878" y="2289188"/>
+            <a:ext cx="488107" cy="457200"/>
+          </a:xfrm>
+          <a:prstGeom prst="straightConnector1">
+            <a:avLst/>
+          </a:prstGeom>
+          <a:ln>
+            <a:solidFill>
+              <a:schemeClr val="tx1"/>
+            </a:solidFill>
+            <a:headEnd type="triangle" w="med" len="med"/>
+            <a:tailEnd type="none" w="med" len="med"/>
+          </a:ln>
+        </p:spPr>
+        <p:style>
+          <a:lnRef idx="1">
+            <a:schemeClr val="accent1"/>
+          </a:lnRef>
+          <a:fillRef idx="0">
+            <a:schemeClr val="accent1"/>
+          </a:fillRef>
+          <a:effectRef idx="0">
+            <a:schemeClr val="accent1"/>
+          </a:effectRef>
+          <a:fontRef idx="minor">
+            <a:schemeClr val="tx1"/>
+          </a:fontRef>
+        </p:style>
+      </p:cxnSp>
+      <p:cxnSp>
+        <p:nvCxnSpPr>
+          <p:cNvPr id="23" name="Straight Arrow Connector 22">
+            <a:extLst>
+              <a:ext uri="{FF2B5EF4-FFF2-40B4-BE49-F238E27FC236}">
+                <a16:creationId xmlns:a16="http://schemas.microsoft.com/office/drawing/2014/main" id="{E5E26995-6434-F747-BDE2-B938293FA66F}"/>
+              </a:ext>
+            </a:extLst>
+          </p:cNvPr>
+          <p:cNvCxnSpPr>
+            <a:cxnSpLocks/>
+          </p:cNvCxnSpPr>
+          <p:nvPr/>
+        </p:nvCxnSpPr>
+        <p:spPr>
+          <a:xfrm flipH="1">
+            <a:off x="9269092" y="2289188"/>
+            <a:ext cx="488108" cy="457200"/>
+          </a:xfrm>
+          <a:prstGeom prst="straightConnector1">
+            <a:avLst/>
+          </a:prstGeom>
+          <a:ln>
+            <a:solidFill>
+              <a:schemeClr val="tx1"/>
+            </a:solidFill>
+            <a:headEnd type="triangle" w="med" len="med"/>
+            <a:tailEnd type="none" w="med" len="med"/>
+          </a:ln>
+        </p:spPr>
+        <p:style>
+          <a:lnRef idx="1">
+            <a:schemeClr val="accent1"/>
+          </a:lnRef>
+          <a:fillRef idx="0">
+            <a:schemeClr val="accent1"/>
+          </a:fillRef>
+          <a:effectRef idx="0">
+            <a:schemeClr val="accent1"/>
+          </a:effectRef>
+          <a:fontRef idx="minor">
+            <a:schemeClr val="tx1"/>
+          </a:fontRef>
+        </p:style>
+      </p:cxnSp>
+      <p:cxnSp>
+        <p:nvCxnSpPr>
+          <p:cNvPr id="24" name="Straight Arrow Connector 23">
+            <a:extLst>
+              <a:ext uri="{FF2B5EF4-FFF2-40B4-BE49-F238E27FC236}">
+                <a16:creationId xmlns:a16="http://schemas.microsoft.com/office/drawing/2014/main" id="{B454587B-66B7-DA42-932A-611E7B5F1098}"/>
+              </a:ext>
+            </a:extLst>
+          </p:cNvPr>
+          <p:cNvCxnSpPr>
+            <a:cxnSpLocks/>
+          </p:cNvCxnSpPr>
+          <p:nvPr/>
+        </p:nvCxnSpPr>
+        <p:spPr>
+          <a:xfrm>
+            <a:off x="9269092" y="2289188"/>
+            <a:ext cx="488108" cy="457200"/>
+          </a:xfrm>
+          <a:prstGeom prst="straightConnector1">
+            <a:avLst/>
+          </a:prstGeom>
+          <a:ln>
+            <a:solidFill>
+              <a:schemeClr val="tx1"/>
+            </a:solidFill>
+            <a:headEnd type="triangle" w="med" len="med"/>
+            <a:tailEnd type="none" w="med" len="med"/>
+          </a:ln>
+        </p:spPr>
+        <p:style>
+          <a:lnRef idx="1">
+            <a:schemeClr val="accent1"/>
+          </a:lnRef>
+          <a:fillRef idx="0">
+            <a:schemeClr val="accent1"/>
+          </a:fillRef>
+          <a:effectRef idx="0">
+            <a:schemeClr val="accent1"/>
+          </a:effectRef>
+          <a:fontRef idx="minor">
+            <a:schemeClr val="tx1"/>
+          </a:fontRef>
+        </p:style>
+      </p:cxnSp>
+      <p:cxnSp>
+        <p:nvCxnSpPr>
+          <p:cNvPr id="25" name="Straight Arrow Connector 24">
+            <a:extLst>
+              <a:ext uri="{FF2B5EF4-FFF2-40B4-BE49-F238E27FC236}">
+                <a16:creationId xmlns:a16="http://schemas.microsoft.com/office/drawing/2014/main" id="{41D2FA6E-9582-A349-B931-22A3236C5BEE}"/>
+              </a:ext>
+            </a:extLst>
+          </p:cNvPr>
+          <p:cNvCxnSpPr>
+            <a:cxnSpLocks/>
+          </p:cNvCxnSpPr>
+          <p:nvPr/>
+        </p:nvCxnSpPr>
+        <p:spPr>
+          <a:xfrm>
+            <a:off x="8294975" y="1831988"/>
+            <a:ext cx="0" cy="457200"/>
+          </a:xfrm>
+          <a:prstGeom prst="straightConnector1">
+            <a:avLst/>
+          </a:prstGeom>
+          <a:ln w="3175" cap="rnd">
+            <a:solidFill>
+              <a:schemeClr val="tx1"/>
+            </a:solidFill>
+            <a:prstDash val="sysDot"/>
+            <a:headEnd type="triangle" w="sm" len="sm"/>
+            <a:tailEnd type="none" w="med" len="med"/>
+          </a:ln>
+        </p:spPr>
+        <p:style>
+          <a:lnRef idx="1">
+            <a:schemeClr val="accent1"/>
+          </a:lnRef>
+          <a:fillRef idx="0">
+            <a:schemeClr val="accent1"/>
+          </a:fillRef>
+          <a:effectRef idx="0">
+            <a:schemeClr val="accent1"/>
+          </a:effectRef>
+          <a:fontRef idx="minor">
+            <a:schemeClr val="tx1"/>
+          </a:fontRef>
+        </p:style>
+      </p:cxnSp>
+      <p:cxnSp>
+        <p:nvCxnSpPr>
+          <p:cNvPr id="26" name="Straight Arrow Connector 25">
+            <a:extLst>
+              <a:ext uri="{FF2B5EF4-FFF2-40B4-BE49-F238E27FC236}">
+                <a16:creationId xmlns:a16="http://schemas.microsoft.com/office/drawing/2014/main" id="{FA35A668-8198-C64E-BCA8-461524920273}"/>
+              </a:ext>
+            </a:extLst>
+          </p:cNvPr>
+          <p:cNvCxnSpPr>
+            <a:cxnSpLocks/>
+          </p:cNvCxnSpPr>
+          <p:nvPr/>
+        </p:nvCxnSpPr>
+        <p:spPr>
+          <a:xfrm>
+            <a:off x="8780985" y="1831988"/>
+            <a:ext cx="0" cy="457200"/>
+          </a:xfrm>
+          <a:prstGeom prst="straightConnector1">
+            <a:avLst/>
+          </a:prstGeom>
+          <a:ln w="3175" cap="rnd">
+            <a:solidFill>
+              <a:schemeClr val="tx1"/>
+            </a:solidFill>
+            <a:prstDash val="sysDot"/>
+            <a:headEnd type="triangle" w="sm" len="sm"/>
+            <a:tailEnd type="none" w="med" len="med"/>
+          </a:ln>
+        </p:spPr>
+        <p:style>
+          <a:lnRef idx="1">
+            <a:schemeClr val="accent1"/>
+          </a:lnRef>
+          <a:fillRef idx="0">
+            <a:schemeClr val="accent1"/>
+          </a:fillRef>
+          <a:effectRef idx="0">
+            <a:schemeClr val="accent1"/>
+          </a:effectRef>
+          <a:fontRef idx="minor">
+            <a:schemeClr val="tx1"/>
+          </a:fontRef>
+        </p:style>
+      </p:cxnSp>
+      <p:cxnSp>
+        <p:nvCxnSpPr>
+          <p:cNvPr id="27" name="Straight Arrow Connector 26">
+            <a:extLst>
+              <a:ext uri="{FF2B5EF4-FFF2-40B4-BE49-F238E27FC236}">
+                <a16:creationId xmlns:a16="http://schemas.microsoft.com/office/drawing/2014/main" id="{8E6F92B3-F84E-194B-AD96-4CCF7A34B06C}"/>
+              </a:ext>
+            </a:extLst>
+          </p:cNvPr>
+          <p:cNvCxnSpPr>
+            <a:cxnSpLocks/>
+          </p:cNvCxnSpPr>
+          <p:nvPr/>
+        </p:nvCxnSpPr>
+        <p:spPr>
+          <a:xfrm>
+            <a:off x="9276486" y="1831988"/>
+            <a:ext cx="0" cy="457200"/>
+          </a:xfrm>
+          <a:prstGeom prst="straightConnector1">
+            <a:avLst/>
+          </a:prstGeom>
+          <a:ln w="3175" cap="rnd">
+            <a:solidFill>
+              <a:schemeClr val="tx1"/>
+            </a:solidFill>
+            <a:prstDash val="sysDot"/>
+            <a:headEnd type="triangle" w="sm" len="sm"/>
+            <a:tailEnd type="none" w="med" len="med"/>
+          </a:ln>
+        </p:spPr>
+        <p:style>
+          <a:lnRef idx="1">
+            <a:schemeClr val="accent1"/>
+          </a:lnRef>
+          <a:fillRef idx="0">
+            <a:schemeClr val="accent1"/>
+          </a:fillRef>
+          <a:effectRef idx="0">
+            <a:schemeClr val="accent1"/>
+          </a:effectRef>
+          <a:fontRef idx="minor">
+            <a:schemeClr val="tx1"/>
+          </a:fontRef>
+        </p:style>
+      </p:cxnSp>
+      <p:cxnSp>
+        <p:nvCxnSpPr>
+          <p:cNvPr id="28" name="Straight Arrow Connector 27">
+            <a:extLst>
+              <a:ext uri="{FF2B5EF4-FFF2-40B4-BE49-F238E27FC236}">
+                <a16:creationId xmlns:a16="http://schemas.microsoft.com/office/drawing/2014/main" id="{2346583E-CC24-5545-BBF3-42B2C5EF8E19}"/>
+              </a:ext>
+            </a:extLst>
+          </p:cNvPr>
+          <p:cNvCxnSpPr>
+            <a:cxnSpLocks/>
+          </p:cNvCxnSpPr>
+          <p:nvPr/>
+        </p:nvCxnSpPr>
+        <p:spPr>
+          <a:xfrm>
+            <a:off x="9760950" y="1831988"/>
+            <a:ext cx="0" cy="457200"/>
+          </a:xfrm>
+          <a:prstGeom prst="straightConnector1">
+            <a:avLst/>
+          </a:prstGeom>
+          <a:ln w="3175" cap="rnd">
+            <a:solidFill>
+              <a:schemeClr val="tx1"/>
+            </a:solidFill>
+            <a:prstDash val="sysDot"/>
+            <a:headEnd type="triangle" w="sm" len="sm"/>
+            <a:tailEnd type="none" w="med" len="med"/>
+          </a:ln>
+        </p:spPr>
+        <p:style>
+          <a:lnRef idx="1">
+            <a:schemeClr val="accent1"/>
+          </a:lnRef>
+          <a:fillRef idx="0">
+            <a:schemeClr val="accent1"/>
+          </a:fillRef>
+          <a:effectRef idx="0">
+            <a:schemeClr val="accent1"/>
+          </a:effectRef>
+          <a:fontRef idx="minor">
+            <a:schemeClr val="tx1"/>
+          </a:fontRef>
+        </p:style>
+      </p:cxnSp>
+      <p:grpSp>
+        <p:nvGrpSpPr>
+          <p:cNvPr id="29" name="Group 28">
+            <a:extLst>
+              <a:ext uri="{FF2B5EF4-FFF2-40B4-BE49-F238E27FC236}">
+                <a16:creationId xmlns:a16="http://schemas.microsoft.com/office/drawing/2014/main" id="{F35B2E2F-BD9B-FA45-8B70-6878A4850732}"/>
+              </a:ext>
+            </a:extLst>
+          </p:cNvPr>
+          <p:cNvGrpSpPr/>
+          <p:nvPr/>
+        </p:nvGrpSpPr>
+        <p:grpSpPr>
+          <a:xfrm>
+            <a:off x="7637777" y="4713756"/>
+            <a:ext cx="990600" cy="696686"/>
+            <a:chOff x="5442856" y="3995057"/>
+            <a:chExt cx="990600" cy="696686"/>
+          </a:xfrm>
+        </p:grpSpPr>
+        <p:sp>
+          <p:nvSpPr>
+            <p:cNvPr id="30" name="Rectangle 29">
+              <a:extLst>
+                <a:ext uri="{FF2B5EF4-FFF2-40B4-BE49-F238E27FC236}">
+                  <a16:creationId xmlns:a16="http://schemas.microsoft.com/office/drawing/2014/main" id="{3341380F-6B15-B44C-8C78-BF11556374FF}"/>
+                </a:ext>
+              </a:extLst>
+            </p:cNvPr>
+            <p:cNvSpPr/>
+            <p:nvPr/>
+          </p:nvSpPr>
+          <p:spPr>
+            <a:xfrm>
+              <a:off x="5442856" y="3995057"/>
+              <a:ext cx="495300" cy="457200"/>
+            </a:xfrm>
+            <a:prstGeom prst="rect">
+              <a:avLst/>
+            </a:prstGeom>
+            <a:noFill/>
+            <a:ln>
+              <a:solidFill>
+                <a:schemeClr val="tx1"/>
+              </a:solidFill>
+            </a:ln>
+          </p:spPr>
+          <p:style>
+            <a:lnRef idx="2">
+              <a:schemeClr val="accent1">
+                <a:shade val="50000"/>
+              </a:schemeClr>
+            </a:lnRef>
+            <a:fillRef idx="1">
+              <a:schemeClr val="accent1"/>
+            </a:fillRef>
+            <a:effectRef idx="0">
+              <a:schemeClr val="accent1"/>
+            </a:effectRef>
+            <a:fontRef idx="minor">
+              <a:schemeClr val="lt1"/>
+            </a:fontRef>
+          </p:style>
+          <p:txBody>
+            <a:bodyPr lIns="0" tIns="0" rIns="0" bIns="0" rtlCol="0" anchor="ctr"/>
+            <a:lstStyle/>
+            <a:p>
+              <a:pPr algn="ctr"/>
+              <a:r>
+                <a:rPr lang="en-US" dirty="0">
+                  <a:solidFill>
+                    <a:schemeClr val="tx1"/>
+                  </a:solidFill>
+                  <a:latin typeface="Avenir Book" panose="02000503020000020003" pitchFamily="2" charset="0"/>
+                </a:rPr>
+                <a:t>1</a:t>
+              </a:r>
+            </a:p>
+          </p:txBody>
+        </p:sp>
+        <p:sp>
+          <p:nvSpPr>
+            <p:cNvPr id="31" name="Rectangle 30">
+              <a:extLst>
+                <a:ext uri="{FF2B5EF4-FFF2-40B4-BE49-F238E27FC236}">
+                  <a16:creationId xmlns:a16="http://schemas.microsoft.com/office/drawing/2014/main" id="{5367547B-CC23-F346-B0B2-FA2DA7576702}"/>
+                </a:ext>
+              </a:extLst>
+            </p:cNvPr>
+            <p:cNvSpPr/>
+            <p:nvPr/>
+          </p:nvSpPr>
+          <p:spPr>
+            <a:xfrm>
+              <a:off x="5938156" y="3995057"/>
+              <a:ext cx="495300" cy="457200"/>
+            </a:xfrm>
+            <a:prstGeom prst="rect">
+              <a:avLst/>
+            </a:prstGeom>
+            <a:noFill/>
+            <a:ln>
+              <a:solidFill>
+                <a:schemeClr val="tx1"/>
+              </a:solidFill>
+            </a:ln>
+          </p:spPr>
+          <p:style>
+            <a:lnRef idx="2">
+              <a:schemeClr val="accent1">
+                <a:shade val="50000"/>
+              </a:schemeClr>
+            </a:lnRef>
+            <a:fillRef idx="1">
+              <a:schemeClr val="accent1"/>
+            </a:fillRef>
+            <a:effectRef idx="0">
+              <a:schemeClr val="accent1"/>
+            </a:effectRef>
+            <a:fontRef idx="minor">
+              <a:schemeClr val="lt1"/>
+            </a:fontRef>
+          </p:style>
+          <p:txBody>
+            <a:bodyPr lIns="0" tIns="0" rIns="0" bIns="0" rtlCol="0" anchor="ctr"/>
+            <a:lstStyle/>
+            <a:p>
+              <a:pPr algn="ctr"/>
+              <a:r>
+                <a:rPr lang="en-US" dirty="0">
+                  <a:solidFill>
+                    <a:schemeClr val="tx1"/>
+                  </a:solidFill>
+                  <a:latin typeface="Avenir Book" panose="02000503020000020003" pitchFamily="2" charset="0"/>
+                </a:rPr>
+                <a:t>0</a:t>
+              </a:r>
+            </a:p>
+          </p:txBody>
+        </p:sp>
+        <p:sp>
+          <p:nvSpPr>
+            <p:cNvPr id="32" name="Rectangle 31">
+              <a:extLst>
+                <a:ext uri="{FF2B5EF4-FFF2-40B4-BE49-F238E27FC236}">
+                  <a16:creationId xmlns:a16="http://schemas.microsoft.com/office/drawing/2014/main" id="{C8A6F86A-38CC-B345-88D1-56F632DFC806}"/>
+                </a:ext>
+              </a:extLst>
+            </p:cNvPr>
+            <p:cNvSpPr/>
+            <p:nvPr/>
+          </p:nvSpPr>
+          <p:spPr>
+            <a:xfrm>
+              <a:off x="5442856" y="4452257"/>
+              <a:ext cx="495300" cy="239486"/>
+            </a:xfrm>
+            <a:prstGeom prst="rect">
+              <a:avLst/>
+            </a:prstGeom>
+            <a:noFill/>
+            <a:ln>
+              <a:noFill/>
+            </a:ln>
+          </p:spPr>
+          <p:style>
+            <a:lnRef idx="2">
+              <a:schemeClr val="accent1">
+                <a:shade val="50000"/>
+              </a:schemeClr>
+            </a:lnRef>
+            <a:fillRef idx="1">
+              <a:schemeClr val="accent1"/>
+            </a:fillRef>
+            <a:effectRef idx="0">
+              <a:schemeClr val="accent1"/>
+            </a:effectRef>
+            <a:fontRef idx="minor">
+              <a:schemeClr val="lt1"/>
+            </a:fontRef>
+          </p:style>
+          <p:txBody>
+            <a:bodyPr lIns="0" tIns="0" rIns="0" bIns="0" rtlCol="0" anchor="b" anchorCtr="0"/>
+            <a:lstStyle/>
+            <a:p>
+              <a:pPr algn="ctr"/>
+              <a:r>
+                <a:rPr lang="en-US" sz="1200" dirty="0">
+                  <a:solidFill>
+                    <a:schemeClr val="tx1"/>
+                  </a:solidFill>
+                  <a:latin typeface="Avenir Book" panose="02000503020000020003" pitchFamily="2" charset="0"/>
+                </a:rPr>
+                <a:t>0</a:t>
+              </a:r>
+            </a:p>
+          </p:txBody>
+        </p:sp>
+        <p:sp>
+          <p:nvSpPr>
+            <p:cNvPr id="33" name="Rectangle 32">
+              <a:extLst>
+                <a:ext uri="{FF2B5EF4-FFF2-40B4-BE49-F238E27FC236}">
+                  <a16:creationId xmlns:a16="http://schemas.microsoft.com/office/drawing/2014/main" id="{5548ED30-E483-2B4B-8572-6989B54AEA07}"/>
+                </a:ext>
+              </a:extLst>
+            </p:cNvPr>
+            <p:cNvSpPr/>
+            <p:nvPr/>
+          </p:nvSpPr>
+          <p:spPr>
+            <a:xfrm>
+              <a:off x="5938156" y="4452257"/>
+              <a:ext cx="495300" cy="239486"/>
+            </a:xfrm>
+            <a:prstGeom prst="rect">
+              <a:avLst/>
+            </a:prstGeom>
+            <a:noFill/>
+            <a:ln>
+              <a:noFill/>
+            </a:ln>
+          </p:spPr>
+          <p:style>
+            <a:lnRef idx="2">
+              <a:schemeClr val="accent1">
+                <a:shade val="50000"/>
+              </a:schemeClr>
+            </a:lnRef>
+            <a:fillRef idx="1">
+              <a:schemeClr val="accent1"/>
+            </a:fillRef>
+            <a:effectRef idx="0">
+              <a:schemeClr val="accent1"/>
+            </a:effectRef>
+            <a:fontRef idx="minor">
+              <a:schemeClr val="lt1"/>
+            </a:fontRef>
+          </p:style>
+          <p:txBody>
+            <a:bodyPr lIns="0" tIns="0" rIns="0" bIns="0" rtlCol="0" anchor="b" anchorCtr="0"/>
+            <a:lstStyle/>
+            <a:p>
+              <a:pPr algn="ctr"/>
+              <a:r>
+                <a:rPr lang="en-US" sz="1200" dirty="0">
+                  <a:solidFill>
+                    <a:schemeClr val="tx1"/>
+                  </a:solidFill>
+                  <a:latin typeface="Avenir Book" panose="02000503020000020003" pitchFamily="2" charset="0"/>
+                </a:rPr>
+                <a:t>1</a:t>
+              </a:r>
+            </a:p>
+          </p:txBody>
+        </p:sp>
+      </p:grpSp>
+      <p:grpSp>
+        <p:nvGrpSpPr>
+          <p:cNvPr id="34" name="Group 33">
+            <a:extLst>
+              <a:ext uri="{FF2B5EF4-FFF2-40B4-BE49-F238E27FC236}">
+                <a16:creationId xmlns:a16="http://schemas.microsoft.com/office/drawing/2014/main" id="{101DD05F-8744-B147-A7B8-B1E4B42B0B2C}"/>
+              </a:ext>
+            </a:extLst>
+          </p:cNvPr>
+          <p:cNvGrpSpPr/>
+          <p:nvPr/>
+        </p:nvGrpSpPr>
+        <p:grpSpPr>
+          <a:xfrm>
+            <a:off x="9368017" y="4713756"/>
+            <a:ext cx="990600" cy="696686"/>
+            <a:chOff x="7429500" y="3995057"/>
+            <a:chExt cx="990600" cy="696686"/>
+          </a:xfrm>
+        </p:grpSpPr>
+        <p:sp>
+          <p:nvSpPr>
+            <p:cNvPr id="35" name="Rectangle 34">
+              <a:extLst>
+                <a:ext uri="{FF2B5EF4-FFF2-40B4-BE49-F238E27FC236}">
+                  <a16:creationId xmlns:a16="http://schemas.microsoft.com/office/drawing/2014/main" id="{6803BD7C-A1DE-BC46-8CF0-4E28039A103E}"/>
+                </a:ext>
+              </a:extLst>
+            </p:cNvPr>
+            <p:cNvSpPr/>
+            <p:nvPr/>
+          </p:nvSpPr>
+          <p:spPr>
+            <a:xfrm>
+              <a:off x="7429500" y="3995057"/>
+              <a:ext cx="495300" cy="457200"/>
+            </a:xfrm>
+            <a:prstGeom prst="rect">
+              <a:avLst/>
+            </a:prstGeom>
+            <a:noFill/>
+            <a:ln>
+              <a:solidFill>
+                <a:schemeClr val="tx1"/>
+              </a:solidFill>
+            </a:ln>
+          </p:spPr>
+          <p:style>
+            <a:lnRef idx="2">
+              <a:schemeClr val="accent1">
+                <a:shade val="50000"/>
+              </a:schemeClr>
+            </a:lnRef>
+            <a:fillRef idx="1">
+              <a:schemeClr val="accent1"/>
+            </a:fillRef>
+            <a:effectRef idx="0">
+              <a:schemeClr val="accent1"/>
+            </a:effectRef>
+            <a:fontRef idx="minor">
+              <a:schemeClr val="lt1"/>
+            </a:fontRef>
+          </p:style>
+          <p:txBody>
+            <a:bodyPr lIns="0" tIns="0" rIns="0" bIns="0" rtlCol="0" anchor="ctr"/>
+            <a:lstStyle/>
+            <a:p>
+              <a:pPr algn="ctr"/>
+              <a:r>
+                <a:rPr lang="en-US" dirty="0">
+                  <a:solidFill>
+                    <a:schemeClr val="tx1"/>
+                  </a:solidFill>
+                  <a:latin typeface="Avenir Book" panose="02000503020000020003" pitchFamily="2" charset="0"/>
+                </a:rPr>
+                <a:t>0</a:t>
+              </a:r>
+            </a:p>
+          </p:txBody>
+        </p:sp>
+        <p:sp>
+          <p:nvSpPr>
+            <p:cNvPr id="36" name="Rectangle 35">
+              <a:extLst>
+                <a:ext uri="{FF2B5EF4-FFF2-40B4-BE49-F238E27FC236}">
+                  <a16:creationId xmlns:a16="http://schemas.microsoft.com/office/drawing/2014/main" id="{1A92517F-020B-B94B-BF4D-F396C947E829}"/>
+                </a:ext>
+              </a:extLst>
+            </p:cNvPr>
+            <p:cNvSpPr/>
+            <p:nvPr/>
+          </p:nvSpPr>
+          <p:spPr>
+            <a:xfrm>
+              <a:off x="7924800" y="3995057"/>
+              <a:ext cx="495300" cy="457200"/>
+            </a:xfrm>
+            <a:prstGeom prst="rect">
+              <a:avLst/>
+            </a:prstGeom>
+            <a:solidFill>
+              <a:srgbClr val="FFC000"/>
+            </a:solidFill>
+            <a:ln>
+              <a:solidFill>
+                <a:schemeClr val="tx1"/>
+              </a:solidFill>
+            </a:ln>
+          </p:spPr>
+          <p:style>
+            <a:lnRef idx="2">
+              <a:schemeClr val="accent1">
+                <a:shade val="50000"/>
+              </a:schemeClr>
+            </a:lnRef>
+            <a:fillRef idx="1">
+              <a:schemeClr val="accent1"/>
+            </a:fillRef>
+            <a:effectRef idx="0">
+              <a:schemeClr val="accent1"/>
+            </a:effectRef>
+            <a:fontRef idx="minor">
+              <a:schemeClr val="lt1"/>
+            </a:fontRef>
+          </p:style>
+          <p:txBody>
+            <a:bodyPr lIns="0" tIns="0" rIns="0" bIns="0" rtlCol="0" anchor="ctr"/>
+            <a:lstStyle/>
+            <a:p>
+              <a:pPr algn="ctr"/>
+              <a:r>
+                <a:rPr lang="en-US" dirty="0">
+                  <a:solidFill>
+                    <a:schemeClr val="tx1"/>
+                  </a:solidFill>
+                  <a:latin typeface="Avenir Book" panose="02000503020000020003" pitchFamily="2" charset="0"/>
+                </a:rPr>
+                <a:t>1</a:t>
+              </a:r>
+            </a:p>
+          </p:txBody>
+        </p:sp>
+        <p:sp>
+          <p:nvSpPr>
+            <p:cNvPr id="37" name="Rectangle 36">
+              <a:extLst>
+                <a:ext uri="{FF2B5EF4-FFF2-40B4-BE49-F238E27FC236}">
+                  <a16:creationId xmlns:a16="http://schemas.microsoft.com/office/drawing/2014/main" id="{D9824EC1-B7D2-3E4E-8802-6D1C0F468ADF}"/>
+                </a:ext>
+              </a:extLst>
+            </p:cNvPr>
+            <p:cNvSpPr/>
+            <p:nvPr/>
+          </p:nvSpPr>
+          <p:spPr>
+            <a:xfrm>
+              <a:off x="7429500" y="4452257"/>
+              <a:ext cx="495300" cy="239486"/>
+            </a:xfrm>
+            <a:prstGeom prst="rect">
+              <a:avLst/>
+            </a:prstGeom>
+            <a:noFill/>
+            <a:ln>
+              <a:noFill/>
+            </a:ln>
+          </p:spPr>
+          <p:style>
+            <a:lnRef idx="2">
+              <a:schemeClr val="accent1">
+                <a:shade val="50000"/>
+              </a:schemeClr>
+            </a:lnRef>
+            <a:fillRef idx="1">
+              <a:schemeClr val="accent1"/>
+            </a:fillRef>
+            <a:effectRef idx="0">
+              <a:schemeClr val="accent1"/>
+            </a:effectRef>
+            <a:fontRef idx="minor">
+              <a:schemeClr val="lt1"/>
+            </a:fontRef>
+          </p:style>
+          <p:txBody>
+            <a:bodyPr lIns="0" tIns="0" rIns="0" bIns="0" rtlCol="0" anchor="b" anchorCtr="0"/>
+            <a:lstStyle/>
+            <a:p>
+              <a:pPr algn="ctr"/>
+              <a:r>
+                <a:rPr lang="en-US" sz="1200" dirty="0">
+                  <a:solidFill>
+                    <a:schemeClr val="tx1"/>
+                  </a:solidFill>
+                  <a:latin typeface="Avenir Book" panose="02000503020000020003" pitchFamily="2" charset="0"/>
+                </a:rPr>
+                <a:t>0</a:t>
+              </a:r>
+            </a:p>
+          </p:txBody>
+        </p:sp>
+        <p:sp>
+          <p:nvSpPr>
+            <p:cNvPr id="38" name="Rectangle 37">
+              <a:extLst>
+                <a:ext uri="{FF2B5EF4-FFF2-40B4-BE49-F238E27FC236}">
+                  <a16:creationId xmlns:a16="http://schemas.microsoft.com/office/drawing/2014/main" id="{D975E19F-1D2E-7C4E-904F-E36840F38614}"/>
+                </a:ext>
+              </a:extLst>
+            </p:cNvPr>
+            <p:cNvSpPr/>
+            <p:nvPr/>
+          </p:nvSpPr>
+          <p:spPr>
+            <a:xfrm>
+              <a:off x="7924800" y="4452257"/>
+              <a:ext cx="495300" cy="239486"/>
+            </a:xfrm>
+            <a:prstGeom prst="rect">
+              <a:avLst/>
+            </a:prstGeom>
+            <a:noFill/>
+            <a:ln>
+              <a:noFill/>
+            </a:ln>
+          </p:spPr>
+          <p:style>
+            <a:lnRef idx="2">
+              <a:schemeClr val="accent1">
+                <a:shade val="50000"/>
+              </a:schemeClr>
+            </a:lnRef>
+            <a:fillRef idx="1">
+              <a:schemeClr val="accent1"/>
+            </a:fillRef>
+            <a:effectRef idx="0">
+              <a:schemeClr val="accent1"/>
+            </a:effectRef>
+            <a:fontRef idx="minor">
+              <a:schemeClr val="lt1"/>
+            </a:fontRef>
+          </p:style>
+          <p:txBody>
+            <a:bodyPr lIns="0" tIns="0" rIns="0" bIns="0" rtlCol="0" anchor="b" anchorCtr="0"/>
+            <a:lstStyle/>
+            <a:p>
+              <a:pPr algn="ctr"/>
+              <a:r>
+                <a:rPr lang="en-US" sz="1200" dirty="0">
+                  <a:solidFill>
+                    <a:schemeClr val="tx1"/>
+                  </a:solidFill>
+                  <a:latin typeface="Avenir Book" panose="02000503020000020003" pitchFamily="2" charset="0"/>
+                </a:rPr>
+                <a:t>1</a:t>
+              </a:r>
+            </a:p>
+          </p:txBody>
+        </p:sp>
+      </p:grpSp>
+      <p:sp>
+        <p:nvSpPr>
+          <p:cNvPr id="39" name="Rectangle 38">
+            <a:extLst>
+              <a:ext uri="{FF2B5EF4-FFF2-40B4-BE49-F238E27FC236}">
+                <a16:creationId xmlns:a16="http://schemas.microsoft.com/office/drawing/2014/main" id="{37442A16-F0EB-1745-856F-C1A2F30BBDF8}"/>
+              </a:ext>
+            </a:extLst>
+          </p:cNvPr>
+          <p:cNvSpPr/>
+          <p:nvPr/>
+        </p:nvSpPr>
+        <p:spPr>
+          <a:xfrm>
+            <a:off x="6866171" y="4701050"/>
+            <a:ext cx="704779" cy="457200"/>
+          </a:xfrm>
+          <a:prstGeom prst="rect">
+            <a:avLst/>
+          </a:prstGeom>
+          <a:noFill/>
+          <a:ln>
+            <a:noFill/>
+          </a:ln>
+        </p:spPr>
+        <p:style>
+          <a:lnRef idx="2">
+            <a:schemeClr val="accent1">
+              <a:shade val="50000"/>
+            </a:schemeClr>
+          </a:lnRef>
+          <a:fillRef idx="1">
+            <a:schemeClr val="accent1"/>
+          </a:fillRef>
+          <a:effectRef idx="0">
+            <a:schemeClr val="accent1"/>
+          </a:effectRef>
+          <a:fontRef idx="minor">
+            <a:schemeClr val="lt1"/>
+          </a:fontRef>
+        </p:style>
+        <p:txBody>
+          <a:bodyPr lIns="0" tIns="0" rIns="0" bIns="0" rtlCol="0" anchor="ctr"/>
+          <a:lstStyle/>
+          <a:p>
+            <a:pPr algn="r"/>
+            <a:r>
+              <a:rPr lang="en-US" dirty="0">
+                <a:solidFill>
+                  <a:schemeClr val="tx1"/>
+                </a:solidFill>
+                <a:latin typeface="Avenir Book" panose="02000503020000020003" pitchFamily="2" charset="0"/>
+              </a:rPr>
+              <a:t>Block</a:t>
+            </a:r>
+          </a:p>
+          <a:p>
+            <a:pPr algn="r"/>
+            <a:r>
+              <a:rPr lang="en-US" sz="1200" dirty="0">
+                <a:solidFill>
+                  <a:schemeClr val="tx1"/>
+                </a:solidFill>
+                <a:latin typeface="Avenir Book" panose="02000503020000020003" pitchFamily="2" charset="0"/>
+              </a:rPr>
+              <a:t>2:1</a:t>
+            </a:r>
+          </a:p>
+        </p:txBody>
+      </p:sp>
+      <p:sp>
+        <p:nvSpPr>
+          <p:cNvPr id="40" name="Rectangle 39">
+            <a:extLst>
+              <a:ext uri="{FF2B5EF4-FFF2-40B4-BE49-F238E27FC236}">
+                <a16:creationId xmlns:a16="http://schemas.microsoft.com/office/drawing/2014/main" id="{8F63222C-8B13-EF4C-B47C-2B319C8E2244}"/>
+              </a:ext>
+            </a:extLst>
+          </p:cNvPr>
+          <p:cNvSpPr/>
+          <p:nvPr/>
+        </p:nvSpPr>
+        <p:spPr>
+          <a:xfrm>
+            <a:off x="8608308" y="4691984"/>
+            <a:ext cx="704779" cy="457200"/>
+          </a:xfrm>
+          <a:prstGeom prst="rect">
+            <a:avLst/>
+          </a:prstGeom>
+          <a:noFill/>
+          <a:ln>
+            <a:noFill/>
+          </a:ln>
+        </p:spPr>
+        <p:style>
+          <a:lnRef idx="2">
+            <a:schemeClr val="accent1">
+              <a:shade val="50000"/>
+            </a:schemeClr>
+          </a:lnRef>
+          <a:fillRef idx="1">
+            <a:schemeClr val="accent1"/>
+          </a:fillRef>
+          <a:effectRef idx="0">
+            <a:schemeClr val="accent1"/>
+          </a:effectRef>
+          <a:fontRef idx="minor">
+            <a:schemeClr val="lt1"/>
+          </a:fontRef>
+        </p:style>
+        <p:txBody>
+          <a:bodyPr lIns="0" tIns="0" rIns="0" bIns="0" rtlCol="0" anchor="ctr"/>
+          <a:lstStyle/>
+          <a:p>
+            <a:pPr algn="r"/>
+            <a:r>
+              <a:rPr lang="en-US" dirty="0">
+                <a:solidFill>
+                  <a:schemeClr val="tx1"/>
+                </a:solidFill>
+                <a:latin typeface="Avenir Book" panose="02000503020000020003" pitchFamily="2" charset="0"/>
+              </a:rPr>
+              <a:t>Block</a:t>
+            </a:r>
+          </a:p>
+          <a:p>
+            <a:pPr algn="r"/>
+            <a:r>
+              <a:rPr lang="en-US" sz="1200" dirty="0">
+                <a:solidFill>
+                  <a:schemeClr val="tx1"/>
+                </a:solidFill>
+                <a:latin typeface="Avenir Book" panose="02000503020000020003" pitchFamily="2" charset="0"/>
+              </a:rPr>
+              <a:t>2:2</a:t>
+            </a:r>
+          </a:p>
+        </p:txBody>
+      </p:sp>
+      <p:cxnSp>
+        <p:nvCxnSpPr>
+          <p:cNvPr id="41" name="Straight Arrow Connector 40">
+            <a:extLst>
+              <a:ext uri="{FF2B5EF4-FFF2-40B4-BE49-F238E27FC236}">
+                <a16:creationId xmlns:a16="http://schemas.microsoft.com/office/drawing/2014/main" id="{7539B58E-454C-604C-8670-7DB66F449E55}"/>
+              </a:ext>
+            </a:extLst>
+          </p:cNvPr>
+          <p:cNvCxnSpPr>
+            <a:cxnSpLocks/>
+          </p:cNvCxnSpPr>
+          <p:nvPr/>
+        </p:nvCxnSpPr>
+        <p:spPr>
+          <a:xfrm flipH="1">
+            <a:off x="7896151" y="3747642"/>
+            <a:ext cx="396727" cy="747443"/>
+          </a:xfrm>
+          <a:prstGeom prst="straightConnector1">
+            <a:avLst/>
+          </a:prstGeom>
+          <a:ln>
+            <a:solidFill>
+              <a:schemeClr val="tx1"/>
+            </a:solidFill>
+            <a:headEnd type="triangle" w="med" len="med"/>
+            <a:tailEnd type="none" w="med" len="med"/>
+          </a:ln>
+        </p:spPr>
+        <p:style>
+          <a:lnRef idx="1">
+            <a:schemeClr val="accent1"/>
+          </a:lnRef>
+          <a:fillRef idx="0">
+            <a:schemeClr val="accent1"/>
+          </a:fillRef>
+          <a:effectRef idx="0">
+            <a:schemeClr val="accent1"/>
+          </a:effectRef>
+          <a:fontRef idx="minor">
+            <a:schemeClr val="tx1"/>
+          </a:fontRef>
+        </p:style>
+      </p:cxnSp>
+      <p:cxnSp>
+        <p:nvCxnSpPr>
+          <p:cNvPr id="42" name="Straight Arrow Connector 41">
+            <a:extLst>
+              <a:ext uri="{FF2B5EF4-FFF2-40B4-BE49-F238E27FC236}">
+                <a16:creationId xmlns:a16="http://schemas.microsoft.com/office/drawing/2014/main" id="{98315C15-41B0-394D-88D8-B35F48DFE285}"/>
+              </a:ext>
+            </a:extLst>
+          </p:cNvPr>
+          <p:cNvCxnSpPr>
+            <a:cxnSpLocks/>
+          </p:cNvCxnSpPr>
+          <p:nvPr/>
+        </p:nvCxnSpPr>
+        <p:spPr>
+          <a:xfrm flipH="1">
+            <a:off x="8382254" y="3747642"/>
+            <a:ext cx="398032" cy="747443"/>
+          </a:xfrm>
+          <a:prstGeom prst="straightConnector1">
+            <a:avLst/>
+          </a:prstGeom>
+          <a:ln>
+            <a:solidFill>
+              <a:schemeClr val="tx1"/>
+            </a:solidFill>
+            <a:headEnd type="triangle" w="med" len="med"/>
+            <a:tailEnd type="none" w="med" len="med"/>
+          </a:ln>
+        </p:spPr>
+        <p:style>
+          <a:lnRef idx="1">
+            <a:schemeClr val="accent1"/>
+          </a:lnRef>
+          <a:fillRef idx="0">
+            <a:schemeClr val="accent1"/>
+          </a:fillRef>
+          <a:effectRef idx="0">
+            <a:schemeClr val="accent1"/>
+          </a:effectRef>
+          <a:fontRef idx="minor">
+            <a:schemeClr val="tx1"/>
+          </a:fontRef>
+        </p:style>
+      </p:cxnSp>
+      <p:cxnSp>
+        <p:nvCxnSpPr>
+          <p:cNvPr id="43" name="Straight Arrow Connector 42">
+            <a:extLst>
+              <a:ext uri="{FF2B5EF4-FFF2-40B4-BE49-F238E27FC236}">
+                <a16:creationId xmlns:a16="http://schemas.microsoft.com/office/drawing/2014/main" id="{FC6A8325-191B-B947-8F8D-784066712625}"/>
+              </a:ext>
+            </a:extLst>
+          </p:cNvPr>
+          <p:cNvCxnSpPr>
+            <a:cxnSpLocks/>
+          </p:cNvCxnSpPr>
+          <p:nvPr/>
+        </p:nvCxnSpPr>
+        <p:spPr>
+          <a:xfrm>
+            <a:off x="9283983" y="3747642"/>
+            <a:ext cx="382460" cy="747443"/>
+          </a:xfrm>
+          <a:prstGeom prst="straightConnector1">
+            <a:avLst/>
+          </a:prstGeom>
+          <a:ln>
+            <a:solidFill>
+              <a:schemeClr val="tx1"/>
+            </a:solidFill>
+            <a:headEnd type="triangle" w="med" len="med"/>
+            <a:tailEnd type="none" w="med" len="med"/>
+          </a:ln>
+        </p:spPr>
+        <p:style>
+          <a:lnRef idx="1">
+            <a:schemeClr val="accent1"/>
+          </a:lnRef>
+          <a:fillRef idx="0">
+            <a:schemeClr val="accent1"/>
+          </a:fillRef>
+          <a:effectRef idx="0">
+            <a:schemeClr val="accent1"/>
+          </a:effectRef>
+          <a:fontRef idx="minor">
+            <a:schemeClr val="tx1"/>
+          </a:fontRef>
+        </p:style>
+      </p:cxnSp>
+      <p:cxnSp>
+        <p:nvCxnSpPr>
+          <p:cNvPr id="44" name="Straight Arrow Connector 43">
+            <a:extLst>
+              <a:ext uri="{FF2B5EF4-FFF2-40B4-BE49-F238E27FC236}">
+                <a16:creationId xmlns:a16="http://schemas.microsoft.com/office/drawing/2014/main" id="{B21DA36E-83D7-0642-8203-C20F65EB74CD}"/>
+              </a:ext>
+            </a:extLst>
+          </p:cNvPr>
+          <p:cNvCxnSpPr>
+            <a:cxnSpLocks/>
+          </p:cNvCxnSpPr>
+          <p:nvPr/>
+        </p:nvCxnSpPr>
+        <p:spPr>
+          <a:xfrm>
+            <a:off x="9757200" y="3747642"/>
+            <a:ext cx="395346" cy="747443"/>
+          </a:xfrm>
+          <a:prstGeom prst="straightConnector1">
+            <a:avLst/>
+          </a:prstGeom>
+          <a:ln>
+            <a:solidFill>
+              <a:schemeClr val="tx1"/>
+            </a:solidFill>
+            <a:headEnd type="triangle" w="med" len="med"/>
+            <a:tailEnd type="none" w="med" len="med"/>
+          </a:ln>
+        </p:spPr>
+        <p:style>
+          <a:lnRef idx="1">
+            <a:schemeClr val="accent1"/>
+          </a:lnRef>
+          <a:fillRef idx="0">
+            <a:schemeClr val="accent1"/>
+          </a:fillRef>
+          <a:effectRef idx="0">
+            <a:schemeClr val="accent1"/>
+          </a:effectRef>
+          <a:fontRef idx="minor">
+            <a:schemeClr val="tx1"/>
+          </a:fontRef>
+        </p:style>
+      </p:cxnSp>
+      <p:sp>
+        <p:nvSpPr>
+          <p:cNvPr id="45" name="Rectangle 44">
+            <a:extLst>
+              <a:ext uri="{FF2B5EF4-FFF2-40B4-BE49-F238E27FC236}">
+                <a16:creationId xmlns:a16="http://schemas.microsoft.com/office/drawing/2014/main" id="{793E0396-A594-3943-B4E2-232D5B48470B}"/>
+              </a:ext>
+            </a:extLst>
+          </p:cNvPr>
+          <p:cNvSpPr/>
+          <p:nvPr/>
+        </p:nvSpPr>
+        <p:spPr>
+          <a:xfrm>
+            <a:off x="6549185" y="2803109"/>
+            <a:ext cx="1321146" cy="740726"/>
+          </a:xfrm>
+          <a:prstGeom prst="rect">
+            <a:avLst/>
+          </a:prstGeom>
+          <a:noFill/>
+          <a:ln>
+            <a:noFill/>
+          </a:ln>
+        </p:spPr>
+        <p:style>
+          <a:lnRef idx="2">
+            <a:schemeClr val="accent1">
+              <a:shade val="50000"/>
+            </a:schemeClr>
+          </a:lnRef>
+          <a:fillRef idx="1">
+            <a:schemeClr val="accent1"/>
+          </a:fillRef>
+          <a:effectRef idx="0">
+            <a:schemeClr val="accent1"/>
+          </a:effectRef>
+          <a:fontRef idx="minor">
+            <a:schemeClr val="lt1"/>
+          </a:fontRef>
+        </p:style>
+        <p:txBody>
+          <a:bodyPr lIns="0" tIns="0" rIns="0" bIns="0" rtlCol="0" anchor="ctr"/>
+          <a:lstStyle/>
+          <a:p>
+            <a:pPr algn="r"/>
+            <a:r>
+              <a:rPr lang="en-US" dirty="0">
+                <a:solidFill>
+                  <a:schemeClr val="tx1"/>
+                </a:solidFill>
+                <a:latin typeface="Avenir Book" panose="02000503020000020003" pitchFamily="2" charset="0"/>
+              </a:rPr>
+              <a:t>Shuffled </a:t>
+            </a:r>
+          </a:p>
+          <a:p>
+            <a:pPr algn="r"/>
+            <a:r>
+              <a:rPr lang="en-US" dirty="0">
+                <a:solidFill>
+                  <a:schemeClr val="tx1"/>
+                </a:solidFill>
+                <a:latin typeface="Avenir Book" panose="02000503020000020003" pitchFamily="2" charset="0"/>
+              </a:rPr>
+              <a:t>noisy key</a:t>
+            </a:r>
+          </a:p>
+          <a:p>
+            <a:pPr algn="r"/>
+            <a:r>
+              <a:rPr lang="en-US" sz="1200" dirty="0">
+                <a:solidFill>
+                  <a:schemeClr val="tx1"/>
+                </a:solidFill>
+                <a:latin typeface="Avenir Book" panose="02000503020000020003" pitchFamily="2" charset="0"/>
+              </a:rPr>
+              <a:t>Iteration 2</a:t>
+            </a:r>
+          </a:p>
+        </p:txBody>
+      </p:sp>
+      <p:sp>
+        <p:nvSpPr>
+          <p:cNvPr id="46" name="Rectangle 45">
+            <a:extLst>
+              <a:ext uri="{FF2B5EF4-FFF2-40B4-BE49-F238E27FC236}">
+                <a16:creationId xmlns:a16="http://schemas.microsoft.com/office/drawing/2014/main" id="{A80E4B71-CF4E-C843-BC21-0DF4D02F52C0}"/>
+              </a:ext>
+            </a:extLst>
+          </p:cNvPr>
+          <p:cNvSpPr/>
+          <p:nvPr/>
+        </p:nvSpPr>
+        <p:spPr>
+          <a:xfrm>
+            <a:off x="10392763" y="2085006"/>
+            <a:ext cx="762000" cy="838200"/>
+          </a:xfrm>
+          <a:prstGeom prst="rect">
+            <a:avLst/>
+          </a:prstGeom>
+          <a:noFill/>
+          <a:ln>
+            <a:solidFill>
+              <a:schemeClr val="tx1"/>
+            </a:solidFill>
+          </a:ln>
+        </p:spPr>
+        <p:style>
+          <a:lnRef idx="2">
+            <a:schemeClr val="accent1">
+              <a:shade val="50000"/>
+            </a:schemeClr>
+          </a:lnRef>
+          <a:fillRef idx="1">
+            <a:schemeClr val="accent1"/>
+          </a:fillRef>
+          <a:effectRef idx="0">
+            <a:schemeClr val="accent1"/>
+          </a:effectRef>
+          <a:fontRef idx="minor">
+            <a:schemeClr val="lt1"/>
+          </a:fontRef>
+        </p:style>
+        <p:txBody>
+          <a:bodyPr lIns="0" tIns="0" rIns="0" bIns="0" rtlCol="0" anchor="ctr" anchorCtr="0"/>
+          <a:lstStyle/>
+          <a:p>
+            <a:pPr algn="ctr"/>
+            <a:r>
+              <a:rPr lang="en-US" sz="1200" dirty="0">
+                <a:solidFill>
+                  <a:schemeClr val="tx1"/>
+                </a:solidFill>
+                <a:latin typeface="Avenir Book" panose="02000503020000020003" pitchFamily="2" charset="0"/>
+              </a:rPr>
+              <a:t>0 → 1</a:t>
+            </a:r>
+          </a:p>
+          <a:p>
+            <a:pPr algn="ctr"/>
+            <a:r>
+              <a:rPr lang="en-US" sz="1200" dirty="0">
+                <a:solidFill>
+                  <a:schemeClr val="tx1"/>
+                </a:solidFill>
+                <a:latin typeface="Avenir Book" panose="02000503020000020003" pitchFamily="2" charset="0"/>
+              </a:rPr>
+              <a:t>1 → 0</a:t>
+            </a:r>
+          </a:p>
+          <a:p>
+            <a:pPr algn="ctr"/>
+            <a:r>
+              <a:rPr lang="en-US" sz="1200" dirty="0">
+                <a:solidFill>
+                  <a:schemeClr val="tx1"/>
+                </a:solidFill>
+                <a:latin typeface="Avenir Book" panose="02000503020000020003" pitchFamily="2" charset="0"/>
+              </a:rPr>
+              <a:t>2 → 3</a:t>
+            </a:r>
+          </a:p>
+          <a:p>
+            <a:pPr algn="ctr"/>
+            <a:r>
+              <a:rPr lang="en-US" sz="1200" dirty="0">
+                <a:solidFill>
+                  <a:schemeClr val="tx1"/>
+                </a:solidFill>
+                <a:latin typeface="Avenir Book" panose="02000503020000020003" pitchFamily="2" charset="0"/>
+              </a:rPr>
+              <a:t>3 → 2</a:t>
+            </a:r>
+          </a:p>
+        </p:txBody>
+      </p:sp>
+      <p:sp>
+        <p:nvSpPr>
+          <p:cNvPr id="47" name="Rectangle 46">
+            <a:extLst>
+              <a:ext uri="{FF2B5EF4-FFF2-40B4-BE49-F238E27FC236}">
+                <a16:creationId xmlns:a16="http://schemas.microsoft.com/office/drawing/2014/main" id="{1407514D-41D1-BA4D-B455-06BFE1568D2B}"/>
+              </a:ext>
+            </a:extLst>
+          </p:cNvPr>
+          <p:cNvSpPr/>
+          <p:nvPr/>
+        </p:nvSpPr>
+        <p:spPr>
+          <a:xfrm>
+            <a:off x="11292029" y="2261896"/>
+            <a:ext cx="838200" cy="457200"/>
+          </a:xfrm>
+          <a:prstGeom prst="rect">
+            <a:avLst/>
+          </a:prstGeom>
+          <a:noFill/>
+          <a:ln>
+            <a:noFill/>
+          </a:ln>
+        </p:spPr>
+        <p:style>
+          <a:lnRef idx="2">
+            <a:schemeClr val="accent1">
+              <a:shade val="50000"/>
+            </a:schemeClr>
+          </a:lnRef>
+          <a:fillRef idx="1">
+            <a:schemeClr val="accent1"/>
+          </a:fillRef>
+          <a:effectRef idx="0">
+            <a:schemeClr val="accent1"/>
+          </a:effectRef>
+          <a:fontRef idx="minor">
+            <a:schemeClr val="lt1"/>
+          </a:fontRef>
+        </p:style>
+        <p:txBody>
+          <a:bodyPr lIns="0" tIns="0" rIns="0" bIns="0" rtlCol="0" anchor="ctr"/>
+          <a:lstStyle/>
+          <a:p>
+            <a:r>
+              <a:rPr lang="en-US" dirty="0">
+                <a:solidFill>
+                  <a:schemeClr val="tx1"/>
+                </a:solidFill>
+                <a:latin typeface="Avenir Book" panose="02000503020000020003" pitchFamily="2" charset="0"/>
+              </a:rPr>
+              <a:t>Shuffle</a:t>
+            </a:r>
+          </a:p>
+          <a:p>
+            <a:r>
+              <a:rPr lang="en-US" sz="1200" dirty="0">
+                <a:solidFill>
+                  <a:schemeClr val="tx1"/>
+                </a:solidFill>
+                <a:latin typeface="Avenir Book" panose="02000503020000020003" pitchFamily="2" charset="0"/>
+              </a:rPr>
+              <a:t>Iteration 2</a:t>
+            </a:r>
+          </a:p>
+        </p:txBody>
+      </p:sp>
+      <p:cxnSp>
+        <p:nvCxnSpPr>
+          <p:cNvPr id="48" name="Straight Arrow Connector 47">
+            <a:extLst>
+              <a:ext uri="{FF2B5EF4-FFF2-40B4-BE49-F238E27FC236}">
+                <a16:creationId xmlns:a16="http://schemas.microsoft.com/office/drawing/2014/main" id="{700FE732-9817-104C-A899-5B2D586C98BE}"/>
+              </a:ext>
+            </a:extLst>
+          </p:cNvPr>
+          <p:cNvCxnSpPr>
+            <a:cxnSpLocks/>
+            <a:stCxn id="46" idx="1"/>
+          </p:cNvCxnSpPr>
+          <p:nvPr/>
+        </p:nvCxnSpPr>
+        <p:spPr>
+          <a:xfrm flipH="1">
+            <a:off x="9820972" y="2504106"/>
+            <a:ext cx="571791" cy="0"/>
+          </a:xfrm>
+          <a:prstGeom prst="straightConnector1">
+            <a:avLst/>
+          </a:prstGeom>
+          <a:ln>
+            <a:solidFill>
+              <a:schemeClr val="tx1"/>
+            </a:solidFill>
+            <a:prstDash val="dash"/>
+            <a:tailEnd type="triangle"/>
+          </a:ln>
+        </p:spPr>
+        <p:style>
+          <a:lnRef idx="1">
+            <a:schemeClr val="accent1"/>
+          </a:lnRef>
+          <a:fillRef idx="0">
+            <a:schemeClr val="accent1"/>
+          </a:fillRef>
+          <a:effectRef idx="0">
+            <a:schemeClr val="accent1"/>
+          </a:effectRef>
+          <a:fontRef idx="minor">
+            <a:schemeClr val="tx1"/>
+          </a:fontRef>
+        </p:style>
+      </p:cxnSp>
+      <p:sp>
+        <p:nvSpPr>
+          <p:cNvPr id="51" name="Rectangle 50">
+            <a:extLst>
+              <a:ext uri="{FF2B5EF4-FFF2-40B4-BE49-F238E27FC236}">
+                <a16:creationId xmlns:a16="http://schemas.microsoft.com/office/drawing/2014/main" id="{2DB8001A-7098-5B4D-8649-A525456752A6}"/>
+              </a:ext>
+            </a:extLst>
+          </p:cNvPr>
+          <p:cNvSpPr/>
+          <p:nvPr/>
+        </p:nvSpPr>
+        <p:spPr>
+          <a:xfrm>
+            <a:off x="7637777" y="5479076"/>
+            <a:ext cx="990600" cy="478972"/>
+          </a:xfrm>
+          <a:prstGeom prst="rect">
+            <a:avLst/>
+          </a:prstGeom>
+          <a:noFill/>
+          <a:ln>
+            <a:noFill/>
+          </a:ln>
+        </p:spPr>
+        <p:style>
+          <a:lnRef idx="2">
+            <a:schemeClr val="accent1">
+              <a:shade val="50000"/>
+            </a:schemeClr>
+          </a:lnRef>
+          <a:fillRef idx="1">
+            <a:schemeClr val="accent1"/>
+          </a:fillRef>
+          <a:effectRef idx="0">
+            <a:schemeClr val="accent1"/>
+          </a:effectRef>
+          <a:fontRef idx="minor">
+            <a:schemeClr val="lt1"/>
+          </a:fontRef>
+        </p:style>
+        <p:txBody>
+          <a:bodyPr lIns="0" tIns="0" rIns="0" bIns="0" rtlCol="0" anchor="ctr" anchorCtr="0"/>
+          <a:lstStyle/>
+          <a:p>
+            <a:pPr algn="ctr"/>
+            <a:r>
+              <a:rPr lang="en-US" sz="1200" dirty="0">
+                <a:solidFill>
+                  <a:schemeClr val="tx1"/>
+                </a:solidFill>
+                <a:latin typeface="Avenir Book" panose="02000503020000020003" pitchFamily="2" charset="0"/>
+              </a:rPr>
+              <a:t>Start = 0</a:t>
+            </a:r>
+          </a:p>
+          <a:p>
+            <a:pPr algn="ctr"/>
+            <a:r>
+              <a:rPr lang="en-US" sz="1200" dirty="0">
+                <a:solidFill>
+                  <a:schemeClr val="tx1"/>
+                </a:solidFill>
+                <a:latin typeface="Avenir Book" panose="02000503020000020003" pitchFamily="2" charset="0"/>
+              </a:rPr>
+              <a:t>Length = 2</a:t>
+            </a:r>
+          </a:p>
+        </p:txBody>
+      </p:sp>
+      <p:sp>
+        <p:nvSpPr>
+          <p:cNvPr id="52" name="Rectangle 51">
+            <a:extLst>
+              <a:ext uri="{FF2B5EF4-FFF2-40B4-BE49-F238E27FC236}">
+                <a16:creationId xmlns:a16="http://schemas.microsoft.com/office/drawing/2014/main" id="{EE295637-03D4-694D-8D0A-4EA74FDB2787}"/>
+              </a:ext>
+            </a:extLst>
+          </p:cNvPr>
+          <p:cNvSpPr/>
+          <p:nvPr/>
+        </p:nvSpPr>
+        <p:spPr>
+          <a:xfrm>
+            <a:off x="9417944" y="5479076"/>
+            <a:ext cx="990600" cy="478972"/>
+          </a:xfrm>
+          <a:prstGeom prst="rect">
+            <a:avLst/>
+          </a:prstGeom>
+          <a:noFill/>
+          <a:ln>
+            <a:noFill/>
+          </a:ln>
+        </p:spPr>
+        <p:style>
+          <a:lnRef idx="2">
+            <a:schemeClr val="accent1">
+              <a:shade val="50000"/>
+            </a:schemeClr>
+          </a:lnRef>
+          <a:fillRef idx="1">
+            <a:schemeClr val="accent1"/>
+          </a:fillRef>
+          <a:effectRef idx="0">
+            <a:schemeClr val="accent1"/>
+          </a:effectRef>
+          <a:fontRef idx="minor">
+            <a:schemeClr val="lt1"/>
+          </a:fontRef>
+        </p:style>
+        <p:txBody>
+          <a:bodyPr lIns="0" tIns="0" rIns="0" bIns="0" rtlCol="0" anchor="ctr" anchorCtr="0"/>
+          <a:lstStyle/>
+          <a:p>
+            <a:pPr algn="ctr"/>
+            <a:r>
+              <a:rPr lang="en-US" sz="1200" dirty="0">
+                <a:solidFill>
+                  <a:schemeClr val="tx1"/>
+                </a:solidFill>
+                <a:latin typeface="Avenir Book" panose="02000503020000020003" pitchFamily="2" charset="0"/>
+              </a:rPr>
+              <a:t>Start = 2</a:t>
+            </a:r>
+          </a:p>
+          <a:p>
+            <a:pPr algn="ctr"/>
+            <a:r>
+              <a:rPr lang="en-US" sz="1200" dirty="0">
+                <a:solidFill>
+                  <a:schemeClr val="tx1"/>
+                </a:solidFill>
+                <a:latin typeface="Avenir Book" panose="02000503020000020003" pitchFamily="2" charset="0"/>
+              </a:rPr>
+              <a:t>Length = 2</a:t>
+            </a:r>
+          </a:p>
+        </p:txBody>
+      </p:sp>
+      <p:sp>
+        <p:nvSpPr>
+          <p:cNvPr id="53" name="Rectangle 52">
+            <a:extLst>
+              <a:ext uri="{FF2B5EF4-FFF2-40B4-BE49-F238E27FC236}">
+                <a16:creationId xmlns:a16="http://schemas.microsoft.com/office/drawing/2014/main" id="{48CEE21D-F661-244B-BCD5-5378CA4490FF}"/>
+              </a:ext>
+            </a:extLst>
+          </p:cNvPr>
+          <p:cNvSpPr/>
+          <p:nvPr/>
+        </p:nvSpPr>
+        <p:spPr>
+          <a:xfrm>
+            <a:off x="10472697" y="4746365"/>
+            <a:ext cx="923014" cy="391981"/>
+          </a:xfrm>
+          <a:prstGeom prst="rect">
+            <a:avLst/>
+          </a:prstGeom>
+          <a:noFill/>
+          <a:ln>
+            <a:noFill/>
+          </a:ln>
+        </p:spPr>
+        <p:style>
+          <a:lnRef idx="2">
+            <a:schemeClr val="accent1">
+              <a:shade val="50000"/>
+            </a:schemeClr>
+          </a:lnRef>
+          <a:fillRef idx="1">
+            <a:schemeClr val="accent1"/>
+          </a:fillRef>
+          <a:effectRef idx="0">
+            <a:schemeClr val="accent1"/>
+          </a:effectRef>
+          <a:fontRef idx="minor">
+            <a:schemeClr val="lt1"/>
+          </a:fontRef>
+        </p:style>
+        <p:txBody>
+          <a:bodyPr lIns="0" tIns="0" rIns="0" bIns="0" rtlCol="0" anchor="ctr"/>
+          <a:lstStyle/>
+          <a:p>
+            <a:r>
+              <a:rPr lang="en-US" sz="1400" b="1" dirty="0">
+                <a:solidFill>
+                  <a:schemeClr val="tx1"/>
+                </a:solidFill>
+                <a:latin typeface="Avenir Book" panose="02000503020000020003" pitchFamily="2" charset="0"/>
+              </a:rPr>
+              <a:t>Current</a:t>
+            </a:r>
+          </a:p>
+          <a:p>
+            <a:r>
+              <a:rPr lang="en-US" sz="1400" b="1" dirty="0">
+                <a:solidFill>
+                  <a:schemeClr val="tx1"/>
+                </a:solidFill>
+                <a:latin typeface="Avenir Book" panose="02000503020000020003" pitchFamily="2" charset="0"/>
+              </a:rPr>
+              <a:t>parity = 1</a:t>
+            </a:r>
+            <a:endParaRPr lang="en-US" sz="1400" dirty="0">
+              <a:solidFill>
+                <a:schemeClr val="tx1"/>
+              </a:solidFill>
+              <a:latin typeface="Avenir Book" panose="02000503020000020003" pitchFamily="2" charset="0"/>
+            </a:endParaRPr>
+          </a:p>
+        </p:txBody>
+      </p:sp>
+      <p:sp>
+        <p:nvSpPr>
+          <p:cNvPr id="54" name="Rectangle 53">
+            <a:extLst>
+              <a:ext uri="{FF2B5EF4-FFF2-40B4-BE49-F238E27FC236}">
+                <a16:creationId xmlns:a16="http://schemas.microsoft.com/office/drawing/2014/main" id="{AB444EEF-F7D9-1948-8B21-03B4E5B0EE4B}"/>
+              </a:ext>
+            </a:extLst>
+          </p:cNvPr>
+          <p:cNvSpPr/>
+          <p:nvPr/>
+        </p:nvSpPr>
+        <p:spPr>
+          <a:xfrm>
+            <a:off x="8316207" y="370656"/>
+            <a:ext cx="1177290" cy="457200"/>
+          </a:xfrm>
+          <a:prstGeom prst="rect">
+            <a:avLst/>
+          </a:prstGeom>
+          <a:noFill/>
+          <a:ln>
+            <a:noFill/>
+          </a:ln>
+        </p:spPr>
+        <p:style>
+          <a:lnRef idx="2">
+            <a:schemeClr val="accent1">
+              <a:shade val="50000"/>
+            </a:schemeClr>
+          </a:lnRef>
+          <a:fillRef idx="1">
+            <a:schemeClr val="accent1"/>
+          </a:fillRef>
+          <a:effectRef idx="0">
+            <a:schemeClr val="accent1"/>
+          </a:effectRef>
+          <a:fontRef idx="minor">
+            <a:schemeClr val="lt1"/>
+          </a:fontRef>
+        </p:style>
+        <p:txBody>
+          <a:bodyPr lIns="0" tIns="0" rIns="0" bIns="0" rtlCol="0" anchor="ctr"/>
+          <a:lstStyle/>
+          <a:p>
+            <a:pPr algn="ctr"/>
+            <a:r>
+              <a:rPr lang="en-US" sz="2000" b="1" dirty="0">
+                <a:solidFill>
+                  <a:schemeClr val="tx1"/>
+                </a:solidFill>
+                <a:latin typeface="Avenir Book" panose="02000503020000020003" pitchFamily="2" charset="0"/>
+              </a:rPr>
+              <a:t>Bob</a:t>
+            </a:r>
+          </a:p>
+        </p:txBody>
+      </p:sp>
+      <p:grpSp>
+        <p:nvGrpSpPr>
+          <p:cNvPr id="116" name="Group 115">
+            <a:extLst>
+              <a:ext uri="{FF2B5EF4-FFF2-40B4-BE49-F238E27FC236}">
+                <a16:creationId xmlns:a16="http://schemas.microsoft.com/office/drawing/2014/main" id="{6844E774-87C2-F64D-9588-C36659311FF2}"/>
+              </a:ext>
+            </a:extLst>
+          </p:cNvPr>
+          <p:cNvGrpSpPr/>
+          <p:nvPr/>
+        </p:nvGrpSpPr>
+        <p:grpSpPr>
+          <a:xfrm>
+            <a:off x="2259385" y="1059102"/>
+            <a:ext cx="1981200" cy="696686"/>
+            <a:chOff x="4454071" y="1295400"/>
+            <a:chExt cx="1981200" cy="696686"/>
+          </a:xfrm>
+        </p:grpSpPr>
+        <p:sp>
+          <p:nvSpPr>
+            <p:cNvPr id="117" name="Rectangle 116">
+              <a:extLst>
+                <a:ext uri="{FF2B5EF4-FFF2-40B4-BE49-F238E27FC236}">
+                  <a16:creationId xmlns:a16="http://schemas.microsoft.com/office/drawing/2014/main" id="{FCD6AC67-5807-B047-988F-4F36B1F3096D}"/>
+                </a:ext>
+              </a:extLst>
+            </p:cNvPr>
+            <p:cNvSpPr/>
+            <p:nvPr/>
+          </p:nvSpPr>
+          <p:spPr>
+            <a:xfrm>
+              <a:off x="4454071" y="1295400"/>
+              <a:ext cx="495300" cy="457200"/>
+            </a:xfrm>
+            <a:prstGeom prst="rect">
+              <a:avLst/>
+            </a:prstGeom>
+            <a:noFill/>
+            <a:ln>
+              <a:solidFill>
+                <a:schemeClr val="tx1"/>
+              </a:solidFill>
+            </a:ln>
+          </p:spPr>
+          <p:style>
+            <a:lnRef idx="2">
+              <a:schemeClr val="accent1">
+                <a:shade val="50000"/>
+              </a:schemeClr>
+            </a:lnRef>
+            <a:fillRef idx="1">
+              <a:schemeClr val="accent1"/>
+            </a:fillRef>
+            <a:effectRef idx="0">
+              <a:schemeClr val="accent1"/>
+            </a:effectRef>
+            <a:fontRef idx="minor">
+              <a:schemeClr val="lt1"/>
+            </a:fontRef>
+          </p:style>
+          <p:txBody>
+            <a:bodyPr lIns="0" tIns="0" rIns="0" bIns="0" rtlCol="0" anchor="ctr"/>
+            <a:lstStyle/>
+            <a:p>
+              <a:pPr algn="ctr"/>
+              <a:r>
+                <a:rPr lang="en-US" dirty="0">
+                  <a:solidFill>
+                    <a:schemeClr val="tx1"/>
+                  </a:solidFill>
+                  <a:latin typeface="Avenir Book" panose="02000503020000020003" pitchFamily="2" charset="0"/>
+                </a:rPr>
+                <a:t>0</a:t>
+              </a:r>
+            </a:p>
+          </p:txBody>
+        </p:sp>
+        <p:sp>
+          <p:nvSpPr>
+            <p:cNvPr id="118" name="Rectangle 117">
+              <a:extLst>
+                <a:ext uri="{FF2B5EF4-FFF2-40B4-BE49-F238E27FC236}">
+                  <a16:creationId xmlns:a16="http://schemas.microsoft.com/office/drawing/2014/main" id="{6A5AC46E-7817-7E42-9A24-9ABA2C7944D0}"/>
+                </a:ext>
+              </a:extLst>
+            </p:cNvPr>
+            <p:cNvSpPr/>
+            <p:nvPr/>
+          </p:nvSpPr>
+          <p:spPr>
+            <a:xfrm>
+              <a:off x="4949371" y="1295400"/>
+              <a:ext cx="495300" cy="457200"/>
+            </a:xfrm>
+            <a:prstGeom prst="rect">
+              <a:avLst/>
+            </a:prstGeom>
+            <a:noFill/>
+            <a:ln>
+              <a:solidFill>
+                <a:schemeClr val="tx1"/>
+              </a:solidFill>
+            </a:ln>
+          </p:spPr>
+          <p:style>
+            <a:lnRef idx="2">
+              <a:schemeClr val="accent1">
+                <a:shade val="50000"/>
+              </a:schemeClr>
+            </a:lnRef>
+            <a:fillRef idx="1">
+              <a:schemeClr val="accent1"/>
+            </a:fillRef>
+            <a:effectRef idx="0">
+              <a:schemeClr val="accent1"/>
+            </a:effectRef>
+            <a:fontRef idx="minor">
+              <a:schemeClr val="lt1"/>
+            </a:fontRef>
+          </p:style>
+          <p:txBody>
+            <a:bodyPr lIns="0" tIns="0" rIns="0" bIns="0" rtlCol="0" anchor="ctr"/>
+            <a:lstStyle/>
+            <a:p>
+              <a:pPr algn="ctr"/>
+              <a:r>
+                <a:rPr lang="en-US" dirty="0">
+                  <a:solidFill>
+                    <a:schemeClr val="tx1"/>
+                  </a:solidFill>
+                  <a:latin typeface="Avenir Book" panose="02000503020000020003" pitchFamily="2" charset="0"/>
+                </a:rPr>
+                <a:t>1</a:t>
+              </a:r>
+            </a:p>
+          </p:txBody>
+        </p:sp>
+        <p:sp>
+          <p:nvSpPr>
+            <p:cNvPr id="119" name="Rectangle 118">
+              <a:extLst>
+                <a:ext uri="{FF2B5EF4-FFF2-40B4-BE49-F238E27FC236}">
+                  <a16:creationId xmlns:a16="http://schemas.microsoft.com/office/drawing/2014/main" id="{7BBE2D50-B9A7-0C48-B638-BD547B968EF2}"/>
+                </a:ext>
+              </a:extLst>
+            </p:cNvPr>
+            <p:cNvSpPr/>
+            <p:nvPr/>
+          </p:nvSpPr>
+          <p:spPr>
+            <a:xfrm>
+              <a:off x="5444671" y="1295400"/>
+              <a:ext cx="495300" cy="457200"/>
+            </a:xfrm>
+            <a:prstGeom prst="rect">
+              <a:avLst/>
+            </a:prstGeom>
+            <a:noFill/>
+            <a:ln>
+              <a:solidFill>
+                <a:schemeClr val="tx1"/>
+              </a:solidFill>
+            </a:ln>
+          </p:spPr>
+          <p:style>
+            <a:lnRef idx="2">
+              <a:schemeClr val="accent1">
+                <a:shade val="50000"/>
+              </a:schemeClr>
+            </a:lnRef>
+            <a:fillRef idx="1">
+              <a:schemeClr val="accent1"/>
+            </a:fillRef>
+            <a:effectRef idx="0">
+              <a:schemeClr val="accent1"/>
+            </a:effectRef>
+            <a:fontRef idx="minor">
+              <a:schemeClr val="lt1"/>
+            </a:fontRef>
+          </p:style>
+          <p:txBody>
+            <a:bodyPr lIns="0" tIns="0" rIns="0" bIns="0" rtlCol="0" anchor="ctr"/>
+            <a:lstStyle/>
+            <a:p>
+              <a:pPr algn="ctr"/>
+              <a:r>
+                <a:rPr lang="en-US" dirty="0">
+                  <a:solidFill>
+                    <a:schemeClr val="tx1"/>
+                  </a:solidFill>
+                  <a:latin typeface="Avenir Book" panose="02000503020000020003" pitchFamily="2" charset="0"/>
+                </a:rPr>
+                <a:t>0</a:t>
+              </a:r>
+            </a:p>
+          </p:txBody>
+        </p:sp>
+        <p:sp>
+          <p:nvSpPr>
+            <p:cNvPr id="120" name="Rectangle 119">
+              <a:extLst>
+                <a:ext uri="{FF2B5EF4-FFF2-40B4-BE49-F238E27FC236}">
+                  <a16:creationId xmlns:a16="http://schemas.microsoft.com/office/drawing/2014/main" id="{8FEA8543-2838-6E46-A9DA-4BA2DD3B0D98}"/>
+                </a:ext>
+              </a:extLst>
+            </p:cNvPr>
+            <p:cNvSpPr/>
+            <p:nvPr/>
+          </p:nvSpPr>
+          <p:spPr>
+            <a:xfrm>
+              <a:off x="5939971" y="1295400"/>
+              <a:ext cx="495300" cy="457200"/>
+            </a:xfrm>
+            <a:prstGeom prst="rect">
+              <a:avLst/>
+            </a:prstGeom>
+            <a:noFill/>
+            <a:ln>
+              <a:solidFill>
+                <a:schemeClr val="tx1"/>
+              </a:solidFill>
+            </a:ln>
+          </p:spPr>
+          <p:style>
+            <a:lnRef idx="2">
+              <a:schemeClr val="accent1">
+                <a:shade val="50000"/>
+              </a:schemeClr>
+            </a:lnRef>
+            <a:fillRef idx="1">
+              <a:schemeClr val="accent1"/>
+            </a:fillRef>
+            <a:effectRef idx="0">
+              <a:schemeClr val="accent1"/>
+            </a:effectRef>
+            <a:fontRef idx="minor">
+              <a:schemeClr val="lt1"/>
+            </a:fontRef>
+          </p:style>
+          <p:txBody>
+            <a:bodyPr lIns="0" tIns="0" rIns="0" bIns="0" rtlCol="0" anchor="ctr"/>
+            <a:lstStyle/>
+            <a:p>
+              <a:pPr algn="ctr"/>
+              <a:r>
+                <a:rPr lang="en-US" dirty="0">
+                  <a:solidFill>
+                    <a:schemeClr val="tx1"/>
+                  </a:solidFill>
+                  <a:latin typeface="Avenir Book" panose="02000503020000020003" pitchFamily="2" charset="0"/>
+                </a:rPr>
+                <a:t>0</a:t>
+              </a:r>
+            </a:p>
+          </p:txBody>
+        </p:sp>
+        <p:sp>
+          <p:nvSpPr>
+            <p:cNvPr id="121" name="Rectangle 120">
+              <a:extLst>
+                <a:ext uri="{FF2B5EF4-FFF2-40B4-BE49-F238E27FC236}">
+                  <a16:creationId xmlns:a16="http://schemas.microsoft.com/office/drawing/2014/main" id="{2DADF799-AEC1-A14D-9193-51DA03F23B12}"/>
+                </a:ext>
+              </a:extLst>
+            </p:cNvPr>
+            <p:cNvSpPr/>
+            <p:nvPr/>
+          </p:nvSpPr>
+          <p:spPr>
+            <a:xfrm>
+              <a:off x="4454071" y="1752600"/>
+              <a:ext cx="495300" cy="239486"/>
+            </a:xfrm>
+            <a:prstGeom prst="rect">
+              <a:avLst/>
+            </a:prstGeom>
+            <a:noFill/>
+            <a:ln>
+              <a:noFill/>
+            </a:ln>
+          </p:spPr>
+          <p:style>
+            <a:lnRef idx="2">
+              <a:schemeClr val="accent1">
+                <a:shade val="50000"/>
+              </a:schemeClr>
+            </a:lnRef>
+            <a:fillRef idx="1">
+              <a:schemeClr val="accent1"/>
+            </a:fillRef>
+            <a:effectRef idx="0">
+              <a:schemeClr val="accent1"/>
+            </a:effectRef>
+            <a:fontRef idx="minor">
+              <a:schemeClr val="lt1"/>
+            </a:fontRef>
+          </p:style>
+          <p:txBody>
+            <a:bodyPr lIns="0" tIns="0" rIns="0" bIns="0" rtlCol="0" anchor="b" anchorCtr="0"/>
+            <a:lstStyle/>
+            <a:p>
+              <a:pPr algn="ctr"/>
+              <a:r>
+                <a:rPr lang="en-US" sz="1200" dirty="0">
+                  <a:solidFill>
+                    <a:schemeClr val="tx1"/>
+                  </a:solidFill>
+                  <a:latin typeface="Avenir Book" panose="02000503020000020003" pitchFamily="2" charset="0"/>
+                </a:rPr>
+                <a:t>0</a:t>
+              </a:r>
+            </a:p>
+          </p:txBody>
+        </p:sp>
+        <p:sp>
+          <p:nvSpPr>
+            <p:cNvPr id="122" name="Rectangle 121">
+              <a:extLst>
+                <a:ext uri="{FF2B5EF4-FFF2-40B4-BE49-F238E27FC236}">
+                  <a16:creationId xmlns:a16="http://schemas.microsoft.com/office/drawing/2014/main" id="{18ECCDF6-C3F3-0648-BF1E-E24FDF2017BC}"/>
+                </a:ext>
+              </a:extLst>
+            </p:cNvPr>
+            <p:cNvSpPr/>
+            <p:nvPr/>
+          </p:nvSpPr>
+          <p:spPr>
+            <a:xfrm>
+              <a:off x="4949371" y="1752600"/>
+              <a:ext cx="495300" cy="239486"/>
+            </a:xfrm>
+            <a:prstGeom prst="rect">
+              <a:avLst/>
+            </a:prstGeom>
+            <a:noFill/>
+            <a:ln>
+              <a:noFill/>
+            </a:ln>
+          </p:spPr>
+          <p:style>
+            <a:lnRef idx="2">
+              <a:schemeClr val="accent1">
+                <a:shade val="50000"/>
+              </a:schemeClr>
+            </a:lnRef>
+            <a:fillRef idx="1">
+              <a:schemeClr val="accent1"/>
+            </a:fillRef>
+            <a:effectRef idx="0">
+              <a:schemeClr val="accent1"/>
+            </a:effectRef>
+            <a:fontRef idx="minor">
+              <a:schemeClr val="lt1"/>
+            </a:fontRef>
+          </p:style>
+          <p:txBody>
+            <a:bodyPr lIns="0" tIns="0" rIns="0" bIns="0" rtlCol="0" anchor="b" anchorCtr="0"/>
+            <a:lstStyle/>
+            <a:p>
+              <a:pPr algn="ctr"/>
+              <a:r>
+                <a:rPr lang="en-US" sz="1200" dirty="0">
+                  <a:solidFill>
+                    <a:schemeClr val="tx1"/>
+                  </a:solidFill>
+                  <a:latin typeface="Avenir Book" panose="02000503020000020003" pitchFamily="2" charset="0"/>
+                </a:rPr>
+                <a:t>1</a:t>
+              </a:r>
+            </a:p>
+          </p:txBody>
+        </p:sp>
+        <p:sp>
+          <p:nvSpPr>
+            <p:cNvPr id="123" name="Rectangle 122">
+              <a:extLst>
+                <a:ext uri="{FF2B5EF4-FFF2-40B4-BE49-F238E27FC236}">
+                  <a16:creationId xmlns:a16="http://schemas.microsoft.com/office/drawing/2014/main" id="{C486C3EB-1435-014D-9890-BF663EC2EDB8}"/>
+                </a:ext>
+              </a:extLst>
+            </p:cNvPr>
+            <p:cNvSpPr/>
+            <p:nvPr/>
+          </p:nvSpPr>
+          <p:spPr>
+            <a:xfrm>
+              <a:off x="5444671" y="1752600"/>
+              <a:ext cx="495300" cy="239486"/>
+            </a:xfrm>
+            <a:prstGeom prst="rect">
+              <a:avLst/>
+            </a:prstGeom>
+            <a:noFill/>
+            <a:ln>
+              <a:noFill/>
+            </a:ln>
+          </p:spPr>
+          <p:style>
+            <a:lnRef idx="2">
+              <a:schemeClr val="accent1">
+                <a:shade val="50000"/>
+              </a:schemeClr>
+            </a:lnRef>
+            <a:fillRef idx="1">
+              <a:schemeClr val="accent1"/>
+            </a:fillRef>
+            <a:effectRef idx="0">
+              <a:schemeClr val="accent1"/>
+            </a:effectRef>
+            <a:fontRef idx="minor">
+              <a:schemeClr val="lt1"/>
+            </a:fontRef>
+          </p:style>
+          <p:txBody>
+            <a:bodyPr lIns="0" tIns="0" rIns="0" bIns="0" rtlCol="0" anchor="b" anchorCtr="0"/>
+            <a:lstStyle/>
+            <a:p>
+              <a:pPr algn="ctr"/>
+              <a:r>
+                <a:rPr lang="en-US" sz="1200" dirty="0">
+                  <a:solidFill>
+                    <a:schemeClr val="tx1"/>
+                  </a:solidFill>
+                  <a:latin typeface="Avenir Book" panose="02000503020000020003" pitchFamily="2" charset="0"/>
+                </a:rPr>
+                <a:t>2</a:t>
+              </a:r>
+            </a:p>
+          </p:txBody>
+        </p:sp>
+        <p:sp>
+          <p:nvSpPr>
+            <p:cNvPr id="124" name="Rectangle 123">
+              <a:extLst>
+                <a:ext uri="{FF2B5EF4-FFF2-40B4-BE49-F238E27FC236}">
+                  <a16:creationId xmlns:a16="http://schemas.microsoft.com/office/drawing/2014/main" id="{1EA15ABF-3E41-5042-9484-C428FF6ECA22}"/>
+                </a:ext>
+              </a:extLst>
+            </p:cNvPr>
+            <p:cNvSpPr/>
+            <p:nvPr/>
+          </p:nvSpPr>
+          <p:spPr>
+            <a:xfrm>
+              <a:off x="5939971" y="1752600"/>
+              <a:ext cx="495300" cy="239486"/>
+            </a:xfrm>
+            <a:prstGeom prst="rect">
+              <a:avLst/>
+            </a:prstGeom>
+            <a:noFill/>
+            <a:ln>
+              <a:noFill/>
+            </a:ln>
+          </p:spPr>
+          <p:style>
+            <a:lnRef idx="2">
+              <a:schemeClr val="accent1">
+                <a:shade val="50000"/>
+              </a:schemeClr>
+            </a:lnRef>
+            <a:fillRef idx="1">
+              <a:schemeClr val="accent1"/>
+            </a:fillRef>
+            <a:effectRef idx="0">
+              <a:schemeClr val="accent1"/>
+            </a:effectRef>
+            <a:fontRef idx="minor">
+              <a:schemeClr val="lt1"/>
+            </a:fontRef>
+          </p:style>
+          <p:txBody>
+            <a:bodyPr lIns="0" tIns="0" rIns="0" bIns="0" rtlCol="0" anchor="b" anchorCtr="0"/>
+            <a:lstStyle/>
+            <a:p>
+              <a:pPr algn="ctr"/>
+              <a:r>
+                <a:rPr lang="en-US" sz="1200" dirty="0">
+                  <a:solidFill>
+                    <a:schemeClr val="tx1"/>
+                  </a:solidFill>
+                  <a:latin typeface="Avenir Book" panose="02000503020000020003" pitchFamily="2" charset="0"/>
+                </a:rPr>
+                <a:t>3</a:t>
+              </a:r>
+            </a:p>
+          </p:txBody>
+        </p:sp>
+      </p:grpSp>
+      <p:sp>
+        <p:nvSpPr>
+          <p:cNvPr id="125" name="Rectangle 124">
+            <a:extLst>
+              <a:ext uri="{FF2B5EF4-FFF2-40B4-BE49-F238E27FC236}">
+                <a16:creationId xmlns:a16="http://schemas.microsoft.com/office/drawing/2014/main" id="{672A1D88-E703-A74F-9DD8-8505A285CFCC}"/>
+              </a:ext>
+            </a:extLst>
+          </p:cNvPr>
+          <p:cNvSpPr/>
+          <p:nvPr/>
+        </p:nvSpPr>
+        <p:spPr>
+          <a:xfrm>
+            <a:off x="945035" y="1059102"/>
+            <a:ext cx="1177290" cy="457200"/>
+          </a:xfrm>
+          <a:prstGeom prst="rect">
+            <a:avLst/>
+          </a:prstGeom>
+          <a:noFill/>
+          <a:ln>
+            <a:noFill/>
+          </a:ln>
+        </p:spPr>
+        <p:style>
+          <a:lnRef idx="2">
+            <a:schemeClr val="accent1">
+              <a:shade val="50000"/>
+            </a:schemeClr>
+          </a:lnRef>
+          <a:fillRef idx="1">
+            <a:schemeClr val="accent1"/>
+          </a:fillRef>
+          <a:effectRef idx="0">
+            <a:schemeClr val="accent1"/>
+          </a:effectRef>
+          <a:fontRef idx="minor">
+            <a:schemeClr val="lt1"/>
+          </a:fontRef>
+        </p:style>
+        <p:txBody>
+          <a:bodyPr lIns="0" tIns="0" rIns="0" bIns="0" rtlCol="0" anchor="ctr"/>
+          <a:lstStyle/>
+          <a:p>
+            <a:pPr algn="r"/>
+            <a:r>
+              <a:rPr lang="en-US" dirty="0">
+                <a:solidFill>
+                  <a:schemeClr val="tx1"/>
+                </a:solidFill>
+                <a:latin typeface="Avenir Book" panose="02000503020000020003" pitchFamily="2" charset="0"/>
+              </a:rPr>
+              <a:t>Correct key</a:t>
+            </a:r>
+          </a:p>
+        </p:txBody>
+      </p:sp>
+      <p:grpSp>
+        <p:nvGrpSpPr>
+          <p:cNvPr id="126" name="Group 125">
+            <a:extLst>
+              <a:ext uri="{FF2B5EF4-FFF2-40B4-BE49-F238E27FC236}">
+                <a16:creationId xmlns:a16="http://schemas.microsoft.com/office/drawing/2014/main" id="{61D643B5-67CC-C046-A518-73DA0A482F44}"/>
+              </a:ext>
+            </a:extLst>
+          </p:cNvPr>
+          <p:cNvGrpSpPr/>
+          <p:nvPr/>
+        </p:nvGrpSpPr>
+        <p:grpSpPr>
+          <a:xfrm>
+            <a:off x="2259385" y="2912320"/>
+            <a:ext cx="1981200" cy="696686"/>
+            <a:chOff x="4454071" y="2362200"/>
+            <a:chExt cx="1981200" cy="696686"/>
+          </a:xfrm>
+        </p:grpSpPr>
+        <p:sp>
+          <p:nvSpPr>
+            <p:cNvPr id="127" name="Rectangle 126">
+              <a:extLst>
+                <a:ext uri="{FF2B5EF4-FFF2-40B4-BE49-F238E27FC236}">
+                  <a16:creationId xmlns:a16="http://schemas.microsoft.com/office/drawing/2014/main" id="{145C938F-386C-A846-BF06-71906F813012}"/>
+                </a:ext>
+              </a:extLst>
+            </p:cNvPr>
+            <p:cNvSpPr/>
+            <p:nvPr/>
+          </p:nvSpPr>
+          <p:spPr>
+            <a:xfrm>
+              <a:off x="4454071" y="2362200"/>
+              <a:ext cx="495300" cy="457200"/>
+            </a:xfrm>
+            <a:prstGeom prst="rect">
+              <a:avLst/>
+            </a:prstGeom>
+            <a:noFill/>
+            <a:ln>
+              <a:solidFill>
+                <a:schemeClr val="tx1"/>
+              </a:solidFill>
+            </a:ln>
+          </p:spPr>
+          <p:style>
+            <a:lnRef idx="2">
+              <a:schemeClr val="accent1">
+                <a:shade val="50000"/>
+              </a:schemeClr>
+            </a:lnRef>
+            <a:fillRef idx="1">
+              <a:schemeClr val="accent1"/>
+            </a:fillRef>
+            <a:effectRef idx="0">
+              <a:schemeClr val="accent1"/>
+            </a:effectRef>
+            <a:fontRef idx="minor">
+              <a:schemeClr val="lt1"/>
+            </a:fontRef>
+          </p:style>
+          <p:txBody>
+            <a:bodyPr lIns="0" tIns="0" rIns="0" bIns="0" rtlCol="0" anchor="ctr"/>
+            <a:lstStyle/>
+            <a:p>
+              <a:pPr algn="ctr"/>
+              <a:r>
+                <a:rPr lang="en-US" dirty="0">
+                  <a:solidFill>
+                    <a:schemeClr val="tx1"/>
+                  </a:solidFill>
+                  <a:latin typeface="Avenir Book" panose="02000503020000020003" pitchFamily="2" charset="0"/>
+                </a:rPr>
+                <a:t>1</a:t>
+              </a:r>
+            </a:p>
+          </p:txBody>
+        </p:sp>
+        <p:sp>
+          <p:nvSpPr>
+            <p:cNvPr id="128" name="Rectangle 127">
+              <a:extLst>
+                <a:ext uri="{FF2B5EF4-FFF2-40B4-BE49-F238E27FC236}">
+                  <a16:creationId xmlns:a16="http://schemas.microsoft.com/office/drawing/2014/main" id="{D7B116B4-9CDF-5D4D-AF7C-7EA31E01FBDF}"/>
+                </a:ext>
+              </a:extLst>
+            </p:cNvPr>
+            <p:cNvSpPr/>
+            <p:nvPr/>
+          </p:nvSpPr>
+          <p:spPr>
+            <a:xfrm>
+              <a:off x="4949371" y="2362200"/>
+              <a:ext cx="495300" cy="457200"/>
+            </a:xfrm>
+            <a:prstGeom prst="rect">
+              <a:avLst/>
+            </a:prstGeom>
+            <a:noFill/>
+            <a:ln>
+              <a:solidFill>
+                <a:schemeClr val="tx1"/>
+              </a:solidFill>
+            </a:ln>
+          </p:spPr>
+          <p:style>
+            <a:lnRef idx="2">
+              <a:schemeClr val="accent1">
+                <a:shade val="50000"/>
+              </a:schemeClr>
+            </a:lnRef>
+            <a:fillRef idx="1">
+              <a:schemeClr val="accent1"/>
+            </a:fillRef>
+            <a:effectRef idx="0">
+              <a:schemeClr val="accent1"/>
+            </a:effectRef>
+            <a:fontRef idx="minor">
+              <a:schemeClr val="lt1"/>
+            </a:fontRef>
+          </p:style>
+          <p:txBody>
+            <a:bodyPr lIns="0" tIns="0" rIns="0" bIns="0" rtlCol="0" anchor="ctr"/>
+            <a:lstStyle/>
+            <a:p>
+              <a:pPr algn="ctr"/>
+              <a:r>
+                <a:rPr lang="en-US" dirty="0">
+                  <a:solidFill>
+                    <a:schemeClr val="tx1"/>
+                  </a:solidFill>
+                  <a:latin typeface="Avenir Book" panose="02000503020000020003" pitchFamily="2" charset="0"/>
+                </a:rPr>
+                <a:t>0</a:t>
+              </a:r>
+            </a:p>
+          </p:txBody>
+        </p:sp>
+        <p:sp>
+          <p:nvSpPr>
+            <p:cNvPr id="129" name="Rectangle 128">
+              <a:extLst>
+                <a:ext uri="{FF2B5EF4-FFF2-40B4-BE49-F238E27FC236}">
+                  <a16:creationId xmlns:a16="http://schemas.microsoft.com/office/drawing/2014/main" id="{02455C0F-588E-964A-B3E2-85C987FFC6F2}"/>
+                </a:ext>
+              </a:extLst>
+            </p:cNvPr>
+            <p:cNvSpPr/>
+            <p:nvPr/>
+          </p:nvSpPr>
+          <p:spPr>
+            <a:xfrm>
+              <a:off x="5444671" y="2362200"/>
+              <a:ext cx="495300" cy="457200"/>
+            </a:xfrm>
+            <a:prstGeom prst="rect">
+              <a:avLst/>
+            </a:prstGeom>
+            <a:noFill/>
+            <a:ln>
+              <a:solidFill>
+                <a:schemeClr val="tx1"/>
+              </a:solidFill>
+            </a:ln>
+          </p:spPr>
+          <p:style>
+            <a:lnRef idx="2">
+              <a:schemeClr val="accent1">
+                <a:shade val="50000"/>
+              </a:schemeClr>
+            </a:lnRef>
+            <a:fillRef idx="1">
+              <a:schemeClr val="accent1"/>
+            </a:fillRef>
+            <a:effectRef idx="0">
+              <a:schemeClr val="accent1"/>
+            </a:effectRef>
+            <a:fontRef idx="minor">
+              <a:schemeClr val="lt1"/>
+            </a:fontRef>
+          </p:style>
+          <p:txBody>
+            <a:bodyPr lIns="0" tIns="0" rIns="0" bIns="0" rtlCol="0" anchor="ctr"/>
+            <a:lstStyle/>
+            <a:p>
+              <a:pPr algn="ctr"/>
+              <a:r>
+                <a:rPr lang="en-US" dirty="0">
+                  <a:solidFill>
+                    <a:schemeClr val="tx1"/>
+                  </a:solidFill>
+                  <a:latin typeface="Avenir Book" panose="02000503020000020003" pitchFamily="2" charset="0"/>
+                </a:rPr>
+                <a:t>0</a:t>
+              </a:r>
+            </a:p>
+          </p:txBody>
+        </p:sp>
+        <p:sp>
+          <p:nvSpPr>
+            <p:cNvPr id="130" name="Rectangle 129">
+              <a:extLst>
+                <a:ext uri="{FF2B5EF4-FFF2-40B4-BE49-F238E27FC236}">
+                  <a16:creationId xmlns:a16="http://schemas.microsoft.com/office/drawing/2014/main" id="{A905C1B4-8820-2D41-B107-F609EF0BF7F5}"/>
+                </a:ext>
+              </a:extLst>
+            </p:cNvPr>
+            <p:cNvSpPr/>
+            <p:nvPr/>
+          </p:nvSpPr>
+          <p:spPr>
+            <a:xfrm>
+              <a:off x="5939971" y="2362200"/>
+              <a:ext cx="495300" cy="457200"/>
+            </a:xfrm>
+            <a:prstGeom prst="rect">
+              <a:avLst/>
+            </a:prstGeom>
+            <a:noFill/>
+            <a:ln>
+              <a:solidFill>
+                <a:schemeClr val="tx1"/>
+              </a:solidFill>
+            </a:ln>
+          </p:spPr>
+          <p:style>
+            <a:lnRef idx="2">
+              <a:schemeClr val="accent1">
+                <a:shade val="50000"/>
+              </a:schemeClr>
+            </a:lnRef>
+            <a:fillRef idx="1">
+              <a:schemeClr val="accent1"/>
+            </a:fillRef>
+            <a:effectRef idx="0">
+              <a:schemeClr val="accent1"/>
+            </a:effectRef>
+            <a:fontRef idx="minor">
+              <a:schemeClr val="lt1"/>
+            </a:fontRef>
+          </p:style>
+          <p:txBody>
+            <a:bodyPr lIns="0" tIns="0" rIns="0" bIns="0" rtlCol="0" anchor="ctr"/>
+            <a:lstStyle/>
+            <a:p>
+              <a:pPr algn="ctr"/>
+              <a:r>
+                <a:rPr lang="en-US" dirty="0">
+                  <a:solidFill>
+                    <a:schemeClr val="tx1"/>
+                  </a:solidFill>
+                  <a:latin typeface="Avenir Book" panose="02000503020000020003" pitchFamily="2" charset="0"/>
+                </a:rPr>
+                <a:t>0</a:t>
+              </a:r>
+            </a:p>
+          </p:txBody>
+        </p:sp>
+        <p:sp>
+          <p:nvSpPr>
+            <p:cNvPr id="131" name="Rectangle 130">
+              <a:extLst>
+                <a:ext uri="{FF2B5EF4-FFF2-40B4-BE49-F238E27FC236}">
+                  <a16:creationId xmlns:a16="http://schemas.microsoft.com/office/drawing/2014/main" id="{18B7B881-8B5E-3A4A-814B-6477CFB17F77}"/>
+                </a:ext>
+              </a:extLst>
+            </p:cNvPr>
+            <p:cNvSpPr/>
+            <p:nvPr/>
+          </p:nvSpPr>
+          <p:spPr>
+            <a:xfrm>
+              <a:off x="4454071" y="2819400"/>
+              <a:ext cx="495300" cy="239486"/>
+            </a:xfrm>
+            <a:prstGeom prst="rect">
+              <a:avLst/>
+            </a:prstGeom>
+            <a:noFill/>
+            <a:ln>
+              <a:noFill/>
+            </a:ln>
+          </p:spPr>
+          <p:style>
+            <a:lnRef idx="2">
+              <a:schemeClr val="accent1">
+                <a:shade val="50000"/>
+              </a:schemeClr>
+            </a:lnRef>
+            <a:fillRef idx="1">
+              <a:schemeClr val="accent1"/>
+            </a:fillRef>
+            <a:effectRef idx="0">
+              <a:schemeClr val="accent1"/>
+            </a:effectRef>
+            <a:fontRef idx="minor">
+              <a:schemeClr val="lt1"/>
+            </a:fontRef>
+          </p:style>
+          <p:txBody>
+            <a:bodyPr lIns="0" tIns="0" rIns="0" bIns="0" rtlCol="0" anchor="b" anchorCtr="0"/>
+            <a:lstStyle/>
+            <a:p>
+              <a:pPr algn="ctr"/>
+              <a:r>
+                <a:rPr lang="en-US" sz="1200" dirty="0">
+                  <a:solidFill>
+                    <a:schemeClr val="tx1"/>
+                  </a:solidFill>
+                  <a:latin typeface="Avenir Book" panose="02000503020000020003" pitchFamily="2" charset="0"/>
+                </a:rPr>
+                <a:t>0</a:t>
+              </a:r>
+            </a:p>
+          </p:txBody>
+        </p:sp>
+        <p:sp>
+          <p:nvSpPr>
+            <p:cNvPr id="132" name="Rectangle 131">
+              <a:extLst>
+                <a:ext uri="{FF2B5EF4-FFF2-40B4-BE49-F238E27FC236}">
+                  <a16:creationId xmlns:a16="http://schemas.microsoft.com/office/drawing/2014/main" id="{5295F63A-4594-C44E-BC0F-4CDA2F2AA4CF}"/>
+                </a:ext>
+              </a:extLst>
+            </p:cNvPr>
+            <p:cNvSpPr/>
+            <p:nvPr/>
+          </p:nvSpPr>
+          <p:spPr>
+            <a:xfrm>
+              <a:off x="4949371" y="2819400"/>
+              <a:ext cx="495300" cy="239486"/>
+            </a:xfrm>
+            <a:prstGeom prst="rect">
+              <a:avLst/>
+            </a:prstGeom>
+            <a:noFill/>
+            <a:ln>
+              <a:noFill/>
+            </a:ln>
+          </p:spPr>
+          <p:style>
+            <a:lnRef idx="2">
+              <a:schemeClr val="accent1">
+                <a:shade val="50000"/>
+              </a:schemeClr>
+            </a:lnRef>
+            <a:fillRef idx="1">
+              <a:schemeClr val="accent1"/>
+            </a:fillRef>
+            <a:effectRef idx="0">
+              <a:schemeClr val="accent1"/>
+            </a:effectRef>
+            <a:fontRef idx="minor">
+              <a:schemeClr val="lt1"/>
+            </a:fontRef>
+          </p:style>
+          <p:txBody>
+            <a:bodyPr lIns="0" tIns="0" rIns="0" bIns="0" rtlCol="0" anchor="b" anchorCtr="0"/>
+            <a:lstStyle/>
+            <a:p>
+              <a:pPr algn="ctr"/>
+              <a:r>
+                <a:rPr lang="en-US" sz="1200" dirty="0">
+                  <a:solidFill>
+                    <a:schemeClr val="tx1"/>
+                  </a:solidFill>
+                  <a:latin typeface="Avenir Book" panose="02000503020000020003" pitchFamily="2" charset="0"/>
+                </a:rPr>
+                <a:t>1</a:t>
+              </a:r>
+            </a:p>
+          </p:txBody>
+        </p:sp>
+        <p:sp>
+          <p:nvSpPr>
+            <p:cNvPr id="133" name="Rectangle 132">
+              <a:extLst>
+                <a:ext uri="{FF2B5EF4-FFF2-40B4-BE49-F238E27FC236}">
+                  <a16:creationId xmlns:a16="http://schemas.microsoft.com/office/drawing/2014/main" id="{3162EF9E-3462-9D48-A1AE-6B463C929FDD}"/>
+                </a:ext>
+              </a:extLst>
+            </p:cNvPr>
+            <p:cNvSpPr/>
+            <p:nvPr/>
+          </p:nvSpPr>
+          <p:spPr>
+            <a:xfrm>
+              <a:off x="5444671" y="2819400"/>
+              <a:ext cx="495300" cy="239486"/>
+            </a:xfrm>
+            <a:prstGeom prst="rect">
+              <a:avLst/>
+            </a:prstGeom>
+            <a:noFill/>
+            <a:ln>
+              <a:noFill/>
+            </a:ln>
+          </p:spPr>
+          <p:style>
+            <a:lnRef idx="2">
+              <a:schemeClr val="accent1">
+                <a:shade val="50000"/>
+              </a:schemeClr>
+            </a:lnRef>
+            <a:fillRef idx="1">
+              <a:schemeClr val="accent1"/>
+            </a:fillRef>
+            <a:effectRef idx="0">
+              <a:schemeClr val="accent1"/>
+            </a:effectRef>
+            <a:fontRef idx="minor">
+              <a:schemeClr val="lt1"/>
+            </a:fontRef>
+          </p:style>
+          <p:txBody>
+            <a:bodyPr lIns="0" tIns="0" rIns="0" bIns="0" rtlCol="0" anchor="b" anchorCtr="0"/>
+            <a:lstStyle/>
+            <a:p>
+              <a:pPr algn="ctr"/>
+              <a:r>
+                <a:rPr lang="en-US" sz="1200" dirty="0">
+                  <a:solidFill>
+                    <a:schemeClr val="tx1"/>
+                  </a:solidFill>
+                  <a:latin typeface="Avenir Book" panose="02000503020000020003" pitchFamily="2" charset="0"/>
+                </a:rPr>
+                <a:t>2</a:t>
+              </a:r>
+            </a:p>
+          </p:txBody>
+        </p:sp>
+        <p:sp>
+          <p:nvSpPr>
+            <p:cNvPr id="134" name="Rectangle 133">
+              <a:extLst>
+                <a:ext uri="{FF2B5EF4-FFF2-40B4-BE49-F238E27FC236}">
+                  <a16:creationId xmlns:a16="http://schemas.microsoft.com/office/drawing/2014/main" id="{E2799340-B697-5D4A-8755-0C1263DFC5D3}"/>
+                </a:ext>
+              </a:extLst>
+            </p:cNvPr>
+            <p:cNvSpPr/>
+            <p:nvPr/>
+          </p:nvSpPr>
+          <p:spPr>
+            <a:xfrm>
+              <a:off x="5939971" y="2819400"/>
+              <a:ext cx="495300" cy="239486"/>
+            </a:xfrm>
+            <a:prstGeom prst="rect">
+              <a:avLst/>
+            </a:prstGeom>
+            <a:noFill/>
+            <a:ln>
+              <a:noFill/>
+            </a:ln>
+          </p:spPr>
+          <p:style>
+            <a:lnRef idx="2">
+              <a:schemeClr val="accent1">
+                <a:shade val="50000"/>
+              </a:schemeClr>
+            </a:lnRef>
+            <a:fillRef idx="1">
+              <a:schemeClr val="accent1"/>
+            </a:fillRef>
+            <a:effectRef idx="0">
+              <a:schemeClr val="accent1"/>
+            </a:effectRef>
+            <a:fontRef idx="minor">
+              <a:schemeClr val="lt1"/>
+            </a:fontRef>
+          </p:style>
+          <p:txBody>
+            <a:bodyPr lIns="0" tIns="0" rIns="0" bIns="0" rtlCol="0" anchor="b" anchorCtr="0"/>
+            <a:lstStyle/>
+            <a:p>
+              <a:pPr algn="ctr"/>
+              <a:r>
+                <a:rPr lang="en-US" sz="1200" dirty="0">
+                  <a:solidFill>
+                    <a:schemeClr val="tx1"/>
+                  </a:solidFill>
+                  <a:latin typeface="Avenir Book" panose="02000503020000020003" pitchFamily="2" charset="0"/>
+                </a:rPr>
+                <a:t>3</a:t>
+              </a:r>
+            </a:p>
+          </p:txBody>
+        </p:sp>
+      </p:grpSp>
+      <p:cxnSp>
+        <p:nvCxnSpPr>
+          <p:cNvPr id="135" name="Straight Arrow Connector 134">
+            <a:extLst>
+              <a:ext uri="{FF2B5EF4-FFF2-40B4-BE49-F238E27FC236}">
+                <a16:creationId xmlns:a16="http://schemas.microsoft.com/office/drawing/2014/main" id="{30C1190E-E0A6-FF43-AB95-F3BA06BDEAD6}"/>
+              </a:ext>
+            </a:extLst>
+          </p:cNvPr>
+          <p:cNvCxnSpPr>
+            <a:cxnSpLocks/>
+          </p:cNvCxnSpPr>
+          <p:nvPr/>
+        </p:nvCxnSpPr>
+        <p:spPr>
+          <a:xfrm>
+            <a:off x="2544666" y="2278302"/>
+            <a:ext cx="488107" cy="457200"/>
+          </a:xfrm>
+          <a:prstGeom prst="straightConnector1">
+            <a:avLst/>
+          </a:prstGeom>
+          <a:ln>
+            <a:solidFill>
+              <a:schemeClr val="tx1"/>
+            </a:solidFill>
+            <a:headEnd type="triangle" w="med" len="med"/>
+            <a:tailEnd type="none" w="med" len="med"/>
+          </a:ln>
+        </p:spPr>
+        <p:style>
+          <a:lnRef idx="1">
+            <a:schemeClr val="accent1"/>
+          </a:lnRef>
+          <a:fillRef idx="0">
+            <a:schemeClr val="accent1"/>
+          </a:fillRef>
+          <a:effectRef idx="0">
+            <a:schemeClr val="accent1"/>
+          </a:effectRef>
+          <a:fontRef idx="minor">
+            <a:schemeClr val="tx1"/>
+          </a:fontRef>
+        </p:style>
+      </p:cxnSp>
+      <p:cxnSp>
+        <p:nvCxnSpPr>
+          <p:cNvPr id="136" name="Straight Arrow Connector 135">
+            <a:extLst>
+              <a:ext uri="{FF2B5EF4-FFF2-40B4-BE49-F238E27FC236}">
+                <a16:creationId xmlns:a16="http://schemas.microsoft.com/office/drawing/2014/main" id="{5CC1BA06-BE4B-FC47-AE19-A1C7C5E10F9B}"/>
+              </a:ext>
+            </a:extLst>
+          </p:cNvPr>
+          <p:cNvCxnSpPr>
+            <a:cxnSpLocks/>
+          </p:cNvCxnSpPr>
+          <p:nvPr/>
+        </p:nvCxnSpPr>
+        <p:spPr>
+          <a:xfrm flipH="1">
+            <a:off x="2544666" y="2278302"/>
+            <a:ext cx="488107" cy="457200"/>
+          </a:xfrm>
+          <a:prstGeom prst="straightConnector1">
+            <a:avLst/>
+          </a:prstGeom>
+          <a:ln>
+            <a:solidFill>
+              <a:schemeClr val="tx1"/>
+            </a:solidFill>
+            <a:headEnd type="triangle" w="med" len="med"/>
+            <a:tailEnd type="none" w="med" len="med"/>
+          </a:ln>
+        </p:spPr>
+        <p:style>
+          <a:lnRef idx="1">
+            <a:schemeClr val="accent1"/>
+          </a:lnRef>
+          <a:fillRef idx="0">
+            <a:schemeClr val="accent1"/>
+          </a:fillRef>
+          <a:effectRef idx="0">
+            <a:schemeClr val="accent1"/>
+          </a:effectRef>
+          <a:fontRef idx="minor">
+            <a:schemeClr val="tx1"/>
+          </a:fontRef>
+        </p:style>
+      </p:cxnSp>
+      <p:cxnSp>
+        <p:nvCxnSpPr>
+          <p:cNvPr id="137" name="Straight Arrow Connector 136">
+            <a:extLst>
+              <a:ext uri="{FF2B5EF4-FFF2-40B4-BE49-F238E27FC236}">
+                <a16:creationId xmlns:a16="http://schemas.microsoft.com/office/drawing/2014/main" id="{493FAAC0-9BC9-C54C-8D78-5276645F88A0}"/>
+              </a:ext>
+            </a:extLst>
+          </p:cNvPr>
+          <p:cNvCxnSpPr>
+            <a:cxnSpLocks/>
+          </p:cNvCxnSpPr>
+          <p:nvPr/>
+        </p:nvCxnSpPr>
+        <p:spPr>
+          <a:xfrm flipH="1">
+            <a:off x="3520880" y="2278302"/>
+            <a:ext cx="488108" cy="457200"/>
+          </a:xfrm>
+          <a:prstGeom prst="straightConnector1">
+            <a:avLst/>
+          </a:prstGeom>
+          <a:ln>
+            <a:solidFill>
+              <a:schemeClr val="tx1"/>
+            </a:solidFill>
+            <a:headEnd type="triangle" w="med" len="med"/>
+            <a:tailEnd type="none" w="med" len="med"/>
+          </a:ln>
+        </p:spPr>
+        <p:style>
+          <a:lnRef idx="1">
+            <a:schemeClr val="accent1"/>
+          </a:lnRef>
+          <a:fillRef idx="0">
+            <a:schemeClr val="accent1"/>
+          </a:fillRef>
+          <a:effectRef idx="0">
+            <a:schemeClr val="accent1"/>
+          </a:effectRef>
+          <a:fontRef idx="minor">
+            <a:schemeClr val="tx1"/>
+          </a:fontRef>
+        </p:style>
+      </p:cxnSp>
+      <p:cxnSp>
+        <p:nvCxnSpPr>
+          <p:cNvPr id="138" name="Straight Arrow Connector 137">
+            <a:extLst>
+              <a:ext uri="{FF2B5EF4-FFF2-40B4-BE49-F238E27FC236}">
+                <a16:creationId xmlns:a16="http://schemas.microsoft.com/office/drawing/2014/main" id="{B4FDC453-B825-7C45-847D-B03678A44B20}"/>
+              </a:ext>
+            </a:extLst>
+          </p:cNvPr>
+          <p:cNvCxnSpPr>
+            <a:cxnSpLocks/>
+          </p:cNvCxnSpPr>
+          <p:nvPr/>
+        </p:nvCxnSpPr>
+        <p:spPr>
+          <a:xfrm>
+            <a:off x="3520880" y="2278302"/>
+            <a:ext cx="488108" cy="457200"/>
+          </a:xfrm>
+          <a:prstGeom prst="straightConnector1">
+            <a:avLst/>
+          </a:prstGeom>
+          <a:ln>
+            <a:solidFill>
+              <a:schemeClr val="tx1"/>
+            </a:solidFill>
+            <a:headEnd type="triangle" w="med" len="med"/>
+            <a:tailEnd type="none" w="med" len="med"/>
+          </a:ln>
+        </p:spPr>
+        <p:style>
+          <a:lnRef idx="1">
+            <a:schemeClr val="accent1"/>
+          </a:lnRef>
+          <a:fillRef idx="0">
+            <a:schemeClr val="accent1"/>
+          </a:fillRef>
+          <a:effectRef idx="0">
+            <a:schemeClr val="accent1"/>
+          </a:effectRef>
+          <a:fontRef idx="minor">
+            <a:schemeClr val="tx1"/>
+          </a:fontRef>
+        </p:style>
+      </p:cxnSp>
+      <p:cxnSp>
+        <p:nvCxnSpPr>
+          <p:cNvPr id="139" name="Straight Arrow Connector 138">
+            <a:extLst>
+              <a:ext uri="{FF2B5EF4-FFF2-40B4-BE49-F238E27FC236}">
+                <a16:creationId xmlns:a16="http://schemas.microsoft.com/office/drawing/2014/main" id="{A0EE4F94-F17F-5B4C-8DDB-A5E2DDF1FB79}"/>
+              </a:ext>
+            </a:extLst>
+          </p:cNvPr>
+          <p:cNvCxnSpPr>
+            <a:cxnSpLocks/>
+          </p:cNvCxnSpPr>
+          <p:nvPr/>
+        </p:nvCxnSpPr>
+        <p:spPr>
+          <a:xfrm>
+            <a:off x="2546763" y="1821102"/>
+            <a:ext cx="0" cy="457200"/>
+          </a:xfrm>
+          <a:prstGeom prst="straightConnector1">
+            <a:avLst/>
+          </a:prstGeom>
+          <a:ln w="3175" cap="rnd">
+            <a:solidFill>
+              <a:schemeClr val="tx1"/>
+            </a:solidFill>
+            <a:prstDash val="sysDot"/>
+            <a:headEnd type="triangle" w="sm" len="sm"/>
+            <a:tailEnd type="none" w="med" len="med"/>
+          </a:ln>
+        </p:spPr>
+        <p:style>
+          <a:lnRef idx="1">
+            <a:schemeClr val="accent1"/>
+          </a:lnRef>
+          <a:fillRef idx="0">
+            <a:schemeClr val="accent1"/>
+          </a:fillRef>
+          <a:effectRef idx="0">
+            <a:schemeClr val="accent1"/>
+          </a:effectRef>
+          <a:fontRef idx="minor">
+            <a:schemeClr val="tx1"/>
+          </a:fontRef>
+        </p:style>
+      </p:cxnSp>
+      <p:cxnSp>
+        <p:nvCxnSpPr>
+          <p:cNvPr id="140" name="Straight Arrow Connector 139">
+            <a:extLst>
+              <a:ext uri="{FF2B5EF4-FFF2-40B4-BE49-F238E27FC236}">
+                <a16:creationId xmlns:a16="http://schemas.microsoft.com/office/drawing/2014/main" id="{51A053A4-CFFE-144E-93B1-92FA98FB29FC}"/>
+              </a:ext>
+            </a:extLst>
+          </p:cNvPr>
+          <p:cNvCxnSpPr>
+            <a:cxnSpLocks/>
+          </p:cNvCxnSpPr>
+          <p:nvPr/>
+        </p:nvCxnSpPr>
+        <p:spPr>
+          <a:xfrm>
+            <a:off x="3032773" y="1821102"/>
+            <a:ext cx="0" cy="457200"/>
+          </a:xfrm>
+          <a:prstGeom prst="straightConnector1">
+            <a:avLst/>
+          </a:prstGeom>
+          <a:ln w="3175" cap="rnd">
+            <a:solidFill>
+              <a:schemeClr val="tx1"/>
+            </a:solidFill>
+            <a:prstDash val="sysDot"/>
+            <a:headEnd type="triangle" w="sm" len="sm"/>
+            <a:tailEnd type="none" w="med" len="med"/>
+          </a:ln>
+        </p:spPr>
+        <p:style>
+          <a:lnRef idx="1">
+            <a:schemeClr val="accent1"/>
+          </a:lnRef>
+          <a:fillRef idx="0">
+            <a:schemeClr val="accent1"/>
+          </a:fillRef>
+          <a:effectRef idx="0">
+            <a:schemeClr val="accent1"/>
+          </a:effectRef>
+          <a:fontRef idx="minor">
+            <a:schemeClr val="tx1"/>
+          </a:fontRef>
+        </p:style>
+      </p:cxnSp>
+      <p:cxnSp>
+        <p:nvCxnSpPr>
+          <p:cNvPr id="141" name="Straight Arrow Connector 140">
+            <a:extLst>
+              <a:ext uri="{FF2B5EF4-FFF2-40B4-BE49-F238E27FC236}">
+                <a16:creationId xmlns:a16="http://schemas.microsoft.com/office/drawing/2014/main" id="{53BF6035-20B6-7341-A692-3DA4CD96811B}"/>
+              </a:ext>
+            </a:extLst>
+          </p:cNvPr>
+          <p:cNvCxnSpPr>
+            <a:cxnSpLocks/>
+          </p:cNvCxnSpPr>
+          <p:nvPr/>
+        </p:nvCxnSpPr>
+        <p:spPr>
+          <a:xfrm>
+            <a:off x="3528274" y="1821102"/>
+            <a:ext cx="0" cy="457200"/>
+          </a:xfrm>
+          <a:prstGeom prst="straightConnector1">
+            <a:avLst/>
+          </a:prstGeom>
+          <a:ln w="3175" cap="rnd">
+            <a:solidFill>
+              <a:schemeClr val="tx1"/>
+            </a:solidFill>
+            <a:prstDash val="sysDot"/>
+            <a:headEnd type="triangle" w="sm" len="sm"/>
+            <a:tailEnd type="none" w="med" len="med"/>
+          </a:ln>
+        </p:spPr>
+        <p:style>
+          <a:lnRef idx="1">
+            <a:schemeClr val="accent1"/>
+          </a:lnRef>
+          <a:fillRef idx="0">
+            <a:schemeClr val="accent1"/>
+          </a:fillRef>
+          <a:effectRef idx="0">
+            <a:schemeClr val="accent1"/>
+          </a:effectRef>
+          <a:fontRef idx="minor">
+            <a:schemeClr val="tx1"/>
+          </a:fontRef>
+        </p:style>
+      </p:cxnSp>
+      <p:cxnSp>
+        <p:nvCxnSpPr>
+          <p:cNvPr id="142" name="Straight Arrow Connector 141">
+            <a:extLst>
+              <a:ext uri="{FF2B5EF4-FFF2-40B4-BE49-F238E27FC236}">
+                <a16:creationId xmlns:a16="http://schemas.microsoft.com/office/drawing/2014/main" id="{09D846D1-322C-D84D-A9F5-A45C8405080B}"/>
+              </a:ext>
+            </a:extLst>
+          </p:cNvPr>
+          <p:cNvCxnSpPr>
+            <a:cxnSpLocks/>
+          </p:cNvCxnSpPr>
+          <p:nvPr/>
+        </p:nvCxnSpPr>
+        <p:spPr>
+          <a:xfrm>
+            <a:off x="4012738" y="1821102"/>
+            <a:ext cx="0" cy="457200"/>
+          </a:xfrm>
+          <a:prstGeom prst="straightConnector1">
+            <a:avLst/>
+          </a:prstGeom>
+          <a:ln w="3175" cap="rnd">
+            <a:solidFill>
+              <a:schemeClr val="tx1"/>
+            </a:solidFill>
+            <a:prstDash val="sysDot"/>
+            <a:headEnd type="triangle" w="sm" len="sm"/>
+            <a:tailEnd type="none" w="med" len="med"/>
+          </a:ln>
+        </p:spPr>
+        <p:style>
+          <a:lnRef idx="1">
+            <a:schemeClr val="accent1"/>
+          </a:lnRef>
+          <a:fillRef idx="0">
+            <a:schemeClr val="accent1"/>
+          </a:fillRef>
+          <a:effectRef idx="0">
+            <a:schemeClr val="accent1"/>
+          </a:effectRef>
+          <a:fontRef idx="minor">
+            <a:schemeClr val="tx1"/>
+          </a:fontRef>
+        </p:style>
+      </p:cxnSp>
+      <p:grpSp>
+        <p:nvGrpSpPr>
+          <p:cNvPr id="148" name="Group 147">
+            <a:extLst>
+              <a:ext uri="{FF2B5EF4-FFF2-40B4-BE49-F238E27FC236}">
+                <a16:creationId xmlns:a16="http://schemas.microsoft.com/office/drawing/2014/main" id="{75705CEB-7F2B-9F40-8821-F27B4C3435D3}"/>
+              </a:ext>
+            </a:extLst>
+          </p:cNvPr>
+          <p:cNvGrpSpPr/>
+          <p:nvPr/>
+        </p:nvGrpSpPr>
+        <p:grpSpPr>
+          <a:xfrm>
+            <a:off x="3619805" y="4702870"/>
+            <a:ext cx="990600" cy="696686"/>
+            <a:chOff x="7429500" y="3995057"/>
+            <a:chExt cx="990600" cy="696686"/>
+          </a:xfrm>
+        </p:grpSpPr>
+        <p:sp>
+          <p:nvSpPr>
+            <p:cNvPr id="149" name="Rectangle 148">
+              <a:extLst>
+                <a:ext uri="{FF2B5EF4-FFF2-40B4-BE49-F238E27FC236}">
+                  <a16:creationId xmlns:a16="http://schemas.microsoft.com/office/drawing/2014/main" id="{CEAB8CF4-9EDA-AE45-908D-F007E7143520}"/>
+                </a:ext>
+              </a:extLst>
+            </p:cNvPr>
+            <p:cNvSpPr/>
+            <p:nvPr/>
+          </p:nvSpPr>
+          <p:spPr>
+            <a:xfrm>
+              <a:off x="7429500" y="3995057"/>
+              <a:ext cx="495300" cy="457200"/>
+            </a:xfrm>
+            <a:prstGeom prst="rect">
+              <a:avLst/>
+            </a:prstGeom>
+            <a:noFill/>
+            <a:ln>
+              <a:solidFill>
+                <a:schemeClr val="tx1"/>
+              </a:solidFill>
+            </a:ln>
+          </p:spPr>
+          <p:style>
+            <a:lnRef idx="2">
+              <a:schemeClr val="accent1">
+                <a:shade val="50000"/>
+              </a:schemeClr>
+            </a:lnRef>
+            <a:fillRef idx="1">
+              <a:schemeClr val="accent1"/>
+            </a:fillRef>
+            <a:effectRef idx="0">
+              <a:schemeClr val="accent1"/>
+            </a:effectRef>
+            <a:fontRef idx="minor">
+              <a:schemeClr val="lt1"/>
+            </a:fontRef>
+          </p:style>
+          <p:txBody>
+            <a:bodyPr lIns="0" tIns="0" rIns="0" bIns="0" rtlCol="0" anchor="ctr"/>
+            <a:lstStyle/>
+            <a:p>
+              <a:pPr algn="ctr"/>
+              <a:r>
+                <a:rPr lang="en-US" dirty="0">
+                  <a:solidFill>
+                    <a:schemeClr val="tx1"/>
+                  </a:solidFill>
+                  <a:latin typeface="Avenir Book" panose="02000503020000020003" pitchFamily="2" charset="0"/>
+                </a:rPr>
+                <a:t>0</a:t>
+              </a:r>
+            </a:p>
+          </p:txBody>
+        </p:sp>
+        <p:sp>
+          <p:nvSpPr>
+            <p:cNvPr id="150" name="Rectangle 149">
+              <a:extLst>
+                <a:ext uri="{FF2B5EF4-FFF2-40B4-BE49-F238E27FC236}">
+                  <a16:creationId xmlns:a16="http://schemas.microsoft.com/office/drawing/2014/main" id="{C5D87680-B17B-B048-B8A7-33C5BE1A40EC}"/>
+                </a:ext>
+              </a:extLst>
+            </p:cNvPr>
+            <p:cNvSpPr/>
+            <p:nvPr/>
+          </p:nvSpPr>
+          <p:spPr>
+            <a:xfrm>
+              <a:off x="7924800" y="3995057"/>
+              <a:ext cx="495300" cy="457200"/>
+            </a:xfrm>
+            <a:prstGeom prst="rect">
+              <a:avLst/>
+            </a:prstGeom>
+            <a:noFill/>
+            <a:ln>
+              <a:solidFill>
+                <a:schemeClr val="tx1"/>
+              </a:solidFill>
+            </a:ln>
+          </p:spPr>
+          <p:style>
+            <a:lnRef idx="2">
+              <a:schemeClr val="accent1">
+                <a:shade val="50000"/>
+              </a:schemeClr>
+            </a:lnRef>
+            <a:fillRef idx="1">
+              <a:schemeClr val="accent1"/>
+            </a:fillRef>
+            <a:effectRef idx="0">
+              <a:schemeClr val="accent1"/>
+            </a:effectRef>
+            <a:fontRef idx="minor">
+              <a:schemeClr val="lt1"/>
+            </a:fontRef>
+          </p:style>
+          <p:txBody>
+            <a:bodyPr lIns="0" tIns="0" rIns="0" bIns="0" rtlCol="0" anchor="ctr"/>
+            <a:lstStyle/>
+            <a:p>
+              <a:pPr algn="ctr"/>
+              <a:r>
+                <a:rPr lang="en-US" dirty="0">
+                  <a:solidFill>
+                    <a:schemeClr val="tx1"/>
+                  </a:solidFill>
+                  <a:latin typeface="Avenir Book" panose="02000503020000020003" pitchFamily="2" charset="0"/>
+                </a:rPr>
+                <a:t>0</a:t>
+              </a:r>
+            </a:p>
+          </p:txBody>
+        </p:sp>
+        <p:sp>
+          <p:nvSpPr>
+            <p:cNvPr id="151" name="Rectangle 150">
+              <a:extLst>
+                <a:ext uri="{FF2B5EF4-FFF2-40B4-BE49-F238E27FC236}">
+                  <a16:creationId xmlns:a16="http://schemas.microsoft.com/office/drawing/2014/main" id="{C75AAB98-66C7-BB40-A906-84F0DB9861F2}"/>
+                </a:ext>
+              </a:extLst>
+            </p:cNvPr>
+            <p:cNvSpPr/>
+            <p:nvPr/>
+          </p:nvSpPr>
+          <p:spPr>
+            <a:xfrm>
+              <a:off x="7429500" y="4452257"/>
+              <a:ext cx="495300" cy="239486"/>
+            </a:xfrm>
+            <a:prstGeom prst="rect">
+              <a:avLst/>
+            </a:prstGeom>
+            <a:noFill/>
+            <a:ln>
+              <a:noFill/>
+            </a:ln>
+          </p:spPr>
+          <p:style>
+            <a:lnRef idx="2">
+              <a:schemeClr val="accent1">
+                <a:shade val="50000"/>
+              </a:schemeClr>
+            </a:lnRef>
+            <a:fillRef idx="1">
+              <a:schemeClr val="accent1"/>
+            </a:fillRef>
+            <a:effectRef idx="0">
+              <a:schemeClr val="accent1"/>
+            </a:effectRef>
+            <a:fontRef idx="minor">
+              <a:schemeClr val="lt1"/>
+            </a:fontRef>
+          </p:style>
+          <p:txBody>
+            <a:bodyPr lIns="0" tIns="0" rIns="0" bIns="0" rtlCol="0" anchor="b" anchorCtr="0"/>
+            <a:lstStyle/>
+            <a:p>
+              <a:pPr algn="ctr"/>
+              <a:r>
+                <a:rPr lang="en-US" sz="1200" dirty="0">
+                  <a:solidFill>
+                    <a:schemeClr val="tx1"/>
+                  </a:solidFill>
+                  <a:latin typeface="Avenir Book" panose="02000503020000020003" pitchFamily="2" charset="0"/>
+                </a:rPr>
+                <a:t>0</a:t>
+              </a:r>
+            </a:p>
+          </p:txBody>
+        </p:sp>
+        <p:sp>
+          <p:nvSpPr>
+            <p:cNvPr id="152" name="Rectangle 151">
+              <a:extLst>
+                <a:ext uri="{FF2B5EF4-FFF2-40B4-BE49-F238E27FC236}">
+                  <a16:creationId xmlns:a16="http://schemas.microsoft.com/office/drawing/2014/main" id="{B2789083-7D41-B142-A623-FA2618DD9456}"/>
+                </a:ext>
+              </a:extLst>
+            </p:cNvPr>
+            <p:cNvSpPr/>
+            <p:nvPr/>
+          </p:nvSpPr>
+          <p:spPr>
+            <a:xfrm>
+              <a:off x="7924800" y="4452257"/>
+              <a:ext cx="495300" cy="239486"/>
+            </a:xfrm>
+            <a:prstGeom prst="rect">
+              <a:avLst/>
+            </a:prstGeom>
+            <a:noFill/>
+            <a:ln>
+              <a:noFill/>
+            </a:ln>
+          </p:spPr>
+          <p:style>
+            <a:lnRef idx="2">
+              <a:schemeClr val="accent1">
+                <a:shade val="50000"/>
+              </a:schemeClr>
+            </a:lnRef>
+            <a:fillRef idx="1">
+              <a:schemeClr val="accent1"/>
+            </a:fillRef>
+            <a:effectRef idx="0">
+              <a:schemeClr val="accent1"/>
+            </a:effectRef>
+            <a:fontRef idx="minor">
+              <a:schemeClr val="lt1"/>
+            </a:fontRef>
+          </p:style>
+          <p:txBody>
+            <a:bodyPr lIns="0" tIns="0" rIns="0" bIns="0" rtlCol="0" anchor="b" anchorCtr="0"/>
+            <a:lstStyle/>
+            <a:p>
+              <a:pPr algn="ctr"/>
+              <a:r>
+                <a:rPr lang="en-US" sz="1200" dirty="0">
+                  <a:solidFill>
+                    <a:schemeClr val="tx1"/>
+                  </a:solidFill>
+                  <a:latin typeface="Avenir Book" panose="02000503020000020003" pitchFamily="2" charset="0"/>
+                </a:rPr>
+                <a:t>1</a:t>
+              </a:r>
+            </a:p>
+          </p:txBody>
+        </p:sp>
+      </p:grpSp>
+      <p:sp>
+        <p:nvSpPr>
+          <p:cNvPr id="154" name="Rectangle 153">
+            <a:extLst>
+              <a:ext uri="{FF2B5EF4-FFF2-40B4-BE49-F238E27FC236}">
+                <a16:creationId xmlns:a16="http://schemas.microsoft.com/office/drawing/2014/main" id="{1288FA6F-4505-B547-B9DE-491B7B1252A7}"/>
+              </a:ext>
+            </a:extLst>
+          </p:cNvPr>
+          <p:cNvSpPr/>
+          <p:nvPr/>
+        </p:nvSpPr>
+        <p:spPr>
+          <a:xfrm>
+            <a:off x="2860096" y="4681098"/>
+            <a:ext cx="704779" cy="457200"/>
+          </a:xfrm>
+          <a:prstGeom prst="rect">
+            <a:avLst/>
+          </a:prstGeom>
+          <a:noFill/>
+          <a:ln>
+            <a:noFill/>
+          </a:ln>
+        </p:spPr>
+        <p:style>
+          <a:lnRef idx="2">
+            <a:schemeClr val="accent1">
+              <a:shade val="50000"/>
+            </a:schemeClr>
+          </a:lnRef>
+          <a:fillRef idx="1">
+            <a:schemeClr val="accent1"/>
+          </a:fillRef>
+          <a:effectRef idx="0">
+            <a:schemeClr val="accent1"/>
+          </a:effectRef>
+          <a:fontRef idx="minor">
+            <a:schemeClr val="lt1"/>
+          </a:fontRef>
+        </p:style>
+        <p:txBody>
+          <a:bodyPr lIns="0" tIns="0" rIns="0" bIns="0" rtlCol="0" anchor="ctr"/>
+          <a:lstStyle/>
+          <a:p>
+            <a:pPr algn="r"/>
+            <a:r>
+              <a:rPr lang="en-US" dirty="0">
+                <a:solidFill>
+                  <a:schemeClr val="tx1"/>
+                </a:solidFill>
+                <a:latin typeface="Avenir Book" panose="02000503020000020003" pitchFamily="2" charset="0"/>
+              </a:rPr>
+              <a:t>Block</a:t>
+            </a:r>
+          </a:p>
+        </p:txBody>
+      </p:sp>
+      <p:cxnSp>
+        <p:nvCxnSpPr>
+          <p:cNvPr id="157" name="Straight Arrow Connector 156">
+            <a:extLst>
+              <a:ext uri="{FF2B5EF4-FFF2-40B4-BE49-F238E27FC236}">
+                <a16:creationId xmlns:a16="http://schemas.microsoft.com/office/drawing/2014/main" id="{5B3B11C1-E03B-D144-86EF-AA4310048C99}"/>
+              </a:ext>
+            </a:extLst>
+          </p:cNvPr>
+          <p:cNvCxnSpPr>
+            <a:cxnSpLocks/>
+          </p:cNvCxnSpPr>
+          <p:nvPr/>
+        </p:nvCxnSpPr>
+        <p:spPr>
+          <a:xfrm>
+            <a:off x="3535771" y="3736756"/>
+            <a:ext cx="382460" cy="747443"/>
+          </a:xfrm>
+          <a:prstGeom prst="straightConnector1">
+            <a:avLst/>
+          </a:prstGeom>
+          <a:ln>
+            <a:solidFill>
+              <a:schemeClr val="tx1"/>
+            </a:solidFill>
+            <a:headEnd type="triangle" w="med" len="med"/>
+            <a:tailEnd type="none" w="med" len="med"/>
+          </a:ln>
+        </p:spPr>
+        <p:style>
+          <a:lnRef idx="1">
+            <a:schemeClr val="accent1"/>
+          </a:lnRef>
+          <a:fillRef idx="0">
+            <a:schemeClr val="accent1"/>
+          </a:fillRef>
+          <a:effectRef idx="0">
+            <a:schemeClr val="accent1"/>
+          </a:effectRef>
+          <a:fontRef idx="minor">
+            <a:schemeClr val="tx1"/>
+          </a:fontRef>
+        </p:style>
+      </p:cxnSp>
+      <p:cxnSp>
+        <p:nvCxnSpPr>
+          <p:cNvPr id="158" name="Straight Arrow Connector 157">
+            <a:extLst>
+              <a:ext uri="{FF2B5EF4-FFF2-40B4-BE49-F238E27FC236}">
+                <a16:creationId xmlns:a16="http://schemas.microsoft.com/office/drawing/2014/main" id="{A39247B1-7195-C74E-A68E-669006912BEA}"/>
+              </a:ext>
+            </a:extLst>
+          </p:cNvPr>
+          <p:cNvCxnSpPr>
+            <a:cxnSpLocks/>
+          </p:cNvCxnSpPr>
+          <p:nvPr/>
+        </p:nvCxnSpPr>
+        <p:spPr>
+          <a:xfrm>
+            <a:off x="4008988" y="3736756"/>
+            <a:ext cx="395346" cy="747443"/>
+          </a:xfrm>
+          <a:prstGeom prst="straightConnector1">
+            <a:avLst/>
+          </a:prstGeom>
+          <a:ln>
+            <a:solidFill>
+              <a:schemeClr val="tx1"/>
+            </a:solidFill>
+            <a:headEnd type="triangle" w="med" len="med"/>
+            <a:tailEnd type="none" w="med" len="med"/>
+          </a:ln>
+        </p:spPr>
+        <p:style>
+          <a:lnRef idx="1">
+            <a:schemeClr val="accent1"/>
+          </a:lnRef>
+          <a:fillRef idx="0">
+            <a:schemeClr val="accent1"/>
+          </a:fillRef>
+          <a:effectRef idx="0">
+            <a:schemeClr val="accent1"/>
+          </a:effectRef>
+          <a:fontRef idx="minor">
+            <a:schemeClr val="tx1"/>
+          </a:fontRef>
+        </p:style>
+      </p:cxnSp>
+      <p:sp>
+        <p:nvSpPr>
+          <p:cNvPr id="159" name="Rectangle 158">
+            <a:extLst>
+              <a:ext uri="{FF2B5EF4-FFF2-40B4-BE49-F238E27FC236}">
+                <a16:creationId xmlns:a16="http://schemas.microsoft.com/office/drawing/2014/main" id="{2B236ACD-BF58-754D-BFA5-565B631DD0E3}"/>
+              </a:ext>
+            </a:extLst>
+          </p:cNvPr>
+          <p:cNvSpPr/>
+          <p:nvPr/>
+        </p:nvSpPr>
+        <p:spPr>
+          <a:xfrm>
+            <a:off x="800973" y="2792223"/>
+            <a:ext cx="1321146" cy="740726"/>
+          </a:xfrm>
+          <a:prstGeom prst="rect">
+            <a:avLst/>
+          </a:prstGeom>
+          <a:noFill/>
+          <a:ln>
+            <a:noFill/>
+          </a:ln>
+        </p:spPr>
+        <p:style>
+          <a:lnRef idx="2">
+            <a:schemeClr val="accent1">
+              <a:shade val="50000"/>
+            </a:schemeClr>
+          </a:lnRef>
+          <a:fillRef idx="1">
+            <a:schemeClr val="accent1"/>
+          </a:fillRef>
+          <a:effectRef idx="0">
+            <a:schemeClr val="accent1"/>
+          </a:effectRef>
+          <a:fontRef idx="minor">
+            <a:schemeClr val="lt1"/>
+          </a:fontRef>
+        </p:style>
+        <p:txBody>
+          <a:bodyPr lIns="0" tIns="0" rIns="0" bIns="0" rtlCol="0" anchor="ctr"/>
+          <a:lstStyle/>
+          <a:p>
+            <a:pPr algn="r"/>
+            <a:r>
+              <a:rPr lang="en-US" dirty="0">
+                <a:solidFill>
+                  <a:schemeClr val="tx1"/>
+                </a:solidFill>
+                <a:latin typeface="Avenir Book" panose="02000503020000020003" pitchFamily="2" charset="0"/>
+              </a:rPr>
+              <a:t>Shuffled </a:t>
+            </a:r>
+          </a:p>
+          <a:p>
+            <a:pPr algn="r"/>
+            <a:r>
+              <a:rPr lang="en-US" dirty="0">
+                <a:solidFill>
+                  <a:schemeClr val="tx1"/>
+                </a:solidFill>
+                <a:latin typeface="Avenir Book" panose="02000503020000020003" pitchFamily="2" charset="0"/>
+              </a:rPr>
+              <a:t>correct key</a:t>
+            </a:r>
+          </a:p>
+        </p:txBody>
+      </p:sp>
+      <p:sp>
+        <p:nvSpPr>
+          <p:cNvPr id="160" name="Rectangle 159">
+            <a:extLst>
+              <a:ext uri="{FF2B5EF4-FFF2-40B4-BE49-F238E27FC236}">
+                <a16:creationId xmlns:a16="http://schemas.microsoft.com/office/drawing/2014/main" id="{4AEE0E9D-F1EE-FC4A-8715-F38D6D7BC697}"/>
+              </a:ext>
+            </a:extLst>
+          </p:cNvPr>
+          <p:cNvSpPr/>
+          <p:nvPr/>
+        </p:nvSpPr>
+        <p:spPr>
+          <a:xfrm>
+            <a:off x="4644551" y="2074120"/>
+            <a:ext cx="762000" cy="838200"/>
+          </a:xfrm>
+          <a:prstGeom prst="rect">
+            <a:avLst/>
+          </a:prstGeom>
+          <a:noFill/>
+          <a:ln>
+            <a:solidFill>
+              <a:schemeClr val="tx1"/>
+            </a:solidFill>
+          </a:ln>
+        </p:spPr>
+        <p:style>
+          <a:lnRef idx="2">
+            <a:schemeClr val="accent1">
+              <a:shade val="50000"/>
+            </a:schemeClr>
+          </a:lnRef>
+          <a:fillRef idx="1">
+            <a:schemeClr val="accent1"/>
+          </a:fillRef>
+          <a:effectRef idx="0">
+            <a:schemeClr val="accent1"/>
+          </a:effectRef>
+          <a:fontRef idx="minor">
+            <a:schemeClr val="lt1"/>
+          </a:fontRef>
+        </p:style>
+        <p:txBody>
+          <a:bodyPr lIns="0" tIns="0" rIns="0" bIns="0" rtlCol="0" anchor="ctr" anchorCtr="0"/>
+          <a:lstStyle/>
+          <a:p>
+            <a:pPr algn="ctr"/>
+            <a:r>
+              <a:rPr lang="en-US" sz="1200" dirty="0">
+                <a:solidFill>
+                  <a:schemeClr val="tx1"/>
+                </a:solidFill>
+                <a:latin typeface="Avenir Book" panose="02000503020000020003" pitchFamily="2" charset="0"/>
+              </a:rPr>
+              <a:t>0 → 1</a:t>
+            </a:r>
+          </a:p>
+          <a:p>
+            <a:pPr algn="ctr"/>
+            <a:r>
+              <a:rPr lang="en-US" sz="1200" dirty="0">
+                <a:solidFill>
+                  <a:schemeClr val="tx1"/>
+                </a:solidFill>
+                <a:latin typeface="Avenir Book" panose="02000503020000020003" pitchFamily="2" charset="0"/>
+              </a:rPr>
+              <a:t>1 → 0</a:t>
+            </a:r>
+          </a:p>
+          <a:p>
+            <a:pPr algn="ctr"/>
+            <a:r>
+              <a:rPr lang="en-US" sz="1200" dirty="0">
+                <a:solidFill>
+                  <a:schemeClr val="tx1"/>
+                </a:solidFill>
+                <a:latin typeface="Avenir Book" panose="02000503020000020003" pitchFamily="2" charset="0"/>
+              </a:rPr>
+              <a:t>2 → 3</a:t>
+            </a:r>
+          </a:p>
+          <a:p>
+            <a:pPr algn="ctr"/>
+            <a:r>
+              <a:rPr lang="en-US" sz="1200" dirty="0">
+                <a:solidFill>
+                  <a:schemeClr val="tx1"/>
+                </a:solidFill>
+                <a:latin typeface="Avenir Book" panose="02000503020000020003" pitchFamily="2" charset="0"/>
+              </a:rPr>
+              <a:t>3 → 2</a:t>
+            </a:r>
+          </a:p>
+        </p:txBody>
+      </p:sp>
+      <p:sp>
+        <p:nvSpPr>
+          <p:cNvPr id="161" name="Rectangle 160">
+            <a:extLst>
+              <a:ext uri="{FF2B5EF4-FFF2-40B4-BE49-F238E27FC236}">
+                <a16:creationId xmlns:a16="http://schemas.microsoft.com/office/drawing/2014/main" id="{8C623475-987C-E84B-90F8-793517C6D3DB}"/>
+              </a:ext>
+            </a:extLst>
+          </p:cNvPr>
+          <p:cNvSpPr/>
+          <p:nvPr/>
+        </p:nvSpPr>
+        <p:spPr>
+          <a:xfrm>
+            <a:off x="5543817" y="2251010"/>
+            <a:ext cx="838200" cy="457200"/>
+          </a:xfrm>
+          <a:prstGeom prst="rect">
+            <a:avLst/>
+          </a:prstGeom>
+          <a:noFill/>
+          <a:ln>
+            <a:noFill/>
+          </a:ln>
+        </p:spPr>
+        <p:style>
+          <a:lnRef idx="2">
+            <a:schemeClr val="accent1">
+              <a:shade val="50000"/>
+            </a:schemeClr>
+          </a:lnRef>
+          <a:fillRef idx="1">
+            <a:schemeClr val="accent1"/>
+          </a:fillRef>
+          <a:effectRef idx="0">
+            <a:schemeClr val="accent1"/>
+          </a:effectRef>
+          <a:fontRef idx="minor">
+            <a:schemeClr val="lt1"/>
+          </a:fontRef>
+        </p:style>
+        <p:txBody>
+          <a:bodyPr lIns="0" tIns="0" rIns="0" bIns="0" rtlCol="0" anchor="ctr"/>
+          <a:lstStyle/>
+          <a:p>
+            <a:r>
+              <a:rPr lang="en-US" dirty="0">
+                <a:solidFill>
+                  <a:schemeClr val="tx1"/>
+                </a:solidFill>
+                <a:latin typeface="Avenir Book" panose="02000503020000020003" pitchFamily="2" charset="0"/>
+              </a:rPr>
+              <a:t>Shuffle</a:t>
+            </a:r>
+          </a:p>
+        </p:txBody>
+      </p:sp>
+      <p:cxnSp>
+        <p:nvCxnSpPr>
+          <p:cNvPr id="162" name="Straight Arrow Connector 161">
+            <a:extLst>
+              <a:ext uri="{FF2B5EF4-FFF2-40B4-BE49-F238E27FC236}">
+                <a16:creationId xmlns:a16="http://schemas.microsoft.com/office/drawing/2014/main" id="{63800EC6-11D3-0848-BE7F-4A881689814F}"/>
+              </a:ext>
+            </a:extLst>
+          </p:cNvPr>
+          <p:cNvCxnSpPr>
+            <a:cxnSpLocks/>
+            <a:stCxn id="160" idx="1"/>
+          </p:cNvCxnSpPr>
+          <p:nvPr/>
+        </p:nvCxnSpPr>
+        <p:spPr>
+          <a:xfrm flipH="1">
+            <a:off x="4072760" y="2493220"/>
+            <a:ext cx="571791" cy="0"/>
+          </a:xfrm>
+          <a:prstGeom prst="straightConnector1">
+            <a:avLst/>
+          </a:prstGeom>
+          <a:ln>
+            <a:solidFill>
+              <a:schemeClr val="tx1"/>
+            </a:solidFill>
+            <a:prstDash val="dash"/>
+            <a:tailEnd type="triangle"/>
+          </a:ln>
+        </p:spPr>
+        <p:style>
+          <a:lnRef idx="1">
+            <a:schemeClr val="accent1"/>
+          </a:lnRef>
+          <a:fillRef idx="0">
+            <a:schemeClr val="accent1"/>
+          </a:fillRef>
+          <a:effectRef idx="0">
+            <a:schemeClr val="accent1"/>
+          </a:effectRef>
+          <a:fontRef idx="minor">
+            <a:schemeClr val="tx1"/>
+          </a:fontRef>
+        </p:style>
+      </p:cxnSp>
+      <p:sp>
+        <p:nvSpPr>
+          <p:cNvPr id="164" name="Rectangle 163">
+            <a:extLst>
+              <a:ext uri="{FF2B5EF4-FFF2-40B4-BE49-F238E27FC236}">
+                <a16:creationId xmlns:a16="http://schemas.microsoft.com/office/drawing/2014/main" id="{4CE8D76E-36A5-5741-AB03-34C57D020B0F}"/>
+              </a:ext>
+            </a:extLst>
+          </p:cNvPr>
+          <p:cNvSpPr/>
+          <p:nvPr/>
+        </p:nvSpPr>
+        <p:spPr>
+          <a:xfrm>
+            <a:off x="3669732" y="5426522"/>
+            <a:ext cx="990600" cy="478972"/>
+          </a:xfrm>
+          <a:prstGeom prst="rect">
+            <a:avLst/>
+          </a:prstGeom>
+          <a:noFill/>
+          <a:ln>
+            <a:noFill/>
+          </a:ln>
+        </p:spPr>
+        <p:style>
+          <a:lnRef idx="2">
+            <a:schemeClr val="accent1">
+              <a:shade val="50000"/>
+            </a:schemeClr>
+          </a:lnRef>
+          <a:fillRef idx="1">
+            <a:schemeClr val="accent1"/>
+          </a:fillRef>
+          <a:effectRef idx="0">
+            <a:schemeClr val="accent1"/>
+          </a:effectRef>
+          <a:fontRef idx="minor">
+            <a:schemeClr val="lt1"/>
+          </a:fontRef>
+        </p:style>
+        <p:txBody>
+          <a:bodyPr lIns="0" tIns="0" rIns="0" bIns="0" rtlCol="0" anchor="ctr" anchorCtr="0"/>
+          <a:lstStyle/>
+          <a:p>
+            <a:pPr algn="ctr"/>
+            <a:r>
+              <a:rPr lang="en-US" sz="1200" dirty="0">
+                <a:solidFill>
+                  <a:schemeClr val="tx1"/>
+                </a:solidFill>
+                <a:latin typeface="Avenir Book" panose="02000503020000020003" pitchFamily="2" charset="0"/>
+              </a:rPr>
+              <a:t>Start = 2</a:t>
+            </a:r>
+          </a:p>
+          <a:p>
+            <a:pPr algn="ctr"/>
+            <a:r>
+              <a:rPr lang="en-US" sz="1200" dirty="0">
+                <a:solidFill>
+                  <a:schemeClr val="tx1"/>
+                </a:solidFill>
+                <a:latin typeface="Avenir Book" panose="02000503020000020003" pitchFamily="2" charset="0"/>
+              </a:rPr>
+              <a:t>Length = 2</a:t>
+            </a:r>
+          </a:p>
+        </p:txBody>
+      </p:sp>
+      <p:sp>
+        <p:nvSpPr>
+          <p:cNvPr id="165" name="Rectangle 164">
+            <a:extLst>
+              <a:ext uri="{FF2B5EF4-FFF2-40B4-BE49-F238E27FC236}">
+                <a16:creationId xmlns:a16="http://schemas.microsoft.com/office/drawing/2014/main" id="{F5503885-1F3F-8544-8668-E661899D9B2E}"/>
+              </a:ext>
+            </a:extLst>
+          </p:cNvPr>
+          <p:cNvSpPr/>
+          <p:nvPr/>
+        </p:nvSpPr>
+        <p:spPr>
+          <a:xfrm>
+            <a:off x="4724485" y="4735479"/>
+            <a:ext cx="923014" cy="391981"/>
+          </a:xfrm>
+          <a:prstGeom prst="rect">
+            <a:avLst/>
+          </a:prstGeom>
+          <a:noFill/>
+          <a:ln>
+            <a:noFill/>
+          </a:ln>
+        </p:spPr>
+        <p:style>
+          <a:lnRef idx="2">
+            <a:schemeClr val="accent1">
+              <a:shade val="50000"/>
+            </a:schemeClr>
+          </a:lnRef>
+          <a:fillRef idx="1">
+            <a:schemeClr val="accent1"/>
+          </a:fillRef>
+          <a:effectRef idx="0">
+            <a:schemeClr val="accent1"/>
+          </a:effectRef>
+          <a:fontRef idx="minor">
+            <a:schemeClr val="lt1"/>
+          </a:fontRef>
+        </p:style>
+        <p:txBody>
+          <a:bodyPr lIns="0" tIns="0" rIns="0" bIns="0" rtlCol="0" anchor="ctr"/>
+          <a:lstStyle/>
+          <a:p>
+            <a:r>
+              <a:rPr lang="en-US" sz="1400" b="1" dirty="0">
+                <a:solidFill>
+                  <a:schemeClr val="tx1"/>
+                </a:solidFill>
+                <a:latin typeface="Avenir Book" panose="02000503020000020003" pitchFamily="2" charset="0"/>
+              </a:rPr>
+              <a:t>Correct</a:t>
+            </a:r>
+          </a:p>
+          <a:p>
+            <a:r>
+              <a:rPr lang="en-US" sz="1400" b="1" dirty="0">
+                <a:solidFill>
+                  <a:schemeClr val="tx1"/>
+                </a:solidFill>
+                <a:latin typeface="Avenir Book" panose="02000503020000020003" pitchFamily="2" charset="0"/>
+              </a:rPr>
+              <a:t>parity = 0</a:t>
+            </a:r>
+            <a:endParaRPr lang="en-US" sz="1400" dirty="0">
+              <a:solidFill>
+                <a:schemeClr val="tx1"/>
+              </a:solidFill>
+              <a:latin typeface="Avenir Book" panose="02000503020000020003" pitchFamily="2" charset="0"/>
+            </a:endParaRPr>
+          </a:p>
+        </p:txBody>
+      </p:sp>
+      <p:sp>
+        <p:nvSpPr>
+          <p:cNvPr id="166" name="Rectangle 165">
+            <a:extLst>
+              <a:ext uri="{FF2B5EF4-FFF2-40B4-BE49-F238E27FC236}">
+                <a16:creationId xmlns:a16="http://schemas.microsoft.com/office/drawing/2014/main" id="{34E71DFE-D347-CC40-911A-DE77FE788A8C}"/>
+              </a:ext>
+            </a:extLst>
+          </p:cNvPr>
+          <p:cNvSpPr/>
+          <p:nvPr/>
+        </p:nvSpPr>
+        <p:spPr>
+          <a:xfrm>
+            <a:off x="2567995" y="359770"/>
+            <a:ext cx="1177290" cy="457200"/>
+          </a:xfrm>
+          <a:prstGeom prst="rect">
+            <a:avLst/>
+          </a:prstGeom>
+          <a:noFill/>
+          <a:ln>
+            <a:noFill/>
+          </a:ln>
+        </p:spPr>
+        <p:style>
+          <a:lnRef idx="2">
+            <a:schemeClr val="accent1">
+              <a:shade val="50000"/>
+            </a:schemeClr>
+          </a:lnRef>
+          <a:fillRef idx="1">
+            <a:schemeClr val="accent1"/>
+          </a:fillRef>
+          <a:effectRef idx="0">
+            <a:schemeClr val="accent1"/>
+          </a:effectRef>
+          <a:fontRef idx="minor">
+            <a:schemeClr val="lt1"/>
+          </a:fontRef>
+        </p:style>
+        <p:txBody>
+          <a:bodyPr lIns="0" tIns="0" rIns="0" bIns="0" rtlCol="0" anchor="ctr"/>
+          <a:lstStyle/>
+          <a:p>
+            <a:pPr algn="ctr"/>
+            <a:r>
+              <a:rPr lang="en-US" sz="2000" b="1" dirty="0">
+                <a:solidFill>
+                  <a:schemeClr val="tx1"/>
+                </a:solidFill>
+                <a:latin typeface="Avenir Book" panose="02000503020000020003" pitchFamily="2" charset="0"/>
+              </a:rPr>
+              <a:t>Alice</a:t>
+            </a:r>
+          </a:p>
+        </p:txBody>
+      </p:sp>
+      <p:cxnSp>
+        <p:nvCxnSpPr>
+          <p:cNvPr id="167" name="Straight Arrow Connector 166">
+            <a:extLst>
+              <a:ext uri="{FF2B5EF4-FFF2-40B4-BE49-F238E27FC236}">
+                <a16:creationId xmlns:a16="http://schemas.microsoft.com/office/drawing/2014/main" id="{643AFBE3-5465-B543-AC63-6571C55B3905}"/>
+              </a:ext>
+            </a:extLst>
+          </p:cNvPr>
+          <p:cNvCxnSpPr>
+            <a:cxnSpLocks/>
+          </p:cNvCxnSpPr>
+          <p:nvPr/>
+        </p:nvCxnSpPr>
+        <p:spPr>
+          <a:xfrm>
+            <a:off x="6461359" y="274320"/>
+            <a:ext cx="0" cy="5806440"/>
+          </a:xfrm>
+          <a:prstGeom prst="straightConnector1">
+            <a:avLst/>
+          </a:prstGeom>
+          <a:ln w="12700" cap="rnd">
+            <a:solidFill>
+              <a:schemeClr val="tx1"/>
+            </a:solidFill>
+            <a:prstDash val="dash"/>
+            <a:headEnd type="none" w="med" len="med"/>
+            <a:tailEnd type="none" w="med" len="med"/>
+          </a:ln>
+        </p:spPr>
+        <p:style>
+          <a:lnRef idx="1">
+            <a:schemeClr val="accent1"/>
+          </a:lnRef>
+          <a:fillRef idx="0">
+            <a:schemeClr val="accent1"/>
+          </a:fillRef>
+          <a:effectRef idx="0">
+            <a:schemeClr val="accent1"/>
+          </a:effectRef>
+          <a:fontRef idx="minor">
+            <a:schemeClr val="tx1"/>
+          </a:fontRef>
+        </p:style>
+      </p:cxnSp>
+      <p:cxnSp>
+        <p:nvCxnSpPr>
+          <p:cNvPr id="171" name="Straight Arrow Connector 170">
+            <a:extLst>
+              <a:ext uri="{FF2B5EF4-FFF2-40B4-BE49-F238E27FC236}">
+                <a16:creationId xmlns:a16="http://schemas.microsoft.com/office/drawing/2014/main" id="{1A104EB7-1FD9-D049-8D4A-6EF05ACB48C4}"/>
+              </a:ext>
+            </a:extLst>
+          </p:cNvPr>
+          <p:cNvCxnSpPr>
+            <a:cxnSpLocks/>
+          </p:cNvCxnSpPr>
+          <p:nvPr/>
+        </p:nvCxnSpPr>
+        <p:spPr>
+          <a:xfrm flipH="1" flipV="1">
+            <a:off x="4446188" y="1303367"/>
+            <a:ext cx="2337525" cy="5456"/>
+          </a:xfrm>
+          <a:prstGeom prst="straightConnector1">
+            <a:avLst/>
+          </a:prstGeom>
+          <a:ln>
+            <a:solidFill>
+              <a:schemeClr val="tx1"/>
+            </a:solidFill>
+            <a:prstDash val="dash"/>
+            <a:headEnd type="triangle" w="med" len="med"/>
+            <a:tailEnd type="none" w="med" len="med"/>
+          </a:ln>
+        </p:spPr>
+        <p:style>
+          <a:lnRef idx="1">
+            <a:schemeClr val="accent1"/>
+          </a:lnRef>
+          <a:fillRef idx="0">
+            <a:schemeClr val="accent1"/>
+          </a:fillRef>
+          <a:effectRef idx="0">
+            <a:schemeClr val="accent1"/>
+          </a:effectRef>
+          <a:fontRef idx="minor">
+            <a:schemeClr val="tx1"/>
+          </a:fontRef>
+        </p:style>
+      </p:cxnSp>
+      <p:pic>
+        <p:nvPicPr>
+          <p:cNvPr id="173" name="Picture 172">
+            <a:extLst>
+              <a:ext uri="{FF2B5EF4-FFF2-40B4-BE49-F238E27FC236}">
+                <a16:creationId xmlns:a16="http://schemas.microsoft.com/office/drawing/2014/main" id="{05FDAFE4-10D1-DD4B-BC03-2317E9561DFD}"/>
+              </a:ext>
+            </a:extLst>
+          </p:cNvPr>
+          <p:cNvPicPr>
+            <a:picLocks noChangeAspect="1"/>
+          </p:cNvPicPr>
+          <p:nvPr/>
+        </p:nvPicPr>
+        <p:blipFill>
+          <a:blip r:embed="rId2"/>
+          <a:stretch>
+            <a:fillRect/>
+          </a:stretch>
+        </p:blipFill>
+        <p:spPr>
+          <a:xfrm>
+            <a:off x="5533995" y="1118781"/>
+            <a:ext cx="428922" cy="374628"/>
+          </a:xfrm>
+          <a:prstGeom prst="rect">
+            <a:avLst/>
+          </a:prstGeom>
+        </p:spPr>
+      </p:pic>
+    </p:spTree>
+    <p:extLst>
+      <p:ext uri="{BB962C8B-B14F-4D97-AF65-F5344CB8AC3E}">
+        <p14:creationId xmlns:p14="http://schemas.microsoft.com/office/powerpoint/2010/main" val="2929008543"/>
+      </p:ext>
+    </p:extLst>
+  </p:cSld>
+  <p:clrMapOvr>
+    <a:masterClrMapping/>
+  </p:clrMapOvr>
+</p:sld>
+</file>
+
+<file path=ppt/slides/slide11.xml><?xml version="1.0" encoding="utf-8"?>
+<p:sld xmlns:a="http://schemas.openxmlformats.org/drawingml/2006/main" xmlns:r="http://schemas.openxmlformats.org/officeDocument/2006/relationships" xmlns:p="http://schemas.openxmlformats.org/presentationml/2006/main">
+  <p:cSld>
+    <p:spTree>
+      <p:nvGrpSpPr>
+        <p:cNvPr id="1" name=""/>
+        <p:cNvGrpSpPr/>
+        <p:nvPr/>
+      </p:nvGrpSpPr>
+      <p:grpSpPr>
+        <a:xfrm>
+          <a:off x="0" y="0"/>
+          <a:ext cx="0" cy="0"/>
+          <a:chOff x="0" y="0"/>
+          <a:chExt cx="0" cy="0"/>
+        </a:xfrm>
+      </p:grpSpPr>
+      <p:grpSp>
+        <p:nvGrpSpPr>
+          <p:cNvPr id="2" name="Group 1">
+            <a:extLst>
+              <a:ext uri="{FF2B5EF4-FFF2-40B4-BE49-F238E27FC236}">
+                <a16:creationId xmlns:a16="http://schemas.microsoft.com/office/drawing/2014/main" id="{A2E0A66B-8AE8-7442-A980-F469314D1868}"/>
+              </a:ext>
+            </a:extLst>
+          </p:cNvPr>
+          <p:cNvGrpSpPr/>
+          <p:nvPr/>
+        </p:nvGrpSpPr>
+        <p:grpSpPr>
+          <a:xfrm>
+            <a:off x="8007597" y="1069988"/>
+            <a:ext cx="1981200" cy="696686"/>
+            <a:chOff x="4454071" y="1295400"/>
+            <a:chExt cx="1981200" cy="696686"/>
+          </a:xfrm>
+        </p:grpSpPr>
+        <p:sp>
+          <p:nvSpPr>
+            <p:cNvPr id="3" name="Rectangle 2">
+              <a:extLst>
+                <a:ext uri="{FF2B5EF4-FFF2-40B4-BE49-F238E27FC236}">
+                  <a16:creationId xmlns:a16="http://schemas.microsoft.com/office/drawing/2014/main" id="{B3CD04DC-8FF8-D44E-8157-1F35A8F2DE82}"/>
+                </a:ext>
+              </a:extLst>
+            </p:cNvPr>
+            <p:cNvSpPr/>
+            <p:nvPr/>
+          </p:nvSpPr>
+          <p:spPr>
+            <a:xfrm>
+              <a:off x="4454071" y="1295400"/>
+              <a:ext cx="495300" cy="457200"/>
+            </a:xfrm>
+            <a:prstGeom prst="rect">
+              <a:avLst/>
+            </a:prstGeom>
+            <a:noFill/>
+            <a:ln>
+              <a:solidFill>
+                <a:schemeClr val="tx1"/>
+              </a:solidFill>
+            </a:ln>
+          </p:spPr>
+          <p:style>
+            <a:lnRef idx="2">
+              <a:schemeClr val="accent1">
+                <a:shade val="50000"/>
+              </a:schemeClr>
+            </a:lnRef>
+            <a:fillRef idx="1">
+              <a:schemeClr val="accent1"/>
+            </a:fillRef>
+            <a:effectRef idx="0">
+              <a:schemeClr val="accent1"/>
+            </a:effectRef>
+            <a:fontRef idx="minor">
+              <a:schemeClr val="lt1"/>
+            </a:fontRef>
+          </p:style>
+          <p:txBody>
+            <a:bodyPr lIns="0" tIns="0" rIns="0" bIns="0" rtlCol="0" anchor="ctr"/>
+            <a:lstStyle/>
+            <a:p>
+              <a:pPr algn="ctr"/>
+              <a:r>
+                <a:rPr lang="en-US" dirty="0">
+                  <a:solidFill>
+                    <a:schemeClr val="tx1"/>
+                  </a:solidFill>
+                  <a:latin typeface="Avenir Book" panose="02000503020000020003" pitchFamily="2" charset="0"/>
+                </a:rPr>
+                <a:t>0</a:t>
+              </a:r>
+            </a:p>
+          </p:txBody>
+        </p:sp>
+        <p:sp>
+          <p:nvSpPr>
+            <p:cNvPr id="4" name="Rectangle 3">
+              <a:extLst>
+                <a:ext uri="{FF2B5EF4-FFF2-40B4-BE49-F238E27FC236}">
+                  <a16:creationId xmlns:a16="http://schemas.microsoft.com/office/drawing/2014/main" id="{812169F8-4B12-F244-8FCC-A54AA6472B46}"/>
+                </a:ext>
+              </a:extLst>
+            </p:cNvPr>
+            <p:cNvSpPr/>
+            <p:nvPr/>
+          </p:nvSpPr>
+          <p:spPr>
+            <a:xfrm>
+              <a:off x="4949371" y="1295400"/>
+              <a:ext cx="495300" cy="457200"/>
+            </a:xfrm>
+            <a:prstGeom prst="rect">
+              <a:avLst/>
+            </a:prstGeom>
+            <a:noFill/>
+            <a:ln>
+              <a:solidFill>
+                <a:schemeClr val="tx1"/>
+              </a:solidFill>
+            </a:ln>
+          </p:spPr>
+          <p:style>
+            <a:lnRef idx="2">
+              <a:schemeClr val="accent1">
+                <a:shade val="50000"/>
+              </a:schemeClr>
+            </a:lnRef>
+            <a:fillRef idx="1">
+              <a:schemeClr val="accent1"/>
+            </a:fillRef>
+            <a:effectRef idx="0">
+              <a:schemeClr val="accent1"/>
+            </a:effectRef>
+            <a:fontRef idx="minor">
+              <a:schemeClr val="lt1"/>
+            </a:fontRef>
+          </p:style>
+          <p:txBody>
+            <a:bodyPr lIns="0" tIns="0" rIns="0" bIns="0" rtlCol="0" anchor="ctr"/>
+            <a:lstStyle/>
+            <a:p>
+              <a:pPr algn="ctr"/>
+              <a:r>
+                <a:rPr lang="en-US" dirty="0">
+                  <a:solidFill>
+                    <a:schemeClr val="tx1"/>
+                  </a:solidFill>
+                  <a:latin typeface="Avenir Book" panose="02000503020000020003" pitchFamily="2" charset="0"/>
+                </a:rPr>
+                <a:t>1</a:t>
+              </a:r>
+            </a:p>
+          </p:txBody>
+        </p:sp>
+        <p:sp>
+          <p:nvSpPr>
+            <p:cNvPr id="5" name="Rectangle 4">
+              <a:extLst>
+                <a:ext uri="{FF2B5EF4-FFF2-40B4-BE49-F238E27FC236}">
+                  <a16:creationId xmlns:a16="http://schemas.microsoft.com/office/drawing/2014/main" id="{4E10C021-713C-AB4C-8354-35E50D3C6692}"/>
+                </a:ext>
+              </a:extLst>
+            </p:cNvPr>
+            <p:cNvSpPr/>
+            <p:nvPr/>
+          </p:nvSpPr>
+          <p:spPr>
+            <a:xfrm>
+              <a:off x="5444671" y="1295400"/>
+              <a:ext cx="495300" cy="457200"/>
+            </a:xfrm>
+            <a:prstGeom prst="rect">
+              <a:avLst/>
+            </a:prstGeom>
+            <a:solidFill>
+              <a:srgbClr val="FFC000"/>
+            </a:solidFill>
+            <a:ln>
+              <a:solidFill>
+                <a:schemeClr val="tx1"/>
+              </a:solidFill>
+            </a:ln>
+          </p:spPr>
+          <p:style>
+            <a:lnRef idx="2">
+              <a:schemeClr val="accent1">
+                <a:shade val="50000"/>
+              </a:schemeClr>
+            </a:lnRef>
+            <a:fillRef idx="1">
+              <a:schemeClr val="accent1"/>
+            </a:fillRef>
+            <a:effectRef idx="0">
+              <a:schemeClr val="accent1"/>
+            </a:effectRef>
+            <a:fontRef idx="minor">
+              <a:schemeClr val="lt1"/>
+            </a:fontRef>
+          </p:style>
+          <p:txBody>
+            <a:bodyPr lIns="0" tIns="0" rIns="0" bIns="0" rtlCol="0" anchor="ctr"/>
+            <a:lstStyle/>
+            <a:p>
+              <a:pPr algn="ctr"/>
+              <a:r>
+                <a:rPr lang="en-US" dirty="0">
+                  <a:solidFill>
+                    <a:schemeClr val="tx1"/>
+                  </a:solidFill>
+                  <a:latin typeface="Avenir Book" panose="02000503020000020003" pitchFamily="2" charset="0"/>
+                </a:rPr>
+                <a:t>1</a:t>
+              </a:r>
+            </a:p>
+          </p:txBody>
+        </p:sp>
+        <p:sp>
+          <p:nvSpPr>
+            <p:cNvPr id="6" name="Rectangle 5">
+              <a:extLst>
+                <a:ext uri="{FF2B5EF4-FFF2-40B4-BE49-F238E27FC236}">
+                  <a16:creationId xmlns:a16="http://schemas.microsoft.com/office/drawing/2014/main" id="{0714A9D4-7A02-204D-BC01-B687CDF8239F}"/>
+                </a:ext>
+              </a:extLst>
+            </p:cNvPr>
+            <p:cNvSpPr/>
+            <p:nvPr/>
+          </p:nvSpPr>
+          <p:spPr>
+            <a:xfrm>
+              <a:off x="5939971" y="1295400"/>
+              <a:ext cx="495300" cy="457200"/>
+            </a:xfrm>
+            <a:prstGeom prst="rect">
+              <a:avLst/>
+            </a:prstGeom>
+            <a:noFill/>
+            <a:ln>
+              <a:solidFill>
+                <a:schemeClr val="tx1"/>
+              </a:solidFill>
+            </a:ln>
+          </p:spPr>
+          <p:style>
+            <a:lnRef idx="2">
+              <a:schemeClr val="accent1">
+                <a:shade val="50000"/>
+              </a:schemeClr>
+            </a:lnRef>
+            <a:fillRef idx="1">
+              <a:schemeClr val="accent1"/>
+            </a:fillRef>
+            <a:effectRef idx="0">
+              <a:schemeClr val="accent1"/>
+            </a:effectRef>
+            <a:fontRef idx="minor">
+              <a:schemeClr val="lt1"/>
+            </a:fontRef>
+          </p:style>
+          <p:txBody>
+            <a:bodyPr lIns="0" tIns="0" rIns="0" bIns="0" rtlCol="0" anchor="ctr"/>
+            <a:lstStyle/>
+            <a:p>
+              <a:pPr algn="ctr"/>
+              <a:r>
+                <a:rPr lang="en-US" dirty="0">
+                  <a:solidFill>
+                    <a:schemeClr val="tx1"/>
+                  </a:solidFill>
+                  <a:latin typeface="Avenir Book" panose="02000503020000020003" pitchFamily="2" charset="0"/>
+                </a:rPr>
+                <a:t>0</a:t>
+              </a:r>
+            </a:p>
+          </p:txBody>
+        </p:sp>
+        <p:sp>
+          <p:nvSpPr>
+            <p:cNvPr id="7" name="Rectangle 6">
+              <a:extLst>
+                <a:ext uri="{FF2B5EF4-FFF2-40B4-BE49-F238E27FC236}">
+                  <a16:creationId xmlns:a16="http://schemas.microsoft.com/office/drawing/2014/main" id="{CB5CD662-6D12-BE4A-B7FE-0CA002F7057A}"/>
+                </a:ext>
+              </a:extLst>
+            </p:cNvPr>
+            <p:cNvSpPr/>
+            <p:nvPr/>
+          </p:nvSpPr>
+          <p:spPr>
+            <a:xfrm>
+              <a:off x="4454071" y="1752600"/>
+              <a:ext cx="495300" cy="239486"/>
+            </a:xfrm>
+            <a:prstGeom prst="rect">
+              <a:avLst/>
+            </a:prstGeom>
+            <a:noFill/>
+            <a:ln>
+              <a:noFill/>
+            </a:ln>
+          </p:spPr>
+          <p:style>
+            <a:lnRef idx="2">
+              <a:schemeClr val="accent1">
+                <a:shade val="50000"/>
+              </a:schemeClr>
+            </a:lnRef>
+            <a:fillRef idx="1">
+              <a:schemeClr val="accent1"/>
+            </a:fillRef>
+            <a:effectRef idx="0">
+              <a:schemeClr val="accent1"/>
+            </a:effectRef>
+            <a:fontRef idx="minor">
+              <a:schemeClr val="lt1"/>
+            </a:fontRef>
+          </p:style>
+          <p:txBody>
+            <a:bodyPr lIns="0" tIns="0" rIns="0" bIns="0" rtlCol="0" anchor="b" anchorCtr="0"/>
+            <a:lstStyle/>
+            <a:p>
+              <a:pPr algn="ctr"/>
+              <a:r>
+                <a:rPr lang="en-US" sz="1200" dirty="0">
+                  <a:solidFill>
+                    <a:schemeClr val="tx1"/>
+                  </a:solidFill>
+                  <a:latin typeface="Avenir Book" panose="02000503020000020003" pitchFamily="2" charset="0"/>
+                </a:rPr>
+                <a:t>0</a:t>
+              </a:r>
+            </a:p>
+          </p:txBody>
+        </p:sp>
+        <p:sp>
+          <p:nvSpPr>
+            <p:cNvPr id="8" name="Rectangle 7">
+              <a:extLst>
+                <a:ext uri="{FF2B5EF4-FFF2-40B4-BE49-F238E27FC236}">
+                  <a16:creationId xmlns:a16="http://schemas.microsoft.com/office/drawing/2014/main" id="{B2E9109A-9AD5-8341-A24E-9E3A331DC888}"/>
+                </a:ext>
+              </a:extLst>
+            </p:cNvPr>
+            <p:cNvSpPr/>
+            <p:nvPr/>
+          </p:nvSpPr>
+          <p:spPr>
+            <a:xfrm>
+              <a:off x="4949371" y="1752600"/>
+              <a:ext cx="495300" cy="239486"/>
+            </a:xfrm>
+            <a:prstGeom prst="rect">
+              <a:avLst/>
+            </a:prstGeom>
+            <a:noFill/>
+            <a:ln>
+              <a:noFill/>
+            </a:ln>
+          </p:spPr>
+          <p:style>
+            <a:lnRef idx="2">
+              <a:schemeClr val="accent1">
+                <a:shade val="50000"/>
+              </a:schemeClr>
+            </a:lnRef>
+            <a:fillRef idx="1">
+              <a:schemeClr val="accent1"/>
+            </a:fillRef>
+            <a:effectRef idx="0">
+              <a:schemeClr val="accent1"/>
+            </a:effectRef>
+            <a:fontRef idx="minor">
+              <a:schemeClr val="lt1"/>
+            </a:fontRef>
+          </p:style>
+          <p:txBody>
+            <a:bodyPr lIns="0" tIns="0" rIns="0" bIns="0" rtlCol="0" anchor="b" anchorCtr="0"/>
+            <a:lstStyle/>
+            <a:p>
+              <a:pPr algn="ctr"/>
+              <a:r>
+                <a:rPr lang="en-US" sz="1200" dirty="0">
+                  <a:solidFill>
+                    <a:schemeClr val="tx1"/>
+                  </a:solidFill>
+                  <a:latin typeface="Avenir Book" panose="02000503020000020003" pitchFamily="2" charset="0"/>
+                </a:rPr>
+                <a:t>1</a:t>
+              </a:r>
+            </a:p>
+          </p:txBody>
+        </p:sp>
+        <p:sp>
+          <p:nvSpPr>
+            <p:cNvPr id="9" name="Rectangle 8">
+              <a:extLst>
+                <a:ext uri="{FF2B5EF4-FFF2-40B4-BE49-F238E27FC236}">
+                  <a16:creationId xmlns:a16="http://schemas.microsoft.com/office/drawing/2014/main" id="{98CEB25F-3805-3247-855C-AAF6BE853C16}"/>
+                </a:ext>
+              </a:extLst>
+            </p:cNvPr>
+            <p:cNvSpPr/>
+            <p:nvPr/>
+          </p:nvSpPr>
+          <p:spPr>
+            <a:xfrm>
+              <a:off x="5444671" y="1752600"/>
+              <a:ext cx="495300" cy="239486"/>
+            </a:xfrm>
+            <a:prstGeom prst="rect">
+              <a:avLst/>
+            </a:prstGeom>
+            <a:noFill/>
+            <a:ln>
+              <a:noFill/>
+            </a:ln>
+          </p:spPr>
+          <p:style>
+            <a:lnRef idx="2">
+              <a:schemeClr val="accent1">
+                <a:shade val="50000"/>
+              </a:schemeClr>
+            </a:lnRef>
+            <a:fillRef idx="1">
+              <a:schemeClr val="accent1"/>
+            </a:fillRef>
+            <a:effectRef idx="0">
+              <a:schemeClr val="accent1"/>
+            </a:effectRef>
+            <a:fontRef idx="minor">
+              <a:schemeClr val="lt1"/>
+            </a:fontRef>
+          </p:style>
+          <p:txBody>
+            <a:bodyPr lIns="0" tIns="0" rIns="0" bIns="0" rtlCol="0" anchor="b" anchorCtr="0"/>
+            <a:lstStyle/>
+            <a:p>
+              <a:pPr algn="ctr"/>
+              <a:r>
+                <a:rPr lang="en-US" sz="1200" dirty="0">
+                  <a:solidFill>
+                    <a:schemeClr val="tx1"/>
+                  </a:solidFill>
+                  <a:latin typeface="Avenir Book" panose="02000503020000020003" pitchFamily="2" charset="0"/>
+                </a:rPr>
+                <a:t>2</a:t>
+              </a:r>
+            </a:p>
+          </p:txBody>
+        </p:sp>
+        <p:sp>
+          <p:nvSpPr>
+            <p:cNvPr id="10" name="Rectangle 9">
+              <a:extLst>
+                <a:ext uri="{FF2B5EF4-FFF2-40B4-BE49-F238E27FC236}">
+                  <a16:creationId xmlns:a16="http://schemas.microsoft.com/office/drawing/2014/main" id="{D702AC00-45AD-2740-AAB1-649303F1722C}"/>
+                </a:ext>
+              </a:extLst>
+            </p:cNvPr>
+            <p:cNvSpPr/>
+            <p:nvPr/>
+          </p:nvSpPr>
+          <p:spPr>
+            <a:xfrm>
+              <a:off x="5939971" y="1752600"/>
+              <a:ext cx="495300" cy="239486"/>
+            </a:xfrm>
+            <a:prstGeom prst="rect">
+              <a:avLst/>
+            </a:prstGeom>
+            <a:noFill/>
+            <a:ln>
+              <a:noFill/>
+            </a:ln>
+          </p:spPr>
+          <p:style>
+            <a:lnRef idx="2">
+              <a:schemeClr val="accent1">
+                <a:shade val="50000"/>
+              </a:schemeClr>
+            </a:lnRef>
+            <a:fillRef idx="1">
+              <a:schemeClr val="accent1"/>
+            </a:fillRef>
+            <a:effectRef idx="0">
+              <a:schemeClr val="accent1"/>
+            </a:effectRef>
+            <a:fontRef idx="minor">
+              <a:schemeClr val="lt1"/>
+            </a:fontRef>
+          </p:style>
+          <p:txBody>
+            <a:bodyPr lIns="0" tIns="0" rIns="0" bIns="0" rtlCol="0" anchor="b" anchorCtr="0"/>
+            <a:lstStyle/>
+            <a:p>
+              <a:pPr algn="ctr"/>
+              <a:r>
+                <a:rPr lang="en-US" sz="1200" dirty="0">
+                  <a:solidFill>
+                    <a:schemeClr val="tx1"/>
+                  </a:solidFill>
+                  <a:latin typeface="Avenir Book" panose="02000503020000020003" pitchFamily="2" charset="0"/>
+                </a:rPr>
+                <a:t>3</a:t>
+              </a:r>
+            </a:p>
+          </p:txBody>
+        </p:sp>
+      </p:grpSp>
+      <p:sp>
+        <p:nvSpPr>
+          <p:cNvPr id="11" name="Rectangle 10">
+            <a:extLst>
+              <a:ext uri="{FF2B5EF4-FFF2-40B4-BE49-F238E27FC236}">
+                <a16:creationId xmlns:a16="http://schemas.microsoft.com/office/drawing/2014/main" id="{89573B06-5F4D-7547-8F65-284BE7413996}"/>
+              </a:ext>
+            </a:extLst>
+          </p:cNvPr>
+          <p:cNvSpPr/>
+          <p:nvPr/>
+        </p:nvSpPr>
+        <p:spPr>
+          <a:xfrm>
+            <a:off x="6693247" y="1069988"/>
+            <a:ext cx="1177290" cy="457200"/>
+          </a:xfrm>
+          <a:prstGeom prst="rect">
+            <a:avLst/>
+          </a:prstGeom>
+          <a:noFill/>
+          <a:ln>
+            <a:noFill/>
+          </a:ln>
+        </p:spPr>
+        <p:style>
+          <a:lnRef idx="2">
+            <a:schemeClr val="accent1">
+              <a:shade val="50000"/>
+            </a:schemeClr>
+          </a:lnRef>
+          <a:fillRef idx="1">
+            <a:schemeClr val="accent1"/>
+          </a:fillRef>
+          <a:effectRef idx="0">
+            <a:schemeClr val="accent1"/>
+          </a:effectRef>
+          <a:fontRef idx="minor">
+            <a:schemeClr val="lt1"/>
+          </a:fontRef>
+        </p:style>
+        <p:txBody>
+          <a:bodyPr lIns="0" tIns="0" rIns="0" bIns="0" rtlCol="0" anchor="ctr"/>
+          <a:lstStyle/>
+          <a:p>
+            <a:pPr algn="r"/>
+            <a:r>
+              <a:rPr lang="en-US" dirty="0">
+                <a:solidFill>
+                  <a:schemeClr val="tx1"/>
+                </a:solidFill>
+                <a:latin typeface="Avenir Book" panose="02000503020000020003" pitchFamily="2" charset="0"/>
+              </a:rPr>
+              <a:t>Noisy key</a:t>
+            </a:r>
+          </a:p>
+        </p:txBody>
+      </p:sp>
+      <p:grpSp>
+        <p:nvGrpSpPr>
+          <p:cNvPr id="12" name="Group 11">
+            <a:extLst>
+              <a:ext uri="{FF2B5EF4-FFF2-40B4-BE49-F238E27FC236}">
+                <a16:creationId xmlns:a16="http://schemas.microsoft.com/office/drawing/2014/main" id="{E54249EB-8FCB-184F-B588-03FC92E330DF}"/>
+              </a:ext>
+            </a:extLst>
+          </p:cNvPr>
+          <p:cNvGrpSpPr/>
+          <p:nvPr/>
+        </p:nvGrpSpPr>
+        <p:grpSpPr>
+          <a:xfrm>
+            <a:off x="8007597" y="2923206"/>
+            <a:ext cx="1981200" cy="696686"/>
+            <a:chOff x="4454071" y="2362200"/>
+            <a:chExt cx="1981200" cy="696686"/>
+          </a:xfrm>
+        </p:grpSpPr>
+        <p:sp>
+          <p:nvSpPr>
+            <p:cNvPr id="13" name="Rectangle 12">
+              <a:extLst>
+                <a:ext uri="{FF2B5EF4-FFF2-40B4-BE49-F238E27FC236}">
+                  <a16:creationId xmlns:a16="http://schemas.microsoft.com/office/drawing/2014/main" id="{71DF2C01-D507-D848-A8F4-A75E66903A9B}"/>
+                </a:ext>
+              </a:extLst>
+            </p:cNvPr>
+            <p:cNvSpPr/>
+            <p:nvPr/>
+          </p:nvSpPr>
+          <p:spPr>
+            <a:xfrm>
+              <a:off x="4454071" y="2362200"/>
+              <a:ext cx="495300" cy="457200"/>
+            </a:xfrm>
+            <a:prstGeom prst="rect">
+              <a:avLst/>
+            </a:prstGeom>
+            <a:noFill/>
+            <a:ln>
+              <a:solidFill>
+                <a:schemeClr val="tx1"/>
+              </a:solidFill>
+            </a:ln>
+          </p:spPr>
+          <p:style>
+            <a:lnRef idx="2">
+              <a:schemeClr val="accent1">
+                <a:shade val="50000"/>
+              </a:schemeClr>
+            </a:lnRef>
+            <a:fillRef idx="1">
+              <a:schemeClr val="accent1"/>
+            </a:fillRef>
+            <a:effectRef idx="0">
+              <a:schemeClr val="accent1"/>
+            </a:effectRef>
+            <a:fontRef idx="minor">
+              <a:schemeClr val="lt1"/>
+            </a:fontRef>
+          </p:style>
+          <p:txBody>
+            <a:bodyPr lIns="0" tIns="0" rIns="0" bIns="0" rtlCol="0" anchor="ctr"/>
+            <a:lstStyle/>
+            <a:p>
+              <a:pPr algn="ctr"/>
+              <a:r>
+                <a:rPr lang="en-US" dirty="0">
+                  <a:solidFill>
+                    <a:schemeClr val="tx1"/>
+                  </a:solidFill>
+                  <a:latin typeface="Avenir Book" panose="02000503020000020003" pitchFamily="2" charset="0"/>
+                </a:rPr>
+                <a:t>1</a:t>
+              </a:r>
+            </a:p>
+          </p:txBody>
+        </p:sp>
+        <p:sp>
+          <p:nvSpPr>
+            <p:cNvPr id="14" name="Rectangle 13">
+              <a:extLst>
+                <a:ext uri="{FF2B5EF4-FFF2-40B4-BE49-F238E27FC236}">
+                  <a16:creationId xmlns:a16="http://schemas.microsoft.com/office/drawing/2014/main" id="{FDD8832C-48FA-A34A-A499-66AF19F7462A}"/>
+                </a:ext>
+              </a:extLst>
+            </p:cNvPr>
+            <p:cNvSpPr/>
+            <p:nvPr/>
+          </p:nvSpPr>
+          <p:spPr>
+            <a:xfrm>
+              <a:off x="4949371" y="2362200"/>
+              <a:ext cx="495300" cy="457200"/>
+            </a:xfrm>
+            <a:prstGeom prst="rect">
+              <a:avLst/>
+            </a:prstGeom>
+            <a:noFill/>
+            <a:ln>
+              <a:solidFill>
+                <a:schemeClr val="tx1"/>
+              </a:solidFill>
+            </a:ln>
+          </p:spPr>
+          <p:style>
+            <a:lnRef idx="2">
+              <a:schemeClr val="accent1">
+                <a:shade val="50000"/>
+              </a:schemeClr>
+            </a:lnRef>
+            <a:fillRef idx="1">
+              <a:schemeClr val="accent1"/>
+            </a:fillRef>
+            <a:effectRef idx="0">
+              <a:schemeClr val="accent1"/>
+            </a:effectRef>
+            <a:fontRef idx="minor">
+              <a:schemeClr val="lt1"/>
+            </a:fontRef>
+          </p:style>
+          <p:txBody>
+            <a:bodyPr lIns="0" tIns="0" rIns="0" bIns="0" rtlCol="0" anchor="ctr"/>
+            <a:lstStyle/>
+            <a:p>
+              <a:pPr algn="ctr"/>
+              <a:r>
+                <a:rPr lang="en-US" dirty="0">
+                  <a:solidFill>
+                    <a:schemeClr val="tx1"/>
+                  </a:solidFill>
+                  <a:latin typeface="Avenir Book" panose="02000503020000020003" pitchFamily="2" charset="0"/>
+                </a:rPr>
+                <a:t>0</a:t>
+              </a:r>
+            </a:p>
+          </p:txBody>
+        </p:sp>
+        <p:sp>
+          <p:nvSpPr>
+            <p:cNvPr id="15" name="Rectangle 14">
+              <a:extLst>
+                <a:ext uri="{FF2B5EF4-FFF2-40B4-BE49-F238E27FC236}">
+                  <a16:creationId xmlns:a16="http://schemas.microsoft.com/office/drawing/2014/main" id="{7E22ADCC-5DB6-2348-A83A-2D83C34E486F}"/>
+                </a:ext>
+              </a:extLst>
+            </p:cNvPr>
+            <p:cNvSpPr/>
+            <p:nvPr/>
+          </p:nvSpPr>
+          <p:spPr>
+            <a:xfrm>
+              <a:off x="5444671" y="2362200"/>
+              <a:ext cx="495300" cy="457200"/>
+            </a:xfrm>
+            <a:prstGeom prst="rect">
+              <a:avLst/>
+            </a:prstGeom>
+            <a:noFill/>
+            <a:ln>
+              <a:solidFill>
+                <a:schemeClr val="tx1"/>
+              </a:solidFill>
+            </a:ln>
+          </p:spPr>
+          <p:style>
+            <a:lnRef idx="2">
+              <a:schemeClr val="accent1">
+                <a:shade val="50000"/>
+              </a:schemeClr>
+            </a:lnRef>
+            <a:fillRef idx="1">
+              <a:schemeClr val="accent1"/>
+            </a:fillRef>
+            <a:effectRef idx="0">
+              <a:schemeClr val="accent1"/>
+            </a:effectRef>
+            <a:fontRef idx="minor">
+              <a:schemeClr val="lt1"/>
+            </a:fontRef>
+          </p:style>
+          <p:txBody>
+            <a:bodyPr lIns="0" tIns="0" rIns="0" bIns="0" rtlCol="0" anchor="ctr"/>
+            <a:lstStyle/>
+            <a:p>
+              <a:pPr algn="ctr"/>
+              <a:r>
+                <a:rPr lang="en-US" dirty="0">
+                  <a:solidFill>
+                    <a:schemeClr val="tx1"/>
+                  </a:solidFill>
+                  <a:latin typeface="Avenir Book" panose="02000503020000020003" pitchFamily="2" charset="0"/>
+                </a:rPr>
+                <a:t>0</a:t>
+              </a:r>
+            </a:p>
+          </p:txBody>
+        </p:sp>
+        <p:sp>
+          <p:nvSpPr>
+            <p:cNvPr id="16" name="Rectangle 15">
+              <a:extLst>
+                <a:ext uri="{FF2B5EF4-FFF2-40B4-BE49-F238E27FC236}">
+                  <a16:creationId xmlns:a16="http://schemas.microsoft.com/office/drawing/2014/main" id="{F392BC09-82DA-A443-A898-314D58E39803}"/>
+                </a:ext>
+              </a:extLst>
+            </p:cNvPr>
+            <p:cNvSpPr/>
+            <p:nvPr/>
+          </p:nvSpPr>
+          <p:spPr>
+            <a:xfrm>
+              <a:off x="5939971" y="2362200"/>
+              <a:ext cx="495300" cy="457200"/>
+            </a:xfrm>
+            <a:prstGeom prst="rect">
+              <a:avLst/>
+            </a:prstGeom>
+            <a:solidFill>
+              <a:srgbClr val="FFC000"/>
+            </a:solidFill>
+            <a:ln>
+              <a:solidFill>
+                <a:schemeClr val="tx1"/>
+              </a:solidFill>
+            </a:ln>
+          </p:spPr>
+          <p:style>
+            <a:lnRef idx="2">
+              <a:schemeClr val="accent1">
+                <a:shade val="50000"/>
+              </a:schemeClr>
+            </a:lnRef>
+            <a:fillRef idx="1">
+              <a:schemeClr val="accent1"/>
+            </a:fillRef>
+            <a:effectRef idx="0">
+              <a:schemeClr val="accent1"/>
+            </a:effectRef>
+            <a:fontRef idx="minor">
+              <a:schemeClr val="lt1"/>
+            </a:fontRef>
+          </p:style>
+          <p:txBody>
+            <a:bodyPr lIns="0" tIns="0" rIns="0" bIns="0" rtlCol="0" anchor="ctr"/>
+            <a:lstStyle/>
+            <a:p>
+              <a:pPr algn="ctr"/>
+              <a:r>
+                <a:rPr lang="en-US" dirty="0">
+                  <a:solidFill>
+                    <a:schemeClr val="tx1"/>
+                  </a:solidFill>
+                  <a:latin typeface="Avenir Book" panose="02000503020000020003" pitchFamily="2" charset="0"/>
+                </a:rPr>
+                <a:t>1</a:t>
+              </a:r>
+            </a:p>
+          </p:txBody>
+        </p:sp>
+        <p:sp>
+          <p:nvSpPr>
+            <p:cNvPr id="17" name="Rectangle 16">
+              <a:extLst>
+                <a:ext uri="{FF2B5EF4-FFF2-40B4-BE49-F238E27FC236}">
+                  <a16:creationId xmlns:a16="http://schemas.microsoft.com/office/drawing/2014/main" id="{2CC2C8C1-634D-2142-81CD-37EEA1339993}"/>
+                </a:ext>
+              </a:extLst>
+            </p:cNvPr>
+            <p:cNvSpPr/>
+            <p:nvPr/>
+          </p:nvSpPr>
+          <p:spPr>
+            <a:xfrm>
+              <a:off x="4454071" y="2819400"/>
+              <a:ext cx="495300" cy="239486"/>
+            </a:xfrm>
+            <a:prstGeom prst="rect">
+              <a:avLst/>
+            </a:prstGeom>
+            <a:noFill/>
+            <a:ln>
+              <a:noFill/>
+            </a:ln>
+          </p:spPr>
+          <p:style>
+            <a:lnRef idx="2">
+              <a:schemeClr val="accent1">
+                <a:shade val="50000"/>
+              </a:schemeClr>
+            </a:lnRef>
+            <a:fillRef idx="1">
+              <a:schemeClr val="accent1"/>
+            </a:fillRef>
+            <a:effectRef idx="0">
+              <a:schemeClr val="accent1"/>
+            </a:effectRef>
+            <a:fontRef idx="minor">
+              <a:schemeClr val="lt1"/>
+            </a:fontRef>
+          </p:style>
+          <p:txBody>
+            <a:bodyPr lIns="0" tIns="0" rIns="0" bIns="0" rtlCol="0" anchor="b" anchorCtr="0"/>
+            <a:lstStyle/>
+            <a:p>
+              <a:pPr algn="ctr"/>
+              <a:r>
+                <a:rPr lang="en-US" sz="1200" dirty="0">
+                  <a:solidFill>
+                    <a:schemeClr val="tx1"/>
+                  </a:solidFill>
+                  <a:latin typeface="Avenir Book" panose="02000503020000020003" pitchFamily="2" charset="0"/>
+                </a:rPr>
+                <a:t>0</a:t>
+              </a:r>
+            </a:p>
+          </p:txBody>
+        </p:sp>
+        <p:sp>
+          <p:nvSpPr>
+            <p:cNvPr id="18" name="Rectangle 17">
+              <a:extLst>
+                <a:ext uri="{FF2B5EF4-FFF2-40B4-BE49-F238E27FC236}">
+                  <a16:creationId xmlns:a16="http://schemas.microsoft.com/office/drawing/2014/main" id="{4CC7EBB3-E4D4-6242-9B25-D0AE4DDE85AC}"/>
+                </a:ext>
+              </a:extLst>
+            </p:cNvPr>
+            <p:cNvSpPr/>
+            <p:nvPr/>
+          </p:nvSpPr>
+          <p:spPr>
+            <a:xfrm>
+              <a:off x="4949371" y="2819400"/>
+              <a:ext cx="495300" cy="239486"/>
+            </a:xfrm>
+            <a:prstGeom prst="rect">
+              <a:avLst/>
+            </a:prstGeom>
+            <a:noFill/>
+            <a:ln>
+              <a:noFill/>
+            </a:ln>
+          </p:spPr>
+          <p:style>
+            <a:lnRef idx="2">
+              <a:schemeClr val="accent1">
+                <a:shade val="50000"/>
+              </a:schemeClr>
+            </a:lnRef>
+            <a:fillRef idx="1">
+              <a:schemeClr val="accent1"/>
+            </a:fillRef>
+            <a:effectRef idx="0">
+              <a:schemeClr val="accent1"/>
+            </a:effectRef>
+            <a:fontRef idx="minor">
+              <a:schemeClr val="lt1"/>
+            </a:fontRef>
+          </p:style>
+          <p:txBody>
+            <a:bodyPr lIns="0" tIns="0" rIns="0" bIns="0" rtlCol="0" anchor="b" anchorCtr="0"/>
+            <a:lstStyle/>
+            <a:p>
+              <a:pPr algn="ctr"/>
+              <a:r>
+                <a:rPr lang="en-US" sz="1200" dirty="0">
+                  <a:solidFill>
+                    <a:schemeClr val="tx1"/>
+                  </a:solidFill>
+                  <a:latin typeface="Avenir Book" panose="02000503020000020003" pitchFamily="2" charset="0"/>
+                </a:rPr>
+                <a:t>1</a:t>
+              </a:r>
+            </a:p>
+          </p:txBody>
+        </p:sp>
+        <p:sp>
+          <p:nvSpPr>
+            <p:cNvPr id="19" name="Rectangle 18">
+              <a:extLst>
+                <a:ext uri="{FF2B5EF4-FFF2-40B4-BE49-F238E27FC236}">
+                  <a16:creationId xmlns:a16="http://schemas.microsoft.com/office/drawing/2014/main" id="{B497F3A3-C415-5C4B-B0B6-4A92FFD31089}"/>
+                </a:ext>
+              </a:extLst>
+            </p:cNvPr>
+            <p:cNvSpPr/>
+            <p:nvPr/>
+          </p:nvSpPr>
+          <p:spPr>
+            <a:xfrm>
+              <a:off x="5444671" y="2819400"/>
+              <a:ext cx="495300" cy="239486"/>
+            </a:xfrm>
+            <a:prstGeom prst="rect">
+              <a:avLst/>
+            </a:prstGeom>
+            <a:noFill/>
+            <a:ln>
+              <a:noFill/>
+            </a:ln>
+          </p:spPr>
+          <p:style>
+            <a:lnRef idx="2">
+              <a:schemeClr val="accent1">
+                <a:shade val="50000"/>
+              </a:schemeClr>
+            </a:lnRef>
+            <a:fillRef idx="1">
+              <a:schemeClr val="accent1"/>
+            </a:fillRef>
+            <a:effectRef idx="0">
+              <a:schemeClr val="accent1"/>
+            </a:effectRef>
+            <a:fontRef idx="minor">
+              <a:schemeClr val="lt1"/>
+            </a:fontRef>
+          </p:style>
+          <p:txBody>
+            <a:bodyPr lIns="0" tIns="0" rIns="0" bIns="0" rtlCol="0" anchor="b" anchorCtr="0"/>
+            <a:lstStyle/>
+            <a:p>
+              <a:pPr algn="ctr"/>
+              <a:r>
+                <a:rPr lang="en-US" sz="1200" dirty="0">
+                  <a:solidFill>
+                    <a:schemeClr val="tx1"/>
+                  </a:solidFill>
+                  <a:latin typeface="Avenir Book" panose="02000503020000020003" pitchFamily="2" charset="0"/>
+                </a:rPr>
+                <a:t>2</a:t>
+              </a:r>
+            </a:p>
+          </p:txBody>
+        </p:sp>
+        <p:sp>
+          <p:nvSpPr>
+            <p:cNvPr id="20" name="Rectangle 19">
+              <a:extLst>
+                <a:ext uri="{FF2B5EF4-FFF2-40B4-BE49-F238E27FC236}">
+                  <a16:creationId xmlns:a16="http://schemas.microsoft.com/office/drawing/2014/main" id="{0FB9A741-0686-B941-B3E0-E708A55DEABF}"/>
+                </a:ext>
+              </a:extLst>
+            </p:cNvPr>
+            <p:cNvSpPr/>
+            <p:nvPr/>
+          </p:nvSpPr>
+          <p:spPr>
+            <a:xfrm>
+              <a:off x="5939971" y="2819400"/>
+              <a:ext cx="495300" cy="239486"/>
+            </a:xfrm>
+            <a:prstGeom prst="rect">
+              <a:avLst/>
+            </a:prstGeom>
+            <a:noFill/>
+            <a:ln>
+              <a:noFill/>
+            </a:ln>
+          </p:spPr>
+          <p:style>
+            <a:lnRef idx="2">
+              <a:schemeClr val="accent1">
+                <a:shade val="50000"/>
+              </a:schemeClr>
+            </a:lnRef>
+            <a:fillRef idx="1">
+              <a:schemeClr val="accent1"/>
+            </a:fillRef>
+            <a:effectRef idx="0">
+              <a:schemeClr val="accent1"/>
+            </a:effectRef>
+            <a:fontRef idx="minor">
+              <a:schemeClr val="lt1"/>
+            </a:fontRef>
+          </p:style>
+          <p:txBody>
+            <a:bodyPr lIns="0" tIns="0" rIns="0" bIns="0" rtlCol="0" anchor="b" anchorCtr="0"/>
+            <a:lstStyle/>
+            <a:p>
+              <a:pPr algn="ctr"/>
+              <a:r>
+                <a:rPr lang="en-US" sz="1200" dirty="0">
+                  <a:solidFill>
+                    <a:schemeClr val="tx1"/>
+                  </a:solidFill>
+                  <a:latin typeface="Avenir Book" panose="02000503020000020003" pitchFamily="2" charset="0"/>
+                </a:rPr>
+                <a:t>3</a:t>
+              </a:r>
+            </a:p>
+          </p:txBody>
+        </p:sp>
+      </p:grpSp>
+      <p:cxnSp>
+        <p:nvCxnSpPr>
+          <p:cNvPr id="21" name="Straight Arrow Connector 20">
+            <a:extLst>
+              <a:ext uri="{FF2B5EF4-FFF2-40B4-BE49-F238E27FC236}">
+                <a16:creationId xmlns:a16="http://schemas.microsoft.com/office/drawing/2014/main" id="{34B1B73D-AE1C-4443-90C9-6B84823E85EC}"/>
+              </a:ext>
+            </a:extLst>
+          </p:cNvPr>
+          <p:cNvCxnSpPr>
+            <a:cxnSpLocks/>
+          </p:cNvCxnSpPr>
+          <p:nvPr/>
+        </p:nvCxnSpPr>
+        <p:spPr>
+          <a:xfrm>
+            <a:off x="8292878" y="2289188"/>
+            <a:ext cx="488107" cy="457200"/>
+          </a:xfrm>
+          <a:prstGeom prst="straightConnector1">
+            <a:avLst/>
+          </a:prstGeom>
+          <a:ln>
+            <a:solidFill>
+              <a:schemeClr val="tx1"/>
+            </a:solidFill>
+            <a:headEnd type="triangle" w="med" len="med"/>
+            <a:tailEnd type="none" w="med" len="med"/>
+          </a:ln>
+        </p:spPr>
+        <p:style>
+          <a:lnRef idx="1">
+            <a:schemeClr val="accent1"/>
+          </a:lnRef>
+          <a:fillRef idx="0">
+            <a:schemeClr val="accent1"/>
+          </a:fillRef>
+          <a:effectRef idx="0">
+            <a:schemeClr val="accent1"/>
+          </a:effectRef>
+          <a:fontRef idx="minor">
+            <a:schemeClr val="tx1"/>
+          </a:fontRef>
+        </p:style>
+      </p:cxnSp>
+      <p:cxnSp>
+        <p:nvCxnSpPr>
+          <p:cNvPr id="22" name="Straight Arrow Connector 21">
+            <a:extLst>
+              <a:ext uri="{FF2B5EF4-FFF2-40B4-BE49-F238E27FC236}">
+                <a16:creationId xmlns:a16="http://schemas.microsoft.com/office/drawing/2014/main" id="{8E73103E-8653-0844-BA70-F328BBAB0738}"/>
+              </a:ext>
+            </a:extLst>
+          </p:cNvPr>
+          <p:cNvCxnSpPr>
+            <a:cxnSpLocks/>
+          </p:cNvCxnSpPr>
+          <p:nvPr/>
+        </p:nvCxnSpPr>
+        <p:spPr>
+          <a:xfrm flipH="1">
+            <a:off x="8292878" y="2289188"/>
+            <a:ext cx="488107" cy="457200"/>
+          </a:xfrm>
+          <a:prstGeom prst="straightConnector1">
+            <a:avLst/>
+          </a:prstGeom>
+          <a:ln>
+            <a:solidFill>
+              <a:schemeClr val="tx1"/>
+            </a:solidFill>
+            <a:headEnd type="triangle" w="med" len="med"/>
+            <a:tailEnd type="none" w="med" len="med"/>
+          </a:ln>
+        </p:spPr>
+        <p:style>
+          <a:lnRef idx="1">
+            <a:schemeClr val="accent1"/>
+          </a:lnRef>
+          <a:fillRef idx="0">
+            <a:schemeClr val="accent1"/>
+          </a:fillRef>
+          <a:effectRef idx="0">
+            <a:schemeClr val="accent1"/>
+          </a:effectRef>
+          <a:fontRef idx="minor">
+            <a:schemeClr val="tx1"/>
+          </a:fontRef>
+        </p:style>
+      </p:cxnSp>
+      <p:cxnSp>
+        <p:nvCxnSpPr>
+          <p:cNvPr id="23" name="Straight Arrow Connector 22">
+            <a:extLst>
+              <a:ext uri="{FF2B5EF4-FFF2-40B4-BE49-F238E27FC236}">
+                <a16:creationId xmlns:a16="http://schemas.microsoft.com/office/drawing/2014/main" id="{E5E26995-6434-F747-BDE2-B938293FA66F}"/>
+              </a:ext>
+            </a:extLst>
+          </p:cNvPr>
+          <p:cNvCxnSpPr>
+            <a:cxnSpLocks/>
+          </p:cNvCxnSpPr>
+          <p:nvPr/>
+        </p:nvCxnSpPr>
+        <p:spPr>
+          <a:xfrm flipH="1">
+            <a:off x="9269092" y="2289188"/>
+            <a:ext cx="488108" cy="457200"/>
+          </a:xfrm>
+          <a:prstGeom prst="straightConnector1">
+            <a:avLst/>
+          </a:prstGeom>
+          <a:ln>
+            <a:solidFill>
+              <a:schemeClr val="tx1"/>
+            </a:solidFill>
+            <a:headEnd type="triangle" w="med" len="med"/>
+            <a:tailEnd type="none" w="med" len="med"/>
+          </a:ln>
+        </p:spPr>
+        <p:style>
+          <a:lnRef idx="1">
+            <a:schemeClr val="accent1"/>
+          </a:lnRef>
+          <a:fillRef idx="0">
+            <a:schemeClr val="accent1"/>
+          </a:fillRef>
+          <a:effectRef idx="0">
+            <a:schemeClr val="accent1"/>
+          </a:effectRef>
+          <a:fontRef idx="minor">
+            <a:schemeClr val="tx1"/>
+          </a:fontRef>
+        </p:style>
+      </p:cxnSp>
+      <p:cxnSp>
+        <p:nvCxnSpPr>
+          <p:cNvPr id="24" name="Straight Arrow Connector 23">
+            <a:extLst>
+              <a:ext uri="{FF2B5EF4-FFF2-40B4-BE49-F238E27FC236}">
+                <a16:creationId xmlns:a16="http://schemas.microsoft.com/office/drawing/2014/main" id="{B454587B-66B7-DA42-932A-611E7B5F1098}"/>
+              </a:ext>
+            </a:extLst>
+          </p:cNvPr>
+          <p:cNvCxnSpPr>
+            <a:cxnSpLocks/>
+          </p:cNvCxnSpPr>
+          <p:nvPr/>
+        </p:nvCxnSpPr>
+        <p:spPr>
+          <a:xfrm>
+            <a:off x="9269092" y="2289188"/>
+            <a:ext cx="488108" cy="457200"/>
+          </a:xfrm>
+          <a:prstGeom prst="straightConnector1">
+            <a:avLst/>
+          </a:prstGeom>
+          <a:ln>
+            <a:solidFill>
+              <a:schemeClr val="tx1"/>
+            </a:solidFill>
+            <a:headEnd type="triangle" w="med" len="med"/>
+            <a:tailEnd type="none" w="med" len="med"/>
+          </a:ln>
+        </p:spPr>
+        <p:style>
+          <a:lnRef idx="1">
+            <a:schemeClr val="accent1"/>
+          </a:lnRef>
+          <a:fillRef idx="0">
+            <a:schemeClr val="accent1"/>
+          </a:fillRef>
+          <a:effectRef idx="0">
+            <a:schemeClr val="accent1"/>
+          </a:effectRef>
+          <a:fontRef idx="minor">
+            <a:schemeClr val="tx1"/>
+          </a:fontRef>
+        </p:style>
+      </p:cxnSp>
+      <p:cxnSp>
+        <p:nvCxnSpPr>
+          <p:cNvPr id="25" name="Straight Arrow Connector 24">
+            <a:extLst>
+              <a:ext uri="{FF2B5EF4-FFF2-40B4-BE49-F238E27FC236}">
+                <a16:creationId xmlns:a16="http://schemas.microsoft.com/office/drawing/2014/main" id="{41D2FA6E-9582-A349-B931-22A3236C5BEE}"/>
+              </a:ext>
+            </a:extLst>
+          </p:cNvPr>
+          <p:cNvCxnSpPr>
+            <a:cxnSpLocks/>
+          </p:cNvCxnSpPr>
+          <p:nvPr/>
+        </p:nvCxnSpPr>
+        <p:spPr>
+          <a:xfrm>
+            <a:off x="8294975" y="1831988"/>
+            <a:ext cx="0" cy="457200"/>
+          </a:xfrm>
+          <a:prstGeom prst="straightConnector1">
+            <a:avLst/>
+          </a:prstGeom>
+          <a:ln w="3175" cap="rnd">
+            <a:solidFill>
+              <a:schemeClr val="tx1"/>
+            </a:solidFill>
+            <a:prstDash val="sysDot"/>
+            <a:headEnd type="triangle" w="sm" len="sm"/>
+            <a:tailEnd type="none" w="med" len="med"/>
+          </a:ln>
+        </p:spPr>
+        <p:style>
+          <a:lnRef idx="1">
+            <a:schemeClr val="accent1"/>
+          </a:lnRef>
+          <a:fillRef idx="0">
+            <a:schemeClr val="accent1"/>
+          </a:fillRef>
+          <a:effectRef idx="0">
+            <a:schemeClr val="accent1"/>
+          </a:effectRef>
+          <a:fontRef idx="minor">
+            <a:schemeClr val="tx1"/>
+          </a:fontRef>
+        </p:style>
+      </p:cxnSp>
+      <p:cxnSp>
+        <p:nvCxnSpPr>
+          <p:cNvPr id="26" name="Straight Arrow Connector 25">
+            <a:extLst>
+              <a:ext uri="{FF2B5EF4-FFF2-40B4-BE49-F238E27FC236}">
+                <a16:creationId xmlns:a16="http://schemas.microsoft.com/office/drawing/2014/main" id="{FA35A668-8198-C64E-BCA8-461524920273}"/>
+              </a:ext>
+            </a:extLst>
+          </p:cNvPr>
+          <p:cNvCxnSpPr>
+            <a:cxnSpLocks/>
+          </p:cNvCxnSpPr>
+          <p:nvPr/>
+        </p:nvCxnSpPr>
+        <p:spPr>
+          <a:xfrm>
+            <a:off x="8780985" y="1831988"/>
+            <a:ext cx="0" cy="457200"/>
+          </a:xfrm>
+          <a:prstGeom prst="straightConnector1">
+            <a:avLst/>
+          </a:prstGeom>
+          <a:ln w="3175" cap="rnd">
+            <a:solidFill>
+              <a:schemeClr val="tx1"/>
+            </a:solidFill>
+            <a:prstDash val="sysDot"/>
+            <a:headEnd type="triangle" w="sm" len="sm"/>
+            <a:tailEnd type="none" w="med" len="med"/>
+          </a:ln>
+        </p:spPr>
+        <p:style>
+          <a:lnRef idx="1">
+            <a:schemeClr val="accent1"/>
+          </a:lnRef>
+          <a:fillRef idx="0">
+            <a:schemeClr val="accent1"/>
+          </a:fillRef>
+          <a:effectRef idx="0">
+            <a:schemeClr val="accent1"/>
+          </a:effectRef>
+          <a:fontRef idx="minor">
+            <a:schemeClr val="tx1"/>
+          </a:fontRef>
+        </p:style>
+      </p:cxnSp>
+      <p:cxnSp>
+        <p:nvCxnSpPr>
+          <p:cNvPr id="27" name="Straight Arrow Connector 26">
+            <a:extLst>
+              <a:ext uri="{FF2B5EF4-FFF2-40B4-BE49-F238E27FC236}">
+                <a16:creationId xmlns:a16="http://schemas.microsoft.com/office/drawing/2014/main" id="{8E6F92B3-F84E-194B-AD96-4CCF7A34B06C}"/>
+              </a:ext>
+            </a:extLst>
+          </p:cNvPr>
+          <p:cNvCxnSpPr>
+            <a:cxnSpLocks/>
+          </p:cNvCxnSpPr>
+          <p:nvPr/>
+        </p:nvCxnSpPr>
+        <p:spPr>
+          <a:xfrm>
+            <a:off x="9276486" y="1831988"/>
+            <a:ext cx="0" cy="457200"/>
+          </a:xfrm>
+          <a:prstGeom prst="straightConnector1">
+            <a:avLst/>
+          </a:prstGeom>
+          <a:ln w="3175" cap="rnd">
+            <a:solidFill>
+              <a:schemeClr val="tx1"/>
+            </a:solidFill>
+            <a:prstDash val="sysDot"/>
+            <a:headEnd type="triangle" w="sm" len="sm"/>
+            <a:tailEnd type="none" w="med" len="med"/>
+          </a:ln>
+        </p:spPr>
+        <p:style>
+          <a:lnRef idx="1">
+            <a:schemeClr val="accent1"/>
+          </a:lnRef>
+          <a:fillRef idx="0">
+            <a:schemeClr val="accent1"/>
+          </a:fillRef>
+          <a:effectRef idx="0">
+            <a:schemeClr val="accent1"/>
+          </a:effectRef>
+          <a:fontRef idx="minor">
+            <a:schemeClr val="tx1"/>
+          </a:fontRef>
+        </p:style>
+      </p:cxnSp>
+      <p:cxnSp>
+        <p:nvCxnSpPr>
+          <p:cNvPr id="28" name="Straight Arrow Connector 27">
+            <a:extLst>
+              <a:ext uri="{FF2B5EF4-FFF2-40B4-BE49-F238E27FC236}">
+                <a16:creationId xmlns:a16="http://schemas.microsoft.com/office/drawing/2014/main" id="{2346583E-CC24-5545-BBF3-42B2C5EF8E19}"/>
+              </a:ext>
+            </a:extLst>
+          </p:cNvPr>
+          <p:cNvCxnSpPr>
+            <a:cxnSpLocks/>
+          </p:cNvCxnSpPr>
+          <p:nvPr/>
+        </p:nvCxnSpPr>
+        <p:spPr>
+          <a:xfrm>
+            <a:off x="9760950" y="1831988"/>
+            <a:ext cx="0" cy="457200"/>
+          </a:xfrm>
+          <a:prstGeom prst="straightConnector1">
+            <a:avLst/>
+          </a:prstGeom>
+          <a:ln w="3175" cap="rnd">
+            <a:solidFill>
+              <a:schemeClr val="tx1"/>
+            </a:solidFill>
+            <a:prstDash val="sysDot"/>
+            <a:headEnd type="triangle" w="sm" len="sm"/>
+            <a:tailEnd type="none" w="med" len="med"/>
+          </a:ln>
+        </p:spPr>
+        <p:style>
+          <a:lnRef idx="1">
+            <a:schemeClr val="accent1"/>
+          </a:lnRef>
+          <a:fillRef idx="0">
+            <a:schemeClr val="accent1"/>
+          </a:fillRef>
+          <a:effectRef idx="0">
+            <a:schemeClr val="accent1"/>
+          </a:effectRef>
+          <a:fontRef idx="minor">
+            <a:schemeClr val="tx1"/>
+          </a:fontRef>
+        </p:style>
+      </p:cxnSp>
+      <p:grpSp>
+        <p:nvGrpSpPr>
+          <p:cNvPr id="29" name="Group 28">
+            <a:extLst>
+              <a:ext uri="{FF2B5EF4-FFF2-40B4-BE49-F238E27FC236}">
+                <a16:creationId xmlns:a16="http://schemas.microsoft.com/office/drawing/2014/main" id="{F35B2E2F-BD9B-FA45-8B70-6878A4850732}"/>
+              </a:ext>
+            </a:extLst>
+          </p:cNvPr>
+          <p:cNvGrpSpPr/>
+          <p:nvPr/>
+        </p:nvGrpSpPr>
+        <p:grpSpPr>
+          <a:xfrm>
+            <a:off x="7637777" y="4713756"/>
+            <a:ext cx="990600" cy="696686"/>
+            <a:chOff x="5442856" y="3995057"/>
+            <a:chExt cx="990600" cy="696686"/>
+          </a:xfrm>
+        </p:grpSpPr>
+        <p:sp>
+          <p:nvSpPr>
+            <p:cNvPr id="30" name="Rectangle 29">
+              <a:extLst>
+                <a:ext uri="{FF2B5EF4-FFF2-40B4-BE49-F238E27FC236}">
+                  <a16:creationId xmlns:a16="http://schemas.microsoft.com/office/drawing/2014/main" id="{3341380F-6B15-B44C-8C78-BF11556374FF}"/>
+                </a:ext>
+              </a:extLst>
+            </p:cNvPr>
+            <p:cNvSpPr/>
+            <p:nvPr/>
+          </p:nvSpPr>
+          <p:spPr>
+            <a:xfrm>
+              <a:off x="5442856" y="3995057"/>
+              <a:ext cx="495300" cy="457200"/>
+            </a:xfrm>
+            <a:prstGeom prst="rect">
+              <a:avLst/>
+            </a:prstGeom>
+            <a:noFill/>
+            <a:ln>
+              <a:solidFill>
+                <a:schemeClr val="tx1"/>
+              </a:solidFill>
+            </a:ln>
+          </p:spPr>
+          <p:style>
+            <a:lnRef idx="2">
+              <a:schemeClr val="accent1">
+                <a:shade val="50000"/>
+              </a:schemeClr>
+            </a:lnRef>
+            <a:fillRef idx="1">
+              <a:schemeClr val="accent1"/>
+            </a:fillRef>
+            <a:effectRef idx="0">
+              <a:schemeClr val="accent1"/>
+            </a:effectRef>
+            <a:fontRef idx="minor">
+              <a:schemeClr val="lt1"/>
+            </a:fontRef>
+          </p:style>
+          <p:txBody>
+            <a:bodyPr lIns="0" tIns="0" rIns="0" bIns="0" rtlCol="0" anchor="ctr"/>
+            <a:lstStyle/>
+            <a:p>
+              <a:pPr algn="ctr"/>
+              <a:r>
+                <a:rPr lang="en-US" dirty="0">
+                  <a:solidFill>
+                    <a:schemeClr val="tx1"/>
+                  </a:solidFill>
+                  <a:latin typeface="Avenir Book" panose="02000503020000020003" pitchFamily="2" charset="0"/>
+                </a:rPr>
+                <a:t>1</a:t>
+              </a:r>
+            </a:p>
+          </p:txBody>
+        </p:sp>
+        <p:sp>
+          <p:nvSpPr>
+            <p:cNvPr id="31" name="Rectangle 30">
+              <a:extLst>
+                <a:ext uri="{FF2B5EF4-FFF2-40B4-BE49-F238E27FC236}">
+                  <a16:creationId xmlns:a16="http://schemas.microsoft.com/office/drawing/2014/main" id="{5367547B-CC23-F346-B0B2-FA2DA7576702}"/>
+                </a:ext>
+              </a:extLst>
+            </p:cNvPr>
+            <p:cNvSpPr/>
+            <p:nvPr/>
+          </p:nvSpPr>
+          <p:spPr>
+            <a:xfrm>
+              <a:off x="5938156" y="3995057"/>
+              <a:ext cx="495300" cy="457200"/>
+            </a:xfrm>
+            <a:prstGeom prst="rect">
+              <a:avLst/>
+            </a:prstGeom>
+            <a:noFill/>
+            <a:ln>
+              <a:solidFill>
+                <a:schemeClr val="tx1"/>
+              </a:solidFill>
+            </a:ln>
+          </p:spPr>
+          <p:style>
+            <a:lnRef idx="2">
+              <a:schemeClr val="accent1">
+                <a:shade val="50000"/>
+              </a:schemeClr>
+            </a:lnRef>
+            <a:fillRef idx="1">
+              <a:schemeClr val="accent1"/>
+            </a:fillRef>
+            <a:effectRef idx="0">
+              <a:schemeClr val="accent1"/>
+            </a:effectRef>
+            <a:fontRef idx="minor">
+              <a:schemeClr val="lt1"/>
+            </a:fontRef>
+          </p:style>
+          <p:txBody>
+            <a:bodyPr lIns="0" tIns="0" rIns="0" bIns="0" rtlCol="0" anchor="ctr"/>
+            <a:lstStyle/>
+            <a:p>
+              <a:pPr algn="ctr"/>
+              <a:r>
+                <a:rPr lang="en-US" dirty="0">
+                  <a:solidFill>
+                    <a:schemeClr val="tx1"/>
+                  </a:solidFill>
+                  <a:latin typeface="Avenir Book" panose="02000503020000020003" pitchFamily="2" charset="0"/>
+                </a:rPr>
+                <a:t>0</a:t>
+              </a:r>
+            </a:p>
+          </p:txBody>
+        </p:sp>
+        <p:sp>
+          <p:nvSpPr>
+            <p:cNvPr id="32" name="Rectangle 31">
+              <a:extLst>
+                <a:ext uri="{FF2B5EF4-FFF2-40B4-BE49-F238E27FC236}">
+                  <a16:creationId xmlns:a16="http://schemas.microsoft.com/office/drawing/2014/main" id="{C8A6F86A-38CC-B345-88D1-56F632DFC806}"/>
+                </a:ext>
+              </a:extLst>
+            </p:cNvPr>
+            <p:cNvSpPr/>
+            <p:nvPr/>
+          </p:nvSpPr>
+          <p:spPr>
+            <a:xfrm>
+              <a:off x="5442856" y="4452257"/>
+              <a:ext cx="495300" cy="239486"/>
+            </a:xfrm>
+            <a:prstGeom prst="rect">
+              <a:avLst/>
+            </a:prstGeom>
+            <a:noFill/>
+            <a:ln>
+              <a:noFill/>
+            </a:ln>
+          </p:spPr>
+          <p:style>
+            <a:lnRef idx="2">
+              <a:schemeClr val="accent1">
+                <a:shade val="50000"/>
+              </a:schemeClr>
+            </a:lnRef>
+            <a:fillRef idx="1">
+              <a:schemeClr val="accent1"/>
+            </a:fillRef>
+            <a:effectRef idx="0">
+              <a:schemeClr val="accent1"/>
+            </a:effectRef>
+            <a:fontRef idx="minor">
+              <a:schemeClr val="lt1"/>
+            </a:fontRef>
+          </p:style>
+          <p:txBody>
+            <a:bodyPr lIns="0" tIns="0" rIns="0" bIns="0" rtlCol="0" anchor="b" anchorCtr="0"/>
+            <a:lstStyle/>
+            <a:p>
+              <a:pPr algn="ctr"/>
+              <a:r>
+                <a:rPr lang="en-US" sz="1200" dirty="0">
+                  <a:solidFill>
+                    <a:schemeClr val="tx1"/>
+                  </a:solidFill>
+                  <a:latin typeface="Avenir Book" panose="02000503020000020003" pitchFamily="2" charset="0"/>
+                </a:rPr>
+                <a:t>0</a:t>
+              </a:r>
+            </a:p>
+          </p:txBody>
+        </p:sp>
+        <p:sp>
+          <p:nvSpPr>
+            <p:cNvPr id="33" name="Rectangle 32">
+              <a:extLst>
+                <a:ext uri="{FF2B5EF4-FFF2-40B4-BE49-F238E27FC236}">
+                  <a16:creationId xmlns:a16="http://schemas.microsoft.com/office/drawing/2014/main" id="{5548ED30-E483-2B4B-8572-6989B54AEA07}"/>
+                </a:ext>
+              </a:extLst>
+            </p:cNvPr>
+            <p:cNvSpPr/>
+            <p:nvPr/>
+          </p:nvSpPr>
+          <p:spPr>
+            <a:xfrm>
+              <a:off x="5938156" y="4452257"/>
+              <a:ext cx="495300" cy="239486"/>
+            </a:xfrm>
+            <a:prstGeom prst="rect">
+              <a:avLst/>
+            </a:prstGeom>
+            <a:noFill/>
+            <a:ln>
+              <a:noFill/>
+            </a:ln>
+          </p:spPr>
+          <p:style>
+            <a:lnRef idx="2">
+              <a:schemeClr val="accent1">
+                <a:shade val="50000"/>
+              </a:schemeClr>
+            </a:lnRef>
+            <a:fillRef idx="1">
+              <a:schemeClr val="accent1"/>
+            </a:fillRef>
+            <a:effectRef idx="0">
+              <a:schemeClr val="accent1"/>
+            </a:effectRef>
+            <a:fontRef idx="minor">
+              <a:schemeClr val="lt1"/>
+            </a:fontRef>
+          </p:style>
+          <p:txBody>
+            <a:bodyPr lIns="0" tIns="0" rIns="0" bIns="0" rtlCol="0" anchor="b" anchorCtr="0"/>
+            <a:lstStyle/>
+            <a:p>
+              <a:pPr algn="ctr"/>
+              <a:r>
+                <a:rPr lang="en-US" sz="1200" dirty="0">
+                  <a:solidFill>
+                    <a:schemeClr val="tx1"/>
+                  </a:solidFill>
+                  <a:latin typeface="Avenir Book" panose="02000503020000020003" pitchFamily="2" charset="0"/>
+                </a:rPr>
+                <a:t>1</a:t>
+              </a:r>
+            </a:p>
+          </p:txBody>
+        </p:sp>
+      </p:grpSp>
+      <p:grpSp>
+        <p:nvGrpSpPr>
+          <p:cNvPr id="34" name="Group 33">
+            <a:extLst>
+              <a:ext uri="{FF2B5EF4-FFF2-40B4-BE49-F238E27FC236}">
+                <a16:creationId xmlns:a16="http://schemas.microsoft.com/office/drawing/2014/main" id="{101DD05F-8744-B147-A7B8-B1E4B42B0B2C}"/>
+              </a:ext>
+            </a:extLst>
+          </p:cNvPr>
+          <p:cNvGrpSpPr/>
+          <p:nvPr/>
+        </p:nvGrpSpPr>
+        <p:grpSpPr>
+          <a:xfrm>
+            <a:off x="9368017" y="4713756"/>
+            <a:ext cx="990600" cy="696686"/>
+            <a:chOff x="7429500" y="3995057"/>
+            <a:chExt cx="990600" cy="696686"/>
+          </a:xfrm>
+        </p:grpSpPr>
+        <p:sp>
+          <p:nvSpPr>
+            <p:cNvPr id="35" name="Rectangle 34">
+              <a:extLst>
+                <a:ext uri="{FF2B5EF4-FFF2-40B4-BE49-F238E27FC236}">
+                  <a16:creationId xmlns:a16="http://schemas.microsoft.com/office/drawing/2014/main" id="{6803BD7C-A1DE-BC46-8CF0-4E28039A103E}"/>
+                </a:ext>
+              </a:extLst>
+            </p:cNvPr>
+            <p:cNvSpPr/>
+            <p:nvPr/>
+          </p:nvSpPr>
+          <p:spPr>
+            <a:xfrm>
+              <a:off x="7429500" y="3995057"/>
+              <a:ext cx="495300" cy="457200"/>
+            </a:xfrm>
+            <a:prstGeom prst="rect">
+              <a:avLst/>
+            </a:prstGeom>
+            <a:noFill/>
+            <a:ln>
+              <a:solidFill>
+                <a:schemeClr val="tx1"/>
+              </a:solidFill>
+            </a:ln>
+          </p:spPr>
+          <p:style>
+            <a:lnRef idx="2">
+              <a:schemeClr val="accent1">
+                <a:shade val="50000"/>
+              </a:schemeClr>
+            </a:lnRef>
+            <a:fillRef idx="1">
+              <a:schemeClr val="accent1"/>
+            </a:fillRef>
+            <a:effectRef idx="0">
+              <a:schemeClr val="accent1"/>
+            </a:effectRef>
+            <a:fontRef idx="minor">
+              <a:schemeClr val="lt1"/>
+            </a:fontRef>
+          </p:style>
+          <p:txBody>
+            <a:bodyPr lIns="0" tIns="0" rIns="0" bIns="0" rtlCol="0" anchor="ctr"/>
+            <a:lstStyle/>
+            <a:p>
+              <a:pPr algn="ctr"/>
+              <a:r>
+                <a:rPr lang="en-US" dirty="0">
+                  <a:solidFill>
+                    <a:schemeClr val="tx1"/>
+                  </a:solidFill>
+                  <a:latin typeface="Avenir Book" panose="02000503020000020003" pitchFamily="2" charset="0"/>
+                </a:rPr>
+                <a:t>0</a:t>
+              </a:r>
+            </a:p>
+          </p:txBody>
+        </p:sp>
+        <p:sp>
+          <p:nvSpPr>
+            <p:cNvPr id="36" name="Rectangle 35">
+              <a:extLst>
+                <a:ext uri="{FF2B5EF4-FFF2-40B4-BE49-F238E27FC236}">
+                  <a16:creationId xmlns:a16="http://schemas.microsoft.com/office/drawing/2014/main" id="{1A92517F-020B-B94B-BF4D-F396C947E829}"/>
+                </a:ext>
+              </a:extLst>
+            </p:cNvPr>
+            <p:cNvSpPr/>
+            <p:nvPr/>
+          </p:nvSpPr>
+          <p:spPr>
+            <a:xfrm>
+              <a:off x="7924800" y="3995057"/>
+              <a:ext cx="495300" cy="457200"/>
+            </a:xfrm>
+            <a:prstGeom prst="rect">
+              <a:avLst/>
+            </a:prstGeom>
+            <a:solidFill>
+              <a:srgbClr val="FFC000"/>
+            </a:solidFill>
+            <a:ln>
+              <a:solidFill>
+                <a:schemeClr val="tx1"/>
+              </a:solidFill>
+            </a:ln>
+          </p:spPr>
+          <p:style>
+            <a:lnRef idx="2">
+              <a:schemeClr val="accent1">
+                <a:shade val="50000"/>
+              </a:schemeClr>
+            </a:lnRef>
+            <a:fillRef idx="1">
+              <a:schemeClr val="accent1"/>
+            </a:fillRef>
+            <a:effectRef idx="0">
+              <a:schemeClr val="accent1"/>
+            </a:effectRef>
+            <a:fontRef idx="minor">
+              <a:schemeClr val="lt1"/>
+            </a:fontRef>
+          </p:style>
+          <p:txBody>
+            <a:bodyPr lIns="0" tIns="0" rIns="0" bIns="0" rtlCol="0" anchor="ctr"/>
+            <a:lstStyle/>
+            <a:p>
+              <a:pPr algn="ctr"/>
+              <a:r>
+                <a:rPr lang="en-US" dirty="0">
+                  <a:solidFill>
+                    <a:schemeClr val="tx1"/>
+                  </a:solidFill>
+                  <a:latin typeface="Avenir Book" panose="02000503020000020003" pitchFamily="2" charset="0"/>
+                </a:rPr>
+                <a:t>1</a:t>
+              </a:r>
+            </a:p>
+          </p:txBody>
+        </p:sp>
+        <p:sp>
+          <p:nvSpPr>
+            <p:cNvPr id="37" name="Rectangle 36">
+              <a:extLst>
+                <a:ext uri="{FF2B5EF4-FFF2-40B4-BE49-F238E27FC236}">
+                  <a16:creationId xmlns:a16="http://schemas.microsoft.com/office/drawing/2014/main" id="{D9824EC1-B7D2-3E4E-8802-6D1C0F468ADF}"/>
+                </a:ext>
+              </a:extLst>
+            </p:cNvPr>
+            <p:cNvSpPr/>
+            <p:nvPr/>
+          </p:nvSpPr>
+          <p:spPr>
+            <a:xfrm>
+              <a:off x="7429500" y="4452257"/>
+              <a:ext cx="495300" cy="239486"/>
+            </a:xfrm>
+            <a:prstGeom prst="rect">
+              <a:avLst/>
+            </a:prstGeom>
+            <a:noFill/>
+            <a:ln>
+              <a:noFill/>
+            </a:ln>
+          </p:spPr>
+          <p:style>
+            <a:lnRef idx="2">
+              <a:schemeClr val="accent1">
+                <a:shade val="50000"/>
+              </a:schemeClr>
+            </a:lnRef>
+            <a:fillRef idx="1">
+              <a:schemeClr val="accent1"/>
+            </a:fillRef>
+            <a:effectRef idx="0">
+              <a:schemeClr val="accent1"/>
+            </a:effectRef>
+            <a:fontRef idx="minor">
+              <a:schemeClr val="lt1"/>
+            </a:fontRef>
+          </p:style>
+          <p:txBody>
+            <a:bodyPr lIns="0" tIns="0" rIns="0" bIns="0" rtlCol="0" anchor="b" anchorCtr="0"/>
+            <a:lstStyle/>
+            <a:p>
+              <a:pPr algn="ctr"/>
+              <a:r>
+                <a:rPr lang="en-US" sz="1200" dirty="0">
+                  <a:solidFill>
+                    <a:schemeClr val="tx1"/>
+                  </a:solidFill>
+                  <a:latin typeface="Avenir Book" panose="02000503020000020003" pitchFamily="2" charset="0"/>
+                </a:rPr>
+                <a:t>0</a:t>
+              </a:r>
+            </a:p>
+          </p:txBody>
+        </p:sp>
+        <p:sp>
+          <p:nvSpPr>
+            <p:cNvPr id="38" name="Rectangle 37">
+              <a:extLst>
+                <a:ext uri="{FF2B5EF4-FFF2-40B4-BE49-F238E27FC236}">
+                  <a16:creationId xmlns:a16="http://schemas.microsoft.com/office/drawing/2014/main" id="{D975E19F-1D2E-7C4E-904F-E36840F38614}"/>
+                </a:ext>
+              </a:extLst>
+            </p:cNvPr>
+            <p:cNvSpPr/>
+            <p:nvPr/>
+          </p:nvSpPr>
+          <p:spPr>
+            <a:xfrm>
+              <a:off x="7924800" y="4452257"/>
+              <a:ext cx="495300" cy="239486"/>
+            </a:xfrm>
+            <a:prstGeom prst="rect">
+              <a:avLst/>
+            </a:prstGeom>
+            <a:noFill/>
+            <a:ln>
+              <a:noFill/>
+            </a:ln>
+          </p:spPr>
+          <p:style>
+            <a:lnRef idx="2">
+              <a:schemeClr val="accent1">
+                <a:shade val="50000"/>
+              </a:schemeClr>
+            </a:lnRef>
+            <a:fillRef idx="1">
+              <a:schemeClr val="accent1"/>
+            </a:fillRef>
+            <a:effectRef idx="0">
+              <a:schemeClr val="accent1"/>
+            </a:effectRef>
+            <a:fontRef idx="minor">
+              <a:schemeClr val="lt1"/>
+            </a:fontRef>
+          </p:style>
+          <p:txBody>
+            <a:bodyPr lIns="0" tIns="0" rIns="0" bIns="0" rtlCol="0" anchor="b" anchorCtr="0"/>
+            <a:lstStyle/>
+            <a:p>
+              <a:pPr algn="ctr"/>
+              <a:r>
+                <a:rPr lang="en-US" sz="1200" dirty="0">
+                  <a:solidFill>
+                    <a:schemeClr val="tx1"/>
+                  </a:solidFill>
+                  <a:latin typeface="Avenir Book" panose="02000503020000020003" pitchFamily="2" charset="0"/>
+                </a:rPr>
+                <a:t>1</a:t>
+              </a:r>
+            </a:p>
+          </p:txBody>
+        </p:sp>
+      </p:grpSp>
+      <p:sp>
+        <p:nvSpPr>
+          <p:cNvPr id="39" name="Rectangle 38">
+            <a:extLst>
+              <a:ext uri="{FF2B5EF4-FFF2-40B4-BE49-F238E27FC236}">
+                <a16:creationId xmlns:a16="http://schemas.microsoft.com/office/drawing/2014/main" id="{37442A16-F0EB-1745-856F-C1A2F30BBDF8}"/>
+              </a:ext>
+            </a:extLst>
+          </p:cNvPr>
+          <p:cNvSpPr/>
+          <p:nvPr/>
+        </p:nvSpPr>
+        <p:spPr>
+          <a:xfrm>
+            <a:off x="6866171" y="4701050"/>
+            <a:ext cx="704779" cy="457200"/>
+          </a:xfrm>
+          <a:prstGeom prst="rect">
+            <a:avLst/>
+          </a:prstGeom>
+          <a:noFill/>
+          <a:ln>
+            <a:noFill/>
+          </a:ln>
+        </p:spPr>
+        <p:style>
+          <a:lnRef idx="2">
+            <a:schemeClr val="accent1">
+              <a:shade val="50000"/>
+            </a:schemeClr>
+          </a:lnRef>
+          <a:fillRef idx="1">
+            <a:schemeClr val="accent1"/>
+          </a:fillRef>
+          <a:effectRef idx="0">
+            <a:schemeClr val="accent1"/>
+          </a:effectRef>
+          <a:fontRef idx="minor">
+            <a:schemeClr val="lt1"/>
+          </a:fontRef>
+        </p:style>
+        <p:txBody>
+          <a:bodyPr lIns="0" tIns="0" rIns="0" bIns="0" rtlCol="0" anchor="ctr"/>
+          <a:lstStyle/>
+          <a:p>
+            <a:pPr algn="r"/>
+            <a:r>
+              <a:rPr lang="en-US" dirty="0">
+                <a:solidFill>
+                  <a:schemeClr val="tx1"/>
+                </a:solidFill>
+                <a:latin typeface="Avenir Book" panose="02000503020000020003" pitchFamily="2" charset="0"/>
+              </a:rPr>
+              <a:t>Block</a:t>
+            </a:r>
+          </a:p>
+          <a:p>
+            <a:pPr algn="r"/>
+            <a:r>
+              <a:rPr lang="en-US" sz="1200" dirty="0">
+                <a:solidFill>
+                  <a:schemeClr val="tx1"/>
+                </a:solidFill>
+                <a:latin typeface="Avenir Book" panose="02000503020000020003" pitchFamily="2" charset="0"/>
+              </a:rPr>
+              <a:t>2:1</a:t>
+            </a:r>
+          </a:p>
+        </p:txBody>
+      </p:sp>
+      <p:sp>
+        <p:nvSpPr>
+          <p:cNvPr id="40" name="Rectangle 39">
+            <a:extLst>
+              <a:ext uri="{FF2B5EF4-FFF2-40B4-BE49-F238E27FC236}">
+                <a16:creationId xmlns:a16="http://schemas.microsoft.com/office/drawing/2014/main" id="{8F63222C-8B13-EF4C-B47C-2B319C8E2244}"/>
+              </a:ext>
+            </a:extLst>
+          </p:cNvPr>
+          <p:cNvSpPr/>
+          <p:nvPr/>
+        </p:nvSpPr>
+        <p:spPr>
+          <a:xfrm>
+            <a:off x="8608308" y="4691984"/>
+            <a:ext cx="704779" cy="457200"/>
+          </a:xfrm>
+          <a:prstGeom prst="rect">
+            <a:avLst/>
+          </a:prstGeom>
+          <a:noFill/>
+          <a:ln>
+            <a:noFill/>
+          </a:ln>
+        </p:spPr>
+        <p:style>
+          <a:lnRef idx="2">
+            <a:schemeClr val="accent1">
+              <a:shade val="50000"/>
+            </a:schemeClr>
+          </a:lnRef>
+          <a:fillRef idx="1">
+            <a:schemeClr val="accent1"/>
+          </a:fillRef>
+          <a:effectRef idx="0">
+            <a:schemeClr val="accent1"/>
+          </a:effectRef>
+          <a:fontRef idx="minor">
+            <a:schemeClr val="lt1"/>
+          </a:fontRef>
+        </p:style>
+        <p:txBody>
+          <a:bodyPr lIns="0" tIns="0" rIns="0" bIns="0" rtlCol="0" anchor="ctr"/>
+          <a:lstStyle/>
+          <a:p>
+            <a:pPr algn="r"/>
+            <a:r>
+              <a:rPr lang="en-US" dirty="0">
+                <a:solidFill>
+                  <a:schemeClr val="tx1"/>
+                </a:solidFill>
+                <a:latin typeface="Avenir Book" panose="02000503020000020003" pitchFamily="2" charset="0"/>
+              </a:rPr>
+              <a:t>Block</a:t>
+            </a:r>
+          </a:p>
+          <a:p>
+            <a:pPr algn="r"/>
+            <a:r>
+              <a:rPr lang="en-US" sz="1200" dirty="0">
+                <a:solidFill>
+                  <a:schemeClr val="tx1"/>
+                </a:solidFill>
+                <a:latin typeface="Avenir Book" panose="02000503020000020003" pitchFamily="2" charset="0"/>
+              </a:rPr>
+              <a:t>2:2</a:t>
+            </a:r>
+          </a:p>
+        </p:txBody>
+      </p:sp>
+      <p:cxnSp>
+        <p:nvCxnSpPr>
+          <p:cNvPr id="41" name="Straight Arrow Connector 40">
+            <a:extLst>
+              <a:ext uri="{FF2B5EF4-FFF2-40B4-BE49-F238E27FC236}">
+                <a16:creationId xmlns:a16="http://schemas.microsoft.com/office/drawing/2014/main" id="{7539B58E-454C-604C-8670-7DB66F449E55}"/>
+              </a:ext>
+            </a:extLst>
+          </p:cNvPr>
+          <p:cNvCxnSpPr>
+            <a:cxnSpLocks/>
+          </p:cNvCxnSpPr>
+          <p:nvPr/>
+        </p:nvCxnSpPr>
+        <p:spPr>
+          <a:xfrm flipH="1">
+            <a:off x="7896151" y="3747642"/>
+            <a:ext cx="396727" cy="747443"/>
+          </a:xfrm>
+          <a:prstGeom prst="straightConnector1">
+            <a:avLst/>
+          </a:prstGeom>
+          <a:ln>
+            <a:solidFill>
+              <a:schemeClr val="tx1"/>
+            </a:solidFill>
+            <a:headEnd type="triangle" w="med" len="med"/>
+            <a:tailEnd type="none" w="med" len="med"/>
+          </a:ln>
+        </p:spPr>
+        <p:style>
+          <a:lnRef idx="1">
+            <a:schemeClr val="accent1"/>
+          </a:lnRef>
+          <a:fillRef idx="0">
+            <a:schemeClr val="accent1"/>
+          </a:fillRef>
+          <a:effectRef idx="0">
+            <a:schemeClr val="accent1"/>
+          </a:effectRef>
+          <a:fontRef idx="minor">
+            <a:schemeClr val="tx1"/>
+          </a:fontRef>
+        </p:style>
+      </p:cxnSp>
+      <p:cxnSp>
+        <p:nvCxnSpPr>
+          <p:cNvPr id="42" name="Straight Arrow Connector 41">
+            <a:extLst>
+              <a:ext uri="{FF2B5EF4-FFF2-40B4-BE49-F238E27FC236}">
+                <a16:creationId xmlns:a16="http://schemas.microsoft.com/office/drawing/2014/main" id="{98315C15-41B0-394D-88D8-B35F48DFE285}"/>
+              </a:ext>
+            </a:extLst>
+          </p:cNvPr>
+          <p:cNvCxnSpPr>
+            <a:cxnSpLocks/>
+          </p:cNvCxnSpPr>
+          <p:nvPr/>
+        </p:nvCxnSpPr>
+        <p:spPr>
+          <a:xfrm flipH="1">
+            <a:off x="8382254" y="3747642"/>
+            <a:ext cx="398032" cy="747443"/>
+          </a:xfrm>
+          <a:prstGeom prst="straightConnector1">
+            <a:avLst/>
+          </a:prstGeom>
+          <a:ln>
+            <a:solidFill>
+              <a:schemeClr val="tx1"/>
+            </a:solidFill>
+            <a:headEnd type="triangle" w="med" len="med"/>
+            <a:tailEnd type="none" w="med" len="med"/>
+          </a:ln>
+        </p:spPr>
+        <p:style>
+          <a:lnRef idx="1">
+            <a:schemeClr val="accent1"/>
+          </a:lnRef>
+          <a:fillRef idx="0">
+            <a:schemeClr val="accent1"/>
+          </a:fillRef>
+          <a:effectRef idx="0">
+            <a:schemeClr val="accent1"/>
+          </a:effectRef>
+          <a:fontRef idx="minor">
+            <a:schemeClr val="tx1"/>
+          </a:fontRef>
+        </p:style>
+      </p:cxnSp>
+      <p:cxnSp>
+        <p:nvCxnSpPr>
+          <p:cNvPr id="43" name="Straight Arrow Connector 42">
+            <a:extLst>
+              <a:ext uri="{FF2B5EF4-FFF2-40B4-BE49-F238E27FC236}">
+                <a16:creationId xmlns:a16="http://schemas.microsoft.com/office/drawing/2014/main" id="{FC6A8325-191B-B947-8F8D-784066712625}"/>
+              </a:ext>
+            </a:extLst>
+          </p:cNvPr>
+          <p:cNvCxnSpPr>
+            <a:cxnSpLocks/>
+          </p:cNvCxnSpPr>
+          <p:nvPr/>
+        </p:nvCxnSpPr>
+        <p:spPr>
+          <a:xfrm>
+            <a:off x="9283983" y="3747642"/>
+            <a:ext cx="382460" cy="747443"/>
+          </a:xfrm>
+          <a:prstGeom prst="straightConnector1">
+            <a:avLst/>
+          </a:prstGeom>
+          <a:ln>
+            <a:solidFill>
+              <a:schemeClr val="tx1"/>
+            </a:solidFill>
+            <a:headEnd type="triangle" w="med" len="med"/>
+            <a:tailEnd type="none" w="med" len="med"/>
+          </a:ln>
+        </p:spPr>
+        <p:style>
+          <a:lnRef idx="1">
+            <a:schemeClr val="accent1"/>
+          </a:lnRef>
+          <a:fillRef idx="0">
+            <a:schemeClr val="accent1"/>
+          </a:fillRef>
+          <a:effectRef idx="0">
+            <a:schemeClr val="accent1"/>
+          </a:effectRef>
+          <a:fontRef idx="minor">
+            <a:schemeClr val="tx1"/>
+          </a:fontRef>
+        </p:style>
+      </p:cxnSp>
+      <p:cxnSp>
+        <p:nvCxnSpPr>
+          <p:cNvPr id="44" name="Straight Arrow Connector 43">
+            <a:extLst>
+              <a:ext uri="{FF2B5EF4-FFF2-40B4-BE49-F238E27FC236}">
+                <a16:creationId xmlns:a16="http://schemas.microsoft.com/office/drawing/2014/main" id="{B21DA36E-83D7-0642-8203-C20F65EB74CD}"/>
+              </a:ext>
+            </a:extLst>
+          </p:cNvPr>
+          <p:cNvCxnSpPr>
+            <a:cxnSpLocks/>
+          </p:cNvCxnSpPr>
+          <p:nvPr/>
+        </p:nvCxnSpPr>
+        <p:spPr>
+          <a:xfrm>
+            <a:off x="9757200" y="3747642"/>
+            <a:ext cx="395346" cy="747443"/>
+          </a:xfrm>
+          <a:prstGeom prst="straightConnector1">
+            <a:avLst/>
+          </a:prstGeom>
+          <a:ln>
+            <a:solidFill>
+              <a:schemeClr val="tx1"/>
+            </a:solidFill>
+            <a:headEnd type="triangle" w="med" len="med"/>
+            <a:tailEnd type="none" w="med" len="med"/>
+          </a:ln>
+        </p:spPr>
+        <p:style>
+          <a:lnRef idx="1">
+            <a:schemeClr val="accent1"/>
+          </a:lnRef>
+          <a:fillRef idx="0">
+            <a:schemeClr val="accent1"/>
+          </a:fillRef>
+          <a:effectRef idx="0">
+            <a:schemeClr val="accent1"/>
+          </a:effectRef>
+          <a:fontRef idx="minor">
+            <a:schemeClr val="tx1"/>
+          </a:fontRef>
+        </p:style>
+      </p:cxnSp>
+      <p:sp>
+        <p:nvSpPr>
+          <p:cNvPr id="45" name="Rectangle 44">
+            <a:extLst>
+              <a:ext uri="{FF2B5EF4-FFF2-40B4-BE49-F238E27FC236}">
+                <a16:creationId xmlns:a16="http://schemas.microsoft.com/office/drawing/2014/main" id="{793E0396-A594-3943-B4E2-232D5B48470B}"/>
+              </a:ext>
+            </a:extLst>
+          </p:cNvPr>
+          <p:cNvSpPr/>
+          <p:nvPr/>
+        </p:nvSpPr>
+        <p:spPr>
+          <a:xfrm>
+            <a:off x="6549185" y="2803109"/>
+            <a:ext cx="1321146" cy="740726"/>
+          </a:xfrm>
+          <a:prstGeom prst="rect">
+            <a:avLst/>
+          </a:prstGeom>
+          <a:noFill/>
+          <a:ln>
+            <a:noFill/>
+          </a:ln>
+        </p:spPr>
+        <p:style>
+          <a:lnRef idx="2">
+            <a:schemeClr val="accent1">
+              <a:shade val="50000"/>
+            </a:schemeClr>
+          </a:lnRef>
+          <a:fillRef idx="1">
+            <a:schemeClr val="accent1"/>
+          </a:fillRef>
+          <a:effectRef idx="0">
+            <a:schemeClr val="accent1"/>
+          </a:effectRef>
+          <a:fontRef idx="minor">
+            <a:schemeClr val="lt1"/>
+          </a:fontRef>
+        </p:style>
+        <p:txBody>
+          <a:bodyPr lIns="0" tIns="0" rIns="0" bIns="0" rtlCol="0" anchor="ctr"/>
+          <a:lstStyle/>
+          <a:p>
+            <a:pPr algn="r"/>
+            <a:r>
+              <a:rPr lang="en-US" dirty="0">
+                <a:solidFill>
+                  <a:schemeClr val="tx1"/>
+                </a:solidFill>
+                <a:latin typeface="Avenir Book" panose="02000503020000020003" pitchFamily="2" charset="0"/>
+              </a:rPr>
+              <a:t>Shuffled </a:t>
+            </a:r>
+          </a:p>
+          <a:p>
+            <a:pPr algn="r"/>
+            <a:r>
+              <a:rPr lang="en-US" dirty="0">
+                <a:solidFill>
+                  <a:schemeClr val="tx1"/>
+                </a:solidFill>
+                <a:latin typeface="Avenir Book" panose="02000503020000020003" pitchFamily="2" charset="0"/>
+              </a:rPr>
+              <a:t>noisy key</a:t>
+            </a:r>
+          </a:p>
+          <a:p>
+            <a:pPr algn="r"/>
+            <a:r>
+              <a:rPr lang="en-US" sz="1200" dirty="0">
+                <a:solidFill>
+                  <a:schemeClr val="tx1"/>
+                </a:solidFill>
+                <a:latin typeface="Avenir Book" panose="02000503020000020003" pitchFamily="2" charset="0"/>
+              </a:rPr>
+              <a:t>Iteration 2</a:t>
+            </a:r>
+          </a:p>
+        </p:txBody>
+      </p:sp>
+      <p:sp>
+        <p:nvSpPr>
+          <p:cNvPr id="46" name="Rectangle 45">
+            <a:extLst>
+              <a:ext uri="{FF2B5EF4-FFF2-40B4-BE49-F238E27FC236}">
+                <a16:creationId xmlns:a16="http://schemas.microsoft.com/office/drawing/2014/main" id="{A80E4B71-CF4E-C843-BC21-0DF4D02F52C0}"/>
+              </a:ext>
+            </a:extLst>
+          </p:cNvPr>
+          <p:cNvSpPr/>
+          <p:nvPr/>
+        </p:nvSpPr>
+        <p:spPr>
+          <a:xfrm>
+            <a:off x="10392763" y="2085006"/>
+            <a:ext cx="762000" cy="838200"/>
+          </a:xfrm>
+          <a:prstGeom prst="rect">
+            <a:avLst/>
+          </a:prstGeom>
+          <a:noFill/>
+          <a:ln>
+            <a:solidFill>
+              <a:schemeClr val="tx1"/>
+            </a:solidFill>
+          </a:ln>
+        </p:spPr>
+        <p:style>
+          <a:lnRef idx="2">
+            <a:schemeClr val="accent1">
+              <a:shade val="50000"/>
+            </a:schemeClr>
+          </a:lnRef>
+          <a:fillRef idx="1">
+            <a:schemeClr val="accent1"/>
+          </a:fillRef>
+          <a:effectRef idx="0">
+            <a:schemeClr val="accent1"/>
+          </a:effectRef>
+          <a:fontRef idx="minor">
+            <a:schemeClr val="lt1"/>
+          </a:fontRef>
+        </p:style>
+        <p:txBody>
+          <a:bodyPr lIns="0" tIns="0" rIns="0" bIns="0" rtlCol="0" anchor="ctr" anchorCtr="0"/>
+          <a:lstStyle/>
+          <a:p>
+            <a:pPr algn="ctr"/>
+            <a:r>
+              <a:rPr lang="en-US" sz="1200" dirty="0">
+                <a:solidFill>
+                  <a:schemeClr val="tx1"/>
+                </a:solidFill>
+                <a:latin typeface="Avenir Book" panose="02000503020000020003" pitchFamily="2" charset="0"/>
+              </a:rPr>
+              <a:t>0 → 1</a:t>
+            </a:r>
+          </a:p>
+          <a:p>
+            <a:pPr algn="ctr"/>
+            <a:r>
+              <a:rPr lang="en-US" sz="1200" dirty="0">
+                <a:solidFill>
+                  <a:schemeClr val="tx1"/>
+                </a:solidFill>
+                <a:latin typeface="Avenir Book" panose="02000503020000020003" pitchFamily="2" charset="0"/>
+              </a:rPr>
+              <a:t>1 → 0</a:t>
+            </a:r>
+          </a:p>
+          <a:p>
+            <a:pPr algn="ctr"/>
+            <a:r>
+              <a:rPr lang="en-US" sz="1200" dirty="0">
+                <a:solidFill>
+                  <a:schemeClr val="tx1"/>
+                </a:solidFill>
+                <a:latin typeface="Avenir Book" panose="02000503020000020003" pitchFamily="2" charset="0"/>
+              </a:rPr>
+              <a:t>2 → 3</a:t>
+            </a:r>
+          </a:p>
+          <a:p>
+            <a:pPr algn="ctr"/>
+            <a:r>
+              <a:rPr lang="en-US" sz="1200" dirty="0">
+                <a:solidFill>
+                  <a:schemeClr val="tx1"/>
+                </a:solidFill>
+                <a:latin typeface="Avenir Book" panose="02000503020000020003" pitchFamily="2" charset="0"/>
+              </a:rPr>
+              <a:t>3 → 2</a:t>
+            </a:r>
+          </a:p>
+        </p:txBody>
+      </p:sp>
+      <p:sp>
+        <p:nvSpPr>
+          <p:cNvPr id="47" name="Rectangle 46">
+            <a:extLst>
+              <a:ext uri="{FF2B5EF4-FFF2-40B4-BE49-F238E27FC236}">
+                <a16:creationId xmlns:a16="http://schemas.microsoft.com/office/drawing/2014/main" id="{1407514D-41D1-BA4D-B455-06BFE1568D2B}"/>
+              </a:ext>
+            </a:extLst>
+          </p:cNvPr>
+          <p:cNvSpPr/>
+          <p:nvPr/>
+        </p:nvSpPr>
+        <p:spPr>
+          <a:xfrm>
+            <a:off x="11292029" y="2261896"/>
+            <a:ext cx="838200" cy="457200"/>
+          </a:xfrm>
+          <a:prstGeom prst="rect">
+            <a:avLst/>
+          </a:prstGeom>
+          <a:noFill/>
+          <a:ln>
+            <a:noFill/>
+          </a:ln>
+        </p:spPr>
+        <p:style>
+          <a:lnRef idx="2">
+            <a:schemeClr val="accent1">
+              <a:shade val="50000"/>
+            </a:schemeClr>
+          </a:lnRef>
+          <a:fillRef idx="1">
+            <a:schemeClr val="accent1"/>
+          </a:fillRef>
+          <a:effectRef idx="0">
+            <a:schemeClr val="accent1"/>
+          </a:effectRef>
+          <a:fontRef idx="minor">
+            <a:schemeClr val="lt1"/>
+          </a:fontRef>
+        </p:style>
+        <p:txBody>
+          <a:bodyPr lIns="0" tIns="0" rIns="0" bIns="0" rtlCol="0" anchor="ctr"/>
+          <a:lstStyle/>
+          <a:p>
+            <a:r>
+              <a:rPr lang="en-US" dirty="0">
+                <a:solidFill>
+                  <a:schemeClr val="tx1"/>
+                </a:solidFill>
+                <a:latin typeface="Avenir Book" panose="02000503020000020003" pitchFamily="2" charset="0"/>
+              </a:rPr>
+              <a:t>Shuffle</a:t>
+            </a:r>
+          </a:p>
+          <a:p>
+            <a:r>
+              <a:rPr lang="en-US" sz="1200" dirty="0">
+                <a:solidFill>
+                  <a:schemeClr val="tx1"/>
+                </a:solidFill>
+                <a:latin typeface="Avenir Book" panose="02000503020000020003" pitchFamily="2" charset="0"/>
+              </a:rPr>
+              <a:t>Iteration 2</a:t>
+            </a:r>
+          </a:p>
+        </p:txBody>
+      </p:sp>
+      <p:cxnSp>
+        <p:nvCxnSpPr>
+          <p:cNvPr id="48" name="Straight Arrow Connector 47">
+            <a:extLst>
+              <a:ext uri="{FF2B5EF4-FFF2-40B4-BE49-F238E27FC236}">
+                <a16:creationId xmlns:a16="http://schemas.microsoft.com/office/drawing/2014/main" id="{700FE732-9817-104C-A899-5B2D586C98BE}"/>
+              </a:ext>
+            </a:extLst>
+          </p:cNvPr>
+          <p:cNvCxnSpPr>
+            <a:cxnSpLocks/>
+            <a:stCxn id="46" idx="1"/>
+          </p:cNvCxnSpPr>
+          <p:nvPr/>
+        </p:nvCxnSpPr>
+        <p:spPr>
+          <a:xfrm flipH="1">
+            <a:off x="9820972" y="2504106"/>
+            <a:ext cx="571791" cy="0"/>
+          </a:xfrm>
+          <a:prstGeom prst="straightConnector1">
+            <a:avLst/>
+          </a:prstGeom>
+          <a:ln>
+            <a:solidFill>
+              <a:schemeClr val="tx1"/>
+            </a:solidFill>
+            <a:prstDash val="dash"/>
+            <a:tailEnd type="triangle"/>
+          </a:ln>
+        </p:spPr>
+        <p:style>
+          <a:lnRef idx="1">
+            <a:schemeClr val="accent1"/>
+          </a:lnRef>
+          <a:fillRef idx="0">
+            <a:schemeClr val="accent1"/>
+          </a:fillRef>
+          <a:effectRef idx="0">
+            <a:schemeClr val="accent1"/>
+          </a:effectRef>
+          <a:fontRef idx="minor">
+            <a:schemeClr val="tx1"/>
+          </a:fontRef>
+        </p:style>
+      </p:cxnSp>
+      <p:sp>
+        <p:nvSpPr>
+          <p:cNvPr id="51" name="Rectangle 50">
+            <a:extLst>
+              <a:ext uri="{FF2B5EF4-FFF2-40B4-BE49-F238E27FC236}">
+                <a16:creationId xmlns:a16="http://schemas.microsoft.com/office/drawing/2014/main" id="{2DB8001A-7098-5B4D-8649-A525456752A6}"/>
+              </a:ext>
+            </a:extLst>
+          </p:cNvPr>
+          <p:cNvSpPr/>
+          <p:nvPr/>
+        </p:nvSpPr>
+        <p:spPr>
+          <a:xfrm>
+            <a:off x="7637777" y="5479076"/>
+            <a:ext cx="990600" cy="478972"/>
+          </a:xfrm>
+          <a:prstGeom prst="rect">
+            <a:avLst/>
+          </a:prstGeom>
+          <a:noFill/>
+          <a:ln>
+            <a:noFill/>
+          </a:ln>
+        </p:spPr>
+        <p:style>
+          <a:lnRef idx="2">
+            <a:schemeClr val="accent1">
+              <a:shade val="50000"/>
+            </a:schemeClr>
+          </a:lnRef>
+          <a:fillRef idx="1">
+            <a:schemeClr val="accent1"/>
+          </a:fillRef>
+          <a:effectRef idx="0">
+            <a:schemeClr val="accent1"/>
+          </a:effectRef>
+          <a:fontRef idx="minor">
+            <a:schemeClr val="lt1"/>
+          </a:fontRef>
+        </p:style>
+        <p:txBody>
+          <a:bodyPr lIns="0" tIns="0" rIns="0" bIns="0" rtlCol="0" anchor="ctr" anchorCtr="0"/>
+          <a:lstStyle/>
+          <a:p>
+            <a:pPr algn="ctr"/>
+            <a:r>
+              <a:rPr lang="en-US" sz="1200" dirty="0">
+                <a:solidFill>
+                  <a:schemeClr val="tx1"/>
+                </a:solidFill>
+                <a:latin typeface="Avenir Book" panose="02000503020000020003" pitchFamily="2" charset="0"/>
+              </a:rPr>
+              <a:t>Start = 0</a:t>
+            </a:r>
+          </a:p>
+          <a:p>
+            <a:pPr algn="ctr"/>
+            <a:r>
+              <a:rPr lang="en-US" sz="1200" dirty="0">
+                <a:solidFill>
+                  <a:schemeClr val="tx1"/>
+                </a:solidFill>
+                <a:latin typeface="Avenir Book" panose="02000503020000020003" pitchFamily="2" charset="0"/>
+              </a:rPr>
+              <a:t>Length = 2</a:t>
+            </a:r>
+          </a:p>
+        </p:txBody>
+      </p:sp>
+      <p:sp>
+        <p:nvSpPr>
+          <p:cNvPr id="52" name="Rectangle 51">
+            <a:extLst>
+              <a:ext uri="{FF2B5EF4-FFF2-40B4-BE49-F238E27FC236}">
+                <a16:creationId xmlns:a16="http://schemas.microsoft.com/office/drawing/2014/main" id="{EE295637-03D4-694D-8D0A-4EA74FDB2787}"/>
+              </a:ext>
+            </a:extLst>
+          </p:cNvPr>
+          <p:cNvSpPr/>
+          <p:nvPr/>
+        </p:nvSpPr>
+        <p:spPr>
+          <a:xfrm>
+            <a:off x="9417944" y="5479076"/>
+            <a:ext cx="990600" cy="478972"/>
+          </a:xfrm>
+          <a:prstGeom prst="rect">
+            <a:avLst/>
+          </a:prstGeom>
+          <a:noFill/>
+          <a:ln>
+            <a:noFill/>
+          </a:ln>
+        </p:spPr>
+        <p:style>
+          <a:lnRef idx="2">
+            <a:schemeClr val="accent1">
+              <a:shade val="50000"/>
+            </a:schemeClr>
+          </a:lnRef>
+          <a:fillRef idx="1">
+            <a:schemeClr val="accent1"/>
+          </a:fillRef>
+          <a:effectRef idx="0">
+            <a:schemeClr val="accent1"/>
+          </a:effectRef>
+          <a:fontRef idx="minor">
+            <a:schemeClr val="lt1"/>
+          </a:fontRef>
+        </p:style>
+        <p:txBody>
+          <a:bodyPr lIns="0" tIns="0" rIns="0" bIns="0" rtlCol="0" anchor="ctr" anchorCtr="0"/>
+          <a:lstStyle/>
+          <a:p>
+            <a:pPr algn="ctr"/>
+            <a:r>
+              <a:rPr lang="en-US" sz="1200" dirty="0">
+                <a:solidFill>
+                  <a:schemeClr val="tx1"/>
+                </a:solidFill>
+                <a:latin typeface="Avenir Book" panose="02000503020000020003" pitchFamily="2" charset="0"/>
+              </a:rPr>
+              <a:t>Start = 2</a:t>
+            </a:r>
+          </a:p>
+          <a:p>
+            <a:pPr algn="ctr"/>
+            <a:r>
+              <a:rPr lang="en-US" sz="1200" dirty="0">
+                <a:solidFill>
+                  <a:schemeClr val="tx1"/>
+                </a:solidFill>
+                <a:latin typeface="Avenir Book" panose="02000503020000020003" pitchFamily="2" charset="0"/>
+              </a:rPr>
+              <a:t>Length = 2</a:t>
+            </a:r>
+          </a:p>
+        </p:txBody>
+      </p:sp>
+      <p:sp>
+        <p:nvSpPr>
+          <p:cNvPr id="53" name="Rectangle 52">
+            <a:extLst>
+              <a:ext uri="{FF2B5EF4-FFF2-40B4-BE49-F238E27FC236}">
+                <a16:creationId xmlns:a16="http://schemas.microsoft.com/office/drawing/2014/main" id="{48CEE21D-F661-244B-BCD5-5378CA4490FF}"/>
+              </a:ext>
+            </a:extLst>
+          </p:cNvPr>
+          <p:cNvSpPr/>
+          <p:nvPr/>
+        </p:nvSpPr>
+        <p:spPr>
+          <a:xfrm>
+            <a:off x="10472697" y="4746365"/>
+            <a:ext cx="923014" cy="391981"/>
+          </a:xfrm>
+          <a:prstGeom prst="rect">
+            <a:avLst/>
+          </a:prstGeom>
+          <a:noFill/>
+          <a:ln>
+            <a:noFill/>
+          </a:ln>
+        </p:spPr>
+        <p:style>
+          <a:lnRef idx="2">
+            <a:schemeClr val="accent1">
+              <a:shade val="50000"/>
+            </a:schemeClr>
+          </a:lnRef>
+          <a:fillRef idx="1">
+            <a:schemeClr val="accent1"/>
+          </a:fillRef>
+          <a:effectRef idx="0">
+            <a:schemeClr val="accent1"/>
+          </a:effectRef>
+          <a:fontRef idx="minor">
+            <a:schemeClr val="lt1"/>
+          </a:fontRef>
+        </p:style>
+        <p:txBody>
+          <a:bodyPr lIns="0" tIns="0" rIns="0" bIns="0" rtlCol="0" anchor="ctr"/>
+          <a:lstStyle/>
+          <a:p>
+            <a:r>
+              <a:rPr lang="en-US" sz="1400" b="1" dirty="0">
+                <a:solidFill>
+                  <a:schemeClr val="tx1"/>
+                </a:solidFill>
+                <a:latin typeface="Avenir Book" panose="02000503020000020003" pitchFamily="2" charset="0"/>
+              </a:rPr>
+              <a:t>Current</a:t>
+            </a:r>
+          </a:p>
+          <a:p>
+            <a:r>
+              <a:rPr lang="en-US" sz="1400" b="1" dirty="0">
+                <a:solidFill>
+                  <a:schemeClr val="tx1"/>
+                </a:solidFill>
+                <a:latin typeface="Avenir Book" panose="02000503020000020003" pitchFamily="2" charset="0"/>
+              </a:rPr>
+              <a:t>parity = 1</a:t>
+            </a:r>
+            <a:endParaRPr lang="en-US" sz="1400" dirty="0">
+              <a:solidFill>
+                <a:schemeClr val="tx1"/>
+              </a:solidFill>
+              <a:latin typeface="Avenir Book" panose="02000503020000020003" pitchFamily="2" charset="0"/>
+            </a:endParaRPr>
+          </a:p>
+        </p:txBody>
+      </p:sp>
+      <p:sp>
+        <p:nvSpPr>
+          <p:cNvPr id="54" name="Rectangle 53">
+            <a:extLst>
+              <a:ext uri="{FF2B5EF4-FFF2-40B4-BE49-F238E27FC236}">
+                <a16:creationId xmlns:a16="http://schemas.microsoft.com/office/drawing/2014/main" id="{AB444EEF-F7D9-1948-8B21-03B4E5B0EE4B}"/>
+              </a:ext>
+            </a:extLst>
+          </p:cNvPr>
+          <p:cNvSpPr/>
+          <p:nvPr/>
+        </p:nvSpPr>
+        <p:spPr>
+          <a:xfrm>
+            <a:off x="8316207" y="370656"/>
+            <a:ext cx="1177290" cy="457200"/>
+          </a:xfrm>
+          <a:prstGeom prst="rect">
+            <a:avLst/>
+          </a:prstGeom>
+          <a:noFill/>
+          <a:ln>
+            <a:noFill/>
+          </a:ln>
+        </p:spPr>
+        <p:style>
+          <a:lnRef idx="2">
+            <a:schemeClr val="accent1">
+              <a:shade val="50000"/>
+            </a:schemeClr>
+          </a:lnRef>
+          <a:fillRef idx="1">
+            <a:schemeClr val="accent1"/>
+          </a:fillRef>
+          <a:effectRef idx="0">
+            <a:schemeClr val="accent1"/>
+          </a:effectRef>
+          <a:fontRef idx="minor">
+            <a:schemeClr val="lt1"/>
+          </a:fontRef>
+        </p:style>
+        <p:txBody>
+          <a:bodyPr lIns="0" tIns="0" rIns="0" bIns="0" rtlCol="0" anchor="ctr"/>
+          <a:lstStyle/>
+          <a:p>
+            <a:pPr algn="ctr"/>
+            <a:r>
+              <a:rPr lang="en-US" sz="2000" b="1" dirty="0">
+                <a:solidFill>
+                  <a:schemeClr val="tx1"/>
+                </a:solidFill>
+                <a:latin typeface="Avenir Book" panose="02000503020000020003" pitchFamily="2" charset="0"/>
+              </a:rPr>
+              <a:t>Bob</a:t>
+            </a:r>
+          </a:p>
+        </p:txBody>
+      </p:sp>
+      <p:grpSp>
+        <p:nvGrpSpPr>
+          <p:cNvPr id="116" name="Group 115">
+            <a:extLst>
+              <a:ext uri="{FF2B5EF4-FFF2-40B4-BE49-F238E27FC236}">
+                <a16:creationId xmlns:a16="http://schemas.microsoft.com/office/drawing/2014/main" id="{6844E774-87C2-F64D-9588-C36659311FF2}"/>
+              </a:ext>
+            </a:extLst>
+          </p:cNvPr>
+          <p:cNvGrpSpPr/>
+          <p:nvPr/>
+        </p:nvGrpSpPr>
+        <p:grpSpPr>
+          <a:xfrm>
+            <a:off x="2259385" y="1059102"/>
+            <a:ext cx="1981200" cy="696686"/>
+            <a:chOff x="4454071" y="1295400"/>
+            <a:chExt cx="1981200" cy="696686"/>
+          </a:xfrm>
+        </p:grpSpPr>
+        <p:sp>
+          <p:nvSpPr>
+            <p:cNvPr id="117" name="Rectangle 116">
+              <a:extLst>
+                <a:ext uri="{FF2B5EF4-FFF2-40B4-BE49-F238E27FC236}">
+                  <a16:creationId xmlns:a16="http://schemas.microsoft.com/office/drawing/2014/main" id="{FCD6AC67-5807-B047-988F-4F36B1F3096D}"/>
+                </a:ext>
+              </a:extLst>
+            </p:cNvPr>
+            <p:cNvSpPr/>
+            <p:nvPr/>
+          </p:nvSpPr>
+          <p:spPr>
+            <a:xfrm>
+              <a:off x="4454071" y="1295400"/>
+              <a:ext cx="495300" cy="457200"/>
+            </a:xfrm>
+            <a:prstGeom prst="rect">
+              <a:avLst/>
+            </a:prstGeom>
+            <a:noFill/>
+            <a:ln>
+              <a:solidFill>
+                <a:schemeClr val="tx1"/>
+              </a:solidFill>
+            </a:ln>
+          </p:spPr>
+          <p:style>
+            <a:lnRef idx="2">
+              <a:schemeClr val="accent1">
+                <a:shade val="50000"/>
+              </a:schemeClr>
+            </a:lnRef>
+            <a:fillRef idx="1">
+              <a:schemeClr val="accent1"/>
+            </a:fillRef>
+            <a:effectRef idx="0">
+              <a:schemeClr val="accent1"/>
+            </a:effectRef>
+            <a:fontRef idx="minor">
+              <a:schemeClr val="lt1"/>
+            </a:fontRef>
+          </p:style>
+          <p:txBody>
+            <a:bodyPr lIns="0" tIns="0" rIns="0" bIns="0" rtlCol="0" anchor="ctr"/>
+            <a:lstStyle/>
+            <a:p>
+              <a:pPr algn="ctr"/>
+              <a:r>
+                <a:rPr lang="en-US" dirty="0">
+                  <a:solidFill>
+                    <a:schemeClr val="tx1"/>
+                  </a:solidFill>
+                  <a:latin typeface="Avenir Book" panose="02000503020000020003" pitchFamily="2" charset="0"/>
+                </a:rPr>
+                <a:t>0</a:t>
+              </a:r>
+            </a:p>
+          </p:txBody>
+        </p:sp>
+        <p:sp>
+          <p:nvSpPr>
+            <p:cNvPr id="118" name="Rectangle 117">
+              <a:extLst>
+                <a:ext uri="{FF2B5EF4-FFF2-40B4-BE49-F238E27FC236}">
+                  <a16:creationId xmlns:a16="http://schemas.microsoft.com/office/drawing/2014/main" id="{6A5AC46E-7817-7E42-9A24-9ABA2C7944D0}"/>
+                </a:ext>
+              </a:extLst>
+            </p:cNvPr>
+            <p:cNvSpPr/>
+            <p:nvPr/>
+          </p:nvSpPr>
+          <p:spPr>
+            <a:xfrm>
+              <a:off x="4949371" y="1295400"/>
+              <a:ext cx="495300" cy="457200"/>
+            </a:xfrm>
+            <a:prstGeom prst="rect">
+              <a:avLst/>
+            </a:prstGeom>
+            <a:noFill/>
+            <a:ln>
+              <a:solidFill>
+                <a:schemeClr val="tx1"/>
+              </a:solidFill>
+            </a:ln>
+          </p:spPr>
+          <p:style>
+            <a:lnRef idx="2">
+              <a:schemeClr val="accent1">
+                <a:shade val="50000"/>
+              </a:schemeClr>
+            </a:lnRef>
+            <a:fillRef idx="1">
+              <a:schemeClr val="accent1"/>
+            </a:fillRef>
+            <a:effectRef idx="0">
+              <a:schemeClr val="accent1"/>
+            </a:effectRef>
+            <a:fontRef idx="minor">
+              <a:schemeClr val="lt1"/>
+            </a:fontRef>
+          </p:style>
+          <p:txBody>
+            <a:bodyPr lIns="0" tIns="0" rIns="0" bIns="0" rtlCol="0" anchor="ctr"/>
+            <a:lstStyle/>
+            <a:p>
+              <a:pPr algn="ctr"/>
+              <a:r>
+                <a:rPr lang="en-US" dirty="0">
+                  <a:solidFill>
+                    <a:schemeClr val="tx1"/>
+                  </a:solidFill>
+                  <a:latin typeface="Avenir Book" panose="02000503020000020003" pitchFamily="2" charset="0"/>
+                </a:rPr>
+                <a:t>1</a:t>
+              </a:r>
+            </a:p>
+          </p:txBody>
+        </p:sp>
+        <p:sp>
+          <p:nvSpPr>
+            <p:cNvPr id="119" name="Rectangle 118">
+              <a:extLst>
+                <a:ext uri="{FF2B5EF4-FFF2-40B4-BE49-F238E27FC236}">
+                  <a16:creationId xmlns:a16="http://schemas.microsoft.com/office/drawing/2014/main" id="{7BBE2D50-B9A7-0C48-B638-BD547B968EF2}"/>
+                </a:ext>
+              </a:extLst>
+            </p:cNvPr>
+            <p:cNvSpPr/>
+            <p:nvPr/>
+          </p:nvSpPr>
+          <p:spPr>
+            <a:xfrm>
+              <a:off x="5444671" y="1295400"/>
+              <a:ext cx="495300" cy="457200"/>
+            </a:xfrm>
+            <a:prstGeom prst="rect">
+              <a:avLst/>
+            </a:prstGeom>
+            <a:noFill/>
+            <a:ln>
+              <a:solidFill>
+                <a:schemeClr val="tx1"/>
+              </a:solidFill>
+            </a:ln>
+          </p:spPr>
+          <p:style>
+            <a:lnRef idx="2">
+              <a:schemeClr val="accent1">
+                <a:shade val="50000"/>
+              </a:schemeClr>
+            </a:lnRef>
+            <a:fillRef idx="1">
+              <a:schemeClr val="accent1"/>
+            </a:fillRef>
+            <a:effectRef idx="0">
+              <a:schemeClr val="accent1"/>
+            </a:effectRef>
+            <a:fontRef idx="minor">
+              <a:schemeClr val="lt1"/>
+            </a:fontRef>
+          </p:style>
+          <p:txBody>
+            <a:bodyPr lIns="0" tIns="0" rIns="0" bIns="0" rtlCol="0" anchor="ctr"/>
+            <a:lstStyle/>
+            <a:p>
+              <a:pPr algn="ctr"/>
+              <a:r>
+                <a:rPr lang="en-US" dirty="0">
+                  <a:solidFill>
+                    <a:schemeClr val="tx1"/>
+                  </a:solidFill>
+                  <a:latin typeface="Avenir Book" panose="02000503020000020003" pitchFamily="2" charset="0"/>
+                </a:rPr>
+                <a:t>0</a:t>
+              </a:r>
+            </a:p>
+          </p:txBody>
+        </p:sp>
+        <p:sp>
+          <p:nvSpPr>
+            <p:cNvPr id="120" name="Rectangle 119">
+              <a:extLst>
+                <a:ext uri="{FF2B5EF4-FFF2-40B4-BE49-F238E27FC236}">
+                  <a16:creationId xmlns:a16="http://schemas.microsoft.com/office/drawing/2014/main" id="{8FEA8543-2838-6E46-A9DA-4BA2DD3B0D98}"/>
+                </a:ext>
+              </a:extLst>
+            </p:cNvPr>
+            <p:cNvSpPr/>
+            <p:nvPr/>
+          </p:nvSpPr>
+          <p:spPr>
+            <a:xfrm>
+              <a:off x="5939971" y="1295400"/>
+              <a:ext cx="495300" cy="457200"/>
+            </a:xfrm>
+            <a:prstGeom prst="rect">
+              <a:avLst/>
+            </a:prstGeom>
+            <a:noFill/>
+            <a:ln>
+              <a:solidFill>
+                <a:schemeClr val="tx1"/>
+              </a:solidFill>
+            </a:ln>
+          </p:spPr>
+          <p:style>
+            <a:lnRef idx="2">
+              <a:schemeClr val="accent1">
+                <a:shade val="50000"/>
+              </a:schemeClr>
+            </a:lnRef>
+            <a:fillRef idx="1">
+              <a:schemeClr val="accent1"/>
+            </a:fillRef>
+            <a:effectRef idx="0">
+              <a:schemeClr val="accent1"/>
+            </a:effectRef>
+            <a:fontRef idx="minor">
+              <a:schemeClr val="lt1"/>
+            </a:fontRef>
+          </p:style>
+          <p:txBody>
+            <a:bodyPr lIns="0" tIns="0" rIns="0" bIns="0" rtlCol="0" anchor="ctr"/>
+            <a:lstStyle/>
+            <a:p>
+              <a:pPr algn="ctr"/>
+              <a:r>
+                <a:rPr lang="en-US" dirty="0">
+                  <a:solidFill>
+                    <a:schemeClr val="tx1"/>
+                  </a:solidFill>
+                  <a:latin typeface="Avenir Book" panose="02000503020000020003" pitchFamily="2" charset="0"/>
+                </a:rPr>
+                <a:t>0</a:t>
+              </a:r>
+            </a:p>
+          </p:txBody>
+        </p:sp>
+        <p:sp>
+          <p:nvSpPr>
+            <p:cNvPr id="121" name="Rectangle 120">
+              <a:extLst>
+                <a:ext uri="{FF2B5EF4-FFF2-40B4-BE49-F238E27FC236}">
+                  <a16:creationId xmlns:a16="http://schemas.microsoft.com/office/drawing/2014/main" id="{2DADF799-AEC1-A14D-9193-51DA03F23B12}"/>
+                </a:ext>
+              </a:extLst>
+            </p:cNvPr>
+            <p:cNvSpPr/>
+            <p:nvPr/>
+          </p:nvSpPr>
+          <p:spPr>
+            <a:xfrm>
+              <a:off x="4454071" y="1752600"/>
+              <a:ext cx="495300" cy="239486"/>
+            </a:xfrm>
+            <a:prstGeom prst="rect">
+              <a:avLst/>
+            </a:prstGeom>
+            <a:noFill/>
+            <a:ln>
+              <a:noFill/>
+            </a:ln>
+          </p:spPr>
+          <p:style>
+            <a:lnRef idx="2">
+              <a:schemeClr val="accent1">
+                <a:shade val="50000"/>
+              </a:schemeClr>
+            </a:lnRef>
+            <a:fillRef idx="1">
+              <a:schemeClr val="accent1"/>
+            </a:fillRef>
+            <a:effectRef idx="0">
+              <a:schemeClr val="accent1"/>
+            </a:effectRef>
+            <a:fontRef idx="minor">
+              <a:schemeClr val="lt1"/>
+            </a:fontRef>
+          </p:style>
+          <p:txBody>
+            <a:bodyPr lIns="0" tIns="0" rIns="0" bIns="0" rtlCol="0" anchor="b" anchorCtr="0"/>
+            <a:lstStyle/>
+            <a:p>
+              <a:pPr algn="ctr"/>
+              <a:r>
+                <a:rPr lang="en-US" sz="1200" dirty="0">
+                  <a:solidFill>
+                    <a:schemeClr val="tx1"/>
+                  </a:solidFill>
+                  <a:latin typeface="Avenir Book" panose="02000503020000020003" pitchFamily="2" charset="0"/>
+                </a:rPr>
+                <a:t>0</a:t>
+              </a:r>
+            </a:p>
+          </p:txBody>
+        </p:sp>
+        <p:sp>
+          <p:nvSpPr>
+            <p:cNvPr id="122" name="Rectangle 121">
+              <a:extLst>
+                <a:ext uri="{FF2B5EF4-FFF2-40B4-BE49-F238E27FC236}">
+                  <a16:creationId xmlns:a16="http://schemas.microsoft.com/office/drawing/2014/main" id="{18ECCDF6-C3F3-0648-BF1E-E24FDF2017BC}"/>
+                </a:ext>
+              </a:extLst>
+            </p:cNvPr>
+            <p:cNvSpPr/>
+            <p:nvPr/>
+          </p:nvSpPr>
+          <p:spPr>
+            <a:xfrm>
+              <a:off x="4949371" y="1752600"/>
+              <a:ext cx="495300" cy="239486"/>
+            </a:xfrm>
+            <a:prstGeom prst="rect">
+              <a:avLst/>
+            </a:prstGeom>
+            <a:noFill/>
+            <a:ln>
+              <a:noFill/>
+            </a:ln>
+          </p:spPr>
+          <p:style>
+            <a:lnRef idx="2">
+              <a:schemeClr val="accent1">
+                <a:shade val="50000"/>
+              </a:schemeClr>
+            </a:lnRef>
+            <a:fillRef idx="1">
+              <a:schemeClr val="accent1"/>
+            </a:fillRef>
+            <a:effectRef idx="0">
+              <a:schemeClr val="accent1"/>
+            </a:effectRef>
+            <a:fontRef idx="minor">
+              <a:schemeClr val="lt1"/>
+            </a:fontRef>
+          </p:style>
+          <p:txBody>
+            <a:bodyPr lIns="0" tIns="0" rIns="0" bIns="0" rtlCol="0" anchor="b" anchorCtr="0"/>
+            <a:lstStyle/>
+            <a:p>
+              <a:pPr algn="ctr"/>
+              <a:r>
+                <a:rPr lang="en-US" sz="1200" dirty="0">
+                  <a:solidFill>
+                    <a:schemeClr val="tx1"/>
+                  </a:solidFill>
+                  <a:latin typeface="Avenir Book" panose="02000503020000020003" pitchFamily="2" charset="0"/>
+                </a:rPr>
+                <a:t>1</a:t>
+              </a:r>
+            </a:p>
+          </p:txBody>
+        </p:sp>
+        <p:sp>
+          <p:nvSpPr>
+            <p:cNvPr id="123" name="Rectangle 122">
+              <a:extLst>
+                <a:ext uri="{FF2B5EF4-FFF2-40B4-BE49-F238E27FC236}">
+                  <a16:creationId xmlns:a16="http://schemas.microsoft.com/office/drawing/2014/main" id="{C486C3EB-1435-014D-9890-BF663EC2EDB8}"/>
+                </a:ext>
+              </a:extLst>
+            </p:cNvPr>
+            <p:cNvSpPr/>
+            <p:nvPr/>
+          </p:nvSpPr>
+          <p:spPr>
+            <a:xfrm>
+              <a:off x="5444671" y="1752600"/>
+              <a:ext cx="495300" cy="239486"/>
+            </a:xfrm>
+            <a:prstGeom prst="rect">
+              <a:avLst/>
+            </a:prstGeom>
+            <a:noFill/>
+            <a:ln>
+              <a:noFill/>
+            </a:ln>
+          </p:spPr>
+          <p:style>
+            <a:lnRef idx="2">
+              <a:schemeClr val="accent1">
+                <a:shade val="50000"/>
+              </a:schemeClr>
+            </a:lnRef>
+            <a:fillRef idx="1">
+              <a:schemeClr val="accent1"/>
+            </a:fillRef>
+            <a:effectRef idx="0">
+              <a:schemeClr val="accent1"/>
+            </a:effectRef>
+            <a:fontRef idx="minor">
+              <a:schemeClr val="lt1"/>
+            </a:fontRef>
+          </p:style>
+          <p:txBody>
+            <a:bodyPr lIns="0" tIns="0" rIns="0" bIns="0" rtlCol="0" anchor="b" anchorCtr="0"/>
+            <a:lstStyle/>
+            <a:p>
+              <a:pPr algn="ctr"/>
+              <a:r>
+                <a:rPr lang="en-US" sz="1200" dirty="0">
+                  <a:solidFill>
+                    <a:schemeClr val="tx1"/>
+                  </a:solidFill>
+                  <a:latin typeface="Avenir Book" panose="02000503020000020003" pitchFamily="2" charset="0"/>
+                </a:rPr>
+                <a:t>2</a:t>
+              </a:r>
+            </a:p>
+          </p:txBody>
+        </p:sp>
+        <p:sp>
+          <p:nvSpPr>
+            <p:cNvPr id="124" name="Rectangle 123">
+              <a:extLst>
+                <a:ext uri="{FF2B5EF4-FFF2-40B4-BE49-F238E27FC236}">
+                  <a16:creationId xmlns:a16="http://schemas.microsoft.com/office/drawing/2014/main" id="{1EA15ABF-3E41-5042-9484-C428FF6ECA22}"/>
+                </a:ext>
+              </a:extLst>
+            </p:cNvPr>
+            <p:cNvSpPr/>
+            <p:nvPr/>
+          </p:nvSpPr>
+          <p:spPr>
+            <a:xfrm>
+              <a:off x="5939971" y="1752600"/>
+              <a:ext cx="495300" cy="239486"/>
+            </a:xfrm>
+            <a:prstGeom prst="rect">
+              <a:avLst/>
+            </a:prstGeom>
+            <a:noFill/>
+            <a:ln>
+              <a:noFill/>
+            </a:ln>
+          </p:spPr>
+          <p:style>
+            <a:lnRef idx="2">
+              <a:schemeClr val="accent1">
+                <a:shade val="50000"/>
+              </a:schemeClr>
+            </a:lnRef>
+            <a:fillRef idx="1">
+              <a:schemeClr val="accent1"/>
+            </a:fillRef>
+            <a:effectRef idx="0">
+              <a:schemeClr val="accent1"/>
+            </a:effectRef>
+            <a:fontRef idx="minor">
+              <a:schemeClr val="lt1"/>
+            </a:fontRef>
+          </p:style>
+          <p:txBody>
+            <a:bodyPr lIns="0" tIns="0" rIns="0" bIns="0" rtlCol="0" anchor="b" anchorCtr="0"/>
+            <a:lstStyle/>
+            <a:p>
+              <a:pPr algn="ctr"/>
+              <a:r>
+                <a:rPr lang="en-US" sz="1200" dirty="0">
+                  <a:solidFill>
+                    <a:schemeClr val="tx1"/>
+                  </a:solidFill>
+                  <a:latin typeface="Avenir Book" panose="02000503020000020003" pitchFamily="2" charset="0"/>
+                </a:rPr>
+                <a:t>3</a:t>
+              </a:r>
+            </a:p>
+          </p:txBody>
+        </p:sp>
+      </p:grpSp>
+      <p:sp>
+        <p:nvSpPr>
+          <p:cNvPr id="125" name="Rectangle 124">
+            <a:extLst>
+              <a:ext uri="{FF2B5EF4-FFF2-40B4-BE49-F238E27FC236}">
+                <a16:creationId xmlns:a16="http://schemas.microsoft.com/office/drawing/2014/main" id="{672A1D88-E703-A74F-9DD8-8505A285CFCC}"/>
+              </a:ext>
+            </a:extLst>
+          </p:cNvPr>
+          <p:cNvSpPr/>
+          <p:nvPr/>
+        </p:nvSpPr>
+        <p:spPr>
+          <a:xfrm>
+            <a:off x="945035" y="1059102"/>
+            <a:ext cx="1177290" cy="457200"/>
+          </a:xfrm>
+          <a:prstGeom prst="rect">
+            <a:avLst/>
+          </a:prstGeom>
+          <a:noFill/>
+          <a:ln>
+            <a:noFill/>
+          </a:ln>
+        </p:spPr>
+        <p:style>
+          <a:lnRef idx="2">
+            <a:schemeClr val="accent1">
+              <a:shade val="50000"/>
+            </a:schemeClr>
+          </a:lnRef>
+          <a:fillRef idx="1">
+            <a:schemeClr val="accent1"/>
+          </a:fillRef>
+          <a:effectRef idx="0">
+            <a:schemeClr val="accent1"/>
+          </a:effectRef>
+          <a:fontRef idx="minor">
+            <a:schemeClr val="lt1"/>
+          </a:fontRef>
+        </p:style>
+        <p:txBody>
+          <a:bodyPr lIns="0" tIns="0" rIns="0" bIns="0" rtlCol="0" anchor="ctr"/>
+          <a:lstStyle/>
+          <a:p>
+            <a:pPr algn="r"/>
+            <a:r>
+              <a:rPr lang="en-US" dirty="0">
+                <a:solidFill>
+                  <a:schemeClr val="tx1"/>
+                </a:solidFill>
+                <a:latin typeface="Avenir Book" panose="02000503020000020003" pitchFamily="2" charset="0"/>
+              </a:rPr>
+              <a:t>Correct key</a:t>
+            </a:r>
+          </a:p>
+        </p:txBody>
+      </p:sp>
+      <p:sp>
+        <p:nvSpPr>
+          <p:cNvPr id="166" name="Rectangle 165">
+            <a:extLst>
+              <a:ext uri="{FF2B5EF4-FFF2-40B4-BE49-F238E27FC236}">
+                <a16:creationId xmlns:a16="http://schemas.microsoft.com/office/drawing/2014/main" id="{34E71DFE-D347-CC40-911A-DE77FE788A8C}"/>
+              </a:ext>
+            </a:extLst>
+          </p:cNvPr>
+          <p:cNvSpPr/>
+          <p:nvPr/>
+        </p:nvSpPr>
+        <p:spPr>
+          <a:xfrm>
+            <a:off x="2567995" y="359770"/>
+            <a:ext cx="1177290" cy="457200"/>
+          </a:xfrm>
+          <a:prstGeom prst="rect">
+            <a:avLst/>
+          </a:prstGeom>
+          <a:noFill/>
+          <a:ln>
+            <a:noFill/>
+          </a:ln>
+        </p:spPr>
+        <p:style>
+          <a:lnRef idx="2">
+            <a:schemeClr val="accent1">
+              <a:shade val="50000"/>
+            </a:schemeClr>
+          </a:lnRef>
+          <a:fillRef idx="1">
+            <a:schemeClr val="accent1"/>
+          </a:fillRef>
+          <a:effectRef idx="0">
+            <a:schemeClr val="accent1"/>
+          </a:effectRef>
+          <a:fontRef idx="minor">
+            <a:schemeClr val="lt1"/>
+          </a:fontRef>
+        </p:style>
+        <p:txBody>
+          <a:bodyPr lIns="0" tIns="0" rIns="0" bIns="0" rtlCol="0" anchor="ctr"/>
+          <a:lstStyle/>
+          <a:p>
+            <a:pPr algn="ctr"/>
+            <a:r>
+              <a:rPr lang="en-US" sz="2000" b="1" dirty="0">
+                <a:solidFill>
+                  <a:schemeClr val="tx1"/>
+                </a:solidFill>
+                <a:latin typeface="Avenir Book" panose="02000503020000020003" pitchFamily="2" charset="0"/>
+              </a:rPr>
+              <a:t>Alice</a:t>
+            </a:r>
+          </a:p>
+        </p:txBody>
+      </p:sp>
+      <p:cxnSp>
+        <p:nvCxnSpPr>
+          <p:cNvPr id="167" name="Straight Arrow Connector 166">
+            <a:extLst>
+              <a:ext uri="{FF2B5EF4-FFF2-40B4-BE49-F238E27FC236}">
+                <a16:creationId xmlns:a16="http://schemas.microsoft.com/office/drawing/2014/main" id="{643AFBE3-5465-B543-AC63-6571C55B3905}"/>
+              </a:ext>
+            </a:extLst>
+          </p:cNvPr>
+          <p:cNvCxnSpPr>
+            <a:cxnSpLocks/>
+          </p:cNvCxnSpPr>
+          <p:nvPr/>
+        </p:nvCxnSpPr>
+        <p:spPr>
+          <a:xfrm>
+            <a:off x="6461359" y="274320"/>
+            <a:ext cx="0" cy="5806440"/>
+          </a:xfrm>
+          <a:prstGeom prst="straightConnector1">
+            <a:avLst/>
+          </a:prstGeom>
+          <a:ln w="12700" cap="rnd">
+            <a:solidFill>
+              <a:schemeClr val="tx1"/>
+            </a:solidFill>
+            <a:prstDash val="dash"/>
+            <a:headEnd type="none" w="med" len="med"/>
+            <a:tailEnd type="none" w="med" len="med"/>
+          </a:ln>
+        </p:spPr>
+        <p:style>
+          <a:lnRef idx="1">
+            <a:schemeClr val="accent1"/>
+          </a:lnRef>
+          <a:fillRef idx="0">
+            <a:schemeClr val="accent1"/>
+          </a:fillRef>
+          <a:effectRef idx="0">
+            <a:schemeClr val="accent1"/>
+          </a:effectRef>
+          <a:fontRef idx="minor">
+            <a:schemeClr val="tx1"/>
+          </a:fontRef>
+        </p:style>
+      </p:cxnSp>
+      <p:cxnSp>
+        <p:nvCxnSpPr>
+          <p:cNvPr id="171" name="Straight Arrow Connector 170">
+            <a:extLst>
+              <a:ext uri="{FF2B5EF4-FFF2-40B4-BE49-F238E27FC236}">
+                <a16:creationId xmlns:a16="http://schemas.microsoft.com/office/drawing/2014/main" id="{1A104EB7-1FD9-D049-8D4A-6EF05ACB48C4}"/>
+              </a:ext>
+            </a:extLst>
+          </p:cNvPr>
+          <p:cNvCxnSpPr>
+            <a:cxnSpLocks/>
+          </p:cNvCxnSpPr>
+          <p:nvPr/>
+        </p:nvCxnSpPr>
+        <p:spPr>
+          <a:xfrm flipH="1" flipV="1">
+            <a:off x="4446188" y="1303367"/>
+            <a:ext cx="2337525" cy="5456"/>
+          </a:xfrm>
+          <a:prstGeom prst="straightConnector1">
+            <a:avLst/>
+          </a:prstGeom>
+          <a:ln>
+            <a:solidFill>
+              <a:schemeClr val="tx1"/>
+            </a:solidFill>
+            <a:prstDash val="dash"/>
+            <a:headEnd type="triangle" w="med" len="med"/>
+            <a:tailEnd type="none" w="med" len="med"/>
+          </a:ln>
+        </p:spPr>
+        <p:style>
+          <a:lnRef idx="1">
+            <a:schemeClr val="accent1"/>
+          </a:lnRef>
+          <a:fillRef idx="0">
+            <a:schemeClr val="accent1"/>
+          </a:fillRef>
+          <a:effectRef idx="0">
+            <a:schemeClr val="accent1"/>
+          </a:effectRef>
+          <a:fontRef idx="minor">
+            <a:schemeClr val="tx1"/>
+          </a:fontRef>
+        </p:style>
+      </p:cxnSp>
+      <p:pic>
+        <p:nvPicPr>
+          <p:cNvPr id="173" name="Picture 172">
+            <a:extLst>
+              <a:ext uri="{FF2B5EF4-FFF2-40B4-BE49-F238E27FC236}">
+                <a16:creationId xmlns:a16="http://schemas.microsoft.com/office/drawing/2014/main" id="{05FDAFE4-10D1-DD4B-BC03-2317E9561DFD}"/>
+              </a:ext>
+            </a:extLst>
+          </p:cNvPr>
+          <p:cNvPicPr>
+            <a:picLocks noChangeAspect="1"/>
+          </p:cNvPicPr>
+          <p:nvPr/>
+        </p:nvPicPr>
+        <p:blipFill>
+          <a:blip r:embed="rId2"/>
+          <a:stretch>
+            <a:fillRect/>
+          </a:stretch>
+        </p:blipFill>
+        <p:spPr>
+          <a:xfrm>
+            <a:off x="5533995" y="1118781"/>
+            <a:ext cx="428922" cy="374628"/>
+          </a:xfrm>
+          <a:prstGeom prst="rect">
+            <a:avLst/>
+          </a:prstGeom>
+        </p:spPr>
+      </p:pic>
+    </p:spTree>
+    <p:extLst>
+      <p:ext uri="{BB962C8B-B14F-4D97-AF65-F5344CB8AC3E}">
+        <p14:creationId xmlns:p14="http://schemas.microsoft.com/office/powerpoint/2010/main" val="827476023"/>
+      </p:ext>
+    </p:extLst>
+  </p:cSld>
+  <p:clrMapOvr>
+    <a:masterClrMapping/>
+  </p:clrMapOvr>
+</p:sld>
+</file>
+
+<file path=ppt/slides/slide12.xml><?xml version="1.0" encoding="utf-8"?>
+<p:sld xmlns:a="http://schemas.openxmlformats.org/drawingml/2006/main" xmlns:r="http://schemas.openxmlformats.org/officeDocument/2006/relationships" xmlns:p="http://schemas.openxmlformats.org/presentationml/2006/main">
+  <p:cSld>
+    <p:spTree>
+      <p:nvGrpSpPr>
+        <p:cNvPr id="1" name=""/>
+        <p:cNvGrpSpPr/>
+        <p:nvPr/>
+      </p:nvGrpSpPr>
+      <p:grpSpPr>
+        <a:xfrm>
+          <a:off x="0" y="0"/>
+          <a:ext cx="0" cy="0"/>
+          <a:chOff x="0" y="0"/>
+          <a:chExt cx="0" cy="0"/>
+        </a:xfrm>
+      </p:grpSpPr>
+      <p:grpSp>
+        <p:nvGrpSpPr>
+          <p:cNvPr id="2" name="Group 1">
+            <a:extLst>
+              <a:ext uri="{FF2B5EF4-FFF2-40B4-BE49-F238E27FC236}">
                 <a16:creationId xmlns:a16="http://schemas.microsoft.com/office/drawing/2014/main" id="{7A831F4C-9BF7-1343-9EAA-E2D3353DF7D8}"/>
               </a:ext>
             </a:extLst>
@@ -10351,7 +19174,7 @@
 </p:sld>
 </file>
 
-<file path=ppt/slides/slide11.xml><?xml version="1.0" encoding="utf-8"?>
+<file path=ppt/slides/slide13.xml><?xml version="1.0" encoding="utf-8"?>
 <p:sld xmlns:a="http://schemas.openxmlformats.org/drawingml/2006/main" xmlns:r="http://schemas.openxmlformats.org/officeDocument/2006/relationships" xmlns:p="http://schemas.openxmlformats.org/presentationml/2006/main">
   <p:cSld>
     <p:spTree>
@@ -10439,7 +19262,7 @@
 </p:sld>
 </file>
 
-<file path=ppt/slides/slide12.xml><?xml version="1.0" encoding="utf-8"?>
+<file path=ppt/slides/slide14.xml><?xml version="1.0" encoding="utf-8"?>
 <p:sld xmlns:a="http://schemas.openxmlformats.org/drawingml/2006/main" xmlns:r="http://schemas.openxmlformats.org/officeDocument/2006/relationships" xmlns:p="http://schemas.openxmlformats.org/presentationml/2006/main">
   <p:cSld>
     <p:spTree>
